--- a/web/4-JS/JavaScript.pptx
+++ b/web/4-JS/JavaScript.pptx
@@ -5,10 +5,10 @@
     <p:sldMasterId id="2147483648" r:id="rId1"/>
   </p:sldMasterIdLst>
   <p:notesMasterIdLst>
-    <p:notesMasterId r:id="rId11"/>
+    <p:notesMasterId r:id="rId12"/>
   </p:notesMasterIdLst>
   <p:handoutMasterIdLst>
-    <p:handoutMasterId r:id="rId12"/>
+    <p:handoutMasterId r:id="rId13"/>
   </p:handoutMasterIdLst>
   <p:sldIdLst>
     <p:sldId id="257" r:id="rId2"/>
@@ -17,9 +17,10 @@
     <p:sldId id="265" r:id="rId5"/>
     <p:sldId id="258" r:id="rId6"/>
     <p:sldId id="260" r:id="rId7"/>
-    <p:sldId id="261" r:id="rId8"/>
-    <p:sldId id="266" r:id="rId9"/>
-    <p:sldId id="264" r:id="rId10"/>
+    <p:sldId id="267" r:id="rId8"/>
+    <p:sldId id="261" r:id="rId9"/>
+    <p:sldId id="266" r:id="rId10"/>
+    <p:sldId id="264" r:id="rId11"/>
   </p:sldIdLst>
   <p:sldSz cx="9144000" cy="6858000" type="screen4x3"/>
   <p:notesSz cx="6858000" cy="9144000"/>
@@ -219,7 +220,7 @@
           <a:p>
             <a:fld id="{5EB47243-285B-2741-8C7D-C88258D9CCFA}" type="datetimeFigureOut">
               <a:rPr lang="fr-FR" smtClean="0"/>
-              <a:t>02/06/2019</a:t>
+              <a:t>05/06/2019</a:t>
             </a:fld>
             <a:endParaRPr lang="fr-FR"/>
           </a:p>
@@ -285,7 +286,7 @@
           <a:p>
             <a:fld id="{C5CA9166-BC48-2C47-B9BF-6F57720E77B8}" type="slidenum">
               <a:rPr lang="fr-FR" smtClean="0"/>
-              <a:t>‹N°›</a:t>
+              <a:t>‹#›</a:t>
             </a:fld>
             <a:endParaRPr lang="fr-FR"/>
           </a:p>
@@ -385,7 +386,7 @@
           <a:p>
             <a:fld id="{7D088D39-B4EA-D24B-B9C3-6A64886EABE2}" type="datetimeFigureOut">
               <a:rPr lang="fr-FR" smtClean="0"/>
-              <a:t>02/06/2019</a:t>
+              <a:t>05/06/2019</a:t>
             </a:fld>
             <a:endParaRPr lang="fr-FR"/>
           </a:p>
@@ -543,7 +544,7 @@
           <a:p>
             <a:fld id="{1C0E2CBA-6097-B848-A7DA-4D7BD6EB303B}" type="slidenum">
               <a:rPr lang="fr-FR" smtClean="0"/>
-              <a:t>‹N°›</a:t>
+              <a:t>‹#›</a:t>
             </a:fld>
             <a:endParaRPr lang="fr-FR"/>
           </a:p>
@@ -711,18 +712,6 @@
             </a:r>
           </a:p>
           <a:p>
-            <a:r>
-              <a:rPr lang="fr-FR" sz="1200" b="0" kern="1200" dirty="0">
-                <a:solidFill>
-                  <a:schemeClr val="tx1"/>
-                </a:solidFill>
-                <a:effectLst/>
-                <a:latin typeface="+mn-lt"/>
-                <a:ea typeface="+mn-ea"/>
-                <a:cs typeface="+mn-cs"/>
-              </a:rPr>
-              <a:t/>
-            </a:r>
             <a:br>
               <a:rPr lang="fr-FR" sz="1200" b="0" kern="1200" dirty="0">
                 <a:solidFill>
@@ -796,18 +785,6 @@
             </a:r>
           </a:p>
           <a:p>
-            <a:r>
-              <a:rPr lang="fr-FR" sz="1200" b="0" kern="1200" dirty="0">
-                <a:solidFill>
-                  <a:schemeClr val="tx1"/>
-                </a:solidFill>
-                <a:effectLst/>
-                <a:latin typeface="+mn-lt"/>
-                <a:ea typeface="+mn-ea"/>
-                <a:cs typeface="+mn-cs"/>
-              </a:rPr>
-              <a:t/>
-            </a:r>
             <a:br>
               <a:rPr lang="fr-FR" sz="1200" b="0" kern="1200" dirty="0">
                 <a:solidFill>
@@ -833,18 +810,6 @@
             </a:r>
           </a:p>
           <a:p>
-            <a:r>
-              <a:rPr lang="fr-FR" sz="1200" b="0" kern="1200" dirty="0">
-                <a:solidFill>
-                  <a:schemeClr val="tx1"/>
-                </a:solidFill>
-                <a:effectLst/>
-                <a:latin typeface="+mn-lt"/>
-                <a:ea typeface="+mn-ea"/>
-                <a:cs typeface="+mn-cs"/>
-              </a:rPr>
-              <a:t/>
-            </a:r>
             <a:br>
               <a:rPr lang="fr-FR" sz="1200" b="0" kern="1200" dirty="0">
                 <a:solidFill>
@@ -1096,18 +1061,6 @@
             </a:r>
           </a:p>
           <a:p>
-            <a:r>
-              <a:rPr lang="fr-FR" sz="1200" b="0" kern="1200" dirty="0">
-                <a:solidFill>
-                  <a:schemeClr val="tx1"/>
-                </a:solidFill>
-                <a:effectLst/>
-                <a:latin typeface="+mn-lt"/>
-                <a:ea typeface="+mn-ea"/>
-                <a:cs typeface="+mn-cs"/>
-              </a:rPr>
-              <a:t/>
-            </a:r>
             <a:br>
               <a:rPr lang="fr-FR" sz="1200" b="0" kern="1200" dirty="0">
                 <a:solidFill>
@@ -1181,18 +1134,6 @@
             </a:r>
           </a:p>
           <a:p>
-            <a:r>
-              <a:rPr lang="fr-FR" sz="1200" b="0" kern="1200" dirty="0">
-                <a:solidFill>
-                  <a:schemeClr val="tx1"/>
-                </a:solidFill>
-                <a:effectLst/>
-                <a:latin typeface="+mn-lt"/>
-                <a:ea typeface="+mn-ea"/>
-                <a:cs typeface="+mn-cs"/>
-              </a:rPr>
-              <a:t/>
-            </a:r>
             <a:br>
               <a:rPr lang="fr-FR" sz="1200" b="0" kern="1200" dirty="0">
                 <a:solidFill>
@@ -1218,18 +1159,6 @@
             </a:r>
           </a:p>
           <a:p>
-            <a:r>
-              <a:rPr lang="fr-FR" sz="1200" b="0" kern="1200" dirty="0">
-                <a:solidFill>
-                  <a:schemeClr val="tx1"/>
-                </a:solidFill>
-                <a:effectLst/>
-                <a:latin typeface="+mn-lt"/>
-                <a:ea typeface="+mn-ea"/>
-                <a:cs typeface="+mn-cs"/>
-              </a:rPr>
-              <a:t/>
-            </a:r>
             <a:br>
               <a:rPr lang="fr-FR" sz="1200" b="0" kern="1200" dirty="0">
                 <a:solidFill>
@@ -2376,7 +2305,7 @@
           <a:p>
             <a:fld id="{BB2FA04C-1355-4CE6-8050-4BD994E23BD5}" type="datetime4">
               <a:rPr lang="fr-FR" smtClean="0"/>
-              <a:t>2 juin 2019</a:t>
+              <a:t>5 juin 2019</a:t>
             </a:fld>
             <a:endParaRPr lang="fr-FR" dirty="0"/>
           </a:p>
@@ -2454,7 +2383,7 @@
             <a:fld id="{DCE37727-CC04-7A46-938D-2CCFF056F773}" type="slidenum">
               <a:rPr lang="fr-FR" smtClean="0"/>
               <a:pPr/>
-              <a:t>‹N°›</a:t>
+              <a:t>‹#›</a:t>
             </a:fld>
             <a:endParaRPr lang="fr-FR"/>
           </a:p>
@@ -2866,7 +2795,7 @@
           <a:p>
             <a:fld id="{A81C4219-47FF-4375-968D-EABA4A212953}" type="datetime4">
               <a:rPr lang="fr-FR" smtClean="0"/>
-              <a:t>2 juin 2019</a:t>
+              <a:t>5 juin 2019</a:t>
             </a:fld>
             <a:endParaRPr lang="fr-FR" dirty="0"/>
           </a:p>
@@ -2944,7 +2873,7 @@
             <a:fld id="{DCE37727-CC04-7A46-938D-2CCFF056F773}" type="slidenum">
               <a:rPr lang="fr-FR" smtClean="0"/>
               <a:pPr/>
-              <a:t>‹N°›</a:t>
+              <a:t>‹#›</a:t>
             </a:fld>
             <a:endParaRPr lang="fr-FR"/>
           </a:p>
@@ -4702,7 +4631,7 @@
           <a:p>
             <a:fld id="{81E3CCF4-D669-4BB6-B0BE-EE495E88AE6B}" type="datetime4">
               <a:rPr lang="fr-FR" smtClean="0"/>
-              <a:t>2 juin 2019</a:t>
+              <a:t>5 juin 2019</a:t>
             </a:fld>
             <a:endParaRPr lang="fr-FR" dirty="0"/>
           </a:p>
@@ -4780,7 +4709,7 @@
             <a:fld id="{DCE37727-CC04-7A46-938D-2CCFF056F773}" type="slidenum">
               <a:rPr lang="fr-FR" smtClean="0"/>
               <a:pPr/>
-              <a:t>‹N°›</a:t>
+              <a:t>‹#›</a:t>
             </a:fld>
             <a:endParaRPr lang="fr-FR"/>
           </a:p>
@@ -5638,7 +5567,7 @@
           <a:p>
             <a:fld id="{2E52B8B1-858B-4633-AE57-5B6CA9292F2B}" type="datetime4">
               <a:rPr lang="fr-FR" smtClean="0"/>
-              <a:t>2 juin 2019</a:t>
+              <a:t>5 juin 2019</a:t>
             </a:fld>
             <a:endParaRPr lang="fr-FR" dirty="0"/>
           </a:p>
@@ -5716,7 +5645,7 @@
             <a:fld id="{DCE37727-CC04-7A46-938D-2CCFF056F773}" type="slidenum">
               <a:rPr lang="fr-FR" smtClean="0"/>
               <a:pPr/>
-              <a:t>‹N°›</a:t>
+              <a:t>‹#›</a:t>
             </a:fld>
             <a:endParaRPr lang="fr-FR"/>
           </a:p>
@@ -6201,6 +6130,146 @@
 </p:sld>
 </file>
 
+<file path=ppt/slides/slide10.xml><?xml version="1.0" encoding="utf-8"?>
+<p:sld xmlns:a="http://schemas.openxmlformats.org/drawingml/2006/main" xmlns:r="http://schemas.openxmlformats.org/officeDocument/2006/relationships" xmlns:p="http://schemas.openxmlformats.org/presentationml/2006/main">
+  <p:cSld>
+    <p:spTree>
+      <p:nvGrpSpPr>
+        <p:cNvPr id="1" name=""/>
+        <p:cNvGrpSpPr/>
+        <p:nvPr/>
+      </p:nvGrpSpPr>
+      <p:grpSpPr>
+        <a:xfrm>
+          <a:off x="0" y="0"/>
+          <a:ext cx="0" cy="0"/>
+          <a:chOff x="0" y="0"/>
+          <a:chExt cx="0" cy="0"/>
+        </a:xfrm>
+      </p:grpSpPr>
+      <p:sp>
+        <p:nvSpPr>
+          <p:cNvPr id="2" name="Titre 1"/>
+          <p:cNvSpPr>
+            <a:spLocks noGrp="1"/>
+          </p:cNvSpPr>
+          <p:nvPr>
+            <p:ph type="title"/>
+          </p:nvPr>
+        </p:nvSpPr>
+        <p:spPr/>
+        <p:txBody>
+          <a:bodyPr/>
+          <a:lstStyle/>
+          <a:p>
+            <a:r>
+              <a:rPr lang="fr-FR" dirty="0"/>
+              <a:t>Résumé</a:t>
+            </a:r>
+          </a:p>
+        </p:txBody>
+      </p:sp>
+      <p:sp>
+        <p:nvSpPr>
+          <p:cNvPr id="3" name="Espace réservé du contenu 2"/>
+          <p:cNvSpPr>
+            <a:spLocks noGrp="1"/>
+          </p:cNvSpPr>
+          <p:nvPr>
+            <p:ph idx="1"/>
+          </p:nvPr>
+        </p:nvSpPr>
+        <p:spPr/>
+        <p:txBody>
+          <a:bodyPr/>
+          <a:lstStyle/>
+          <a:p>
+            <a:endParaRPr lang="fr-FR" dirty="0"/>
+          </a:p>
+        </p:txBody>
+      </p:sp>
+      <p:sp>
+        <p:nvSpPr>
+          <p:cNvPr id="4" name="Espace réservé de la date 3"/>
+          <p:cNvSpPr>
+            <a:spLocks noGrp="1"/>
+          </p:cNvSpPr>
+          <p:nvPr>
+            <p:ph type="dt" sz="half" idx="10"/>
+          </p:nvPr>
+        </p:nvSpPr>
+        <p:spPr/>
+        <p:txBody>
+          <a:bodyPr/>
+          <a:lstStyle/>
+          <a:p>
+            <a:fld id="{BB2FA04C-1355-4CE6-8050-4BD994E23BD5}" type="datetime4">
+              <a:rPr lang="fr-FR" smtClean="0"/>
+              <a:t>5 juin 2019</a:t>
+            </a:fld>
+            <a:endParaRPr lang="fr-FR" dirty="0"/>
+          </a:p>
+        </p:txBody>
+      </p:sp>
+      <p:sp>
+        <p:nvSpPr>
+          <p:cNvPr id="5" name="Espace réservé du pied de page 4"/>
+          <p:cNvSpPr>
+            <a:spLocks noGrp="1"/>
+          </p:cNvSpPr>
+          <p:nvPr>
+            <p:ph type="ftr" sz="quarter" idx="11"/>
+          </p:nvPr>
+        </p:nvSpPr>
+        <p:spPr/>
+        <p:txBody>
+          <a:bodyPr/>
+          <a:lstStyle/>
+          <a:p>
+            <a:r>
+              <a:rPr lang="fr-FR"/>
+              <a:t>DIU NSI</a:t>
+            </a:r>
+          </a:p>
+        </p:txBody>
+      </p:sp>
+      <p:sp>
+        <p:nvSpPr>
+          <p:cNvPr id="6" name="Espace réservé du numéro de diapositive 5"/>
+          <p:cNvSpPr>
+            <a:spLocks noGrp="1"/>
+          </p:cNvSpPr>
+          <p:nvPr>
+            <p:ph type="sldNum" sz="quarter" idx="12"/>
+          </p:nvPr>
+        </p:nvSpPr>
+        <p:spPr/>
+        <p:txBody>
+          <a:bodyPr/>
+          <a:lstStyle/>
+          <a:p>
+            <a:fld id="{DCE37727-CC04-7A46-938D-2CCFF056F773}" type="slidenum">
+              <a:rPr lang="fr-FR" smtClean="0"/>
+              <a:pPr/>
+              <a:t>10</a:t>
+            </a:fld>
+            <a:endParaRPr lang="fr-FR"/>
+          </a:p>
+        </p:txBody>
+      </p:sp>
+    </p:spTree>
+    <p:extLst>
+      <p:ext uri="{BB962C8B-B14F-4D97-AF65-F5344CB8AC3E}">
+        <p14:creationId xmlns:p14="http://schemas.microsoft.com/office/powerpoint/2010/main" val="892018545"/>
+      </p:ext>
+    </p:extLst>
+  </p:cSld>
+  <p:clrMapOvr>
+    <a:masterClrMapping/>
+  </p:clrMapOvr>
+</p:sld>
+</file>
+
 <file path=ppt/slides/slide2.xml><?xml version="1.0" encoding="utf-8"?>
 <p:sld xmlns:a="http://schemas.openxmlformats.org/drawingml/2006/main" xmlns:r="http://schemas.openxmlformats.org/officeDocument/2006/relationships" xmlns:p="http://schemas.openxmlformats.org/presentationml/2006/main">
   <p:cSld>
@@ -6234,10 +6303,9 @@
           <a:lstStyle/>
           <a:p>
             <a:r>
-              <a:rPr lang="fr-FR" dirty="0" smtClean="0"/>
+              <a:rPr lang="fr-FR" dirty="0"/>
               <a:t>JavaScript</a:t>
             </a:r>
-            <a:endParaRPr lang="fr-FR" dirty="0"/>
           </a:p>
         </p:txBody>
       </p:sp>
@@ -6312,7 +6380,7 @@
           <a:lstStyle/>
           <a:p>
             <a:r>
-              <a:rPr lang="fr-FR" b="1" dirty="0" smtClean="0"/>
+              <a:rPr lang="fr-FR" b="1" dirty="0"/>
               <a:t>JavaScript</a:t>
             </a:r>
             <a:endParaRPr lang="fr-FR" dirty="0"/>
@@ -6336,7 +6404,7 @@
           <a:p>
             <a:fld id="{1AC11C67-BE04-4C5F-B0EE-E01220C9093A}" type="datetime4">
               <a:rPr lang="fr-FR" smtClean="0"/>
-              <a:t>3 juin 2019</a:t>
+              <a:t>5 juin 2019</a:t>
             </a:fld>
             <a:endParaRPr lang="fr-FR" dirty="0"/>
           </a:p>
@@ -6598,11 +6666,11 @@
           <a:p>
             <a:pPr marL="400050" indent="-400050"/>
             <a:r>
-              <a:rPr lang="fr-FR" sz="2400" b="1" dirty="0" smtClean="0"/>
+              <a:rPr lang="fr-FR" sz="2400" b="1" dirty="0"/>
               <a:t> </a:t>
             </a:r>
             <a:r>
-              <a:rPr lang="fr-FR" sz="2400" dirty="0" smtClean="0"/>
+              <a:rPr lang="fr-FR" sz="2400" dirty="0"/>
               <a:t>JavaScript </a:t>
             </a:r>
           </a:p>
@@ -6610,23 +6678,7 @@
             <a:pPr lvl="1"/>
             <a:r>
               <a:rPr lang="fr-FR" sz="2000" dirty="0"/>
-              <a:t>1995</a:t>
-            </a:r>
-            <a:r>
-              <a:rPr lang="fr-FR" sz="2000" dirty="0" smtClean="0"/>
-              <a:t> (début), </a:t>
-            </a:r>
-            <a:r>
-              <a:rPr lang="fr-FR" sz="2000" dirty="0"/>
-              <a:t> ECMA standard </a:t>
-            </a:r>
-            <a:r>
-              <a:rPr lang="fr-FR" sz="2000" dirty="0"/>
-              <a:t>(</a:t>
-            </a:r>
-            <a:r>
-              <a:rPr lang="fr-FR" sz="2000" dirty="0" smtClean="0"/>
-              <a:t>1997), </a:t>
+              <a:t>1995 (début),  ECMA standard (1997), </a:t>
             </a:r>
             <a:r>
               <a:rPr lang="fr-FR" sz="2000" dirty="0" err="1"/>
@@ -6634,121 +6686,49 @@
             </a:r>
             <a:r>
               <a:rPr lang="fr-FR" sz="2000" dirty="0"/>
-              <a:t> </a:t>
-            </a:r>
-            <a:r>
-              <a:rPr lang="fr-FR" sz="2000" dirty="0" smtClean="0"/>
-              <a:t>(2018)</a:t>
+              <a:t> (2018)</a:t>
             </a:r>
           </a:p>
           <a:p>
             <a:pPr marL="400050" indent="-400050"/>
             <a:r>
-              <a:rPr lang="fr-FR" sz="2400" dirty="0" smtClean="0"/>
-              <a:t>Exécuté dans un navigateur web.</a:t>
+              <a:rPr lang="fr-FR" sz="2400" dirty="0"/>
+              <a:t>Exécuté dans un navigateur web</a:t>
             </a:r>
           </a:p>
           <a:p>
             <a:pPr lvl="1"/>
             <a:r>
-              <a:rPr lang="fr-FR" sz="2000" dirty="0" smtClean="0"/>
-              <a:t>Chrome</a:t>
-            </a:r>
-            <a:r>
               <a:rPr lang="fr-FR" sz="2000" dirty="0"/>
-              <a:t>, Firefox, </a:t>
-            </a:r>
-            <a:r>
-              <a:rPr lang="fr-FR" sz="2000" dirty="0" smtClean="0"/>
-              <a:t>Safari, etc.</a:t>
+              <a:t>Chrome, Firefox, Safari, etc.</a:t>
             </a:r>
           </a:p>
           <a:p>
             <a:pPr marL="400050" indent="-400050"/>
             <a:r>
-              <a:rPr lang="fr-FR" sz="2400" dirty="0" smtClean="0"/>
-              <a:t>Programme </a:t>
-            </a:r>
-            <a:r>
               <a:rPr lang="fr-FR" sz="2400" dirty="0"/>
-              <a:t>le comportement des pages </a:t>
-            </a:r>
-            <a:r>
-              <a:rPr lang="fr-FR" sz="2400" dirty="0" smtClean="0"/>
-              <a:t>web</a:t>
+              <a:t>Programme le comportement des pages web</a:t>
             </a:r>
           </a:p>
           <a:p>
             <a:pPr lvl="1"/>
             <a:r>
               <a:rPr lang="fr-FR" sz="2000" dirty="0"/>
-              <a:t>Peut </a:t>
-            </a:r>
-            <a:r>
-              <a:rPr lang="fr-FR" sz="2000" dirty="0" smtClean="0"/>
-              <a:t>ajouter, changer et </a:t>
-            </a:r>
+              <a:t>Peut ajouter, changer et retirer tous les éléments et les attributs HTML.</a:t>
+            </a:r>
+          </a:p>
+          <a:p>
+            <a:pPr lvl="1"/>
             <a:r>
               <a:rPr lang="fr-FR" sz="2000" dirty="0"/>
-              <a:t>retirer tous les </a:t>
-            </a:r>
-            <a:r>
-              <a:rPr lang="fr-FR" sz="2000" dirty="0" smtClean="0"/>
-              <a:t>éléments et </a:t>
-            </a:r>
+              <a:t>Peut ajouter, changer et retirer tous les styles CSS. </a:t>
+            </a:r>
+          </a:p>
+          <a:p>
+            <a:pPr lvl="1"/>
             <a:r>
               <a:rPr lang="fr-FR" sz="2000" dirty="0"/>
-              <a:t>les attributs </a:t>
-            </a:r>
-            <a:r>
-              <a:rPr lang="fr-FR" sz="2000" dirty="0" smtClean="0"/>
-              <a:t>HTML.</a:t>
-            </a:r>
-          </a:p>
-          <a:p>
-            <a:pPr lvl="1"/>
-            <a:r>
-              <a:rPr lang="fr-FR" sz="2000" dirty="0" smtClean="0"/>
-              <a:t>Peut </a:t>
-            </a:r>
-            <a:r>
-              <a:rPr lang="fr-FR" sz="2000" dirty="0"/>
-              <a:t>ajouter, changer et retirer tous</a:t>
-            </a:r>
-            <a:r>
-              <a:rPr lang="fr-FR" sz="2000" dirty="0" smtClean="0"/>
-              <a:t> les </a:t>
-            </a:r>
-            <a:r>
-              <a:rPr lang="fr-FR" sz="2000" dirty="0"/>
-              <a:t>styles </a:t>
-            </a:r>
-            <a:r>
-              <a:rPr lang="fr-FR" sz="2000" dirty="0" smtClean="0"/>
-              <a:t>CSS. </a:t>
-            </a:r>
-          </a:p>
-          <a:p>
-            <a:pPr lvl="1"/>
-            <a:r>
-              <a:rPr lang="fr-FR" sz="2000" dirty="0" smtClean="0"/>
-              <a:t>Peut </a:t>
-            </a:r>
-            <a:r>
-              <a:rPr lang="fr-FR" sz="2000" dirty="0"/>
-              <a:t>ajouter, changer et retirer </a:t>
-            </a:r>
-            <a:r>
-              <a:rPr lang="fr-FR" sz="2000" dirty="0" smtClean="0"/>
-              <a:t> et </a:t>
-            </a:r>
-            <a:r>
-              <a:rPr lang="fr-FR" sz="2000" dirty="0"/>
-              <a:t>réagir aux événements </a:t>
-            </a:r>
-            <a:r>
-              <a:rPr lang="fr-FR" sz="2000" dirty="0" smtClean="0"/>
-              <a:t>HTML.</a:t>
+              <a:t>Peut ajouter, changer, retirer et réagir aux événements HTML.</a:t>
             </a:r>
           </a:p>
           <a:p>
@@ -6758,23 +6738,15 @@
               </a:lnSpc>
             </a:pPr>
             <a:r>
-              <a:rPr lang="fr-FR" sz="2400" dirty="0" smtClean="0"/>
+              <a:rPr lang="fr-FR" sz="2400" dirty="0"/>
               <a:t>Utilisé dans d'autres contextes</a:t>
             </a:r>
           </a:p>
           <a:p>
             <a:pPr lvl="1"/>
             <a:r>
-              <a:rPr lang="fr-FR" sz="2000" dirty="0" smtClean="0"/>
-              <a:t>Programmes </a:t>
-            </a:r>
-            <a:r>
               <a:rPr lang="fr-FR" sz="2000" dirty="0"/>
-              <a:t>de bureau et </a:t>
-            </a:r>
-            <a:r>
-              <a:rPr lang="fr-FR" sz="2000" dirty="0" smtClean="0"/>
-              <a:t>serveur</a:t>
+              <a:t>Programmes de bureau et serveur</a:t>
             </a:r>
           </a:p>
         </p:txBody>
@@ -6831,11 +6803,7 @@
           <a:p>
             <a:r>
               <a:rPr lang="fr-FR" b="1" dirty="0"/>
-              <a:t>Interprétation(s</a:t>
-            </a:r>
-            <a:r>
-              <a:rPr lang="fr-FR" b="1" dirty="0" smtClean="0"/>
-              <a:t>)</a:t>
+              <a:t>Interprétation(s)</a:t>
             </a:r>
             <a:endParaRPr lang="en-US" dirty="0"/>
           </a:p>
@@ -6856,16 +6824,12 @@
           <a:bodyPr/>
           <a:lstStyle/>
           <a:p>
-            <a:endParaRPr lang="fr-FR" b="1" dirty="0" smtClean="0"/>
-          </a:p>
-          <a:p>
-            <a:r>
-              <a:rPr lang="fr-FR" b="1" dirty="0" smtClean="0"/>
-              <a:t>Asynchrone </a:t>
-            </a:r>
+            <a:endParaRPr lang="fr-FR" b="1" dirty="0"/>
+          </a:p>
+          <a:p>
             <a:r>
               <a:rPr lang="fr-FR" b="1" dirty="0"/>
-              <a:t>et événementiel</a:t>
+              <a:t>Asynchrone et événementiel</a:t>
             </a:r>
           </a:p>
           <a:p>
@@ -6890,7 +6854,7 @@
           <a:p>
             <a:fld id="{BB2FA04C-1355-4CE6-8050-4BD994E23BD5}" type="datetime4">
               <a:rPr lang="fr-FR" smtClean="0"/>
-              <a:t>3 juin 2019</a:t>
+              <a:t>5 juin 2019</a:t>
             </a:fld>
             <a:endParaRPr lang="fr-FR" dirty="0"/>
           </a:p>
@@ -6912,10 +6876,9 @@
           <a:lstStyle/>
           <a:p>
             <a:r>
-              <a:rPr lang="fr-FR" smtClean="0"/>
+              <a:rPr lang="fr-FR"/>
               <a:t>DIU NSI</a:t>
             </a:r>
-            <a:endParaRPr lang="fr-FR"/>
           </a:p>
         </p:txBody>
       </p:sp>
@@ -6991,7 +6954,7 @@
           <a:lstStyle/>
           <a:p>
             <a:r>
-              <a:rPr lang="fr-FR" b="1" dirty="0" smtClean="0"/>
+              <a:rPr lang="fr-FR" b="1" dirty="0"/>
               <a:t>HTML et JavaScript </a:t>
             </a:r>
             <a:endParaRPr lang="fr-FR" dirty="0"/>
@@ -7015,7 +6978,7 @@
           <a:p>
             <a:fld id="{1AC11C67-BE04-4C5F-B0EE-E01220C9093A}" type="datetime4">
               <a:rPr lang="fr-FR" smtClean="0"/>
-              <a:t>3 juin 2019</a:t>
+              <a:t>5 juin 2019</a:t>
             </a:fld>
             <a:endParaRPr lang="fr-FR" dirty="0"/>
           </a:p>
@@ -7277,16 +7240,15 @@
           <a:p>
             <a:pPr marL="400050" indent="-400050"/>
             <a:r>
-              <a:rPr lang="fr-FR" sz="2400" dirty="0" smtClean="0"/>
-              <a:t>Lorsqu'une page </a:t>
-            </a:r>
-            <a:r>
               <a:rPr lang="fr-FR" sz="2400" dirty="0"/>
-              <a:t>Web est chargée, le navigateur crée un  Document Object </a:t>
-            </a:r>
-            <a:r>
-              <a:rPr lang="fr-FR" sz="2400" dirty="0" smtClean="0"/>
-              <a:t>Model (DOM) </a:t>
+              <a:t>Lorsqu'une page Web est chargée, le navigateur crée </a:t>
+            </a:r>
+            <a:br>
+              <a:rPr lang="fr-FR" sz="2400" dirty="0"/>
+            </a:br>
+            <a:r>
+              <a:rPr lang="fr-FR" sz="2400" dirty="0"/>
+              <a:t>un Document Object Model (DOM) </a:t>
             </a:r>
           </a:p>
           <a:p>
@@ -7295,7 +7257,6 @@
               <a:rPr lang="fr-FR" sz="2400" dirty="0"/>
               <a:t>Le code JavaScript s'exécute sur le DOM</a:t>
             </a:r>
-            <a:endParaRPr lang="fr-FR" sz="2400" dirty="0" smtClean="0"/>
           </a:p>
         </p:txBody>
       </p:sp>
@@ -7315,7 +7276,7 @@
         </p:blipFill>
         <p:spPr>
           <a:xfrm>
-            <a:off x="1657350" y="3044709"/>
+            <a:off x="1657350" y="2914080"/>
             <a:ext cx="5829300" cy="3133725"/>
           </a:xfrm>
           <a:prstGeom prst="rect">
@@ -7336,13 +7297,6 @@
   <p:transition spd="slow">
     <p:wipe/>
   </p:transition>
-  <p:timing>
-    <p:tnLst>
-      <p:par>
-        <p:cTn id="1" dur="indefinite" restart="never" nodeType="tmRoot"/>
-      </p:par>
-    </p:tnLst>
-  </p:timing>
 </p:sld>
 </file>
 
@@ -7363,397 +7317,6 @@
           <a:chExt cx="0" cy="0"/>
         </a:xfrm>
       </p:grpSpPr>
-      <p:sp>
-        <p:nvSpPr>
-          <p:cNvPr id="2" name="Titre 1"/>
-          <p:cNvSpPr>
-            <a:spLocks noGrp="1"/>
-          </p:cNvSpPr>
-          <p:nvPr>
-            <p:ph type="title"/>
-          </p:nvPr>
-        </p:nvSpPr>
-        <p:spPr/>
-        <p:txBody>
-          <a:bodyPr>
-            <a:noAutofit/>
-          </a:bodyPr>
-          <a:lstStyle/>
-          <a:p>
-            <a:r>
-              <a:rPr lang="fr-FR" b="1" dirty="0"/>
-              <a:t>HTML et </a:t>
-            </a:r>
-            <a:r>
-              <a:rPr lang="fr-FR" b="1" dirty="0" smtClean="0"/>
-              <a:t>JavaScript</a:t>
-            </a:r>
-            <a:endParaRPr lang="fr-FR" b="1" dirty="0"/>
-          </a:p>
-        </p:txBody>
-      </p:sp>
-      <p:sp>
-        <p:nvSpPr>
-          <p:cNvPr id="4" name="Espace réservé de la date 3"/>
-          <p:cNvSpPr>
-            <a:spLocks noGrp="1"/>
-          </p:cNvSpPr>
-          <p:nvPr>
-            <p:ph type="dt" sz="half" idx="10"/>
-          </p:nvPr>
-        </p:nvSpPr>
-        <p:spPr/>
-        <p:txBody>
-          <a:bodyPr/>
-          <a:lstStyle/>
-          <a:p>
-            <a:fld id="{BB2FA04C-1355-4CE6-8050-4BD994E23BD5}" type="datetime4">
-              <a:rPr lang="fr-FR" smtClean="0"/>
-              <a:t>3 juin 2019</a:t>
-            </a:fld>
-            <a:endParaRPr lang="fr-FR" dirty="0"/>
-          </a:p>
-        </p:txBody>
-      </p:sp>
-      <p:sp>
-        <p:nvSpPr>
-          <p:cNvPr id="5" name="Espace réservé du pied de page 4"/>
-          <p:cNvSpPr>
-            <a:spLocks noGrp="1"/>
-          </p:cNvSpPr>
-          <p:nvPr>
-            <p:ph type="ftr" sz="quarter" idx="11"/>
-          </p:nvPr>
-        </p:nvSpPr>
-        <p:spPr/>
-        <p:txBody>
-          <a:bodyPr/>
-          <a:lstStyle/>
-          <a:p>
-            <a:r>
-              <a:rPr lang="fr-FR"/>
-              <a:t>DIU NSI</a:t>
-            </a:r>
-          </a:p>
-        </p:txBody>
-      </p:sp>
-      <p:sp>
-        <p:nvSpPr>
-          <p:cNvPr id="6" name="Espace réservé du numéro de diapositive 5"/>
-          <p:cNvSpPr>
-            <a:spLocks noGrp="1"/>
-          </p:cNvSpPr>
-          <p:nvPr>
-            <p:ph type="sldNum" sz="quarter" idx="12"/>
-          </p:nvPr>
-        </p:nvSpPr>
-        <p:spPr/>
-        <p:txBody>
-          <a:bodyPr/>
-          <a:lstStyle/>
-          <a:p>
-            <a:fld id="{DCE37727-CC04-7A46-938D-2CCFF056F773}" type="slidenum">
-              <a:rPr lang="fr-FR" smtClean="0"/>
-              <a:pPr/>
-              <a:t>6</a:t>
-            </a:fld>
-            <a:endParaRPr lang="fr-FR"/>
-          </a:p>
-        </p:txBody>
-      </p:sp>
-      <p:sp>
-        <p:nvSpPr>
-          <p:cNvPr id="8" name="Rectangle 7">
-            <a:extLst>
-              <a:ext uri="{FF2B5EF4-FFF2-40B4-BE49-F238E27FC236}">
-                <a16:creationId xmlns:a16="http://schemas.microsoft.com/office/drawing/2014/main" xmlns="" id="{99D6AB73-3556-6845-9EF8-9024C2407A0D}"/>
-              </a:ext>
-            </a:extLst>
-          </p:cNvPr>
-          <p:cNvSpPr/>
-          <p:nvPr/>
-        </p:nvSpPr>
-        <p:spPr>
-          <a:xfrm>
-            <a:off x="1190657" y="1858305"/>
-            <a:ext cx="7003434" cy="1505027"/>
-          </a:xfrm>
-          <a:prstGeom prst="rect">
-            <a:avLst/>
-          </a:prstGeom>
-          <a:solidFill>
-            <a:srgbClr val="1E1E1E"/>
-          </a:solidFill>
-        </p:spPr>
-        <p:txBody>
-          <a:bodyPr wrap="square">
-            <a:spAutoFit/>
-          </a:bodyPr>
-          <a:lstStyle/>
-          <a:p>
-            <a:pPr lvl="0" defTabSz="914400" eaLnBrk="0" fontAlgn="base" hangingPunct="0">
-              <a:spcBef>
-                <a:spcPct val="0"/>
-              </a:spcBef>
-              <a:spcAft>
-                <a:spcPct val="0"/>
-              </a:spcAft>
-            </a:pPr>
-            <a:r>
-              <a:rPr lang="fr-FR" altLang="fr-FR" dirty="0" smtClean="0">
-                <a:solidFill>
-                  <a:srgbClr val="569CD6"/>
-                </a:solidFill>
-                <a:latin typeface="Source Code Pro" panose="020B0509030403020204"/>
-              </a:rPr>
-              <a:t>&lt;script&gt;</a:t>
-            </a:r>
-          </a:p>
-          <a:p>
-            <a:pPr lvl="0" defTabSz="914400" eaLnBrk="0" fontAlgn="base" hangingPunct="0">
-              <a:spcBef>
-                <a:spcPct val="0"/>
-              </a:spcBef>
-              <a:spcAft>
-                <a:spcPct val="0"/>
-              </a:spcAft>
-            </a:pPr>
-            <a:r>
-              <a:rPr lang="fr-FR" altLang="fr-FR" dirty="0" err="1" smtClean="0">
-                <a:solidFill>
-                  <a:srgbClr val="005CC5"/>
-                </a:solidFill>
-                <a:latin typeface="Source Code Pro" panose="020B0509030403020204"/>
-              </a:rPr>
-              <a:t>window</a:t>
-            </a:r>
-            <a:r>
-              <a:rPr lang="fr-FR" altLang="fr-FR" dirty="0" err="1" smtClean="0">
-                <a:solidFill>
-                  <a:schemeClr val="bg1"/>
-                </a:solidFill>
-                <a:latin typeface="Source Code Pro" panose="020B0509030403020204"/>
-              </a:rPr>
-              <a:t>.</a:t>
-            </a:r>
-            <a:r>
-              <a:rPr lang="fr-FR" altLang="fr-FR" dirty="0" err="1" smtClean="0">
-                <a:solidFill>
-                  <a:srgbClr val="005CC5"/>
-                </a:solidFill>
-                <a:latin typeface="Source Code Pro" panose="020B0509030403020204"/>
-              </a:rPr>
-              <a:t>addEventListener</a:t>
-            </a:r>
-            <a:r>
-              <a:rPr lang="fr-FR" altLang="fr-FR" dirty="0" smtClean="0">
-                <a:solidFill>
-                  <a:schemeClr val="bg1"/>
-                </a:solidFill>
-                <a:latin typeface="Source Code Pro" panose="020B0509030403020204"/>
-              </a:rPr>
-              <a:t>('</a:t>
-            </a:r>
-            <a:r>
-              <a:rPr lang="fr-FR" altLang="fr-FR" dirty="0" err="1" smtClean="0">
-                <a:solidFill>
-                  <a:schemeClr val="bg1"/>
-                </a:solidFill>
-                <a:latin typeface="Source Code Pro" panose="020B0509030403020204"/>
-              </a:rPr>
-              <a:t>load</a:t>
-            </a:r>
-            <a:r>
-              <a:rPr lang="fr-FR" altLang="fr-FR" dirty="0" smtClean="0">
-                <a:solidFill>
-                  <a:schemeClr val="bg1"/>
-                </a:solidFill>
-                <a:latin typeface="Source Code Pro" panose="020B0509030403020204"/>
-              </a:rPr>
-              <a:t>', </a:t>
-            </a:r>
-            <a:r>
-              <a:rPr lang="fr-FR" altLang="fr-FR" dirty="0" err="1">
-                <a:solidFill>
-                  <a:srgbClr val="D73A49"/>
-                </a:solidFill>
-                <a:latin typeface="Source Code Pro" panose="020B0509030403020204"/>
-              </a:rPr>
-              <a:t>function</a:t>
-            </a:r>
-            <a:r>
-              <a:rPr lang="fr-FR" altLang="fr-FR" dirty="0">
-                <a:solidFill>
-                  <a:srgbClr val="24292E"/>
-                </a:solidFill>
-                <a:latin typeface="Source Code Pro" panose="020B0509030403020204"/>
-              </a:rPr>
-              <a:t> </a:t>
-            </a:r>
-            <a:r>
-              <a:rPr lang="fr-FR" altLang="fr-FR" dirty="0">
-                <a:solidFill>
-                  <a:schemeClr val="bg1"/>
-                </a:solidFill>
-                <a:latin typeface="Source Code Pro" panose="020B0509030403020204"/>
-              </a:rPr>
-              <a:t>() { </a:t>
-            </a:r>
-            <a:r>
-              <a:rPr lang="fr-FR" altLang="fr-FR" dirty="0" smtClean="0">
-                <a:solidFill>
-                  <a:schemeClr val="bg1"/>
-                </a:solidFill>
-                <a:latin typeface="Source Code Pro" panose="020B0509030403020204"/>
-              </a:rPr>
-              <a:t>    </a:t>
-            </a:r>
-          </a:p>
-          <a:p>
-            <a:pPr lvl="0" defTabSz="914400" eaLnBrk="0" fontAlgn="base" hangingPunct="0">
-              <a:spcBef>
-                <a:spcPct val="0"/>
-              </a:spcBef>
-              <a:spcAft>
-                <a:spcPct val="0"/>
-              </a:spcAft>
-            </a:pPr>
-            <a:r>
-              <a:rPr lang="fr-FR" altLang="fr-FR" dirty="0" smtClean="0">
-                <a:solidFill>
-                  <a:srgbClr val="6F42C1"/>
-                </a:solidFill>
-                <a:latin typeface="Source Code Pro" panose="020B0509030403020204"/>
-              </a:rPr>
-              <a:t>console</a:t>
-            </a:r>
-            <a:r>
-              <a:rPr lang="fr-FR" altLang="fr-FR" dirty="0" smtClean="0">
-                <a:solidFill>
-                  <a:schemeClr val="bg1"/>
-                </a:solidFill>
-                <a:latin typeface="Source Code Pro" panose="020B0509030403020204"/>
-              </a:rPr>
-              <a:t>.</a:t>
-            </a:r>
-            <a:r>
-              <a:rPr lang="fr-FR" altLang="fr-FR" dirty="0" smtClean="0">
-                <a:solidFill>
-                  <a:srgbClr val="005CC5"/>
-                </a:solidFill>
-                <a:latin typeface="Source Code Pro" panose="020B0509030403020204"/>
-              </a:rPr>
-              <a:t>log</a:t>
-            </a:r>
-            <a:r>
-              <a:rPr lang="fr-FR" altLang="fr-FR" dirty="0">
-                <a:solidFill>
-                  <a:schemeClr val="bg1"/>
-                </a:solidFill>
-                <a:latin typeface="Source Code Pro" panose="020B0509030403020204"/>
-              </a:rPr>
-              <a:t>(</a:t>
-            </a:r>
-            <a:r>
-              <a:rPr lang="fr-FR" altLang="fr-FR" dirty="0">
-                <a:solidFill>
-                  <a:schemeClr val="bg1"/>
-                </a:solidFill>
-                <a:latin typeface="Source Code Pro" panose="020B0509030403020204"/>
-              </a:rPr>
-              <a:t>'</a:t>
-            </a:r>
-            <a:r>
-              <a:rPr lang="fr-FR" altLang="fr-FR" dirty="0">
-                <a:solidFill>
-                  <a:srgbClr val="F8F8F2"/>
-                </a:solidFill>
-                <a:latin typeface="Source Code Pro" panose="020B0509030403020204"/>
-              </a:rPr>
-              <a:t>Cette fonction est </a:t>
-            </a:r>
-            <a:r>
-              <a:rPr lang="fr-FR" altLang="fr-FR" dirty="0" smtClean="0">
-                <a:solidFill>
-                  <a:srgbClr val="F8F8F2"/>
-                </a:solidFill>
-                <a:latin typeface="Source Code Pro" panose="020B0509030403020204"/>
-              </a:rPr>
-              <a:t>exécutée </a:t>
-            </a:r>
-            <a:r>
-              <a:rPr lang="fr-FR" altLang="fr-FR" dirty="0">
-                <a:solidFill>
-                  <a:srgbClr val="F8F8F2"/>
-                </a:solidFill>
-                <a:latin typeface="Source Code Pro" panose="020B0509030403020204"/>
-              </a:rPr>
-              <a:t>une fois </a:t>
-            </a:r>
-            <a:r>
-              <a:rPr lang="fr-FR" altLang="fr-FR" dirty="0" smtClean="0">
-                <a:solidFill>
-                  <a:srgbClr val="F8F8F2"/>
-                </a:solidFill>
-                <a:latin typeface="Source Code Pro" panose="020B0509030403020204"/>
-              </a:rPr>
-              <a:t>        quand </a:t>
-            </a:r>
-            <a:r>
-              <a:rPr lang="fr-FR" altLang="fr-FR" dirty="0">
-                <a:solidFill>
-                  <a:srgbClr val="F8F8F2"/>
-                </a:solidFill>
-                <a:latin typeface="Source Code Pro" panose="020B0509030403020204"/>
-              </a:rPr>
-              <a:t>la page est chargée.'); }); </a:t>
-            </a:r>
-            <a:r>
-              <a:rPr lang="fr-FR" altLang="fr-FR" dirty="0" smtClean="0">
-                <a:solidFill>
-                  <a:srgbClr val="24292E"/>
-                </a:solidFill>
-                <a:latin typeface="Source Code Pro" panose="020B0509030403020204"/>
-              </a:rPr>
-              <a:t> </a:t>
-            </a:r>
-            <a:endParaRPr lang="fr-FR" altLang="fr-FR" dirty="0">
-              <a:latin typeface="Source Code Pro" panose="020B0509030403020204"/>
-            </a:endParaRPr>
-          </a:p>
-          <a:p>
-            <a:pPr>
-              <a:lnSpc>
-                <a:spcPct val="110000"/>
-              </a:lnSpc>
-            </a:pPr>
-            <a:r>
-              <a:rPr lang="fr-FR" altLang="fr-FR" dirty="0" smtClean="0">
-                <a:solidFill>
-                  <a:srgbClr val="569CD6"/>
-                </a:solidFill>
-                <a:latin typeface="Source Code Pro" panose="020B0509030403020204"/>
-              </a:rPr>
-              <a:t>&lt;/</a:t>
-            </a:r>
-            <a:r>
-              <a:rPr lang="fr-FR" altLang="fr-FR" dirty="0">
-                <a:solidFill>
-                  <a:srgbClr val="569CD6"/>
-                </a:solidFill>
-                <a:latin typeface="Source Code Pro" panose="020B0509030403020204"/>
-              </a:rPr>
-              <a:t>script&gt; </a:t>
-            </a:r>
-            <a:endParaRPr lang="fr-FR" dirty="0">
-              <a:solidFill>
-                <a:srgbClr val="24292E"/>
-              </a:solidFill>
-              <a:latin typeface="Source Code Pro" panose="020B0509030403020204"/>
-            </a:endParaRPr>
-          </a:p>
-        </p:txBody>
-      </p:sp>
       <p:sp>
         <p:nvSpPr>
           <p:cNvPr id="10" name="Espace réservé du contenu 2"/>
@@ -7964,24 +7527,41 @@
           <a:p>
             <a:pPr marL="400050" indent="-400050"/>
             <a:r>
-              <a:rPr lang="fr-FR" sz="2400" dirty="0" smtClean="0"/>
-              <a:t>Ajouter le </a:t>
-            </a:r>
-            <a:r>
               <a:rPr lang="fr-FR" sz="2400" dirty="0"/>
-              <a:t>code JavaScript </a:t>
-            </a:r>
-            <a:r>
-              <a:rPr lang="fr-FR" sz="2400" dirty="0" smtClean="0"/>
-              <a:t>dans </a:t>
-            </a:r>
-            <a:r>
+              <a:t>Ajouter le code JavaScript dans la page HTML </a:t>
+            </a:r>
+            <a:br>
               <a:rPr lang="fr-FR" sz="2400" dirty="0"/>
-              <a:t>la page HTML à l'intérieur d'une </a:t>
-            </a:r>
-            <a:r>
-              <a:rPr lang="fr-FR" sz="2400" dirty="0" smtClean="0"/>
-              <a:t>balise:</a:t>
+            </a:br>
+            <a:r>
+              <a:rPr lang="fr-FR" sz="2400" dirty="0"/>
+              <a:t>à l'intérieur d'une balise </a:t>
+            </a:r>
+            <a:r>
+              <a:rPr lang="fr-FR" sz="2400" dirty="0">
+                <a:solidFill>
+                  <a:srgbClr val="990000"/>
+                </a:solidFill>
+                <a:latin typeface="Source Code Pro" panose="020B0509030403020204" pitchFamily="49" charset="0"/>
+                <a:ea typeface="Source Code Pro" panose="020B0509030403020204" pitchFamily="49" charset="0"/>
+              </a:rPr>
+              <a:t>&lt;script&gt;</a:t>
+            </a:r>
+            <a:r>
+              <a:rPr lang="fr-FR" sz="2400" b="1" dirty="0">
+                <a:solidFill>
+                  <a:srgbClr val="990000"/>
+                </a:solidFill>
+                <a:latin typeface="+mj-lt"/>
+                <a:ea typeface="Source Code Pro" panose="020B0509030403020204" pitchFamily="49" charset="0"/>
+              </a:rPr>
+              <a:t> </a:t>
+            </a:r>
+            <a:r>
+              <a:rPr lang="fr-FR" sz="2400" dirty="0">
+                <a:latin typeface="+mj-lt"/>
+              </a:rPr>
+              <a:t>:</a:t>
             </a:r>
           </a:p>
           <a:p>
@@ -7990,7 +7570,7 @@
           </a:p>
           <a:p>
             <a:pPr marL="400050" indent="-400050"/>
-            <a:endParaRPr lang="fr-FR" sz="2400" dirty="0" smtClean="0"/>
+            <a:endParaRPr lang="fr-FR" sz="2400" dirty="0"/>
           </a:p>
           <a:p>
             <a:pPr marL="400050" indent="-400050"/>
@@ -8000,53 +7580,6 @@
             <a:pPr marL="0" indent="0">
               <a:buNone/>
             </a:pPr>
-            <a:endParaRPr lang="fr-FR" sz="2400" dirty="0"/>
-          </a:p>
-          <a:p>
-            <a:pPr marL="400050" indent="-400050"/>
-            <a:r>
-              <a:rPr lang="fr-FR" sz="2400" dirty="0" smtClean="0"/>
-              <a:t>Mettre </a:t>
-            </a:r>
-            <a:r>
-              <a:rPr lang="fr-FR" sz="2400" dirty="0"/>
-              <a:t>le code JavaScript  dans un fichier externe (.</a:t>
-            </a:r>
-            <a:r>
-              <a:rPr lang="fr-FR" sz="2400" dirty="0" err="1"/>
-              <a:t>js</a:t>
-            </a:r>
-            <a:r>
-              <a:rPr lang="fr-FR" sz="2400" dirty="0"/>
-              <a:t>) et pointer ce fichier depuis le HTML </a:t>
-            </a:r>
-            <a:r>
-              <a:rPr lang="fr-FR" sz="2400" dirty="0" smtClean="0"/>
-              <a:t>:</a:t>
-            </a:r>
-          </a:p>
-          <a:p>
-            <a:pPr marL="0" indent="0">
-              <a:buNone/>
-            </a:pPr>
-            <a:endParaRPr lang="fr-FR" sz="2400" dirty="0" smtClean="0"/>
-          </a:p>
-          <a:p>
-            <a:pPr marL="0" indent="0">
-              <a:buNone/>
-            </a:pPr>
-            <a:r>
-              <a:rPr lang="fr-FR" sz="2400" dirty="0" smtClean="0"/>
-              <a:t>     Avec </a:t>
-            </a:r>
-            <a:r>
-              <a:rPr lang="fr-FR" altLang="fr-FR" sz="2400" dirty="0" smtClean="0"/>
-              <a:t>script.js: </a:t>
-            </a:r>
-            <a:r>
-              <a:rPr lang="fr-FR" sz="2400" dirty="0"/>
-              <a:t/>
-            </a:r>
             <a:br>
               <a:rPr lang="fr-FR" sz="2400" dirty="0"/>
             </a:br>
@@ -8056,10 +7589,103 @@
       </p:sp>
       <p:sp>
         <p:nvSpPr>
-          <p:cNvPr id="17" name="Rectangle 16">
+          <p:cNvPr id="2" name="Titre 1"/>
+          <p:cNvSpPr>
+            <a:spLocks noGrp="1"/>
+          </p:cNvSpPr>
+          <p:nvPr>
+            <p:ph type="title"/>
+          </p:nvPr>
+        </p:nvSpPr>
+        <p:spPr/>
+        <p:txBody>
+          <a:bodyPr>
+            <a:noAutofit/>
+          </a:bodyPr>
+          <a:lstStyle/>
+          <a:p>
+            <a:r>
+              <a:rPr lang="fr-FR" b="1" dirty="0"/>
+              <a:t>HTML et JavaScript</a:t>
+            </a:r>
+          </a:p>
+        </p:txBody>
+      </p:sp>
+      <p:sp>
+        <p:nvSpPr>
+          <p:cNvPr id="4" name="Espace réservé de la date 3"/>
+          <p:cNvSpPr>
+            <a:spLocks noGrp="1"/>
+          </p:cNvSpPr>
+          <p:nvPr>
+            <p:ph type="dt" sz="half" idx="10"/>
+          </p:nvPr>
+        </p:nvSpPr>
+        <p:spPr/>
+        <p:txBody>
+          <a:bodyPr/>
+          <a:lstStyle/>
+          <a:p>
+            <a:fld id="{BB2FA04C-1355-4CE6-8050-4BD994E23BD5}" type="datetime4">
+              <a:rPr lang="fr-FR" smtClean="0"/>
+              <a:t>5 juin 2019</a:t>
+            </a:fld>
+            <a:endParaRPr lang="fr-FR" dirty="0"/>
+          </a:p>
+        </p:txBody>
+      </p:sp>
+      <p:sp>
+        <p:nvSpPr>
+          <p:cNvPr id="5" name="Espace réservé du pied de page 4"/>
+          <p:cNvSpPr>
+            <a:spLocks noGrp="1"/>
+          </p:cNvSpPr>
+          <p:nvPr>
+            <p:ph type="ftr" sz="quarter" idx="11"/>
+          </p:nvPr>
+        </p:nvSpPr>
+        <p:spPr/>
+        <p:txBody>
+          <a:bodyPr/>
+          <a:lstStyle/>
+          <a:p>
+            <a:r>
+              <a:rPr lang="fr-FR"/>
+              <a:t>DIU NSI</a:t>
+            </a:r>
+          </a:p>
+        </p:txBody>
+      </p:sp>
+      <p:sp>
+        <p:nvSpPr>
+          <p:cNvPr id="6" name="Espace réservé du numéro de diapositive 5"/>
+          <p:cNvSpPr>
+            <a:spLocks noGrp="1"/>
+          </p:cNvSpPr>
+          <p:nvPr>
+            <p:ph type="sldNum" sz="quarter" idx="12"/>
+          </p:nvPr>
+        </p:nvSpPr>
+        <p:spPr/>
+        <p:txBody>
+          <a:bodyPr/>
+          <a:lstStyle/>
+          <a:p>
+            <a:fld id="{DCE37727-CC04-7A46-938D-2CCFF056F773}" type="slidenum">
+              <a:rPr lang="fr-FR" smtClean="0"/>
+              <a:pPr/>
+              <a:t>6</a:t>
+            </a:fld>
+            <a:endParaRPr lang="fr-FR"/>
+          </a:p>
+        </p:txBody>
+      </p:sp>
+      <p:sp>
+        <p:nvSpPr>
+          <p:cNvPr id="8" name="Rectangle 7">
             <a:extLst>
               <a:ext uri="{FF2B5EF4-FFF2-40B4-BE49-F238E27FC236}">
-                <a16:creationId xmlns:a16="http://schemas.microsoft.com/office/drawing/2014/main" xmlns="" id="{99D6AB73-3556-6845-9EF8-9024C2407A0D}"/>
+                <a16:creationId xmlns:a16="http://schemas.microsoft.com/office/drawing/2014/main" id="{99D6AB73-3556-6845-9EF8-9024C2407A0D}"/>
               </a:ext>
             </a:extLst>
           </p:cNvPr>
@@ -8068,190 +7694,429 @@
         </p:nvSpPr>
         <p:spPr>
           <a:xfrm>
-            <a:off x="1190657" y="4486554"/>
-            <a:ext cx="7003434" cy="369332"/>
+            <a:off x="555710" y="1981137"/>
+            <a:ext cx="8032580" cy="4531609"/>
           </a:xfrm>
           <a:prstGeom prst="rect">
             <a:avLst/>
           </a:prstGeom>
           <a:solidFill>
-            <a:srgbClr val="1E1E1E"/>
+            <a:srgbClr val="FEF6E3"/>
           </a:solidFill>
+          <a:effectLst>
+            <a:outerShdw blurRad="50800" dist="38100" dir="2700000" algn="tl" rotWithShape="0">
+              <a:prstClr val="black">
+                <a:alpha val="40000"/>
+              </a:prstClr>
+            </a:outerShdw>
+          </a:effectLst>
         </p:spPr>
         <p:txBody>
-          <a:bodyPr wrap="square">
-            <a:spAutoFit/>
+          <a:bodyPr vert="horz" lIns="91440" tIns="45720" rIns="91440" bIns="45720" rtlCol="0" anchor="ctr">
+            <a:normAutofit/>
           </a:bodyPr>
           <a:lstStyle/>
           <a:p>
-            <a:pPr defTabSz="914400" eaLnBrk="0" fontAlgn="base" hangingPunct="0">
+            <a:pPr marL="47625" indent="0">
+              <a:buFont typeface="Brix Slab Bold" pitchFamily="50" charset="0"/>
+              <a:buNone/>
+            </a:pPr>
+            <a:r>
+              <a:rPr lang="fr-FR" sz="2000" dirty="0">
+                <a:solidFill>
+                  <a:srgbClr val="657B83"/>
+                </a:solidFill>
+                <a:latin typeface="Source Code Pro" panose="020B0509030403020204" pitchFamily="49" charset="0"/>
+                <a:ea typeface="Source Code Pro" panose="020B0509030403020204" pitchFamily="49" charset="0"/>
+              </a:rPr>
+              <a:t>&lt;!DOCTYPE html&gt;</a:t>
+            </a:r>
+          </a:p>
+          <a:p>
+            <a:pPr marL="47625" indent="0">
+              <a:buFont typeface="Brix Slab Bold" pitchFamily="50" charset="0"/>
+              <a:buNone/>
+            </a:pPr>
+            <a:r>
+              <a:rPr lang="fr-FR" sz="2000" dirty="0">
+                <a:solidFill>
+                  <a:srgbClr val="010080"/>
+                </a:solidFill>
+                <a:latin typeface="Source Code Pro" panose="020B0509030403020204" pitchFamily="49" charset="0"/>
+                <a:ea typeface="Source Code Pro" panose="020B0509030403020204" pitchFamily="49" charset="0"/>
+              </a:rPr>
+              <a:t>&lt;html&gt;</a:t>
+            </a:r>
+          </a:p>
+          <a:p>
+            <a:pPr marL="342900" lvl="1" indent="0">
+              <a:buNone/>
+            </a:pPr>
+            <a:r>
+              <a:rPr lang="fr-FR" sz="2000" dirty="0">
+                <a:solidFill>
+                  <a:srgbClr val="010080"/>
+                </a:solidFill>
+                <a:latin typeface="Source Code Pro" panose="020B0509030403020204" pitchFamily="49" charset="0"/>
+                <a:ea typeface="Source Code Pro" panose="020B0509030403020204" pitchFamily="49" charset="0"/>
+              </a:rPr>
+              <a:t>&lt;</a:t>
+            </a:r>
+            <a:r>
+              <a:rPr lang="fr-FR" sz="2000" dirty="0" err="1">
+                <a:solidFill>
+                  <a:srgbClr val="010080"/>
+                </a:solidFill>
+                <a:latin typeface="Source Code Pro" panose="020B0509030403020204" pitchFamily="49" charset="0"/>
+                <a:ea typeface="Source Code Pro" panose="020B0509030403020204" pitchFamily="49" charset="0"/>
+              </a:rPr>
+              <a:t>head</a:t>
+            </a:r>
+            <a:r>
+              <a:rPr lang="fr-FR" sz="2000" dirty="0">
+                <a:solidFill>
+                  <a:srgbClr val="010080"/>
+                </a:solidFill>
+                <a:latin typeface="Source Code Pro" panose="020B0509030403020204" pitchFamily="49" charset="0"/>
+                <a:ea typeface="Source Code Pro" panose="020B0509030403020204" pitchFamily="49" charset="0"/>
+              </a:rPr>
+              <a:t>&gt; </a:t>
+            </a:r>
+          </a:p>
+          <a:p>
+            <a:pPr marL="742950" lvl="2" indent="0">
+              <a:buNone/>
+            </a:pPr>
+            <a:r>
+              <a:rPr lang="fr-FR" sz="2000" dirty="0">
+                <a:solidFill>
+                  <a:srgbClr val="010080"/>
+                </a:solidFill>
+                <a:latin typeface="Source Code Pro" panose="020B0509030403020204" pitchFamily="49" charset="0"/>
+                <a:ea typeface="Source Code Pro" panose="020B0509030403020204" pitchFamily="49" charset="0"/>
+              </a:rPr>
+              <a:t>&lt;</a:t>
+            </a:r>
+            <a:r>
+              <a:rPr lang="fr-FR" sz="2000" dirty="0" err="1">
+                <a:solidFill>
+                  <a:srgbClr val="010080"/>
+                </a:solidFill>
+                <a:latin typeface="Source Code Pro" panose="020B0509030403020204" pitchFamily="49" charset="0"/>
+                <a:ea typeface="Source Code Pro" panose="020B0509030403020204" pitchFamily="49" charset="0"/>
+              </a:rPr>
+              <a:t>meta</a:t>
+            </a:r>
+            <a:r>
+              <a:rPr lang="fr-FR" sz="2000" dirty="0">
+                <a:solidFill>
+                  <a:srgbClr val="010080"/>
+                </a:solidFill>
+                <a:latin typeface="Source Code Pro" panose="020B0509030403020204" pitchFamily="49" charset="0"/>
+                <a:ea typeface="Source Code Pro" panose="020B0509030403020204" pitchFamily="49" charset="0"/>
+              </a:rPr>
+              <a:t> </a:t>
+            </a:r>
+            <a:r>
+              <a:rPr lang="fr-FR" sz="2000" dirty="0" err="1">
+                <a:solidFill>
+                  <a:srgbClr val="008080"/>
+                </a:solidFill>
+                <a:latin typeface="Source Code Pro" panose="020B0509030403020204" pitchFamily="49" charset="0"/>
+                <a:ea typeface="Source Code Pro" panose="020B0509030403020204" pitchFamily="49" charset="0"/>
+              </a:rPr>
+              <a:t>charset</a:t>
+            </a:r>
+            <a:r>
+              <a:rPr lang="fr-FR" sz="2000" dirty="0">
+                <a:solidFill>
+                  <a:srgbClr val="010080"/>
+                </a:solidFill>
+                <a:latin typeface="Source Code Pro" panose="020B0509030403020204" pitchFamily="49" charset="0"/>
+                <a:ea typeface="Source Code Pro" panose="020B0509030403020204" pitchFamily="49" charset="0"/>
+              </a:rPr>
+              <a:t>="</a:t>
+            </a:r>
+            <a:r>
+              <a:rPr lang="fr-FR" sz="2000" dirty="0">
+                <a:solidFill>
+                  <a:srgbClr val="990000"/>
+                </a:solidFill>
+                <a:latin typeface="Source Code Pro" panose="020B0509030403020204" pitchFamily="49" charset="0"/>
+                <a:ea typeface="Source Code Pro" panose="020B0509030403020204" pitchFamily="49" charset="0"/>
+              </a:rPr>
+              <a:t>utf-8</a:t>
+            </a:r>
+            <a:r>
+              <a:rPr lang="fr-FR" sz="2000" dirty="0">
+                <a:solidFill>
+                  <a:srgbClr val="010080"/>
+                </a:solidFill>
+                <a:latin typeface="Source Code Pro" panose="020B0509030403020204" pitchFamily="49" charset="0"/>
+                <a:ea typeface="Source Code Pro" panose="020B0509030403020204" pitchFamily="49" charset="0"/>
+              </a:rPr>
+              <a:t>" /&gt; </a:t>
+            </a:r>
+          </a:p>
+          <a:p>
+            <a:pPr marL="342900" lvl="1" indent="0">
+              <a:buNone/>
+            </a:pPr>
+            <a:r>
+              <a:rPr lang="fr-FR" sz="2000" dirty="0">
+                <a:solidFill>
+                  <a:srgbClr val="010080"/>
+                </a:solidFill>
+                <a:latin typeface="Source Code Pro" panose="020B0509030403020204" pitchFamily="49" charset="0"/>
+                <a:ea typeface="Source Code Pro" panose="020B0509030403020204" pitchFamily="49" charset="0"/>
+              </a:rPr>
+              <a:t>&lt;/</a:t>
+            </a:r>
+            <a:r>
+              <a:rPr lang="fr-FR" sz="2000" dirty="0" err="1">
+                <a:solidFill>
+                  <a:srgbClr val="010080"/>
+                </a:solidFill>
+                <a:latin typeface="Source Code Pro" panose="020B0509030403020204" pitchFamily="49" charset="0"/>
+                <a:ea typeface="Source Code Pro" panose="020B0509030403020204" pitchFamily="49" charset="0"/>
+              </a:rPr>
+              <a:t>head</a:t>
+            </a:r>
+            <a:r>
+              <a:rPr lang="fr-FR" sz="2000" dirty="0">
+                <a:solidFill>
+                  <a:srgbClr val="010080"/>
+                </a:solidFill>
+                <a:latin typeface="Source Code Pro" panose="020B0509030403020204" pitchFamily="49" charset="0"/>
+                <a:ea typeface="Source Code Pro" panose="020B0509030403020204" pitchFamily="49" charset="0"/>
+              </a:rPr>
+              <a:t>&gt;</a:t>
+            </a:r>
+          </a:p>
+          <a:p>
+            <a:pPr marL="342900" lvl="1" indent="0">
+              <a:buNone/>
+            </a:pPr>
+            <a:r>
+              <a:rPr lang="fr-FR" sz="2000" dirty="0">
+                <a:solidFill>
+                  <a:srgbClr val="010080"/>
+                </a:solidFill>
+                <a:latin typeface="Source Code Pro" panose="020B0509030403020204" pitchFamily="49" charset="0"/>
+                <a:ea typeface="Source Code Pro" panose="020B0509030403020204" pitchFamily="49" charset="0"/>
+              </a:rPr>
+              <a:t>&lt;body&gt;</a:t>
+            </a:r>
+          </a:p>
+          <a:p>
+            <a:pPr marL="760413" lvl="1">
               <a:spcBef>
-                <a:spcPct val="0"/>
+                <a:spcPct val="20000"/>
               </a:spcBef>
-              <a:spcAft>
-                <a:spcPct val="0"/>
-              </a:spcAft>
+              <a:buClr>
+                <a:schemeClr val="accent6"/>
+              </a:buClr>
             </a:pPr>
             <a:r>
-              <a:rPr lang="fr-FR" altLang="fr-FR" dirty="0" smtClean="0">
-                <a:solidFill>
-                  <a:srgbClr val="569CD6"/>
+              <a:rPr lang="fr-FR" altLang="fr-FR" sz="2000" b="1" dirty="0">
+                <a:solidFill>
+                  <a:srgbClr val="010080"/>
+                </a:solidFill>
+                <a:latin typeface="Source Code Pro" panose="020B0509030403020204" pitchFamily="49" charset="0"/>
+                <a:ea typeface="Source Code Pro" panose="020B0509030403020204" pitchFamily="49" charset="0"/>
+              </a:rPr>
+              <a:t>&lt;script&gt;</a:t>
+            </a:r>
+          </a:p>
+          <a:p>
+            <a:pPr marL="962025" lvl="2">
+              <a:spcBef>
+                <a:spcPct val="20000"/>
+              </a:spcBef>
+              <a:buClr>
+                <a:schemeClr val="accent6"/>
+              </a:buClr>
+            </a:pPr>
+            <a:r>
+              <a:rPr lang="fr-FR" altLang="fr-FR" sz="2000" dirty="0" err="1">
+                <a:solidFill>
+                  <a:srgbClr val="010080"/>
+                </a:solidFill>
+                <a:latin typeface="Source Code Pro" panose="020B0509030403020204" pitchFamily="49" charset="0"/>
+                <a:ea typeface="Source Code Pro" panose="020B0509030403020204" pitchFamily="49" charset="0"/>
+              </a:rPr>
+              <a:t>window.addEventListener</a:t>
+            </a:r>
+            <a:r>
+              <a:rPr lang="fr-FR" altLang="fr-FR" sz="2000" dirty="0">
+                <a:solidFill>
+                  <a:srgbClr val="010080"/>
+                </a:solidFill>
+                <a:latin typeface="Source Code Pro" panose="020B0509030403020204" pitchFamily="49" charset="0"/>
+                <a:ea typeface="Source Code Pro" panose="020B0509030403020204" pitchFamily="49" charset="0"/>
+              </a:rPr>
+              <a:t>('</a:t>
+            </a:r>
+            <a:r>
+              <a:rPr lang="fr-FR" altLang="fr-FR" sz="2000" dirty="0" err="1">
+                <a:solidFill>
+                  <a:srgbClr val="010080"/>
+                </a:solidFill>
+                <a:latin typeface="Source Code Pro" panose="020B0509030403020204" pitchFamily="49" charset="0"/>
+                <a:ea typeface="Source Code Pro" panose="020B0509030403020204" pitchFamily="49" charset="0"/>
+              </a:rPr>
+              <a:t>load</a:t>
+            </a:r>
+            <a:r>
+              <a:rPr lang="fr-FR" altLang="fr-FR" sz="2000" dirty="0">
+                <a:solidFill>
+                  <a:srgbClr val="010080"/>
+                </a:solidFill>
+                <a:latin typeface="Source Code Pro" panose="020B0509030403020204" pitchFamily="49" charset="0"/>
+                <a:ea typeface="Source Code Pro" panose="020B0509030403020204" pitchFamily="49" charset="0"/>
+              </a:rPr>
+              <a:t>', </a:t>
+            </a:r>
+            <a:r>
+              <a:rPr lang="fr-FR" altLang="fr-FR" sz="2000" dirty="0" err="1">
+                <a:solidFill>
+                  <a:srgbClr val="00B050"/>
                 </a:solidFill>
                 <a:latin typeface="Source Code Pro" panose="020B0509030403020204"/>
               </a:rPr>
-              <a:t>     &lt;</a:t>
-            </a:r>
-            <a:r>
-              <a:rPr lang="fr-FR" altLang="fr-FR" dirty="0">
-                <a:solidFill>
-                  <a:srgbClr val="569CD6"/>
+              <a:t>function</a:t>
+            </a:r>
+            <a:r>
+              <a:rPr lang="fr-FR" altLang="fr-FR" sz="2000" dirty="0">
+                <a:solidFill>
+                  <a:srgbClr val="010080"/>
+                </a:solidFill>
+                <a:latin typeface="Source Code Pro" panose="020B0509030403020204" pitchFamily="49" charset="0"/>
+                <a:ea typeface="Source Code Pro" panose="020B0509030403020204" pitchFamily="49" charset="0"/>
+              </a:rPr>
+              <a:t> () {     </a:t>
+            </a:r>
+          </a:p>
+          <a:p>
+            <a:pPr marL="962025" lvl="2">
+              <a:spcBef>
+                <a:spcPct val="20000"/>
+              </a:spcBef>
+              <a:buClr>
+                <a:schemeClr val="accent6"/>
+              </a:buClr>
+            </a:pPr>
+            <a:r>
+              <a:rPr lang="fr-FR" altLang="fr-FR" sz="2000" dirty="0" err="1">
+                <a:solidFill>
+                  <a:srgbClr val="6F42C1"/>
                 </a:solidFill>
                 <a:latin typeface="Source Code Pro" panose="020B0509030403020204"/>
               </a:rPr>
-              <a:t>script </a:t>
-            </a:r>
-            <a:r>
-              <a:rPr lang="fr-FR" altLang="fr-FR" dirty="0" err="1">
-                <a:solidFill>
-                  <a:srgbClr val="6F42C1"/>
+              <a:t>console</a:t>
+            </a:r>
+            <a:r>
+              <a:rPr lang="fr-FR" altLang="fr-FR" sz="2000" dirty="0" err="1">
+                <a:solidFill>
+                  <a:srgbClr val="010080"/>
+                </a:solidFill>
+                <a:latin typeface="Source Code Pro" panose="020B0509030403020204" pitchFamily="49" charset="0"/>
+                <a:ea typeface="Source Code Pro" panose="020B0509030403020204" pitchFamily="49" charset="0"/>
+              </a:rPr>
+              <a:t>.</a:t>
+            </a:r>
+            <a:r>
+              <a:rPr lang="fr-FR" altLang="fr-FR" sz="2000" dirty="0" err="1">
+                <a:solidFill>
+                  <a:srgbClr val="005CC5"/>
                 </a:solidFill>
                 <a:latin typeface="Source Code Pro" panose="020B0509030403020204"/>
               </a:rPr>
-              <a:t>src</a:t>
-            </a:r>
-            <a:r>
-              <a:rPr lang="fr-FR" altLang="fr-FR" dirty="0">
-                <a:solidFill>
-                  <a:schemeClr val="bg1"/>
-                </a:solidFill>
-                <a:latin typeface="Source Code Pro" panose="020B0509030403020204"/>
-              </a:rPr>
-              <a:t>="./script.js"&gt;&lt;/</a:t>
-            </a:r>
-            <a:r>
-              <a:rPr lang="fr-FR" altLang="fr-FR" dirty="0">
-                <a:solidFill>
-                  <a:srgbClr val="569CD6"/>
-                </a:solidFill>
-                <a:latin typeface="Source Code Pro" panose="020B0509030403020204"/>
-              </a:rPr>
-              <a:t>script</a:t>
-            </a:r>
-            <a:r>
-              <a:rPr lang="fr-FR" altLang="fr-FR" dirty="0" smtClean="0">
-                <a:solidFill>
-                  <a:srgbClr val="569CD6"/>
-                </a:solidFill>
-                <a:latin typeface="Source Code Pro" panose="020B0509030403020204"/>
-              </a:rPr>
-              <a:t>&gt; </a:t>
-            </a:r>
-            <a:endParaRPr lang="fr-FR" altLang="fr-FR" dirty="0">
+              <a:t>log</a:t>
+            </a:r>
+            <a:r>
+              <a:rPr lang="fr-FR" altLang="fr-FR" sz="2000" dirty="0">
+                <a:solidFill>
+                  <a:srgbClr val="010080"/>
+                </a:solidFill>
+                <a:latin typeface="Source Code Pro" panose="020B0509030403020204" pitchFamily="49" charset="0"/>
+                <a:ea typeface="Source Code Pro" panose="020B0509030403020204" pitchFamily="49" charset="0"/>
+              </a:rPr>
+              <a:t>(</a:t>
+            </a:r>
+            <a:r>
+              <a:rPr lang="fr-FR" altLang="fr-FR" sz="2000" dirty="0">
+                <a:solidFill>
+                  <a:srgbClr val="657B83"/>
+                </a:solidFill>
+                <a:latin typeface="Source Code Pro" panose="020B0509030403020204" pitchFamily="49" charset="0"/>
+                <a:ea typeface="Source Code Pro" panose="020B0509030403020204" pitchFamily="49" charset="0"/>
+              </a:rPr>
+              <a:t>'Cette fonction est exécutée une fois quand la page est chargée.'</a:t>
+            </a:r>
+            <a:r>
+              <a:rPr lang="fr-FR" altLang="fr-FR" sz="2000" dirty="0">
+                <a:solidFill>
+                  <a:srgbClr val="010080"/>
+                </a:solidFill>
+                <a:latin typeface="Source Code Pro" panose="020B0509030403020204" pitchFamily="49" charset="0"/>
+                <a:ea typeface="Source Code Pro" panose="020B0509030403020204" pitchFamily="49" charset="0"/>
+              </a:rPr>
+              <a:t>); });  </a:t>
+            </a:r>
+          </a:p>
+          <a:p>
+            <a:pPr marL="760413" lvl="1">
+              <a:spcBef>
+                <a:spcPct val="20000"/>
+              </a:spcBef>
+              <a:buClr>
+                <a:schemeClr val="accent6"/>
+              </a:buClr>
+            </a:pPr>
+            <a:r>
+              <a:rPr lang="fr-FR" altLang="fr-FR" sz="2000" b="1" dirty="0">
+                <a:solidFill>
+                  <a:srgbClr val="010080"/>
+                </a:solidFill>
+                <a:latin typeface="Source Code Pro" panose="020B0509030403020204" pitchFamily="49" charset="0"/>
+                <a:ea typeface="Source Code Pro" panose="020B0509030403020204" pitchFamily="49" charset="0"/>
+              </a:rPr>
+              <a:t>&lt;/script&gt;</a:t>
+            </a:r>
+          </a:p>
+          <a:p>
+            <a:pPr marL="342900" lvl="1" indent="0">
+              <a:buNone/>
+            </a:pPr>
+            <a:r>
+              <a:rPr lang="fr-FR" sz="2000" dirty="0">
+                <a:solidFill>
+                  <a:srgbClr val="010080"/>
+                </a:solidFill>
+                <a:latin typeface="Source Code Pro" panose="020B0509030403020204" pitchFamily="49" charset="0"/>
+              </a:rPr>
+              <a:t>&lt;/body&gt;</a:t>
+            </a:r>
+          </a:p>
+          <a:p>
+            <a:pPr marL="47625" indent="0">
+              <a:buNone/>
+            </a:pPr>
+            <a:r>
+              <a:rPr lang="fr-FR" sz="2000" dirty="0">
+                <a:solidFill>
+                  <a:srgbClr val="010080"/>
+                </a:solidFill>
+                <a:latin typeface="Source Code Pro" panose="020B0509030403020204" pitchFamily="49" charset="0"/>
+              </a:rPr>
+              <a:t>&lt;/html&gt;</a:t>
+            </a:r>
+            <a:endParaRPr lang="en-US" sz="2000" dirty="0">
               <a:solidFill>
-                <a:srgbClr val="569CD6"/>
+                <a:srgbClr val="657B83"/>
               </a:solidFill>
-              <a:latin typeface="Source Code Pro" panose="020B0509030403020204"/>
-            </a:endParaRPr>
-          </a:p>
-        </p:txBody>
-      </p:sp>
-      <p:sp>
-        <p:nvSpPr>
-          <p:cNvPr id="19" name="Rectangle 18">
-            <a:extLst>
-              <a:ext uri="{FF2B5EF4-FFF2-40B4-BE49-F238E27FC236}">
-                <a16:creationId xmlns:a16="http://schemas.microsoft.com/office/drawing/2014/main" xmlns="" id="{99D6AB73-3556-6845-9EF8-9024C2407A0D}"/>
-              </a:ext>
-            </a:extLst>
-          </p:cNvPr>
-          <p:cNvSpPr/>
-          <p:nvPr/>
-        </p:nvSpPr>
-        <p:spPr>
-          <a:xfrm>
-            <a:off x="1190657" y="5546302"/>
-            <a:ext cx="7003434" cy="646331"/>
-          </a:xfrm>
-          <a:prstGeom prst="rect">
-            <a:avLst/>
-          </a:prstGeom>
-          <a:solidFill>
-            <a:srgbClr val="1E1E1E"/>
-          </a:solidFill>
-        </p:spPr>
-        <p:txBody>
-          <a:bodyPr wrap="square">
-            <a:spAutoFit/>
-          </a:bodyPr>
-          <a:lstStyle/>
-          <a:p>
-            <a:pPr defTabSz="914400" eaLnBrk="0" fontAlgn="base" hangingPunct="0">
-              <a:spcBef>
-                <a:spcPct val="0"/>
-              </a:spcBef>
-              <a:spcAft>
-                <a:spcPct val="0"/>
-              </a:spcAft>
-            </a:pPr>
-            <a:r>
-              <a:rPr lang="fr-FR" altLang="fr-FR" dirty="0" smtClean="0">
-                <a:solidFill>
-                  <a:srgbClr val="569CD6"/>
-                </a:solidFill>
-                <a:latin typeface="Source Code Pro" panose="020B0509030403020204"/>
-              </a:rPr>
-              <a:t> </a:t>
-            </a:r>
-            <a:r>
-              <a:rPr lang="fr-FR" altLang="fr-FR" dirty="0" smtClean="0">
-                <a:solidFill>
-                  <a:srgbClr val="6F42C1"/>
-                </a:solidFill>
-                <a:latin typeface="Source Code Pro" panose="020B0509030403020204"/>
-              </a:rPr>
-              <a:t>console</a:t>
-            </a:r>
-            <a:r>
-              <a:rPr lang="fr-FR" altLang="fr-FR" dirty="0" smtClean="0">
-                <a:solidFill>
-                  <a:srgbClr val="24292E"/>
-                </a:solidFill>
-                <a:latin typeface="Source Code Pro" panose="020B0509030403020204"/>
-              </a:rPr>
-              <a:t>.</a:t>
-            </a:r>
-            <a:r>
-              <a:rPr lang="fr-FR" altLang="fr-FR" dirty="0" smtClean="0">
-                <a:solidFill>
-                  <a:srgbClr val="005CC5"/>
-                </a:solidFill>
-                <a:latin typeface="Source Code Pro" panose="020B0509030403020204"/>
-              </a:rPr>
-              <a:t>log</a:t>
-            </a:r>
-            <a:r>
-              <a:rPr lang="fr-FR" altLang="fr-FR" dirty="0">
-                <a:solidFill>
-                  <a:schemeClr val="bg1"/>
-                </a:solidFill>
-                <a:latin typeface="Source Code Pro" panose="020B0509030403020204"/>
-              </a:rPr>
-              <a:t>('Cette fonction est exécutée une fois quand la page est chargée</a:t>
-            </a:r>
-            <a:r>
-              <a:rPr lang="fr-FR" altLang="fr-FR" dirty="0">
-                <a:solidFill>
-                  <a:schemeClr val="bg1"/>
-                </a:solidFill>
-                <a:latin typeface="Source Code Pro" panose="020B0509030403020204"/>
-              </a:rPr>
-              <a:t>.');</a:t>
-            </a:r>
-            <a:endParaRPr lang="fr-FR" altLang="fr-FR" dirty="0">
-              <a:solidFill>
-                <a:schemeClr val="bg1"/>
-              </a:solidFill>
-              <a:latin typeface="Source Code Pro" panose="020B0509030403020204"/>
+              <a:latin typeface="Source Code Pro" panose="020B0509030403020204" pitchFamily="49" charset="0"/>
             </a:endParaRPr>
           </a:p>
         </p:txBody>
@@ -8266,13 +8131,6 @@
   <p:clrMapOvr>
     <a:masterClrMapping/>
   </p:clrMapOvr>
-  <p:timing>
-    <p:tnLst>
-      <p:par>
-        <p:cTn id="1" dur="indefinite" restart="never" nodeType="tmRoot"/>
-      </p:par>
-    </p:tnLst>
-  </p:timing>
 </p:sld>
 </file>
 
@@ -8295,6 +8153,254 @@
       </p:grpSpPr>
       <p:sp>
         <p:nvSpPr>
+          <p:cNvPr id="10" name="Espace réservé du contenu 2"/>
+          <p:cNvSpPr txBox="1">
+            <a:spLocks/>
+          </p:cNvSpPr>
+          <p:nvPr/>
+        </p:nvSpPr>
+        <p:spPr>
+          <a:xfrm>
+            <a:off x="228600" y="1058026"/>
+            <a:ext cx="8644466" cy="5569596"/>
+          </a:xfrm>
+          <a:prstGeom prst="rect">
+            <a:avLst/>
+          </a:prstGeom>
+        </p:spPr>
+        <p:txBody>
+          <a:bodyPr vert="horz" lIns="91440" tIns="45720" rIns="91440" bIns="45720" rtlCol="0">
+            <a:noAutofit/>
+          </a:bodyPr>
+          <a:lstStyle>
+            <a:lvl1pPr marL="342900" marR="0" indent="-342900" algn="l" defTabSz="457200" rtl="0" eaLnBrk="1" fontAlgn="auto" latinLnBrk="0" hangingPunct="1">
+              <a:lnSpc>
+                <a:spcPct val="100000"/>
+              </a:lnSpc>
+              <a:spcBef>
+                <a:spcPct val="20000"/>
+              </a:spcBef>
+              <a:spcAft>
+                <a:spcPts val="0"/>
+              </a:spcAft>
+              <a:buClr>
+                <a:schemeClr val="accent6"/>
+              </a:buClr>
+              <a:buSzTx/>
+              <a:buFont typeface="Lucida Grande"/>
+              <a:buChar char="➔"/>
+              <a:tabLst/>
+              <a:defRPr sz="2000" kern="1200">
+                <a:solidFill>
+                  <a:schemeClr val="tx1"/>
+                </a:solidFill>
+                <a:latin typeface="+mn-lt"/>
+                <a:ea typeface="+mn-ea"/>
+                <a:cs typeface="+mn-cs"/>
+              </a:defRPr>
+            </a:lvl1pPr>
+            <a:lvl2pPr marL="742950" marR="0" indent="-285750" algn="l" defTabSz="457200" rtl="0" eaLnBrk="1" fontAlgn="auto" latinLnBrk="0" hangingPunct="1">
+              <a:lnSpc>
+                <a:spcPct val="100000"/>
+              </a:lnSpc>
+              <a:spcBef>
+                <a:spcPct val="20000"/>
+              </a:spcBef>
+              <a:spcAft>
+                <a:spcPts val="0"/>
+              </a:spcAft>
+              <a:buClr>
+                <a:srgbClr val="009DE0"/>
+              </a:buClr>
+              <a:buSzTx/>
+              <a:buFont typeface="Arial"/>
+              <a:buChar char="›"/>
+              <a:tabLst/>
+              <a:defRPr sz="2800" kern="1200">
+                <a:solidFill>
+                  <a:schemeClr val="tx1"/>
+                </a:solidFill>
+                <a:latin typeface="+mn-lt"/>
+                <a:ea typeface="+mn-ea"/>
+                <a:cs typeface="+mn-cs"/>
+              </a:defRPr>
+            </a:lvl2pPr>
+            <a:lvl3pPr marL="1143000" marR="0" indent="-228600" algn="l" defTabSz="457200" rtl="0" eaLnBrk="1" fontAlgn="auto" latinLnBrk="0" hangingPunct="1">
+              <a:lnSpc>
+                <a:spcPct val="100000"/>
+              </a:lnSpc>
+              <a:spcBef>
+                <a:spcPct val="20000"/>
+              </a:spcBef>
+              <a:spcAft>
+                <a:spcPts val="0"/>
+              </a:spcAft>
+              <a:buClrTx/>
+              <a:buSzTx/>
+              <a:buFont typeface="Arial"/>
+              <a:buChar char="•"/>
+              <a:tabLst/>
+              <a:defRPr sz="2400" kern="1200">
+                <a:solidFill>
+                  <a:schemeClr val="tx1"/>
+                </a:solidFill>
+                <a:latin typeface="+mn-lt"/>
+                <a:ea typeface="+mn-ea"/>
+                <a:cs typeface="+mn-cs"/>
+              </a:defRPr>
+            </a:lvl3pPr>
+            <a:lvl4pPr marL="1600200" marR="0" indent="-228600" algn="l" defTabSz="457200" rtl="0" eaLnBrk="1" fontAlgn="auto" latinLnBrk="0" hangingPunct="1">
+              <a:lnSpc>
+                <a:spcPct val="100000"/>
+              </a:lnSpc>
+              <a:spcBef>
+                <a:spcPct val="20000"/>
+              </a:spcBef>
+              <a:spcAft>
+                <a:spcPts val="0"/>
+              </a:spcAft>
+              <a:buClrTx/>
+              <a:buSzTx/>
+              <a:buFont typeface="Arial"/>
+              <a:buChar char="–"/>
+              <a:tabLst/>
+              <a:defRPr sz="2000" kern="1200">
+                <a:solidFill>
+                  <a:schemeClr val="tx1"/>
+                </a:solidFill>
+                <a:latin typeface="+mn-lt"/>
+                <a:ea typeface="+mn-ea"/>
+                <a:cs typeface="+mn-cs"/>
+              </a:defRPr>
+            </a:lvl4pPr>
+            <a:lvl5pPr marL="2057400" marR="0" indent="-228600" algn="l" defTabSz="457200" rtl="0" eaLnBrk="1" fontAlgn="auto" latinLnBrk="0" hangingPunct="1">
+              <a:lnSpc>
+                <a:spcPct val="100000"/>
+              </a:lnSpc>
+              <a:spcBef>
+                <a:spcPct val="20000"/>
+              </a:spcBef>
+              <a:spcAft>
+                <a:spcPts val="0"/>
+              </a:spcAft>
+              <a:buClrTx/>
+              <a:buSzTx/>
+              <a:buFont typeface="Arial"/>
+              <a:buChar char="»"/>
+              <a:tabLst/>
+              <a:defRPr sz="2000" kern="1200">
+                <a:solidFill>
+                  <a:schemeClr val="tx1"/>
+                </a:solidFill>
+                <a:latin typeface="+mn-lt"/>
+                <a:ea typeface="+mn-ea"/>
+                <a:cs typeface="+mn-cs"/>
+              </a:defRPr>
+            </a:lvl5pPr>
+            <a:lvl6pPr marL="2514600" indent="-228600" algn="l" defTabSz="457200" rtl="0" eaLnBrk="1" latinLnBrk="0" hangingPunct="1">
+              <a:spcBef>
+                <a:spcPct val="20000"/>
+              </a:spcBef>
+              <a:buFont typeface="Arial"/>
+              <a:buChar char="•"/>
+              <a:defRPr sz="2000" kern="1200">
+                <a:solidFill>
+                  <a:schemeClr val="tx1"/>
+                </a:solidFill>
+                <a:latin typeface="+mn-lt"/>
+                <a:ea typeface="+mn-ea"/>
+                <a:cs typeface="+mn-cs"/>
+              </a:defRPr>
+            </a:lvl6pPr>
+            <a:lvl7pPr marL="2971800" indent="-228600" algn="l" defTabSz="457200" rtl="0" eaLnBrk="1" latinLnBrk="0" hangingPunct="1">
+              <a:spcBef>
+                <a:spcPct val="20000"/>
+              </a:spcBef>
+              <a:buFont typeface="Arial"/>
+              <a:buChar char="•"/>
+              <a:defRPr sz="2000" kern="1200">
+                <a:solidFill>
+                  <a:schemeClr val="tx1"/>
+                </a:solidFill>
+                <a:latin typeface="+mn-lt"/>
+                <a:ea typeface="+mn-ea"/>
+                <a:cs typeface="+mn-cs"/>
+              </a:defRPr>
+            </a:lvl7pPr>
+            <a:lvl8pPr marL="3429000" indent="-228600" algn="l" defTabSz="457200" rtl="0" eaLnBrk="1" latinLnBrk="0" hangingPunct="1">
+              <a:spcBef>
+                <a:spcPct val="20000"/>
+              </a:spcBef>
+              <a:buFont typeface="Arial"/>
+              <a:buChar char="•"/>
+              <a:defRPr sz="2000" kern="1200">
+                <a:solidFill>
+                  <a:schemeClr val="tx1"/>
+                </a:solidFill>
+                <a:latin typeface="+mn-lt"/>
+                <a:ea typeface="+mn-ea"/>
+                <a:cs typeface="+mn-cs"/>
+              </a:defRPr>
+            </a:lvl8pPr>
+            <a:lvl9pPr marL="3886200" indent="-228600" algn="l" defTabSz="457200" rtl="0" eaLnBrk="1" latinLnBrk="0" hangingPunct="1">
+              <a:spcBef>
+                <a:spcPct val="20000"/>
+              </a:spcBef>
+              <a:buFont typeface="Arial"/>
+              <a:buChar char="•"/>
+              <a:defRPr sz="2000" kern="1200">
+                <a:solidFill>
+                  <a:schemeClr val="tx1"/>
+                </a:solidFill>
+                <a:latin typeface="+mn-lt"/>
+                <a:ea typeface="+mn-ea"/>
+                <a:cs typeface="+mn-cs"/>
+              </a:defRPr>
+            </a:lvl9pPr>
+          </a:lstStyle>
+          <a:p>
+            <a:pPr marL="400050" indent="-400050"/>
+            <a:r>
+              <a:rPr lang="fr-FR" sz="2400" dirty="0"/>
+              <a:t>Mettre le code JavaScript  dans un fichier externe </a:t>
+            </a:r>
+            <a:r>
+              <a:rPr lang="fr-FR" dirty="0"/>
+              <a:t>(.</a:t>
+            </a:r>
+            <a:r>
+              <a:rPr lang="fr-FR" dirty="0" err="1"/>
+              <a:t>js</a:t>
+            </a:r>
+            <a:r>
+              <a:rPr lang="fr-FR" dirty="0"/>
+              <a:t>) </a:t>
+            </a:r>
+            <a:br>
+              <a:rPr lang="fr-FR" dirty="0"/>
+            </a:br>
+            <a:br>
+              <a:rPr lang="fr-FR" sz="2400" dirty="0"/>
+            </a:br>
+            <a:br>
+              <a:rPr lang="fr-FR" sz="2400" dirty="0"/>
+            </a:br>
+            <a:br>
+              <a:rPr lang="fr-FR" sz="2400" dirty="0"/>
+            </a:br>
+            <a:r>
+              <a:rPr lang="fr-FR" sz="2400" dirty="0"/>
+              <a:t>et pointer ce fichier depuis le HTML :</a:t>
+            </a:r>
+            <a:br>
+              <a:rPr lang="fr-FR" sz="2400" dirty="0"/>
+            </a:br>
+            <a:endParaRPr lang="fr-FR" sz="2400" dirty="0"/>
+          </a:p>
+        </p:txBody>
+      </p:sp>
+      <p:sp>
+        <p:nvSpPr>
           <p:cNvPr id="2" name="Titre 1"/>
           <p:cNvSpPr>
             <a:spLocks noGrp="1"/>
@@ -8306,127 +8412,14 @@
         <p:spPr/>
         <p:txBody>
           <a:bodyPr>
-            <a:normAutofit/>
+            <a:noAutofit/>
           </a:bodyPr>
           <a:lstStyle/>
           <a:p>
             <a:r>
               <a:rPr lang="fr-FR" b="1" dirty="0"/>
-              <a:t>DOM </a:t>
-            </a:r>
-            <a:r>
-              <a:rPr lang="fr-FR" b="1" dirty="0" err="1" smtClean="0"/>
-              <a:t>Element</a:t>
-            </a:r>
-            <a:endParaRPr lang="fr-FR" b="1" dirty="0"/>
-          </a:p>
-        </p:txBody>
-      </p:sp>
-      <p:sp>
-        <p:nvSpPr>
-          <p:cNvPr id="3" name="Espace réservé du contenu 2"/>
-          <p:cNvSpPr>
-            <a:spLocks noGrp="1"/>
-          </p:cNvSpPr>
-          <p:nvPr>
-            <p:ph idx="1"/>
-          </p:nvPr>
-        </p:nvSpPr>
-        <p:spPr>
-          <a:xfrm>
-            <a:off x="91440" y="1236134"/>
-            <a:ext cx="9052560" cy="4890030"/>
-          </a:xfrm>
-        </p:spPr>
-        <p:txBody>
-          <a:bodyPr/>
-          <a:lstStyle/>
-          <a:p>
-            <a:pPr marL="400050" indent="-400050">
-              <a:lnSpc>
-                <a:spcPct val="150000"/>
-              </a:lnSpc>
-            </a:pPr>
-            <a:r>
-              <a:rPr lang="fr-FR" sz="2400" dirty="0" smtClean="0"/>
-              <a:t>Les éléments DOM sont des objets JavaScript qui proposent une </a:t>
-            </a:r>
-            <a:r>
-              <a:rPr lang="fr-FR" sz="2400" dirty="0" smtClean="0">
-                <a:hlinkClick r:id="rId2"/>
-              </a:rPr>
-              <a:t>API</a:t>
-            </a:r>
-            <a:r>
-              <a:rPr lang="fr-FR" sz="2400" dirty="0" smtClean="0"/>
-              <a:t>.</a:t>
-            </a:r>
-            <a:endParaRPr lang="fr-FR" sz="2400" b="1" dirty="0" smtClean="0">
-              <a:latin typeface="Source Code Pro" panose="020B0509030403020204" pitchFamily="49" charset="0"/>
-              <a:ea typeface="Source Code Pro" panose="020B0509030403020204" pitchFamily="49" charset="0"/>
-            </a:endParaRPr>
-          </a:p>
-          <a:p>
-            <a:pPr marL="400050" indent="-400050">
-              <a:lnSpc>
-                <a:spcPct val="150000"/>
-              </a:lnSpc>
-            </a:pPr>
-            <a:r>
-              <a:rPr lang="fr-FR" sz="2400" dirty="0" smtClean="0"/>
-              <a:t>Pour manipuler des éléments HTML il faut d'abord les trouver:</a:t>
-            </a:r>
-            <a:endParaRPr lang="fr-FR" sz="2000" dirty="0" smtClean="0">
-              <a:latin typeface="Source Code Pro" panose="020B0509030403020204" pitchFamily="49" charset="0"/>
-              <a:ea typeface="Source Code Pro" panose="020B0509030403020204" pitchFamily="49" charset="0"/>
-            </a:endParaRPr>
-          </a:p>
-          <a:p>
-            <a:pPr lvl="1"/>
-            <a:r>
-              <a:rPr lang="en-US" sz="2000" dirty="0"/>
-              <a:t>id</a:t>
-            </a:r>
-          </a:p>
-          <a:p>
-            <a:pPr lvl="1"/>
-            <a:r>
-              <a:rPr lang="fr-FR" sz="2000" dirty="0"/>
-              <a:t>nom de </a:t>
-            </a:r>
-            <a:r>
-              <a:rPr lang="fr-FR" sz="2000" dirty="0"/>
-              <a:t>balise</a:t>
-            </a:r>
-          </a:p>
-          <a:p>
-            <a:pPr lvl="1"/>
-            <a:r>
-              <a:rPr lang="fr-FR" sz="2000" dirty="0"/>
-              <a:t>nom de </a:t>
-            </a:r>
-            <a:r>
-              <a:rPr lang="fr-FR" sz="2000" dirty="0" smtClean="0"/>
-              <a:t>classe</a:t>
-            </a:r>
-          </a:p>
-          <a:p>
-            <a:pPr lvl="1"/>
-            <a:r>
-              <a:rPr lang="fr-FR" sz="2000" dirty="0" smtClean="0"/>
-              <a:t>sélecteurs </a:t>
-            </a:r>
-            <a:r>
-              <a:rPr lang="fr-FR" sz="2000" dirty="0"/>
-              <a:t>CSS</a:t>
-            </a:r>
-          </a:p>
-          <a:p>
-            <a:pPr lvl="1"/>
-            <a:endParaRPr lang="fr-FR" dirty="0">
-              <a:latin typeface="Source Code Pro" panose="020B0509030403020204" pitchFamily="49" charset="0"/>
-              <a:ea typeface="Source Code Pro" panose="020B0509030403020204" pitchFamily="49" charset="0"/>
-            </a:endParaRPr>
+              <a:t>HTML et JavaScript</a:t>
+            </a:r>
           </a:p>
         </p:txBody>
       </p:sp>
@@ -8447,7 +8440,7 @@
           <a:p>
             <a:fld id="{BB2FA04C-1355-4CE6-8050-4BD994E23BD5}" type="datetime4">
               <a:rPr lang="fr-FR" smtClean="0"/>
-              <a:t>3 juin 2019</a:t>
+              <a:t>5 juin 2019</a:t>
             </a:fld>
             <a:endParaRPr lang="fr-FR" dirty="0"/>
           </a:p>
@@ -8501,10 +8494,10 @@
       </p:sp>
       <p:sp>
         <p:nvSpPr>
-          <p:cNvPr id="8" name="Rectangle 7">
+          <p:cNvPr id="19" name="Rectangle 18">
             <a:extLst>
               <a:ext uri="{FF2B5EF4-FFF2-40B4-BE49-F238E27FC236}">
-                <a16:creationId xmlns:a16="http://schemas.microsoft.com/office/drawing/2014/main" xmlns="" id="{99D6AB73-3556-6845-9EF8-9024C2407A0D}"/>
+                <a16:creationId xmlns:a16="http://schemas.microsoft.com/office/drawing/2014/main" id="{99D6AB73-3556-6845-9EF8-9024C2407A0D}"/>
               </a:ext>
             </a:extLst>
           </p:cNvPr>
@@ -8513,444 +8506,445 @@
         </p:nvSpPr>
         <p:spPr>
           <a:xfrm>
-            <a:off x="1033707" y="4726662"/>
-            <a:ext cx="7003434" cy="1754326"/>
+            <a:off x="901701" y="1617794"/>
+            <a:ext cx="7130005" cy="756916"/>
           </a:xfrm>
           <a:prstGeom prst="rect">
             <a:avLst/>
           </a:prstGeom>
           <a:solidFill>
-            <a:srgbClr val="1E1E1E"/>
+            <a:srgbClr val="FEF6E3"/>
           </a:solidFill>
+          <a:effectLst>
+            <a:outerShdw blurRad="50800" dist="38100" dir="2700000" algn="tl" rotWithShape="0">
+              <a:prstClr val="black">
+                <a:alpha val="40000"/>
+              </a:prstClr>
+            </a:outerShdw>
+          </a:effectLst>
         </p:spPr>
         <p:txBody>
-          <a:bodyPr wrap="square">
-            <a:spAutoFit/>
+          <a:bodyPr vert="horz" lIns="91440" tIns="45720" rIns="91440" bIns="45720" rtlCol="0" anchor="ctr">
+            <a:normAutofit/>
           </a:bodyPr>
           <a:lstStyle/>
           <a:p>
-            <a:pPr defTabSz="914400" eaLnBrk="0" fontAlgn="base" hangingPunct="0">
+            <a:pPr marL="47625"/>
+            <a:r>
+              <a:rPr lang="fr-FR" altLang="fr-FR" dirty="0" err="1">
+                <a:solidFill>
+                  <a:srgbClr val="6F42C1"/>
+                </a:solidFill>
+                <a:latin typeface="Source Code Pro" panose="020B0509030403020204"/>
+              </a:rPr>
+              <a:t>console</a:t>
+            </a:r>
+            <a:r>
+              <a:rPr lang="fr-FR" altLang="fr-FR" dirty="0" err="1">
+                <a:solidFill>
+                  <a:srgbClr val="010080"/>
+                </a:solidFill>
+                <a:latin typeface="Source Code Pro" panose="020B0509030403020204" pitchFamily="49" charset="0"/>
+                <a:ea typeface="Source Code Pro" panose="020B0509030403020204" pitchFamily="49" charset="0"/>
+              </a:rPr>
+              <a:t>.</a:t>
+            </a:r>
+            <a:r>
+              <a:rPr lang="fr-FR" altLang="fr-FR" dirty="0" err="1">
+                <a:solidFill>
+                  <a:srgbClr val="005CC5"/>
+                </a:solidFill>
+                <a:latin typeface="Source Code Pro" panose="020B0509030403020204"/>
+              </a:rPr>
+              <a:t>log</a:t>
+            </a:r>
+            <a:r>
+              <a:rPr lang="fr-FR" altLang="fr-FR" dirty="0">
+                <a:latin typeface="Source Code Pro" panose="020B0509030403020204" pitchFamily="49" charset="0"/>
+                <a:ea typeface="Source Code Pro" panose="020B0509030403020204" pitchFamily="49" charset="0"/>
+              </a:rPr>
+              <a:t>(</a:t>
+            </a:r>
+            <a:r>
+              <a:rPr lang="fr-FR" altLang="fr-FR" dirty="0">
+                <a:solidFill>
+                  <a:srgbClr val="657B83"/>
+                </a:solidFill>
+                <a:latin typeface="Source Code Pro" panose="020B0509030403020204" pitchFamily="49" charset="0"/>
+                <a:ea typeface="Source Code Pro" panose="020B0509030403020204" pitchFamily="49" charset="0"/>
+              </a:rPr>
+              <a:t>'Cette fonction est exécutée une fois quand la page est chargée.'</a:t>
+            </a:r>
+            <a:r>
+              <a:rPr lang="fr-FR" altLang="fr-FR" dirty="0">
+                <a:latin typeface="Source Code Pro" panose="020B0509030403020204" pitchFamily="49" charset="0"/>
+                <a:ea typeface="Source Code Pro" panose="020B0509030403020204" pitchFamily="49" charset="0"/>
+              </a:rPr>
+              <a:t>);</a:t>
+            </a:r>
+          </a:p>
+        </p:txBody>
+      </p:sp>
+      <p:sp>
+        <p:nvSpPr>
+          <p:cNvPr id="12" name="Rectangle 11">
+            <a:extLst>
+              <a:ext uri="{FF2B5EF4-FFF2-40B4-BE49-F238E27FC236}">
+                <a16:creationId xmlns:a16="http://schemas.microsoft.com/office/drawing/2014/main" id="{ECED5231-2525-CD45-A28E-5EE4CDC138F5}"/>
+              </a:ext>
+            </a:extLst>
+          </p:cNvPr>
+          <p:cNvSpPr/>
+          <p:nvPr/>
+        </p:nvSpPr>
+        <p:spPr>
+          <a:xfrm>
+            <a:off x="880443" y="3094629"/>
+            <a:ext cx="5233754" cy="3224284"/>
+          </a:xfrm>
+          <a:prstGeom prst="rect">
+            <a:avLst/>
+          </a:prstGeom>
+          <a:solidFill>
+            <a:srgbClr val="FEF6E3"/>
+          </a:solidFill>
+          <a:effectLst>
+            <a:outerShdw blurRad="50800" dist="38100" dir="2700000" algn="tl" rotWithShape="0">
+              <a:prstClr val="black">
+                <a:alpha val="40000"/>
+              </a:prstClr>
+            </a:outerShdw>
+          </a:effectLst>
+        </p:spPr>
+        <p:txBody>
+          <a:bodyPr vert="horz" lIns="91440" tIns="45720" rIns="91440" bIns="45720" rtlCol="0" anchor="ctr">
+            <a:normAutofit/>
+          </a:bodyPr>
+          <a:lstStyle/>
+          <a:p>
+            <a:pPr marL="47625" indent="0">
+              <a:buFont typeface="Brix Slab Bold" pitchFamily="50" charset="0"/>
+              <a:buNone/>
+            </a:pPr>
+            <a:r>
+              <a:rPr lang="fr-FR" dirty="0">
+                <a:solidFill>
+                  <a:srgbClr val="657B83"/>
+                </a:solidFill>
+                <a:latin typeface="Source Code Pro" panose="020B0509030403020204" pitchFamily="49" charset="0"/>
+                <a:ea typeface="Source Code Pro" panose="020B0509030403020204" pitchFamily="49" charset="0"/>
+              </a:rPr>
+              <a:t>&lt;!DOCTYPE html&gt;</a:t>
+            </a:r>
+          </a:p>
+          <a:p>
+            <a:pPr marL="47625" indent="0">
+              <a:buFont typeface="Brix Slab Bold" pitchFamily="50" charset="0"/>
+              <a:buNone/>
+            </a:pPr>
+            <a:r>
+              <a:rPr lang="fr-FR" dirty="0">
+                <a:solidFill>
+                  <a:srgbClr val="010080"/>
+                </a:solidFill>
+                <a:latin typeface="Source Code Pro" panose="020B0509030403020204" pitchFamily="49" charset="0"/>
+                <a:ea typeface="Source Code Pro" panose="020B0509030403020204" pitchFamily="49" charset="0"/>
+              </a:rPr>
+              <a:t>&lt;html&gt;</a:t>
+            </a:r>
+          </a:p>
+          <a:p>
+            <a:pPr marL="342900" lvl="1" indent="0">
+              <a:buNone/>
+            </a:pPr>
+            <a:r>
+              <a:rPr lang="fr-FR" dirty="0">
+                <a:solidFill>
+                  <a:srgbClr val="010080"/>
+                </a:solidFill>
+                <a:latin typeface="Source Code Pro" panose="020B0509030403020204" pitchFamily="49" charset="0"/>
+                <a:ea typeface="Source Code Pro" panose="020B0509030403020204" pitchFamily="49" charset="0"/>
+              </a:rPr>
+              <a:t>&lt;</a:t>
+            </a:r>
+            <a:r>
+              <a:rPr lang="fr-FR" dirty="0" err="1">
+                <a:solidFill>
+                  <a:srgbClr val="010080"/>
+                </a:solidFill>
+                <a:latin typeface="Source Code Pro" panose="020B0509030403020204" pitchFamily="49" charset="0"/>
+                <a:ea typeface="Source Code Pro" panose="020B0509030403020204" pitchFamily="49" charset="0"/>
+              </a:rPr>
+              <a:t>head</a:t>
+            </a:r>
+            <a:r>
+              <a:rPr lang="fr-FR" dirty="0">
+                <a:solidFill>
+                  <a:srgbClr val="010080"/>
+                </a:solidFill>
+                <a:latin typeface="Source Code Pro" panose="020B0509030403020204" pitchFamily="49" charset="0"/>
+                <a:ea typeface="Source Code Pro" panose="020B0509030403020204" pitchFamily="49" charset="0"/>
+              </a:rPr>
+              <a:t>&gt; </a:t>
+            </a:r>
+          </a:p>
+          <a:p>
+            <a:pPr marL="742950" lvl="2" indent="0">
+              <a:buNone/>
+            </a:pPr>
+            <a:r>
+              <a:rPr lang="fr-FR" dirty="0">
+                <a:solidFill>
+                  <a:srgbClr val="010080"/>
+                </a:solidFill>
+                <a:latin typeface="Source Code Pro" panose="020B0509030403020204" pitchFamily="49" charset="0"/>
+                <a:ea typeface="Source Code Pro" panose="020B0509030403020204" pitchFamily="49" charset="0"/>
+              </a:rPr>
+              <a:t>&lt;</a:t>
+            </a:r>
+            <a:r>
+              <a:rPr lang="fr-FR" dirty="0" err="1">
+                <a:solidFill>
+                  <a:srgbClr val="010080"/>
+                </a:solidFill>
+                <a:latin typeface="Source Code Pro" panose="020B0509030403020204" pitchFamily="49" charset="0"/>
+                <a:ea typeface="Source Code Pro" panose="020B0509030403020204" pitchFamily="49" charset="0"/>
+              </a:rPr>
+              <a:t>meta</a:t>
+            </a:r>
+            <a:r>
+              <a:rPr lang="fr-FR" dirty="0">
+                <a:solidFill>
+                  <a:srgbClr val="010080"/>
+                </a:solidFill>
+                <a:latin typeface="Source Code Pro" panose="020B0509030403020204" pitchFamily="49" charset="0"/>
+                <a:ea typeface="Source Code Pro" panose="020B0509030403020204" pitchFamily="49" charset="0"/>
+              </a:rPr>
+              <a:t> </a:t>
+            </a:r>
+            <a:r>
+              <a:rPr lang="fr-FR" dirty="0" err="1">
+                <a:solidFill>
+                  <a:srgbClr val="008080"/>
+                </a:solidFill>
+                <a:latin typeface="Source Code Pro" panose="020B0509030403020204" pitchFamily="49" charset="0"/>
+                <a:ea typeface="Source Code Pro" panose="020B0509030403020204" pitchFamily="49" charset="0"/>
+              </a:rPr>
+              <a:t>charset</a:t>
+            </a:r>
+            <a:r>
+              <a:rPr lang="fr-FR" dirty="0">
+                <a:solidFill>
+                  <a:srgbClr val="010080"/>
+                </a:solidFill>
+                <a:latin typeface="Source Code Pro" panose="020B0509030403020204" pitchFamily="49" charset="0"/>
+                <a:ea typeface="Source Code Pro" panose="020B0509030403020204" pitchFamily="49" charset="0"/>
+              </a:rPr>
+              <a:t>="</a:t>
+            </a:r>
+            <a:r>
+              <a:rPr lang="fr-FR" dirty="0">
+                <a:solidFill>
+                  <a:srgbClr val="990000"/>
+                </a:solidFill>
+                <a:latin typeface="Source Code Pro" panose="020B0509030403020204" pitchFamily="49" charset="0"/>
+                <a:ea typeface="Source Code Pro" panose="020B0509030403020204" pitchFamily="49" charset="0"/>
+              </a:rPr>
+              <a:t>utf-8</a:t>
+            </a:r>
+            <a:r>
+              <a:rPr lang="fr-FR" dirty="0">
+                <a:solidFill>
+                  <a:srgbClr val="010080"/>
+                </a:solidFill>
+                <a:latin typeface="Source Code Pro" panose="020B0509030403020204" pitchFamily="49" charset="0"/>
+                <a:ea typeface="Source Code Pro" panose="020B0509030403020204" pitchFamily="49" charset="0"/>
+              </a:rPr>
+              <a:t>" /&gt; </a:t>
+            </a:r>
+          </a:p>
+          <a:p>
+            <a:pPr marL="342900" lvl="1" indent="0">
+              <a:buNone/>
+            </a:pPr>
+            <a:r>
+              <a:rPr lang="fr-FR" dirty="0">
+                <a:solidFill>
+                  <a:srgbClr val="010080"/>
+                </a:solidFill>
+                <a:latin typeface="Source Code Pro" panose="020B0509030403020204" pitchFamily="49" charset="0"/>
+                <a:ea typeface="Source Code Pro" panose="020B0509030403020204" pitchFamily="49" charset="0"/>
+              </a:rPr>
+              <a:t>&lt;/</a:t>
+            </a:r>
+            <a:r>
+              <a:rPr lang="fr-FR" dirty="0" err="1">
+                <a:solidFill>
+                  <a:srgbClr val="010080"/>
+                </a:solidFill>
+                <a:latin typeface="Source Code Pro" panose="020B0509030403020204" pitchFamily="49" charset="0"/>
+                <a:ea typeface="Source Code Pro" panose="020B0509030403020204" pitchFamily="49" charset="0"/>
+              </a:rPr>
+              <a:t>head</a:t>
+            </a:r>
+            <a:r>
+              <a:rPr lang="fr-FR" dirty="0">
+                <a:solidFill>
+                  <a:srgbClr val="010080"/>
+                </a:solidFill>
+                <a:latin typeface="Source Code Pro" panose="020B0509030403020204" pitchFamily="49" charset="0"/>
+                <a:ea typeface="Source Code Pro" panose="020B0509030403020204" pitchFamily="49" charset="0"/>
+              </a:rPr>
+              <a:t>&gt;</a:t>
+            </a:r>
+          </a:p>
+          <a:p>
+            <a:pPr marL="342900" lvl="1" indent="0">
+              <a:buNone/>
+            </a:pPr>
+            <a:r>
+              <a:rPr lang="fr-FR" dirty="0">
+                <a:solidFill>
+                  <a:srgbClr val="010080"/>
+                </a:solidFill>
+                <a:latin typeface="Source Code Pro" panose="020B0509030403020204" pitchFamily="49" charset="0"/>
+                <a:ea typeface="Source Code Pro" panose="020B0509030403020204" pitchFamily="49" charset="0"/>
+              </a:rPr>
+              <a:t>&lt;body&gt;</a:t>
+            </a:r>
+          </a:p>
+          <a:p>
+            <a:pPr marL="760413" lvl="1">
               <a:spcBef>
-                <a:spcPct val="0"/>
+                <a:spcPct val="20000"/>
               </a:spcBef>
-              <a:spcAft>
-                <a:spcPct val="0"/>
-              </a:spcAft>
+              <a:buClr>
+                <a:schemeClr val="accent6"/>
+              </a:buClr>
             </a:pPr>
             <a:r>
-              <a:rPr lang="fr-FR" altLang="fr-FR" dirty="0" smtClean="0">
-                <a:solidFill>
-                  <a:srgbClr val="D73A49"/>
-                </a:solidFill>
-                <a:latin typeface="Source Code Pro" panose="020B0509030403020204"/>
-              </a:rPr>
-              <a:t>var</a:t>
-            </a:r>
-            <a:r>
-              <a:rPr lang="fr-FR" altLang="fr-FR" dirty="0" smtClean="0">
-                <a:solidFill>
-                  <a:srgbClr val="24292E"/>
-                </a:solidFill>
-                <a:latin typeface="Source Code Pro" panose="020B0509030403020204"/>
-              </a:rPr>
-              <a:t> </a:t>
-            </a:r>
-            <a:r>
-              <a:rPr lang="fr-FR" altLang="fr-FR" dirty="0" err="1">
-                <a:solidFill>
-                  <a:schemeClr val="bg1"/>
-                </a:solidFill>
-                <a:latin typeface="Source Code Pro" panose="020B0509030403020204"/>
-              </a:rPr>
-              <a:t>target</a:t>
-            </a:r>
-            <a:r>
-              <a:rPr lang="fr-FR" altLang="fr-FR" dirty="0">
-                <a:solidFill>
-                  <a:srgbClr val="24292E"/>
-                </a:solidFill>
-                <a:latin typeface="Source Code Pro" panose="020B0509030403020204"/>
-              </a:rPr>
-              <a:t> </a:t>
-            </a:r>
-            <a:r>
-              <a:rPr lang="fr-FR" altLang="fr-FR" dirty="0">
-                <a:solidFill>
-                  <a:srgbClr val="D73A49"/>
-                </a:solidFill>
-                <a:latin typeface="Source Code Pro" panose="020B0509030403020204"/>
-              </a:rPr>
-              <a:t>=</a:t>
-            </a:r>
-            <a:r>
-              <a:rPr lang="fr-FR" altLang="fr-FR" dirty="0">
-                <a:solidFill>
-                  <a:srgbClr val="24292E"/>
-                </a:solidFill>
-                <a:latin typeface="Source Code Pro" panose="020B0509030403020204"/>
-              </a:rPr>
-              <a:t> </a:t>
-            </a:r>
-            <a:r>
-              <a:rPr lang="fr-FR" altLang="fr-FR" dirty="0" err="1">
-                <a:solidFill>
-                  <a:srgbClr val="005CC5"/>
-                </a:solidFill>
-                <a:latin typeface="Source Code Pro" panose="020B0509030403020204"/>
-              </a:rPr>
-              <a:t>document</a:t>
-            </a:r>
-            <a:r>
-              <a:rPr lang="fr-FR" altLang="fr-FR" dirty="0" err="1">
-                <a:solidFill>
-                  <a:srgbClr val="24292E"/>
-                </a:solidFill>
-                <a:latin typeface="Source Code Pro" panose="020B0509030403020204"/>
-              </a:rPr>
-              <a:t>.</a:t>
-            </a:r>
-            <a:r>
-              <a:rPr lang="fr-FR" altLang="fr-FR" dirty="0" err="1">
-                <a:solidFill>
-                  <a:srgbClr val="005CC5"/>
-                </a:solidFill>
-                <a:latin typeface="Source Code Pro" panose="020B0509030403020204"/>
-              </a:rPr>
-              <a:t>getElementById</a:t>
-            </a:r>
-            <a:r>
-              <a:rPr lang="fr-FR" altLang="fr-FR" dirty="0">
-                <a:solidFill>
-                  <a:schemeClr val="bg1"/>
-                </a:solidFill>
-                <a:latin typeface="Source Code Pro" panose="020B0509030403020204"/>
-              </a:rPr>
-              <a:t>(</a:t>
-            </a:r>
-            <a:r>
-              <a:rPr lang="fr-FR" altLang="fr-FR" dirty="0">
-                <a:solidFill>
-                  <a:srgbClr val="032F62"/>
-                </a:solidFill>
-                <a:latin typeface="Source Code Pro" panose="020B0509030403020204"/>
+              <a:rPr lang="fr-FR" altLang="fr-FR" b="1" dirty="0">
+                <a:solidFill>
+                  <a:srgbClr val="010080"/>
+                </a:solidFill>
+                <a:latin typeface="Source Code Pro" panose="020B0509030403020204" pitchFamily="49" charset="0"/>
+                <a:ea typeface="Source Code Pro" panose="020B0509030403020204" pitchFamily="49" charset="0"/>
+              </a:rPr>
+              <a:t>&lt;script </a:t>
+            </a:r>
+            <a:r>
+              <a:rPr lang="fr-FR" altLang="fr-FR" b="1" dirty="0" err="1">
+                <a:solidFill>
+                  <a:srgbClr val="008080"/>
+                </a:solidFill>
+                <a:latin typeface="Source Code Pro" panose="020B0509030403020204" pitchFamily="49" charset="0"/>
+                <a:ea typeface="Source Code Pro" panose="020B0509030403020204" pitchFamily="49" charset="0"/>
+              </a:rPr>
+              <a:t>src</a:t>
+            </a:r>
+            <a:r>
+              <a:rPr lang="fr-FR" altLang="fr-FR" b="1" dirty="0">
+                <a:solidFill>
+                  <a:srgbClr val="010080"/>
+                </a:solidFill>
+                <a:latin typeface="Source Code Pro" panose="020B0509030403020204" pitchFamily="49" charset="0"/>
+                <a:ea typeface="Source Code Pro" panose="020B0509030403020204" pitchFamily="49" charset="0"/>
+              </a:rPr>
+              <a:t>="</a:t>
+            </a:r>
+            <a:r>
+              <a:rPr lang="fr-FR" altLang="fr-FR" b="1" dirty="0">
+                <a:solidFill>
+                  <a:srgbClr val="990000"/>
+                </a:solidFill>
+                <a:latin typeface="Source Code Pro" panose="020B0509030403020204" pitchFamily="49" charset="0"/>
+                <a:ea typeface="Source Code Pro" panose="020B0509030403020204" pitchFamily="49" charset="0"/>
+              </a:rPr>
+              <a:t>./</a:t>
+            </a:r>
+            <a:r>
+              <a:rPr lang="fr-FR" altLang="fr-FR" b="1" dirty="0" err="1">
+                <a:solidFill>
+                  <a:srgbClr val="990000"/>
+                </a:solidFill>
+                <a:latin typeface="Source Code Pro" panose="020B0509030403020204" pitchFamily="49" charset="0"/>
+                <a:ea typeface="Source Code Pro" panose="020B0509030403020204" pitchFamily="49" charset="0"/>
+              </a:rPr>
+              <a:t>script.js</a:t>
+            </a:r>
+            <a:r>
+              <a:rPr lang="fr-FR" b="1" dirty="0">
+                <a:solidFill>
+                  <a:srgbClr val="010080"/>
+                </a:solidFill>
+                <a:latin typeface="Source Code Pro" panose="020B0509030403020204" pitchFamily="49" charset="0"/>
+                <a:ea typeface="Source Code Pro" panose="020B0509030403020204" pitchFamily="49" charset="0"/>
               </a:rPr>
               <a:t>"</a:t>
             </a:r>
             <a:r>
-              <a:rPr lang="fr-FR" altLang="fr-FR" dirty="0" err="1">
-                <a:solidFill>
-                  <a:srgbClr val="032F62"/>
-                </a:solidFill>
-                <a:latin typeface="Source Code Pro" panose="020B0509030403020204"/>
-              </a:rPr>
-              <a:t>monId</a:t>
-            </a:r>
-            <a:r>
-              <a:rPr lang="fr-FR" altLang="fr-FR" dirty="0">
-                <a:solidFill>
-                  <a:srgbClr val="032F62"/>
-                </a:solidFill>
-                <a:latin typeface="Source Code Pro" panose="020B0509030403020204"/>
-              </a:rPr>
-              <a:t>"</a:t>
-            </a:r>
-            <a:r>
-              <a:rPr lang="fr-FR" altLang="fr-FR" dirty="0">
-                <a:solidFill>
-                  <a:schemeClr val="bg1"/>
-                </a:solidFill>
-                <a:latin typeface="Source Code Pro" panose="020B0509030403020204"/>
-              </a:rPr>
-              <a:t>); </a:t>
-            </a:r>
-            <a:r>
-              <a:rPr lang="fr-FR" altLang="fr-FR" dirty="0">
-                <a:solidFill>
-                  <a:srgbClr val="D73A49"/>
-                </a:solidFill>
-                <a:latin typeface="Source Code Pro" panose="020B0509030403020204"/>
-              </a:rPr>
-              <a:t>var</a:t>
-            </a:r>
-            <a:r>
-              <a:rPr lang="fr-FR" altLang="fr-FR" dirty="0">
-                <a:solidFill>
-                  <a:srgbClr val="24292E"/>
-                </a:solidFill>
-                <a:latin typeface="Source Code Pro" panose="020B0509030403020204"/>
-              </a:rPr>
-              <a:t> </a:t>
-            </a:r>
-            <a:r>
-              <a:rPr lang="fr-FR" altLang="fr-FR" dirty="0" err="1">
-                <a:solidFill>
-                  <a:schemeClr val="bg1"/>
-                </a:solidFill>
-                <a:latin typeface="Source Code Pro" panose="020B0509030403020204"/>
-              </a:rPr>
-              <a:t>i</a:t>
-            </a:r>
-            <a:r>
-              <a:rPr lang="fr-FR" altLang="fr-FR" dirty="0" err="1">
-                <a:solidFill>
-                  <a:schemeClr val="bg1"/>
-                </a:solidFill>
-                <a:latin typeface="Source Code Pro" panose="020B0509030403020204"/>
-              </a:rPr>
-              <a:t>mg</a:t>
-            </a:r>
-            <a:r>
-              <a:rPr lang="fr-FR" altLang="fr-FR" dirty="0">
-                <a:solidFill>
-                  <a:srgbClr val="D73A49"/>
-                </a:solidFill>
-                <a:latin typeface="Source Code Pro" panose="020B0509030403020204"/>
-              </a:rPr>
-              <a:t>=</a:t>
-            </a:r>
-            <a:r>
-              <a:rPr lang="fr-FR" altLang="fr-FR" dirty="0">
-                <a:solidFill>
-                  <a:srgbClr val="24292E"/>
-                </a:solidFill>
-                <a:latin typeface="Source Code Pro" panose="020B0509030403020204"/>
-              </a:rPr>
-              <a:t> </a:t>
-            </a:r>
-            <a:r>
-              <a:rPr lang="fr-FR" altLang="fr-FR" dirty="0" err="1">
-                <a:solidFill>
-                  <a:srgbClr val="005CC5"/>
-                </a:solidFill>
-                <a:latin typeface="Source Code Pro" panose="020B0509030403020204"/>
-              </a:rPr>
-              <a:t>document</a:t>
-            </a:r>
-            <a:r>
-              <a:rPr lang="fr-FR" altLang="fr-FR" dirty="0" err="1">
-                <a:solidFill>
-                  <a:srgbClr val="24292E"/>
-                </a:solidFill>
-                <a:latin typeface="Source Code Pro" panose="020B0509030403020204"/>
-              </a:rPr>
-              <a:t>.</a:t>
-            </a:r>
-            <a:r>
-              <a:rPr lang="fr-FR" altLang="fr-FR" dirty="0" err="1">
-                <a:solidFill>
-                  <a:srgbClr val="005CC5"/>
-                </a:solidFill>
-                <a:latin typeface="Source Code Pro" panose="020B0509030403020204"/>
-              </a:rPr>
-              <a:t>createElement</a:t>
-            </a:r>
-            <a:r>
-              <a:rPr lang="fr-FR" altLang="fr-FR" dirty="0">
-                <a:solidFill>
-                  <a:schemeClr val="bg1"/>
-                </a:solidFill>
-                <a:latin typeface="Source Code Pro" panose="020B0509030403020204"/>
-              </a:rPr>
-              <a:t>(</a:t>
-            </a:r>
-            <a:r>
-              <a:rPr lang="fr-FR" altLang="fr-FR" dirty="0">
-                <a:solidFill>
-                  <a:srgbClr val="032F62"/>
-                </a:solidFill>
-                <a:latin typeface="Source Code Pro" panose="020B0509030403020204"/>
-              </a:rPr>
-              <a:t>'</a:t>
-            </a:r>
-            <a:r>
-              <a:rPr lang="fr-FR" altLang="fr-FR" dirty="0" err="1">
-                <a:solidFill>
-                  <a:srgbClr val="032F62"/>
-                </a:solidFill>
-                <a:latin typeface="Source Code Pro" panose="020B0509030403020204"/>
-              </a:rPr>
-              <a:t>img</a:t>
-            </a:r>
-            <a:r>
-              <a:rPr lang="fr-FR" altLang="fr-FR" dirty="0">
-                <a:solidFill>
-                  <a:schemeClr val="bg1"/>
-                </a:solidFill>
-                <a:latin typeface="Source Code Pro" panose="020B0509030403020204"/>
-              </a:rPr>
-              <a:t>'); </a:t>
-            </a:r>
-            <a:endParaRPr lang="fr-FR" altLang="fr-FR" dirty="0" smtClean="0">
+              <a:rPr lang="fr-FR" altLang="fr-FR" b="1" dirty="0">
+                <a:solidFill>
+                  <a:srgbClr val="010080"/>
+                </a:solidFill>
+                <a:latin typeface="Source Code Pro" panose="020B0509030403020204" pitchFamily="49" charset="0"/>
+                <a:ea typeface="Source Code Pro" panose="020B0509030403020204" pitchFamily="49" charset="0"/>
+              </a:rPr>
+              <a:t>&gt;</a:t>
+            </a:r>
+          </a:p>
+          <a:p>
+            <a:pPr marL="760413" lvl="1">
+              <a:spcBef>
+                <a:spcPct val="20000"/>
+              </a:spcBef>
+              <a:buClr>
+                <a:schemeClr val="accent6"/>
+              </a:buClr>
+            </a:pPr>
+            <a:r>
+              <a:rPr lang="fr-FR" altLang="fr-FR" b="1" dirty="0">
+                <a:solidFill>
+                  <a:srgbClr val="010080"/>
+                </a:solidFill>
+                <a:latin typeface="Source Code Pro" panose="020B0509030403020204" pitchFamily="49" charset="0"/>
+                <a:ea typeface="Source Code Pro" panose="020B0509030403020204" pitchFamily="49" charset="0"/>
+              </a:rPr>
+              <a:t>&lt;/script&gt;</a:t>
+            </a:r>
+          </a:p>
+          <a:p>
+            <a:pPr marL="342900" lvl="1" indent="0">
+              <a:buNone/>
+            </a:pPr>
+            <a:r>
+              <a:rPr lang="fr-FR" dirty="0">
+                <a:solidFill>
+                  <a:srgbClr val="010080"/>
+                </a:solidFill>
+                <a:latin typeface="Source Code Pro" panose="020B0509030403020204" pitchFamily="49" charset="0"/>
+              </a:rPr>
+              <a:t>&lt;/body&gt;</a:t>
+            </a:r>
+          </a:p>
+          <a:p>
+            <a:pPr marL="47625" indent="0">
+              <a:buNone/>
+            </a:pPr>
+            <a:r>
+              <a:rPr lang="fr-FR" dirty="0">
+                <a:solidFill>
+                  <a:srgbClr val="010080"/>
+                </a:solidFill>
+                <a:latin typeface="Source Code Pro" panose="020B0509030403020204" pitchFamily="49" charset="0"/>
+              </a:rPr>
+              <a:t>&lt;/html&gt;</a:t>
+            </a:r>
+            <a:endParaRPr lang="en-US" dirty="0">
               <a:solidFill>
-                <a:schemeClr val="bg1"/>
+                <a:srgbClr val="657B83"/>
               </a:solidFill>
-              <a:latin typeface="Source Code Pro" panose="020B0509030403020204"/>
-            </a:endParaRPr>
-          </a:p>
-          <a:p>
-            <a:pPr defTabSz="914400" eaLnBrk="0" fontAlgn="base" hangingPunct="0">
-              <a:spcBef>
-                <a:spcPct val="0"/>
-              </a:spcBef>
-              <a:spcAft>
-                <a:spcPct val="0"/>
-              </a:spcAft>
-            </a:pPr>
-            <a:r>
-              <a:rPr lang="fr-FR" altLang="fr-FR" dirty="0" err="1" smtClean="0">
-                <a:solidFill>
-                  <a:schemeClr val="bg1"/>
-                </a:solidFill>
-                <a:latin typeface="Source Code Pro" panose="020B0509030403020204"/>
-              </a:rPr>
-              <a:t>img.src</a:t>
-            </a:r>
-            <a:r>
-              <a:rPr lang="fr-FR" altLang="fr-FR" dirty="0">
-                <a:solidFill>
-                  <a:srgbClr val="D73A49"/>
-                </a:solidFill>
-                <a:latin typeface="Source Code Pro" panose="020B0509030403020204"/>
-              </a:rPr>
-              <a:t>=</a:t>
-            </a:r>
-            <a:r>
-              <a:rPr lang="fr-FR" altLang="fr-FR" dirty="0">
-                <a:solidFill>
-                  <a:srgbClr val="24292E"/>
-                </a:solidFill>
-                <a:latin typeface="Source Code Pro" panose="020B0509030403020204"/>
-              </a:rPr>
-              <a:t> </a:t>
-            </a:r>
-            <a:r>
-              <a:rPr lang="fr-FR" altLang="fr-FR" dirty="0">
-                <a:solidFill>
-                  <a:srgbClr val="032F62"/>
-                </a:solidFill>
-                <a:latin typeface="Source Code Pro" panose="020B0509030403020204"/>
-              </a:rPr>
-              <a:t>'./</a:t>
-            </a:r>
-            <a:r>
-              <a:rPr lang="fr-FR" altLang="fr-FR" dirty="0" err="1">
-                <a:solidFill>
-                  <a:srgbClr val="032F62"/>
-                </a:solidFill>
-                <a:latin typeface="Source Code Pro" panose="020B0509030403020204"/>
-              </a:rPr>
-              <a:t>img</a:t>
-            </a:r>
-            <a:r>
-              <a:rPr lang="fr-FR" altLang="fr-FR" dirty="0">
-                <a:solidFill>
-                  <a:srgbClr val="032F62"/>
-                </a:solidFill>
-                <a:latin typeface="Source Code Pro" panose="020B0509030403020204"/>
-              </a:rPr>
-              <a:t>/02.BMP'</a:t>
-            </a:r>
-            <a:r>
-              <a:rPr lang="fr-FR" altLang="fr-FR" dirty="0">
-                <a:solidFill>
-                  <a:schemeClr val="bg1"/>
-                </a:solidFill>
-                <a:latin typeface="Source Code Pro" panose="020B0509030403020204"/>
-              </a:rPr>
-              <a:t>; </a:t>
-            </a:r>
-            <a:endParaRPr lang="fr-FR" altLang="fr-FR" dirty="0" smtClean="0">
-              <a:solidFill>
-                <a:schemeClr val="bg1"/>
-              </a:solidFill>
-              <a:latin typeface="Source Code Pro" panose="020B0509030403020204"/>
-            </a:endParaRPr>
-          </a:p>
-          <a:p>
-            <a:pPr defTabSz="914400" eaLnBrk="0" fontAlgn="base" hangingPunct="0">
-              <a:spcBef>
-                <a:spcPct val="0"/>
-              </a:spcBef>
-              <a:spcAft>
-                <a:spcPct val="0"/>
-              </a:spcAft>
-            </a:pPr>
-            <a:r>
-              <a:rPr lang="fr-FR" altLang="fr-FR" dirty="0" err="1" smtClean="0">
-                <a:solidFill>
-                  <a:schemeClr val="bg1"/>
-                </a:solidFill>
-                <a:latin typeface="Source Code Pro" panose="020B0509030403020204"/>
-              </a:rPr>
-              <a:t>target.</a:t>
-            </a:r>
-            <a:r>
-              <a:rPr lang="fr-FR" altLang="fr-FR" dirty="0" err="1" smtClean="0">
-                <a:solidFill>
-                  <a:srgbClr val="005CC5"/>
-                </a:solidFill>
-                <a:latin typeface="Source Code Pro" panose="020B0509030403020204"/>
-              </a:rPr>
-              <a:t>appendChild</a:t>
-            </a:r>
-            <a:r>
-              <a:rPr lang="fr-FR" altLang="fr-FR" dirty="0" smtClean="0">
-                <a:solidFill>
-                  <a:schemeClr val="bg1"/>
-                </a:solidFill>
-                <a:latin typeface="Source Code Pro" panose="020B0509030403020204"/>
-              </a:rPr>
-              <a:t>(</a:t>
-            </a:r>
-            <a:r>
-              <a:rPr lang="fr-FR" altLang="fr-FR" dirty="0" err="1" smtClean="0">
-                <a:solidFill>
-                  <a:schemeClr val="bg1"/>
-                </a:solidFill>
-                <a:latin typeface="Source Code Pro" panose="020B0509030403020204"/>
-              </a:rPr>
-              <a:t>img</a:t>
-            </a:r>
-            <a:r>
-              <a:rPr lang="fr-FR" altLang="fr-FR" dirty="0">
-                <a:solidFill>
-                  <a:schemeClr val="bg1"/>
-                </a:solidFill>
-                <a:latin typeface="Source Code Pro" panose="020B0509030403020204"/>
-              </a:rPr>
-              <a:t>); </a:t>
-            </a:r>
-          </a:p>
-          <a:p>
-            <a:pPr defTabSz="914400" eaLnBrk="0" fontAlgn="base" hangingPunct="0">
-              <a:spcBef>
-                <a:spcPct val="0"/>
-              </a:spcBef>
-              <a:spcAft>
-                <a:spcPct val="0"/>
-              </a:spcAft>
-            </a:pPr>
-            <a:endParaRPr lang="fr-FR" altLang="fr-FR" dirty="0" smtClean="0">
-              <a:solidFill>
-                <a:schemeClr val="bg1"/>
-              </a:solidFill>
-              <a:latin typeface="Source Code Pro" panose="020B0509030403020204"/>
-            </a:endParaRPr>
-          </a:p>
-          <a:p>
-            <a:pPr defTabSz="914400" eaLnBrk="0" fontAlgn="base" hangingPunct="0">
-              <a:spcBef>
-                <a:spcPct val="0"/>
-              </a:spcBef>
-              <a:spcAft>
-                <a:spcPct val="0"/>
-              </a:spcAft>
-            </a:pPr>
-            <a:endParaRPr lang="fr-FR" altLang="fr-FR" dirty="0">
-              <a:solidFill>
-                <a:schemeClr val="bg1"/>
-              </a:solidFill>
-              <a:latin typeface="Source Code Pro" panose="020B0509030403020204"/>
+              <a:latin typeface="Source Code Pro" panose="020B0509030403020204" pitchFamily="49" charset="0"/>
             </a:endParaRPr>
           </a:p>
         </p:txBody>
@@ -8958,20 +8952,13 @@
     </p:spTree>
     <p:extLst>
       <p:ext uri="{BB962C8B-B14F-4D97-AF65-F5344CB8AC3E}">
-        <p14:creationId xmlns:p14="http://schemas.microsoft.com/office/powerpoint/2010/main" val="3306125387"/>
+        <p14:creationId xmlns:p14="http://schemas.microsoft.com/office/powerpoint/2010/main" val="1858990063"/>
       </p:ext>
     </p:extLst>
   </p:cSld>
   <p:clrMapOvr>
     <a:masterClrMapping/>
   </p:clrMapOvr>
-  <p:timing>
-    <p:tnLst>
-      <p:par>
-        <p:cTn id="1" dur="indefinite" restart="never" nodeType="tmRoot"/>
-      </p:par>
-    </p:tnLst>
-  </p:timing>
 </p:sld>
 </file>
 
@@ -9014,8 +9001,8 @@
               <a:t>DOM </a:t>
             </a:r>
             <a:r>
-              <a:rPr lang="fr-FR" b="1" dirty="0"/>
-              <a:t>Event</a:t>
+              <a:rPr lang="fr-FR" b="1" dirty="0" err="1"/>
+              <a:t>Element</a:t>
             </a:r>
             <a:endParaRPr lang="fr-FR" b="1" dirty="0"/>
           </a:p>
@@ -9031,10 +9018,79 @@
             <p:ph idx="1"/>
           </p:nvPr>
         </p:nvSpPr>
-        <p:spPr/>
+        <p:spPr>
+          <a:xfrm>
+            <a:off x="91440" y="1236134"/>
+            <a:ext cx="9052560" cy="4890030"/>
+          </a:xfrm>
+        </p:spPr>
         <p:txBody>
           <a:bodyPr/>
           <a:lstStyle/>
+          <a:p>
+            <a:pPr marL="400050" indent="-400050"/>
+            <a:r>
+              <a:rPr lang="fr-FR" sz="2400" dirty="0"/>
+              <a:t>Les éléments DOM sont des objets JavaScript qui proposent une </a:t>
+            </a:r>
+            <a:r>
+              <a:rPr lang="fr-FR" sz="2400" dirty="0">
+                <a:hlinkClick r:id="rId2"/>
+              </a:rPr>
+              <a:t>API</a:t>
+            </a:r>
+            <a:r>
+              <a:rPr lang="fr-FR" sz="2400" dirty="0"/>
+              <a:t>.</a:t>
+            </a:r>
+            <a:endParaRPr lang="fr-FR" sz="2400" b="1" dirty="0">
+              <a:latin typeface="Source Code Pro" panose="020B0509030403020204" pitchFamily="49" charset="0"/>
+              <a:ea typeface="Source Code Pro" panose="020B0509030403020204" pitchFamily="49" charset="0"/>
+            </a:endParaRPr>
+          </a:p>
+          <a:p>
+            <a:pPr marL="400050" indent="-400050">
+              <a:lnSpc>
+                <a:spcPct val="150000"/>
+              </a:lnSpc>
+            </a:pPr>
+            <a:r>
+              <a:rPr lang="fr-FR" sz="2400" dirty="0"/>
+              <a:t>Pour manipuler des éléments HTML il faut d'abord les trouver:</a:t>
+            </a:r>
+            <a:endParaRPr lang="fr-FR" sz="2000" dirty="0">
+              <a:latin typeface="Source Code Pro" panose="020B0509030403020204" pitchFamily="49" charset="0"/>
+              <a:ea typeface="Source Code Pro" panose="020B0509030403020204" pitchFamily="49" charset="0"/>
+            </a:endParaRPr>
+          </a:p>
+          <a:p>
+            <a:pPr lvl="1"/>
+            <a:r>
+              <a:rPr lang="en-US" sz="2000" dirty="0"/>
+              <a:t>id</a:t>
+            </a:r>
+          </a:p>
+          <a:p>
+            <a:pPr lvl="1"/>
+            <a:r>
+              <a:rPr lang="fr-FR" sz="2000" dirty="0"/>
+              <a:t>nom de balise</a:t>
+            </a:r>
+          </a:p>
+          <a:p>
+            <a:pPr lvl="1"/>
+            <a:r>
+              <a:rPr lang="fr-FR" sz="2000" dirty="0"/>
+              <a:t>nom de classe</a:t>
+            </a:r>
+          </a:p>
+          <a:p>
+            <a:pPr lvl="1"/>
+            <a:r>
+              <a:rPr lang="fr-FR" sz="2000" dirty="0"/>
+              <a:t>sélecteurs CSS</a:t>
+            </a:r>
+          </a:p>
           <a:p>
             <a:pPr lvl="1"/>
             <a:endParaRPr lang="fr-FR" dirty="0">
@@ -9061,7 +9117,7 @@
           <a:p>
             <a:fld id="{BB2FA04C-1355-4CE6-8050-4BD994E23BD5}" type="datetime4">
               <a:rPr lang="fr-FR" smtClean="0"/>
-              <a:t>3 juin 2019</a:t>
+              <a:t>5 juin 2019</a:t>
             </a:fld>
             <a:endParaRPr lang="fr-FR" dirty="0"/>
           </a:p>
@@ -9113,23 +9169,341 @@
           </a:p>
         </p:txBody>
       </p:sp>
+      <p:sp>
+        <p:nvSpPr>
+          <p:cNvPr id="8" name="Rectangle 7">
+            <a:extLst>
+              <a:ext uri="{FF2B5EF4-FFF2-40B4-BE49-F238E27FC236}">
+                <a16:creationId xmlns:a16="http://schemas.microsoft.com/office/drawing/2014/main" id="{99D6AB73-3556-6845-9EF8-9024C2407A0D}"/>
+              </a:ext>
+            </a:extLst>
+          </p:cNvPr>
+          <p:cNvSpPr/>
+          <p:nvPr/>
+        </p:nvSpPr>
+        <p:spPr>
+          <a:xfrm>
+            <a:off x="1033707" y="4726662"/>
+            <a:ext cx="7003434" cy="1754326"/>
+          </a:xfrm>
+          <a:prstGeom prst="rect">
+            <a:avLst/>
+          </a:prstGeom>
+          <a:solidFill>
+            <a:srgbClr val="FEF6E3"/>
+          </a:solidFill>
+          <a:effectLst>
+            <a:outerShdw blurRad="50800" dist="38100" dir="2700000" algn="tl" rotWithShape="0">
+              <a:prstClr val="black">
+                <a:alpha val="40000"/>
+              </a:prstClr>
+            </a:outerShdw>
+          </a:effectLst>
+        </p:spPr>
+        <p:txBody>
+          <a:bodyPr vert="horz" lIns="91440" tIns="45720" rIns="91440" bIns="45720" rtlCol="0" anchor="ctr">
+            <a:normAutofit/>
+          </a:bodyPr>
+          <a:lstStyle/>
+          <a:p>
+            <a:pPr marL="47625"/>
+            <a:r>
+              <a:rPr lang="fr-FR" altLang="fr-FR" dirty="0">
+                <a:solidFill>
+                  <a:srgbClr val="00B050"/>
+                </a:solidFill>
+                <a:latin typeface="Source Code Pro" panose="020B0509030403020204"/>
+              </a:rPr>
+              <a:t>var</a:t>
+            </a:r>
+            <a:r>
+              <a:rPr lang="fr-FR" altLang="fr-FR" dirty="0">
+                <a:latin typeface="Source Code Pro" panose="020B0509030403020204" pitchFamily="49" charset="0"/>
+                <a:ea typeface="Source Code Pro" panose="020B0509030403020204" pitchFamily="49" charset="0"/>
+              </a:rPr>
+              <a:t> </a:t>
+            </a:r>
+            <a:r>
+              <a:rPr lang="fr-FR" altLang="fr-FR" dirty="0" err="1">
+                <a:latin typeface="Source Code Pro" panose="020B0509030403020204" pitchFamily="49" charset="0"/>
+                <a:ea typeface="Source Code Pro" panose="020B0509030403020204" pitchFamily="49" charset="0"/>
+              </a:rPr>
+              <a:t>target</a:t>
+            </a:r>
+            <a:r>
+              <a:rPr lang="fr-FR" altLang="fr-FR" dirty="0">
+                <a:latin typeface="Source Code Pro" panose="020B0509030403020204" pitchFamily="49" charset="0"/>
+                <a:ea typeface="Source Code Pro" panose="020B0509030403020204" pitchFamily="49" charset="0"/>
+              </a:rPr>
+              <a:t> = </a:t>
+            </a:r>
+            <a:r>
+              <a:rPr lang="fr-FR" altLang="fr-FR" dirty="0" err="1">
+                <a:latin typeface="Source Code Pro" panose="020B0509030403020204" pitchFamily="49" charset="0"/>
+                <a:ea typeface="Source Code Pro" panose="020B0509030403020204" pitchFamily="49" charset="0"/>
+              </a:rPr>
+              <a:t>document.</a:t>
+            </a:r>
+            <a:r>
+              <a:rPr lang="fr-FR" altLang="fr-FR" dirty="0" err="1">
+                <a:solidFill>
+                  <a:srgbClr val="005CC5"/>
+                </a:solidFill>
+                <a:latin typeface="Source Code Pro" panose="020B0509030403020204"/>
+              </a:rPr>
+              <a:t>getElementById</a:t>
+            </a:r>
+            <a:r>
+              <a:rPr lang="fr-FR" altLang="fr-FR" dirty="0">
+                <a:latin typeface="Source Code Pro" panose="020B0509030403020204" pitchFamily="49" charset="0"/>
+                <a:ea typeface="Source Code Pro" panose="020B0509030403020204" pitchFamily="49" charset="0"/>
+              </a:rPr>
+              <a:t>(</a:t>
+            </a:r>
+            <a:r>
+              <a:rPr lang="fr-FR" altLang="fr-FR" dirty="0">
+                <a:solidFill>
+                  <a:srgbClr val="657B83"/>
+                </a:solidFill>
+                <a:latin typeface="Source Code Pro" panose="020B0509030403020204" pitchFamily="49" charset="0"/>
+                <a:ea typeface="Source Code Pro" panose="020B0509030403020204" pitchFamily="49" charset="0"/>
+              </a:rPr>
+              <a:t>"</a:t>
+            </a:r>
+            <a:r>
+              <a:rPr lang="fr-FR" altLang="fr-FR" dirty="0" err="1">
+                <a:solidFill>
+                  <a:srgbClr val="657B83"/>
+                </a:solidFill>
+                <a:latin typeface="Source Code Pro" panose="020B0509030403020204" pitchFamily="49" charset="0"/>
+                <a:ea typeface="Source Code Pro" panose="020B0509030403020204" pitchFamily="49" charset="0"/>
+              </a:rPr>
+              <a:t>monId</a:t>
+            </a:r>
+            <a:r>
+              <a:rPr lang="fr-FR" altLang="fr-FR" dirty="0">
+                <a:solidFill>
+                  <a:srgbClr val="657B83"/>
+                </a:solidFill>
+                <a:latin typeface="Source Code Pro" panose="020B0509030403020204" pitchFamily="49" charset="0"/>
+                <a:ea typeface="Source Code Pro" panose="020B0509030403020204" pitchFamily="49" charset="0"/>
+              </a:rPr>
+              <a:t>"</a:t>
+            </a:r>
+            <a:r>
+              <a:rPr lang="fr-FR" altLang="fr-FR" dirty="0">
+                <a:latin typeface="Source Code Pro" panose="020B0509030403020204" pitchFamily="49" charset="0"/>
+                <a:ea typeface="Source Code Pro" panose="020B0509030403020204" pitchFamily="49" charset="0"/>
+              </a:rPr>
+              <a:t>); </a:t>
+            </a:r>
+            <a:r>
+              <a:rPr lang="fr-FR" altLang="fr-FR" dirty="0">
+                <a:solidFill>
+                  <a:srgbClr val="00B050"/>
+                </a:solidFill>
+                <a:latin typeface="Source Code Pro" panose="020B0509030403020204"/>
+              </a:rPr>
+              <a:t>var</a:t>
+            </a:r>
+            <a:r>
+              <a:rPr lang="fr-FR" altLang="fr-FR" dirty="0">
+                <a:latin typeface="Source Code Pro" panose="020B0509030403020204" pitchFamily="49" charset="0"/>
+                <a:ea typeface="Source Code Pro" panose="020B0509030403020204" pitchFamily="49" charset="0"/>
+              </a:rPr>
+              <a:t> </a:t>
+            </a:r>
+            <a:r>
+              <a:rPr lang="fr-FR" altLang="fr-FR" dirty="0" err="1">
+                <a:latin typeface="Source Code Pro" panose="020B0509030403020204" pitchFamily="49" charset="0"/>
+                <a:ea typeface="Source Code Pro" panose="020B0509030403020204" pitchFamily="49" charset="0"/>
+              </a:rPr>
+              <a:t>img</a:t>
+            </a:r>
+            <a:r>
+              <a:rPr lang="fr-FR" altLang="fr-FR" dirty="0">
+                <a:latin typeface="Source Code Pro" panose="020B0509030403020204" pitchFamily="49" charset="0"/>
+                <a:ea typeface="Source Code Pro" panose="020B0509030403020204" pitchFamily="49" charset="0"/>
+              </a:rPr>
+              <a:t> = </a:t>
+            </a:r>
+            <a:r>
+              <a:rPr lang="fr-FR" altLang="fr-FR" dirty="0" err="1">
+                <a:latin typeface="Source Code Pro" panose="020B0509030403020204" pitchFamily="49" charset="0"/>
+                <a:ea typeface="Source Code Pro" panose="020B0509030403020204" pitchFamily="49" charset="0"/>
+              </a:rPr>
+              <a:t>document.</a:t>
+            </a:r>
+            <a:r>
+              <a:rPr lang="fr-FR" altLang="fr-FR" dirty="0" err="1">
+                <a:solidFill>
+                  <a:srgbClr val="005CC5"/>
+                </a:solidFill>
+                <a:latin typeface="Source Code Pro" panose="020B0509030403020204"/>
+              </a:rPr>
+              <a:t>createElement</a:t>
+            </a:r>
+            <a:r>
+              <a:rPr lang="fr-FR" altLang="fr-FR" dirty="0">
+                <a:latin typeface="Source Code Pro" panose="020B0509030403020204" pitchFamily="49" charset="0"/>
+                <a:ea typeface="Source Code Pro" panose="020B0509030403020204" pitchFamily="49" charset="0"/>
+              </a:rPr>
+              <a:t>(</a:t>
+            </a:r>
+            <a:r>
+              <a:rPr lang="fr-FR" altLang="fr-FR" dirty="0">
+                <a:solidFill>
+                  <a:srgbClr val="657B83"/>
+                </a:solidFill>
+                <a:latin typeface="Source Code Pro" panose="020B0509030403020204" pitchFamily="49" charset="0"/>
+                <a:ea typeface="Source Code Pro" panose="020B0509030403020204" pitchFamily="49" charset="0"/>
+              </a:rPr>
+              <a:t>'</a:t>
+            </a:r>
+            <a:r>
+              <a:rPr lang="fr-FR" altLang="fr-FR" dirty="0" err="1">
+                <a:solidFill>
+                  <a:srgbClr val="657B83"/>
+                </a:solidFill>
+                <a:latin typeface="Source Code Pro" panose="020B0509030403020204" pitchFamily="49" charset="0"/>
+                <a:ea typeface="Source Code Pro" panose="020B0509030403020204" pitchFamily="49" charset="0"/>
+              </a:rPr>
+              <a:t>img</a:t>
+            </a:r>
+            <a:r>
+              <a:rPr lang="fr-FR" altLang="fr-FR" dirty="0">
+                <a:solidFill>
+                  <a:srgbClr val="657B83"/>
+                </a:solidFill>
+                <a:latin typeface="Source Code Pro" panose="020B0509030403020204" pitchFamily="49" charset="0"/>
+                <a:ea typeface="Source Code Pro" panose="020B0509030403020204" pitchFamily="49" charset="0"/>
+              </a:rPr>
+              <a:t>'</a:t>
+            </a:r>
+            <a:r>
+              <a:rPr lang="fr-FR" altLang="fr-FR" dirty="0">
+                <a:latin typeface="Source Code Pro" panose="020B0509030403020204" pitchFamily="49" charset="0"/>
+                <a:ea typeface="Source Code Pro" panose="020B0509030403020204" pitchFamily="49" charset="0"/>
+              </a:rPr>
+              <a:t>); </a:t>
+            </a:r>
+          </a:p>
+          <a:p>
+            <a:pPr marL="47625"/>
+            <a:r>
+              <a:rPr lang="fr-FR" altLang="fr-FR" dirty="0" err="1">
+                <a:latin typeface="Source Code Pro" panose="020B0509030403020204" pitchFamily="49" charset="0"/>
+                <a:ea typeface="Source Code Pro" panose="020B0509030403020204" pitchFamily="49" charset="0"/>
+              </a:rPr>
+              <a:t>img.src</a:t>
+            </a:r>
+            <a:r>
+              <a:rPr lang="fr-FR" altLang="fr-FR" dirty="0">
+                <a:latin typeface="Source Code Pro" panose="020B0509030403020204" pitchFamily="49" charset="0"/>
+                <a:ea typeface="Source Code Pro" panose="020B0509030403020204" pitchFamily="49" charset="0"/>
+              </a:rPr>
+              <a:t> =</a:t>
+            </a:r>
+            <a:r>
+              <a:rPr lang="fr-FR" altLang="fr-FR" dirty="0">
+                <a:solidFill>
+                  <a:srgbClr val="657B83"/>
+                </a:solidFill>
+                <a:latin typeface="Source Code Pro" panose="020B0509030403020204" pitchFamily="49" charset="0"/>
+                <a:ea typeface="Source Code Pro" panose="020B0509030403020204" pitchFamily="49" charset="0"/>
+              </a:rPr>
+              <a:t> './</a:t>
+            </a:r>
+            <a:r>
+              <a:rPr lang="fr-FR" altLang="fr-FR" dirty="0" err="1">
+                <a:solidFill>
+                  <a:srgbClr val="657B83"/>
+                </a:solidFill>
+                <a:latin typeface="Source Code Pro" panose="020B0509030403020204" pitchFamily="49" charset="0"/>
+                <a:ea typeface="Source Code Pro" panose="020B0509030403020204" pitchFamily="49" charset="0"/>
+              </a:rPr>
+              <a:t>img</a:t>
+            </a:r>
+            <a:r>
+              <a:rPr lang="fr-FR" altLang="fr-FR" dirty="0">
+                <a:solidFill>
+                  <a:srgbClr val="657B83"/>
+                </a:solidFill>
+                <a:latin typeface="Source Code Pro" panose="020B0509030403020204" pitchFamily="49" charset="0"/>
+                <a:ea typeface="Source Code Pro" panose="020B0509030403020204" pitchFamily="49" charset="0"/>
+              </a:rPr>
+              <a:t>/02.BMP'</a:t>
+            </a:r>
+            <a:r>
+              <a:rPr lang="fr-FR" altLang="fr-FR" dirty="0">
+                <a:latin typeface="Source Code Pro" panose="020B0509030403020204" pitchFamily="49" charset="0"/>
+                <a:ea typeface="Source Code Pro" panose="020B0509030403020204" pitchFamily="49" charset="0"/>
+              </a:rPr>
+              <a:t>;</a:t>
+            </a:r>
+            <a:r>
+              <a:rPr lang="fr-FR" altLang="fr-FR" dirty="0">
+                <a:solidFill>
+                  <a:srgbClr val="657B83"/>
+                </a:solidFill>
+                <a:latin typeface="Source Code Pro" panose="020B0509030403020204" pitchFamily="49" charset="0"/>
+                <a:ea typeface="Source Code Pro" panose="020B0509030403020204" pitchFamily="49" charset="0"/>
+              </a:rPr>
+              <a:t> </a:t>
+            </a:r>
+          </a:p>
+          <a:p>
+            <a:pPr marL="47625"/>
+            <a:r>
+              <a:rPr lang="fr-FR" altLang="fr-FR" dirty="0" err="1">
+                <a:latin typeface="Source Code Pro" panose="020B0509030403020204" pitchFamily="49" charset="0"/>
+                <a:ea typeface="Source Code Pro" panose="020B0509030403020204" pitchFamily="49" charset="0"/>
+              </a:rPr>
+              <a:t>target.</a:t>
+            </a:r>
+            <a:r>
+              <a:rPr lang="fr-FR" altLang="fr-FR" dirty="0" err="1">
+                <a:solidFill>
+                  <a:srgbClr val="005CC5"/>
+                </a:solidFill>
+                <a:latin typeface="Source Code Pro" panose="020B0509030403020204"/>
+              </a:rPr>
+              <a:t>appendChild</a:t>
+            </a:r>
+            <a:r>
+              <a:rPr lang="fr-FR" altLang="fr-FR" dirty="0">
+                <a:latin typeface="Source Code Pro" panose="020B0509030403020204" pitchFamily="49" charset="0"/>
+                <a:ea typeface="Source Code Pro" panose="020B0509030403020204" pitchFamily="49" charset="0"/>
+              </a:rPr>
+              <a:t>(</a:t>
+            </a:r>
+            <a:r>
+              <a:rPr lang="fr-FR" altLang="fr-FR" dirty="0" err="1">
+                <a:latin typeface="Source Code Pro" panose="020B0509030403020204" pitchFamily="49" charset="0"/>
+                <a:ea typeface="Source Code Pro" panose="020B0509030403020204" pitchFamily="49" charset="0"/>
+              </a:rPr>
+              <a:t>img</a:t>
+            </a:r>
+            <a:r>
+              <a:rPr lang="fr-FR" altLang="fr-FR" dirty="0">
+                <a:latin typeface="Source Code Pro" panose="020B0509030403020204" pitchFamily="49" charset="0"/>
+                <a:ea typeface="Source Code Pro" panose="020B0509030403020204" pitchFamily="49" charset="0"/>
+              </a:rPr>
+              <a:t>); </a:t>
+            </a:r>
+          </a:p>
+        </p:txBody>
+      </p:sp>
     </p:spTree>
     <p:extLst>
       <p:ext uri="{BB962C8B-B14F-4D97-AF65-F5344CB8AC3E}">
-        <p14:creationId xmlns:p14="http://schemas.microsoft.com/office/powerpoint/2010/main" val="3024248437"/>
+        <p14:creationId xmlns:p14="http://schemas.microsoft.com/office/powerpoint/2010/main" val="3306125387"/>
       </p:ext>
     </p:extLst>
   </p:cSld>
   <p:clrMapOvr>
     <a:masterClrMapping/>
   </p:clrMapOvr>
-  <p:timing>
-    <p:tnLst>
-      <p:par>
-        <p:cTn id="1" dur="indefinite" restart="never" nodeType="tmRoot"/>
-      </p:par>
-    </p:tnLst>
-  </p:timing>
 </p:sld>
 </file>
 
@@ -9162,12 +9536,14 @@
         </p:nvSpPr>
         <p:spPr/>
         <p:txBody>
-          <a:bodyPr/>
+          <a:bodyPr>
+            <a:normAutofit/>
+          </a:bodyPr>
           <a:lstStyle/>
           <a:p>
             <a:r>
-              <a:rPr lang="fr-FR" dirty="0"/>
-              <a:t>Résumé</a:t>
+              <a:rPr lang="fr-FR" b="1" dirty="0"/>
+              <a:t>DOM Event</a:t>
             </a:r>
           </a:p>
         </p:txBody>
@@ -9187,7 +9563,11 @@
           <a:bodyPr/>
           <a:lstStyle/>
           <a:p>
-            <a:endParaRPr lang="fr-FR" dirty="0"/>
+            <a:pPr lvl="1"/>
+            <a:endParaRPr lang="fr-FR" dirty="0">
+              <a:latin typeface="Source Code Pro" panose="020B0509030403020204" pitchFamily="49" charset="0"/>
+              <a:ea typeface="Source Code Pro" panose="020B0509030403020204" pitchFamily="49" charset="0"/>
+            </a:endParaRPr>
           </a:p>
         </p:txBody>
       </p:sp>
@@ -9208,7 +9588,7 @@
           <a:p>
             <a:fld id="{BB2FA04C-1355-4CE6-8050-4BD994E23BD5}" type="datetime4">
               <a:rPr lang="fr-FR" smtClean="0"/>
-              <a:t>2 juin 2019</a:t>
+              <a:t>5 juin 2019</a:t>
             </a:fld>
             <a:endParaRPr lang="fr-FR" dirty="0"/>
           </a:p>
@@ -9263,7 +9643,7 @@
     </p:spTree>
     <p:extLst>
       <p:ext uri="{BB962C8B-B14F-4D97-AF65-F5344CB8AC3E}">
-        <p14:creationId xmlns:p14="http://schemas.microsoft.com/office/powerpoint/2010/main" val="892018545"/>
+        <p14:creationId xmlns:p14="http://schemas.microsoft.com/office/powerpoint/2010/main" val="3024248437"/>
       </p:ext>
     </p:extLst>
   </p:cSld>

--- a/web/4-JS/JavaScript.pptx
+++ b/web/4-JS/JavaScript.pptx
@@ -6714,28 +6714,28 @@
             <a:pPr lvl="1"/>
             <a:r>
               <a:rPr lang="fr-FR" sz="2000" dirty="0"/>
-              <a:t>Peut ajouter, changer et retirer tous les éléments et les attributs HTML.</a:t>
+              <a:t>Ajouter, changer et retirer tous les éléments et les attributs HTML.</a:t>
             </a:r>
           </a:p>
           <a:p>
             <a:pPr lvl="1"/>
             <a:r>
               <a:rPr lang="fr-FR" sz="2000" dirty="0"/>
-              <a:t>Peut ajouter, changer et retirer tous les styles CSS. </a:t>
+              <a:t>Ajouter, changer et retirer tous les styles CSS. </a:t>
             </a:r>
           </a:p>
           <a:p>
             <a:pPr lvl="1"/>
             <a:r>
               <a:rPr lang="fr-FR" sz="2000" dirty="0"/>
-              <a:t>Peut ajouter, changer, retirer et réagir aux événements HTML.</a:t>
+              <a:t>Ajouter, changer, retirer et réagir aux événements HTML.</a:t>
             </a:r>
           </a:p>
           <a:p>
             <a:pPr marL="400050" indent="-400050">
-              <a:lnSpc>
-                <a:spcPct val="150000"/>
-              </a:lnSpc>
+              <a:spcBef>
+                <a:spcPts val="1176"/>
+              </a:spcBef>
             </a:pPr>
             <a:r>
               <a:rPr lang="fr-FR" sz="2400" dirty="0"/>
@@ -7040,8 +7040,8 @@
         </p:nvSpPr>
         <p:spPr>
           <a:xfrm>
-            <a:off x="228600" y="1288404"/>
-            <a:ext cx="8644466" cy="4890030"/>
+            <a:off x="228600" y="1063109"/>
+            <a:ext cx="8644466" cy="5115325"/>
           </a:xfrm>
           <a:prstGeom prst="rect">
             <a:avLst/>
@@ -7262,28 +7262,156 @@
       </p:sp>
       <p:pic>
         <p:nvPicPr>
-          <p:cNvPr id="11" name="Image 10"/>
+          <p:cNvPr id="9" name="Graphic 8">
+            <a:extLst>
+              <a:ext uri="{FF2B5EF4-FFF2-40B4-BE49-F238E27FC236}">
+                <a16:creationId xmlns:a16="http://schemas.microsoft.com/office/drawing/2014/main" id="{6F3E1559-D605-C945-85DB-066CD93FEA04}"/>
+              </a:ext>
+            </a:extLst>
+          </p:cNvPr>
           <p:cNvPicPr>
             <a:picLocks noChangeAspect="1"/>
           </p:cNvPicPr>
           <p:nvPr/>
         </p:nvPicPr>
         <p:blipFill>
-          <a:blip r:embed="rId3"/>
+          <a:blip r:embed="rId3">
+            <a:extLst>
+              <a:ext uri="{96DAC541-7B7A-43D3-8B79-37D633B846F1}">
+                <asvg:svgBlip xmlns:asvg="http://schemas.microsoft.com/office/drawing/2016/SVG/main" r:embed="rId4"/>
+              </a:ext>
+            </a:extLst>
+          </a:blip>
           <a:stretch>
             <a:fillRect/>
           </a:stretch>
         </p:blipFill>
         <p:spPr>
           <a:xfrm>
-            <a:off x="1657350" y="2914080"/>
-            <a:ext cx="5829300" cy="3133725"/>
+            <a:off x="2550512" y="2371680"/>
+            <a:ext cx="4042976" cy="4181520"/>
           </a:xfrm>
           <a:prstGeom prst="rect">
             <a:avLst/>
           </a:prstGeom>
         </p:spPr>
       </p:pic>
+      <p:sp>
+        <p:nvSpPr>
+          <p:cNvPr id="12" name="Rectangle 11">
+            <a:extLst>
+              <a:ext uri="{FF2B5EF4-FFF2-40B4-BE49-F238E27FC236}">
+                <a16:creationId xmlns:a16="http://schemas.microsoft.com/office/drawing/2014/main" id="{6EC37172-BD25-FF4A-8EF0-B0746183C81E}"/>
+              </a:ext>
+            </a:extLst>
+          </p:cNvPr>
+          <p:cNvSpPr/>
+          <p:nvPr/>
+        </p:nvSpPr>
+        <p:spPr>
+          <a:xfrm rot="16200000">
+            <a:off x="595944" y="4507631"/>
+            <a:ext cx="3555242" cy="338554"/>
+          </a:xfrm>
+          <a:prstGeom prst="rect">
+            <a:avLst/>
+          </a:prstGeom>
+        </p:spPr>
+        <p:txBody>
+          <a:bodyPr wrap="square">
+            <a:spAutoFit/>
+          </a:bodyPr>
+          <a:lstStyle/>
+          <a:p>
+            <a:pPr>
+              <a:tabLst>
+                <a:tab pos="433388" algn="l"/>
+              </a:tabLst>
+            </a:pPr>
+            <a:r>
+              <a:rPr lang="fr-FR" sz="800" dirty="0">
+                <a:solidFill>
+                  <a:schemeClr val="bg1">
+                    <a:lumMod val="50000"/>
+                  </a:schemeClr>
+                </a:solidFill>
+                <a:latin typeface="Helvetica" pitchFamily="2" charset="0"/>
+              </a:rPr>
+              <a:t>Source : https://</a:t>
+            </a:r>
+            <a:r>
+              <a:rPr lang="fr-FR" sz="800" dirty="0" err="1">
+                <a:solidFill>
+                  <a:schemeClr val="bg1">
+                    <a:lumMod val="50000"/>
+                  </a:schemeClr>
+                </a:solidFill>
+                <a:latin typeface="Helvetica" pitchFamily="2" charset="0"/>
+              </a:rPr>
+              <a:t>commons.wikimedia.org</a:t>
+            </a:r>
+            <a:r>
+              <a:rPr lang="fr-FR" sz="800" dirty="0">
+                <a:solidFill>
+                  <a:schemeClr val="bg1">
+                    <a:lumMod val="50000"/>
+                  </a:schemeClr>
+                </a:solidFill>
+                <a:latin typeface="Helvetica" pitchFamily="2" charset="0"/>
+              </a:rPr>
+              <a:t>/wiki/</a:t>
+            </a:r>
+            <a:r>
+              <a:rPr lang="fr-FR" sz="800" dirty="0" err="1">
+                <a:solidFill>
+                  <a:schemeClr val="bg1">
+                    <a:lumMod val="50000"/>
+                  </a:schemeClr>
+                </a:solidFill>
+                <a:latin typeface="Helvetica" pitchFamily="2" charset="0"/>
+              </a:rPr>
+              <a:t>File:DOM-model.svg</a:t>
+            </a:r>
+            <a:br>
+              <a:rPr lang="fr-FR" sz="800" dirty="0">
+                <a:solidFill>
+                  <a:schemeClr val="bg1">
+                    <a:lumMod val="50000"/>
+                  </a:schemeClr>
+                </a:solidFill>
+              </a:rPr>
+            </a:br>
+            <a:r>
+              <a:rPr lang="fr-FR" sz="800" dirty="0">
+                <a:solidFill>
+                  <a:schemeClr val="bg1">
+                    <a:lumMod val="50000"/>
+                  </a:schemeClr>
+                </a:solidFill>
+              </a:rPr>
+              <a:t>	</a:t>
+            </a:r>
+            <a:r>
+              <a:rPr lang="fr-FR" sz="800" dirty="0">
+                <a:solidFill>
+                  <a:schemeClr val="bg1">
+                    <a:lumMod val="50000"/>
+                  </a:schemeClr>
+                </a:solidFill>
+                <a:latin typeface="Helvetica" pitchFamily="2" charset="0"/>
+              </a:rPr>
+              <a:t>Birger Eriksson [CC BY-SA 3.0</a:t>
+            </a:r>
+            <a:endParaRPr lang="fr-FR" sz="800" dirty="0">
+              <a:solidFill>
+                <a:schemeClr val="bg1">
+                  <a:lumMod val="50000"/>
+                </a:schemeClr>
+              </a:solidFill>
+            </a:endParaRPr>
+          </a:p>
+        </p:txBody>
+      </p:sp>
     </p:spTree>
     <p:extLst>
       <p:ext uri="{BB962C8B-B14F-4D97-AF65-F5344CB8AC3E}">
@@ -7694,8 +7822,8 @@
         </p:nvSpPr>
         <p:spPr>
           <a:xfrm>
-            <a:off x="555710" y="1981137"/>
-            <a:ext cx="8032580" cy="4531609"/>
+            <a:off x="555710" y="1981138"/>
+            <a:ext cx="8032580" cy="4030702"/>
           </a:xfrm>
           <a:prstGeom prst="rect">
             <a:avLst/>
@@ -7722,7 +7850,7 @@
               <a:buNone/>
             </a:pPr>
             <a:r>
-              <a:rPr lang="fr-FR" sz="2000" dirty="0">
+              <a:rPr lang="fr-FR" dirty="0">
                 <a:solidFill>
                   <a:srgbClr val="657B83"/>
                 </a:solidFill>
@@ -7738,7 +7866,7 @@
               <a:buNone/>
             </a:pPr>
             <a:r>
-              <a:rPr lang="fr-FR" sz="2000" dirty="0">
+              <a:rPr lang="fr-FR" dirty="0">
                 <a:solidFill>
                   <a:srgbClr val="010080"/>
                 </a:solidFill>
@@ -7753,7 +7881,7 @@
               <a:buNone/>
             </a:pPr>
             <a:r>
-              <a:rPr lang="fr-FR" sz="2000" dirty="0">
+              <a:rPr lang="fr-FR" dirty="0">
                 <a:solidFill>
                   <a:srgbClr val="010080"/>
                 </a:solidFill>
@@ -7763,7 +7891,7 @@
               <a:t>&lt;</a:t>
             </a:r>
             <a:r>
-              <a:rPr lang="fr-FR" sz="2000" dirty="0" err="1">
+              <a:rPr lang="fr-FR" dirty="0" err="1">
                 <a:solidFill>
                   <a:srgbClr val="010080"/>
                 </a:solidFill>
@@ -7773,7 +7901,7 @@
               <a:t>head</a:t>
             </a:r>
             <a:r>
-              <a:rPr lang="fr-FR" sz="2000" dirty="0">
+              <a:rPr lang="fr-FR" dirty="0">
                 <a:solidFill>
                   <a:srgbClr val="010080"/>
                 </a:solidFill>
@@ -7788,7 +7916,7 @@
               <a:buNone/>
             </a:pPr>
             <a:r>
-              <a:rPr lang="fr-FR" sz="2000" dirty="0">
+              <a:rPr lang="fr-FR" dirty="0">
                 <a:solidFill>
                   <a:srgbClr val="010080"/>
                 </a:solidFill>
@@ -7798,7 +7926,7 @@
               <a:t>&lt;</a:t>
             </a:r>
             <a:r>
-              <a:rPr lang="fr-FR" sz="2000" dirty="0" err="1">
+              <a:rPr lang="fr-FR" dirty="0" err="1">
                 <a:solidFill>
                   <a:srgbClr val="010080"/>
                 </a:solidFill>
@@ -7808,7 +7936,7 @@
               <a:t>meta</a:t>
             </a:r>
             <a:r>
-              <a:rPr lang="fr-FR" sz="2000" dirty="0">
+              <a:rPr lang="fr-FR" dirty="0">
                 <a:solidFill>
                   <a:srgbClr val="010080"/>
                 </a:solidFill>
@@ -7818,7 +7946,7 @@
               <a:t> </a:t>
             </a:r>
             <a:r>
-              <a:rPr lang="fr-FR" sz="2000" dirty="0" err="1">
+              <a:rPr lang="fr-FR" dirty="0" err="1">
                 <a:solidFill>
                   <a:srgbClr val="008080"/>
                 </a:solidFill>
@@ -7828,7 +7956,7 @@
               <a:t>charset</a:t>
             </a:r>
             <a:r>
-              <a:rPr lang="fr-FR" sz="2000" dirty="0">
+              <a:rPr lang="fr-FR" dirty="0">
                 <a:solidFill>
                   <a:srgbClr val="010080"/>
                 </a:solidFill>
@@ -7838,7 +7966,7 @@
               <a:t>="</a:t>
             </a:r>
             <a:r>
-              <a:rPr lang="fr-FR" sz="2000" dirty="0">
+              <a:rPr lang="fr-FR" dirty="0">
                 <a:solidFill>
                   <a:srgbClr val="990000"/>
                 </a:solidFill>
@@ -7848,7 +7976,7 @@
               <a:t>utf-8</a:t>
             </a:r>
             <a:r>
-              <a:rPr lang="fr-FR" sz="2000" dirty="0">
+              <a:rPr lang="fr-FR" dirty="0">
                 <a:solidFill>
                   <a:srgbClr val="010080"/>
                 </a:solidFill>
@@ -7863,7 +7991,7 @@
               <a:buNone/>
             </a:pPr>
             <a:r>
-              <a:rPr lang="fr-FR" sz="2000" dirty="0">
+              <a:rPr lang="fr-FR" dirty="0">
                 <a:solidFill>
                   <a:srgbClr val="010080"/>
                 </a:solidFill>
@@ -7873,7 +8001,7 @@
               <a:t>&lt;/</a:t>
             </a:r>
             <a:r>
-              <a:rPr lang="fr-FR" sz="2000" dirty="0" err="1">
+              <a:rPr lang="fr-FR" dirty="0" err="1">
                 <a:solidFill>
                   <a:srgbClr val="010080"/>
                 </a:solidFill>
@@ -7883,7 +8011,7 @@
               <a:t>head</a:t>
             </a:r>
             <a:r>
-              <a:rPr lang="fr-FR" sz="2000" dirty="0">
+              <a:rPr lang="fr-FR" dirty="0">
                 <a:solidFill>
                   <a:srgbClr val="010080"/>
                 </a:solidFill>
@@ -7898,7 +8026,7 @@
               <a:buNone/>
             </a:pPr>
             <a:r>
-              <a:rPr lang="fr-FR" sz="2000" dirty="0">
+              <a:rPr lang="fr-FR" dirty="0">
                 <a:solidFill>
                   <a:srgbClr val="010080"/>
                 </a:solidFill>
@@ -7918,7 +8046,7 @@
               </a:buClr>
             </a:pPr>
             <a:r>
-              <a:rPr lang="fr-FR" altLang="fr-FR" sz="2000" b="1" dirty="0">
+              <a:rPr lang="fr-FR" altLang="fr-FR" b="1" dirty="0">
                 <a:solidFill>
                   <a:srgbClr val="010080"/>
                 </a:solidFill>
@@ -7938,7 +8066,7 @@
               </a:buClr>
             </a:pPr>
             <a:r>
-              <a:rPr lang="fr-FR" altLang="fr-FR" sz="2000" dirty="0" err="1">
+              <a:rPr lang="fr-FR" altLang="fr-FR" dirty="0" err="1">
                 <a:solidFill>
                   <a:srgbClr val="010080"/>
                 </a:solidFill>
@@ -7948,7 +8076,7 @@
               <a:t>window.addEventListener</a:t>
             </a:r>
             <a:r>
-              <a:rPr lang="fr-FR" altLang="fr-FR" sz="2000" dirty="0">
+              <a:rPr lang="fr-FR" altLang="fr-FR" dirty="0">
                 <a:solidFill>
                   <a:srgbClr val="010080"/>
                 </a:solidFill>
@@ -7958,7 +8086,7 @@
               <a:t>('</a:t>
             </a:r>
             <a:r>
-              <a:rPr lang="fr-FR" altLang="fr-FR" sz="2000" dirty="0" err="1">
+              <a:rPr lang="fr-FR" altLang="fr-FR" dirty="0" err="1">
                 <a:solidFill>
                   <a:srgbClr val="010080"/>
                 </a:solidFill>
@@ -7968,7 +8096,7 @@
               <a:t>load</a:t>
             </a:r>
             <a:r>
-              <a:rPr lang="fr-FR" altLang="fr-FR" sz="2000" dirty="0">
+              <a:rPr lang="fr-FR" altLang="fr-FR" dirty="0">
                 <a:solidFill>
                   <a:srgbClr val="010080"/>
                 </a:solidFill>
@@ -7978,7 +8106,7 @@
               <a:t>', </a:t>
             </a:r>
             <a:r>
-              <a:rPr lang="fr-FR" altLang="fr-FR" sz="2000" dirty="0" err="1">
+              <a:rPr lang="fr-FR" altLang="fr-FR" dirty="0" err="1">
                 <a:solidFill>
                   <a:srgbClr val="00B050"/>
                 </a:solidFill>
@@ -7987,7 +8115,7 @@
               <a:t>function</a:t>
             </a:r>
             <a:r>
-              <a:rPr lang="fr-FR" altLang="fr-FR" sz="2000" dirty="0">
+              <a:rPr lang="fr-FR" altLang="fr-FR" dirty="0">
                 <a:solidFill>
                   <a:srgbClr val="010080"/>
                 </a:solidFill>
@@ -8007,7 +8135,7 @@
               </a:buClr>
             </a:pPr>
             <a:r>
-              <a:rPr lang="fr-FR" altLang="fr-FR" sz="2000" dirty="0" err="1">
+              <a:rPr lang="fr-FR" altLang="fr-FR" dirty="0" err="1">
                 <a:solidFill>
                   <a:srgbClr val="6F42C1"/>
                 </a:solidFill>
@@ -8016,7 +8144,7 @@
               <a:t>console</a:t>
             </a:r>
             <a:r>
-              <a:rPr lang="fr-FR" altLang="fr-FR" sz="2000" dirty="0" err="1">
+              <a:rPr lang="fr-FR" altLang="fr-FR" dirty="0" err="1">
                 <a:solidFill>
                   <a:srgbClr val="010080"/>
                 </a:solidFill>
@@ -8026,7 +8154,7 @@
               <a:t>.</a:t>
             </a:r>
             <a:r>
-              <a:rPr lang="fr-FR" altLang="fr-FR" sz="2000" dirty="0" err="1">
+              <a:rPr lang="fr-FR" altLang="fr-FR" dirty="0" err="1">
                 <a:solidFill>
                   <a:srgbClr val="005CC5"/>
                 </a:solidFill>
@@ -8035,7 +8163,7 @@
               <a:t>log</a:t>
             </a:r>
             <a:r>
-              <a:rPr lang="fr-FR" altLang="fr-FR" sz="2000" dirty="0">
+              <a:rPr lang="fr-FR" altLang="fr-FR" dirty="0">
                 <a:solidFill>
                   <a:srgbClr val="010080"/>
                 </a:solidFill>
@@ -8045,7 +8173,7 @@
               <a:t>(</a:t>
             </a:r>
             <a:r>
-              <a:rPr lang="fr-FR" altLang="fr-FR" sz="2000" dirty="0">
+              <a:rPr lang="fr-FR" altLang="fr-FR" dirty="0">
                 <a:solidFill>
                   <a:srgbClr val="657B83"/>
                 </a:solidFill>
@@ -8055,7 +8183,7 @@
               <a:t>'Cette fonction est exécutée une fois quand la page est chargée.'</a:t>
             </a:r>
             <a:r>
-              <a:rPr lang="fr-FR" altLang="fr-FR" sz="2000" dirty="0">
+              <a:rPr lang="fr-FR" altLang="fr-FR" dirty="0">
                 <a:solidFill>
                   <a:srgbClr val="010080"/>
                 </a:solidFill>
@@ -8075,7 +8203,7 @@
               </a:buClr>
             </a:pPr>
             <a:r>
-              <a:rPr lang="fr-FR" altLang="fr-FR" sz="2000" b="1" dirty="0">
+              <a:rPr lang="fr-FR" altLang="fr-FR" b="1" dirty="0">
                 <a:solidFill>
                   <a:srgbClr val="010080"/>
                 </a:solidFill>
@@ -8090,7 +8218,7 @@
               <a:buNone/>
             </a:pPr>
             <a:r>
-              <a:rPr lang="fr-FR" sz="2000" dirty="0">
+              <a:rPr lang="fr-FR" dirty="0">
                 <a:solidFill>
                   <a:srgbClr val="010080"/>
                 </a:solidFill>
@@ -8104,7 +8232,7 @@
               <a:buNone/>
             </a:pPr>
             <a:r>
-              <a:rPr lang="fr-FR" sz="2000" dirty="0">
+              <a:rPr lang="fr-FR" dirty="0">
                 <a:solidFill>
                   <a:srgbClr val="010080"/>
                 </a:solidFill>
@@ -8112,7 +8240,7 @@
               </a:rPr>
               <a:t>&lt;/html&gt;</a:t>
             </a:r>
-            <a:endParaRPr lang="en-US" sz="2000" dirty="0">
+            <a:endParaRPr lang="en-US" dirty="0">
               <a:solidFill>
                 <a:srgbClr val="657B83"/>
               </a:solidFill>
@@ -9184,7 +9312,7 @@
         <p:spPr>
           <a:xfrm>
             <a:off x="1033707" y="4726662"/>
-            <a:ext cx="7003434" cy="1754326"/>
+            <a:ext cx="7003434" cy="1462598"/>
           </a:xfrm>
           <a:prstGeom prst="rect">
             <a:avLst/>

--- a/web/4-JS/JavaScript.pptx
+++ b/web/4-JS/JavaScript.pptx
@@ -5,22 +5,24 @@
     <p:sldMasterId id="2147483648" r:id="rId1"/>
   </p:sldMasterIdLst>
   <p:notesMasterIdLst>
-    <p:notesMasterId r:id="rId12"/>
+    <p:notesMasterId r:id="rId14"/>
   </p:notesMasterIdLst>
   <p:handoutMasterIdLst>
-    <p:handoutMasterId r:id="rId13"/>
+    <p:handoutMasterId r:id="rId15"/>
   </p:handoutMasterIdLst>
   <p:sldIdLst>
     <p:sldId id="257" r:id="rId2"/>
     <p:sldId id="256" r:id="rId3"/>
     <p:sldId id="259" r:id="rId4"/>
-    <p:sldId id="265" r:id="rId5"/>
-    <p:sldId id="258" r:id="rId6"/>
-    <p:sldId id="260" r:id="rId7"/>
-    <p:sldId id="267" r:id="rId8"/>
-    <p:sldId id="261" r:id="rId9"/>
-    <p:sldId id="266" r:id="rId10"/>
-    <p:sldId id="264" r:id="rId11"/>
+    <p:sldId id="258" r:id="rId5"/>
+    <p:sldId id="260" r:id="rId6"/>
+    <p:sldId id="267" r:id="rId7"/>
+    <p:sldId id="261" r:id="rId8"/>
+    <p:sldId id="266" r:id="rId9"/>
+    <p:sldId id="268" r:id="rId10"/>
+    <p:sldId id="269" r:id="rId11"/>
+    <p:sldId id="270" r:id="rId12"/>
+    <p:sldId id="264" r:id="rId13"/>
   </p:sldIdLst>
   <p:sldSz cx="9144000" cy="6858000" type="screen4x3"/>
   <p:notesSz cx="6858000" cy="9144000"/>
@@ -220,7 +222,7 @@
           <a:p>
             <a:fld id="{5EB47243-285B-2741-8C7D-C88258D9CCFA}" type="datetimeFigureOut">
               <a:rPr lang="fr-FR" smtClean="0"/>
-              <a:t>05/06/2019</a:t>
+              <a:t>06/06/2019</a:t>
             </a:fld>
             <a:endParaRPr lang="fr-FR"/>
           </a:p>
@@ -286,7 +288,7 @@
           <a:p>
             <a:fld id="{C5CA9166-BC48-2C47-B9BF-6F57720E77B8}" type="slidenum">
               <a:rPr lang="fr-FR" smtClean="0"/>
-              <a:t>‹#›</a:t>
+              <a:t>‹N°›</a:t>
             </a:fld>
             <a:endParaRPr lang="fr-FR"/>
           </a:p>
@@ -386,7 +388,7 @@
           <a:p>
             <a:fld id="{7D088D39-B4EA-D24B-B9C3-6A64886EABE2}" type="datetimeFigureOut">
               <a:rPr lang="fr-FR" smtClean="0"/>
-              <a:t>05/06/2019</a:t>
+              <a:t>06/06/2019</a:t>
             </a:fld>
             <a:endParaRPr lang="fr-FR"/>
           </a:p>
@@ -544,7 +546,7 @@
           <a:p>
             <a:fld id="{1C0E2CBA-6097-B848-A7DA-4D7BD6EB303B}" type="slidenum">
               <a:rPr lang="fr-FR" smtClean="0"/>
-              <a:t>‹#›</a:t>
+              <a:t>‹N°›</a:t>
             </a:fld>
             <a:endParaRPr lang="fr-FR"/>
           </a:p>
@@ -712,6 +714,18 @@
             </a:r>
           </a:p>
           <a:p>
+            <a:r>
+              <a:rPr lang="fr-FR" sz="1200" b="0" kern="1200" dirty="0">
+                <a:solidFill>
+                  <a:schemeClr val="tx1"/>
+                </a:solidFill>
+                <a:effectLst/>
+                <a:latin typeface="+mn-lt"/>
+                <a:ea typeface="+mn-ea"/>
+                <a:cs typeface="+mn-cs"/>
+              </a:rPr>
+              <a:t/>
+            </a:r>
             <a:br>
               <a:rPr lang="fr-FR" sz="1200" b="0" kern="1200" dirty="0">
                 <a:solidFill>
@@ -785,6 +799,18 @@
             </a:r>
           </a:p>
           <a:p>
+            <a:r>
+              <a:rPr lang="fr-FR" sz="1200" b="0" kern="1200" dirty="0">
+                <a:solidFill>
+                  <a:schemeClr val="tx1"/>
+                </a:solidFill>
+                <a:effectLst/>
+                <a:latin typeface="+mn-lt"/>
+                <a:ea typeface="+mn-ea"/>
+                <a:cs typeface="+mn-cs"/>
+              </a:rPr>
+              <a:t/>
+            </a:r>
             <a:br>
               <a:rPr lang="fr-FR" sz="1200" b="0" kern="1200" dirty="0">
                 <a:solidFill>
@@ -810,6 +836,18 @@
             </a:r>
           </a:p>
           <a:p>
+            <a:r>
+              <a:rPr lang="fr-FR" sz="1200" b="0" kern="1200" dirty="0">
+                <a:solidFill>
+                  <a:schemeClr val="tx1"/>
+                </a:solidFill>
+                <a:effectLst/>
+                <a:latin typeface="+mn-lt"/>
+                <a:ea typeface="+mn-ea"/>
+                <a:cs typeface="+mn-cs"/>
+              </a:rPr>
+              <a:t/>
+            </a:r>
             <a:br>
               <a:rPr lang="fr-FR" sz="1200" b="0" kern="1200" dirty="0">
                 <a:solidFill>
@@ -1061,6 +1099,18 @@
             </a:r>
           </a:p>
           <a:p>
+            <a:r>
+              <a:rPr lang="fr-FR" sz="1200" b="0" kern="1200" dirty="0">
+                <a:solidFill>
+                  <a:schemeClr val="tx1"/>
+                </a:solidFill>
+                <a:effectLst/>
+                <a:latin typeface="+mn-lt"/>
+                <a:ea typeface="+mn-ea"/>
+                <a:cs typeface="+mn-cs"/>
+              </a:rPr>
+              <a:t/>
+            </a:r>
             <a:br>
               <a:rPr lang="fr-FR" sz="1200" b="0" kern="1200" dirty="0">
                 <a:solidFill>
@@ -1134,6 +1184,18 @@
             </a:r>
           </a:p>
           <a:p>
+            <a:r>
+              <a:rPr lang="fr-FR" sz="1200" b="0" kern="1200" dirty="0">
+                <a:solidFill>
+                  <a:schemeClr val="tx1"/>
+                </a:solidFill>
+                <a:effectLst/>
+                <a:latin typeface="+mn-lt"/>
+                <a:ea typeface="+mn-ea"/>
+                <a:cs typeface="+mn-cs"/>
+              </a:rPr>
+              <a:t/>
+            </a:r>
             <a:br>
               <a:rPr lang="fr-FR" sz="1200" b="0" kern="1200" dirty="0">
                 <a:solidFill>
@@ -1159,6 +1221,18 @@
             </a:r>
           </a:p>
           <a:p>
+            <a:r>
+              <a:rPr lang="fr-FR" sz="1200" b="0" kern="1200" dirty="0">
+                <a:solidFill>
+                  <a:schemeClr val="tx1"/>
+                </a:solidFill>
+                <a:effectLst/>
+                <a:latin typeface="+mn-lt"/>
+                <a:ea typeface="+mn-ea"/>
+                <a:cs typeface="+mn-cs"/>
+              </a:rPr>
+              <a:t/>
+            </a:r>
             <a:br>
               <a:rPr lang="fr-FR" sz="1200" b="0" kern="1200" dirty="0">
                 <a:solidFill>
@@ -1333,7 +1407,7 @@
           <a:p>
             <a:fld id="{1C0E2CBA-6097-B848-A7DA-4D7BD6EB303B}" type="slidenum">
               <a:rPr lang="fr-FR" smtClean="0"/>
-              <a:t>5</a:t>
+              <a:t>4</a:t>
             </a:fld>
             <a:endParaRPr lang="fr-FR"/>
           </a:p>
@@ -2305,7 +2379,7 @@
           <a:p>
             <a:fld id="{BB2FA04C-1355-4CE6-8050-4BD994E23BD5}" type="datetime4">
               <a:rPr lang="fr-FR" smtClean="0"/>
-              <a:t>5 juin 2019</a:t>
+              <a:t>6 juin 2019</a:t>
             </a:fld>
             <a:endParaRPr lang="fr-FR" dirty="0"/>
           </a:p>
@@ -2383,7 +2457,7 @@
             <a:fld id="{DCE37727-CC04-7A46-938D-2CCFF056F773}" type="slidenum">
               <a:rPr lang="fr-FR" smtClean="0"/>
               <a:pPr/>
-              <a:t>‹#›</a:t>
+              <a:t>‹N°›</a:t>
             </a:fld>
             <a:endParaRPr lang="fr-FR"/>
           </a:p>
@@ -2795,7 +2869,7 @@
           <a:p>
             <a:fld id="{A81C4219-47FF-4375-968D-EABA4A212953}" type="datetime4">
               <a:rPr lang="fr-FR" smtClean="0"/>
-              <a:t>5 juin 2019</a:t>
+              <a:t>6 juin 2019</a:t>
             </a:fld>
             <a:endParaRPr lang="fr-FR" dirty="0"/>
           </a:p>
@@ -2873,7 +2947,7 @@
             <a:fld id="{DCE37727-CC04-7A46-938D-2CCFF056F773}" type="slidenum">
               <a:rPr lang="fr-FR" smtClean="0"/>
               <a:pPr/>
-              <a:t>‹#›</a:t>
+              <a:t>‹N°›</a:t>
             </a:fld>
             <a:endParaRPr lang="fr-FR"/>
           </a:p>
@@ -4631,7 +4705,7 @@
           <a:p>
             <a:fld id="{81E3CCF4-D669-4BB6-B0BE-EE495E88AE6B}" type="datetime4">
               <a:rPr lang="fr-FR" smtClean="0"/>
-              <a:t>5 juin 2019</a:t>
+              <a:t>6 juin 2019</a:t>
             </a:fld>
             <a:endParaRPr lang="fr-FR" dirty="0"/>
           </a:p>
@@ -4709,7 +4783,7 @@
             <a:fld id="{DCE37727-CC04-7A46-938D-2CCFF056F773}" type="slidenum">
               <a:rPr lang="fr-FR" smtClean="0"/>
               <a:pPr/>
-              <a:t>‹#›</a:t>
+              <a:t>‹N°›</a:t>
             </a:fld>
             <a:endParaRPr lang="fr-FR"/>
           </a:p>
@@ -5567,7 +5641,7 @@
           <a:p>
             <a:fld id="{2E52B8B1-858B-4633-AE57-5B6CA9292F2B}" type="datetime4">
               <a:rPr lang="fr-FR" smtClean="0"/>
-              <a:t>5 juin 2019</a:t>
+              <a:t>6 juin 2019</a:t>
             </a:fld>
             <a:endParaRPr lang="fr-FR" dirty="0"/>
           </a:p>
@@ -5645,7 +5719,7 @@
             <a:fld id="{DCE37727-CC04-7A46-938D-2CCFF056F773}" type="slidenum">
               <a:rPr lang="fr-FR" smtClean="0"/>
               <a:pPr/>
-              <a:t>‹#›</a:t>
+              <a:t>‹N°›</a:t>
             </a:fld>
             <a:endParaRPr lang="fr-FR"/>
           </a:p>
@@ -6163,28 +6237,22 @@
           <a:lstStyle/>
           <a:p>
             <a:r>
-              <a:rPr lang="fr-FR" dirty="0"/>
-              <a:t>Résumé</a:t>
-            </a:r>
-          </a:p>
-        </p:txBody>
-      </p:sp>
-      <p:sp>
-        <p:nvSpPr>
-          <p:cNvPr id="3" name="Espace réservé du contenu 2"/>
-          <p:cNvSpPr>
-            <a:spLocks noGrp="1"/>
-          </p:cNvSpPr>
-          <p:nvPr>
-            <p:ph idx="1"/>
-          </p:nvPr>
-        </p:nvSpPr>
-        <p:spPr/>
-        <p:txBody>
-          <a:bodyPr/>
-          <a:lstStyle/>
-          <a:p>
-            <a:endParaRPr lang="fr-FR" dirty="0"/>
+              <a:rPr lang="fr-FR" b="1" dirty="0"/>
+              <a:t>Glisser-Déposer (</a:t>
+            </a:r>
+            <a:r>
+              <a:rPr lang="fr-FR" b="1" i="1" dirty="0"/>
+              <a:t>Drag and Drop</a:t>
+            </a:r>
+            <a:r>
+              <a:rPr lang="fr-FR" b="1" dirty="0"/>
+              <a:t>) </a:t>
+            </a:r>
+            <a:r>
+              <a:rPr lang="fr-FR" b="1" dirty="0" smtClean="0"/>
+              <a:t>(2/3)</a:t>
+            </a:r>
+            <a:endParaRPr lang="en-US" dirty="0"/>
           </a:p>
         </p:txBody>
       </p:sp>
@@ -6205,7 +6273,7 @@
           <a:p>
             <a:fld id="{BB2FA04C-1355-4CE6-8050-4BD994E23BD5}" type="datetime4">
               <a:rPr lang="fr-FR" smtClean="0"/>
-              <a:t>5 juin 2019</a:t>
+              <a:t>6 juin 2019</a:t>
             </a:fld>
             <a:endParaRPr lang="fr-FR" dirty="0"/>
           </a:p>
@@ -6227,9 +6295,10 @@
           <a:lstStyle/>
           <a:p>
             <a:r>
-              <a:rPr lang="fr-FR"/>
+              <a:rPr lang="fr-FR" smtClean="0"/>
               <a:t>DIU NSI</a:t>
             </a:r>
+            <a:endParaRPr lang="fr-FR"/>
           </a:p>
         </p:txBody>
       </p:sp>
@@ -6254,6 +6323,1865 @@
               <a:t>10</a:t>
             </a:fld>
             <a:endParaRPr lang="fr-FR"/>
+          </a:p>
+        </p:txBody>
+      </p:sp>
+      <p:sp>
+        <p:nvSpPr>
+          <p:cNvPr id="7" name="Espace réservé du contenu 2"/>
+          <p:cNvSpPr txBox="1">
+            <a:spLocks/>
+          </p:cNvSpPr>
+          <p:nvPr/>
+        </p:nvSpPr>
+        <p:spPr>
+          <a:xfrm>
+            <a:off x="-448056" y="1096380"/>
+            <a:ext cx="9518904" cy="4890030"/>
+          </a:xfrm>
+          <a:prstGeom prst="rect">
+            <a:avLst/>
+          </a:prstGeom>
+        </p:spPr>
+        <p:txBody>
+          <a:bodyPr vert="horz" lIns="91440" tIns="45720" rIns="91440" bIns="45720" rtlCol="0">
+            <a:noAutofit/>
+          </a:bodyPr>
+          <a:lstStyle>
+            <a:lvl1pPr marL="342900" marR="0" indent="-342900" algn="l" defTabSz="457200" rtl="0" eaLnBrk="1" fontAlgn="auto" latinLnBrk="0" hangingPunct="1">
+              <a:lnSpc>
+                <a:spcPct val="100000"/>
+              </a:lnSpc>
+              <a:spcBef>
+                <a:spcPct val="20000"/>
+              </a:spcBef>
+              <a:spcAft>
+                <a:spcPts val="0"/>
+              </a:spcAft>
+              <a:buClr>
+                <a:schemeClr val="accent6"/>
+              </a:buClr>
+              <a:buSzTx/>
+              <a:buFont typeface="Lucida Grande"/>
+              <a:buChar char="➔"/>
+              <a:tabLst/>
+              <a:defRPr sz="2000" kern="1200">
+                <a:solidFill>
+                  <a:schemeClr val="tx1"/>
+                </a:solidFill>
+                <a:latin typeface="+mn-lt"/>
+                <a:ea typeface="+mn-ea"/>
+                <a:cs typeface="+mn-cs"/>
+              </a:defRPr>
+            </a:lvl1pPr>
+            <a:lvl2pPr marL="742950" marR="0" indent="-285750" algn="l" defTabSz="457200" rtl="0" eaLnBrk="1" fontAlgn="auto" latinLnBrk="0" hangingPunct="1">
+              <a:lnSpc>
+                <a:spcPct val="100000"/>
+              </a:lnSpc>
+              <a:spcBef>
+                <a:spcPct val="20000"/>
+              </a:spcBef>
+              <a:spcAft>
+                <a:spcPts val="0"/>
+              </a:spcAft>
+              <a:buClr>
+                <a:srgbClr val="009DE0"/>
+              </a:buClr>
+              <a:buSzTx/>
+              <a:buFont typeface="Arial"/>
+              <a:buChar char="›"/>
+              <a:tabLst/>
+              <a:defRPr sz="2800" kern="1200">
+                <a:solidFill>
+                  <a:schemeClr val="tx1"/>
+                </a:solidFill>
+                <a:latin typeface="+mn-lt"/>
+                <a:ea typeface="+mn-ea"/>
+                <a:cs typeface="+mn-cs"/>
+              </a:defRPr>
+            </a:lvl2pPr>
+            <a:lvl3pPr marL="1143000" marR="0" indent="-228600" algn="l" defTabSz="457200" rtl="0" eaLnBrk="1" fontAlgn="auto" latinLnBrk="0" hangingPunct="1">
+              <a:lnSpc>
+                <a:spcPct val="100000"/>
+              </a:lnSpc>
+              <a:spcBef>
+                <a:spcPct val="20000"/>
+              </a:spcBef>
+              <a:spcAft>
+                <a:spcPts val="0"/>
+              </a:spcAft>
+              <a:buClrTx/>
+              <a:buSzTx/>
+              <a:buFont typeface="Arial"/>
+              <a:buChar char="•"/>
+              <a:tabLst/>
+              <a:defRPr sz="2400" kern="1200">
+                <a:solidFill>
+                  <a:schemeClr val="tx1"/>
+                </a:solidFill>
+                <a:latin typeface="+mn-lt"/>
+                <a:ea typeface="+mn-ea"/>
+                <a:cs typeface="+mn-cs"/>
+              </a:defRPr>
+            </a:lvl3pPr>
+            <a:lvl4pPr marL="1600200" marR="0" indent="-228600" algn="l" defTabSz="457200" rtl="0" eaLnBrk="1" fontAlgn="auto" latinLnBrk="0" hangingPunct="1">
+              <a:lnSpc>
+                <a:spcPct val="100000"/>
+              </a:lnSpc>
+              <a:spcBef>
+                <a:spcPct val="20000"/>
+              </a:spcBef>
+              <a:spcAft>
+                <a:spcPts val="0"/>
+              </a:spcAft>
+              <a:buClrTx/>
+              <a:buSzTx/>
+              <a:buFont typeface="Arial"/>
+              <a:buChar char="–"/>
+              <a:tabLst/>
+              <a:defRPr sz="2000" kern="1200">
+                <a:solidFill>
+                  <a:schemeClr val="tx1"/>
+                </a:solidFill>
+                <a:latin typeface="+mn-lt"/>
+                <a:ea typeface="+mn-ea"/>
+                <a:cs typeface="+mn-cs"/>
+              </a:defRPr>
+            </a:lvl4pPr>
+            <a:lvl5pPr marL="2057400" marR="0" indent="-228600" algn="l" defTabSz="457200" rtl="0" eaLnBrk="1" fontAlgn="auto" latinLnBrk="0" hangingPunct="1">
+              <a:lnSpc>
+                <a:spcPct val="100000"/>
+              </a:lnSpc>
+              <a:spcBef>
+                <a:spcPct val="20000"/>
+              </a:spcBef>
+              <a:spcAft>
+                <a:spcPts val="0"/>
+              </a:spcAft>
+              <a:buClrTx/>
+              <a:buSzTx/>
+              <a:buFont typeface="Arial"/>
+              <a:buChar char="»"/>
+              <a:tabLst/>
+              <a:defRPr sz="2000" kern="1200">
+                <a:solidFill>
+                  <a:schemeClr val="tx1"/>
+                </a:solidFill>
+                <a:latin typeface="+mn-lt"/>
+                <a:ea typeface="+mn-ea"/>
+                <a:cs typeface="+mn-cs"/>
+              </a:defRPr>
+            </a:lvl5pPr>
+            <a:lvl6pPr marL="2514600" indent="-228600" algn="l" defTabSz="457200" rtl="0" eaLnBrk="1" latinLnBrk="0" hangingPunct="1">
+              <a:spcBef>
+                <a:spcPct val="20000"/>
+              </a:spcBef>
+              <a:buFont typeface="Arial"/>
+              <a:buChar char="•"/>
+              <a:defRPr sz="2000" kern="1200">
+                <a:solidFill>
+                  <a:schemeClr val="tx1"/>
+                </a:solidFill>
+                <a:latin typeface="+mn-lt"/>
+                <a:ea typeface="+mn-ea"/>
+                <a:cs typeface="+mn-cs"/>
+              </a:defRPr>
+            </a:lvl6pPr>
+            <a:lvl7pPr marL="2971800" indent="-228600" algn="l" defTabSz="457200" rtl="0" eaLnBrk="1" latinLnBrk="0" hangingPunct="1">
+              <a:spcBef>
+                <a:spcPct val="20000"/>
+              </a:spcBef>
+              <a:buFont typeface="Arial"/>
+              <a:buChar char="•"/>
+              <a:defRPr sz="2000" kern="1200">
+                <a:solidFill>
+                  <a:schemeClr val="tx1"/>
+                </a:solidFill>
+                <a:latin typeface="+mn-lt"/>
+                <a:ea typeface="+mn-ea"/>
+                <a:cs typeface="+mn-cs"/>
+              </a:defRPr>
+            </a:lvl7pPr>
+            <a:lvl8pPr marL="3429000" indent="-228600" algn="l" defTabSz="457200" rtl="0" eaLnBrk="1" latinLnBrk="0" hangingPunct="1">
+              <a:spcBef>
+                <a:spcPct val="20000"/>
+              </a:spcBef>
+              <a:buFont typeface="Arial"/>
+              <a:buChar char="•"/>
+              <a:defRPr sz="2000" kern="1200">
+                <a:solidFill>
+                  <a:schemeClr val="tx1"/>
+                </a:solidFill>
+                <a:latin typeface="+mn-lt"/>
+                <a:ea typeface="+mn-ea"/>
+                <a:cs typeface="+mn-cs"/>
+              </a:defRPr>
+            </a:lvl8pPr>
+            <a:lvl9pPr marL="3886200" indent="-228600" algn="l" defTabSz="457200" rtl="0" eaLnBrk="1" latinLnBrk="0" hangingPunct="1">
+              <a:spcBef>
+                <a:spcPct val="20000"/>
+              </a:spcBef>
+              <a:buFont typeface="Arial"/>
+              <a:buChar char="•"/>
+              <a:defRPr sz="2000" kern="1200">
+                <a:solidFill>
+                  <a:schemeClr val="tx1"/>
+                </a:solidFill>
+                <a:latin typeface="+mn-lt"/>
+                <a:ea typeface="+mn-ea"/>
+                <a:cs typeface="+mn-cs"/>
+              </a:defRPr>
+            </a:lvl9pPr>
+          </a:lstStyle>
+          <a:p>
+            <a:pPr lvl="1"/>
+            <a:endParaRPr lang="fr-FR" altLang="fr-FR" sz="2000" b="1" i="1" dirty="0">
+              <a:solidFill>
+                <a:srgbClr val="24292E"/>
+              </a:solidFill>
+              <a:latin typeface="-apple-system"/>
+            </a:endParaRPr>
+          </a:p>
+          <a:p>
+            <a:pPr marL="457200" lvl="1" indent="0">
+              <a:buNone/>
+            </a:pPr>
+            <a:endParaRPr lang="fr-FR" altLang="fr-FR" sz="2000" b="1" i="1" dirty="0">
+              <a:solidFill>
+                <a:srgbClr val="24292E"/>
+              </a:solidFill>
+              <a:latin typeface="-apple-system"/>
+            </a:endParaRPr>
+          </a:p>
+          <a:p>
+            <a:pPr marL="457200" lvl="1" indent="0">
+              <a:buNone/>
+            </a:pPr>
+            <a:endParaRPr lang="fr-FR" altLang="fr-FR" sz="2000" b="1" i="1" dirty="0" smtClean="0">
+              <a:solidFill>
+                <a:srgbClr val="24292E"/>
+              </a:solidFill>
+              <a:latin typeface="-apple-system"/>
+            </a:endParaRPr>
+          </a:p>
+          <a:p>
+            <a:pPr marL="457200" lvl="1" indent="0">
+              <a:buNone/>
+            </a:pPr>
+            <a:r>
+              <a:rPr lang="fr-FR" altLang="fr-FR" sz="2000" b="1" i="1" dirty="0" smtClean="0">
+                <a:solidFill>
+                  <a:srgbClr val="24292E"/>
+                </a:solidFill>
+                <a:latin typeface="-apple-system"/>
+              </a:rPr>
+              <a:t> </a:t>
+            </a:r>
+            <a:endParaRPr lang="fr-FR" sz="2000" b="1" dirty="0" smtClean="0"/>
+          </a:p>
+        </p:txBody>
+      </p:sp>
+      <p:sp>
+        <p:nvSpPr>
+          <p:cNvPr id="8" name="Rectangle 1"/>
+          <p:cNvSpPr>
+            <a:spLocks noChangeArrowheads="1"/>
+          </p:cNvSpPr>
+          <p:nvPr/>
+        </p:nvSpPr>
+        <p:spPr bwMode="auto">
+          <a:xfrm>
+            <a:off x="0" y="-138499"/>
+            <a:ext cx="65" cy="276999"/>
+          </a:xfrm>
+          <a:prstGeom prst="rect">
+            <a:avLst/>
+          </a:prstGeom>
+          <a:solidFill>
+            <a:srgbClr val="FFFFFF"/>
+          </a:solidFill>
+          <a:ln>
+            <a:noFill/>
+          </a:ln>
+          <a:effectLst/>
+          <a:extLst>
+            <a:ext uri="{91240B29-F687-4F45-9708-019B960494DF}">
+              <a14:hiddenLine xmlns:a14="http://schemas.microsoft.com/office/drawing/2010/main" w="9525">
+                <a:solidFill>
+                  <a:schemeClr val="tx1"/>
+                </a:solidFill>
+                <a:miter lim="800000"/>
+                <a:headEnd/>
+                <a:tailEnd/>
+              </a14:hiddenLine>
+            </a:ext>
+            <a:ext uri="{AF507438-7753-43E0-B8FC-AC1667EBCBE1}">
+              <a14:hiddenEffects xmlns:a14="http://schemas.microsoft.com/office/drawing/2010/main">
+                <a:effectLst>
+                  <a:outerShdw dist="35921" dir="2700000" algn="ctr" rotWithShape="0">
+                    <a:schemeClr val="bg2"/>
+                  </a:outerShdw>
+                </a:effectLst>
+              </a14:hiddenEffects>
+            </a:ext>
+          </a:extLst>
+        </p:spPr>
+        <p:txBody>
+          <a:bodyPr vert="horz" wrap="none" lIns="0" tIns="0" rIns="0" bIns="0" numCol="1" anchor="ctr" anchorCtr="0" compatLnSpc="1">
+            <a:prstTxWarp prst="textNoShape">
+              <a:avLst/>
+            </a:prstTxWarp>
+            <a:spAutoFit/>
+          </a:bodyPr>
+          <a:lstStyle>
+            <a:lvl1pPr eaLnBrk="0" fontAlgn="base" hangingPunct="0">
+              <a:spcBef>
+                <a:spcPct val="0"/>
+              </a:spcBef>
+              <a:spcAft>
+                <a:spcPct val="0"/>
+              </a:spcAft>
+              <a:defRPr>
+                <a:solidFill>
+                  <a:schemeClr val="tx1"/>
+                </a:solidFill>
+                <a:latin typeface="Arial" panose="020B0604020202020204" pitchFamily="34" charset="0"/>
+              </a:defRPr>
+            </a:lvl1pPr>
+            <a:lvl2pPr eaLnBrk="0" fontAlgn="base" hangingPunct="0">
+              <a:spcBef>
+                <a:spcPct val="0"/>
+              </a:spcBef>
+              <a:spcAft>
+                <a:spcPct val="0"/>
+              </a:spcAft>
+              <a:defRPr>
+                <a:solidFill>
+                  <a:schemeClr val="tx1"/>
+                </a:solidFill>
+                <a:latin typeface="Arial" panose="020B0604020202020204" pitchFamily="34" charset="0"/>
+              </a:defRPr>
+            </a:lvl2pPr>
+            <a:lvl3pPr eaLnBrk="0" fontAlgn="base" hangingPunct="0">
+              <a:spcBef>
+                <a:spcPct val="0"/>
+              </a:spcBef>
+              <a:spcAft>
+                <a:spcPct val="0"/>
+              </a:spcAft>
+              <a:defRPr>
+                <a:solidFill>
+                  <a:schemeClr val="tx1"/>
+                </a:solidFill>
+                <a:latin typeface="Arial" panose="020B0604020202020204" pitchFamily="34" charset="0"/>
+              </a:defRPr>
+            </a:lvl3pPr>
+            <a:lvl4pPr eaLnBrk="0" fontAlgn="base" hangingPunct="0">
+              <a:spcBef>
+                <a:spcPct val="0"/>
+              </a:spcBef>
+              <a:spcAft>
+                <a:spcPct val="0"/>
+              </a:spcAft>
+              <a:defRPr>
+                <a:solidFill>
+                  <a:schemeClr val="tx1"/>
+                </a:solidFill>
+                <a:latin typeface="Arial" panose="020B0604020202020204" pitchFamily="34" charset="0"/>
+              </a:defRPr>
+            </a:lvl4pPr>
+            <a:lvl5pPr eaLnBrk="0" fontAlgn="base" hangingPunct="0">
+              <a:spcBef>
+                <a:spcPct val="0"/>
+              </a:spcBef>
+              <a:spcAft>
+                <a:spcPct val="0"/>
+              </a:spcAft>
+              <a:defRPr>
+                <a:solidFill>
+                  <a:schemeClr val="tx1"/>
+                </a:solidFill>
+                <a:latin typeface="Arial" panose="020B0604020202020204" pitchFamily="34" charset="0"/>
+              </a:defRPr>
+            </a:lvl5pPr>
+            <a:lvl6pPr eaLnBrk="0" fontAlgn="base" hangingPunct="0">
+              <a:spcBef>
+                <a:spcPct val="0"/>
+              </a:spcBef>
+              <a:spcAft>
+                <a:spcPct val="0"/>
+              </a:spcAft>
+              <a:defRPr>
+                <a:solidFill>
+                  <a:schemeClr val="tx1"/>
+                </a:solidFill>
+                <a:latin typeface="Arial" panose="020B0604020202020204" pitchFamily="34" charset="0"/>
+              </a:defRPr>
+            </a:lvl6pPr>
+            <a:lvl7pPr eaLnBrk="0" fontAlgn="base" hangingPunct="0">
+              <a:spcBef>
+                <a:spcPct val="0"/>
+              </a:spcBef>
+              <a:spcAft>
+                <a:spcPct val="0"/>
+              </a:spcAft>
+              <a:defRPr>
+                <a:solidFill>
+                  <a:schemeClr val="tx1"/>
+                </a:solidFill>
+                <a:latin typeface="Arial" panose="020B0604020202020204" pitchFamily="34" charset="0"/>
+              </a:defRPr>
+            </a:lvl7pPr>
+            <a:lvl8pPr eaLnBrk="0" fontAlgn="base" hangingPunct="0">
+              <a:spcBef>
+                <a:spcPct val="0"/>
+              </a:spcBef>
+              <a:spcAft>
+                <a:spcPct val="0"/>
+              </a:spcAft>
+              <a:defRPr>
+                <a:solidFill>
+                  <a:schemeClr val="tx1"/>
+                </a:solidFill>
+                <a:latin typeface="Arial" panose="020B0604020202020204" pitchFamily="34" charset="0"/>
+              </a:defRPr>
+            </a:lvl8pPr>
+            <a:lvl9pPr eaLnBrk="0" fontAlgn="base" hangingPunct="0">
+              <a:spcBef>
+                <a:spcPct val="0"/>
+              </a:spcBef>
+              <a:spcAft>
+                <a:spcPct val="0"/>
+              </a:spcAft>
+              <a:defRPr>
+                <a:solidFill>
+                  <a:schemeClr val="tx1"/>
+                </a:solidFill>
+                <a:latin typeface="Arial" panose="020B0604020202020204" pitchFamily="34" charset="0"/>
+              </a:defRPr>
+            </a:lvl9pPr>
+          </a:lstStyle>
+          <a:p>
+            <a:pPr marL="0" marR="0" lvl="0" indent="0" algn="l" defTabSz="914400" rtl="0" eaLnBrk="0" fontAlgn="base" latinLnBrk="0" hangingPunct="0">
+              <a:lnSpc>
+                <a:spcPct val="100000"/>
+              </a:lnSpc>
+              <a:spcBef>
+                <a:spcPct val="0"/>
+              </a:spcBef>
+              <a:spcAft>
+                <a:spcPct val="0"/>
+              </a:spcAft>
+              <a:buClrTx/>
+              <a:buSzTx/>
+              <a:buFontTx/>
+              <a:buNone/>
+              <a:tabLst/>
+            </a:pPr>
+            <a:endParaRPr kumimoji="0" lang="fr-FR" altLang="fr-FR" sz="1800" b="0" i="0" u="none" strike="noStrike" cap="none" normalizeH="0" baseline="0" dirty="0" smtClean="0">
+              <a:ln>
+                <a:noFill/>
+              </a:ln>
+              <a:solidFill>
+                <a:schemeClr val="tx1"/>
+              </a:solidFill>
+              <a:effectLst/>
+              <a:latin typeface="Arial" panose="020B0604020202020204" pitchFamily="34" charset="0"/>
+            </a:endParaRPr>
+          </a:p>
+        </p:txBody>
+      </p:sp>
+      <p:sp>
+        <p:nvSpPr>
+          <p:cNvPr id="10" name="Rectangle 9">
+            <a:extLst>
+              <a:ext uri="{FF2B5EF4-FFF2-40B4-BE49-F238E27FC236}">
+                <a16:creationId xmlns:a16="http://schemas.microsoft.com/office/drawing/2014/main" xmlns="" id="{99D6AB73-3556-6845-9EF8-9024C2407A0D}"/>
+              </a:ext>
+            </a:extLst>
+          </p:cNvPr>
+          <p:cNvSpPr/>
+          <p:nvPr/>
+        </p:nvSpPr>
+        <p:spPr>
+          <a:xfrm>
+            <a:off x="711588" y="1096379"/>
+            <a:ext cx="7585742" cy="5456821"/>
+          </a:xfrm>
+          <a:prstGeom prst="rect">
+            <a:avLst/>
+          </a:prstGeom>
+          <a:solidFill>
+            <a:srgbClr val="FEF6E3"/>
+          </a:solidFill>
+          <a:effectLst>
+            <a:outerShdw blurRad="50800" dist="38100" dir="2700000" algn="tl" rotWithShape="0">
+              <a:prstClr val="black">
+                <a:alpha val="40000"/>
+              </a:prstClr>
+            </a:outerShdw>
+          </a:effectLst>
+        </p:spPr>
+        <p:txBody>
+          <a:bodyPr vert="horz" lIns="91440" tIns="45720" rIns="91440" bIns="45720" rtlCol="0" anchor="ctr">
+            <a:noAutofit/>
+          </a:bodyPr>
+          <a:lstStyle/>
+          <a:p>
+            <a:pPr lvl="0" defTabSz="914400" eaLnBrk="0" fontAlgn="base" hangingPunct="0">
+              <a:spcBef>
+                <a:spcPct val="0"/>
+              </a:spcBef>
+              <a:spcAft>
+                <a:spcPct val="0"/>
+              </a:spcAft>
+            </a:pPr>
+            <a:r>
+              <a:rPr lang="fr-FR" dirty="0">
+                <a:solidFill>
+                  <a:srgbClr val="657B83"/>
+                </a:solidFill>
+                <a:latin typeface="Source Code Pro" panose="020B0509030403020204" pitchFamily="49" charset="0"/>
+                <a:ea typeface="Source Code Pro" panose="020B0509030403020204" pitchFamily="49" charset="0"/>
+              </a:rPr>
+              <a:t>&lt;!DOCTYPE HTML&gt;</a:t>
+            </a:r>
+            <a:r>
+              <a:rPr lang="fr-FR" dirty="0"/>
+              <a:t/>
+            </a:r>
+            <a:br>
+              <a:rPr lang="fr-FR" dirty="0"/>
+            </a:br>
+            <a:r>
+              <a:rPr lang="fr-FR" dirty="0" smtClean="0"/>
+              <a:t>    </a:t>
+            </a:r>
+            <a:r>
+              <a:rPr lang="fr-FR" dirty="0" smtClean="0">
+                <a:solidFill>
+                  <a:srgbClr val="010080"/>
+                </a:solidFill>
+                <a:latin typeface="Source Code Pro" panose="020B0509030403020204" pitchFamily="49" charset="0"/>
+                <a:ea typeface="Source Code Pro" panose="020B0509030403020204" pitchFamily="49" charset="0"/>
+              </a:rPr>
+              <a:t>&lt;</a:t>
+            </a:r>
+            <a:r>
+              <a:rPr lang="fr-FR" dirty="0">
+                <a:solidFill>
+                  <a:srgbClr val="010080"/>
+                </a:solidFill>
+                <a:latin typeface="Source Code Pro" panose="020B0509030403020204" pitchFamily="49" charset="0"/>
+                <a:ea typeface="Source Code Pro" panose="020B0509030403020204" pitchFamily="49" charset="0"/>
+              </a:rPr>
+              <a:t>html&gt;</a:t>
+            </a:r>
+            <a:br>
+              <a:rPr lang="fr-FR" dirty="0">
+                <a:solidFill>
+                  <a:srgbClr val="010080"/>
+                </a:solidFill>
+                <a:latin typeface="Source Code Pro" panose="020B0509030403020204" pitchFamily="49" charset="0"/>
+                <a:ea typeface="Source Code Pro" panose="020B0509030403020204" pitchFamily="49" charset="0"/>
+              </a:rPr>
+            </a:br>
+            <a:r>
+              <a:rPr lang="fr-FR" dirty="0" smtClean="0">
+                <a:solidFill>
+                  <a:srgbClr val="0070C0"/>
+                </a:solidFill>
+                <a:latin typeface="Source Code Pro" panose="020B0509030403020204" pitchFamily="49" charset="0"/>
+                <a:ea typeface="Source Code Pro" panose="020B0509030403020204" pitchFamily="49" charset="0"/>
+              </a:rPr>
+              <a:t>    </a:t>
+            </a:r>
+            <a:r>
+              <a:rPr lang="fr-FR" dirty="0">
+                <a:solidFill>
+                  <a:srgbClr val="010080"/>
+                </a:solidFill>
+                <a:latin typeface="Source Code Pro" panose="020B0509030403020204" pitchFamily="49" charset="0"/>
+                <a:ea typeface="Source Code Pro" panose="020B0509030403020204" pitchFamily="49" charset="0"/>
+              </a:rPr>
+              <a:t>&lt;</a:t>
+            </a:r>
+            <a:r>
+              <a:rPr lang="fr-FR" dirty="0" err="1">
+                <a:solidFill>
+                  <a:srgbClr val="010080"/>
+                </a:solidFill>
+                <a:latin typeface="Source Code Pro" panose="020B0509030403020204" pitchFamily="49" charset="0"/>
+                <a:ea typeface="Source Code Pro" panose="020B0509030403020204" pitchFamily="49" charset="0"/>
+              </a:rPr>
+              <a:t>head</a:t>
+            </a:r>
+            <a:r>
+              <a:rPr lang="fr-FR" dirty="0">
+                <a:solidFill>
+                  <a:srgbClr val="010080"/>
+                </a:solidFill>
+                <a:latin typeface="Source Code Pro" panose="020B0509030403020204" pitchFamily="49" charset="0"/>
+                <a:ea typeface="Source Code Pro" panose="020B0509030403020204" pitchFamily="49" charset="0"/>
+              </a:rPr>
+              <a:t>&gt;</a:t>
+            </a:r>
+            <a:br>
+              <a:rPr lang="fr-FR" dirty="0">
+                <a:solidFill>
+                  <a:srgbClr val="010080"/>
+                </a:solidFill>
+                <a:latin typeface="Source Code Pro" panose="020B0509030403020204" pitchFamily="49" charset="0"/>
+                <a:ea typeface="Source Code Pro" panose="020B0509030403020204" pitchFamily="49" charset="0"/>
+              </a:rPr>
+            </a:br>
+            <a:r>
+              <a:rPr lang="fr-FR" dirty="0" smtClean="0">
+                <a:solidFill>
+                  <a:srgbClr val="010080"/>
+                </a:solidFill>
+                <a:latin typeface="Source Code Pro" panose="020B0509030403020204" pitchFamily="49" charset="0"/>
+                <a:ea typeface="Source Code Pro" panose="020B0509030403020204" pitchFamily="49" charset="0"/>
+              </a:rPr>
+              <a:t>      </a:t>
+            </a:r>
+            <a:r>
+              <a:rPr lang="fr-FR" dirty="0">
+                <a:solidFill>
+                  <a:srgbClr val="010080"/>
+                </a:solidFill>
+                <a:latin typeface="Source Code Pro" panose="020B0509030403020204" pitchFamily="49" charset="0"/>
+                <a:ea typeface="Source Code Pro" panose="020B0509030403020204" pitchFamily="49" charset="0"/>
+              </a:rPr>
+              <a:t>&lt;</a:t>
+            </a:r>
+            <a:r>
+              <a:rPr lang="fr-FR" dirty="0">
+                <a:solidFill>
+                  <a:srgbClr val="010080"/>
+                </a:solidFill>
+                <a:latin typeface="Source Code Pro" panose="020B0509030403020204" pitchFamily="49" charset="0"/>
+                <a:ea typeface="Source Code Pro" panose="020B0509030403020204" pitchFamily="49" charset="0"/>
+              </a:rPr>
+              <a:t>script&gt;</a:t>
+            </a:r>
+            <a:r>
+              <a:rPr lang="fr-FR" dirty="0"/>
+              <a:t/>
+            </a:r>
+            <a:br>
+              <a:rPr lang="fr-FR" dirty="0"/>
+            </a:br>
+            <a:r>
+              <a:rPr lang="fr-FR" dirty="0" err="1">
+                <a:solidFill>
+                  <a:srgbClr val="7030A0"/>
+                </a:solidFill>
+              </a:rPr>
+              <a:t>function</a:t>
+            </a:r>
+            <a:r>
+              <a:rPr lang="fr-FR" dirty="0">
+                <a:solidFill>
+                  <a:srgbClr val="7030A0"/>
+                </a:solidFill>
+              </a:rPr>
+              <a:t> </a:t>
+            </a:r>
+            <a:r>
+              <a:rPr lang="fr-FR" dirty="0" err="1">
+                <a:solidFill>
+                  <a:srgbClr val="92D050"/>
+                </a:solidFill>
+              </a:rPr>
+              <a:t>allowDrop</a:t>
+            </a:r>
+            <a:r>
+              <a:rPr lang="fr-FR" dirty="0">
+                <a:solidFill>
+                  <a:srgbClr val="7030A0"/>
+                </a:solidFill>
+              </a:rPr>
+              <a:t>(</a:t>
+            </a:r>
+            <a:r>
+              <a:rPr lang="fr-FR" dirty="0" err="1">
+                <a:solidFill>
+                  <a:srgbClr val="7030A0"/>
+                </a:solidFill>
+              </a:rPr>
+              <a:t>ev</a:t>
+            </a:r>
+            <a:r>
+              <a:rPr lang="fr-FR" dirty="0">
+                <a:solidFill>
+                  <a:srgbClr val="7030A0"/>
+                </a:solidFill>
+              </a:rPr>
+              <a:t>) {</a:t>
+            </a:r>
+            <a:br>
+              <a:rPr lang="fr-FR" dirty="0">
+                <a:solidFill>
+                  <a:srgbClr val="7030A0"/>
+                </a:solidFill>
+              </a:rPr>
+            </a:br>
+            <a:r>
+              <a:rPr lang="fr-FR" dirty="0"/>
+              <a:t>  </a:t>
+            </a:r>
+            <a:r>
+              <a:rPr lang="fr-FR" dirty="0" err="1"/>
+              <a:t>ev.</a:t>
+            </a:r>
+            <a:r>
+              <a:rPr lang="fr-FR" dirty="0" err="1">
+                <a:solidFill>
+                  <a:srgbClr val="00B0F0"/>
+                </a:solidFill>
+              </a:rPr>
+              <a:t>preventDefault</a:t>
+            </a:r>
+            <a:r>
+              <a:rPr lang="fr-FR" dirty="0"/>
+              <a:t>();</a:t>
+            </a:r>
+            <a:br>
+              <a:rPr lang="fr-FR" dirty="0"/>
+            </a:br>
+            <a:r>
+              <a:rPr lang="fr-FR" dirty="0"/>
+              <a:t>}</a:t>
+            </a:r>
+            <a:br>
+              <a:rPr lang="fr-FR" dirty="0"/>
+            </a:br>
+            <a:r>
+              <a:rPr lang="fr-FR" dirty="0"/>
+              <a:t/>
+            </a:r>
+            <a:br>
+              <a:rPr lang="fr-FR" dirty="0"/>
+            </a:br>
+            <a:r>
+              <a:rPr lang="fr-FR" dirty="0" err="1">
+                <a:solidFill>
+                  <a:srgbClr val="7030A0"/>
+                </a:solidFill>
+              </a:rPr>
+              <a:t>function</a:t>
+            </a:r>
+            <a:r>
+              <a:rPr lang="fr-FR" dirty="0">
+                <a:solidFill>
+                  <a:srgbClr val="7030A0"/>
+                </a:solidFill>
+              </a:rPr>
+              <a:t> </a:t>
+            </a:r>
+            <a:r>
+              <a:rPr lang="fr-FR" dirty="0">
+                <a:solidFill>
+                  <a:srgbClr val="FF0000"/>
+                </a:solidFill>
+              </a:rPr>
+              <a:t>drag</a:t>
+            </a:r>
+            <a:r>
+              <a:rPr lang="fr-FR" dirty="0">
+                <a:solidFill>
+                  <a:srgbClr val="7030A0"/>
+                </a:solidFill>
+              </a:rPr>
+              <a:t>(</a:t>
+            </a:r>
+            <a:r>
+              <a:rPr lang="fr-FR" dirty="0" err="1">
+                <a:solidFill>
+                  <a:srgbClr val="7030A0"/>
+                </a:solidFill>
+              </a:rPr>
+              <a:t>ev</a:t>
+            </a:r>
+            <a:r>
+              <a:rPr lang="fr-FR" dirty="0">
+                <a:solidFill>
+                  <a:srgbClr val="7030A0"/>
+                </a:solidFill>
+              </a:rPr>
+              <a:t>) {</a:t>
+            </a:r>
+            <a:br>
+              <a:rPr lang="fr-FR" dirty="0">
+                <a:solidFill>
+                  <a:srgbClr val="7030A0"/>
+                </a:solidFill>
+              </a:rPr>
+            </a:br>
+            <a:r>
+              <a:rPr lang="fr-FR" dirty="0"/>
+              <a:t>  </a:t>
+            </a:r>
+            <a:r>
+              <a:rPr lang="fr-FR" dirty="0" err="1"/>
+              <a:t>ev.</a:t>
+            </a:r>
+            <a:r>
+              <a:rPr lang="fr-FR" dirty="0" err="1">
+                <a:solidFill>
+                  <a:srgbClr val="00B0F0"/>
+                </a:solidFill>
+              </a:rPr>
+              <a:t>dataTransfer.setData</a:t>
+            </a:r>
+            <a:r>
+              <a:rPr lang="fr-FR" dirty="0"/>
+              <a:t>("</a:t>
+            </a:r>
+            <a:r>
+              <a:rPr lang="fr-FR" dirty="0" err="1"/>
+              <a:t>text</a:t>
+            </a:r>
+            <a:r>
+              <a:rPr lang="fr-FR" dirty="0"/>
+              <a:t>", ev.target.id);</a:t>
+            </a:r>
+            <a:br>
+              <a:rPr lang="fr-FR" dirty="0"/>
+            </a:br>
+            <a:r>
+              <a:rPr lang="fr-FR" dirty="0"/>
+              <a:t>}</a:t>
+            </a:r>
+            <a:br>
+              <a:rPr lang="fr-FR" dirty="0"/>
+            </a:br>
+            <a:r>
+              <a:rPr lang="fr-FR" dirty="0"/>
+              <a:t/>
+            </a:r>
+            <a:br>
+              <a:rPr lang="fr-FR" dirty="0"/>
+            </a:br>
+            <a:r>
+              <a:rPr lang="fr-FR" dirty="0" err="1">
+                <a:solidFill>
+                  <a:srgbClr val="7030A0"/>
+                </a:solidFill>
+              </a:rPr>
+              <a:t>function</a:t>
+            </a:r>
+            <a:r>
+              <a:rPr lang="fr-FR" dirty="0">
+                <a:solidFill>
+                  <a:srgbClr val="7030A0"/>
+                </a:solidFill>
+              </a:rPr>
+              <a:t> </a:t>
+            </a:r>
+            <a:r>
+              <a:rPr lang="fr-FR" dirty="0">
+                <a:solidFill>
+                  <a:srgbClr val="FFC000"/>
+                </a:solidFill>
+              </a:rPr>
+              <a:t>drop</a:t>
+            </a:r>
+            <a:r>
+              <a:rPr lang="fr-FR" dirty="0">
+                <a:solidFill>
+                  <a:srgbClr val="7030A0"/>
+                </a:solidFill>
+              </a:rPr>
+              <a:t>(</a:t>
+            </a:r>
+            <a:r>
+              <a:rPr lang="fr-FR" dirty="0" err="1">
+                <a:solidFill>
+                  <a:srgbClr val="7030A0"/>
+                </a:solidFill>
+              </a:rPr>
+              <a:t>ev</a:t>
+            </a:r>
+            <a:r>
+              <a:rPr lang="fr-FR" dirty="0">
+                <a:solidFill>
+                  <a:srgbClr val="7030A0"/>
+                </a:solidFill>
+              </a:rPr>
+              <a:t>) </a:t>
+            </a:r>
+            <a:r>
+              <a:rPr lang="fr-FR" dirty="0"/>
+              <a:t>{</a:t>
+            </a:r>
+            <a:br>
+              <a:rPr lang="fr-FR" dirty="0"/>
+            </a:br>
+            <a:r>
+              <a:rPr lang="fr-FR" dirty="0"/>
+              <a:t>  </a:t>
+            </a:r>
+            <a:r>
+              <a:rPr lang="fr-FR" dirty="0" err="1"/>
+              <a:t>ev.</a:t>
+            </a:r>
+            <a:r>
+              <a:rPr lang="fr-FR" dirty="0" err="1">
+                <a:solidFill>
+                  <a:srgbClr val="00B0F0"/>
+                </a:solidFill>
+              </a:rPr>
+              <a:t>preventDefault</a:t>
+            </a:r>
+            <a:r>
+              <a:rPr lang="fr-FR" dirty="0"/>
+              <a:t>();</a:t>
+            </a:r>
+            <a:br>
+              <a:rPr lang="fr-FR" dirty="0"/>
+            </a:br>
+            <a:r>
+              <a:rPr lang="fr-FR" dirty="0"/>
+              <a:t>  </a:t>
+            </a:r>
+            <a:r>
+              <a:rPr lang="fr-FR" dirty="0">
+                <a:solidFill>
+                  <a:srgbClr val="00B050"/>
+                </a:solidFill>
+                <a:latin typeface="Source Code Pro" panose="020B0509030403020204"/>
+              </a:rPr>
+              <a:t>var</a:t>
+            </a:r>
+            <a:r>
+              <a:rPr lang="fr-FR" dirty="0"/>
+              <a:t> data = </a:t>
+            </a:r>
+            <a:r>
+              <a:rPr lang="fr-FR" dirty="0" err="1"/>
+              <a:t>ev.</a:t>
+            </a:r>
+            <a:r>
+              <a:rPr lang="fr-FR" dirty="0" err="1">
+                <a:solidFill>
+                  <a:srgbClr val="00B0F0"/>
+                </a:solidFill>
+              </a:rPr>
+              <a:t>dataTransfer.getData</a:t>
+            </a:r>
+            <a:r>
+              <a:rPr lang="fr-FR" dirty="0"/>
+              <a:t>("</a:t>
+            </a:r>
+            <a:r>
+              <a:rPr lang="fr-FR" dirty="0" err="1">
+                <a:solidFill>
+                  <a:srgbClr val="657B83"/>
+                </a:solidFill>
+                <a:latin typeface="Source Code Pro" panose="020B0509030403020204" pitchFamily="49" charset="0"/>
+                <a:ea typeface="Source Code Pro" panose="020B0509030403020204" pitchFamily="49" charset="0"/>
+              </a:rPr>
+              <a:t>text</a:t>
+            </a:r>
+            <a:r>
+              <a:rPr lang="fr-FR" dirty="0"/>
+              <a:t>");</a:t>
+            </a:r>
+            <a:br>
+              <a:rPr lang="fr-FR" dirty="0"/>
+            </a:br>
+            <a:r>
+              <a:rPr lang="fr-FR" dirty="0"/>
+              <a:t>  </a:t>
+            </a:r>
+            <a:r>
+              <a:rPr lang="fr-FR" dirty="0" err="1"/>
+              <a:t>ev.target.appendChild</a:t>
+            </a:r>
+            <a:r>
+              <a:rPr lang="fr-FR" dirty="0"/>
+              <a:t>(</a:t>
+            </a:r>
+            <a:r>
+              <a:rPr lang="fr-FR" dirty="0" err="1"/>
+              <a:t>document.getElementById</a:t>
+            </a:r>
+            <a:r>
+              <a:rPr lang="fr-FR" dirty="0"/>
+              <a:t>(</a:t>
+            </a:r>
+            <a:r>
+              <a:rPr lang="fr-FR" dirty="0">
+                <a:solidFill>
+                  <a:srgbClr val="657B83"/>
+                </a:solidFill>
+                <a:latin typeface="Source Code Pro" panose="020B0509030403020204" pitchFamily="49" charset="0"/>
+                <a:ea typeface="Source Code Pro" panose="020B0509030403020204" pitchFamily="49" charset="0"/>
+              </a:rPr>
+              <a:t>data</a:t>
+            </a:r>
+            <a:r>
+              <a:rPr lang="fr-FR" dirty="0"/>
+              <a:t>));</a:t>
+            </a:r>
+            <a:br>
+              <a:rPr lang="fr-FR" dirty="0"/>
+            </a:br>
+            <a:r>
+              <a:rPr lang="fr-FR" dirty="0"/>
+              <a:t>}</a:t>
+            </a:r>
+            <a:br>
+              <a:rPr lang="fr-FR" dirty="0"/>
+            </a:br>
+            <a:r>
+              <a:rPr lang="fr-FR" dirty="0" smtClean="0"/>
+              <a:t>         </a:t>
+            </a:r>
+            <a:r>
+              <a:rPr lang="fr-FR" dirty="0" smtClean="0">
+                <a:solidFill>
+                  <a:srgbClr val="010080"/>
+                </a:solidFill>
+                <a:latin typeface="Source Code Pro" panose="020B0509030403020204" pitchFamily="49" charset="0"/>
+                <a:ea typeface="Source Code Pro" panose="020B0509030403020204" pitchFamily="49" charset="0"/>
+              </a:rPr>
+              <a:t>&lt;/</a:t>
+            </a:r>
+            <a:r>
+              <a:rPr lang="fr-FR" dirty="0">
+                <a:solidFill>
+                  <a:srgbClr val="010080"/>
+                </a:solidFill>
+                <a:latin typeface="Source Code Pro" panose="020B0509030403020204" pitchFamily="49" charset="0"/>
+                <a:ea typeface="Source Code Pro" panose="020B0509030403020204" pitchFamily="49" charset="0"/>
+              </a:rPr>
+              <a:t>script&gt;</a:t>
+            </a:r>
+            <a:br>
+              <a:rPr lang="fr-FR" dirty="0">
+                <a:solidFill>
+                  <a:srgbClr val="010080"/>
+                </a:solidFill>
+                <a:latin typeface="Source Code Pro" panose="020B0509030403020204" pitchFamily="49" charset="0"/>
+                <a:ea typeface="Source Code Pro" panose="020B0509030403020204" pitchFamily="49" charset="0"/>
+              </a:rPr>
+            </a:br>
+            <a:r>
+              <a:rPr lang="fr-FR" dirty="0" smtClean="0">
+                <a:solidFill>
+                  <a:srgbClr val="010080"/>
+                </a:solidFill>
+                <a:latin typeface="Source Code Pro" panose="020B0509030403020204" pitchFamily="49" charset="0"/>
+                <a:ea typeface="Source Code Pro" panose="020B0509030403020204" pitchFamily="49" charset="0"/>
+              </a:rPr>
+              <a:t>    &lt;/</a:t>
+            </a:r>
+            <a:r>
+              <a:rPr lang="fr-FR" dirty="0" err="1">
+                <a:solidFill>
+                  <a:srgbClr val="010080"/>
+                </a:solidFill>
+                <a:latin typeface="Source Code Pro" panose="020B0509030403020204" pitchFamily="49" charset="0"/>
+                <a:ea typeface="Source Code Pro" panose="020B0509030403020204" pitchFamily="49" charset="0"/>
+              </a:rPr>
+              <a:t>head</a:t>
+            </a:r>
+            <a:r>
+              <a:rPr lang="fr-FR" dirty="0">
+                <a:solidFill>
+                  <a:srgbClr val="010080"/>
+                </a:solidFill>
+                <a:latin typeface="Source Code Pro" panose="020B0509030403020204" pitchFamily="49" charset="0"/>
+                <a:ea typeface="Source Code Pro" panose="020B0509030403020204" pitchFamily="49" charset="0"/>
+              </a:rPr>
+              <a:t>&gt;</a:t>
+            </a:r>
+            <a:br>
+              <a:rPr lang="fr-FR" dirty="0">
+                <a:solidFill>
+                  <a:srgbClr val="010080"/>
+                </a:solidFill>
+                <a:latin typeface="Source Code Pro" panose="020B0509030403020204" pitchFamily="49" charset="0"/>
+                <a:ea typeface="Source Code Pro" panose="020B0509030403020204" pitchFamily="49" charset="0"/>
+              </a:rPr>
+            </a:br>
+            <a:r>
+              <a:rPr lang="fr-FR" dirty="0" smtClean="0">
+                <a:solidFill>
+                  <a:srgbClr val="010080"/>
+                </a:solidFill>
+                <a:latin typeface="Source Code Pro" panose="020B0509030403020204" pitchFamily="49" charset="0"/>
+                <a:ea typeface="Source Code Pro" panose="020B0509030403020204" pitchFamily="49" charset="0"/>
+              </a:rPr>
+              <a:t>    </a:t>
+            </a:r>
+            <a:endParaRPr lang="fr-FR" dirty="0">
+              <a:solidFill>
+                <a:srgbClr val="010080"/>
+              </a:solidFill>
+              <a:latin typeface="Source Code Pro" panose="020B0509030403020204" pitchFamily="49" charset="0"/>
+              <a:ea typeface="Source Code Pro" panose="020B0509030403020204" pitchFamily="49" charset="0"/>
+            </a:endParaRPr>
+          </a:p>
+        </p:txBody>
+      </p:sp>
+    </p:spTree>
+    <p:extLst>
+      <p:ext uri="{BB962C8B-B14F-4D97-AF65-F5344CB8AC3E}">
+        <p14:creationId xmlns:p14="http://schemas.microsoft.com/office/powerpoint/2010/main" val="1517155155"/>
+      </p:ext>
+    </p:extLst>
+  </p:cSld>
+  <p:clrMapOvr>
+    <a:masterClrMapping/>
+  </p:clrMapOvr>
+  <p:timing>
+    <p:tnLst>
+      <p:par>
+        <p:cTn id="1" dur="indefinite" restart="never" nodeType="tmRoot"/>
+      </p:par>
+    </p:tnLst>
+  </p:timing>
+</p:sld>
+</file>
+
+<file path=ppt/slides/slide11.xml><?xml version="1.0" encoding="utf-8"?>
+<p:sld xmlns:a="http://schemas.openxmlformats.org/drawingml/2006/main" xmlns:r="http://schemas.openxmlformats.org/officeDocument/2006/relationships" xmlns:p="http://schemas.openxmlformats.org/presentationml/2006/main">
+  <p:cSld>
+    <p:spTree>
+      <p:nvGrpSpPr>
+        <p:cNvPr id="1" name=""/>
+        <p:cNvGrpSpPr/>
+        <p:nvPr/>
+      </p:nvGrpSpPr>
+      <p:grpSpPr>
+        <a:xfrm>
+          <a:off x="0" y="0"/>
+          <a:ext cx="0" cy="0"/>
+          <a:chOff x="0" y="0"/>
+          <a:chExt cx="0" cy="0"/>
+        </a:xfrm>
+      </p:grpSpPr>
+      <p:sp>
+        <p:nvSpPr>
+          <p:cNvPr id="2" name="Titre 1"/>
+          <p:cNvSpPr>
+            <a:spLocks noGrp="1"/>
+          </p:cNvSpPr>
+          <p:nvPr>
+            <p:ph type="title"/>
+          </p:nvPr>
+        </p:nvSpPr>
+        <p:spPr/>
+        <p:txBody>
+          <a:bodyPr/>
+          <a:lstStyle/>
+          <a:p>
+            <a:r>
+              <a:rPr lang="fr-FR" b="1" dirty="0"/>
+              <a:t>Glisser-Déposer (</a:t>
+            </a:r>
+            <a:r>
+              <a:rPr lang="fr-FR" b="1" i="1" dirty="0"/>
+              <a:t>Drag and Drop</a:t>
+            </a:r>
+            <a:r>
+              <a:rPr lang="fr-FR" b="1" dirty="0"/>
+              <a:t>) </a:t>
+            </a:r>
+            <a:r>
+              <a:rPr lang="fr-FR" b="1" dirty="0" smtClean="0"/>
+              <a:t>(3/3)</a:t>
+            </a:r>
+            <a:endParaRPr lang="en-US" dirty="0"/>
+          </a:p>
+        </p:txBody>
+      </p:sp>
+      <p:sp>
+        <p:nvSpPr>
+          <p:cNvPr id="4" name="Espace réservé de la date 3"/>
+          <p:cNvSpPr>
+            <a:spLocks noGrp="1"/>
+          </p:cNvSpPr>
+          <p:nvPr>
+            <p:ph type="dt" sz="half" idx="10"/>
+          </p:nvPr>
+        </p:nvSpPr>
+        <p:spPr/>
+        <p:txBody>
+          <a:bodyPr/>
+          <a:lstStyle/>
+          <a:p>
+            <a:fld id="{BB2FA04C-1355-4CE6-8050-4BD994E23BD5}" type="datetime4">
+              <a:rPr lang="fr-FR" smtClean="0"/>
+              <a:t>6 juin 2019</a:t>
+            </a:fld>
+            <a:endParaRPr lang="fr-FR" dirty="0"/>
+          </a:p>
+        </p:txBody>
+      </p:sp>
+      <p:sp>
+        <p:nvSpPr>
+          <p:cNvPr id="5" name="Espace réservé du pied de page 4"/>
+          <p:cNvSpPr>
+            <a:spLocks noGrp="1"/>
+          </p:cNvSpPr>
+          <p:nvPr>
+            <p:ph type="ftr" sz="quarter" idx="11"/>
+          </p:nvPr>
+        </p:nvSpPr>
+        <p:spPr/>
+        <p:txBody>
+          <a:bodyPr/>
+          <a:lstStyle/>
+          <a:p>
+            <a:r>
+              <a:rPr lang="fr-FR" smtClean="0"/>
+              <a:t>DIU NSI</a:t>
+            </a:r>
+            <a:endParaRPr lang="fr-FR"/>
+          </a:p>
+        </p:txBody>
+      </p:sp>
+      <p:sp>
+        <p:nvSpPr>
+          <p:cNvPr id="6" name="Espace réservé du numéro de diapositive 5"/>
+          <p:cNvSpPr>
+            <a:spLocks noGrp="1"/>
+          </p:cNvSpPr>
+          <p:nvPr>
+            <p:ph type="sldNum" sz="quarter" idx="12"/>
+          </p:nvPr>
+        </p:nvSpPr>
+        <p:spPr/>
+        <p:txBody>
+          <a:bodyPr/>
+          <a:lstStyle/>
+          <a:p>
+            <a:fld id="{DCE37727-CC04-7A46-938D-2CCFF056F773}" type="slidenum">
+              <a:rPr lang="fr-FR" smtClean="0"/>
+              <a:pPr/>
+              <a:t>11</a:t>
+            </a:fld>
+            <a:endParaRPr lang="fr-FR"/>
+          </a:p>
+        </p:txBody>
+      </p:sp>
+      <p:sp>
+        <p:nvSpPr>
+          <p:cNvPr id="7" name="Rectangle 6">
+            <a:extLst>
+              <a:ext uri="{FF2B5EF4-FFF2-40B4-BE49-F238E27FC236}">
+                <a16:creationId xmlns:a16="http://schemas.microsoft.com/office/drawing/2014/main" xmlns="" id="{99D6AB73-3556-6845-9EF8-9024C2407A0D}"/>
+              </a:ext>
+            </a:extLst>
+          </p:cNvPr>
+          <p:cNvSpPr/>
+          <p:nvPr/>
+        </p:nvSpPr>
+        <p:spPr>
+          <a:xfrm>
+            <a:off x="548640" y="1947671"/>
+            <a:ext cx="8138160" cy="2935163"/>
+          </a:xfrm>
+          <a:prstGeom prst="rect">
+            <a:avLst/>
+          </a:prstGeom>
+          <a:solidFill>
+            <a:srgbClr val="FEF6E3"/>
+          </a:solidFill>
+          <a:effectLst>
+            <a:outerShdw blurRad="50800" dist="38100" dir="2700000" algn="tl" rotWithShape="0">
+              <a:prstClr val="black">
+                <a:alpha val="40000"/>
+              </a:prstClr>
+            </a:outerShdw>
+          </a:effectLst>
+        </p:spPr>
+        <p:txBody>
+          <a:bodyPr vert="horz" lIns="91440" tIns="45720" rIns="91440" bIns="45720" rtlCol="0" anchor="ctr">
+            <a:normAutofit/>
+          </a:bodyPr>
+          <a:lstStyle/>
+          <a:p>
+            <a:pPr marL="47625" indent="0">
+              <a:buFont typeface="Brix Slab Bold" pitchFamily="50" charset="0"/>
+              <a:buNone/>
+            </a:pPr>
+            <a:r>
+              <a:rPr lang="fr-FR" dirty="0">
+                <a:solidFill>
+                  <a:srgbClr val="010080"/>
+                </a:solidFill>
+                <a:latin typeface="Source Code Pro" panose="020B0509030403020204" pitchFamily="49" charset="0"/>
+                <a:ea typeface="Source Code Pro" panose="020B0509030403020204" pitchFamily="49" charset="0"/>
+              </a:rPr>
+              <a:t> </a:t>
+            </a:r>
+            <a:r>
+              <a:rPr lang="fr-FR" dirty="0" smtClean="0">
+                <a:solidFill>
+                  <a:srgbClr val="010080"/>
+                </a:solidFill>
+                <a:latin typeface="Source Code Pro" panose="020B0509030403020204" pitchFamily="49" charset="0"/>
+                <a:ea typeface="Source Code Pro" panose="020B0509030403020204" pitchFamily="49" charset="0"/>
+              </a:rPr>
+              <a:t>  &lt;</a:t>
+            </a:r>
+            <a:r>
+              <a:rPr lang="fr-FR" dirty="0">
+                <a:solidFill>
+                  <a:srgbClr val="010080"/>
+                </a:solidFill>
+                <a:latin typeface="Source Code Pro" panose="020B0509030403020204" pitchFamily="49" charset="0"/>
+                <a:ea typeface="Source Code Pro" panose="020B0509030403020204" pitchFamily="49" charset="0"/>
+              </a:rPr>
+              <a:t>body&gt;</a:t>
+            </a:r>
+            <a:r>
+              <a:rPr lang="fr-FR" dirty="0"/>
+              <a:t/>
+            </a:r>
+            <a:br>
+              <a:rPr lang="fr-FR" dirty="0"/>
+            </a:br>
+            <a:r>
+              <a:rPr lang="fr-FR" dirty="0"/>
+              <a:t/>
+            </a:r>
+            <a:br>
+              <a:rPr lang="fr-FR" dirty="0"/>
+            </a:br>
+            <a:r>
+              <a:rPr lang="fr-FR" dirty="0"/>
+              <a:t>&lt;</a:t>
+            </a:r>
+            <a:r>
+              <a:rPr lang="fr-FR" dirty="0">
+                <a:solidFill>
+                  <a:srgbClr val="990000"/>
+                </a:solidFill>
+                <a:latin typeface="Source Code Pro" panose="020B0509030403020204" pitchFamily="49" charset="0"/>
+                <a:ea typeface="Source Code Pro" panose="020B0509030403020204" pitchFamily="49" charset="0"/>
+              </a:rPr>
+              <a:t>div </a:t>
+            </a:r>
+            <a:r>
+              <a:rPr lang="fr-FR" dirty="0"/>
+              <a:t>id="div1" </a:t>
+            </a:r>
+            <a:r>
+              <a:rPr lang="fr-FR" b="1" dirty="0" err="1"/>
+              <a:t>ondrop</a:t>
+            </a:r>
+            <a:r>
+              <a:rPr lang="fr-FR" dirty="0"/>
+              <a:t>="</a:t>
+            </a:r>
+            <a:r>
+              <a:rPr lang="fr-FR" dirty="0">
+                <a:solidFill>
+                  <a:srgbClr val="FFC000"/>
+                </a:solidFill>
+              </a:rPr>
+              <a:t>drop</a:t>
+            </a:r>
+            <a:r>
+              <a:rPr lang="fr-FR" dirty="0"/>
+              <a:t>(</a:t>
+            </a:r>
+            <a:r>
+              <a:rPr lang="fr-FR" dirty="0" err="1"/>
+              <a:t>event</a:t>
+            </a:r>
+            <a:r>
+              <a:rPr lang="fr-FR" dirty="0"/>
+              <a:t>)" </a:t>
+            </a:r>
+            <a:r>
+              <a:rPr lang="fr-FR" b="1" dirty="0" err="1"/>
+              <a:t>ondragover</a:t>
+            </a:r>
+            <a:r>
+              <a:rPr lang="fr-FR" dirty="0"/>
+              <a:t>="</a:t>
+            </a:r>
+            <a:r>
+              <a:rPr lang="fr-FR" dirty="0" err="1">
+                <a:solidFill>
+                  <a:srgbClr val="92D050"/>
+                </a:solidFill>
+              </a:rPr>
+              <a:t>allowDrop</a:t>
+            </a:r>
+            <a:r>
+              <a:rPr lang="fr-FR" dirty="0"/>
+              <a:t>(</a:t>
+            </a:r>
+            <a:r>
+              <a:rPr lang="fr-FR" dirty="0" err="1"/>
+              <a:t>event</a:t>
+            </a:r>
+            <a:r>
+              <a:rPr lang="fr-FR" dirty="0"/>
+              <a:t>)"&gt;&lt;/div&gt;</a:t>
+            </a:r>
+            <a:br>
+              <a:rPr lang="fr-FR" dirty="0"/>
+            </a:br>
+            <a:r>
+              <a:rPr lang="fr-FR" dirty="0"/>
+              <a:t/>
+            </a:r>
+            <a:br>
+              <a:rPr lang="fr-FR" dirty="0"/>
+            </a:br>
+            <a:r>
+              <a:rPr lang="fr-FR" dirty="0"/>
+              <a:t>&lt;</a:t>
+            </a:r>
+            <a:r>
+              <a:rPr lang="fr-FR" dirty="0" err="1">
+                <a:solidFill>
+                  <a:srgbClr val="990000"/>
+                </a:solidFill>
+                <a:latin typeface="Source Code Pro" panose="020B0509030403020204" pitchFamily="49" charset="0"/>
+                <a:ea typeface="Source Code Pro" panose="020B0509030403020204" pitchFamily="49" charset="0"/>
+              </a:rPr>
+              <a:t>img</a:t>
+            </a:r>
+            <a:r>
+              <a:rPr lang="fr-FR" dirty="0"/>
+              <a:t> id="drag1" </a:t>
+            </a:r>
+            <a:r>
+              <a:rPr lang="fr-FR" dirty="0" err="1"/>
+              <a:t>src</a:t>
+            </a:r>
+            <a:r>
+              <a:rPr lang="fr-FR" dirty="0"/>
+              <a:t>="</a:t>
+            </a:r>
+            <a:r>
+              <a:rPr lang="fr-FR" dirty="0">
+                <a:solidFill>
+                  <a:schemeClr val="bg2">
+                    <a:lumMod val="60000"/>
+                    <a:lumOff val="40000"/>
+                  </a:schemeClr>
+                </a:solidFill>
+              </a:rPr>
+              <a:t>img_logo.gif</a:t>
+            </a:r>
+            <a:r>
+              <a:rPr lang="fr-FR" dirty="0"/>
+              <a:t>" </a:t>
+            </a:r>
+            <a:r>
+              <a:rPr lang="fr-FR" b="1" dirty="0" err="1"/>
+              <a:t>draggable</a:t>
+            </a:r>
+            <a:r>
+              <a:rPr lang="fr-FR" dirty="0"/>
+              <a:t>="</a:t>
+            </a:r>
+            <a:r>
+              <a:rPr lang="fr-FR" dirty="0" err="1"/>
+              <a:t>true</a:t>
+            </a:r>
+            <a:r>
+              <a:rPr lang="fr-FR" dirty="0"/>
+              <a:t>" </a:t>
+            </a:r>
+            <a:r>
+              <a:rPr lang="fr-FR" b="1" dirty="0" err="1"/>
+              <a:t>ondragstart</a:t>
+            </a:r>
+            <a:r>
+              <a:rPr lang="fr-FR" dirty="0"/>
+              <a:t>="</a:t>
+            </a:r>
+            <a:r>
+              <a:rPr lang="fr-FR" dirty="0">
+                <a:solidFill>
+                  <a:srgbClr val="FF0000"/>
+                </a:solidFill>
+              </a:rPr>
+              <a:t>drag</a:t>
+            </a:r>
+            <a:r>
+              <a:rPr lang="fr-FR" dirty="0"/>
+              <a:t>(</a:t>
+            </a:r>
+            <a:r>
+              <a:rPr lang="fr-FR" dirty="0" err="1"/>
+              <a:t>event</a:t>
+            </a:r>
+            <a:r>
+              <a:rPr lang="fr-FR" dirty="0"/>
+              <a:t>)" </a:t>
+            </a:r>
+            <a:r>
+              <a:rPr lang="fr-FR" dirty="0" err="1"/>
+              <a:t>width</a:t>
+            </a:r>
+            <a:r>
+              <a:rPr lang="fr-FR" dirty="0"/>
+              <a:t>="336" </a:t>
+            </a:r>
+            <a:r>
+              <a:rPr lang="fr-FR" dirty="0" err="1"/>
+              <a:t>height</a:t>
+            </a:r>
+            <a:r>
+              <a:rPr lang="fr-FR" dirty="0"/>
+              <a:t>="69"&gt;</a:t>
+            </a:r>
+            <a:br>
+              <a:rPr lang="fr-FR" dirty="0"/>
+            </a:br>
+            <a:r>
+              <a:rPr lang="fr-FR" dirty="0"/>
+              <a:t/>
+            </a:r>
+            <a:br>
+              <a:rPr lang="fr-FR" dirty="0"/>
+            </a:br>
+            <a:r>
+              <a:rPr lang="fr-FR" dirty="0"/>
+              <a:t>    </a:t>
+            </a:r>
+            <a:r>
+              <a:rPr lang="fr-FR" dirty="0" smtClean="0"/>
+              <a:t>   </a:t>
+            </a:r>
+            <a:r>
+              <a:rPr lang="fr-FR" dirty="0">
+                <a:solidFill>
+                  <a:srgbClr val="010080"/>
+                </a:solidFill>
+                <a:latin typeface="Source Code Pro" panose="020B0509030403020204" pitchFamily="49" charset="0"/>
+                <a:ea typeface="Source Code Pro" panose="020B0509030403020204" pitchFamily="49" charset="0"/>
+              </a:rPr>
+              <a:t>&lt;/body&gt;</a:t>
+            </a:r>
+            <a:br>
+              <a:rPr lang="fr-FR" dirty="0">
+                <a:solidFill>
+                  <a:srgbClr val="010080"/>
+                </a:solidFill>
+                <a:latin typeface="Source Code Pro" panose="020B0509030403020204" pitchFamily="49" charset="0"/>
+                <a:ea typeface="Source Code Pro" panose="020B0509030403020204" pitchFamily="49" charset="0"/>
+              </a:rPr>
+            </a:br>
+            <a:r>
+              <a:rPr lang="fr-FR" dirty="0" smtClean="0">
+                <a:solidFill>
+                  <a:srgbClr val="010080"/>
+                </a:solidFill>
+                <a:latin typeface="Source Code Pro" panose="020B0509030403020204" pitchFamily="49" charset="0"/>
+                <a:ea typeface="Source Code Pro" panose="020B0509030403020204" pitchFamily="49" charset="0"/>
+              </a:rPr>
+              <a:t> &lt;/</a:t>
+            </a:r>
+            <a:r>
+              <a:rPr lang="fr-FR" dirty="0">
+                <a:solidFill>
+                  <a:srgbClr val="010080"/>
+                </a:solidFill>
+                <a:latin typeface="Source Code Pro" panose="020B0509030403020204" pitchFamily="49" charset="0"/>
+                <a:ea typeface="Source Code Pro" panose="020B0509030403020204" pitchFamily="49" charset="0"/>
+              </a:rPr>
+              <a:t>html&gt;</a:t>
+            </a:r>
+            <a:endParaRPr lang="en-US" dirty="0">
+              <a:solidFill>
+                <a:srgbClr val="657B83"/>
+              </a:solidFill>
+              <a:latin typeface="Source Code Pro" panose="020B0509030403020204" pitchFamily="49" charset="0"/>
+            </a:endParaRPr>
+          </a:p>
+        </p:txBody>
+      </p:sp>
+    </p:spTree>
+    <p:extLst>
+      <p:ext uri="{BB962C8B-B14F-4D97-AF65-F5344CB8AC3E}">
+        <p14:creationId xmlns:p14="http://schemas.microsoft.com/office/powerpoint/2010/main" val="3648242821"/>
+      </p:ext>
+    </p:extLst>
+  </p:cSld>
+  <p:clrMapOvr>
+    <a:masterClrMapping/>
+  </p:clrMapOvr>
+</p:sld>
+</file>
+
+<file path=ppt/slides/slide12.xml><?xml version="1.0" encoding="utf-8"?>
+<p:sld xmlns:a="http://schemas.openxmlformats.org/drawingml/2006/main" xmlns:r="http://schemas.openxmlformats.org/officeDocument/2006/relationships" xmlns:p="http://schemas.openxmlformats.org/presentationml/2006/main">
+  <p:cSld>
+    <p:spTree>
+      <p:nvGrpSpPr>
+        <p:cNvPr id="1" name=""/>
+        <p:cNvGrpSpPr/>
+        <p:nvPr/>
+      </p:nvGrpSpPr>
+      <p:grpSpPr>
+        <a:xfrm>
+          <a:off x="0" y="0"/>
+          <a:ext cx="0" cy="0"/>
+          <a:chOff x="0" y="0"/>
+          <a:chExt cx="0" cy="0"/>
+        </a:xfrm>
+      </p:grpSpPr>
+      <p:sp>
+        <p:nvSpPr>
+          <p:cNvPr id="2" name="Titre 1"/>
+          <p:cNvSpPr>
+            <a:spLocks noGrp="1"/>
+          </p:cNvSpPr>
+          <p:nvPr>
+            <p:ph type="title"/>
+          </p:nvPr>
+        </p:nvSpPr>
+        <p:spPr/>
+        <p:txBody>
+          <a:bodyPr/>
+          <a:lstStyle/>
+          <a:p>
+            <a:r>
+              <a:rPr lang="fr-FR" dirty="0"/>
+              <a:t>Résumé</a:t>
+            </a:r>
+          </a:p>
+        </p:txBody>
+      </p:sp>
+      <p:sp>
+        <p:nvSpPr>
+          <p:cNvPr id="4" name="Espace réservé de la date 3"/>
+          <p:cNvSpPr>
+            <a:spLocks noGrp="1"/>
+          </p:cNvSpPr>
+          <p:nvPr>
+            <p:ph type="dt" sz="half" idx="10"/>
+          </p:nvPr>
+        </p:nvSpPr>
+        <p:spPr/>
+        <p:txBody>
+          <a:bodyPr/>
+          <a:lstStyle/>
+          <a:p>
+            <a:fld id="{BB2FA04C-1355-4CE6-8050-4BD994E23BD5}" type="datetime4">
+              <a:rPr lang="fr-FR" smtClean="0"/>
+              <a:t>6 juin 2019</a:t>
+            </a:fld>
+            <a:endParaRPr lang="fr-FR" dirty="0"/>
+          </a:p>
+        </p:txBody>
+      </p:sp>
+      <p:sp>
+        <p:nvSpPr>
+          <p:cNvPr id="5" name="Espace réservé du pied de page 4"/>
+          <p:cNvSpPr>
+            <a:spLocks noGrp="1"/>
+          </p:cNvSpPr>
+          <p:nvPr>
+            <p:ph type="ftr" sz="quarter" idx="11"/>
+          </p:nvPr>
+        </p:nvSpPr>
+        <p:spPr/>
+        <p:txBody>
+          <a:bodyPr/>
+          <a:lstStyle/>
+          <a:p>
+            <a:r>
+              <a:rPr lang="fr-FR"/>
+              <a:t>DIU NSI</a:t>
+            </a:r>
+          </a:p>
+        </p:txBody>
+      </p:sp>
+      <p:sp>
+        <p:nvSpPr>
+          <p:cNvPr id="6" name="Espace réservé du numéro de diapositive 5"/>
+          <p:cNvSpPr>
+            <a:spLocks noGrp="1"/>
+          </p:cNvSpPr>
+          <p:nvPr>
+            <p:ph type="sldNum" sz="quarter" idx="12"/>
+          </p:nvPr>
+        </p:nvSpPr>
+        <p:spPr/>
+        <p:txBody>
+          <a:bodyPr/>
+          <a:lstStyle/>
+          <a:p>
+            <a:fld id="{DCE37727-CC04-7A46-938D-2CCFF056F773}" type="slidenum">
+              <a:rPr lang="fr-FR" smtClean="0"/>
+              <a:pPr/>
+              <a:t>12</a:t>
+            </a:fld>
+            <a:endParaRPr lang="fr-FR"/>
+          </a:p>
+        </p:txBody>
+      </p:sp>
+      <p:sp>
+        <p:nvSpPr>
+          <p:cNvPr id="7" name="Espace réservé du contenu 2"/>
+          <p:cNvSpPr>
+            <a:spLocks noGrp="1"/>
+          </p:cNvSpPr>
+          <p:nvPr>
+            <p:ph idx="4294967295"/>
+          </p:nvPr>
+        </p:nvSpPr>
+        <p:spPr>
+          <a:xfrm>
+            <a:off x="279400" y="1236134"/>
+            <a:ext cx="8644466" cy="4890030"/>
+          </a:xfrm>
+        </p:spPr>
+        <p:txBody>
+          <a:bodyPr/>
+          <a:lstStyle/>
+          <a:p>
+            <a:pPr marL="400050" indent="-400050"/>
+            <a:r>
+              <a:rPr lang="fr-FR" sz="2400" dirty="0"/>
+              <a:t>JavaScript est </a:t>
+            </a:r>
+            <a:r>
+              <a:rPr lang="fr-FR" sz="2400" dirty="0" smtClean="0"/>
+              <a:t>un langage </a:t>
+            </a:r>
+            <a:r>
+              <a:rPr lang="fr-FR" sz="2400" dirty="0"/>
+              <a:t>interprété</a:t>
+            </a:r>
+            <a:r>
+              <a:rPr lang="fr-FR" sz="2400" dirty="0"/>
+              <a:t/>
+            </a:r>
+            <a:br>
+              <a:rPr lang="fr-FR" sz="2400" dirty="0"/>
+            </a:br>
+            <a:endParaRPr lang="fr-FR" sz="2400" dirty="0"/>
+          </a:p>
+          <a:p>
+            <a:pPr marL="400050" indent="-400050"/>
+            <a:r>
+              <a:rPr lang="fr-FR" sz="2400" dirty="0"/>
+              <a:t>JavaScript s'exécute </a:t>
+            </a:r>
+            <a:r>
+              <a:rPr lang="fr-FR" sz="2400" dirty="0" smtClean="0"/>
+              <a:t>sur l’</a:t>
+            </a:r>
+            <a:r>
+              <a:rPr lang="fr-FR" sz="2400" b="1" dirty="0" smtClean="0"/>
+              <a:t>arbre d’éléments </a:t>
+            </a:r>
+            <a:r>
+              <a:rPr lang="fr-FR" sz="2400" dirty="0"/>
+              <a:t>HTML</a:t>
+            </a:r>
+            <a:r>
+              <a:rPr lang="fr-FR" sz="2400" b="1" dirty="0" smtClean="0"/>
+              <a:t> </a:t>
+            </a:r>
+            <a:r>
+              <a:rPr lang="fr-FR" sz="2400" dirty="0"/>
+              <a:t>(DOM </a:t>
+            </a:r>
+            <a:r>
+              <a:rPr lang="fr-FR" sz="2400" dirty="0" err="1"/>
+              <a:t>tree</a:t>
+            </a:r>
+            <a:r>
+              <a:rPr lang="fr-FR" sz="2400" dirty="0" smtClean="0"/>
+              <a:t>) crée par le navigateur</a:t>
+            </a:r>
+          </a:p>
+          <a:p>
+            <a:pPr marL="400050" indent="-400050"/>
+            <a:endParaRPr lang="fr-FR" sz="2400" dirty="0" smtClean="0"/>
+          </a:p>
+          <a:p>
+            <a:pPr marL="400050" indent="-400050"/>
+            <a:r>
+              <a:rPr lang="fr-FR" sz="2400" dirty="0"/>
+              <a:t>Exploité par les </a:t>
+            </a:r>
+            <a:r>
+              <a:rPr lang="fr-FR" sz="2400" b="1" dirty="0"/>
+              <a:t>navigateurs</a:t>
+            </a:r>
+            <a:r>
+              <a:rPr lang="fr-FR" sz="2400" dirty="0"/>
+              <a:t> pour </a:t>
+            </a:r>
+            <a:r>
+              <a:rPr lang="fr-FR" sz="2400" dirty="0" smtClean="0"/>
+              <a:t>manipuler le </a:t>
+            </a:r>
+            <a:r>
+              <a:rPr lang="fr-FR" sz="2400" dirty="0"/>
+              <a:t>comportement des pages </a:t>
+            </a:r>
+            <a:r>
+              <a:rPr lang="fr-FR" sz="2400" dirty="0" smtClean="0"/>
+              <a:t>web</a:t>
+            </a:r>
+          </a:p>
+          <a:p>
+            <a:pPr marL="400050" indent="-400050"/>
+            <a:endParaRPr lang="fr-FR" sz="2400" dirty="0" smtClean="0"/>
+          </a:p>
+          <a:p>
+            <a:pPr marL="400050" indent="-400050">
+              <a:spcBef>
+                <a:spcPts val="1176"/>
+              </a:spcBef>
+            </a:pPr>
+            <a:r>
+              <a:rPr lang="fr-FR" sz="2400" dirty="0"/>
+              <a:t>Utilisé dans d'autres contextes</a:t>
+            </a:r>
+          </a:p>
+          <a:p>
+            <a:pPr marL="457200" lvl="1" indent="0">
+              <a:buNone/>
+            </a:pPr>
+            <a:r>
+              <a:rPr lang="fr-FR" sz="2000" dirty="0" smtClean="0"/>
+              <a:t>(Programmes </a:t>
+            </a:r>
+            <a:r>
+              <a:rPr lang="fr-FR" sz="2000" dirty="0"/>
+              <a:t>de bureau et </a:t>
+            </a:r>
+            <a:r>
+              <a:rPr lang="fr-FR" sz="2000" dirty="0" smtClean="0"/>
+              <a:t>serveur)</a:t>
+            </a:r>
+            <a:endParaRPr lang="fr-FR" sz="2000" dirty="0"/>
+          </a:p>
+          <a:p>
+            <a:pPr marL="400050" indent="-400050"/>
+            <a:endParaRPr lang="fr-FR" sz="2400" dirty="0" smtClean="0"/>
+          </a:p>
+          <a:p>
+            <a:pPr marL="400050" indent="-400050"/>
+            <a:endParaRPr lang="fr-FR" sz="2400" dirty="0"/>
+          </a:p>
+          <a:p>
+            <a:pPr marL="400050" indent="-400050"/>
+            <a:endParaRPr lang="fr-FR" sz="2400" dirty="0"/>
+          </a:p>
+          <a:p>
+            <a:endParaRPr lang="fr-FR" dirty="0"/>
           </a:p>
         </p:txBody>
       </p:sp>
@@ -6404,7 +8332,7 @@
           <a:p>
             <a:fld id="{1AC11C67-BE04-4C5F-B0EE-E01220C9093A}" type="datetime4">
               <a:rPr lang="fr-FR" smtClean="0"/>
-              <a:t>5 juin 2019</a:t>
+              <a:t>6 juin 2019</a:t>
             </a:fld>
             <a:endParaRPr lang="fr-FR" dirty="0"/>
           </a:p>
@@ -6803,37 +8731,13 @@
           <a:p>
             <a:r>
               <a:rPr lang="fr-FR" b="1" dirty="0"/>
-              <a:t>Interprétation(s)</a:t>
-            </a:r>
-            <a:endParaRPr lang="en-US" dirty="0"/>
-          </a:p>
-        </p:txBody>
-      </p:sp>
-      <p:sp>
-        <p:nvSpPr>
-          <p:cNvPr id="3" name="Espace réservé du contenu 2"/>
-          <p:cNvSpPr>
-            <a:spLocks noGrp="1"/>
-          </p:cNvSpPr>
-          <p:nvPr>
-            <p:ph idx="1"/>
-          </p:nvPr>
-        </p:nvSpPr>
-        <p:spPr/>
-        <p:txBody>
-          <a:bodyPr/>
-          <a:lstStyle/>
-          <a:p>
-            <a:endParaRPr lang="fr-FR" b="1" dirty="0"/>
-          </a:p>
-          <a:p>
-            <a:r>
-              <a:rPr lang="fr-FR" b="1" dirty="0"/>
-              <a:t>Asynchrone et événementiel</a:t>
-            </a:r>
-          </a:p>
-          <a:p>
-            <a:endParaRPr lang="en-US" dirty="0"/>
+              <a:t>HTML et JavaScript </a:t>
+            </a:r>
+            <a:r>
+              <a:rPr lang="fr-FR" b="1" dirty="0" smtClean="0"/>
+              <a:t>(1/3)</a:t>
+            </a:r>
+            <a:endParaRPr lang="fr-FR" dirty="0"/>
           </a:p>
         </p:txBody>
       </p:sp>
@@ -6852,9 +8756,9 @@
           <a:bodyPr/>
           <a:lstStyle/>
           <a:p>
-            <a:fld id="{BB2FA04C-1355-4CE6-8050-4BD994E23BD5}" type="datetime4">
+            <a:fld id="{1AC11C67-BE04-4C5F-B0EE-E01220C9093A}" type="datetime4">
               <a:rPr lang="fr-FR" smtClean="0"/>
-              <a:t>5 juin 2019</a:t>
+              <a:t>6 juin 2019</a:t>
             </a:fld>
             <a:endParaRPr lang="fr-FR" dirty="0"/>
           </a:p>
@@ -6876,7 +8780,7 @@
           <a:lstStyle/>
           <a:p>
             <a:r>
-              <a:rPr lang="fr-FR"/>
+              <a:rPr lang="fr-FR" dirty="0"/>
               <a:t>DIU NSI</a:t>
             </a:r>
           </a:p>
@@ -6901,130 +8805,6 @@
               <a:rPr lang="fr-FR" smtClean="0"/>
               <a:pPr/>
               <a:t>4</a:t>
-            </a:fld>
-            <a:endParaRPr lang="fr-FR"/>
-          </a:p>
-        </p:txBody>
-      </p:sp>
-    </p:spTree>
-    <p:extLst>
-      <p:ext uri="{BB962C8B-B14F-4D97-AF65-F5344CB8AC3E}">
-        <p14:creationId xmlns:p14="http://schemas.microsoft.com/office/powerpoint/2010/main" val="985264860"/>
-      </p:ext>
-    </p:extLst>
-  </p:cSld>
-  <p:clrMapOvr>
-    <a:masterClrMapping/>
-  </p:clrMapOvr>
-</p:sld>
-</file>
-
-<file path=ppt/slides/slide5.xml><?xml version="1.0" encoding="utf-8"?>
-<p:sld xmlns:a="http://schemas.openxmlformats.org/drawingml/2006/main" xmlns:r="http://schemas.openxmlformats.org/officeDocument/2006/relationships" xmlns:p="http://schemas.openxmlformats.org/presentationml/2006/main">
-  <p:cSld>
-    <p:spTree>
-      <p:nvGrpSpPr>
-        <p:cNvPr id="1" name=""/>
-        <p:cNvGrpSpPr/>
-        <p:nvPr/>
-      </p:nvGrpSpPr>
-      <p:grpSpPr>
-        <a:xfrm>
-          <a:off x="0" y="0"/>
-          <a:ext cx="0" cy="0"/>
-          <a:chOff x="0" y="0"/>
-          <a:chExt cx="0" cy="0"/>
-        </a:xfrm>
-      </p:grpSpPr>
-      <p:sp>
-        <p:nvSpPr>
-          <p:cNvPr id="2" name="Titre 1"/>
-          <p:cNvSpPr>
-            <a:spLocks noGrp="1"/>
-          </p:cNvSpPr>
-          <p:nvPr>
-            <p:ph type="title"/>
-          </p:nvPr>
-        </p:nvSpPr>
-        <p:spPr/>
-        <p:txBody>
-          <a:bodyPr>
-            <a:normAutofit/>
-          </a:bodyPr>
-          <a:lstStyle/>
-          <a:p>
-            <a:r>
-              <a:rPr lang="fr-FR" b="1" dirty="0"/>
-              <a:t>HTML et JavaScript </a:t>
-            </a:r>
-            <a:endParaRPr lang="fr-FR" dirty="0"/>
-          </a:p>
-        </p:txBody>
-      </p:sp>
-      <p:sp>
-        <p:nvSpPr>
-          <p:cNvPr id="4" name="Espace réservé de la date 3"/>
-          <p:cNvSpPr>
-            <a:spLocks noGrp="1"/>
-          </p:cNvSpPr>
-          <p:nvPr>
-            <p:ph type="dt" sz="half" idx="10"/>
-          </p:nvPr>
-        </p:nvSpPr>
-        <p:spPr/>
-        <p:txBody>
-          <a:bodyPr/>
-          <a:lstStyle/>
-          <a:p>
-            <a:fld id="{1AC11C67-BE04-4C5F-B0EE-E01220C9093A}" type="datetime4">
-              <a:rPr lang="fr-FR" smtClean="0"/>
-              <a:t>5 juin 2019</a:t>
-            </a:fld>
-            <a:endParaRPr lang="fr-FR" dirty="0"/>
-          </a:p>
-        </p:txBody>
-      </p:sp>
-      <p:sp>
-        <p:nvSpPr>
-          <p:cNvPr id="5" name="Espace réservé du pied de page 4"/>
-          <p:cNvSpPr>
-            <a:spLocks noGrp="1"/>
-          </p:cNvSpPr>
-          <p:nvPr>
-            <p:ph type="ftr" sz="quarter" idx="11"/>
-          </p:nvPr>
-        </p:nvSpPr>
-        <p:spPr/>
-        <p:txBody>
-          <a:bodyPr/>
-          <a:lstStyle/>
-          <a:p>
-            <a:r>
-              <a:rPr lang="fr-FR" dirty="0"/>
-              <a:t>DIU NSI</a:t>
-            </a:r>
-          </a:p>
-        </p:txBody>
-      </p:sp>
-      <p:sp>
-        <p:nvSpPr>
-          <p:cNvPr id="6" name="Espace réservé du numéro de diapositive 5"/>
-          <p:cNvSpPr>
-            <a:spLocks noGrp="1"/>
-          </p:cNvSpPr>
-          <p:nvPr>
-            <p:ph type="sldNum" sz="quarter" idx="12"/>
-          </p:nvPr>
-        </p:nvSpPr>
-        <p:spPr/>
-        <p:txBody>
-          <a:bodyPr/>
-          <a:lstStyle/>
-          <a:p>
-            <a:fld id="{DCE37727-CC04-7A46-938D-2CCFF056F773}" type="slidenum">
-              <a:rPr lang="fr-FR" smtClean="0"/>
-              <a:pPr/>
-              <a:t>5</a:t>
             </a:fld>
             <a:endParaRPr lang="fr-FR"/>
           </a:p>
@@ -7265,7 +9045,7 @@
           <p:cNvPr id="9" name="Graphic 8">
             <a:extLst>
               <a:ext uri="{FF2B5EF4-FFF2-40B4-BE49-F238E27FC236}">
-                <a16:creationId xmlns:a16="http://schemas.microsoft.com/office/drawing/2014/main" id="{6F3E1559-D605-C945-85DB-066CD93FEA04}"/>
+                <a16:creationId xmlns:a16="http://schemas.microsoft.com/office/drawing/2014/main" xmlns="" id="{6F3E1559-D605-C945-85DB-066CD93FEA04}"/>
               </a:ext>
             </a:extLst>
           </p:cNvPr>
@@ -7278,7 +9058,7 @@
           <a:blip r:embed="rId3">
             <a:extLst>
               <a:ext uri="{96DAC541-7B7A-43D3-8B79-37D633B846F1}">
-                <asvg:svgBlip xmlns:asvg="http://schemas.microsoft.com/office/drawing/2016/SVG/main" r:embed="rId4"/>
+                <asvg:svgBlip xmlns:asvg="http://schemas.microsoft.com/office/drawing/2016/SVG/main" xmlns="" r:embed="rId4"/>
               </a:ext>
             </a:extLst>
           </a:blip>
@@ -7301,7 +9081,7 @@
           <p:cNvPr id="12" name="Rectangle 11">
             <a:extLst>
               <a:ext uri="{FF2B5EF4-FFF2-40B4-BE49-F238E27FC236}">
-                <a16:creationId xmlns:a16="http://schemas.microsoft.com/office/drawing/2014/main" id="{6EC37172-BD25-FF4A-8EF0-B0746183C81E}"/>
+                <a16:creationId xmlns:a16="http://schemas.microsoft.com/office/drawing/2014/main" xmlns="" id="{6EC37172-BD25-FF4A-8EF0-B0746183C81E}"/>
               </a:ext>
             </a:extLst>
           </p:cNvPr>
@@ -7372,6 +9152,16 @@
               </a:rPr>
               <a:t>File:DOM-model.svg</a:t>
             </a:r>
+            <a:r>
+              <a:rPr lang="fr-FR" sz="800" dirty="0">
+                <a:solidFill>
+                  <a:schemeClr val="bg1">
+                    <a:lumMod val="50000"/>
+                  </a:schemeClr>
+                </a:solidFill>
+              </a:rPr>
+              <a:t/>
+            </a:r>
             <a:br>
               <a:rPr lang="fr-FR" sz="800" dirty="0">
                 <a:solidFill>
@@ -7425,6 +9215,853 @@
   <p:transition spd="slow">
     <p:wipe/>
   </p:transition>
+</p:sld>
+</file>
+
+<file path=ppt/slides/slide5.xml><?xml version="1.0" encoding="utf-8"?>
+<p:sld xmlns:a="http://schemas.openxmlformats.org/drawingml/2006/main" xmlns:r="http://schemas.openxmlformats.org/officeDocument/2006/relationships" xmlns:p="http://schemas.openxmlformats.org/presentationml/2006/main">
+  <p:cSld>
+    <p:spTree>
+      <p:nvGrpSpPr>
+        <p:cNvPr id="1" name=""/>
+        <p:cNvGrpSpPr/>
+        <p:nvPr/>
+      </p:nvGrpSpPr>
+      <p:grpSpPr>
+        <a:xfrm>
+          <a:off x="0" y="0"/>
+          <a:ext cx="0" cy="0"/>
+          <a:chOff x="0" y="0"/>
+          <a:chExt cx="0" cy="0"/>
+        </a:xfrm>
+      </p:grpSpPr>
+      <p:sp>
+        <p:nvSpPr>
+          <p:cNvPr id="10" name="Espace réservé du contenu 2"/>
+          <p:cNvSpPr txBox="1">
+            <a:spLocks/>
+          </p:cNvSpPr>
+          <p:nvPr/>
+        </p:nvSpPr>
+        <p:spPr>
+          <a:xfrm>
+            <a:off x="228600" y="1058026"/>
+            <a:ext cx="8644466" cy="5569596"/>
+          </a:xfrm>
+          <a:prstGeom prst="rect">
+            <a:avLst/>
+          </a:prstGeom>
+        </p:spPr>
+        <p:txBody>
+          <a:bodyPr vert="horz" lIns="91440" tIns="45720" rIns="91440" bIns="45720" rtlCol="0">
+            <a:noAutofit/>
+          </a:bodyPr>
+          <a:lstStyle>
+            <a:lvl1pPr marL="342900" marR="0" indent="-342900" algn="l" defTabSz="457200" rtl="0" eaLnBrk="1" fontAlgn="auto" latinLnBrk="0" hangingPunct="1">
+              <a:lnSpc>
+                <a:spcPct val="100000"/>
+              </a:lnSpc>
+              <a:spcBef>
+                <a:spcPct val="20000"/>
+              </a:spcBef>
+              <a:spcAft>
+                <a:spcPts val="0"/>
+              </a:spcAft>
+              <a:buClr>
+                <a:schemeClr val="accent6"/>
+              </a:buClr>
+              <a:buSzTx/>
+              <a:buFont typeface="Lucida Grande"/>
+              <a:buChar char="➔"/>
+              <a:tabLst/>
+              <a:defRPr sz="2000" kern="1200">
+                <a:solidFill>
+                  <a:schemeClr val="tx1"/>
+                </a:solidFill>
+                <a:latin typeface="+mn-lt"/>
+                <a:ea typeface="+mn-ea"/>
+                <a:cs typeface="+mn-cs"/>
+              </a:defRPr>
+            </a:lvl1pPr>
+            <a:lvl2pPr marL="742950" marR="0" indent="-285750" algn="l" defTabSz="457200" rtl="0" eaLnBrk="1" fontAlgn="auto" latinLnBrk="0" hangingPunct="1">
+              <a:lnSpc>
+                <a:spcPct val="100000"/>
+              </a:lnSpc>
+              <a:spcBef>
+                <a:spcPct val="20000"/>
+              </a:spcBef>
+              <a:spcAft>
+                <a:spcPts val="0"/>
+              </a:spcAft>
+              <a:buClr>
+                <a:srgbClr val="009DE0"/>
+              </a:buClr>
+              <a:buSzTx/>
+              <a:buFont typeface="Arial"/>
+              <a:buChar char="›"/>
+              <a:tabLst/>
+              <a:defRPr sz="2800" kern="1200">
+                <a:solidFill>
+                  <a:schemeClr val="tx1"/>
+                </a:solidFill>
+                <a:latin typeface="+mn-lt"/>
+                <a:ea typeface="+mn-ea"/>
+                <a:cs typeface="+mn-cs"/>
+              </a:defRPr>
+            </a:lvl2pPr>
+            <a:lvl3pPr marL="1143000" marR="0" indent="-228600" algn="l" defTabSz="457200" rtl="0" eaLnBrk="1" fontAlgn="auto" latinLnBrk="0" hangingPunct="1">
+              <a:lnSpc>
+                <a:spcPct val="100000"/>
+              </a:lnSpc>
+              <a:spcBef>
+                <a:spcPct val="20000"/>
+              </a:spcBef>
+              <a:spcAft>
+                <a:spcPts val="0"/>
+              </a:spcAft>
+              <a:buClrTx/>
+              <a:buSzTx/>
+              <a:buFont typeface="Arial"/>
+              <a:buChar char="•"/>
+              <a:tabLst/>
+              <a:defRPr sz="2400" kern="1200">
+                <a:solidFill>
+                  <a:schemeClr val="tx1"/>
+                </a:solidFill>
+                <a:latin typeface="+mn-lt"/>
+                <a:ea typeface="+mn-ea"/>
+                <a:cs typeface="+mn-cs"/>
+              </a:defRPr>
+            </a:lvl3pPr>
+            <a:lvl4pPr marL="1600200" marR="0" indent="-228600" algn="l" defTabSz="457200" rtl="0" eaLnBrk="1" fontAlgn="auto" latinLnBrk="0" hangingPunct="1">
+              <a:lnSpc>
+                <a:spcPct val="100000"/>
+              </a:lnSpc>
+              <a:spcBef>
+                <a:spcPct val="20000"/>
+              </a:spcBef>
+              <a:spcAft>
+                <a:spcPts val="0"/>
+              </a:spcAft>
+              <a:buClrTx/>
+              <a:buSzTx/>
+              <a:buFont typeface="Arial"/>
+              <a:buChar char="–"/>
+              <a:tabLst/>
+              <a:defRPr sz="2000" kern="1200">
+                <a:solidFill>
+                  <a:schemeClr val="tx1"/>
+                </a:solidFill>
+                <a:latin typeface="+mn-lt"/>
+                <a:ea typeface="+mn-ea"/>
+                <a:cs typeface="+mn-cs"/>
+              </a:defRPr>
+            </a:lvl4pPr>
+            <a:lvl5pPr marL="2057400" marR="0" indent="-228600" algn="l" defTabSz="457200" rtl="0" eaLnBrk="1" fontAlgn="auto" latinLnBrk="0" hangingPunct="1">
+              <a:lnSpc>
+                <a:spcPct val="100000"/>
+              </a:lnSpc>
+              <a:spcBef>
+                <a:spcPct val="20000"/>
+              </a:spcBef>
+              <a:spcAft>
+                <a:spcPts val="0"/>
+              </a:spcAft>
+              <a:buClrTx/>
+              <a:buSzTx/>
+              <a:buFont typeface="Arial"/>
+              <a:buChar char="»"/>
+              <a:tabLst/>
+              <a:defRPr sz="2000" kern="1200">
+                <a:solidFill>
+                  <a:schemeClr val="tx1"/>
+                </a:solidFill>
+                <a:latin typeface="+mn-lt"/>
+                <a:ea typeface="+mn-ea"/>
+                <a:cs typeface="+mn-cs"/>
+              </a:defRPr>
+            </a:lvl5pPr>
+            <a:lvl6pPr marL="2514600" indent="-228600" algn="l" defTabSz="457200" rtl="0" eaLnBrk="1" latinLnBrk="0" hangingPunct="1">
+              <a:spcBef>
+                <a:spcPct val="20000"/>
+              </a:spcBef>
+              <a:buFont typeface="Arial"/>
+              <a:buChar char="•"/>
+              <a:defRPr sz="2000" kern="1200">
+                <a:solidFill>
+                  <a:schemeClr val="tx1"/>
+                </a:solidFill>
+                <a:latin typeface="+mn-lt"/>
+                <a:ea typeface="+mn-ea"/>
+                <a:cs typeface="+mn-cs"/>
+              </a:defRPr>
+            </a:lvl6pPr>
+            <a:lvl7pPr marL="2971800" indent="-228600" algn="l" defTabSz="457200" rtl="0" eaLnBrk="1" latinLnBrk="0" hangingPunct="1">
+              <a:spcBef>
+                <a:spcPct val="20000"/>
+              </a:spcBef>
+              <a:buFont typeface="Arial"/>
+              <a:buChar char="•"/>
+              <a:defRPr sz="2000" kern="1200">
+                <a:solidFill>
+                  <a:schemeClr val="tx1"/>
+                </a:solidFill>
+                <a:latin typeface="+mn-lt"/>
+                <a:ea typeface="+mn-ea"/>
+                <a:cs typeface="+mn-cs"/>
+              </a:defRPr>
+            </a:lvl7pPr>
+            <a:lvl8pPr marL="3429000" indent="-228600" algn="l" defTabSz="457200" rtl="0" eaLnBrk="1" latinLnBrk="0" hangingPunct="1">
+              <a:spcBef>
+                <a:spcPct val="20000"/>
+              </a:spcBef>
+              <a:buFont typeface="Arial"/>
+              <a:buChar char="•"/>
+              <a:defRPr sz="2000" kern="1200">
+                <a:solidFill>
+                  <a:schemeClr val="tx1"/>
+                </a:solidFill>
+                <a:latin typeface="+mn-lt"/>
+                <a:ea typeface="+mn-ea"/>
+                <a:cs typeface="+mn-cs"/>
+              </a:defRPr>
+            </a:lvl8pPr>
+            <a:lvl9pPr marL="3886200" indent="-228600" algn="l" defTabSz="457200" rtl="0" eaLnBrk="1" latinLnBrk="0" hangingPunct="1">
+              <a:spcBef>
+                <a:spcPct val="20000"/>
+              </a:spcBef>
+              <a:buFont typeface="Arial"/>
+              <a:buChar char="•"/>
+              <a:defRPr sz="2000" kern="1200">
+                <a:solidFill>
+                  <a:schemeClr val="tx1"/>
+                </a:solidFill>
+                <a:latin typeface="+mn-lt"/>
+                <a:ea typeface="+mn-ea"/>
+                <a:cs typeface="+mn-cs"/>
+              </a:defRPr>
+            </a:lvl9pPr>
+          </a:lstStyle>
+          <a:p>
+            <a:pPr marL="400050" indent="-400050"/>
+            <a:r>
+              <a:rPr lang="fr-FR" sz="2400" dirty="0"/>
+              <a:t>Ajouter le code JavaScript dans la page HTML </a:t>
+            </a:r>
+            <a:br>
+              <a:rPr lang="fr-FR" sz="2400" dirty="0"/>
+            </a:br>
+            <a:r>
+              <a:rPr lang="fr-FR" sz="2400" dirty="0"/>
+              <a:t>à l'intérieur d'une balise </a:t>
+            </a:r>
+            <a:r>
+              <a:rPr lang="fr-FR" sz="2400" dirty="0">
+                <a:solidFill>
+                  <a:srgbClr val="990000"/>
+                </a:solidFill>
+                <a:latin typeface="Source Code Pro" panose="020B0509030403020204" pitchFamily="49" charset="0"/>
+                <a:ea typeface="Source Code Pro" panose="020B0509030403020204" pitchFamily="49" charset="0"/>
+              </a:rPr>
+              <a:t>&lt;script&gt;</a:t>
+            </a:r>
+            <a:r>
+              <a:rPr lang="fr-FR" sz="2400" b="1" dirty="0">
+                <a:solidFill>
+                  <a:srgbClr val="990000"/>
+                </a:solidFill>
+                <a:latin typeface="+mj-lt"/>
+                <a:ea typeface="Source Code Pro" panose="020B0509030403020204" pitchFamily="49" charset="0"/>
+              </a:rPr>
+              <a:t> </a:t>
+            </a:r>
+            <a:r>
+              <a:rPr lang="fr-FR" sz="2400" dirty="0">
+                <a:latin typeface="+mj-lt"/>
+              </a:rPr>
+              <a:t>:</a:t>
+            </a:r>
+          </a:p>
+          <a:p>
+            <a:pPr marL="400050" indent="-400050"/>
+            <a:endParaRPr lang="fr-FR" sz="2400" dirty="0"/>
+          </a:p>
+          <a:p>
+            <a:pPr marL="400050" indent="-400050"/>
+            <a:endParaRPr lang="fr-FR" sz="2400" dirty="0"/>
+          </a:p>
+          <a:p>
+            <a:pPr marL="400050" indent="-400050"/>
+            <a:endParaRPr lang="fr-FR" sz="2400" dirty="0"/>
+          </a:p>
+          <a:p>
+            <a:pPr marL="0" indent="0">
+              <a:buNone/>
+            </a:pPr>
+            <a:r>
+              <a:rPr lang="fr-FR" sz="2400" dirty="0"/>
+              <a:t/>
+            </a:r>
+            <a:br>
+              <a:rPr lang="fr-FR" sz="2400" dirty="0"/>
+            </a:br>
+            <a:endParaRPr lang="fr-FR" sz="2400" dirty="0"/>
+          </a:p>
+        </p:txBody>
+      </p:sp>
+      <p:sp>
+        <p:nvSpPr>
+          <p:cNvPr id="2" name="Titre 1"/>
+          <p:cNvSpPr>
+            <a:spLocks noGrp="1"/>
+          </p:cNvSpPr>
+          <p:nvPr>
+            <p:ph type="title"/>
+          </p:nvPr>
+        </p:nvSpPr>
+        <p:spPr/>
+        <p:txBody>
+          <a:bodyPr>
+            <a:noAutofit/>
+          </a:bodyPr>
+          <a:lstStyle/>
+          <a:p>
+            <a:r>
+              <a:rPr lang="fr-FR" b="1" dirty="0"/>
+              <a:t>HTML et </a:t>
+            </a:r>
+            <a:r>
+              <a:rPr lang="fr-FR" b="1" dirty="0"/>
+              <a:t>JavaScript (</a:t>
+            </a:r>
+            <a:r>
+              <a:rPr lang="fr-FR" b="1" dirty="0" smtClean="0"/>
+              <a:t>2/3)</a:t>
+            </a:r>
+            <a:endParaRPr lang="fr-FR" b="1" dirty="0"/>
+          </a:p>
+        </p:txBody>
+      </p:sp>
+      <p:sp>
+        <p:nvSpPr>
+          <p:cNvPr id="4" name="Espace réservé de la date 3"/>
+          <p:cNvSpPr>
+            <a:spLocks noGrp="1"/>
+          </p:cNvSpPr>
+          <p:nvPr>
+            <p:ph type="dt" sz="half" idx="10"/>
+          </p:nvPr>
+        </p:nvSpPr>
+        <p:spPr/>
+        <p:txBody>
+          <a:bodyPr/>
+          <a:lstStyle/>
+          <a:p>
+            <a:fld id="{BB2FA04C-1355-4CE6-8050-4BD994E23BD5}" type="datetime4">
+              <a:rPr lang="fr-FR" smtClean="0"/>
+              <a:t>6 juin 2019</a:t>
+            </a:fld>
+            <a:endParaRPr lang="fr-FR" dirty="0"/>
+          </a:p>
+        </p:txBody>
+      </p:sp>
+      <p:sp>
+        <p:nvSpPr>
+          <p:cNvPr id="5" name="Espace réservé du pied de page 4"/>
+          <p:cNvSpPr>
+            <a:spLocks noGrp="1"/>
+          </p:cNvSpPr>
+          <p:nvPr>
+            <p:ph type="ftr" sz="quarter" idx="11"/>
+          </p:nvPr>
+        </p:nvSpPr>
+        <p:spPr/>
+        <p:txBody>
+          <a:bodyPr/>
+          <a:lstStyle/>
+          <a:p>
+            <a:r>
+              <a:rPr lang="fr-FR"/>
+              <a:t>DIU NSI</a:t>
+            </a:r>
+          </a:p>
+        </p:txBody>
+      </p:sp>
+      <p:sp>
+        <p:nvSpPr>
+          <p:cNvPr id="6" name="Espace réservé du numéro de diapositive 5"/>
+          <p:cNvSpPr>
+            <a:spLocks noGrp="1"/>
+          </p:cNvSpPr>
+          <p:nvPr>
+            <p:ph type="sldNum" sz="quarter" idx="12"/>
+          </p:nvPr>
+        </p:nvSpPr>
+        <p:spPr/>
+        <p:txBody>
+          <a:bodyPr/>
+          <a:lstStyle/>
+          <a:p>
+            <a:fld id="{DCE37727-CC04-7A46-938D-2CCFF056F773}" type="slidenum">
+              <a:rPr lang="fr-FR" smtClean="0"/>
+              <a:pPr/>
+              <a:t>5</a:t>
+            </a:fld>
+            <a:endParaRPr lang="fr-FR"/>
+          </a:p>
+        </p:txBody>
+      </p:sp>
+      <p:sp>
+        <p:nvSpPr>
+          <p:cNvPr id="8" name="Rectangle 7">
+            <a:extLst>
+              <a:ext uri="{FF2B5EF4-FFF2-40B4-BE49-F238E27FC236}">
+                <a16:creationId xmlns:a16="http://schemas.microsoft.com/office/drawing/2014/main" xmlns="" id="{99D6AB73-3556-6845-9EF8-9024C2407A0D}"/>
+              </a:ext>
+            </a:extLst>
+          </p:cNvPr>
+          <p:cNvSpPr/>
+          <p:nvPr/>
+        </p:nvSpPr>
+        <p:spPr>
+          <a:xfrm>
+            <a:off x="555710" y="1981138"/>
+            <a:ext cx="8032580" cy="4030702"/>
+          </a:xfrm>
+          <a:prstGeom prst="rect">
+            <a:avLst/>
+          </a:prstGeom>
+          <a:solidFill>
+            <a:srgbClr val="FEF6E3"/>
+          </a:solidFill>
+          <a:effectLst>
+            <a:outerShdw blurRad="50800" dist="38100" dir="2700000" algn="tl" rotWithShape="0">
+              <a:prstClr val="black">
+                <a:alpha val="40000"/>
+              </a:prstClr>
+            </a:outerShdw>
+          </a:effectLst>
+        </p:spPr>
+        <p:txBody>
+          <a:bodyPr vert="horz" lIns="91440" tIns="45720" rIns="91440" bIns="45720" rtlCol="0" anchor="ctr">
+            <a:normAutofit/>
+          </a:bodyPr>
+          <a:lstStyle/>
+          <a:p>
+            <a:pPr marL="47625" indent="0">
+              <a:buFont typeface="Brix Slab Bold" pitchFamily="50" charset="0"/>
+              <a:buNone/>
+            </a:pPr>
+            <a:r>
+              <a:rPr lang="fr-FR" dirty="0">
+                <a:solidFill>
+                  <a:srgbClr val="657B83"/>
+                </a:solidFill>
+                <a:latin typeface="Source Code Pro" panose="020B0509030403020204" pitchFamily="49" charset="0"/>
+                <a:ea typeface="Source Code Pro" panose="020B0509030403020204" pitchFamily="49" charset="0"/>
+              </a:rPr>
+              <a:t>&lt;!DOCTYPE html&gt;</a:t>
+            </a:r>
+          </a:p>
+          <a:p>
+            <a:pPr marL="47625" indent="0">
+              <a:buFont typeface="Brix Slab Bold" pitchFamily="50" charset="0"/>
+              <a:buNone/>
+            </a:pPr>
+            <a:r>
+              <a:rPr lang="fr-FR" dirty="0">
+                <a:solidFill>
+                  <a:srgbClr val="010080"/>
+                </a:solidFill>
+                <a:latin typeface="Source Code Pro" panose="020B0509030403020204" pitchFamily="49" charset="0"/>
+                <a:ea typeface="Source Code Pro" panose="020B0509030403020204" pitchFamily="49" charset="0"/>
+              </a:rPr>
+              <a:t>&lt;html&gt;</a:t>
+            </a:r>
+          </a:p>
+          <a:p>
+            <a:pPr marL="342900" lvl="1" indent="0">
+              <a:buNone/>
+            </a:pPr>
+            <a:r>
+              <a:rPr lang="fr-FR" dirty="0">
+                <a:solidFill>
+                  <a:srgbClr val="010080"/>
+                </a:solidFill>
+                <a:latin typeface="Source Code Pro" panose="020B0509030403020204" pitchFamily="49" charset="0"/>
+                <a:ea typeface="Source Code Pro" panose="020B0509030403020204" pitchFamily="49" charset="0"/>
+              </a:rPr>
+              <a:t>&lt;</a:t>
+            </a:r>
+            <a:r>
+              <a:rPr lang="fr-FR" dirty="0" err="1">
+                <a:solidFill>
+                  <a:srgbClr val="010080"/>
+                </a:solidFill>
+                <a:latin typeface="Source Code Pro" panose="020B0509030403020204" pitchFamily="49" charset="0"/>
+                <a:ea typeface="Source Code Pro" panose="020B0509030403020204" pitchFamily="49" charset="0"/>
+              </a:rPr>
+              <a:t>head</a:t>
+            </a:r>
+            <a:r>
+              <a:rPr lang="fr-FR" dirty="0">
+                <a:solidFill>
+                  <a:srgbClr val="010080"/>
+                </a:solidFill>
+                <a:latin typeface="Source Code Pro" panose="020B0509030403020204" pitchFamily="49" charset="0"/>
+                <a:ea typeface="Source Code Pro" panose="020B0509030403020204" pitchFamily="49" charset="0"/>
+              </a:rPr>
+              <a:t>&gt; </a:t>
+            </a:r>
+          </a:p>
+          <a:p>
+            <a:pPr marL="742950" lvl="2" indent="0">
+              <a:buNone/>
+            </a:pPr>
+            <a:r>
+              <a:rPr lang="fr-FR" dirty="0">
+                <a:solidFill>
+                  <a:srgbClr val="010080"/>
+                </a:solidFill>
+                <a:latin typeface="Source Code Pro" panose="020B0509030403020204" pitchFamily="49" charset="0"/>
+                <a:ea typeface="Source Code Pro" panose="020B0509030403020204" pitchFamily="49" charset="0"/>
+              </a:rPr>
+              <a:t>&lt;</a:t>
+            </a:r>
+            <a:r>
+              <a:rPr lang="fr-FR" dirty="0" err="1">
+                <a:solidFill>
+                  <a:srgbClr val="010080"/>
+                </a:solidFill>
+                <a:latin typeface="Source Code Pro" panose="020B0509030403020204" pitchFamily="49" charset="0"/>
+                <a:ea typeface="Source Code Pro" panose="020B0509030403020204" pitchFamily="49" charset="0"/>
+              </a:rPr>
+              <a:t>meta</a:t>
+            </a:r>
+            <a:r>
+              <a:rPr lang="fr-FR" dirty="0">
+                <a:solidFill>
+                  <a:srgbClr val="010080"/>
+                </a:solidFill>
+                <a:latin typeface="Source Code Pro" panose="020B0509030403020204" pitchFamily="49" charset="0"/>
+                <a:ea typeface="Source Code Pro" panose="020B0509030403020204" pitchFamily="49" charset="0"/>
+              </a:rPr>
+              <a:t> </a:t>
+            </a:r>
+            <a:r>
+              <a:rPr lang="fr-FR" dirty="0" err="1">
+                <a:solidFill>
+                  <a:srgbClr val="008080"/>
+                </a:solidFill>
+                <a:latin typeface="Source Code Pro" panose="020B0509030403020204" pitchFamily="49" charset="0"/>
+                <a:ea typeface="Source Code Pro" panose="020B0509030403020204" pitchFamily="49" charset="0"/>
+              </a:rPr>
+              <a:t>charset</a:t>
+            </a:r>
+            <a:r>
+              <a:rPr lang="fr-FR" dirty="0">
+                <a:solidFill>
+                  <a:srgbClr val="010080"/>
+                </a:solidFill>
+                <a:latin typeface="Source Code Pro" panose="020B0509030403020204" pitchFamily="49" charset="0"/>
+                <a:ea typeface="Source Code Pro" panose="020B0509030403020204" pitchFamily="49" charset="0"/>
+              </a:rPr>
+              <a:t>="</a:t>
+            </a:r>
+            <a:r>
+              <a:rPr lang="fr-FR" dirty="0">
+                <a:solidFill>
+                  <a:srgbClr val="990000"/>
+                </a:solidFill>
+                <a:latin typeface="Source Code Pro" panose="020B0509030403020204" pitchFamily="49" charset="0"/>
+                <a:ea typeface="Source Code Pro" panose="020B0509030403020204" pitchFamily="49" charset="0"/>
+              </a:rPr>
+              <a:t>utf-8</a:t>
+            </a:r>
+            <a:r>
+              <a:rPr lang="fr-FR" dirty="0">
+                <a:solidFill>
+                  <a:srgbClr val="010080"/>
+                </a:solidFill>
+                <a:latin typeface="Source Code Pro" panose="020B0509030403020204" pitchFamily="49" charset="0"/>
+                <a:ea typeface="Source Code Pro" panose="020B0509030403020204" pitchFamily="49" charset="0"/>
+              </a:rPr>
+              <a:t>" /&gt; </a:t>
+            </a:r>
+          </a:p>
+          <a:p>
+            <a:pPr marL="342900" lvl="1" indent="0">
+              <a:buNone/>
+            </a:pPr>
+            <a:r>
+              <a:rPr lang="fr-FR" dirty="0">
+                <a:solidFill>
+                  <a:srgbClr val="010080"/>
+                </a:solidFill>
+                <a:latin typeface="Source Code Pro" panose="020B0509030403020204" pitchFamily="49" charset="0"/>
+                <a:ea typeface="Source Code Pro" panose="020B0509030403020204" pitchFamily="49" charset="0"/>
+              </a:rPr>
+              <a:t>&lt;/</a:t>
+            </a:r>
+            <a:r>
+              <a:rPr lang="fr-FR" dirty="0" err="1">
+                <a:solidFill>
+                  <a:srgbClr val="010080"/>
+                </a:solidFill>
+                <a:latin typeface="Source Code Pro" panose="020B0509030403020204" pitchFamily="49" charset="0"/>
+                <a:ea typeface="Source Code Pro" panose="020B0509030403020204" pitchFamily="49" charset="0"/>
+              </a:rPr>
+              <a:t>head</a:t>
+            </a:r>
+            <a:r>
+              <a:rPr lang="fr-FR" dirty="0">
+                <a:solidFill>
+                  <a:srgbClr val="010080"/>
+                </a:solidFill>
+                <a:latin typeface="Source Code Pro" panose="020B0509030403020204" pitchFamily="49" charset="0"/>
+                <a:ea typeface="Source Code Pro" panose="020B0509030403020204" pitchFamily="49" charset="0"/>
+              </a:rPr>
+              <a:t>&gt;</a:t>
+            </a:r>
+          </a:p>
+          <a:p>
+            <a:pPr marL="342900" lvl="1" indent="0">
+              <a:buNone/>
+            </a:pPr>
+            <a:r>
+              <a:rPr lang="fr-FR" dirty="0">
+                <a:solidFill>
+                  <a:srgbClr val="010080"/>
+                </a:solidFill>
+                <a:latin typeface="Source Code Pro" panose="020B0509030403020204" pitchFamily="49" charset="0"/>
+                <a:ea typeface="Source Code Pro" panose="020B0509030403020204" pitchFamily="49" charset="0"/>
+              </a:rPr>
+              <a:t>&lt;body&gt;</a:t>
+            </a:r>
+          </a:p>
+          <a:p>
+            <a:pPr marL="760413" lvl="1">
+              <a:spcBef>
+                <a:spcPct val="20000"/>
+              </a:spcBef>
+              <a:buClr>
+                <a:schemeClr val="accent6"/>
+              </a:buClr>
+            </a:pPr>
+            <a:r>
+              <a:rPr lang="fr-FR" altLang="fr-FR" b="1" dirty="0">
+                <a:solidFill>
+                  <a:srgbClr val="010080"/>
+                </a:solidFill>
+                <a:latin typeface="Source Code Pro" panose="020B0509030403020204" pitchFamily="49" charset="0"/>
+                <a:ea typeface="Source Code Pro" panose="020B0509030403020204" pitchFamily="49" charset="0"/>
+              </a:rPr>
+              <a:t>&lt;script&gt;</a:t>
+            </a:r>
+          </a:p>
+          <a:p>
+            <a:pPr marL="962025" lvl="2">
+              <a:spcBef>
+                <a:spcPct val="20000"/>
+              </a:spcBef>
+              <a:buClr>
+                <a:schemeClr val="accent6"/>
+              </a:buClr>
+            </a:pPr>
+            <a:r>
+              <a:rPr lang="fr-FR" altLang="fr-FR" dirty="0" err="1">
+                <a:solidFill>
+                  <a:srgbClr val="010080"/>
+                </a:solidFill>
+                <a:latin typeface="Source Code Pro" panose="020B0509030403020204" pitchFamily="49" charset="0"/>
+                <a:ea typeface="Source Code Pro" panose="020B0509030403020204" pitchFamily="49" charset="0"/>
+              </a:rPr>
+              <a:t>window.addEventListener</a:t>
+            </a:r>
+            <a:r>
+              <a:rPr lang="fr-FR" altLang="fr-FR" dirty="0">
+                <a:solidFill>
+                  <a:srgbClr val="010080"/>
+                </a:solidFill>
+                <a:latin typeface="Source Code Pro" panose="020B0509030403020204" pitchFamily="49" charset="0"/>
+                <a:ea typeface="Source Code Pro" panose="020B0509030403020204" pitchFamily="49" charset="0"/>
+              </a:rPr>
+              <a:t>('</a:t>
+            </a:r>
+            <a:r>
+              <a:rPr lang="fr-FR" altLang="fr-FR" dirty="0" err="1">
+                <a:solidFill>
+                  <a:srgbClr val="010080"/>
+                </a:solidFill>
+                <a:latin typeface="Source Code Pro" panose="020B0509030403020204" pitchFamily="49" charset="0"/>
+                <a:ea typeface="Source Code Pro" panose="020B0509030403020204" pitchFamily="49" charset="0"/>
+              </a:rPr>
+              <a:t>load</a:t>
+            </a:r>
+            <a:r>
+              <a:rPr lang="fr-FR" altLang="fr-FR" dirty="0">
+                <a:solidFill>
+                  <a:srgbClr val="010080"/>
+                </a:solidFill>
+                <a:latin typeface="Source Code Pro" panose="020B0509030403020204" pitchFamily="49" charset="0"/>
+                <a:ea typeface="Source Code Pro" panose="020B0509030403020204" pitchFamily="49" charset="0"/>
+              </a:rPr>
+              <a:t>', </a:t>
+            </a:r>
+            <a:r>
+              <a:rPr lang="fr-FR" altLang="fr-FR" dirty="0" err="1">
+                <a:solidFill>
+                  <a:srgbClr val="00B050"/>
+                </a:solidFill>
+                <a:latin typeface="Source Code Pro" panose="020B0509030403020204"/>
+              </a:rPr>
+              <a:t>function</a:t>
+            </a:r>
+            <a:r>
+              <a:rPr lang="fr-FR" altLang="fr-FR" dirty="0">
+                <a:solidFill>
+                  <a:srgbClr val="010080"/>
+                </a:solidFill>
+                <a:latin typeface="Source Code Pro" panose="020B0509030403020204" pitchFamily="49" charset="0"/>
+                <a:ea typeface="Source Code Pro" panose="020B0509030403020204" pitchFamily="49" charset="0"/>
+              </a:rPr>
+              <a:t> () {     </a:t>
+            </a:r>
+          </a:p>
+          <a:p>
+            <a:pPr marL="962025" lvl="2">
+              <a:spcBef>
+                <a:spcPct val="20000"/>
+              </a:spcBef>
+              <a:buClr>
+                <a:schemeClr val="accent6"/>
+              </a:buClr>
+            </a:pPr>
+            <a:r>
+              <a:rPr lang="fr-FR" altLang="fr-FR" dirty="0" err="1">
+                <a:solidFill>
+                  <a:srgbClr val="6F42C1"/>
+                </a:solidFill>
+                <a:latin typeface="Source Code Pro" panose="020B0509030403020204"/>
+              </a:rPr>
+              <a:t>console</a:t>
+            </a:r>
+            <a:r>
+              <a:rPr lang="fr-FR" altLang="fr-FR" dirty="0" err="1">
+                <a:solidFill>
+                  <a:srgbClr val="010080"/>
+                </a:solidFill>
+                <a:latin typeface="Source Code Pro" panose="020B0509030403020204" pitchFamily="49" charset="0"/>
+                <a:ea typeface="Source Code Pro" panose="020B0509030403020204" pitchFamily="49" charset="0"/>
+              </a:rPr>
+              <a:t>.</a:t>
+            </a:r>
+            <a:r>
+              <a:rPr lang="fr-FR" altLang="fr-FR" dirty="0" err="1">
+                <a:solidFill>
+                  <a:srgbClr val="005CC5"/>
+                </a:solidFill>
+                <a:latin typeface="Source Code Pro" panose="020B0509030403020204"/>
+              </a:rPr>
+              <a:t>log</a:t>
+            </a:r>
+            <a:r>
+              <a:rPr lang="fr-FR" altLang="fr-FR" dirty="0">
+                <a:solidFill>
+                  <a:srgbClr val="010080"/>
+                </a:solidFill>
+                <a:latin typeface="Source Code Pro" panose="020B0509030403020204" pitchFamily="49" charset="0"/>
+                <a:ea typeface="Source Code Pro" panose="020B0509030403020204" pitchFamily="49" charset="0"/>
+              </a:rPr>
+              <a:t>(</a:t>
+            </a:r>
+            <a:r>
+              <a:rPr lang="fr-FR" altLang="fr-FR" dirty="0">
+                <a:solidFill>
+                  <a:srgbClr val="657B83"/>
+                </a:solidFill>
+                <a:latin typeface="Source Code Pro" panose="020B0509030403020204" pitchFamily="49" charset="0"/>
+                <a:ea typeface="Source Code Pro" panose="020B0509030403020204" pitchFamily="49" charset="0"/>
+              </a:rPr>
+              <a:t>'Cette fonction est exécutée une fois quand la page est chargée.'</a:t>
+            </a:r>
+            <a:r>
+              <a:rPr lang="fr-FR" altLang="fr-FR" dirty="0">
+                <a:solidFill>
+                  <a:srgbClr val="010080"/>
+                </a:solidFill>
+                <a:latin typeface="Source Code Pro" panose="020B0509030403020204" pitchFamily="49" charset="0"/>
+                <a:ea typeface="Source Code Pro" panose="020B0509030403020204" pitchFamily="49" charset="0"/>
+              </a:rPr>
+              <a:t>); });  </a:t>
+            </a:r>
+          </a:p>
+          <a:p>
+            <a:pPr marL="760413" lvl="1">
+              <a:spcBef>
+                <a:spcPct val="20000"/>
+              </a:spcBef>
+              <a:buClr>
+                <a:schemeClr val="accent6"/>
+              </a:buClr>
+            </a:pPr>
+            <a:r>
+              <a:rPr lang="fr-FR" altLang="fr-FR" b="1" dirty="0">
+                <a:solidFill>
+                  <a:srgbClr val="010080"/>
+                </a:solidFill>
+                <a:latin typeface="Source Code Pro" panose="020B0509030403020204" pitchFamily="49" charset="0"/>
+                <a:ea typeface="Source Code Pro" panose="020B0509030403020204" pitchFamily="49" charset="0"/>
+              </a:rPr>
+              <a:t>&lt;/script&gt;</a:t>
+            </a:r>
+          </a:p>
+          <a:p>
+            <a:pPr marL="342900" lvl="1" indent="0">
+              <a:buNone/>
+            </a:pPr>
+            <a:r>
+              <a:rPr lang="fr-FR" dirty="0">
+                <a:solidFill>
+                  <a:srgbClr val="010080"/>
+                </a:solidFill>
+                <a:latin typeface="Source Code Pro" panose="020B0509030403020204" pitchFamily="49" charset="0"/>
+              </a:rPr>
+              <a:t>&lt;/body&gt;</a:t>
+            </a:r>
+          </a:p>
+          <a:p>
+            <a:pPr marL="47625" indent="0">
+              <a:buNone/>
+            </a:pPr>
+            <a:r>
+              <a:rPr lang="fr-FR" dirty="0">
+                <a:solidFill>
+                  <a:srgbClr val="010080"/>
+                </a:solidFill>
+                <a:latin typeface="Source Code Pro" panose="020B0509030403020204" pitchFamily="49" charset="0"/>
+              </a:rPr>
+              <a:t>&lt;/html&gt;</a:t>
+            </a:r>
+            <a:endParaRPr lang="en-US" dirty="0">
+              <a:solidFill>
+                <a:srgbClr val="657B83"/>
+              </a:solidFill>
+              <a:latin typeface="Source Code Pro" panose="020B0509030403020204" pitchFamily="49" charset="0"/>
+            </a:endParaRPr>
+          </a:p>
+        </p:txBody>
+      </p:sp>
+    </p:spTree>
+    <p:extLst>
+      <p:ext uri="{BB962C8B-B14F-4D97-AF65-F5344CB8AC3E}">
+        <p14:creationId xmlns:p14="http://schemas.microsoft.com/office/powerpoint/2010/main" val="472601625"/>
+      </p:ext>
+    </p:extLst>
+  </p:cSld>
+  <p:clrMapOvr>
+    <a:masterClrMapping/>
+  </p:clrMapOvr>
 </p:sld>
 </file>
 
@@ -7656,58 +10293,48 @@
             <a:pPr marL="400050" indent="-400050"/>
             <a:r>
               <a:rPr lang="fr-FR" sz="2400" dirty="0"/>
-              <a:t>Ajouter le code JavaScript dans la page HTML </a:t>
+              <a:t>Mettre le code JavaScript  dans un fichier externe </a:t>
+            </a:r>
+            <a:r>
+              <a:rPr lang="fr-FR" dirty="0"/>
+              <a:t>(.</a:t>
+            </a:r>
+            <a:r>
+              <a:rPr lang="fr-FR" dirty="0" err="1"/>
+              <a:t>js</a:t>
+            </a:r>
+            <a:r>
+              <a:rPr lang="fr-FR" dirty="0"/>
+              <a:t>) </a:t>
+            </a:r>
+            <a:br>
+              <a:rPr lang="fr-FR" dirty="0"/>
+            </a:br>
+            <a:r>
+              <a:rPr lang="fr-FR" sz="2400" dirty="0"/>
+              <a:t/>
             </a:r>
             <a:br>
               <a:rPr lang="fr-FR" sz="2400" dirty="0"/>
             </a:br>
             <a:r>
               <a:rPr lang="fr-FR" sz="2400" dirty="0"/>
-              <a:t>à l'intérieur d'une balise </a:t>
-            </a:r>
-            <a:r>
-              <a:rPr lang="fr-FR" sz="2400" dirty="0">
-                <a:solidFill>
-                  <a:srgbClr val="990000"/>
-                </a:solidFill>
-                <a:latin typeface="Source Code Pro" panose="020B0509030403020204" pitchFamily="49" charset="0"/>
-                <a:ea typeface="Source Code Pro" panose="020B0509030403020204" pitchFamily="49" charset="0"/>
-              </a:rPr>
-              <a:t>&lt;script&gt;</a:t>
-            </a:r>
-            <a:r>
-              <a:rPr lang="fr-FR" sz="2400" b="1" dirty="0">
-                <a:solidFill>
-                  <a:srgbClr val="990000"/>
-                </a:solidFill>
-                <a:latin typeface="+mj-lt"/>
-                <a:ea typeface="Source Code Pro" panose="020B0509030403020204" pitchFamily="49" charset="0"/>
-              </a:rPr>
-              <a:t> </a:t>
-            </a:r>
-            <a:r>
-              <a:rPr lang="fr-FR" sz="2400" dirty="0">
-                <a:latin typeface="+mj-lt"/>
-              </a:rPr>
-              <a:t>:</a:t>
-            </a:r>
-          </a:p>
-          <a:p>
-            <a:pPr marL="400050" indent="-400050"/>
-            <a:endParaRPr lang="fr-FR" sz="2400" dirty="0"/>
-          </a:p>
-          <a:p>
-            <a:pPr marL="400050" indent="-400050"/>
-            <a:endParaRPr lang="fr-FR" sz="2400" dirty="0"/>
-          </a:p>
-          <a:p>
-            <a:pPr marL="400050" indent="-400050"/>
-            <a:endParaRPr lang="fr-FR" sz="2400" dirty="0"/>
-          </a:p>
-          <a:p>
-            <a:pPr marL="0" indent="0">
-              <a:buNone/>
-            </a:pPr>
+              <a:t/>
+            </a:r>
+            <a:br>
+              <a:rPr lang="fr-FR" sz="2400" dirty="0"/>
+            </a:br>
+            <a:r>
+              <a:rPr lang="fr-FR" sz="2400" dirty="0"/>
+              <a:t/>
+            </a:r>
+            <a:br>
+              <a:rPr lang="fr-FR" sz="2400" dirty="0"/>
+            </a:br>
+            <a:r>
+              <a:rPr lang="fr-FR" sz="2400" dirty="0"/>
+              <a:t>et pointer ce fichier depuis le HTML :</a:t>
+            </a:r>
             <a:br>
               <a:rPr lang="fr-FR" sz="2400" dirty="0"/>
             </a:br>
@@ -7734,8 +10361,25 @@
           <a:p>
             <a:r>
               <a:rPr lang="fr-FR" b="1" dirty="0"/>
-              <a:t>HTML et JavaScript</a:t>
-            </a:r>
+              <a:t>HTML et </a:t>
+            </a:r>
+            <a:r>
+              <a:rPr lang="fr-FR" b="1" dirty="0"/>
+              <a:t>JavaScript </a:t>
+            </a:r>
+            <a:r>
+              <a:rPr lang="fr-FR" b="1" dirty="0" smtClean="0"/>
+              <a:t>(</a:t>
+            </a:r>
+            <a:r>
+              <a:rPr lang="fr-FR" b="1" dirty="0"/>
+              <a:t>3</a:t>
+            </a:r>
+            <a:r>
+              <a:rPr lang="fr-FR" b="1" dirty="0" smtClean="0"/>
+              <a:t>/3)</a:t>
+            </a:r>
+            <a:endParaRPr lang="fr-FR" b="1" dirty="0"/>
           </a:p>
         </p:txBody>
       </p:sp>
@@ -7756,7 +10400,7 @@
           <a:p>
             <a:fld id="{BB2FA04C-1355-4CE6-8050-4BD994E23BD5}" type="datetime4">
               <a:rPr lang="fr-FR" smtClean="0"/>
-              <a:t>5 juin 2019</a:t>
+              <a:t>6 juin 2019</a:t>
             </a:fld>
             <a:endParaRPr lang="fr-FR" dirty="0"/>
           </a:p>
@@ -7810,822 +10454,10 @@
       </p:sp>
       <p:sp>
         <p:nvSpPr>
-          <p:cNvPr id="8" name="Rectangle 7">
-            <a:extLst>
-              <a:ext uri="{FF2B5EF4-FFF2-40B4-BE49-F238E27FC236}">
-                <a16:creationId xmlns:a16="http://schemas.microsoft.com/office/drawing/2014/main" id="{99D6AB73-3556-6845-9EF8-9024C2407A0D}"/>
-              </a:ext>
-            </a:extLst>
-          </p:cNvPr>
-          <p:cNvSpPr/>
-          <p:nvPr/>
-        </p:nvSpPr>
-        <p:spPr>
-          <a:xfrm>
-            <a:off x="555710" y="1981138"/>
-            <a:ext cx="8032580" cy="4030702"/>
-          </a:xfrm>
-          <a:prstGeom prst="rect">
-            <a:avLst/>
-          </a:prstGeom>
-          <a:solidFill>
-            <a:srgbClr val="FEF6E3"/>
-          </a:solidFill>
-          <a:effectLst>
-            <a:outerShdw blurRad="50800" dist="38100" dir="2700000" algn="tl" rotWithShape="0">
-              <a:prstClr val="black">
-                <a:alpha val="40000"/>
-              </a:prstClr>
-            </a:outerShdw>
-          </a:effectLst>
-        </p:spPr>
-        <p:txBody>
-          <a:bodyPr vert="horz" lIns="91440" tIns="45720" rIns="91440" bIns="45720" rtlCol="0" anchor="ctr">
-            <a:normAutofit/>
-          </a:bodyPr>
-          <a:lstStyle/>
-          <a:p>
-            <a:pPr marL="47625" indent="0">
-              <a:buFont typeface="Brix Slab Bold" pitchFamily="50" charset="0"/>
-              <a:buNone/>
-            </a:pPr>
-            <a:r>
-              <a:rPr lang="fr-FR" dirty="0">
-                <a:solidFill>
-                  <a:srgbClr val="657B83"/>
-                </a:solidFill>
-                <a:latin typeface="Source Code Pro" panose="020B0509030403020204" pitchFamily="49" charset="0"/>
-                <a:ea typeface="Source Code Pro" panose="020B0509030403020204" pitchFamily="49" charset="0"/>
-              </a:rPr>
-              <a:t>&lt;!DOCTYPE html&gt;</a:t>
-            </a:r>
-          </a:p>
-          <a:p>
-            <a:pPr marL="47625" indent="0">
-              <a:buFont typeface="Brix Slab Bold" pitchFamily="50" charset="0"/>
-              <a:buNone/>
-            </a:pPr>
-            <a:r>
-              <a:rPr lang="fr-FR" dirty="0">
-                <a:solidFill>
-                  <a:srgbClr val="010080"/>
-                </a:solidFill>
-                <a:latin typeface="Source Code Pro" panose="020B0509030403020204" pitchFamily="49" charset="0"/>
-                <a:ea typeface="Source Code Pro" panose="020B0509030403020204" pitchFamily="49" charset="0"/>
-              </a:rPr>
-              <a:t>&lt;html&gt;</a:t>
-            </a:r>
-          </a:p>
-          <a:p>
-            <a:pPr marL="342900" lvl="1" indent="0">
-              <a:buNone/>
-            </a:pPr>
-            <a:r>
-              <a:rPr lang="fr-FR" dirty="0">
-                <a:solidFill>
-                  <a:srgbClr val="010080"/>
-                </a:solidFill>
-                <a:latin typeface="Source Code Pro" panose="020B0509030403020204" pitchFamily="49" charset="0"/>
-                <a:ea typeface="Source Code Pro" panose="020B0509030403020204" pitchFamily="49" charset="0"/>
-              </a:rPr>
-              <a:t>&lt;</a:t>
-            </a:r>
-            <a:r>
-              <a:rPr lang="fr-FR" dirty="0" err="1">
-                <a:solidFill>
-                  <a:srgbClr val="010080"/>
-                </a:solidFill>
-                <a:latin typeface="Source Code Pro" panose="020B0509030403020204" pitchFamily="49" charset="0"/>
-                <a:ea typeface="Source Code Pro" panose="020B0509030403020204" pitchFamily="49" charset="0"/>
-              </a:rPr>
-              <a:t>head</a:t>
-            </a:r>
-            <a:r>
-              <a:rPr lang="fr-FR" dirty="0">
-                <a:solidFill>
-                  <a:srgbClr val="010080"/>
-                </a:solidFill>
-                <a:latin typeface="Source Code Pro" panose="020B0509030403020204" pitchFamily="49" charset="0"/>
-                <a:ea typeface="Source Code Pro" panose="020B0509030403020204" pitchFamily="49" charset="0"/>
-              </a:rPr>
-              <a:t>&gt; </a:t>
-            </a:r>
-          </a:p>
-          <a:p>
-            <a:pPr marL="742950" lvl="2" indent="0">
-              <a:buNone/>
-            </a:pPr>
-            <a:r>
-              <a:rPr lang="fr-FR" dirty="0">
-                <a:solidFill>
-                  <a:srgbClr val="010080"/>
-                </a:solidFill>
-                <a:latin typeface="Source Code Pro" panose="020B0509030403020204" pitchFamily="49" charset="0"/>
-                <a:ea typeface="Source Code Pro" panose="020B0509030403020204" pitchFamily="49" charset="0"/>
-              </a:rPr>
-              <a:t>&lt;</a:t>
-            </a:r>
-            <a:r>
-              <a:rPr lang="fr-FR" dirty="0" err="1">
-                <a:solidFill>
-                  <a:srgbClr val="010080"/>
-                </a:solidFill>
-                <a:latin typeface="Source Code Pro" panose="020B0509030403020204" pitchFamily="49" charset="0"/>
-                <a:ea typeface="Source Code Pro" panose="020B0509030403020204" pitchFamily="49" charset="0"/>
-              </a:rPr>
-              <a:t>meta</a:t>
-            </a:r>
-            <a:r>
-              <a:rPr lang="fr-FR" dirty="0">
-                <a:solidFill>
-                  <a:srgbClr val="010080"/>
-                </a:solidFill>
-                <a:latin typeface="Source Code Pro" panose="020B0509030403020204" pitchFamily="49" charset="0"/>
-                <a:ea typeface="Source Code Pro" panose="020B0509030403020204" pitchFamily="49" charset="0"/>
-              </a:rPr>
-              <a:t> </a:t>
-            </a:r>
-            <a:r>
-              <a:rPr lang="fr-FR" dirty="0" err="1">
-                <a:solidFill>
-                  <a:srgbClr val="008080"/>
-                </a:solidFill>
-                <a:latin typeface="Source Code Pro" panose="020B0509030403020204" pitchFamily="49" charset="0"/>
-                <a:ea typeface="Source Code Pro" panose="020B0509030403020204" pitchFamily="49" charset="0"/>
-              </a:rPr>
-              <a:t>charset</a:t>
-            </a:r>
-            <a:r>
-              <a:rPr lang="fr-FR" dirty="0">
-                <a:solidFill>
-                  <a:srgbClr val="010080"/>
-                </a:solidFill>
-                <a:latin typeface="Source Code Pro" panose="020B0509030403020204" pitchFamily="49" charset="0"/>
-                <a:ea typeface="Source Code Pro" panose="020B0509030403020204" pitchFamily="49" charset="0"/>
-              </a:rPr>
-              <a:t>="</a:t>
-            </a:r>
-            <a:r>
-              <a:rPr lang="fr-FR" dirty="0">
-                <a:solidFill>
-                  <a:srgbClr val="990000"/>
-                </a:solidFill>
-                <a:latin typeface="Source Code Pro" panose="020B0509030403020204" pitchFamily="49" charset="0"/>
-                <a:ea typeface="Source Code Pro" panose="020B0509030403020204" pitchFamily="49" charset="0"/>
-              </a:rPr>
-              <a:t>utf-8</a:t>
-            </a:r>
-            <a:r>
-              <a:rPr lang="fr-FR" dirty="0">
-                <a:solidFill>
-                  <a:srgbClr val="010080"/>
-                </a:solidFill>
-                <a:latin typeface="Source Code Pro" panose="020B0509030403020204" pitchFamily="49" charset="0"/>
-                <a:ea typeface="Source Code Pro" panose="020B0509030403020204" pitchFamily="49" charset="0"/>
-              </a:rPr>
-              <a:t>" /&gt; </a:t>
-            </a:r>
-          </a:p>
-          <a:p>
-            <a:pPr marL="342900" lvl="1" indent="0">
-              <a:buNone/>
-            </a:pPr>
-            <a:r>
-              <a:rPr lang="fr-FR" dirty="0">
-                <a:solidFill>
-                  <a:srgbClr val="010080"/>
-                </a:solidFill>
-                <a:latin typeface="Source Code Pro" panose="020B0509030403020204" pitchFamily="49" charset="0"/>
-                <a:ea typeface="Source Code Pro" panose="020B0509030403020204" pitchFamily="49" charset="0"/>
-              </a:rPr>
-              <a:t>&lt;/</a:t>
-            </a:r>
-            <a:r>
-              <a:rPr lang="fr-FR" dirty="0" err="1">
-                <a:solidFill>
-                  <a:srgbClr val="010080"/>
-                </a:solidFill>
-                <a:latin typeface="Source Code Pro" panose="020B0509030403020204" pitchFamily="49" charset="0"/>
-                <a:ea typeface="Source Code Pro" panose="020B0509030403020204" pitchFamily="49" charset="0"/>
-              </a:rPr>
-              <a:t>head</a:t>
-            </a:r>
-            <a:r>
-              <a:rPr lang="fr-FR" dirty="0">
-                <a:solidFill>
-                  <a:srgbClr val="010080"/>
-                </a:solidFill>
-                <a:latin typeface="Source Code Pro" panose="020B0509030403020204" pitchFamily="49" charset="0"/>
-                <a:ea typeface="Source Code Pro" panose="020B0509030403020204" pitchFamily="49" charset="0"/>
-              </a:rPr>
-              <a:t>&gt;</a:t>
-            </a:r>
-          </a:p>
-          <a:p>
-            <a:pPr marL="342900" lvl="1" indent="0">
-              <a:buNone/>
-            </a:pPr>
-            <a:r>
-              <a:rPr lang="fr-FR" dirty="0">
-                <a:solidFill>
-                  <a:srgbClr val="010080"/>
-                </a:solidFill>
-                <a:latin typeface="Source Code Pro" panose="020B0509030403020204" pitchFamily="49" charset="0"/>
-                <a:ea typeface="Source Code Pro" panose="020B0509030403020204" pitchFamily="49" charset="0"/>
-              </a:rPr>
-              <a:t>&lt;body&gt;</a:t>
-            </a:r>
-          </a:p>
-          <a:p>
-            <a:pPr marL="760413" lvl="1">
-              <a:spcBef>
-                <a:spcPct val="20000"/>
-              </a:spcBef>
-              <a:buClr>
-                <a:schemeClr val="accent6"/>
-              </a:buClr>
-            </a:pPr>
-            <a:r>
-              <a:rPr lang="fr-FR" altLang="fr-FR" b="1" dirty="0">
-                <a:solidFill>
-                  <a:srgbClr val="010080"/>
-                </a:solidFill>
-                <a:latin typeface="Source Code Pro" panose="020B0509030403020204" pitchFamily="49" charset="0"/>
-                <a:ea typeface="Source Code Pro" panose="020B0509030403020204" pitchFamily="49" charset="0"/>
-              </a:rPr>
-              <a:t>&lt;script&gt;</a:t>
-            </a:r>
-          </a:p>
-          <a:p>
-            <a:pPr marL="962025" lvl="2">
-              <a:spcBef>
-                <a:spcPct val="20000"/>
-              </a:spcBef>
-              <a:buClr>
-                <a:schemeClr val="accent6"/>
-              </a:buClr>
-            </a:pPr>
-            <a:r>
-              <a:rPr lang="fr-FR" altLang="fr-FR" dirty="0" err="1">
-                <a:solidFill>
-                  <a:srgbClr val="010080"/>
-                </a:solidFill>
-                <a:latin typeface="Source Code Pro" panose="020B0509030403020204" pitchFamily="49" charset="0"/>
-                <a:ea typeface="Source Code Pro" panose="020B0509030403020204" pitchFamily="49" charset="0"/>
-              </a:rPr>
-              <a:t>window.addEventListener</a:t>
-            </a:r>
-            <a:r>
-              <a:rPr lang="fr-FR" altLang="fr-FR" dirty="0">
-                <a:solidFill>
-                  <a:srgbClr val="010080"/>
-                </a:solidFill>
-                <a:latin typeface="Source Code Pro" panose="020B0509030403020204" pitchFamily="49" charset="0"/>
-                <a:ea typeface="Source Code Pro" panose="020B0509030403020204" pitchFamily="49" charset="0"/>
-              </a:rPr>
-              <a:t>('</a:t>
-            </a:r>
-            <a:r>
-              <a:rPr lang="fr-FR" altLang="fr-FR" dirty="0" err="1">
-                <a:solidFill>
-                  <a:srgbClr val="010080"/>
-                </a:solidFill>
-                <a:latin typeface="Source Code Pro" panose="020B0509030403020204" pitchFamily="49" charset="0"/>
-                <a:ea typeface="Source Code Pro" panose="020B0509030403020204" pitchFamily="49" charset="0"/>
-              </a:rPr>
-              <a:t>load</a:t>
-            </a:r>
-            <a:r>
-              <a:rPr lang="fr-FR" altLang="fr-FR" dirty="0">
-                <a:solidFill>
-                  <a:srgbClr val="010080"/>
-                </a:solidFill>
-                <a:latin typeface="Source Code Pro" panose="020B0509030403020204" pitchFamily="49" charset="0"/>
-                <a:ea typeface="Source Code Pro" panose="020B0509030403020204" pitchFamily="49" charset="0"/>
-              </a:rPr>
-              <a:t>', </a:t>
-            </a:r>
-            <a:r>
-              <a:rPr lang="fr-FR" altLang="fr-FR" dirty="0" err="1">
-                <a:solidFill>
-                  <a:srgbClr val="00B050"/>
-                </a:solidFill>
-                <a:latin typeface="Source Code Pro" panose="020B0509030403020204"/>
-              </a:rPr>
-              <a:t>function</a:t>
-            </a:r>
-            <a:r>
-              <a:rPr lang="fr-FR" altLang="fr-FR" dirty="0">
-                <a:solidFill>
-                  <a:srgbClr val="010080"/>
-                </a:solidFill>
-                <a:latin typeface="Source Code Pro" panose="020B0509030403020204" pitchFamily="49" charset="0"/>
-                <a:ea typeface="Source Code Pro" panose="020B0509030403020204" pitchFamily="49" charset="0"/>
-              </a:rPr>
-              <a:t> () {     </a:t>
-            </a:r>
-          </a:p>
-          <a:p>
-            <a:pPr marL="962025" lvl="2">
-              <a:spcBef>
-                <a:spcPct val="20000"/>
-              </a:spcBef>
-              <a:buClr>
-                <a:schemeClr val="accent6"/>
-              </a:buClr>
-            </a:pPr>
-            <a:r>
-              <a:rPr lang="fr-FR" altLang="fr-FR" dirty="0" err="1">
-                <a:solidFill>
-                  <a:srgbClr val="6F42C1"/>
-                </a:solidFill>
-                <a:latin typeface="Source Code Pro" panose="020B0509030403020204"/>
-              </a:rPr>
-              <a:t>console</a:t>
-            </a:r>
-            <a:r>
-              <a:rPr lang="fr-FR" altLang="fr-FR" dirty="0" err="1">
-                <a:solidFill>
-                  <a:srgbClr val="010080"/>
-                </a:solidFill>
-                <a:latin typeface="Source Code Pro" panose="020B0509030403020204" pitchFamily="49" charset="0"/>
-                <a:ea typeface="Source Code Pro" panose="020B0509030403020204" pitchFamily="49" charset="0"/>
-              </a:rPr>
-              <a:t>.</a:t>
-            </a:r>
-            <a:r>
-              <a:rPr lang="fr-FR" altLang="fr-FR" dirty="0" err="1">
-                <a:solidFill>
-                  <a:srgbClr val="005CC5"/>
-                </a:solidFill>
-                <a:latin typeface="Source Code Pro" panose="020B0509030403020204"/>
-              </a:rPr>
-              <a:t>log</a:t>
-            </a:r>
-            <a:r>
-              <a:rPr lang="fr-FR" altLang="fr-FR" dirty="0">
-                <a:solidFill>
-                  <a:srgbClr val="010080"/>
-                </a:solidFill>
-                <a:latin typeface="Source Code Pro" panose="020B0509030403020204" pitchFamily="49" charset="0"/>
-                <a:ea typeface="Source Code Pro" panose="020B0509030403020204" pitchFamily="49" charset="0"/>
-              </a:rPr>
-              <a:t>(</a:t>
-            </a:r>
-            <a:r>
-              <a:rPr lang="fr-FR" altLang="fr-FR" dirty="0">
-                <a:solidFill>
-                  <a:srgbClr val="657B83"/>
-                </a:solidFill>
-                <a:latin typeface="Source Code Pro" panose="020B0509030403020204" pitchFamily="49" charset="0"/>
-                <a:ea typeface="Source Code Pro" panose="020B0509030403020204" pitchFamily="49" charset="0"/>
-              </a:rPr>
-              <a:t>'Cette fonction est exécutée une fois quand la page est chargée.'</a:t>
-            </a:r>
-            <a:r>
-              <a:rPr lang="fr-FR" altLang="fr-FR" dirty="0">
-                <a:solidFill>
-                  <a:srgbClr val="010080"/>
-                </a:solidFill>
-                <a:latin typeface="Source Code Pro" panose="020B0509030403020204" pitchFamily="49" charset="0"/>
-                <a:ea typeface="Source Code Pro" panose="020B0509030403020204" pitchFamily="49" charset="0"/>
-              </a:rPr>
-              <a:t>); });  </a:t>
-            </a:r>
-          </a:p>
-          <a:p>
-            <a:pPr marL="760413" lvl="1">
-              <a:spcBef>
-                <a:spcPct val="20000"/>
-              </a:spcBef>
-              <a:buClr>
-                <a:schemeClr val="accent6"/>
-              </a:buClr>
-            </a:pPr>
-            <a:r>
-              <a:rPr lang="fr-FR" altLang="fr-FR" b="1" dirty="0">
-                <a:solidFill>
-                  <a:srgbClr val="010080"/>
-                </a:solidFill>
-                <a:latin typeface="Source Code Pro" panose="020B0509030403020204" pitchFamily="49" charset="0"/>
-                <a:ea typeface="Source Code Pro" panose="020B0509030403020204" pitchFamily="49" charset="0"/>
-              </a:rPr>
-              <a:t>&lt;/script&gt;</a:t>
-            </a:r>
-          </a:p>
-          <a:p>
-            <a:pPr marL="342900" lvl="1" indent="0">
-              <a:buNone/>
-            </a:pPr>
-            <a:r>
-              <a:rPr lang="fr-FR" dirty="0">
-                <a:solidFill>
-                  <a:srgbClr val="010080"/>
-                </a:solidFill>
-                <a:latin typeface="Source Code Pro" panose="020B0509030403020204" pitchFamily="49" charset="0"/>
-              </a:rPr>
-              <a:t>&lt;/body&gt;</a:t>
-            </a:r>
-          </a:p>
-          <a:p>
-            <a:pPr marL="47625" indent="0">
-              <a:buNone/>
-            </a:pPr>
-            <a:r>
-              <a:rPr lang="fr-FR" dirty="0">
-                <a:solidFill>
-                  <a:srgbClr val="010080"/>
-                </a:solidFill>
-                <a:latin typeface="Source Code Pro" panose="020B0509030403020204" pitchFamily="49" charset="0"/>
-              </a:rPr>
-              <a:t>&lt;/html&gt;</a:t>
-            </a:r>
-            <a:endParaRPr lang="en-US" dirty="0">
-              <a:solidFill>
-                <a:srgbClr val="657B83"/>
-              </a:solidFill>
-              <a:latin typeface="Source Code Pro" panose="020B0509030403020204" pitchFamily="49" charset="0"/>
-            </a:endParaRPr>
-          </a:p>
-        </p:txBody>
-      </p:sp>
-    </p:spTree>
-    <p:extLst>
-      <p:ext uri="{BB962C8B-B14F-4D97-AF65-F5344CB8AC3E}">
-        <p14:creationId xmlns:p14="http://schemas.microsoft.com/office/powerpoint/2010/main" val="472601625"/>
-      </p:ext>
-    </p:extLst>
-  </p:cSld>
-  <p:clrMapOvr>
-    <a:masterClrMapping/>
-  </p:clrMapOvr>
-</p:sld>
-</file>
-
-<file path=ppt/slides/slide7.xml><?xml version="1.0" encoding="utf-8"?>
-<p:sld xmlns:a="http://schemas.openxmlformats.org/drawingml/2006/main" xmlns:r="http://schemas.openxmlformats.org/officeDocument/2006/relationships" xmlns:p="http://schemas.openxmlformats.org/presentationml/2006/main">
-  <p:cSld>
-    <p:spTree>
-      <p:nvGrpSpPr>
-        <p:cNvPr id="1" name=""/>
-        <p:cNvGrpSpPr/>
-        <p:nvPr/>
-      </p:nvGrpSpPr>
-      <p:grpSpPr>
-        <a:xfrm>
-          <a:off x="0" y="0"/>
-          <a:ext cx="0" cy="0"/>
-          <a:chOff x="0" y="0"/>
-          <a:chExt cx="0" cy="0"/>
-        </a:xfrm>
-      </p:grpSpPr>
-      <p:sp>
-        <p:nvSpPr>
-          <p:cNvPr id="10" name="Espace réservé du contenu 2"/>
-          <p:cNvSpPr txBox="1">
-            <a:spLocks/>
-          </p:cNvSpPr>
-          <p:nvPr/>
-        </p:nvSpPr>
-        <p:spPr>
-          <a:xfrm>
-            <a:off x="228600" y="1058026"/>
-            <a:ext cx="8644466" cy="5569596"/>
-          </a:xfrm>
-          <a:prstGeom prst="rect">
-            <a:avLst/>
-          </a:prstGeom>
-        </p:spPr>
-        <p:txBody>
-          <a:bodyPr vert="horz" lIns="91440" tIns="45720" rIns="91440" bIns="45720" rtlCol="0">
-            <a:noAutofit/>
-          </a:bodyPr>
-          <a:lstStyle>
-            <a:lvl1pPr marL="342900" marR="0" indent="-342900" algn="l" defTabSz="457200" rtl="0" eaLnBrk="1" fontAlgn="auto" latinLnBrk="0" hangingPunct="1">
-              <a:lnSpc>
-                <a:spcPct val="100000"/>
-              </a:lnSpc>
-              <a:spcBef>
-                <a:spcPct val="20000"/>
-              </a:spcBef>
-              <a:spcAft>
-                <a:spcPts val="0"/>
-              </a:spcAft>
-              <a:buClr>
-                <a:schemeClr val="accent6"/>
-              </a:buClr>
-              <a:buSzTx/>
-              <a:buFont typeface="Lucida Grande"/>
-              <a:buChar char="➔"/>
-              <a:tabLst/>
-              <a:defRPr sz="2000" kern="1200">
-                <a:solidFill>
-                  <a:schemeClr val="tx1"/>
-                </a:solidFill>
-                <a:latin typeface="+mn-lt"/>
-                <a:ea typeface="+mn-ea"/>
-                <a:cs typeface="+mn-cs"/>
-              </a:defRPr>
-            </a:lvl1pPr>
-            <a:lvl2pPr marL="742950" marR="0" indent="-285750" algn="l" defTabSz="457200" rtl="0" eaLnBrk="1" fontAlgn="auto" latinLnBrk="0" hangingPunct="1">
-              <a:lnSpc>
-                <a:spcPct val="100000"/>
-              </a:lnSpc>
-              <a:spcBef>
-                <a:spcPct val="20000"/>
-              </a:spcBef>
-              <a:spcAft>
-                <a:spcPts val="0"/>
-              </a:spcAft>
-              <a:buClr>
-                <a:srgbClr val="009DE0"/>
-              </a:buClr>
-              <a:buSzTx/>
-              <a:buFont typeface="Arial"/>
-              <a:buChar char="›"/>
-              <a:tabLst/>
-              <a:defRPr sz="2800" kern="1200">
-                <a:solidFill>
-                  <a:schemeClr val="tx1"/>
-                </a:solidFill>
-                <a:latin typeface="+mn-lt"/>
-                <a:ea typeface="+mn-ea"/>
-                <a:cs typeface="+mn-cs"/>
-              </a:defRPr>
-            </a:lvl2pPr>
-            <a:lvl3pPr marL="1143000" marR="0" indent="-228600" algn="l" defTabSz="457200" rtl="0" eaLnBrk="1" fontAlgn="auto" latinLnBrk="0" hangingPunct="1">
-              <a:lnSpc>
-                <a:spcPct val="100000"/>
-              </a:lnSpc>
-              <a:spcBef>
-                <a:spcPct val="20000"/>
-              </a:spcBef>
-              <a:spcAft>
-                <a:spcPts val="0"/>
-              </a:spcAft>
-              <a:buClrTx/>
-              <a:buSzTx/>
-              <a:buFont typeface="Arial"/>
-              <a:buChar char="•"/>
-              <a:tabLst/>
-              <a:defRPr sz="2400" kern="1200">
-                <a:solidFill>
-                  <a:schemeClr val="tx1"/>
-                </a:solidFill>
-                <a:latin typeface="+mn-lt"/>
-                <a:ea typeface="+mn-ea"/>
-                <a:cs typeface="+mn-cs"/>
-              </a:defRPr>
-            </a:lvl3pPr>
-            <a:lvl4pPr marL="1600200" marR="0" indent="-228600" algn="l" defTabSz="457200" rtl="0" eaLnBrk="1" fontAlgn="auto" latinLnBrk="0" hangingPunct="1">
-              <a:lnSpc>
-                <a:spcPct val="100000"/>
-              </a:lnSpc>
-              <a:spcBef>
-                <a:spcPct val="20000"/>
-              </a:spcBef>
-              <a:spcAft>
-                <a:spcPts val="0"/>
-              </a:spcAft>
-              <a:buClrTx/>
-              <a:buSzTx/>
-              <a:buFont typeface="Arial"/>
-              <a:buChar char="–"/>
-              <a:tabLst/>
-              <a:defRPr sz="2000" kern="1200">
-                <a:solidFill>
-                  <a:schemeClr val="tx1"/>
-                </a:solidFill>
-                <a:latin typeface="+mn-lt"/>
-                <a:ea typeface="+mn-ea"/>
-                <a:cs typeface="+mn-cs"/>
-              </a:defRPr>
-            </a:lvl4pPr>
-            <a:lvl5pPr marL="2057400" marR="0" indent="-228600" algn="l" defTabSz="457200" rtl="0" eaLnBrk="1" fontAlgn="auto" latinLnBrk="0" hangingPunct="1">
-              <a:lnSpc>
-                <a:spcPct val="100000"/>
-              </a:lnSpc>
-              <a:spcBef>
-                <a:spcPct val="20000"/>
-              </a:spcBef>
-              <a:spcAft>
-                <a:spcPts val="0"/>
-              </a:spcAft>
-              <a:buClrTx/>
-              <a:buSzTx/>
-              <a:buFont typeface="Arial"/>
-              <a:buChar char="»"/>
-              <a:tabLst/>
-              <a:defRPr sz="2000" kern="1200">
-                <a:solidFill>
-                  <a:schemeClr val="tx1"/>
-                </a:solidFill>
-                <a:latin typeface="+mn-lt"/>
-                <a:ea typeface="+mn-ea"/>
-                <a:cs typeface="+mn-cs"/>
-              </a:defRPr>
-            </a:lvl5pPr>
-            <a:lvl6pPr marL="2514600" indent="-228600" algn="l" defTabSz="457200" rtl="0" eaLnBrk="1" latinLnBrk="0" hangingPunct="1">
-              <a:spcBef>
-                <a:spcPct val="20000"/>
-              </a:spcBef>
-              <a:buFont typeface="Arial"/>
-              <a:buChar char="•"/>
-              <a:defRPr sz="2000" kern="1200">
-                <a:solidFill>
-                  <a:schemeClr val="tx1"/>
-                </a:solidFill>
-                <a:latin typeface="+mn-lt"/>
-                <a:ea typeface="+mn-ea"/>
-                <a:cs typeface="+mn-cs"/>
-              </a:defRPr>
-            </a:lvl6pPr>
-            <a:lvl7pPr marL="2971800" indent="-228600" algn="l" defTabSz="457200" rtl="0" eaLnBrk="1" latinLnBrk="0" hangingPunct="1">
-              <a:spcBef>
-                <a:spcPct val="20000"/>
-              </a:spcBef>
-              <a:buFont typeface="Arial"/>
-              <a:buChar char="•"/>
-              <a:defRPr sz="2000" kern="1200">
-                <a:solidFill>
-                  <a:schemeClr val="tx1"/>
-                </a:solidFill>
-                <a:latin typeface="+mn-lt"/>
-                <a:ea typeface="+mn-ea"/>
-                <a:cs typeface="+mn-cs"/>
-              </a:defRPr>
-            </a:lvl7pPr>
-            <a:lvl8pPr marL="3429000" indent="-228600" algn="l" defTabSz="457200" rtl="0" eaLnBrk="1" latinLnBrk="0" hangingPunct="1">
-              <a:spcBef>
-                <a:spcPct val="20000"/>
-              </a:spcBef>
-              <a:buFont typeface="Arial"/>
-              <a:buChar char="•"/>
-              <a:defRPr sz="2000" kern="1200">
-                <a:solidFill>
-                  <a:schemeClr val="tx1"/>
-                </a:solidFill>
-                <a:latin typeface="+mn-lt"/>
-                <a:ea typeface="+mn-ea"/>
-                <a:cs typeface="+mn-cs"/>
-              </a:defRPr>
-            </a:lvl8pPr>
-            <a:lvl9pPr marL="3886200" indent="-228600" algn="l" defTabSz="457200" rtl="0" eaLnBrk="1" latinLnBrk="0" hangingPunct="1">
-              <a:spcBef>
-                <a:spcPct val="20000"/>
-              </a:spcBef>
-              <a:buFont typeface="Arial"/>
-              <a:buChar char="•"/>
-              <a:defRPr sz="2000" kern="1200">
-                <a:solidFill>
-                  <a:schemeClr val="tx1"/>
-                </a:solidFill>
-                <a:latin typeface="+mn-lt"/>
-                <a:ea typeface="+mn-ea"/>
-                <a:cs typeface="+mn-cs"/>
-              </a:defRPr>
-            </a:lvl9pPr>
-          </a:lstStyle>
-          <a:p>
-            <a:pPr marL="400050" indent="-400050"/>
-            <a:r>
-              <a:rPr lang="fr-FR" sz="2400" dirty="0"/>
-              <a:t>Mettre le code JavaScript  dans un fichier externe </a:t>
-            </a:r>
-            <a:r>
-              <a:rPr lang="fr-FR" dirty="0"/>
-              <a:t>(.</a:t>
-            </a:r>
-            <a:r>
-              <a:rPr lang="fr-FR" dirty="0" err="1"/>
-              <a:t>js</a:t>
-            </a:r>
-            <a:r>
-              <a:rPr lang="fr-FR" dirty="0"/>
-              <a:t>) </a:t>
-            </a:r>
-            <a:br>
-              <a:rPr lang="fr-FR" dirty="0"/>
-            </a:br>
-            <a:br>
-              <a:rPr lang="fr-FR" sz="2400" dirty="0"/>
-            </a:br>
-            <a:br>
-              <a:rPr lang="fr-FR" sz="2400" dirty="0"/>
-            </a:br>
-            <a:br>
-              <a:rPr lang="fr-FR" sz="2400" dirty="0"/>
-            </a:br>
-            <a:r>
-              <a:rPr lang="fr-FR" sz="2400" dirty="0"/>
-              <a:t>et pointer ce fichier depuis le HTML :</a:t>
-            </a:r>
-            <a:br>
-              <a:rPr lang="fr-FR" sz="2400" dirty="0"/>
-            </a:br>
-            <a:endParaRPr lang="fr-FR" sz="2400" dirty="0"/>
-          </a:p>
-        </p:txBody>
-      </p:sp>
-      <p:sp>
-        <p:nvSpPr>
-          <p:cNvPr id="2" name="Titre 1"/>
-          <p:cNvSpPr>
-            <a:spLocks noGrp="1"/>
-          </p:cNvSpPr>
-          <p:nvPr>
-            <p:ph type="title"/>
-          </p:nvPr>
-        </p:nvSpPr>
-        <p:spPr/>
-        <p:txBody>
-          <a:bodyPr>
-            <a:noAutofit/>
-          </a:bodyPr>
-          <a:lstStyle/>
-          <a:p>
-            <a:r>
-              <a:rPr lang="fr-FR" b="1" dirty="0"/>
-              <a:t>HTML et JavaScript</a:t>
-            </a:r>
-          </a:p>
-        </p:txBody>
-      </p:sp>
-      <p:sp>
-        <p:nvSpPr>
-          <p:cNvPr id="4" name="Espace réservé de la date 3"/>
-          <p:cNvSpPr>
-            <a:spLocks noGrp="1"/>
-          </p:cNvSpPr>
-          <p:nvPr>
-            <p:ph type="dt" sz="half" idx="10"/>
-          </p:nvPr>
-        </p:nvSpPr>
-        <p:spPr/>
-        <p:txBody>
-          <a:bodyPr/>
-          <a:lstStyle/>
-          <a:p>
-            <a:fld id="{BB2FA04C-1355-4CE6-8050-4BD994E23BD5}" type="datetime4">
-              <a:rPr lang="fr-FR" smtClean="0"/>
-              <a:t>5 juin 2019</a:t>
-            </a:fld>
-            <a:endParaRPr lang="fr-FR" dirty="0"/>
-          </a:p>
-        </p:txBody>
-      </p:sp>
-      <p:sp>
-        <p:nvSpPr>
-          <p:cNvPr id="5" name="Espace réservé du pied de page 4"/>
-          <p:cNvSpPr>
-            <a:spLocks noGrp="1"/>
-          </p:cNvSpPr>
-          <p:nvPr>
-            <p:ph type="ftr" sz="quarter" idx="11"/>
-          </p:nvPr>
-        </p:nvSpPr>
-        <p:spPr/>
-        <p:txBody>
-          <a:bodyPr/>
-          <a:lstStyle/>
-          <a:p>
-            <a:r>
-              <a:rPr lang="fr-FR"/>
-              <a:t>DIU NSI</a:t>
-            </a:r>
-          </a:p>
-        </p:txBody>
-      </p:sp>
-      <p:sp>
-        <p:nvSpPr>
-          <p:cNvPr id="6" name="Espace réservé du numéro de diapositive 5"/>
-          <p:cNvSpPr>
-            <a:spLocks noGrp="1"/>
-          </p:cNvSpPr>
-          <p:nvPr>
-            <p:ph type="sldNum" sz="quarter" idx="12"/>
-          </p:nvPr>
-        </p:nvSpPr>
-        <p:spPr/>
-        <p:txBody>
-          <a:bodyPr/>
-          <a:lstStyle/>
-          <a:p>
-            <a:fld id="{DCE37727-CC04-7A46-938D-2CCFF056F773}" type="slidenum">
-              <a:rPr lang="fr-FR" smtClean="0"/>
-              <a:pPr/>
-              <a:t>7</a:t>
-            </a:fld>
-            <a:endParaRPr lang="fr-FR"/>
-          </a:p>
-        </p:txBody>
-      </p:sp>
-      <p:sp>
-        <p:nvSpPr>
           <p:cNvPr id="19" name="Rectangle 18">
             <a:extLst>
               <a:ext uri="{FF2B5EF4-FFF2-40B4-BE49-F238E27FC236}">
-                <a16:creationId xmlns:a16="http://schemas.microsoft.com/office/drawing/2014/main" id="{99D6AB73-3556-6845-9EF8-9024C2407A0D}"/>
+                <a16:creationId xmlns:a16="http://schemas.microsoft.com/office/drawing/2014/main" xmlns="" id="{99D6AB73-3556-6845-9EF8-9024C2407A0D}"/>
               </a:ext>
             </a:extLst>
           </p:cNvPr>
@@ -8718,7 +10550,7 @@
           <p:cNvPr id="12" name="Rectangle 11">
             <a:extLst>
               <a:ext uri="{FF2B5EF4-FFF2-40B4-BE49-F238E27FC236}">
-                <a16:creationId xmlns:a16="http://schemas.microsoft.com/office/drawing/2014/main" id="{ECED5231-2525-CD45-A28E-5EE4CDC138F5}"/>
+                <a16:creationId xmlns:a16="http://schemas.microsoft.com/office/drawing/2014/main" xmlns="" id="{ECED5231-2525-CD45-A28E-5EE4CDC138F5}"/>
               </a:ext>
             </a:extLst>
           </p:cNvPr>
@@ -8727,7 +10559,7 @@
         </p:nvSpPr>
         <p:spPr>
           <a:xfrm>
-            <a:off x="880443" y="3094629"/>
+            <a:off x="1849826" y="3094629"/>
             <a:ext cx="5233754" cy="3224284"/>
           </a:xfrm>
           <a:prstGeom prst="rect">
@@ -9087,6 +10919,558 @@
   <p:clrMapOvr>
     <a:masterClrMapping/>
   </p:clrMapOvr>
+</p:sld>
+</file>
+
+<file path=ppt/slides/slide7.xml><?xml version="1.0" encoding="utf-8"?>
+<p:sld xmlns:a="http://schemas.openxmlformats.org/drawingml/2006/main" xmlns:r="http://schemas.openxmlformats.org/officeDocument/2006/relationships" xmlns:p="http://schemas.openxmlformats.org/presentationml/2006/main">
+  <p:cSld>
+    <p:spTree>
+      <p:nvGrpSpPr>
+        <p:cNvPr id="1" name=""/>
+        <p:cNvGrpSpPr/>
+        <p:nvPr/>
+      </p:nvGrpSpPr>
+      <p:grpSpPr>
+        <a:xfrm>
+          <a:off x="0" y="0"/>
+          <a:ext cx="0" cy="0"/>
+          <a:chOff x="0" y="0"/>
+          <a:chExt cx="0" cy="0"/>
+        </a:xfrm>
+      </p:grpSpPr>
+      <p:sp>
+        <p:nvSpPr>
+          <p:cNvPr id="2" name="Titre 1"/>
+          <p:cNvSpPr>
+            <a:spLocks noGrp="1"/>
+          </p:cNvSpPr>
+          <p:nvPr>
+            <p:ph type="title"/>
+          </p:nvPr>
+        </p:nvSpPr>
+        <p:spPr/>
+        <p:txBody>
+          <a:bodyPr>
+            <a:normAutofit/>
+          </a:bodyPr>
+          <a:lstStyle/>
+          <a:p>
+            <a:r>
+              <a:rPr lang="fr-FR" b="1" dirty="0"/>
+              <a:t>DOM </a:t>
+            </a:r>
+            <a:r>
+              <a:rPr lang="fr-FR" b="1" dirty="0" err="1"/>
+              <a:t>Element</a:t>
+            </a:r>
+            <a:endParaRPr lang="fr-FR" b="1" dirty="0"/>
+          </a:p>
+        </p:txBody>
+      </p:sp>
+      <p:sp>
+        <p:nvSpPr>
+          <p:cNvPr id="3" name="Espace réservé du contenu 2"/>
+          <p:cNvSpPr>
+            <a:spLocks noGrp="1"/>
+          </p:cNvSpPr>
+          <p:nvPr>
+            <p:ph idx="1"/>
+          </p:nvPr>
+        </p:nvSpPr>
+        <p:spPr>
+          <a:xfrm>
+            <a:off x="91440" y="1236134"/>
+            <a:ext cx="9052560" cy="4890030"/>
+          </a:xfrm>
+        </p:spPr>
+        <p:txBody>
+          <a:bodyPr/>
+          <a:lstStyle/>
+          <a:p>
+            <a:pPr marL="400050" indent="-400050"/>
+            <a:r>
+              <a:rPr lang="fr-FR" sz="2400" dirty="0"/>
+              <a:t>Les éléments DOM sont des objets JavaScript qui proposent une </a:t>
+            </a:r>
+            <a:r>
+              <a:rPr lang="fr-FR" sz="2400" dirty="0">
+                <a:hlinkClick r:id="rId2"/>
+              </a:rPr>
+              <a:t>API</a:t>
+            </a:r>
+            <a:r>
+              <a:rPr lang="fr-FR" sz="2400" dirty="0"/>
+              <a:t>.</a:t>
+            </a:r>
+            <a:endParaRPr lang="fr-FR" sz="2400" b="1" dirty="0">
+              <a:latin typeface="Source Code Pro" panose="020B0509030403020204" pitchFamily="49" charset="0"/>
+              <a:ea typeface="Source Code Pro" panose="020B0509030403020204" pitchFamily="49" charset="0"/>
+            </a:endParaRPr>
+          </a:p>
+          <a:p>
+            <a:pPr marL="400050" indent="-400050">
+              <a:lnSpc>
+                <a:spcPct val="150000"/>
+              </a:lnSpc>
+            </a:pPr>
+            <a:r>
+              <a:rPr lang="fr-FR" sz="2400" dirty="0"/>
+              <a:t>Pour manipuler des éléments HTML il faut d'abord les trouver:</a:t>
+            </a:r>
+            <a:endParaRPr lang="fr-FR" sz="2000" dirty="0">
+              <a:latin typeface="Source Code Pro" panose="020B0509030403020204" pitchFamily="49" charset="0"/>
+              <a:ea typeface="Source Code Pro" panose="020B0509030403020204" pitchFamily="49" charset="0"/>
+            </a:endParaRPr>
+          </a:p>
+          <a:p>
+            <a:pPr lvl="1"/>
+            <a:r>
+              <a:rPr lang="en-US" sz="2000" dirty="0"/>
+              <a:t>id</a:t>
+            </a:r>
+          </a:p>
+          <a:p>
+            <a:pPr lvl="1"/>
+            <a:r>
+              <a:rPr lang="fr-FR" sz="2000" dirty="0"/>
+              <a:t>nom de balise</a:t>
+            </a:r>
+          </a:p>
+          <a:p>
+            <a:pPr lvl="1"/>
+            <a:r>
+              <a:rPr lang="fr-FR" sz="2000" dirty="0"/>
+              <a:t>nom de classe</a:t>
+            </a:r>
+          </a:p>
+          <a:p>
+            <a:pPr lvl="1"/>
+            <a:r>
+              <a:rPr lang="fr-FR" sz="2000" dirty="0"/>
+              <a:t>sélecteurs CSS</a:t>
+            </a:r>
+          </a:p>
+          <a:p>
+            <a:pPr lvl="1"/>
+            <a:endParaRPr lang="fr-FR" dirty="0">
+              <a:latin typeface="Source Code Pro" panose="020B0509030403020204" pitchFamily="49" charset="0"/>
+              <a:ea typeface="Source Code Pro" panose="020B0509030403020204" pitchFamily="49" charset="0"/>
+            </a:endParaRPr>
+          </a:p>
+        </p:txBody>
+      </p:sp>
+      <p:sp>
+        <p:nvSpPr>
+          <p:cNvPr id="4" name="Espace réservé de la date 3"/>
+          <p:cNvSpPr>
+            <a:spLocks noGrp="1"/>
+          </p:cNvSpPr>
+          <p:nvPr>
+            <p:ph type="dt" sz="half" idx="10"/>
+          </p:nvPr>
+        </p:nvSpPr>
+        <p:spPr/>
+        <p:txBody>
+          <a:bodyPr/>
+          <a:lstStyle/>
+          <a:p>
+            <a:fld id="{BB2FA04C-1355-4CE6-8050-4BD994E23BD5}" type="datetime4">
+              <a:rPr lang="fr-FR" smtClean="0"/>
+              <a:t>6 juin 2019</a:t>
+            </a:fld>
+            <a:endParaRPr lang="fr-FR" dirty="0"/>
+          </a:p>
+        </p:txBody>
+      </p:sp>
+      <p:sp>
+        <p:nvSpPr>
+          <p:cNvPr id="5" name="Espace réservé du pied de page 4"/>
+          <p:cNvSpPr>
+            <a:spLocks noGrp="1"/>
+          </p:cNvSpPr>
+          <p:nvPr>
+            <p:ph type="ftr" sz="quarter" idx="11"/>
+          </p:nvPr>
+        </p:nvSpPr>
+        <p:spPr/>
+        <p:txBody>
+          <a:bodyPr/>
+          <a:lstStyle/>
+          <a:p>
+            <a:r>
+              <a:rPr lang="fr-FR"/>
+              <a:t>DIU NSI</a:t>
+            </a:r>
+          </a:p>
+        </p:txBody>
+      </p:sp>
+      <p:sp>
+        <p:nvSpPr>
+          <p:cNvPr id="6" name="Espace réservé du numéro de diapositive 5"/>
+          <p:cNvSpPr>
+            <a:spLocks noGrp="1"/>
+          </p:cNvSpPr>
+          <p:nvPr>
+            <p:ph type="sldNum" sz="quarter" idx="12"/>
+          </p:nvPr>
+        </p:nvSpPr>
+        <p:spPr/>
+        <p:txBody>
+          <a:bodyPr/>
+          <a:lstStyle/>
+          <a:p>
+            <a:fld id="{DCE37727-CC04-7A46-938D-2CCFF056F773}" type="slidenum">
+              <a:rPr lang="fr-FR" smtClean="0"/>
+              <a:pPr/>
+              <a:t>7</a:t>
+            </a:fld>
+            <a:endParaRPr lang="fr-FR"/>
+          </a:p>
+        </p:txBody>
+      </p:sp>
+      <p:sp>
+        <p:nvSpPr>
+          <p:cNvPr id="8" name="Rectangle 7">
+            <a:extLst>
+              <a:ext uri="{FF2B5EF4-FFF2-40B4-BE49-F238E27FC236}">
+                <a16:creationId xmlns:a16="http://schemas.microsoft.com/office/drawing/2014/main" xmlns="" id="{99D6AB73-3556-6845-9EF8-9024C2407A0D}"/>
+              </a:ext>
+            </a:extLst>
+          </p:cNvPr>
+          <p:cNvSpPr/>
+          <p:nvPr/>
+        </p:nvSpPr>
+        <p:spPr>
+          <a:xfrm>
+            <a:off x="1033707" y="4726662"/>
+            <a:ext cx="7003434" cy="1462598"/>
+          </a:xfrm>
+          <a:prstGeom prst="rect">
+            <a:avLst/>
+          </a:prstGeom>
+          <a:solidFill>
+            <a:srgbClr val="FEF6E3"/>
+          </a:solidFill>
+          <a:effectLst>
+            <a:outerShdw blurRad="50800" dist="38100" dir="2700000" algn="tl" rotWithShape="0">
+              <a:prstClr val="black">
+                <a:alpha val="40000"/>
+              </a:prstClr>
+            </a:outerShdw>
+          </a:effectLst>
+        </p:spPr>
+        <p:txBody>
+          <a:bodyPr vert="horz" lIns="91440" tIns="45720" rIns="91440" bIns="45720" rtlCol="0" anchor="ctr">
+            <a:normAutofit/>
+          </a:bodyPr>
+          <a:lstStyle/>
+          <a:p>
+            <a:pPr marL="47625"/>
+            <a:r>
+              <a:rPr lang="fr-FR" altLang="fr-FR" dirty="0">
+                <a:solidFill>
+                  <a:srgbClr val="00B050"/>
+                </a:solidFill>
+                <a:latin typeface="Source Code Pro" panose="020B0509030403020204"/>
+              </a:rPr>
+              <a:t>var</a:t>
+            </a:r>
+            <a:r>
+              <a:rPr lang="fr-FR" altLang="fr-FR" dirty="0">
+                <a:latin typeface="Source Code Pro" panose="020B0509030403020204" pitchFamily="49" charset="0"/>
+                <a:ea typeface="Source Code Pro" panose="020B0509030403020204" pitchFamily="49" charset="0"/>
+              </a:rPr>
+              <a:t> </a:t>
+            </a:r>
+            <a:r>
+              <a:rPr lang="fr-FR" altLang="fr-FR" dirty="0" err="1">
+                <a:latin typeface="Source Code Pro" panose="020B0509030403020204" pitchFamily="49" charset="0"/>
+                <a:ea typeface="Source Code Pro" panose="020B0509030403020204" pitchFamily="49" charset="0"/>
+              </a:rPr>
+              <a:t>target</a:t>
+            </a:r>
+            <a:r>
+              <a:rPr lang="fr-FR" altLang="fr-FR" dirty="0">
+                <a:latin typeface="Source Code Pro" panose="020B0509030403020204" pitchFamily="49" charset="0"/>
+                <a:ea typeface="Source Code Pro" panose="020B0509030403020204" pitchFamily="49" charset="0"/>
+              </a:rPr>
+              <a:t> = </a:t>
+            </a:r>
+            <a:r>
+              <a:rPr lang="fr-FR" altLang="fr-FR" dirty="0" err="1">
+                <a:latin typeface="Source Code Pro" panose="020B0509030403020204" pitchFamily="49" charset="0"/>
+                <a:ea typeface="Source Code Pro" panose="020B0509030403020204" pitchFamily="49" charset="0"/>
+              </a:rPr>
+              <a:t>document.</a:t>
+            </a:r>
+            <a:r>
+              <a:rPr lang="fr-FR" altLang="fr-FR" dirty="0" err="1">
+                <a:solidFill>
+                  <a:srgbClr val="005CC5"/>
+                </a:solidFill>
+                <a:latin typeface="Source Code Pro" panose="020B0509030403020204"/>
+              </a:rPr>
+              <a:t>getElementById</a:t>
+            </a:r>
+            <a:r>
+              <a:rPr lang="fr-FR" altLang="fr-FR" dirty="0">
+                <a:latin typeface="Source Code Pro" panose="020B0509030403020204" pitchFamily="49" charset="0"/>
+                <a:ea typeface="Source Code Pro" panose="020B0509030403020204" pitchFamily="49" charset="0"/>
+              </a:rPr>
+              <a:t>(</a:t>
+            </a:r>
+            <a:r>
+              <a:rPr lang="fr-FR" altLang="fr-FR" dirty="0">
+                <a:solidFill>
+                  <a:srgbClr val="657B83"/>
+                </a:solidFill>
+                <a:latin typeface="Source Code Pro" panose="020B0509030403020204" pitchFamily="49" charset="0"/>
+                <a:ea typeface="Source Code Pro" panose="020B0509030403020204" pitchFamily="49" charset="0"/>
+              </a:rPr>
+              <a:t>"</a:t>
+            </a:r>
+            <a:r>
+              <a:rPr lang="fr-FR" altLang="fr-FR" dirty="0" err="1">
+                <a:solidFill>
+                  <a:srgbClr val="657B83"/>
+                </a:solidFill>
+                <a:latin typeface="Source Code Pro" panose="020B0509030403020204" pitchFamily="49" charset="0"/>
+                <a:ea typeface="Source Code Pro" panose="020B0509030403020204" pitchFamily="49" charset="0"/>
+              </a:rPr>
+              <a:t>monId</a:t>
+            </a:r>
+            <a:r>
+              <a:rPr lang="fr-FR" altLang="fr-FR" dirty="0">
+                <a:solidFill>
+                  <a:srgbClr val="657B83"/>
+                </a:solidFill>
+                <a:latin typeface="Source Code Pro" panose="020B0509030403020204" pitchFamily="49" charset="0"/>
+                <a:ea typeface="Source Code Pro" panose="020B0509030403020204" pitchFamily="49" charset="0"/>
+              </a:rPr>
+              <a:t>"</a:t>
+            </a:r>
+            <a:r>
+              <a:rPr lang="fr-FR" altLang="fr-FR" dirty="0">
+                <a:latin typeface="Source Code Pro" panose="020B0509030403020204" pitchFamily="49" charset="0"/>
+                <a:ea typeface="Source Code Pro" panose="020B0509030403020204" pitchFamily="49" charset="0"/>
+              </a:rPr>
+              <a:t>); </a:t>
+            </a:r>
+            <a:r>
+              <a:rPr lang="fr-FR" altLang="fr-FR" dirty="0">
+                <a:solidFill>
+                  <a:srgbClr val="00B050"/>
+                </a:solidFill>
+                <a:latin typeface="Source Code Pro" panose="020B0509030403020204"/>
+              </a:rPr>
+              <a:t>var</a:t>
+            </a:r>
+            <a:r>
+              <a:rPr lang="fr-FR" altLang="fr-FR" dirty="0">
+                <a:latin typeface="Source Code Pro" panose="020B0509030403020204" pitchFamily="49" charset="0"/>
+                <a:ea typeface="Source Code Pro" panose="020B0509030403020204" pitchFamily="49" charset="0"/>
+              </a:rPr>
+              <a:t> </a:t>
+            </a:r>
+            <a:r>
+              <a:rPr lang="fr-FR" altLang="fr-FR" dirty="0" err="1">
+                <a:latin typeface="Source Code Pro" panose="020B0509030403020204" pitchFamily="49" charset="0"/>
+                <a:ea typeface="Source Code Pro" panose="020B0509030403020204" pitchFamily="49" charset="0"/>
+              </a:rPr>
+              <a:t>img</a:t>
+            </a:r>
+            <a:r>
+              <a:rPr lang="fr-FR" altLang="fr-FR" dirty="0">
+                <a:latin typeface="Source Code Pro" panose="020B0509030403020204" pitchFamily="49" charset="0"/>
+                <a:ea typeface="Source Code Pro" panose="020B0509030403020204" pitchFamily="49" charset="0"/>
+              </a:rPr>
+              <a:t> = </a:t>
+            </a:r>
+            <a:r>
+              <a:rPr lang="fr-FR" altLang="fr-FR" dirty="0" err="1">
+                <a:latin typeface="Source Code Pro" panose="020B0509030403020204" pitchFamily="49" charset="0"/>
+                <a:ea typeface="Source Code Pro" panose="020B0509030403020204" pitchFamily="49" charset="0"/>
+              </a:rPr>
+              <a:t>document.</a:t>
+            </a:r>
+            <a:r>
+              <a:rPr lang="fr-FR" altLang="fr-FR" dirty="0" err="1">
+                <a:solidFill>
+                  <a:srgbClr val="005CC5"/>
+                </a:solidFill>
+                <a:latin typeface="Source Code Pro" panose="020B0509030403020204"/>
+              </a:rPr>
+              <a:t>createElement</a:t>
+            </a:r>
+            <a:r>
+              <a:rPr lang="fr-FR" altLang="fr-FR" dirty="0">
+                <a:latin typeface="Source Code Pro" panose="020B0509030403020204" pitchFamily="49" charset="0"/>
+                <a:ea typeface="Source Code Pro" panose="020B0509030403020204" pitchFamily="49" charset="0"/>
+              </a:rPr>
+              <a:t>(</a:t>
+            </a:r>
+            <a:r>
+              <a:rPr lang="fr-FR" altLang="fr-FR" dirty="0">
+                <a:solidFill>
+                  <a:srgbClr val="657B83"/>
+                </a:solidFill>
+                <a:latin typeface="Source Code Pro" panose="020B0509030403020204" pitchFamily="49" charset="0"/>
+                <a:ea typeface="Source Code Pro" panose="020B0509030403020204" pitchFamily="49" charset="0"/>
+              </a:rPr>
+              <a:t>'</a:t>
+            </a:r>
+            <a:r>
+              <a:rPr lang="fr-FR" altLang="fr-FR" dirty="0" err="1">
+                <a:solidFill>
+                  <a:srgbClr val="657B83"/>
+                </a:solidFill>
+                <a:latin typeface="Source Code Pro" panose="020B0509030403020204" pitchFamily="49" charset="0"/>
+                <a:ea typeface="Source Code Pro" panose="020B0509030403020204" pitchFamily="49" charset="0"/>
+              </a:rPr>
+              <a:t>img</a:t>
+            </a:r>
+            <a:r>
+              <a:rPr lang="fr-FR" altLang="fr-FR" dirty="0">
+                <a:solidFill>
+                  <a:srgbClr val="657B83"/>
+                </a:solidFill>
+                <a:latin typeface="Source Code Pro" panose="020B0509030403020204" pitchFamily="49" charset="0"/>
+                <a:ea typeface="Source Code Pro" panose="020B0509030403020204" pitchFamily="49" charset="0"/>
+              </a:rPr>
+              <a:t>'</a:t>
+            </a:r>
+            <a:r>
+              <a:rPr lang="fr-FR" altLang="fr-FR" dirty="0">
+                <a:latin typeface="Source Code Pro" panose="020B0509030403020204" pitchFamily="49" charset="0"/>
+                <a:ea typeface="Source Code Pro" panose="020B0509030403020204" pitchFamily="49" charset="0"/>
+              </a:rPr>
+              <a:t>); </a:t>
+            </a:r>
+          </a:p>
+          <a:p>
+            <a:pPr marL="47625"/>
+            <a:r>
+              <a:rPr lang="fr-FR" altLang="fr-FR" dirty="0" err="1">
+                <a:latin typeface="Source Code Pro" panose="020B0509030403020204" pitchFamily="49" charset="0"/>
+                <a:ea typeface="Source Code Pro" panose="020B0509030403020204" pitchFamily="49" charset="0"/>
+              </a:rPr>
+              <a:t>img.src</a:t>
+            </a:r>
+            <a:r>
+              <a:rPr lang="fr-FR" altLang="fr-FR" dirty="0">
+                <a:latin typeface="Source Code Pro" panose="020B0509030403020204" pitchFamily="49" charset="0"/>
+                <a:ea typeface="Source Code Pro" panose="020B0509030403020204" pitchFamily="49" charset="0"/>
+              </a:rPr>
+              <a:t> =</a:t>
+            </a:r>
+            <a:r>
+              <a:rPr lang="fr-FR" altLang="fr-FR" dirty="0">
+                <a:solidFill>
+                  <a:srgbClr val="657B83"/>
+                </a:solidFill>
+                <a:latin typeface="Source Code Pro" panose="020B0509030403020204" pitchFamily="49" charset="0"/>
+                <a:ea typeface="Source Code Pro" panose="020B0509030403020204" pitchFamily="49" charset="0"/>
+              </a:rPr>
+              <a:t> './</a:t>
+            </a:r>
+            <a:r>
+              <a:rPr lang="fr-FR" altLang="fr-FR" dirty="0" err="1">
+                <a:solidFill>
+                  <a:srgbClr val="657B83"/>
+                </a:solidFill>
+                <a:latin typeface="Source Code Pro" panose="020B0509030403020204" pitchFamily="49" charset="0"/>
+                <a:ea typeface="Source Code Pro" panose="020B0509030403020204" pitchFamily="49" charset="0"/>
+              </a:rPr>
+              <a:t>img</a:t>
+            </a:r>
+            <a:r>
+              <a:rPr lang="fr-FR" altLang="fr-FR" dirty="0">
+                <a:solidFill>
+                  <a:srgbClr val="657B83"/>
+                </a:solidFill>
+                <a:latin typeface="Source Code Pro" panose="020B0509030403020204" pitchFamily="49" charset="0"/>
+                <a:ea typeface="Source Code Pro" panose="020B0509030403020204" pitchFamily="49" charset="0"/>
+              </a:rPr>
+              <a:t>/02.BMP'</a:t>
+            </a:r>
+            <a:r>
+              <a:rPr lang="fr-FR" altLang="fr-FR" dirty="0">
+                <a:latin typeface="Source Code Pro" panose="020B0509030403020204" pitchFamily="49" charset="0"/>
+                <a:ea typeface="Source Code Pro" panose="020B0509030403020204" pitchFamily="49" charset="0"/>
+              </a:rPr>
+              <a:t>;</a:t>
+            </a:r>
+            <a:r>
+              <a:rPr lang="fr-FR" altLang="fr-FR" dirty="0">
+                <a:solidFill>
+                  <a:srgbClr val="657B83"/>
+                </a:solidFill>
+                <a:latin typeface="Source Code Pro" panose="020B0509030403020204" pitchFamily="49" charset="0"/>
+                <a:ea typeface="Source Code Pro" panose="020B0509030403020204" pitchFamily="49" charset="0"/>
+              </a:rPr>
+              <a:t> </a:t>
+            </a:r>
+          </a:p>
+          <a:p>
+            <a:pPr marL="47625"/>
+            <a:r>
+              <a:rPr lang="fr-FR" altLang="fr-FR" dirty="0" err="1">
+                <a:latin typeface="Source Code Pro" panose="020B0509030403020204" pitchFamily="49" charset="0"/>
+                <a:ea typeface="Source Code Pro" panose="020B0509030403020204" pitchFamily="49" charset="0"/>
+              </a:rPr>
+              <a:t>target.</a:t>
+            </a:r>
+            <a:r>
+              <a:rPr lang="fr-FR" altLang="fr-FR" dirty="0" err="1">
+                <a:solidFill>
+                  <a:srgbClr val="005CC5"/>
+                </a:solidFill>
+                <a:latin typeface="Source Code Pro" panose="020B0509030403020204"/>
+              </a:rPr>
+              <a:t>appendChild</a:t>
+            </a:r>
+            <a:r>
+              <a:rPr lang="fr-FR" altLang="fr-FR" dirty="0">
+                <a:latin typeface="Source Code Pro" panose="020B0509030403020204" pitchFamily="49" charset="0"/>
+                <a:ea typeface="Source Code Pro" panose="020B0509030403020204" pitchFamily="49" charset="0"/>
+              </a:rPr>
+              <a:t>(</a:t>
+            </a:r>
+            <a:r>
+              <a:rPr lang="fr-FR" altLang="fr-FR" dirty="0" err="1">
+                <a:latin typeface="Source Code Pro" panose="020B0509030403020204" pitchFamily="49" charset="0"/>
+                <a:ea typeface="Source Code Pro" panose="020B0509030403020204" pitchFamily="49" charset="0"/>
+              </a:rPr>
+              <a:t>img</a:t>
+            </a:r>
+            <a:r>
+              <a:rPr lang="fr-FR" altLang="fr-FR" dirty="0">
+                <a:latin typeface="Source Code Pro" panose="020B0509030403020204" pitchFamily="49" charset="0"/>
+                <a:ea typeface="Source Code Pro" panose="020B0509030403020204" pitchFamily="49" charset="0"/>
+              </a:rPr>
+              <a:t>); </a:t>
+            </a:r>
+          </a:p>
+        </p:txBody>
+      </p:sp>
+    </p:spTree>
+    <p:extLst>
+      <p:ext uri="{BB962C8B-B14F-4D97-AF65-F5344CB8AC3E}">
+        <p14:creationId xmlns:p14="http://schemas.microsoft.com/office/powerpoint/2010/main" val="3306125387"/>
+      </p:ext>
+    </p:extLst>
+  </p:cSld>
+  <p:clrMapOvr>
+    <a:masterClrMapping/>
+  </p:clrMapOvr>
+  <p:timing>
+    <p:tnLst>
+      <p:par>
+        <p:cTn id="1" dur="indefinite" restart="never" nodeType="tmRoot"/>
+      </p:par>
+    </p:tnLst>
+  </p:timing>
 </p:sld>
 </file>
 
@@ -9126,19 +11510,83 @@
           <a:p>
             <a:r>
               <a:rPr lang="fr-FR" b="1" dirty="0"/>
-              <a:t>DOM </a:t>
-            </a:r>
-            <a:r>
-              <a:rPr lang="fr-FR" b="1" dirty="0" err="1"/>
-              <a:t>Element</a:t>
-            </a:r>
-            <a:endParaRPr lang="fr-FR" b="1" dirty="0"/>
+              <a:t>DOM Event</a:t>
+            </a:r>
           </a:p>
         </p:txBody>
       </p:sp>
       <p:sp>
         <p:nvSpPr>
-          <p:cNvPr id="3" name="Espace réservé du contenu 2"/>
+          <p:cNvPr id="4" name="Espace réservé de la date 3"/>
+          <p:cNvSpPr>
+            <a:spLocks noGrp="1"/>
+          </p:cNvSpPr>
+          <p:nvPr>
+            <p:ph type="dt" sz="half" idx="10"/>
+          </p:nvPr>
+        </p:nvSpPr>
+        <p:spPr/>
+        <p:txBody>
+          <a:bodyPr/>
+          <a:lstStyle/>
+          <a:p>
+            <a:fld id="{BB2FA04C-1355-4CE6-8050-4BD994E23BD5}" type="datetime4">
+              <a:rPr lang="fr-FR" smtClean="0"/>
+              <a:t>6 juin 2019</a:t>
+            </a:fld>
+            <a:endParaRPr lang="fr-FR" dirty="0"/>
+          </a:p>
+        </p:txBody>
+      </p:sp>
+      <p:sp>
+        <p:nvSpPr>
+          <p:cNvPr id="5" name="Espace réservé du pied de page 4"/>
+          <p:cNvSpPr>
+            <a:spLocks noGrp="1"/>
+          </p:cNvSpPr>
+          <p:nvPr>
+            <p:ph type="ftr" sz="quarter" idx="11"/>
+          </p:nvPr>
+        </p:nvSpPr>
+        <p:spPr/>
+        <p:txBody>
+          <a:bodyPr/>
+          <a:lstStyle/>
+          <a:p>
+            <a:r>
+              <a:rPr lang="fr-FR"/>
+              <a:t>DIU NSI</a:t>
+            </a:r>
+          </a:p>
+        </p:txBody>
+      </p:sp>
+      <p:sp>
+        <p:nvSpPr>
+          <p:cNvPr id="6" name="Espace réservé du numéro de diapositive 5"/>
+          <p:cNvSpPr>
+            <a:spLocks noGrp="1"/>
+          </p:cNvSpPr>
+          <p:nvPr>
+            <p:ph type="sldNum" sz="quarter" idx="12"/>
+          </p:nvPr>
+        </p:nvSpPr>
+        <p:spPr/>
+        <p:txBody>
+          <a:bodyPr/>
+          <a:lstStyle/>
+          <a:p>
+            <a:fld id="{DCE37727-CC04-7A46-938D-2CCFF056F773}" type="slidenum">
+              <a:rPr lang="fr-FR" smtClean="0"/>
+              <a:pPr/>
+              <a:t>8</a:t>
+            </a:fld>
+            <a:endParaRPr lang="fr-FR"/>
+          </a:p>
+        </p:txBody>
+      </p:sp>
+      <p:sp>
+        <p:nvSpPr>
+          <p:cNvPr id="8" name="Espace réservé du contenu 2"/>
           <p:cNvSpPr>
             <a:spLocks noGrp="1"/>
           </p:cNvSpPr>
@@ -9156,153 +11604,334 @@
           <a:bodyPr/>
           <a:lstStyle/>
           <a:p>
-            <a:pPr marL="400050" indent="-400050"/>
-            <a:r>
-              <a:rPr lang="fr-FR" sz="2400" dirty="0"/>
-              <a:t>Les éléments DOM sont des objets JavaScript qui proposent une </a:t>
-            </a:r>
-            <a:r>
-              <a:rPr lang="fr-FR" sz="2400" dirty="0">
-                <a:hlinkClick r:id="rId2"/>
-              </a:rPr>
-              <a:t>API</a:t>
-            </a:r>
-            <a:r>
-              <a:rPr lang="fr-FR" sz="2400" dirty="0"/>
-              <a:t>.</a:t>
-            </a:r>
-            <a:endParaRPr lang="fr-FR" sz="2400" b="1" dirty="0">
-              <a:latin typeface="Source Code Pro" panose="020B0509030403020204" pitchFamily="49" charset="0"/>
-              <a:ea typeface="Source Code Pro" panose="020B0509030403020204" pitchFamily="49" charset="0"/>
-            </a:endParaRPr>
-          </a:p>
-          <a:p>
-            <a:pPr marL="400050" indent="-400050">
-              <a:lnSpc>
-                <a:spcPct val="150000"/>
-              </a:lnSpc>
+            <a:pPr lvl="1"/>
+            <a:endParaRPr lang="fr-FR" sz="2000" dirty="0" smtClean="0"/>
+          </a:p>
+          <a:p>
+            <a:pPr marL="457200" lvl="1" indent="0">
+              <a:buNone/>
             </a:pPr>
-            <a:r>
-              <a:rPr lang="fr-FR" sz="2400" dirty="0"/>
-              <a:t>Pour manipuler des éléments HTML il faut d'abord les trouver:</a:t>
-            </a:r>
-            <a:endParaRPr lang="fr-FR" sz="2000" dirty="0">
-              <a:latin typeface="Source Code Pro" panose="020B0509030403020204" pitchFamily="49" charset="0"/>
-              <a:ea typeface="Source Code Pro" panose="020B0509030403020204" pitchFamily="49" charset="0"/>
-            </a:endParaRPr>
-          </a:p>
-          <a:p>
-            <a:pPr lvl="1"/>
-            <a:r>
-              <a:rPr lang="en-US" sz="2000" dirty="0"/>
-              <a:t>id</a:t>
-            </a:r>
-          </a:p>
-          <a:p>
-            <a:pPr lvl="1"/>
-            <a:r>
-              <a:rPr lang="fr-FR" sz="2000" dirty="0"/>
-              <a:t>nom de balise</a:t>
-            </a:r>
-          </a:p>
-          <a:p>
-            <a:pPr lvl="1"/>
-            <a:r>
-              <a:rPr lang="fr-FR" sz="2000" dirty="0"/>
-              <a:t>nom de classe</a:t>
-            </a:r>
-          </a:p>
-          <a:p>
-            <a:pPr lvl="1"/>
-            <a:r>
-              <a:rPr lang="fr-FR" sz="2000" dirty="0"/>
-              <a:t>sélecteurs CSS</a:t>
-            </a:r>
-          </a:p>
-          <a:p>
-            <a:pPr lvl="1"/>
-            <a:endParaRPr lang="fr-FR" dirty="0">
-              <a:latin typeface="Source Code Pro" panose="020B0509030403020204" pitchFamily="49" charset="0"/>
-              <a:ea typeface="Source Code Pro" panose="020B0509030403020204" pitchFamily="49" charset="0"/>
-            </a:endParaRPr>
+            <a:endParaRPr lang="fr-FR" sz="2000" dirty="0"/>
           </a:p>
         </p:txBody>
       </p:sp>
       <p:sp>
         <p:nvSpPr>
-          <p:cNvPr id="4" name="Espace réservé de la date 3"/>
-          <p:cNvSpPr>
-            <a:spLocks noGrp="1"/>
+          <p:cNvPr id="9" name="Espace réservé du contenu 2"/>
+          <p:cNvSpPr txBox="1">
+            <a:spLocks/>
           </p:cNvSpPr>
-          <p:nvPr>
-            <p:ph type="dt" sz="half" idx="10"/>
-          </p:nvPr>
+          <p:nvPr/>
         </p:nvSpPr>
-        <p:spPr/>
+        <p:spPr>
+          <a:xfrm>
+            <a:off x="-91440" y="1130750"/>
+            <a:ext cx="9354312" cy="4890030"/>
+          </a:xfrm>
+          <a:prstGeom prst="rect">
+            <a:avLst/>
+          </a:prstGeom>
+        </p:spPr>
         <p:txBody>
-          <a:bodyPr/>
-          <a:lstStyle/>
-          <a:p>
-            <a:fld id="{BB2FA04C-1355-4CE6-8050-4BD994E23BD5}" type="datetime4">
-              <a:rPr lang="fr-FR" smtClean="0"/>
-              <a:t>5 juin 2019</a:t>
-            </a:fld>
-            <a:endParaRPr lang="fr-FR" dirty="0"/>
+          <a:bodyPr vert="horz" lIns="91440" tIns="45720" rIns="91440" bIns="45720" rtlCol="0">
+            <a:noAutofit/>
+          </a:bodyPr>
+          <a:lstStyle>
+            <a:lvl1pPr marL="342900" marR="0" indent="-342900" algn="l" defTabSz="457200" rtl="0" eaLnBrk="1" fontAlgn="auto" latinLnBrk="0" hangingPunct="1">
+              <a:lnSpc>
+                <a:spcPct val="100000"/>
+              </a:lnSpc>
+              <a:spcBef>
+                <a:spcPct val="20000"/>
+              </a:spcBef>
+              <a:spcAft>
+                <a:spcPts val="0"/>
+              </a:spcAft>
+              <a:buClr>
+                <a:schemeClr val="accent6"/>
+              </a:buClr>
+              <a:buSzTx/>
+              <a:buFont typeface="Lucida Grande"/>
+              <a:buChar char="➔"/>
+              <a:tabLst/>
+              <a:defRPr sz="2000" kern="1200">
+                <a:solidFill>
+                  <a:schemeClr val="tx1"/>
+                </a:solidFill>
+                <a:latin typeface="+mn-lt"/>
+                <a:ea typeface="+mn-ea"/>
+                <a:cs typeface="+mn-cs"/>
+              </a:defRPr>
+            </a:lvl1pPr>
+            <a:lvl2pPr marL="742950" marR="0" indent="-285750" algn="l" defTabSz="457200" rtl="0" eaLnBrk="1" fontAlgn="auto" latinLnBrk="0" hangingPunct="1">
+              <a:lnSpc>
+                <a:spcPct val="100000"/>
+              </a:lnSpc>
+              <a:spcBef>
+                <a:spcPct val="20000"/>
+              </a:spcBef>
+              <a:spcAft>
+                <a:spcPts val="0"/>
+              </a:spcAft>
+              <a:buClr>
+                <a:srgbClr val="009DE0"/>
+              </a:buClr>
+              <a:buSzTx/>
+              <a:buFont typeface="Arial"/>
+              <a:buChar char="›"/>
+              <a:tabLst/>
+              <a:defRPr sz="2800" kern="1200">
+                <a:solidFill>
+                  <a:schemeClr val="tx1"/>
+                </a:solidFill>
+                <a:latin typeface="+mn-lt"/>
+                <a:ea typeface="+mn-ea"/>
+                <a:cs typeface="+mn-cs"/>
+              </a:defRPr>
+            </a:lvl2pPr>
+            <a:lvl3pPr marL="1143000" marR="0" indent="-228600" algn="l" defTabSz="457200" rtl="0" eaLnBrk="1" fontAlgn="auto" latinLnBrk="0" hangingPunct="1">
+              <a:lnSpc>
+                <a:spcPct val="100000"/>
+              </a:lnSpc>
+              <a:spcBef>
+                <a:spcPct val="20000"/>
+              </a:spcBef>
+              <a:spcAft>
+                <a:spcPts val="0"/>
+              </a:spcAft>
+              <a:buClrTx/>
+              <a:buSzTx/>
+              <a:buFont typeface="Arial"/>
+              <a:buChar char="•"/>
+              <a:tabLst/>
+              <a:defRPr sz="2400" kern="1200">
+                <a:solidFill>
+                  <a:schemeClr val="tx1"/>
+                </a:solidFill>
+                <a:latin typeface="+mn-lt"/>
+                <a:ea typeface="+mn-ea"/>
+                <a:cs typeface="+mn-cs"/>
+              </a:defRPr>
+            </a:lvl3pPr>
+            <a:lvl4pPr marL="1600200" marR="0" indent="-228600" algn="l" defTabSz="457200" rtl="0" eaLnBrk="1" fontAlgn="auto" latinLnBrk="0" hangingPunct="1">
+              <a:lnSpc>
+                <a:spcPct val="100000"/>
+              </a:lnSpc>
+              <a:spcBef>
+                <a:spcPct val="20000"/>
+              </a:spcBef>
+              <a:spcAft>
+                <a:spcPts val="0"/>
+              </a:spcAft>
+              <a:buClrTx/>
+              <a:buSzTx/>
+              <a:buFont typeface="Arial"/>
+              <a:buChar char="–"/>
+              <a:tabLst/>
+              <a:defRPr sz="2000" kern="1200">
+                <a:solidFill>
+                  <a:schemeClr val="tx1"/>
+                </a:solidFill>
+                <a:latin typeface="+mn-lt"/>
+                <a:ea typeface="+mn-ea"/>
+                <a:cs typeface="+mn-cs"/>
+              </a:defRPr>
+            </a:lvl4pPr>
+            <a:lvl5pPr marL="2057400" marR="0" indent="-228600" algn="l" defTabSz="457200" rtl="0" eaLnBrk="1" fontAlgn="auto" latinLnBrk="0" hangingPunct="1">
+              <a:lnSpc>
+                <a:spcPct val="100000"/>
+              </a:lnSpc>
+              <a:spcBef>
+                <a:spcPct val="20000"/>
+              </a:spcBef>
+              <a:spcAft>
+                <a:spcPts val="0"/>
+              </a:spcAft>
+              <a:buClrTx/>
+              <a:buSzTx/>
+              <a:buFont typeface="Arial"/>
+              <a:buChar char="»"/>
+              <a:tabLst/>
+              <a:defRPr sz="2000" kern="1200">
+                <a:solidFill>
+                  <a:schemeClr val="tx1"/>
+                </a:solidFill>
+                <a:latin typeface="+mn-lt"/>
+                <a:ea typeface="+mn-ea"/>
+                <a:cs typeface="+mn-cs"/>
+              </a:defRPr>
+            </a:lvl5pPr>
+            <a:lvl6pPr marL="2514600" indent="-228600" algn="l" defTabSz="457200" rtl="0" eaLnBrk="1" latinLnBrk="0" hangingPunct="1">
+              <a:spcBef>
+                <a:spcPct val="20000"/>
+              </a:spcBef>
+              <a:buFont typeface="Arial"/>
+              <a:buChar char="•"/>
+              <a:defRPr sz="2000" kern="1200">
+                <a:solidFill>
+                  <a:schemeClr val="tx1"/>
+                </a:solidFill>
+                <a:latin typeface="+mn-lt"/>
+                <a:ea typeface="+mn-ea"/>
+                <a:cs typeface="+mn-cs"/>
+              </a:defRPr>
+            </a:lvl6pPr>
+            <a:lvl7pPr marL="2971800" indent="-228600" algn="l" defTabSz="457200" rtl="0" eaLnBrk="1" latinLnBrk="0" hangingPunct="1">
+              <a:spcBef>
+                <a:spcPct val="20000"/>
+              </a:spcBef>
+              <a:buFont typeface="Arial"/>
+              <a:buChar char="•"/>
+              <a:defRPr sz="2000" kern="1200">
+                <a:solidFill>
+                  <a:schemeClr val="tx1"/>
+                </a:solidFill>
+                <a:latin typeface="+mn-lt"/>
+                <a:ea typeface="+mn-ea"/>
+                <a:cs typeface="+mn-cs"/>
+              </a:defRPr>
+            </a:lvl7pPr>
+            <a:lvl8pPr marL="3429000" indent="-228600" algn="l" defTabSz="457200" rtl="0" eaLnBrk="1" latinLnBrk="0" hangingPunct="1">
+              <a:spcBef>
+                <a:spcPct val="20000"/>
+              </a:spcBef>
+              <a:buFont typeface="Arial"/>
+              <a:buChar char="•"/>
+              <a:defRPr sz="2000" kern="1200">
+                <a:solidFill>
+                  <a:schemeClr val="tx1"/>
+                </a:solidFill>
+                <a:latin typeface="+mn-lt"/>
+                <a:ea typeface="+mn-ea"/>
+                <a:cs typeface="+mn-cs"/>
+              </a:defRPr>
+            </a:lvl8pPr>
+            <a:lvl9pPr marL="3886200" indent="-228600" algn="l" defTabSz="457200" rtl="0" eaLnBrk="1" latinLnBrk="0" hangingPunct="1">
+              <a:spcBef>
+                <a:spcPct val="20000"/>
+              </a:spcBef>
+              <a:buFont typeface="Arial"/>
+              <a:buChar char="•"/>
+              <a:defRPr sz="2000" kern="1200">
+                <a:solidFill>
+                  <a:schemeClr val="tx1"/>
+                </a:solidFill>
+                <a:latin typeface="+mn-lt"/>
+                <a:ea typeface="+mn-ea"/>
+                <a:cs typeface="+mn-cs"/>
+              </a:defRPr>
+            </a:lvl9pPr>
+          </a:lstStyle>
+          <a:p>
+            <a:r>
+              <a:rPr lang="fr-FR" sz="2400" b="1" dirty="0"/>
+              <a:t> </a:t>
+            </a:r>
+            <a:r>
+              <a:rPr lang="fr-FR" sz="2400" dirty="0"/>
+              <a:t>Le DOM émet des événements (DOM Event) lorsque ses éléments (DOM </a:t>
+            </a:r>
+            <a:r>
+              <a:rPr lang="fr-FR" sz="2400" dirty="0" err="1"/>
+              <a:t>Element</a:t>
+            </a:r>
+            <a:r>
+              <a:rPr lang="fr-FR" sz="2400" dirty="0"/>
+              <a:t>) subissent des interactions.</a:t>
+            </a:r>
+          </a:p>
+          <a:p>
+            <a:pPr lvl="1"/>
+            <a:r>
+              <a:rPr lang="fr-FR" sz="2000" dirty="0"/>
+              <a:t>Lorsqu'un utilisateur clique sur la souris</a:t>
+            </a:r>
+          </a:p>
+          <a:p>
+            <a:pPr lvl="1"/>
+            <a:r>
+              <a:rPr lang="fr-FR" sz="2000" dirty="0"/>
+              <a:t>Quand une page Web/ image </a:t>
+            </a:r>
+            <a:r>
+              <a:rPr lang="fr-FR" sz="2000" dirty="0" smtClean="0"/>
+              <a:t>est chargée</a:t>
+            </a:r>
+            <a:endParaRPr lang="fr-FR" sz="2000" dirty="0"/>
+          </a:p>
+          <a:p>
+            <a:pPr lvl="1"/>
+            <a:r>
+              <a:rPr lang="fr-FR" sz="2000" dirty="0"/>
+              <a:t>Quand la souris passe sur un élément</a:t>
+            </a:r>
+          </a:p>
+          <a:p>
+            <a:pPr lvl="1"/>
+            <a:r>
+              <a:rPr lang="fr-FR" sz="2000" dirty="0"/>
+              <a:t>Lorsqu'un champ de saisie est modifié</a:t>
+            </a:r>
+          </a:p>
+          <a:p>
+            <a:pPr lvl="1"/>
+            <a:r>
+              <a:rPr lang="fr-FR" sz="2000" dirty="0"/>
+              <a:t>Lorsqu'un formulaire HTML est soumis</a:t>
+            </a:r>
+          </a:p>
+          <a:p>
+            <a:pPr marL="400050" indent="-400050"/>
+            <a:r>
+              <a:rPr lang="fr-FR" sz="2400" dirty="0" smtClean="0"/>
+              <a:t>JavaScript permet d’ajouter </a:t>
+            </a:r>
+            <a:r>
+              <a:rPr lang="fr-FR" sz="2400" dirty="0"/>
+              <a:t>des </a:t>
+            </a:r>
+            <a:r>
+              <a:rPr lang="fr-FR" sz="2400" dirty="0" smtClean="0"/>
+              <a:t>traitements </a:t>
+            </a:r>
+            <a:r>
+              <a:rPr lang="fr-FR" sz="2400" dirty="0"/>
+              <a:t>(fonctions </a:t>
+            </a:r>
+            <a:r>
+              <a:rPr lang="fr-FR" sz="2400" i="1" dirty="0"/>
+              <a:t>callbacks</a:t>
+            </a:r>
+            <a:r>
+              <a:rPr lang="fr-FR" sz="2400" dirty="0" smtClean="0"/>
+              <a:t>) qui </a:t>
+            </a:r>
+            <a:r>
+              <a:rPr lang="fr-FR" sz="2400" dirty="0"/>
+              <a:t>seront exécutés </a:t>
+            </a:r>
+            <a:r>
+              <a:rPr lang="fr-FR" sz="2400" dirty="0" smtClean="0"/>
+              <a:t>lorsqu'un </a:t>
+            </a:r>
+            <a:r>
+              <a:rPr lang="fr-FR" sz="2400" dirty="0"/>
+              <a:t>événement sera </a:t>
+            </a:r>
+            <a:r>
+              <a:rPr lang="fr-FR" sz="2400" dirty="0" smtClean="0"/>
+              <a:t>émis.</a:t>
+            </a:r>
+            <a:endParaRPr lang="fr-FR" sz="2400" dirty="0"/>
           </a:p>
         </p:txBody>
       </p:sp>
       <p:sp>
         <p:nvSpPr>
-          <p:cNvPr id="5" name="Espace réservé du pied de page 4"/>
-          <p:cNvSpPr>
-            <a:spLocks noGrp="1"/>
-          </p:cNvSpPr>
-          <p:nvPr>
-            <p:ph type="ftr" sz="quarter" idx="11"/>
-          </p:nvPr>
-        </p:nvSpPr>
-        <p:spPr/>
-        <p:txBody>
-          <a:bodyPr/>
-          <a:lstStyle/>
-          <a:p>
-            <a:r>
-              <a:rPr lang="fr-FR"/>
-              <a:t>DIU NSI</a:t>
-            </a:r>
-          </a:p>
-        </p:txBody>
-      </p:sp>
-      <p:sp>
-        <p:nvSpPr>
-          <p:cNvPr id="6" name="Espace réservé du numéro de diapositive 5"/>
-          <p:cNvSpPr>
-            <a:spLocks noGrp="1"/>
-          </p:cNvSpPr>
-          <p:nvPr>
-            <p:ph type="sldNum" sz="quarter" idx="12"/>
-          </p:nvPr>
-        </p:nvSpPr>
-        <p:spPr/>
-        <p:txBody>
-          <a:bodyPr/>
-          <a:lstStyle/>
-          <a:p>
-            <a:fld id="{DCE37727-CC04-7A46-938D-2CCFF056F773}" type="slidenum">
-              <a:rPr lang="fr-FR" smtClean="0"/>
-              <a:pPr/>
-              <a:t>8</a:t>
-            </a:fld>
-            <a:endParaRPr lang="fr-FR"/>
-          </a:p>
-        </p:txBody>
-      </p:sp>
-      <p:sp>
-        <p:nvSpPr>
-          <p:cNvPr id="8" name="Rectangle 7">
+          <p:cNvPr id="10" name="Rectangle 9">
             <a:extLst>
               <a:ext uri="{FF2B5EF4-FFF2-40B4-BE49-F238E27FC236}">
-                <a16:creationId xmlns:a16="http://schemas.microsoft.com/office/drawing/2014/main" id="{99D6AB73-3556-6845-9EF8-9024C2407A0D}"/>
+                <a16:creationId xmlns:a16="http://schemas.microsoft.com/office/drawing/2014/main" xmlns="" id="{99D6AB73-3556-6845-9EF8-9024C2407A0D}"/>
               </a:ext>
             </a:extLst>
           </p:cNvPr>
@@ -9311,8 +11940,8 @@
         </p:nvSpPr>
         <p:spPr>
           <a:xfrm>
-            <a:off x="1033707" y="4726662"/>
-            <a:ext cx="7003434" cy="1462598"/>
+            <a:off x="919021" y="4851714"/>
+            <a:ext cx="7263623" cy="1567138"/>
           </a:xfrm>
           <a:prstGeom prst="rect">
             <a:avLst/>
@@ -9330,308 +11959,572 @@
         </p:spPr>
         <p:txBody>
           <a:bodyPr vert="horz" lIns="91440" tIns="45720" rIns="91440" bIns="45720" rtlCol="0" anchor="ctr">
-            <a:normAutofit/>
+            <a:normAutofit fontScale="92500" lnSpcReduction="10000"/>
           </a:bodyPr>
           <a:lstStyle/>
           <a:p>
-            <a:pPr marL="47625"/>
+            <a:pPr lvl="0" defTabSz="914400" eaLnBrk="0" fontAlgn="base" hangingPunct="0">
+              <a:spcBef>
+                <a:spcPct val="0"/>
+              </a:spcBef>
+              <a:spcAft>
+                <a:spcPct val="0"/>
+              </a:spcAft>
+            </a:pPr>
+            <a:r>
+              <a:rPr lang="fr-FR" altLang="fr-FR" dirty="0" err="1">
+                <a:solidFill>
+                  <a:srgbClr val="6F42C1"/>
+                </a:solidFill>
+                <a:latin typeface="SFMono-Regular"/>
+              </a:rPr>
+              <a:t>clickAjoutCarte</a:t>
+            </a:r>
             <a:r>
               <a:rPr lang="fr-FR" altLang="fr-FR" dirty="0">
                 <a:solidFill>
-                  <a:srgbClr val="00B050"/>
-                </a:solidFill>
-                <a:latin typeface="Source Code Pro" panose="020B0509030403020204"/>
-              </a:rPr>
-              <a:t>var</a:t>
+                  <a:srgbClr val="24292E"/>
+                </a:solidFill>
+                <a:latin typeface="SFMono-Regular"/>
+              </a:rPr>
+              <a:t>() </a:t>
+            </a:r>
+            <a:r>
+              <a:rPr lang="fr-FR" altLang="fr-FR" dirty="0" smtClean="0">
+                <a:solidFill>
+                  <a:srgbClr val="24292E"/>
+                </a:solidFill>
+                <a:latin typeface="SFMono-Regular"/>
+              </a:rPr>
+              <a:t>{</a:t>
+            </a:r>
+          </a:p>
+          <a:p>
+            <a:pPr lvl="0" defTabSz="914400" eaLnBrk="0" fontAlgn="base" hangingPunct="0">
+              <a:spcBef>
+                <a:spcPct val="0"/>
+              </a:spcBef>
+              <a:spcAft>
+                <a:spcPct val="0"/>
+              </a:spcAft>
+            </a:pPr>
+            <a:r>
+              <a:rPr lang="fr-FR" altLang="fr-FR" dirty="0" smtClean="0">
+                <a:solidFill>
+                  <a:srgbClr val="24292E"/>
+                </a:solidFill>
+                <a:latin typeface="SFMono-Regular"/>
+              </a:rPr>
+              <a:t>  </a:t>
             </a:r>
             <a:r>
               <a:rPr lang="fr-FR" altLang="fr-FR" dirty="0">
-                <a:latin typeface="Source Code Pro" panose="020B0509030403020204" pitchFamily="49" charset="0"/>
-                <a:ea typeface="Source Code Pro" panose="020B0509030403020204" pitchFamily="49" charset="0"/>
+                <a:solidFill>
+                  <a:srgbClr val="D73A49"/>
+                </a:solidFill>
+                <a:latin typeface="SFMono-Regular"/>
+              </a:rPr>
+              <a:t>let</a:t>
+            </a:r>
+            <a:r>
+              <a:rPr lang="fr-FR" altLang="fr-FR" dirty="0">
+                <a:solidFill>
+                  <a:srgbClr val="24292E"/>
+                </a:solidFill>
+                <a:latin typeface="SFMono-Regular"/>
               </a:rPr>
               <a:t> </a:t>
             </a:r>
             <a:r>
               <a:rPr lang="fr-FR" altLang="fr-FR" dirty="0" err="1">
-                <a:latin typeface="Source Code Pro" panose="020B0509030403020204" pitchFamily="49" charset="0"/>
-                <a:ea typeface="Source Code Pro" panose="020B0509030403020204" pitchFamily="49" charset="0"/>
-              </a:rPr>
-              <a:t>target</a:t>
+                <a:solidFill>
+                  <a:srgbClr val="24292E"/>
+                </a:solidFill>
+                <a:latin typeface="SFMono-Regular"/>
+              </a:rPr>
+              <a:t>img</a:t>
             </a:r>
             <a:r>
               <a:rPr lang="fr-FR" altLang="fr-FR" dirty="0">
-                <a:latin typeface="Source Code Pro" panose="020B0509030403020204" pitchFamily="49" charset="0"/>
-                <a:ea typeface="Source Code Pro" panose="020B0509030403020204" pitchFamily="49" charset="0"/>
-              </a:rPr>
-              <a:t> = </a:t>
+                <a:solidFill>
+                  <a:srgbClr val="24292E"/>
+                </a:solidFill>
+                <a:latin typeface="SFMono-Regular"/>
+              </a:rPr>
+              <a:t> </a:t>
+            </a:r>
+            <a:r>
+              <a:rPr lang="fr-FR" altLang="fr-FR" dirty="0">
+                <a:solidFill>
+                  <a:srgbClr val="D73A49"/>
+                </a:solidFill>
+                <a:latin typeface="SFMono-Regular"/>
+              </a:rPr>
+              <a:t>=</a:t>
+            </a:r>
+            <a:r>
+              <a:rPr lang="fr-FR" altLang="fr-FR" dirty="0">
+                <a:solidFill>
+                  <a:srgbClr val="24292E"/>
+                </a:solidFill>
+                <a:latin typeface="SFMono-Regular"/>
+              </a:rPr>
+              <a:t> </a:t>
             </a:r>
             <a:r>
               <a:rPr lang="fr-FR" altLang="fr-FR" dirty="0" err="1">
-                <a:latin typeface="Source Code Pro" panose="020B0509030403020204" pitchFamily="49" charset="0"/>
-                <a:ea typeface="Source Code Pro" panose="020B0509030403020204" pitchFamily="49" charset="0"/>
-              </a:rPr>
-              <a:t>document.</a:t>
+                <a:solidFill>
+                  <a:srgbClr val="005CC5"/>
+                </a:solidFill>
+                <a:latin typeface="SFMono-Regular"/>
+              </a:rPr>
+              <a:t>document</a:t>
             </a:r>
             <a:r>
               <a:rPr lang="fr-FR" altLang="fr-FR" dirty="0" err="1">
                 <a:solidFill>
+                  <a:srgbClr val="24292E"/>
+                </a:solidFill>
+                <a:latin typeface="SFMono-Regular"/>
+              </a:rPr>
+              <a:t>.</a:t>
+            </a:r>
+            <a:r>
+              <a:rPr lang="fr-FR" altLang="fr-FR" dirty="0" err="1">
+                <a:solidFill>
                   <a:srgbClr val="005CC5"/>
                 </a:solidFill>
-                <a:latin typeface="Source Code Pro" panose="020B0509030403020204"/>
+                <a:latin typeface="SFMono-Regular"/>
+              </a:rPr>
+              <a:t>createElement</a:t>
+            </a:r>
+            <a:r>
+              <a:rPr lang="fr-FR" altLang="fr-FR" dirty="0">
+                <a:solidFill>
+                  <a:srgbClr val="24292E"/>
+                </a:solidFill>
+                <a:latin typeface="SFMono-Regular"/>
+              </a:rPr>
+              <a:t>(</a:t>
+            </a:r>
+            <a:r>
+              <a:rPr lang="fr-FR" altLang="fr-FR" dirty="0">
+                <a:solidFill>
+                  <a:srgbClr val="032F62"/>
+                </a:solidFill>
+                <a:latin typeface="SFMono-Regular"/>
+              </a:rPr>
+              <a:t>'</a:t>
+            </a:r>
+            <a:r>
+              <a:rPr lang="fr-FR" altLang="fr-FR" dirty="0" err="1">
+                <a:solidFill>
+                  <a:srgbClr val="032F62"/>
+                </a:solidFill>
+                <a:latin typeface="SFMono-Regular"/>
+              </a:rPr>
+              <a:t>img</a:t>
+            </a:r>
+            <a:r>
+              <a:rPr lang="fr-FR" altLang="fr-FR" dirty="0">
+                <a:solidFill>
+                  <a:srgbClr val="032F62"/>
+                </a:solidFill>
+                <a:latin typeface="SFMono-Regular"/>
+              </a:rPr>
+              <a:t>'</a:t>
+            </a:r>
+            <a:r>
+              <a:rPr lang="fr-FR" altLang="fr-FR" dirty="0">
+                <a:solidFill>
+                  <a:srgbClr val="24292E"/>
+                </a:solidFill>
+                <a:latin typeface="SFMono-Regular"/>
+              </a:rPr>
+              <a:t>); </a:t>
+            </a:r>
+            <a:endParaRPr lang="fr-FR" altLang="fr-FR" dirty="0" smtClean="0">
+              <a:solidFill>
+                <a:srgbClr val="24292E"/>
+              </a:solidFill>
+              <a:latin typeface="SFMono-Regular"/>
+            </a:endParaRPr>
+          </a:p>
+          <a:p>
+            <a:pPr lvl="0" defTabSz="914400" eaLnBrk="0" fontAlgn="base" hangingPunct="0">
+              <a:spcBef>
+                <a:spcPct val="0"/>
+              </a:spcBef>
+              <a:spcAft>
+                <a:spcPct val="0"/>
+              </a:spcAft>
+            </a:pPr>
+            <a:r>
+              <a:rPr lang="fr-FR" altLang="fr-FR" dirty="0">
+                <a:solidFill>
+                  <a:srgbClr val="24292E"/>
+                </a:solidFill>
+                <a:latin typeface="SFMono-Regular"/>
+              </a:rPr>
+              <a:t> </a:t>
+            </a:r>
+            <a:r>
+              <a:rPr lang="fr-FR" altLang="fr-FR" dirty="0" smtClean="0">
+                <a:solidFill>
+                  <a:srgbClr val="24292E"/>
+                </a:solidFill>
+                <a:latin typeface="SFMono-Regular"/>
+              </a:rPr>
+              <a:t> </a:t>
+            </a:r>
+            <a:r>
+              <a:rPr lang="fr-FR" altLang="fr-FR" dirty="0" err="1" smtClean="0">
+                <a:solidFill>
+                  <a:srgbClr val="24292E"/>
+                </a:solidFill>
+                <a:latin typeface="SFMono-Regular"/>
+              </a:rPr>
+              <a:t>img.src</a:t>
+            </a:r>
+            <a:r>
+              <a:rPr lang="fr-FR" altLang="fr-FR" dirty="0" smtClean="0">
+                <a:solidFill>
+                  <a:srgbClr val="24292E"/>
+                </a:solidFill>
+                <a:latin typeface="SFMono-Regular"/>
+              </a:rPr>
+              <a:t> </a:t>
+            </a:r>
+            <a:r>
+              <a:rPr lang="fr-FR" altLang="fr-FR" dirty="0">
+                <a:solidFill>
+                  <a:srgbClr val="D73A49"/>
+                </a:solidFill>
+                <a:latin typeface="SFMono-Regular"/>
+              </a:rPr>
+              <a:t>=</a:t>
+            </a:r>
+            <a:r>
+              <a:rPr lang="fr-FR" altLang="fr-FR" dirty="0">
+                <a:solidFill>
+                  <a:srgbClr val="24292E"/>
+                </a:solidFill>
+                <a:latin typeface="SFMono-Regular"/>
+              </a:rPr>
+              <a:t> </a:t>
+            </a:r>
+            <a:r>
+              <a:rPr lang="fr-FR" altLang="fr-FR" dirty="0">
+                <a:solidFill>
+                  <a:srgbClr val="032F62"/>
+                </a:solidFill>
+                <a:latin typeface="SFMono-Regular"/>
+              </a:rPr>
+              <a:t>'./</a:t>
+            </a:r>
+            <a:r>
+              <a:rPr lang="fr-FR" altLang="fr-FR" dirty="0" err="1">
+                <a:solidFill>
+                  <a:srgbClr val="032F62"/>
+                </a:solidFill>
+                <a:latin typeface="SFMono-Regular"/>
+              </a:rPr>
+              <a:t>img</a:t>
+            </a:r>
+            <a:r>
+              <a:rPr lang="fr-FR" altLang="fr-FR" dirty="0">
+                <a:solidFill>
+                  <a:srgbClr val="032F62"/>
+                </a:solidFill>
+                <a:latin typeface="SFMono-Regular"/>
+              </a:rPr>
+              <a:t>/01.BMP'</a:t>
+            </a:r>
+            <a:r>
+              <a:rPr lang="fr-FR" altLang="fr-FR" dirty="0">
+                <a:solidFill>
+                  <a:srgbClr val="24292E"/>
+                </a:solidFill>
+                <a:latin typeface="SFMono-Regular"/>
+              </a:rPr>
+              <a:t>; </a:t>
+            </a:r>
+            <a:endParaRPr lang="fr-FR" altLang="fr-FR" dirty="0" smtClean="0">
+              <a:solidFill>
+                <a:srgbClr val="24292E"/>
+              </a:solidFill>
+              <a:latin typeface="SFMono-Regular"/>
+            </a:endParaRPr>
+          </a:p>
+          <a:p>
+            <a:pPr lvl="0" defTabSz="914400" eaLnBrk="0" fontAlgn="base" hangingPunct="0">
+              <a:spcBef>
+                <a:spcPct val="0"/>
+              </a:spcBef>
+              <a:spcAft>
+                <a:spcPct val="0"/>
+              </a:spcAft>
+            </a:pPr>
+            <a:r>
+              <a:rPr lang="fr-FR" altLang="fr-FR" dirty="0" smtClean="0">
+                <a:solidFill>
+                  <a:srgbClr val="24292E"/>
+                </a:solidFill>
+                <a:latin typeface="SFMono-Regular"/>
+              </a:rPr>
+              <a:t> </a:t>
+            </a:r>
+            <a:r>
+              <a:rPr lang="fr-FR" altLang="fr-FR" dirty="0" err="1" smtClean="0">
+                <a:solidFill>
+                  <a:srgbClr val="005CC5"/>
+                </a:solidFill>
+                <a:latin typeface="SFMono-Regular"/>
+              </a:rPr>
+              <a:t>document</a:t>
+            </a:r>
+            <a:r>
+              <a:rPr lang="fr-FR" altLang="fr-FR" dirty="0" err="1" smtClean="0">
+                <a:solidFill>
+                  <a:srgbClr val="24292E"/>
+                </a:solidFill>
+                <a:latin typeface="SFMono-Regular"/>
+              </a:rPr>
+              <a:t>.</a:t>
+            </a:r>
+            <a:r>
+              <a:rPr lang="fr-FR" altLang="fr-FR" dirty="0" err="1" smtClean="0">
+                <a:solidFill>
+                  <a:srgbClr val="005CC5"/>
+                </a:solidFill>
+                <a:latin typeface="SFMono-Regular"/>
               </a:rPr>
               <a:t>getElementById</a:t>
             </a:r>
             <a:r>
               <a:rPr lang="fr-FR" altLang="fr-FR" dirty="0">
-                <a:latin typeface="Source Code Pro" panose="020B0509030403020204" pitchFamily="49" charset="0"/>
-                <a:ea typeface="Source Code Pro" panose="020B0509030403020204" pitchFamily="49" charset="0"/>
+                <a:solidFill>
+                  <a:srgbClr val="24292E"/>
+                </a:solidFill>
+                <a:latin typeface="SFMono-Regular"/>
               </a:rPr>
               <a:t>(</a:t>
             </a:r>
             <a:r>
               <a:rPr lang="fr-FR" altLang="fr-FR" dirty="0">
                 <a:solidFill>
-                  <a:srgbClr val="657B83"/>
-                </a:solidFill>
-                <a:latin typeface="Source Code Pro" panose="020B0509030403020204" pitchFamily="49" charset="0"/>
-                <a:ea typeface="Source Code Pro" panose="020B0509030403020204" pitchFamily="49" charset="0"/>
-              </a:rPr>
-              <a:t>"</a:t>
+                  <a:srgbClr val="032F62"/>
+                </a:solidFill>
+                <a:latin typeface="SFMono-Regular"/>
+              </a:rPr>
+              <a:t>"mes-cartes"</a:t>
+            </a:r>
+            <a:r>
+              <a:rPr lang="fr-FR" altLang="fr-FR" dirty="0">
+                <a:solidFill>
+                  <a:srgbClr val="24292E"/>
+                </a:solidFill>
+                <a:latin typeface="SFMono-Regular"/>
+              </a:rPr>
+              <a:t>).</a:t>
             </a:r>
             <a:r>
               <a:rPr lang="fr-FR" altLang="fr-FR" dirty="0" err="1">
                 <a:solidFill>
-                  <a:srgbClr val="657B83"/>
-                </a:solidFill>
-                <a:latin typeface="Source Code Pro" panose="020B0509030403020204" pitchFamily="49" charset="0"/>
-                <a:ea typeface="Source Code Pro" panose="020B0509030403020204" pitchFamily="49" charset="0"/>
-              </a:rPr>
-              <a:t>monId</a:t>
+                  <a:srgbClr val="005CC5"/>
+                </a:solidFill>
+                <a:latin typeface="SFMono-Regular"/>
+              </a:rPr>
+              <a:t>appendChild</a:t>
             </a:r>
             <a:r>
               <a:rPr lang="fr-FR" altLang="fr-FR" dirty="0">
                 <a:solidFill>
-                  <a:srgbClr val="657B83"/>
-                </a:solidFill>
-                <a:latin typeface="Source Code Pro" panose="020B0509030403020204" pitchFamily="49" charset="0"/>
-                <a:ea typeface="Source Code Pro" panose="020B0509030403020204" pitchFamily="49" charset="0"/>
-              </a:rPr>
-              <a:t>"</a:t>
+                  <a:srgbClr val="24292E"/>
+                </a:solidFill>
+                <a:latin typeface="SFMono-Regular"/>
+              </a:rPr>
+              <a:t>(</a:t>
+            </a:r>
+            <a:r>
+              <a:rPr lang="fr-FR" altLang="fr-FR" dirty="0" err="1">
+                <a:solidFill>
+                  <a:srgbClr val="24292E"/>
+                </a:solidFill>
+                <a:latin typeface="SFMono-Regular"/>
+              </a:rPr>
+              <a:t>img</a:t>
             </a:r>
             <a:r>
               <a:rPr lang="fr-FR" altLang="fr-FR" dirty="0">
-                <a:latin typeface="Source Code Pro" panose="020B0509030403020204" pitchFamily="49" charset="0"/>
-                <a:ea typeface="Source Code Pro" panose="020B0509030403020204" pitchFamily="49" charset="0"/>
-              </a:rPr>
-              <a:t>); </a:t>
+                <a:solidFill>
+                  <a:srgbClr val="24292E"/>
+                </a:solidFill>
+                <a:latin typeface="SFMono-Regular"/>
+              </a:rPr>
+              <a:t>) </a:t>
+            </a:r>
+            <a:endParaRPr lang="fr-FR" altLang="fr-FR" dirty="0" smtClean="0">
+              <a:solidFill>
+                <a:srgbClr val="24292E"/>
+              </a:solidFill>
+              <a:latin typeface="SFMono-Regular"/>
+            </a:endParaRPr>
+          </a:p>
+          <a:p>
+            <a:pPr lvl="0" defTabSz="914400" eaLnBrk="0" fontAlgn="base" hangingPunct="0">
+              <a:spcBef>
+                <a:spcPct val="0"/>
+              </a:spcBef>
+              <a:spcAft>
+                <a:spcPct val="0"/>
+              </a:spcAft>
+            </a:pPr>
+            <a:r>
+              <a:rPr lang="fr-FR" altLang="fr-FR" dirty="0" smtClean="0">
+                <a:solidFill>
+                  <a:srgbClr val="24292E"/>
+                </a:solidFill>
+                <a:latin typeface="SFMono-Regular"/>
+              </a:rPr>
+              <a:t>}</a:t>
+            </a:r>
+          </a:p>
+          <a:p>
+            <a:pPr lvl="0" defTabSz="914400" eaLnBrk="0" fontAlgn="base" hangingPunct="0">
+              <a:spcBef>
+                <a:spcPct val="0"/>
+              </a:spcBef>
+              <a:spcAft>
+                <a:spcPct val="0"/>
+              </a:spcAft>
+            </a:pPr>
+            <a:r>
+              <a:rPr lang="fr-FR" altLang="fr-FR" dirty="0" smtClean="0">
+                <a:solidFill>
+                  <a:srgbClr val="24292E"/>
+                </a:solidFill>
+                <a:latin typeface="SFMono-Regular"/>
+              </a:rPr>
+              <a:t> </a:t>
+            </a:r>
+            <a:r>
+              <a:rPr lang="fr-FR" altLang="fr-FR" dirty="0" err="1">
+                <a:solidFill>
+                  <a:srgbClr val="005CC5"/>
+                </a:solidFill>
+                <a:latin typeface="SFMono-Regular"/>
+              </a:rPr>
+              <a:t>document</a:t>
+            </a:r>
+            <a:r>
+              <a:rPr lang="fr-FR" altLang="fr-FR" dirty="0" err="1">
+                <a:solidFill>
+                  <a:srgbClr val="24292E"/>
+                </a:solidFill>
+                <a:latin typeface="SFMono-Regular"/>
+              </a:rPr>
+              <a:t>.</a:t>
+            </a:r>
+            <a:r>
+              <a:rPr lang="fr-FR" altLang="fr-FR" dirty="0" err="1">
+                <a:solidFill>
+                  <a:srgbClr val="005CC5"/>
+                </a:solidFill>
+                <a:latin typeface="SFMono-Regular"/>
+              </a:rPr>
+              <a:t>getElementById</a:t>
             </a:r>
             <a:r>
               <a:rPr lang="fr-FR" altLang="fr-FR" dirty="0">
                 <a:solidFill>
-                  <a:srgbClr val="00B050"/>
-                </a:solidFill>
-                <a:latin typeface="Source Code Pro" panose="020B0509030403020204"/>
-              </a:rPr>
-              <a:t>var</a:t>
+                  <a:srgbClr val="24292E"/>
+                </a:solidFill>
+                <a:latin typeface="SFMono-Regular"/>
+              </a:rPr>
+              <a:t>(</a:t>
             </a:r>
             <a:r>
               <a:rPr lang="fr-FR" altLang="fr-FR" dirty="0">
-                <a:latin typeface="Source Code Pro" panose="020B0509030403020204" pitchFamily="49" charset="0"/>
-                <a:ea typeface="Source Code Pro" panose="020B0509030403020204" pitchFamily="49" charset="0"/>
-              </a:rPr>
+                <a:solidFill>
+                  <a:srgbClr val="032F62"/>
+                </a:solidFill>
+                <a:latin typeface="SFMono-Regular"/>
+              </a:rPr>
+              <a:t>"ajout-carte"</a:t>
+            </a:r>
+            <a:r>
+              <a:rPr lang="fr-FR" altLang="fr-FR" dirty="0">
+                <a:solidFill>
+                  <a:srgbClr val="24292E"/>
+                </a:solidFill>
+                <a:latin typeface="SFMono-Regular"/>
+              </a:rPr>
+              <a:t>).</a:t>
+            </a:r>
+            <a:r>
+              <a:rPr lang="fr-FR" altLang="fr-FR" dirty="0" err="1">
+                <a:solidFill>
+                  <a:srgbClr val="6F42C1"/>
+                </a:solidFill>
+                <a:latin typeface="SFMono-Regular"/>
+              </a:rPr>
+              <a:t>onclick</a:t>
+            </a:r>
+            <a:r>
+              <a:rPr lang="fr-FR" altLang="fr-FR" dirty="0">
+                <a:solidFill>
+                  <a:srgbClr val="24292E"/>
+                </a:solidFill>
+                <a:latin typeface="SFMono-Regular"/>
+              </a:rPr>
+              <a:t>(</a:t>
+            </a:r>
+            <a:r>
+              <a:rPr lang="fr-FR" altLang="fr-FR" dirty="0" err="1">
+                <a:solidFill>
+                  <a:srgbClr val="24292E"/>
+                </a:solidFill>
+                <a:latin typeface="SFMono-Regular"/>
+              </a:rPr>
+              <a:t>clickAjoutCarte</a:t>
+            </a:r>
+            <a:r>
+              <a:rPr lang="fr-FR" altLang="fr-FR" dirty="0">
+                <a:solidFill>
+                  <a:srgbClr val="24292E"/>
+                </a:solidFill>
+                <a:latin typeface="SFMono-Regular"/>
+              </a:rPr>
+              <a:t>);</a:t>
+            </a:r>
+            <a:r>
+              <a:rPr lang="fr-FR" altLang="fr-FR" sz="800" dirty="0"/>
               <a:t> </a:t>
             </a:r>
-            <a:r>
-              <a:rPr lang="fr-FR" altLang="fr-FR" dirty="0" err="1">
-                <a:latin typeface="Source Code Pro" panose="020B0509030403020204" pitchFamily="49" charset="0"/>
-                <a:ea typeface="Source Code Pro" panose="020B0509030403020204" pitchFamily="49" charset="0"/>
-              </a:rPr>
-              <a:t>img</a:t>
-            </a:r>
-            <a:r>
-              <a:rPr lang="fr-FR" altLang="fr-FR" dirty="0">
-                <a:latin typeface="Source Code Pro" panose="020B0509030403020204" pitchFamily="49" charset="0"/>
-                <a:ea typeface="Source Code Pro" panose="020B0509030403020204" pitchFamily="49" charset="0"/>
-              </a:rPr>
-              <a:t> = </a:t>
-            </a:r>
-            <a:r>
-              <a:rPr lang="fr-FR" altLang="fr-FR" dirty="0" err="1">
-                <a:latin typeface="Source Code Pro" panose="020B0509030403020204" pitchFamily="49" charset="0"/>
-                <a:ea typeface="Source Code Pro" panose="020B0509030403020204" pitchFamily="49" charset="0"/>
-              </a:rPr>
-              <a:t>document.</a:t>
-            </a:r>
-            <a:r>
-              <a:rPr lang="fr-FR" altLang="fr-FR" dirty="0" err="1">
-                <a:solidFill>
-                  <a:srgbClr val="005CC5"/>
-                </a:solidFill>
-                <a:latin typeface="Source Code Pro" panose="020B0509030403020204"/>
-              </a:rPr>
-              <a:t>createElement</a:t>
-            </a:r>
-            <a:r>
-              <a:rPr lang="fr-FR" altLang="fr-FR" dirty="0">
-                <a:latin typeface="Source Code Pro" panose="020B0509030403020204" pitchFamily="49" charset="0"/>
-                <a:ea typeface="Source Code Pro" panose="020B0509030403020204" pitchFamily="49" charset="0"/>
-              </a:rPr>
-              <a:t>(</a:t>
-            </a:r>
-            <a:r>
-              <a:rPr lang="fr-FR" altLang="fr-FR" dirty="0">
-                <a:solidFill>
-                  <a:srgbClr val="657B83"/>
-                </a:solidFill>
-                <a:latin typeface="Source Code Pro" panose="020B0509030403020204" pitchFamily="49" charset="0"/>
-                <a:ea typeface="Source Code Pro" panose="020B0509030403020204" pitchFamily="49" charset="0"/>
-              </a:rPr>
-              <a:t>'</a:t>
-            </a:r>
-            <a:r>
-              <a:rPr lang="fr-FR" altLang="fr-FR" dirty="0" err="1">
-                <a:solidFill>
-                  <a:srgbClr val="657B83"/>
-                </a:solidFill>
-                <a:latin typeface="Source Code Pro" panose="020B0509030403020204" pitchFamily="49" charset="0"/>
-                <a:ea typeface="Source Code Pro" panose="020B0509030403020204" pitchFamily="49" charset="0"/>
-              </a:rPr>
-              <a:t>img</a:t>
-            </a:r>
-            <a:r>
-              <a:rPr lang="fr-FR" altLang="fr-FR" dirty="0">
-                <a:solidFill>
-                  <a:srgbClr val="657B83"/>
-                </a:solidFill>
-                <a:latin typeface="Source Code Pro" panose="020B0509030403020204" pitchFamily="49" charset="0"/>
-                <a:ea typeface="Source Code Pro" panose="020B0509030403020204" pitchFamily="49" charset="0"/>
-              </a:rPr>
-              <a:t>'</a:t>
-            </a:r>
-            <a:r>
-              <a:rPr lang="fr-FR" altLang="fr-FR" dirty="0">
-                <a:latin typeface="Source Code Pro" panose="020B0509030403020204" pitchFamily="49" charset="0"/>
-                <a:ea typeface="Source Code Pro" panose="020B0509030403020204" pitchFamily="49" charset="0"/>
-              </a:rPr>
-              <a:t>); </a:t>
-            </a:r>
-          </a:p>
-          <a:p>
-            <a:pPr marL="47625"/>
-            <a:r>
-              <a:rPr lang="fr-FR" altLang="fr-FR" dirty="0" err="1">
-                <a:latin typeface="Source Code Pro" panose="020B0509030403020204" pitchFamily="49" charset="0"/>
-                <a:ea typeface="Source Code Pro" panose="020B0509030403020204" pitchFamily="49" charset="0"/>
-              </a:rPr>
-              <a:t>img.src</a:t>
-            </a:r>
-            <a:r>
-              <a:rPr lang="fr-FR" altLang="fr-FR" dirty="0">
-                <a:latin typeface="Source Code Pro" panose="020B0509030403020204" pitchFamily="49" charset="0"/>
-                <a:ea typeface="Source Code Pro" panose="020B0509030403020204" pitchFamily="49" charset="0"/>
-              </a:rPr>
-              <a:t> =</a:t>
-            </a:r>
-            <a:r>
-              <a:rPr lang="fr-FR" altLang="fr-FR" dirty="0">
-                <a:solidFill>
-                  <a:srgbClr val="657B83"/>
-                </a:solidFill>
-                <a:latin typeface="Source Code Pro" panose="020B0509030403020204" pitchFamily="49" charset="0"/>
-                <a:ea typeface="Source Code Pro" panose="020B0509030403020204" pitchFamily="49" charset="0"/>
-              </a:rPr>
-              <a:t> './</a:t>
-            </a:r>
-            <a:r>
-              <a:rPr lang="fr-FR" altLang="fr-FR" dirty="0" err="1">
-                <a:solidFill>
-                  <a:srgbClr val="657B83"/>
-                </a:solidFill>
-                <a:latin typeface="Source Code Pro" panose="020B0509030403020204" pitchFamily="49" charset="0"/>
-                <a:ea typeface="Source Code Pro" panose="020B0509030403020204" pitchFamily="49" charset="0"/>
-              </a:rPr>
-              <a:t>img</a:t>
-            </a:r>
-            <a:r>
-              <a:rPr lang="fr-FR" altLang="fr-FR" dirty="0">
-                <a:solidFill>
-                  <a:srgbClr val="657B83"/>
-                </a:solidFill>
-                <a:latin typeface="Source Code Pro" panose="020B0509030403020204" pitchFamily="49" charset="0"/>
-                <a:ea typeface="Source Code Pro" panose="020B0509030403020204" pitchFamily="49" charset="0"/>
-              </a:rPr>
-              <a:t>/02.BMP'</a:t>
-            </a:r>
-            <a:r>
-              <a:rPr lang="fr-FR" altLang="fr-FR" dirty="0">
-                <a:latin typeface="Source Code Pro" panose="020B0509030403020204" pitchFamily="49" charset="0"/>
-                <a:ea typeface="Source Code Pro" panose="020B0509030403020204" pitchFamily="49" charset="0"/>
-              </a:rPr>
-              <a:t>;</a:t>
-            </a:r>
-            <a:r>
-              <a:rPr lang="fr-FR" altLang="fr-FR" dirty="0">
-                <a:solidFill>
-                  <a:srgbClr val="657B83"/>
-                </a:solidFill>
-                <a:latin typeface="Source Code Pro" panose="020B0509030403020204" pitchFamily="49" charset="0"/>
-                <a:ea typeface="Source Code Pro" panose="020B0509030403020204" pitchFamily="49" charset="0"/>
-              </a:rPr>
-              <a:t> </a:t>
-            </a:r>
-          </a:p>
-          <a:p>
-            <a:pPr marL="47625"/>
-            <a:r>
-              <a:rPr lang="fr-FR" altLang="fr-FR" dirty="0" err="1">
-                <a:latin typeface="Source Code Pro" panose="020B0509030403020204" pitchFamily="49" charset="0"/>
-                <a:ea typeface="Source Code Pro" panose="020B0509030403020204" pitchFamily="49" charset="0"/>
-              </a:rPr>
-              <a:t>target.</a:t>
-            </a:r>
-            <a:r>
-              <a:rPr lang="fr-FR" altLang="fr-FR" dirty="0" err="1">
-                <a:solidFill>
-                  <a:srgbClr val="005CC5"/>
-                </a:solidFill>
-                <a:latin typeface="Source Code Pro" panose="020B0509030403020204"/>
-              </a:rPr>
-              <a:t>appendChild</a:t>
-            </a:r>
-            <a:r>
-              <a:rPr lang="fr-FR" altLang="fr-FR" dirty="0">
-                <a:latin typeface="Source Code Pro" panose="020B0509030403020204" pitchFamily="49" charset="0"/>
-                <a:ea typeface="Source Code Pro" panose="020B0509030403020204" pitchFamily="49" charset="0"/>
-              </a:rPr>
-              <a:t>(</a:t>
-            </a:r>
-            <a:r>
-              <a:rPr lang="fr-FR" altLang="fr-FR" dirty="0" err="1">
-                <a:latin typeface="Source Code Pro" panose="020B0509030403020204" pitchFamily="49" charset="0"/>
-                <a:ea typeface="Source Code Pro" panose="020B0509030403020204" pitchFamily="49" charset="0"/>
-              </a:rPr>
-              <a:t>img</a:t>
-            </a:r>
-            <a:r>
-              <a:rPr lang="fr-FR" altLang="fr-FR" dirty="0">
-                <a:latin typeface="Source Code Pro" panose="020B0509030403020204" pitchFamily="49" charset="0"/>
-                <a:ea typeface="Source Code Pro" panose="020B0509030403020204" pitchFamily="49" charset="0"/>
-              </a:rPr>
-              <a:t>); </a:t>
-            </a:r>
+            <a:endParaRPr lang="fr-FR" altLang="fr-FR" sz="4400" dirty="0">
+              <a:latin typeface="Arial" panose="020B0604020202020204" pitchFamily="34" charset="0"/>
+            </a:endParaRPr>
           </a:p>
         </p:txBody>
       </p:sp>
     </p:spTree>
     <p:extLst>
       <p:ext uri="{BB962C8B-B14F-4D97-AF65-F5344CB8AC3E}">
-        <p14:creationId xmlns:p14="http://schemas.microsoft.com/office/powerpoint/2010/main" val="3306125387"/>
+        <p14:creationId xmlns:p14="http://schemas.microsoft.com/office/powerpoint/2010/main" val="3024248437"/>
       </p:ext>
     </p:extLst>
   </p:cSld>
   <p:clrMapOvr>
     <a:masterClrMapping/>
   </p:clrMapOvr>
+  <p:timing>
+    <p:tnLst>
+      <p:par>
+        <p:cTn id="1" dur="indefinite" restart="never" nodeType="tmRoot"/>
+      </p:par>
+    </p:tnLst>
+  </p:timing>
 </p:sld>
 </file>
 
@@ -9671,31 +12564,17 @@
           <a:p>
             <a:r>
               <a:rPr lang="fr-FR" b="1" dirty="0"/>
-              <a:t>DOM Event</a:t>
-            </a:r>
-          </a:p>
-        </p:txBody>
-      </p:sp>
-      <p:sp>
-        <p:nvSpPr>
-          <p:cNvPr id="3" name="Espace réservé du contenu 2"/>
-          <p:cNvSpPr>
-            <a:spLocks noGrp="1"/>
-          </p:cNvSpPr>
-          <p:nvPr>
-            <p:ph idx="1"/>
-          </p:nvPr>
-        </p:nvSpPr>
-        <p:spPr/>
-        <p:txBody>
-          <a:bodyPr/>
-          <a:lstStyle/>
-          <a:p>
-            <a:pPr lvl="1"/>
-            <a:endParaRPr lang="fr-FR" dirty="0">
-              <a:latin typeface="Source Code Pro" panose="020B0509030403020204" pitchFamily="49" charset="0"/>
-              <a:ea typeface="Source Code Pro" panose="020B0509030403020204" pitchFamily="49" charset="0"/>
-            </a:endParaRPr>
+              <a:t>Glisser-Déposer (</a:t>
+            </a:r>
+            <a:r>
+              <a:rPr lang="fr-FR" b="1" i="1" dirty="0"/>
+              <a:t>Drag and Drop</a:t>
+            </a:r>
+            <a:r>
+              <a:rPr lang="fr-FR" b="1" dirty="0" smtClean="0"/>
+              <a:t>) (1/3)</a:t>
+            </a:r>
+            <a:endParaRPr lang="en-US" dirty="0"/>
           </a:p>
         </p:txBody>
       </p:sp>
@@ -9716,7 +12595,7 @@
           <a:p>
             <a:fld id="{BB2FA04C-1355-4CE6-8050-4BD994E23BD5}" type="datetime4">
               <a:rPr lang="fr-FR" smtClean="0"/>
-              <a:t>5 juin 2019</a:t>
+              <a:t>6 juin 2019</a:t>
             </a:fld>
             <a:endParaRPr lang="fr-FR" dirty="0"/>
           </a:p>
@@ -9738,9 +12617,10 @@
           <a:lstStyle/>
           <a:p>
             <a:r>
-              <a:rPr lang="fr-FR"/>
+              <a:rPr lang="fr-FR" smtClean="0"/>
               <a:t>DIU NSI</a:t>
             </a:r>
+            <a:endParaRPr lang="fr-FR"/>
           </a:p>
         </p:txBody>
       </p:sp>
@@ -9768,16 +12648,698 @@
           </a:p>
         </p:txBody>
       </p:sp>
+      <p:sp>
+        <p:nvSpPr>
+          <p:cNvPr id="8" name="Espace réservé du contenu 2"/>
+          <p:cNvSpPr txBox="1">
+            <a:spLocks/>
+          </p:cNvSpPr>
+          <p:nvPr/>
+        </p:nvSpPr>
+        <p:spPr>
+          <a:xfrm>
+            <a:off x="146304" y="1052137"/>
+            <a:ext cx="8644466" cy="5501063"/>
+          </a:xfrm>
+          <a:prstGeom prst="rect">
+            <a:avLst/>
+          </a:prstGeom>
+        </p:spPr>
+        <p:txBody>
+          <a:bodyPr vert="horz" lIns="91440" tIns="45720" rIns="91440" bIns="45720" rtlCol="0">
+            <a:noAutofit/>
+          </a:bodyPr>
+          <a:lstStyle>
+            <a:lvl1pPr marL="342900" marR="0" indent="-342900" algn="l" defTabSz="457200" rtl="0" eaLnBrk="1" fontAlgn="auto" latinLnBrk="0" hangingPunct="1">
+              <a:lnSpc>
+                <a:spcPct val="100000"/>
+              </a:lnSpc>
+              <a:spcBef>
+                <a:spcPct val="20000"/>
+              </a:spcBef>
+              <a:spcAft>
+                <a:spcPts val="0"/>
+              </a:spcAft>
+              <a:buClr>
+                <a:schemeClr val="accent6"/>
+              </a:buClr>
+              <a:buSzTx/>
+              <a:buFont typeface="Lucida Grande"/>
+              <a:buChar char="➔"/>
+              <a:tabLst/>
+              <a:defRPr sz="2000" kern="1200">
+                <a:solidFill>
+                  <a:schemeClr val="tx1"/>
+                </a:solidFill>
+                <a:latin typeface="+mn-lt"/>
+                <a:ea typeface="+mn-ea"/>
+                <a:cs typeface="+mn-cs"/>
+              </a:defRPr>
+            </a:lvl1pPr>
+            <a:lvl2pPr marL="742950" marR="0" indent="-285750" algn="l" defTabSz="457200" rtl="0" eaLnBrk="1" fontAlgn="auto" latinLnBrk="0" hangingPunct="1">
+              <a:lnSpc>
+                <a:spcPct val="100000"/>
+              </a:lnSpc>
+              <a:spcBef>
+                <a:spcPct val="20000"/>
+              </a:spcBef>
+              <a:spcAft>
+                <a:spcPts val="0"/>
+              </a:spcAft>
+              <a:buClr>
+                <a:srgbClr val="009DE0"/>
+              </a:buClr>
+              <a:buSzTx/>
+              <a:buFont typeface="Arial"/>
+              <a:buChar char="›"/>
+              <a:tabLst/>
+              <a:defRPr sz="2800" kern="1200">
+                <a:solidFill>
+                  <a:schemeClr val="tx1"/>
+                </a:solidFill>
+                <a:latin typeface="+mn-lt"/>
+                <a:ea typeface="+mn-ea"/>
+                <a:cs typeface="+mn-cs"/>
+              </a:defRPr>
+            </a:lvl2pPr>
+            <a:lvl3pPr marL="1143000" marR="0" indent="-228600" algn="l" defTabSz="457200" rtl="0" eaLnBrk="1" fontAlgn="auto" latinLnBrk="0" hangingPunct="1">
+              <a:lnSpc>
+                <a:spcPct val="100000"/>
+              </a:lnSpc>
+              <a:spcBef>
+                <a:spcPct val="20000"/>
+              </a:spcBef>
+              <a:spcAft>
+                <a:spcPts val="0"/>
+              </a:spcAft>
+              <a:buClrTx/>
+              <a:buSzTx/>
+              <a:buFont typeface="Arial"/>
+              <a:buChar char="•"/>
+              <a:tabLst/>
+              <a:defRPr sz="2400" kern="1200">
+                <a:solidFill>
+                  <a:schemeClr val="tx1"/>
+                </a:solidFill>
+                <a:latin typeface="+mn-lt"/>
+                <a:ea typeface="+mn-ea"/>
+                <a:cs typeface="+mn-cs"/>
+              </a:defRPr>
+            </a:lvl3pPr>
+            <a:lvl4pPr marL="1600200" marR="0" indent="-228600" algn="l" defTabSz="457200" rtl="0" eaLnBrk="1" fontAlgn="auto" latinLnBrk="0" hangingPunct="1">
+              <a:lnSpc>
+                <a:spcPct val="100000"/>
+              </a:lnSpc>
+              <a:spcBef>
+                <a:spcPct val="20000"/>
+              </a:spcBef>
+              <a:spcAft>
+                <a:spcPts val="0"/>
+              </a:spcAft>
+              <a:buClrTx/>
+              <a:buSzTx/>
+              <a:buFont typeface="Arial"/>
+              <a:buChar char="–"/>
+              <a:tabLst/>
+              <a:defRPr sz="2000" kern="1200">
+                <a:solidFill>
+                  <a:schemeClr val="tx1"/>
+                </a:solidFill>
+                <a:latin typeface="+mn-lt"/>
+                <a:ea typeface="+mn-ea"/>
+                <a:cs typeface="+mn-cs"/>
+              </a:defRPr>
+            </a:lvl4pPr>
+            <a:lvl5pPr marL="2057400" marR="0" indent="-228600" algn="l" defTabSz="457200" rtl="0" eaLnBrk="1" fontAlgn="auto" latinLnBrk="0" hangingPunct="1">
+              <a:lnSpc>
+                <a:spcPct val="100000"/>
+              </a:lnSpc>
+              <a:spcBef>
+                <a:spcPct val="20000"/>
+              </a:spcBef>
+              <a:spcAft>
+                <a:spcPts val="0"/>
+              </a:spcAft>
+              <a:buClrTx/>
+              <a:buSzTx/>
+              <a:buFont typeface="Arial"/>
+              <a:buChar char="»"/>
+              <a:tabLst/>
+              <a:defRPr sz="2000" kern="1200">
+                <a:solidFill>
+                  <a:schemeClr val="tx1"/>
+                </a:solidFill>
+                <a:latin typeface="+mn-lt"/>
+                <a:ea typeface="+mn-ea"/>
+                <a:cs typeface="+mn-cs"/>
+              </a:defRPr>
+            </a:lvl5pPr>
+            <a:lvl6pPr marL="2514600" indent="-228600" algn="l" defTabSz="457200" rtl="0" eaLnBrk="1" latinLnBrk="0" hangingPunct="1">
+              <a:spcBef>
+                <a:spcPct val="20000"/>
+              </a:spcBef>
+              <a:buFont typeface="Arial"/>
+              <a:buChar char="•"/>
+              <a:defRPr sz="2000" kern="1200">
+                <a:solidFill>
+                  <a:schemeClr val="tx1"/>
+                </a:solidFill>
+                <a:latin typeface="+mn-lt"/>
+                <a:ea typeface="+mn-ea"/>
+                <a:cs typeface="+mn-cs"/>
+              </a:defRPr>
+            </a:lvl6pPr>
+            <a:lvl7pPr marL="2971800" indent="-228600" algn="l" defTabSz="457200" rtl="0" eaLnBrk="1" latinLnBrk="0" hangingPunct="1">
+              <a:spcBef>
+                <a:spcPct val="20000"/>
+              </a:spcBef>
+              <a:buFont typeface="Arial"/>
+              <a:buChar char="•"/>
+              <a:defRPr sz="2000" kern="1200">
+                <a:solidFill>
+                  <a:schemeClr val="tx1"/>
+                </a:solidFill>
+                <a:latin typeface="+mn-lt"/>
+                <a:ea typeface="+mn-ea"/>
+                <a:cs typeface="+mn-cs"/>
+              </a:defRPr>
+            </a:lvl7pPr>
+            <a:lvl8pPr marL="3429000" indent="-228600" algn="l" defTabSz="457200" rtl="0" eaLnBrk="1" latinLnBrk="0" hangingPunct="1">
+              <a:spcBef>
+                <a:spcPct val="20000"/>
+              </a:spcBef>
+              <a:buFont typeface="Arial"/>
+              <a:buChar char="•"/>
+              <a:defRPr sz="2000" kern="1200">
+                <a:solidFill>
+                  <a:schemeClr val="tx1"/>
+                </a:solidFill>
+                <a:latin typeface="+mn-lt"/>
+                <a:ea typeface="+mn-ea"/>
+                <a:cs typeface="+mn-cs"/>
+              </a:defRPr>
+            </a:lvl8pPr>
+            <a:lvl9pPr marL="3886200" indent="-228600" algn="l" defTabSz="457200" rtl="0" eaLnBrk="1" latinLnBrk="0" hangingPunct="1">
+              <a:spcBef>
+                <a:spcPct val="20000"/>
+              </a:spcBef>
+              <a:buFont typeface="Arial"/>
+              <a:buChar char="•"/>
+              <a:defRPr sz="2000" kern="1200">
+                <a:solidFill>
+                  <a:schemeClr val="tx1"/>
+                </a:solidFill>
+                <a:latin typeface="+mn-lt"/>
+                <a:ea typeface="+mn-ea"/>
+                <a:cs typeface="+mn-cs"/>
+              </a:defRPr>
+            </a:lvl9pPr>
+          </a:lstStyle>
+          <a:p>
+            <a:pPr marL="400050" indent="-400050" algn="just"/>
+            <a:r>
+              <a:rPr lang="fr-FR" altLang="fr-FR" sz="2400" dirty="0" smtClean="0">
+                <a:solidFill>
+                  <a:srgbClr val="24292E"/>
+                </a:solidFill>
+                <a:latin typeface="-apple-system"/>
+              </a:rPr>
+              <a:t>Depuis </a:t>
+            </a:r>
+            <a:r>
+              <a:rPr lang="fr-FR" altLang="fr-FR" sz="2400" dirty="0">
+                <a:solidFill>
+                  <a:srgbClr val="24292E"/>
+                </a:solidFill>
+                <a:latin typeface="-apple-system"/>
+              </a:rPr>
+              <a:t>la version 5 d'HTML, tout élément peut devenir déplaçable en mettant son attribut </a:t>
+            </a:r>
+            <a:r>
+              <a:rPr lang="fr-FR" altLang="fr-FR" sz="2400" dirty="0" err="1">
+                <a:solidFill>
+                  <a:srgbClr val="24292E"/>
+                </a:solidFill>
+                <a:latin typeface="-apple-system"/>
+              </a:rPr>
+              <a:t>draggable</a:t>
+            </a:r>
+            <a:r>
+              <a:rPr lang="fr-FR" altLang="fr-FR" sz="2400" dirty="0">
+                <a:solidFill>
+                  <a:srgbClr val="24292E"/>
+                </a:solidFill>
+                <a:latin typeface="-apple-system"/>
+              </a:rPr>
+              <a:t> à </a:t>
+            </a:r>
+            <a:r>
+              <a:rPr lang="fr-FR" altLang="fr-FR" sz="2400" dirty="0" err="1" smtClean="0">
+                <a:solidFill>
+                  <a:srgbClr val="24292E"/>
+                </a:solidFill>
+                <a:latin typeface="-apple-system"/>
+              </a:rPr>
+              <a:t>true</a:t>
+            </a:r>
+            <a:r>
+              <a:rPr lang="fr-FR" altLang="fr-FR" sz="2400" dirty="0" smtClean="0">
+                <a:solidFill>
+                  <a:srgbClr val="24292E"/>
+                </a:solidFill>
+                <a:latin typeface="-apple-system"/>
+              </a:rPr>
+              <a:t>.</a:t>
+            </a:r>
+          </a:p>
+          <a:p>
+            <a:pPr marL="400050" indent="-400050" algn="just"/>
+            <a:endParaRPr lang="fr-FR" altLang="fr-FR" sz="2400" dirty="0" smtClean="0">
+              <a:solidFill>
+                <a:srgbClr val="24292E"/>
+              </a:solidFill>
+              <a:latin typeface="-apple-system"/>
+            </a:endParaRPr>
+          </a:p>
+          <a:p>
+            <a:pPr marL="400050" indent="-400050" algn="just"/>
+            <a:r>
+              <a:rPr lang="fr-FR" sz="2400" dirty="0"/>
+              <a:t> </a:t>
+            </a:r>
+            <a:r>
+              <a:rPr lang="fr-FR" sz="2400" dirty="0" smtClean="0"/>
+              <a:t>Trois</a:t>
+            </a:r>
+            <a:r>
+              <a:rPr lang="fr-FR" sz="2400" dirty="0"/>
+              <a:t> </a:t>
+            </a:r>
+            <a:r>
+              <a:rPr lang="fr-FR" sz="2400" i="1" dirty="0"/>
+              <a:t>callbacks</a:t>
+            </a:r>
+            <a:r>
+              <a:rPr lang="fr-FR" sz="2400" dirty="0"/>
+              <a:t> </a:t>
+            </a:r>
+            <a:r>
+              <a:rPr lang="fr-FR" sz="2400" dirty="0" smtClean="0"/>
+              <a:t>doivent être spécifiés:</a:t>
+            </a:r>
+          </a:p>
+          <a:p>
+            <a:pPr marL="400050" indent="-400050" algn="just"/>
+            <a:endParaRPr lang="fr-FR" sz="2400" dirty="0"/>
+          </a:p>
+          <a:p>
+            <a:pPr lvl="1" algn="just"/>
+            <a:r>
+              <a:rPr lang="fr-FR" sz="2000" b="1" dirty="0" err="1"/>
+              <a:t>o</a:t>
+            </a:r>
+            <a:r>
+              <a:rPr lang="fr-FR" sz="2000" b="1" dirty="0" err="1" smtClean="0"/>
+              <a:t>ndragstart</a:t>
+            </a:r>
+            <a:r>
+              <a:rPr lang="fr-FR" sz="2000" b="1" dirty="0" smtClean="0"/>
+              <a:t>: </a:t>
+            </a:r>
+            <a:r>
+              <a:rPr lang="fr-FR" altLang="fr-FR" sz="2000" dirty="0">
+                <a:solidFill>
+                  <a:srgbClr val="24292E"/>
+                </a:solidFill>
+                <a:latin typeface="-apple-system"/>
+              </a:rPr>
+              <a:t>émis lorsque </a:t>
+            </a:r>
+            <a:r>
+              <a:rPr lang="fr-FR" altLang="fr-FR" sz="2000" dirty="0" smtClean="0">
+                <a:solidFill>
+                  <a:srgbClr val="24292E"/>
+                </a:solidFill>
+                <a:latin typeface="-apple-system"/>
+              </a:rPr>
+              <a:t>d’clique </a:t>
+            </a:r>
+            <a:r>
+              <a:rPr lang="fr-FR" altLang="fr-FR" sz="2000" dirty="0">
+                <a:solidFill>
+                  <a:srgbClr val="24292E"/>
+                </a:solidFill>
+                <a:latin typeface="-apple-system"/>
+              </a:rPr>
+              <a:t>sur </a:t>
+            </a:r>
+            <a:r>
+              <a:rPr lang="fr-FR" altLang="fr-FR" sz="2000" dirty="0" smtClean="0">
+                <a:solidFill>
+                  <a:srgbClr val="24292E"/>
+                </a:solidFill>
+                <a:latin typeface="-apple-system"/>
+              </a:rPr>
+              <a:t>un élément </a:t>
+            </a:r>
+            <a:r>
+              <a:rPr lang="fr-FR" altLang="fr-FR" sz="2000" dirty="0">
+                <a:solidFill>
+                  <a:srgbClr val="24292E"/>
+                </a:solidFill>
+                <a:latin typeface="-apple-system"/>
+              </a:rPr>
+              <a:t>à déplacer </a:t>
+            </a:r>
+            <a:r>
+              <a:rPr lang="fr-FR" altLang="fr-FR" sz="2000" dirty="0" smtClean="0">
+                <a:solidFill>
+                  <a:srgbClr val="24292E"/>
+                </a:solidFill>
+                <a:latin typeface="-apple-system"/>
+              </a:rPr>
+              <a:t>.</a:t>
+            </a:r>
+          </a:p>
+          <a:p>
+            <a:pPr lvl="1" algn="just"/>
+            <a:endParaRPr lang="fr-FR" altLang="fr-FR" sz="800" dirty="0" smtClean="0"/>
+          </a:p>
+          <a:p>
+            <a:pPr lvl="1" algn="just"/>
+            <a:r>
+              <a:rPr lang="fr-FR" sz="2000" b="1" dirty="0" err="1"/>
+              <a:t>ondragover</a:t>
+            </a:r>
+            <a:r>
+              <a:rPr lang="fr-FR" sz="2000" b="1" dirty="0"/>
+              <a:t> : </a:t>
+            </a:r>
+            <a:r>
+              <a:rPr lang="fr-FR" altLang="fr-FR" sz="2000" dirty="0">
+                <a:solidFill>
+                  <a:srgbClr val="24292E"/>
+                </a:solidFill>
+                <a:latin typeface="-apple-system"/>
+              </a:rPr>
+              <a:t>émis lorsque l'élément déplacé survole un autre </a:t>
+            </a:r>
+            <a:r>
+              <a:rPr lang="fr-FR" altLang="fr-FR" sz="2000" dirty="0" smtClean="0">
+                <a:solidFill>
+                  <a:srgbClr val="24292E"/>
+                </a:solidFill>
+                <a:latin typeface="-apple-system"/>
+              </a:rPr>
+              <a:t>éléments.</a:t>
+            </a:r>
+          </a:p>
+          <a:p>
+            <a:pPr lvl="1" algn="just"/>
+            <a:r>
+              <a:rPr lang="fr-FR" sz="2000" b="1" dirty="0" err="1"/>
+              <a:t>ondrop</a:t>
+            </a:r>
+            <a:r>
+              <a:rPr lang="fr-FR" sz="2000" b="1" dirty="0"/>
+              <a:t>: </a:t>
+            </a:r>
+            <a:r>
+              <a:rPr lang="fr-FR" altLang="fr-FR" sz="2000" dirty="0">
+                <a:solidFill>
+                  <a:srgbClr val="24292E"/>
+                </a:solidFill>
+                <a:latin typeface="-apple-system"/>
+              </a:rPr>
+              <a:t>émis </a:t>
+            </a:r>
+            <a:r>
+              <a:rPr lang="fr-FR" altLang="fr-FR" sz="2000" dirty="0" smtClean="0">
+                <a:solidFill>
+                  <a:srgbClr val="24292E"/>
+                </a:solidFill>
+                <a:latin typeface="-apple-system"/>
+              </a:rPr>
+              <a:t>lorsque l'élément déplacé </a:t>
+            </a:r>
+            <a:r>
+              <a:rPr lang="fr-FR" altLang="fr-FR" sz="2000" dirty="0">
+                <a:solidFill>
+                  <a:srgbClr val="24292E"/>
+                </a:solidFill>
+                <a:latin typeface="-apple-system"/>
+              </a:rPr>
+              <a:t>est déposé sur un autre </a:t>
+            </a:r>
+            <a:r>
+              <a:rPr lang="fr-FR" altLang="fr-FR" sz="2000" dirty="0" smtClean="0">
+                <a:solidFill>
+                  <a:srgbClr val="24292E"/>
+                </a:solidFill>
+                <a:latin typeface="-apple-system"/>
+              </a:rPr>
+              <a:t>élément.</a:t>
+            </a:r>
+            <a:endParaRPr lang="fr-FR" altLang="fr-FR" sz="2000" dirty="0">
+              <a:solidFill>
+                <a:srgbClr val="24292E"/>
+              </a:solidFill>
+              <a:latin typeface="-apple-system"/>
+            </a:endParaRPr>
+          </a:p>
+          <a:p>
+            <a:pPr lvl="1" algn="just"/>
+            <a:endParaRPr lang="fr-FR" sz="2000" b="1" dirty="0"/>
+          </a:p>
+        </p:txBody>
+      </p:sp>
+      <p:sp>
+        <p:nvSpPr>
+          <p:cNvPr id="12" name="Rectangle 5"/>
+          <p:cNvSpPr>
+            <a:spLocks noChangeArrowheads="1"/>
+          </p:cNvSpPr>
+          <p:nvPr/>
+        </p:nvSpPr>
+        <p:spPr bwMode="auto">
+          <a:xfrm>
+            <a:off x="0" y="-138499"/>
+            <a:ext cx="65" cy="276999"/>
+          </a:xfrm>
+          <a:prstGeom prst="rect">
+            <a:avLst/>
+          </a:prstGeom>
+          <a:solidFill>
+            <a:srgbClr val="FFFFFF"/>
+          </a:solidFill>
+          <a:ln>
+            <a:noFill/>
+          </a:ln>
+          <a:effectLst/>
+          <a:extLst>
+            <a:ext uri="{91240B29-F687-4F45-9708-019B960494DF}">
+              <a14:hiddenLine xmlns:a14="http://schemas.microsoft.com/office/drawing/2010/main" w="9525">
+                <a:solidFill>
+                  <a:schemeClr val="tx1"/>
+                </a:solidFill>
+                <a:miter lim="800000"/>
+                <a:headEnd/>
+                <a:tailEnd/>
+              </a14:hiddenLine>
+            </a:ext>
+            <a:ext uri="{AF507438-7753-43E0-B8FC-AC1667EBCBE1}">
+              <a14:hiddenEffects xmlns:a14="http://schemas.microsoft.com/office/drawing/2010/main">
+                <a:effectLst>
+                  <a:outerShdw dist="35921" dir="2700000" algn="ctr" rotWithShape="0">
+                    <a:schemeClr val="bg2"/>
+                  </a:outerShdw>
+                </a:effectLst>
+              </a14:hiddenEffects>
+            </a:ext>
+          </a:extLst>
+        </p:spPr>
+        <p:txBody>
+          <a:bodyPr vert="horz" wrap="none" lIns="0" tIns="0" rIns="0" bIns="0" numCol="1" anchor="ctr" anchorCtr="0" compatLnSpc="1">
+            <a:prstTxWarp prst="textNoShape">
+              <a:avLst/>
+            </a:prstTxWarp>
+            <a:spAutoFit/>
+          </a:bodyPr>
+          <a:lstStyle>
+            <a:lvl1pPr eaLnBrk="0" fontAlgn="base" hangingPunct="0">
+              <a:spcBef>
+                <a:spcPct val="0"/>
+              </a:spcBef>
+              <a:spcAft>
+                <a:spcPct val="0"/>
+              </a:spcAft>
+              <a:defRPr>
+                <a:solidFill>
+                  <a:schemeClr val="tx1"/>
+                </a:solidFill>
+                <a:latin typeface="Arial" panose="020B0604020202020204" pitchFamily="34" charset="0"/>
+              </a:defRPr>
+            </a:lvl1pPr>
+            <a:lvl2pPr eaLnBrk="0" fontAlgn="base" hangingPunct="0">
+              <a:spcBef>
+                <a:spcPct val="0"/>
+              </a:spcBef>
+              <a:spcAft>
+                <a:spcPct val="0"/>
+              </a:spcAft>
+              <a:defRPr>
+                <a:solidFill>
+                  <a:schemeClr val="tx1"/>
+                </a:solidFill>
+                <a:latin typeface="Arial" panose="020B0604020202020204" pitchFamily="34" charset="0"/>
+              </a:defRPr>
+            </a:lvl2pPr>
+            <a:lvl3pPr eaLnBrk="0" fontAlgn="base" hangingPunct="0">
+              <a:spcBef>
+                <a:spcPct val="0"/>
+              </a:spcBef>
+              <a:spcAft>
+                <a:spcPct val="0"/>
+              </a:spcAft>
+              <a:defRPr>
+                <a:solidFill>
+                  <a:schemeClr val="tx1"/>
+                </a:solidFill>
+                <a:latin typeface="Arial" panose="020B0604020202020204" pitchFamily="34" charset="0"/>
+              </a:defRPr>
+            </a:lvl3pPr>
+            <a:lvl4pPr eaLnBrk="0" fontAlgn="base" hangingPunct="0">
+              <a:spcBef>
+                <a:spcPct val="0"/>
+              </a:spcBef>
+              <a:spcAft>
+                <a:spcPct val="0"/>
+              </a:spcAft>
+              <a:defRPr>
+                <a:solidFill>
+                  <a:schemeClr val="tx1"/>
+                </a:solidFill>
+                <a:latin typeface="Arial" panose="020B0604020202020204" pitchFamily="34" charset="0"/>
+              </a:defRPr>
+            </a:lvl4pPr>
+            <a:lvl5pPr eaLnBrk="0" fontAlgn="base" hangingPunct="0">
+              <a:spcBef>
+                <a:spcPct val="0"/>
+              </a:spcBef>
+              <a:spcAft>
+                <a:spcPct val="0"/>
+              </a:spcAft>
+              <a:defRPr>
+                <a:solidFill>
+                  <a:schemeClr val="tx1"/>
+                </a:solidFill>
+                <a:latin typeface="Arial" panose="020B0604020202020204" pitchFamily="34" charset="0"/>
+              </a:defRPr>
+            </a:lvl5pPr>
+            <a:lvl6pPr eaLnBrk="0" fontAlgn="base" hangingPunct="0">
+              <a:spcBef>
+                <a:spcPct val="0"/>
+              </a:spcBef>
+              <a:spcAft>
+                <a:spcPct val="0"/>
+              </a:spcAft>
+              <a:defRPr>
+                <a:solidFill>
+                  <a:schemeClr val="tx1"/>
+                </a:solidFill>
+                <a:latin typeface="Arial" panose="020B0604020202020204" pitchFamily="34" charset="0"/>
+              </a:defRPr>
+            </a:lvl6pPr>
+            <a:lvl7pPr eaLnBrk="0" fontAlgn="base" hangingPunct="0">
+              <a:spcBef>
+                <a:spcPct val="0"/>
+              </a:spcBef>
+              <a:spcAft>
+                <a:spcPct val="0"/>
+              </a:spcAft>
+              <a:defRPr>
+                <a:solidFill>
+                  <a:schemeClr val="tx1"/>
+                </a:solidFill>
+                <a:latin typeface="Arial" panose="020B0604020202020204" pitchFamily="34" charset="0"/>
+              </a:defRPr>
+            </a:lvl7pPr>
+            <a:lvl8pPr eaLnBrk="0" fontAlgn="base" hangingPunct="0">
+              <a:spcBef>
+                <a:spcPct val="0"/>
+              </a:spcBef>
+              <a:spcAft>
+                <a:spcPct val="0"/>
+              </a:spcAft>
+              <a:defRPr>
+                <a:solidFill>
+                  <a:schemeClr val="tx1"/>
+                </a:solidFill>
+                <a:latin typeface="Arial" panose="020B0604020202020204" pitchFamily="34" charset="0"/>
+              </a:defRPr>
+            </a:lvl8pPr>
+            <a:lvl9pPr eaLnBrk="0" fontAlgn="base" hangingPunct="0">
+              <a:spcBef>
+                <a:spcPct val="0"/>
+              </a:spcBef>
+              <a:spcAft>
+                <a:spcPct val="0"/>
+              </a:spcAft>
+              <a:defRPr>
+                <a:solidFill>
+                  <a:schemeClr val="tx1"/>
+                </a:solidFill>
+                <a:latin typeface="Arial" panose="020B0604020202020204" pitchFamily="34" charset="0"/>
+              </a:defRPr>
+            </a:lvl9pPr>
+          </a:lstStyle>
+          <a:p>
+            <a:pPr marL="0" marR="0" lvl="0" indent="0" algn="l" defTabSz="914400" rtl="0" eaLnBrk="0" fontAlgn="base" latinLnBrk="0" hangingPunct="0">
+              <a:lnSpc>
+                <a:spcPct val="100000"/>
+              </a:lnSpc>
+              <a:spcBef>
+                <a:spcPct val="0"/>
+              </a:spcBef>
+              <a:spcAft>
+                <a:spcPct val="0"/>
+              </a:spcAft>
+              <a:buClrTx/>
+              <a:buSzTx/>
+              <a:buFontTx/>
+              <a:buNone/>
+              <a:tabLst/>
+            </a:pPr>
+            <a:endParaRPr kumimoji="0" lang="fr-FR" altLang="fr-FR" sz="1800" b="0" i="0" u="none" strike="noStrike" cap="none" normalizeH="0" baseline="0" dirty="0" smtClean="0">
+              <a:ln>
+                <a:noFill/>
+              </a:ln>
+              <a:solidFill>
+                <a:schemeClr val="tx1"/>
+              </a:solidFill>
+              <a:effectLst/>
+              <a:latin typeface="Arial" panose="020B0604020202020204" pitchFamily="34" charset="0"/>
+            </a:endParaRPr>
+          </a:p>
+        </p:txBody>
+      </p:sp>
     </p:spTree>
     <p:extLst>
       <p:ext uri="{BB962C8B-B14F-4D97-AF65-F5344CB8AC3E}">
-        <p14:creationId xmlns:p14="http://schemas.microsoft.com/office/powerpoint/2010/main" val="3024248437"/>
+        <p14:creationId xmlns:p14="http://schemas.microsoft.com/office/powerpoint/2010/main" val="4109966796"/>
       </p:ext>
     </p:extLst>
   </p:cSld>
   <p:clrMapOvr>
     <a:masterClrMapping/>
   </p:clrMapOvr>
+  <p:timing>
+    <p:tnLst>
+      <p:par>
+        <p:cTn id="1" dur="indefinite" restart="never" nodeType="tmRoot"/>
+      </p:par>
+    </p:tnLst>
+  </p:timing>
 </p:sld>
 </file>
 

--- a/web/4-JS/JavaScript.pptx
+++ b/web/4-JS/JavaScript.pptx
@@ -292,7 +292,7 @@
           <a:p>
             <a:fld id="{C5CA9166-BC48-2C47-B9BF-6F57720E77B8}" type="slidenum">
               <a:rPr lang="fr-FR" smtClean="0"/>
-              <a:t>‹#›</a:t>
+              <a:t>‹N°›</a:t>
             </a:fld>
             <a:endParaRPr lang="fr-FR"/>
           </a:p>
@@ -550,7 +550,7 @@
           <a:p>
             <a:fld id="{1C0E2CBA-6097-B848-A7DA-4D7BD6EB303B}" type="slidenum">
               <a:rPr lang="fr-FR" smtClean="0"/>
-              <a:t>‹#›</a:t>
+              <a:t>‹N°›</a:t>
             </a:fld>
             <a:endParaRPr lang="fr-FR"/>
           </a:p>
@@ -718,7 +718,7 @@
             </a:r>
           </a:p>
           <a:p>
-            <a:br>
+            <a:r>
               <a:rPr lang="fr-FR" sz="1200" b="0" kern="1200" dirty="0">
                 <a:solidFill>
                   <a:schemeClr val="tx1"/>
@@ -728,8 +728,9 @@
                 <a:ea typeface="+mn-ea"/>
                 <a:cs typeface="+mn-cs"/>
               </a:rPr>
-            </a:br>
-            <a:r>
+              <a:t/>
+            </a:r>
+            <a:br>
               <a:rPr lang="fr-FR" sz="1200" b="0" kern="1200" dirty="0">
                 <a:solidFill>
                   <a:schemeClr val="tx1"/>
@@ -739,10 +740,9 @@
                 <a:ea typeface="+mn-ea"/>
                 <a:cs typeface="+mn-cs"/>
               </a:rPr>
-              <a:t>Le texte contient ensuite des balises ouvrantes et fermantes (`&lt;html&gt;` et `&lt;/html&gt;`) ou encore (`&lt;/</a:t>
-            </a:r>
-            <a:r>
-              <a:rPr lang="fr-FR" sz="1200" b="0" kern="1200" dirty="0" err="1">
+            </a:br>
+            <a:r>
+              <a:rPr lang="fr-FR" sz="1200" b="0" kern="1200" dirty="0">
                 <a:solidFill>
                   <a:schemeClr val="tx1"/>
                 </a:solidFill>
@@ -751,10 +751,10 @@
                 <a:ea typeface="+mn-ea"/>
                 <a:cs typeface="+mn-cs"/>
               </a:rPr>
-              <a:t>title</a:t>
-            </a:r>
-            <a:r>
-              <a:rPr lang="fr-FR" sz="1200" b="0" kern="1200" dirty="0">
+              <a:t>Le texte contient ensuite des balises ouvrantes et fermantes (`&lt;html&gt;` et `&lt;/html&gt;`) ou encore (`&lt;/</a:t>
+            </a:r>
+            <a:r>
+              <a:rPr lang="fr-FR" sz="1200" b="0" kern="1200" dirty="0" err="1">
                 <a:solidFill>
                   <a:schemeClr val="tx1"/>
                 </a:solidFill>
@@ -763,10 +763,10 @@
                 <a:ea typeface="+mn-ea"/>
                 <a:cs typeface="+mn-cs"/>
               </a:rPr>
-              <a:t>&gt;` et `&lt;/</a:t>
-            </a:r>
-            <a:r>
-              <a:rPr lang="fr-FR" sz="1200" b="0" kern="1200" dirty="0" err="1">
+              <a:t>title</a:t>
+            </a:r>
+            <a:r>
+              <a:rPr lang="fr-FR" sz="1200" b="0" kern="1200" dirty="0">
                 <a:solidFill>
                   <a:schemeClr val="tx1"/>
                 </a:solidFill>
@@ -775,10 +775,10 @@
                 <a:ea typeface="+mn-ea"/>
                 <a:cs typeface="+mn-cs"/>
               </a:rPr>
-              <a:t>title</a:t>
-            </a:r>
-            <a:r>
-              <a:rPr lang="fr-FR" sz="1200" b="0" kern="1200" dirty="0">
+              <a:t>&gt;` et `&lt;/</a:t>
+            </a:r>
+            <a:r>
+              <a:rPr lang="fr-FR" sz="1200" b="0" kern="1200" dirty="0" err="1">
                 <a:solidFill>
                   <a:schemeClr val="tx1"/>
                 </a:solidFill>
@@ -787,11 +787,9 @@
                 <a:ea typeface="+mn-ea"/>
                 <a:cs typeface="+mn-cs"/>
               </a:rPr>
-              <a:t>&gt;`.</a:t>
-            </a:r>
-          </a:p>
-          <a:p>
-            <a:br>
+              <a:t>title</a:t>
+            </a:r>
+            <a:r>
               <a:rPr lang="fr-FR" sz="1200" b="0" kern="1200" dirty="0">
                 <a:solidFill>
                   <a:schemeClr val="tx1"/>
@@ -801,7 +799,10 @@
                 <a:ea typeface="+mn-ea"/>
                 <a:cs typeface="+mn-cs"/>
               </a:rPr>
-            </a:br>
+              <a:t>&gt;`.</a:t>
+            </a:r>
+          </a:p>
+          <a:p>
             <a:r>
               <a:rPr lang="fr-FR" sz="1200" b="0" kern="1200" dirty="0">
                 <a:solidFill>
@@ -812,10 +813,45 @@
                 <a:ea typeface="+mn-ea"/>
                 <a:cs typeface="+mn-cs"/>
               </a:rPr>
+              <a:t/>
+            </a:r>
+            <a:br>
+              <a:rPr lang="fr-FR" sz="1200" b="0" kern="1200" dirty="0">
+                <a:solidFill>
+                  <a:schemeClr val="tx1"/>
+                </a:solidFill>
+                <a:effectLst/>
+                <a:latin typeface="+mn-lt"/>
+                <a:ea typeface="+mn-ea"/>
+                <a:cs typeface="+mn-cs"/>
+              </a:rPr>
+            </a:br>
+            <a:r>
+              <a:rPr lang="fr-FR" sz="1200" b="0" kern="1200" dirty="0">
+                <a:solidFill>
+                  <a:schemeClr val="tx1"/>
+                </a:solidFill>
+                <a:effectLst/>
+                <a:latin typeface="+mn-lt"/>
+                <a:ea typeface="+mn-ea"/>
+                <a:cs typeface="+mn-cs"/>
+              </a:rPr>
               <a:t>L'imbrication des balises ouvrantes et fermantes constitue un arbre (qui est marqué ici par l'indentation du texte mais ce n'est pas obligatoire).</a:t>
             </a:r>
           </a:p>
           <a:p>
+            <a:r>
+              <a:rPr lang="fr-FR" sz="1200" b="0" kern="1200" dirty="0">
+                <a:solidFill>
+                  <a:schemeClr val="tx1"/>
+                </a:solidFill>
+                <a:effectLst/>
+                <a:latin typeface="+mn-lt"/>
+                <a:ea typeface="+mn-ea"/>
+                <a:cs typeface="+mn-cs"/>
+              </a:rPr>
+              <a:t/>
+            </a:r>
             <a:br>
               <a:rPr lang="fr-FR" sz="1200" b="0" kern="1200" dirty="0">
                 <a:solidFill>
@@ -1067,7 +1103,7 @@
             </a:r>
           </a:p>
           <a:p>
-            <a:br>
+            <a:r>
               <a:rPr lang="fr-FR" sz="1200" b="0" kern="1200" dirty="0">
                 <a:solidFill>
                   <a:schemeClr val="tx1"/>
@@ -1077,8 +1113,9 @@
                 <a:ea typeface="+mn-ea"/>
                 <a:cs typeface="+mn-cs"/>
               </a:rPr>
-            </a:br>
-            <a:r>
+              <a:t/>
+            </a:r>
+            <a:br>
               <a:rPr lang="fr-FR" sz="1200" b="0" kern="1200" dirty="0">
                 <a:solidFill>
                   <a:schemeClr val="tx1"/>
@@ -1088,10 +1125,9 @@
                 <a:ea typeface="+mn-ea"/>
                 <a:cs typeface="+mn-cs"/>
               </a:rPr>
-              <a:t>Le texte contient ensuite des balises ouvrantes et fermantes (`&lt;html&gt;` et `&lt;/html&gt;`) ou encore (`&lt;/</a:t>
-            </a:r>
-            <a:r>
-              <a:rPr lang="fr-FR" sz="1200" b="0" kern="1200" dirty="0" err="1">
+            </a:br>
+            <a:r>
+              <a:rPr lang="fr-FR" sz="1200" b="0" kern="1200" dirty="0">
                 <a:solidFill>
                   <a:schemeClr val="tx1"/>
                 </a:solidFill>
@@ -1100,10 +1136,10 @@
                 <a:ea typeface="+mn-ea"/>
                 <a:cs typeface="+mn-cs"/>
               </a:rPr>
-              <a:t>title</a:t>
-            </a:r>
-            <a:r>
-              <a:rPr lang="fr-FR" sz="1200" b="0" kern="1200" dirty="0">
+              <a:t>Le texte contient ensuite des balises ouvrantes et fermantes (`&lt;html&gt;` et `&lt;/html&gt;`) ou encore (`&lt;/</a:t>
+            </a:r>
+            <a:r>
+              <a:rPr lang="fr-FR" sz="1200" b="0" kern="1200" dirty="0" err="1">
                 <a:solidFill>
                   <a:schemeClr val="tx1"/>
                 </a:solidFill>
@@ -1112,10 +1148,10 @@
                 <a:ea typeface="+mn-ea"/>
                 <a:cs typeface="+mn-cs"/>
               </a:rPr>
-              <a:t>&gt;` et `&lt;/</a:t>
-            </a:r>
-            <a:r>
-              <a:rPr lang="fr-FR" sz="1200" b="0" kern="1200" dirty="0" err="1">
+              <a:t>title</a:t>
+            </a:r>
+            <a:r>
+              <a:rPr lang="fr-FR" sz="1200" b="0" kern="1200" dirty="0">
                 <a:solidFill>
                   <a:schemeClr val="tx1"/>
                 </a:solidFill>
@@ -1124,10 +1160,10 @@
                 <a:ea typeface="+mn-ea"/>
                 <a:cs typeface="+mn-cs"/>
               </a:rPr>
-              <a:t>title</a:t>
-            </a:r>
-            <a:r>
-              <a:rPr lang="fr-FR" sz="1200" b="0" kern="1200" dirty="0">
+              <a:t>&gt;` et `&lt;/</a:t>
+            </a:r>
+            <a:r>
+              <a:rPr lang="fr-FR" sz="1200" b="0" kern="1200" dirty="0" err="1">
                 <a:solidFill>
                   <a:schemeClr val="tx1"/>
                 </a:solidFill>
@@ -1136,11 +1172,9 @@
                 <a:ea typeface="+mn-ea"/>
                 <a:cs typeface="+mn-cs"/>
               </a:rPr>
-              <a:t>&gt;`.</a:t>
-            </a:r>
-          </a:p>
-          <a:p>
-            <a:br>
+              <a:t>title</a:t>
+            </a:r>
+            <a:r>
               <a:rPr lang="fr-FR" sz="1200" b="0" kern="1200" dirty="0">
                 <a:solidFill>
                   <a:schemeClr val="tx1"/>
@@ -1150,7 +1184,10 @@
                 <a:ea typeface="+mn-ea"/>
                 <a:cs typeface="+mn-cs"/>
               </a:rPr>
-            </a:br>
+              <a:t>&gt;`.</a:t>
+            </a:r>
+          </a:p>
+          <a:p>
             <a:r>
               <a:rPr lang="fr-FR" sz="1200" b="0" kern="1200" dirty="0">
                 <a:solidFill>
@@ -1161,10 +1198,45 @@
                 <a:ea typeface="+mn-ea"/>
                 <a:cs typeface="+mn-cs"/>
               </a:rPr>
+              <a:t/>
+            </a:r>
+            <a:br>
+              <a:rPr lang="fr-FR" sz="1200" b="0" kern="1200" dirty="0">
+                <a:solidFill>
+                  <a:schemeClr val="tx1"/>
+                </a:solidFill>
+                <a:effectLst/>
+                <a:latin typeface="+mn-lt"/>
+                <a:ea typeface="+mn-ea"/>
+                <a:cs typeface="+mn-cs"/>
+              </a:rPr>
+            </a:br>
+            <a:r>
+              <a:rPr lang="fr-FR" sz="1200" b="0" kern="1200" dirty="0">
+                <a:solidFill>
+                  <a:schemeClr val="tx1"/>
+                </a:solidFill>
+                <a:effectLst/>
+                <a:latin typeface="+mn-lt"/>
+                <a:ea typeface="+mn-ea"/>
+                <a:cs typeface="+mn-cs"/>
+              </a:rPr>
               <a:t>L'imbrication des balises ouvrantes et fermantes constitue un arbre (qui est marqué ici par l'indentation du texte mais ce n'est pas obligatoire).</a:t>
             </a:r>
           </a:p>
           <a:p>
+            <a:r>
+              <a:rPr lang="fr-FR" sz="1200" b="0" kern="1200" dirty="0">
+                <a:solidFill>
+                  <a:schemeClr val="tx1"/>
+                </a:solidFill>
+                <a:effectLst/>
+                <a:latin typeface="+mn-lt"/>
+                <a:ea typeface="+mn-ea"/>
+                <a:cs typeface="+mn-cs"/>
+              </a:rPr>
+              <a:t/>
+            </a:r>
             <a:br>
               <a:rPr lang="fr-FR" sz="1200" b="0" kern="1200" dirty="0">
                 <a:solidFill>
@@ -2389,7 +2461,7 @@
             <a:fld id="{DCE37727-CC04-7A46-938D-2CCFF056F773}" type="slidenum">
               <a:rPr lang="fr-FR" smtClean="0"/>
               <a:pPr/>
-              <a:t>‹#›</a:t>
+              <a:t>‹N°›</a:t>
             </a:fld>
             <a:endParaRPr lang="fr-FR"/>
           </a:p>
@@ -2879,7 +2951,7 @@
             <a:fld id="{DCE37727-CC04-7A46-938D-2CCFF056F773}" type="slidenum">
               <a:rPr lang="fr-FR" smtClean="0"/>
               <a:pPr/>
-              <a:t>‹#›</a:t>
+              <a:t>‹N°›</a:t>
             </a:fld>
             <a:endParaRPr lang="fr-FR"/>
           </a:p>
@@ -4715,7 +4787,7 @@
             <a:fld id="{DCE37727-CC04-7A46-938D-2CCFF056F773}" type="slidenum">
               <a:rPr lang="fr-FR" smtClean="0"/>
               <a:pPr/>
-              <a:t>‹#›</a:t>
+              <a:t>‹N°›</a:t>
             </a:fld>
             <a:endParaRPr lang="fr-FR"/>
           </a:p>
@@ -5651,7 +5723,7 @@
             <a:fld id="{DCE37727-CC04-7A46-938D-2CCFF056F773}" type="slidenum">
               <a:rPr lang="fr-FR" smtClean="0"/>
               <a:pPr/>
-              <a:t>‹#›</a:t>
+              <a:t>‹N°›</a:t>
             </a:fld>
             <a:endParaRPr lang="fr-FR"/>
           </a:p>
@@ -6381,12 +6453,24 @@
             <a:br>
               <a:rPr lang="fr-FR" dirty="0"/>
             </a:br>
+            <a:r>
+              <a:rPr lang="fr-FR" sz="2400" dirty="0"/>
+              <a:t/>
+            </a:r>
             <a:br>
               <a:rPr lang="fr-FR" sz="2400" dirty="0"/>
             </a:br>
+            <a:r>
+              <a:rPr lang="fr-FR" sz="2400" dirty="0"/>
+              <a:t/>
+            </a:r>
             <a:br>
               <a:rPr lang="fr-FR" sz="2400" dirty="0"/>
             </a:br>
+            <a:r>
+              <a:rPr lang="fr-FR" sz="2400" dirty="0"/>
+              <a:t/>
+            </a:r>
             <a:br>
               <a:rPr lang="fr-FR" sz="2400" dirty="0"/>
             </a:br>
@@ -6419,7 +6503,7 @@
           <a:lstStyle/>
           <a:p>
             <a:r>
-              <a:rPr lang="fr-FR" dirty="0"/>
+              <a:rPr lang="fr-FR" b="1" dirty="0"/>
               <a:t>HTML et JavaScript (3/3)</a:t>
             </a:r>
           </a:p>
@@ -6499,7 +6583,7 @@
           <p:cNvPr id="19" name="Rectangle 18">
             <a:extLst>
               <a:ext uri="{FF2B5EF4-FFF2-40B4-BE49-F238E27FC236}">
-                <a16:creationId xmlns:a16="http://schemas.microsoft.com/office/drawing/2014/main" id="{99D6AB73-3556-6845-9EF8-9024C2407A0D}"/>
+                <a16:creationId xmlns:a16="http://schemas.microsoft.com/office/drawing/2014/main" xmlns="" id="{99D6AB73-3556-6845-9EF8-9024C2407A0D}"/>
               </a:ext>
             </a:extLst>
           </p:cNvPr>
@@ -6592,7 +6676,7 @@
           <p:cNvPr id="12" name="Rectangle 11">
             <a:extLst>
               <a:ext uri="{FF2B5EF4-FFF2-40B4-BE49-F238E27FC236}">
-                <a16:creationId xmlns:a16="http://schemas.microsoft.com/office/drawing/2014/main" id="{ECED5231-2525-CD45-A28E-5EE4CDC138F5}"/>
+                <a16:creationId xmlns:a16="http://schemas.microsoft.com/office/drawing/2014/main" xmlns="" id="{ECED5231-2525-CD45-A28E-5EE4CDC138F5}"/>
               </a:ext>
             </a:extLst>
           </p:cNvPr>
@@ -6999,14 +7083,14 @@
           <a:lstStyle/>
           <a:p>
             <a:r>
-              <a:rPr lang="fr-FR" dirty="0"/>
+              <a:rPr lang="fr-FR" b="1" dirty="0"/>
               <a:t>DOM </a:t>
             </a:r>
             <a:r>
-              <a:rPr lang="fr-FR" dirty="0" err="1"/>
+              <a:rPr lang="fr-FR" b="1" dirty="0" err="1"/>
               <a:t>Element</a:t>
             </a:r>
-            <a:endParaRPr lang="fr-FR" dirty="0"/>
+            <a:endParaRPr lang="fr-FR" b="1" dirty="0"/>
           </a:p>
         </p:txBody>
       </p:sp>
@@ -7271,7 +7355,7 @@
           <p:cNvPr id="8" name="Rectangle 7">
             <a:extLst>
               <a:ext uri="{FF2B5EF4-FFF2-40B4-BE49-F238E27FC236}">
-                <a16:creationId xmlns:a16="http://schemas.microsoft.com/office/drawing/2014/main" id="{99D6AB73-3556-6845-9EF8-9024C2407A0D}"/>
+                <a16:creationId xmlns:a16="http://schemas.microsoft.com/office/drawing/2014/main" xmlns="" id="{99D6AB73-3556-6845-9EF8-9024C2407A0D}"/>
               </a:ext>
             </a:extLst>
           </p:cNvPr>
@@ -7639,7 +7723,7 @@
           <a:lstStyle/>
           <a:p>
             <a:r>
-              <a:rPr lang="fr-FR" dirty="0"/>
+              <a:rPr lang="fr-FR" b="1" dirty="0"/>
               <a:t>DOM Event (1/3)</a:t>
             </a:r>
           </a:p>
@@ -8141,7 +8225,7 @@
           <a:lstStyle/>
           <a:p>
             <a:r>
-              <a:rPr lang="fr-FR" dirty="0"/>
+              <a:rPr lang="fr-FR" b="1" dirty="0"/>
               <a:t>DOM Event (2/3)</a:t>
             </a:r>
           </a:p>
@@ -8521,7 +8605,7 @@
           <p:cNvPr id="10" name="Rectangle 9">
             <a:extLst>
               <a:ext uri="{FF2B5EF4-FFF2-40B4-BE49-F238E27FC236}">
-                <a16:creationId xmlns:a16="http://schemas.microsoft.com/office/drawing/2014/main" id="{99D6AB73-3556-6845-9EF8-9024C2407A0D}"/>
+                <a16:creationId xmlns:a16="http://schemas.microsoft.com/office/drawing/2014/main" xmlns="" id="{99D6AB73-3556-6845-9EF8-9024C2407A0D}"/>
               </a:ext>
             </a:extLst>
           </p:cNvPr>
@@ -9183,18 +9267,18 @@
           <a:lstStyle/>
           <a:p>
             <a:r>
-              <a:rPr lang="fr-FR" dirty="0"/>
+              <a:rPr lang="fr-FR" b="1" dirty="0"/>
               <a:t>Exemple : Glisser-Déposer (</a:t>
             </a:r>
             <a:r>
-              <a:rPr lang="fr-FR" i="1" dirty="0"/>
+              <a:rPr lang="fr-FR" b="1" i="1" dirty="0"/>
               <a:t>Drag and Drop</a:t>
             </a:r>
             <a:r>
-              <a:rPr lang="fr-FR" dirty="0"/>
+              <a:rPr lang="fr-FR" b="1" dirty="0"/>
               <a:t>) (1/2)</a:t>
             </a:r>
-            <a:endParaRPr lang="en-US" dirty="0"/>
+            <a:endParaRPr lang="en-US" b="1" dirty="0"/>
           </a:p>
         </p:txBody>
       </p:sp>
@@ -9950,7 +10034,7 @@
           <p:cNvPr id="9" name="Rectangle 8">
             <a:extLst>
               <a:ext uri="{FF2B5EF4-FFF2-40B4-BE49-F238E27FC236}">
-                <a16:creationId xmlns:a16="http://schemas.microsoft.com/office/drawing/2014/main" id="{B154AA04-DABC-F44F-AFCE-D2E2CCE699F0}"/>
+                <a16:creationId xmlns:a16="http://schemas.microsoft.com/office/drawing/2014/main" xmlns="" id="{B154AA04-DABC-F44F-AFCE-D2E2CCE699F0}"/>
               </a:ext>
             </a:extLst>
           </p:cNvPr>
@@ -10192,18 +10276,18 @@
           <a:lstStyle/>
           <a:p>
             <a:r>
-              <a:rPr lang="fr-FR" dirty="0"/>
+              <a:rPr lang="fr-FR" b="1" dirty="0"/>
               <a:t>Exemple : Glisser-Déposer (</a:t>
             </a:r>
             <a:r>
-              <a:rPr lang="fr-FR" i="1" dirty="0"/>
+              <a:rPr lang="fr-FR" b="1" i="1" dirty="0"/>
               <a:t>Drag and Drop</a:t>
             </a:r>
             <a:r>
-              <a:rPr lang="fr-FR" dirty="0"/>
+              <a:rPr lang="fr-FR" b="1" dirty="0"/>
               <a:t>) (2/2)</a:t>
             </a:r>
-            <a:endParaRPr lang="en-US" dirty="0"/>
+            <a:endParaRPr lang="en-US" b="1" dirty="0"/>
           </a:p>
         </p:txBody>
       </p:sp>
@@ -10746,7 +10830,7 @@
           <p:cNvPr id="10" name="Rectangle 9">
             <a:extLst>
               <a:ext uri="{FF2B5EF4-FFF2-40B4-BE49-F238E27FC236}">
-                <a16:creationId xmlns:a16="http://schemas.microsoft.com/office/drawing/2014/main" id="{99D6AB73-3556-6845-9EF8-9024C2407A0D}"/>
+                <a16:creationId xmlns:a16="http://schemas.microsoft.com/office/drawing/2014/main" xmlns="" id="{99D6AB73-3556-6845-9EF8-9024C2407A0D}"/>
               </a:ext>
             </a:extLst>
           </p:cNvPr>
@@ -10893,6 +10977,13 @@
                 <a:ea typeface="Source Code Pro" panose="020B0509030403020204" pitchFamily="49" charset="0"/>
               </a:rPr>
             </a:br>
+            <a:r>
+              <a:rPr lang="fr-FR" sz="1600" dirty="0">
+                <a:latin typeface="Source Code Pro" panose="020B0509030403020204" pitchFamily="49" charset="0"/>
+                <a:ea typeface="Source Code Pro" panose="020B0509030403020204" pitchFamily="49" charset="0"/>
+              </a:rPr>
+              <a:t/>
+            </a:r>
             <a:br>
               <a:rPr lang="fr-FR" sz="1600" dirty="0">
                 <a:latin typeface="Source Code Pro" panose="020B0509030403020204" pitchFamily="49" charset="0"/>
@@ -11060,6 +11151,13 @@
                 <a:ea typeface="Source Code Pro" panose="020B0509030403020204" pitchFamily="49" charset="0"/>
               </a:rPr>
             </a:br>
+            <a:r>
+              <a:rPr lang="fr-FR" sz="1600" dirty="0">
+                <a:latin typeface="Source Code Pro" panose="020B0509030403020204" pitchFamily="49" charset="0"/>
+                <a:ea typeface="Source Code Pro" panose="020B0509030403020204" pitchFamily="49" charset="0"/>
+              </a:rPr>
+              <a:t/>
+            </a:r>
             <a:br>
               <a:rPr lang="fr-FR" sz="1600" dirty="0">
                 <a:latin typeface="Source Code Pro" panose="020B0509030403020204" pitchFamily="49" charset="0"/>
@@ -11351,7 +11449,7 @@
           <p:cNvPr id="11" name="Rectangle 10">
             <a:extLst>
               <a:ext uri="{FF2B5EF4-FFF2-40B4-BE49-F238E27FC236}">
-                <a16:creationId xmlns:a16="http://schemas.microsoft.com/office/drawing/2014/main" id="{8DA60F79-BEA6-4A4D-97CF-13A847623086}"/>
+                <a16:creationId xmlns:a16="http://schemas.microsoft.com/office/drawing/2014/main" xmlns="" id="{8DA60F79-BEA6-4A4D-97CF-13A847623086}"/>
               </a:ext>
             </a:extLst>
           </p:cNvPr>
@@ -11595,6 +11693,13 @@
                 <a:ea typeface="Source Code Pro" panose="020B0509030403020204" pitchFamily="49" charset="0"/>
               </a:rPr>
             </a:br>
+            <a:r>
+              <a:rPr lang="fr-FR" sz="1600" dirty="0">
+                <a:latin typeface="Source Code Pro" panose="020B0509030403020204" pitchFamily="49" charset="0"/>
+                <a:ea typeface="Source Code Pro" panose="020B0509030403020204" pitchFamily="49" charset="0"/>
+              </a:rPr>
+              <a:t/>
+            </a:r>
             <a:br>
               <a:rPr lang="fr-FR" sz="1600" dirty="0">
                 <a:latin typeface="Source Code Pro" panose="020B0509030403020204" pitchFamily="49" charset="0"/>
@@ -11855,7 +11960,7 @@
           <p:cNvPr id="9" name="TextBox 8">
             <a:extLst>
               <a:ext uri="{FF2B5EF4-FFF2-40B4-BE49-F238E27FC236}">
-                <a16:creationId xmlns:a16="http://schemas.microsoft.com/office/drawing/2014/main" id="{0310CF36-F93A-404C-A8B2-4AF7950F69AC}"/>
+                <a16:creationId xmlns:a16="http://schemas.microsoft.com/office/drawing/2014/main" xmlns="" id="{0310CF36-F93A-404C-A8B2-4AF7950F69AC}"/>
               </a:ext>
             </a:extLst>
           </p:cNvPr>
@@ -11894,7 +11999,7 @@
           <p:cNvPr id="13" name="TextBox 12">
             <a:extLst>
               <a:ext uri="{FF2B5EF4-FFF2-40B4-BE49-F238E27FC236}">
-                <a16:creationId xmlns:a16="http://schemas.microsoft.com/office/drawing/2014/main" id="{19EB4010-9653-D64C-ADC9-7FF6C55A289D}"/>
+                <a16:creationId xmlns:a16="http://schemas.microsoft.com/office/drawing/2014/main" xmlns="" id="{19EB4010-9653-D64C-ADC9-7FF6C55A289D}"/>
               </a:ext>
             </a:extLst>
           </p:cNvPr>
@@ -11974,7 +12079,7 @@
           <a:lstStyle/>
           <a:p>
             <a:r>
-              <a:rPr lang="fr-FR" dirty="0"/>
+              <a:rPr lang="fr-FR" b="1" dirty="0"/>
               <a:t>Résumé</a:t>
             </a:r>
           </a:p>
@@ -12093,6 +12198,10 @@
             <a:r>
               <a:rPr lang="fr-FR" sz="2400" b="1" dirty="0"/>
               <a:t> asynchrone</a:t>
+            </a:r>
+            <a:r>
+              <a:rPr lang="fr-FR" sz="2400" dirty="0"/>
+              <a:t/>
             </a:r>
             <a:br>
               <a:rPr lang="fr-FR" sz="2400" dirty="0"/>
@@ -12287,7 +12396,7 @@
           <a:lstStyle/>
           <a:p>
             <a:r>
-              <a:rPr lang="fr-FR" dirty="0"/>
+              <a:rPr lang="fr-FR" b="1" dirty="0"/>
               <a:t>JavaScript</a:t>
             </a:r>
           </a:p>
@@ -12730,7 +12839,7 @@
           <p:cNvPr id="2" name="Title 1">
             <a:extLst>
               <a:ext uri="{FF2B5EF4-FFF2-40B4-BE49-F238E27FC236}">
-                <a16:creationId xmlns:a16="http://schemas.microsoft.com/office/drawing/2014/main" id="{197F391B-D1BC-1E4C-B310-969ADCAC9C86}"/>
+                <a16:creationId xmlns:a16="http://schemas.microsoft.com/office/drawing/2014/main" xmlns="" id="{197F391B-D1BC-1E4C-B310-969ADCAC9C86}"/>
               </a:ext>
             </a:extLst>
           </p:cNvPr>
@@ -12747,7 +12856,7 @@
           <a:lstStyle/>
           <a:p>
             <a:r>
-              <a:rPr lang="fr-FR" dirty="0"/>
+              <a:rPr lang="fr-FR" b="1" dirty="0"/>
               <a:t>Bases du langage (1/3)</a:t>
             </a:r>
           </a:p>
@@ -12758,7 +12867,7 @@
           <p:cNvPr id="3" name="Content Placeholder 2">
             <a:extLst>
               <a:ext uri="{FF2B5EF4-FFF2-40B4-BE49-F238E27FC236}">
-                <a16:creationId xmlns:a16="http://schemas.microsoft.com/office/drawing/2014/main" id="{793FEC66-363B-3545-8E61-92AAFF0AFF62}"/>
+                <a16:creationId xmlns:a16="http://schemas.microsoft.com/office/drawing/2014/main" xmlns="" id="{793FEC66-363B-3545-8E61-92AAFF0AFF62}"/>
               </a:ext>
             </a:extLst>
           </p:cNvPr>
@@ -12809,7 +12918,7 @@
           <p:cNvPr id="4" name="Date Placeholder 3">
             <a:extLst>
               <a:ext uri="{FF2B5EF4-FFF2-40B4-BE49-F238E27FC236}">
-                <a16:creationId xmlns:a16="http://schemas.microsoft.com/office/drawing/2014/main" id="{8C2262F1-3C28-E94C-B574-356F02FF4906}"/>
+                <a16:creationId xmlns:a16="http://schemas.microsoft.com/office/drawing/2014/main" xmlns="" id="{8C2262F1-3C28-E94C-B574-356F02FF4906}"/>
               </a:ext>
             </a:extLst>
           </p:cNvPr>
@@ -12838,7 +12947,7 @@
           <p:cNvPr id="5" name="Footer Placeholder 4">
             <a:extLst>
               <a:ext uri="{FF2B5EF4-FFF2-40B4-BE49-F238E27FC236}">
-                <a16:creationId xmlns:a16="http://schemas.microsoft.com/office/drawing/2014/main" id="{770F343B-DF3F-094C-B705-4F41FD53029B}"/>
+                <a16:creationId xmlns:a16="http://schemas.microsoft.com/office/drawing/2014/main" xmlns="" id="{770F343B-DF3F-094C-B705-4F41FD53029B}"/>
               </a:ext>
             </a:extLst>
           </p:cNvPr>
@@ -12866,7 +12975,7 @@
           <p:cNvPr id="6" name="Slide Number Placeholder 5">
             <a:extLst>
               <a:ext uri="{FF2B5EF4-FFF2-40B4-BE49-F238E27FC236}">
-                <a16:creationId xmlns:a16="http://schemas.microsoft.com/office/drawing/2014/main" id="{127D60BA-7D2C-1548-8CB9-81CA238BB53C}"/>
+                <a16:creationId xmlns:a16="http://schemas.microsoft.com/office/drawing/2014/main" xmlns="" id="{127D60BA-7D2C-1548-8CB9-81CA238BB53C}"/>
               </a:ext>
             </a:extLst>
           </p:cNvPr>
@@ -12896,7 +13005,7 @@
           <p:cNvPr id="8" name="Rectangle 7">
             <a:extLst>
               <a:ext uri="{FF2B5EF4-FFF2-40B4-BE49-F238E27FC236}">
-                <a16:creationId xmlns:a16="http://schemas.microsoft.com/office/drawing/2014/main" id="{D45207C1-55BB-DB4B-990B-7E41DAF9E310}"/>
+                <a16:creationId xmlns:a16="http://schemas.microsoft.com/office/drawing/2014/main" xmlns="" id="{D45207C1-55BB-DB4B-990B-7E41DAF9E310}"/>
               </a:ext>
             </a:extLst>
           </p:cNvPr>
@@ -13212,7 +13321,7 @@
           <p:cNvPr id="2" name="Title 1">
             <a:extLst>
               <a:ext uri="{FF2B5EF4-FFF2-40B4-BE49-F238E27FC236}">
-                <a16:creationId xmlns:a16="http://schemas.microsoft.com/office/drawing/2014/main" id="{197F391B-D1BC-1E4C-B310-969ADCAC9C86}"/>
+                <a16:creationId xmlns:a16="http://schemas.microsoft.com/office/drawing/2014/main" xmlns="" id="{197F391B-D1BC-1E4C-B310-969ADCAC9C86}"/>
               </a:ext>
             </a:extLst>
           </p:cNvPr>
@@ -13229,7 +13338,7 @@
           <a:lstStyle/>
           <a:p>
             <a:r>
-              <a:rPr lang="fr-FR" dirty="0"/>
+              <a:rPr lang="fr-FR" b="1" dirty="0"/>
               <a:t>Bases du langage (2/3)</a:t>
             </a:r>
           </a:p>
@@ -13240,7 +13349,7 @@
           <p:cNvPr id="3" name="Content Placeholder 2">
             <a:extLst>
               <a:ext uri="{FF2B5EF4-FFF2-40B4-BE49-F238E27FC236}">
-                <a16:creationId xmlns:a16="http://schemas.microsoft.com/office/drawing/2014/main" id="{793FEC66-363B-3545-8E61-92AAFF0AFF62}"/>
+                <a16:creationId xmlns:a16="http://schemas.microsoft.com/office/drawing/2014/main" xmlns="" id="{793FEC66-363B-3545-8E61-92AAFF0AFF62}"/>
               </a:ext>
             </a:extLst>
           </p:cNvPr>
@@ -13300,7 +13409,7 @@
           <p:cNvPr id="4" name="Date Placeholder 3">
             <a:extLst>
               <a:ext uri="{FF2B5EF4-FFF2-40B4-BE49-F238E27FC236}">
-                <a16:creationId xmlns:a16="http://schemas.microsoft.com/office/drawing/2014/main" id="{8C2262F1-3C28-E94C-B574-356F02FF4906}"/>
+                <a16:creationId xmlns:a16="http://schemas.microsoft.com/office/drawing/2014/main" xmlns="" id="{8C2262F1-3C28-E94C-B574-356F02FF4906}"/>
               </a:ext>
             </a:extLst>
           </p:cNvPr>
@@ -13329,7 +13438,7 @@
           <p:cNvPr id="5" name="Footer Placeholder 4">
             <a:extLst>
               <a:ext uri="{FF2B5EF4-FFF2-40B4-BE49-F238E27FC236}">
-                <a16:creationId xmlns:a16="http://schemas.microsoft.com/office/drawing/2014/main" id="{770F343B-DF3F-094C-B705-4F41FD53029B}"/>
+                <a16:creationId xmlns:a16="http://schemas.microsoft.com/office/drawing/2014/main" xmlns="" id="{770F343B-DF3F-094C-B705-4F41FD53029B}"/>
               </a:ext>
             </a:extLst>
           </p:cNvPr>
@@ -13357,7 +13466,7 @@
           <p:cNvPr id="6" name="Slide Number Placeholder 5">
             <a:extLst>
               <a:ext uri="{FF2B5EF4-FFF2-40B4-BE49-F238E27FC236}">
-                <a16:creationId xmlns:a16="http://schemas.microsoft.com/office/drawing/2014/main" id="{127D60BA-7D2C-1548-8CB9-81CA238BB53C}"/>
+                <a16:creationId xmlns:a16="http://schemas.microsoft.com/office/drawing/2014/main" xmlns="" id="{127D60BA-7D2C-1548-8CB9-81CA238BB53C}"/>
               </a:ext>
             </a:extLst>
           </p:cNvPr>
@@ -13387,7 +13496,7 @@
           <p:cNvPr id="8" name="Rectangle 7">
             <a:extLst>
               <a:ext uri="{FF2B5EF4-FFF2-40B4-BE49-F238E27FC236}">
-                <a16:creationId xmlns:a16="http://schemas.microsoft.com/office/drawing/2014/main" id="{D45207C1-55BB-DB4B-990B-7E41DAF9E310}"/>
+                <a16:creationId xmlns:a16="http://schemas.microsoft.com/office/drawing/2014/main" xmlns="" id="{D45207C1-55BB-DB4B-990B-7E41DAF9E310}"/>
               </a:ext>
             </a:extLst>
           </p:cNvPr>
@@ -13567,7 +13676,7 @@
           <p:cNvPr id="2" name="Title 1">
             <a:extLst>
               <a:ext uri="{FF2B5EF4-FFF2-40B4-BE49-F238E27FC236}">
-                <a16:creationId xmlns:a16="http://schemas.microsoft.com/office/drawing/2014/main" id="{197F391B-D1BC-1E4C-B310-969ADCAC9C86}"/>
+                <a16:creationId xmlns:a16="http://schemas.microsoft.com/office/drawing/2014/main" xmlns="" id="{197F391B-D1BC-1E4C-B310-969ADCAC9C86}"/>
               </a:ext>
             </a:extLst>
           </p:cNvPr>
@@ -13584,7 +13693,7 @@
           <a:lstStyle/>
           <a:p>
             <a:r>
-              <a:rPr lang="fr-FR" dirty="0"/>
+              <a:rPr lang="fr-FR" b="1" dirty="0"/>
               <a:t>Bases du langage (3/3)</a:t>
             </a:r>
           </a:p>
@@ -13595,7 +13704,7 @@
           <p:cNvPr id="3" name="Content Placeholder 2">
             <a:extLst>
               <a:ext uri="{FF2B5EF4-FFF2-40B4-BE49-F238E27FC236}">
-                <a16:creationId xmlns:a16="http://schemas.microsoft.com/office/drawing/2014/main" id="{793FEC66-363B-3545-8E61-92AAFF0AFF62}"/>
+                <a16:creationId xmlns:a16="http://schemas.microsoft.com/office/drawing/2014/main" xmlns="" id="{793FEC66-363B-3545-8E61-92AAFF0AFF62}"/>
               </a:ext>
             </a:extLst>
           </p:cNvPr>
@@ -13705,7 +13814,7 @@
           <p:cNvPr id="4" name="Date Placeholder 3">
             <a:extLst>
               <a:ext uri="{FF2B5EF4-FFF2-40B4-BE49-F238E27FC236}">
-                <a16:creationId xmlns:a16="http://schemas.microsoft.com/office/drawing/2014/main" id="{8C2262F1-3C28-E94C-B574-356F02FF4906}"/>
+                <a16:creationId xmlns:a16="http://schemas.microsoft.com/office/drawing/2014/main" xmlns="" id="{8C2262F1-3C28-E94C-B574-356F02FF4906}"/>
               </a:ext>
             </a:extLst>
           </p:cNvPr>
@@ -13734,7 +13843,7 @@
           <p:cNvPr id="5" name="Footer Placeholder 4">
             <a:extLst>
               <a:ext uri="{FF2B5EF4-FFF2-40B4-BE49-F238E27FC236}">
-                <a16:creationId xmlns:a16="http://schemas.microsoft.com/office/drawing/2014/main" id="{770F343B-DF3F-094C-B705-4F41FD53029B}"/>
+                <a16:creationId xmlns:a16="http://schemas.microsoft.com/office/drawing/2014/main" xmlns="" id="{770F343B-DF3F-094C-B705-4F41FD53029B}"/>
               </a:ext>
             </a:extLst>
           </p:cNvPr>
@@ -13762,7 +13871,7 @@
           <p:cNvPr id="6" name="Slide Number Placeholder 5">
             <a:extLst>
               <a:ext uri="{FF2B5EF4-FFF2-40B4-BE49-F238E27FC236}">
-                <a16:creationId xmlns:a16="http://schemas.microsoft.com/office/drawing/2014/main" id="{127D60BA-7D2C-1548-8CB9-81CA238BB53C}"/>
+                <a16:creationId xmlns:a16="http://schemas.microsoft.com/office/drawing/2014/main" xmlns="" id="{127D60BA-7D2C-1548-8CB9-81CA238BB53C}"/>
               </a:ext>
             </a:extLst>
           </p:cNvPr>
@@ -13792,7 +13901,7 @@
           <p:cNvPr id="8" name="Rectangle 7">
             <a:extLst>
               <a:ext uri="{FF2B5EF4-FFF2-40B4-BE49-F238E27FC236}">
-                <a16:creationId xmlns:a16="http://schemas.microsoft.com/office/drawing/2014/main" id="{D45207C1-55BB-DB4B-990B-7E41DAF9E310}"/>
+                <a16:creationId xmlns:a16="http://schemas.microsoft.com/office/drawing/2014/main" xmlns="" id="{D45207C1-55BB-DB4B-990B-7E41DAF9E310}"/>
               </a:ext>
             </a:extLst>
           </p:cNvPr>
@@ -14049,7 +14158,7 @@
           <p:cNvPr id="2" name="Title 1">
             <a:extLst>
               <a:ext uri="{FF2B5EF4-FFF2-40B4-BE49-F238E27FC236}">
-                <a16:creationId xmlns:a16="http://schemas.microsoft.com/office/drawing/2014/main" id="{197F391B-D1BC-1E4C-B310-969ADCAC9C86}"/>
+                <a16:creationId xmlns:a16="http://schemas.microsoft.com/office/drawing/2014/main" xmlns="" id="{197F391B-D1BC-1E4C-B310-969ADCAC9C86}"/>
               </a:ext>
             </a:extLst>
           </p:cNvPr>
@@ -14066,7 +14175,7 @@
           <a:lstStyle/>
           <a:p>
             <a:r>
-              <a:rPr lang="fr-FR" dirty="0"/>
+              <a:rPr lang="fr-FR" b="1" dirty="0"/>
               <a:t>Bases du langage (3/3)</a:t>
             </a:r>
           </a:p>
@@ -14077,7 +14186,7 @@
           <p:cNvPr id="3" name="Content Placeholder 2">
             <a:extLst>
               <a:ext uri="{FF2B5EF4-FFF2-40B4-BE49-F238E27FC236}">
-                <a16:creationId xmlns:a16="http://schemas.microsoft.com/office/drawing/2014/main" id="{793FEC66-363B-3545-8E61-92AAFF0AFF62}"/>
+                <a16:creationId xmlns:a16="http://schemas.microsoft.com/office/drawing/2014/main" xmlns="" id="{793FEC66-363B-3545-8E61-92AAFF0AFF62}"/>
               </a:ext>
             </a:extLst>
           </p:cNvPr>
@@ -14168,7 +14277,7 @@
           <p:cNvPr id="4" name="Date Placeholder 3">
             <a:extLst>
               <a:ext uri="{FF2B5EF4-FFF2-40B4-BE49-F238E27FC236}">
-                <a16:creationId xmlns:a16="http://schemas.microsoft.com/office/drawing/2014/main" id="{8C2262F1-3C28-E94C-B574-356F02FF4906}"/>
+                <a16:creationId xmlns:a16="http://schemas.microsoft.com/office/drawing/2014/main" xmlns="" id="{8C2262F1-3C28-E94C-B574-356F02FF4906}"/>
               </a:ext>
             </a:extLst>
           </p:cNvPr>
@@ -14197,7 +14306,7 @@
           <p:cNvPr id="5" name="Footer Placeholder 4">
             <a:extLst>
               <a:ext uri="{FF2B5EF4-FFF2-40B4-BE49-F238E27FC236}">
-                <a16:creationId xmlns:a16="http://schemas.microsoft.com/office/drawing/2014/main" id="{770F343B-DF3F-094C-B705-4F41FD53029B}"/>
+                <a16:creationId xmlns:a16="http://schemas.microsoft.com/office/drawing/2014/main" xmlns="" id="{770F343B-DF3F-094C-B705-4F41FD53029B}"/>
               </a:ext>
             </a:extLst>
           </p:cNvPr>
@@ -14225,7 +14334,7 @@
           <p:cNvPr id="6" name="Slide Number Placeholder 5">
             <a:extLst>
               <a:ext uri="{FF2B5EF4-FFF2-40B4-BE49-F238E27FC236}">
-                <a16:creationId xmlns:a16="http://schemas.microsoft.com/office/drawing/2014/main" id="{127D60BA-7D2C-1548-8CB9-81CA238BB53C}"/>
+                <a16:creationId xmlns:a16="http://schemas.microsoft.com/office/drawing/2014/main" xmlns="" id="{127D60BA-7D2C-1548-8CB9-81CA238BB53C}"/>
               </a:ext>
             </a:extLst>
           </p:cNvPr>
@@ -14255,7 +14364,7 @@
           <p:cNvPr id="8" name="Rectangle 7">
             <a:extLst>
               <a:ext uri="{FF2B5EF4-FFF2-40B4-BE49-F238E27FC236}">
-                <a16:creationId xmlns:a16="http://schemas.microsoft.com/office/drawing/2014/main" id="{D45207C1-55BB-DB4B-990B-7E41DAF9E310}"/>
+                <a16:creationId xmlns:a16="http://schemas.microsoft.com/office/drawing/2014/main" xmlns="" id="{D45207C1-55BB-DB4B-990B-7E41DAF9E310}"/>
               </a:ext>
             </a:extLst>
           </p:cNvPr>
@@ -14624,7 +14733,7 @@
           <a:lstStyle/>
           <a:p>
             <a:r>
-              <a:rPr lang="fr-FR" dirty="0"/>
+              <a:rPr lang="fr-FR" b="1" dirty="0"/>
               <a:t>HTML et JavaScript (1/3)</a:t>
             </a:r>
           </a:p>
@@ -14934,7 +15043,7 @@
           <p:cNvPr id="9" name="Graphic 8">
             <a:extLst>
               <a:ext uri="{FF2B5EF4-FFF2-40B4-BE49-F238E27FC236}">
-                <a16:creationId xmlns:a16="http://schemas.microsoft.com/office/drawing/2014/main" id="{6F3E1559-D605-C945-85DB-066CD93FEA04}"/>
+                <a16:creationId xmlns:a16="http://schemas.microsoft.com/office/drawing/2014/main" xmlns="" id="{6F3E1559-D605-C945-85DB-066CD93FEA04}"/>
               </a:ext>
             </a:extLst>
           </p:cNvPr>
@@ -14947,7 +15056,7 @@
           <a:blip r:embed="rId3">
             <a:extLst>
               <a:ext uri="{96DAC541-7B7A-43D3-8B79-37D633B846F1}">
-                <asvg:svgBlip xmlns:asvg="http://schemas.microsoft.com/office/drawing/2016/SVG/main" r:embed="rId4"/>
+                <asvg:svgBlip xmlns:asvg="http://schemas.microsoft.com/office/drawing/2016/SVG/main" xmlns="" r:embed="rId4"/>
               </a:ext>
             </a:extLst>
           </a:blip>
@@ -14970,7 +15079,7 @@
           <p:cNvPr id="12" name="Rectangle 11">
             <a:extLst>
               <a:ext uri="{FF2B5EF4-FFF2-40B4-BE49-F238E27FC236}">
-                <a16:creationId xmlns:a16="http://schemas.microsoft.com/office/drawing/2014/main" id="{6EC37172-BD25-FF4A-8EF0-B0746183C81E}"/>
+                <a16:creationId xmlns:a16="http://schemas.microsoft.com/office/drawing/2014/main" xmlns="" id="{6EC37172-BD25-FF4A-8EF0-B0746183C81E}"/>
               </a:ext>
             </a:extLst>
           </p:cNvPr>
@@ -15040,6 +15149,16 @@
                 <a:latin typeface="Helvetica" pitchFamily="2" charset="0"/>
               </a:rPr>
               <a:t>File:DOM-model.svg</a:t>
+            </a:r>
+            <a:r>
+              <a:rPr lang="fr-FR" sz="800" dirty="0">
+                <a:solidFill>
+                  <a:schemeClr val="bg1">
+                    <a:lumMod val="50000"/>
+                  </a:schemeClr>
+                </a:solidFill>
+              </a:rPr>
+              <a:t/>
             </a:r>
             <a:br>
               <a:rPr lang="fr-FR" sz="800" dirty="0">
@@ -15377,6 +15496,10 @@
             <a:pPr marL="0" indent="0">
               <a:buNone/>
             </a:pPr>
+            <a:r>
+              <a:rPr lang="fr-FR" sz="2400" dirty="0"/>
+              <a:t/>
+            </a:r>
             <a:br>
               <a:rPr lang="fr-FR" sz="2400" dirty="0"/>
             </a:br>
@@ -15402,7 +15525,7 @@
           <a:lstStyle/>
           <a:p>
             <a:r>
-              <a:rPr lang="fr-FR" dirty="0"/>
+              <a:rPr lang="fr-FR" b="1" dirty="0"/>
               <a:t>HTML et JavaScript (2/3)</a:t>
             </a:r>
           </a:p>
@@ -15482,7 +15605,7 @@
           <p:cNvPr id="8" name="Rectangle 7">
             <a:extLst>
               <a:ext uri="{FF2B5EF4-FFF2-40B4-BE49-F238E27FC236}">
-                <a16:creationId xmlns:a16="http://schemas.microsoft.com/office/drawing/2014/main" id="{99D6AB73-3556-6845-9EF8-9024C2407A0D}"/>
+                <a16:creationId xmlns:a16="http://schemas.microsoft.com/office/drawing/2014/main" xmlns="" id="{99D6AB73-3556-6845-9EF8-9024C2407A0D}"/>
               </a:ext>
             </a:extLst>
           </p:cNvPr>

--- a/web/4-JS/JavaScript.pptx
+++ b/web/4-JS/JavaScript.pptx
@@ -226,7 +226,7 @@
           <a:p>
             <a:fld id="{5EB47243-285B-2741-8C7D-C88258D9CCFA}" type="datetimeFigureOut">
               <a:rPr lang="fr-FR" smtClean="0"/>
-              <a:t>06/06/2019</a:t>
+              <a:t>07/06/2019</a:t>
             </a:fld>
             <a:endParaRPr lang="fr-FR"/>
           </a:p>
@@ -292,7 +292,7 @@
           <a:p>
             <a:fld id="{C5CA9166-BC48-2C47-B9BF-6F57720E77B8}" type="slidenum">
               <a:rPr lang="fr-FR" smtClean="0"/>
-              <a:t>‹N°›</a:t>
+              <a:t>‹#›</a:t>
             </a:fld>
             <a:endParaRPr lang="fr-FR"/>
           </a:p>
@@ -392,7 +392,7 @@
           <a:p>
             <a:fld id="{7D088D39-B4EA-D24B-B9C3-6A64886EABE2}" type="datetimeFigureOut">
               <a:rPr lang="fr-FR" smtClean="0"/>
-              <a:t>06/06/2019</a:t>
+              <a:t>07/06/2019</a:t>
             </a:fld>
             <a:endParaRPr lang="fr-FR"/>
           </a:p>
@@ -550,7 +550,7 @@
           <a:p>
             <a:fld id="{1C0E2CBA-6097-B848-A7DA-4D7BD6EB303B}" type="slidenum">
               <a:rPr lang="fr-FR" smtClean="0"/>
-              <a:t>‹N°›</a:t>
+              <a:t>‹#›</a:t>
             </a:fld>
             <a:endParaRPr lang="fr-FR"/>
           </a:p>
@@ -718,7 +718,7 @@
             </a:r>
           </a:p>
           <a:p>
-            <a:r>
+            <a:br>
               <a:rPr lang="fr-FR" sz="1200" b="0" kern="1200" dirty="0">
                 <a:solidFill>
                   <a:schemeClr val="tx1"/>
@@ -728,9 +728,8 @@
                 <a:ea typeface="+mn-ea"/>
                 <a:cs typeface="+mn-cs"/>
               </a:rPr>
-              <a:t/>
-            </a:r>
-            <a:br>
+            </a:br>
+            <a:r>
               <a:rPr lang="fr-FR" sz="1200" b="0" kern="1200" dirty="0">
                 <a:solidFill>
                   <a:schemeClr val="tx1"/>
@@ -740,9 +739,10 @@
                 <a:ea typeface="+mn-ea"/>
                 <a:cs typeface="+mn-cs"/>
               </a:rPr>
-            </a:br>
-            <a:r>
-              <a:rPr lang="fr-FR" sz="1200" b="0" kern="1200" dirty="0">
+              <a:t>Le texte contient ensuite des balises ouvrantes et fermantes (`&lt;html&gt;` et `&lt;/html&gt;`) ou encore (`&lt;/</a:t>
+            </a:r>
+            <a:r>
+              <a:rPr lang="fr-FR" sz="1200" b="0" kern="1200" dirty="0" err="1">
                 <a:solidFill>
                   <a:schemeClr val="tx1"/>
                 </a:solidFill>
@@ -751,10 +751,10 @@
                 <a:ea typeface="+mn-ea"/>
                 <a:cs typeface="+mn-cs"/>
               </a:rPr>
-              <a:t>Le texte contient ensuite des balises ouvrantes et fermantes (`&lt;html&gt;` et `&lt;/html&gt;`) ou encore (`&lt;/</a:t>
-            </a:r>
-            <a:r>
-              <a:rPr lang="fr-FR" sz="1200" b="0" kern="1200" dirty="0" err="1">
+              <a:t>title</a:t>
+            </a:r>
+            <a:r>
+              <a:rPr lang="fr-FR" sz="1200" b="0" kern="1200" dirty="0">
                 <a:solidFill>
                   <a:schemeClr val="tx1"/>
                 </a:solidFill>
@@ -763,10 +763,10 @@
                 <a:ea typeface="+mn-ea"/>
                 <a:cs typeface="+mn-cs"/>
               </a:rPr>
-              <a:t>title</a:t>
-            </a:r>
-            <a:r>
-              <a:rPr lang="fr-FR" sz="1200" b="0" kern="1200" dirty="0">
+              <a:t>&gt;` et `&lt;/</a:t>
+            </a:r>
+            <a:r>
+              <a:rPr lang="fr-FR" sz="1200" b="0" kern="1200" dirty="0" err="1">
                 <a:solidFill>
                   <a:schemeClr val="tx1"/>
                 </a:solidFill>
@@ -775,10 +775,10 @@
                 <a:ea typeface="+mn-ea"/>
                 <a:cs typeface="+mn-cs"/>
               </a:rPr>
-              <a:t>&gt;` et `&lt;/</a:t>
-            </a:r>
-            <a:r>
-              <a:rPr lang="fr-FR" sz="1200" b="0" kern="1200" dirty="0" err="1">
+              <a:t>title</a:t>
+            </a:r>
+            <a:r>
+              <a:rPr lang="fr-FR" sz="1200" b="0" kern="1200" dirty="0">
                 <a:solidFill>
                   <a:schemeClr val="tx1"/>
                 </a:solidFill>
@@ -787,9 +787,11 @@
                 <a:ea typeface="+mn-ea"/>
                 <a:cs typeface="+mn-cs"/>
               </a:rPr>
-              <a:t>title</a:t>
-            </a:r>
-            <a:r>
+              <a:t>&gt;`.</a:t>
+            </a:r>
+          </a:p>
+          <a:p>
+            <a:br>
               <a:rPr lang="fr-FR" sz="1200" b="0" kern="1200" dirty="0">
                 <a:solidFill>
                   <a:schemeClr val="tx1"/>
@@ -799,10 +801,7 @@
                 <a:ea typeface="+mn-ea"/>
                 <a:cs typeface="+mn-cs"/>
               </a:rPr>
-              <a:t>&gt;`.</a:t>
-            </a:r>
-          </a:p>
-          <a:p>
+            </a:br>
             <a:r>
               <a:rPr lang="fr-FR" sz="1200" b="0" kern="1200" dirty="0">
                 <a:solidFill>
@@ -813,45 +812,10 @@
                 <a:ea typeface="+mn-ea"/>
                 <a:cs typeface="+mn-cs"/>
               </a:rPr>
-              <a:t/>
-            </a:r>
-            <a:br>
-              <a:rPr lang="fr-FR" sz="1200" b="0" kern="1200" dirty="0">
-                <a:solidFill>
-                  <a:schemeClr val="tx1"/>
-                </a:solidFill>
-                <a:effectLst/>
-                <a:latin typeface="+mn-lt"/>
-                <a:ea typeface="+mn-ea"/>
-                <a:cs typeface="+mn-cs"/>
-              </a:rPr>
-            </a:br>
-            <a:r>
-              <a:rPr lang="fr-FR" sz="1200" b="0" kern="1200" dirty="0">
-                <a:solidFill>
-                  <a:schemeClr val="tx1"/>
-                </a:solidFill>
-                <a:effectLst/>
-                <a:latin typeface="+mn-lt"/>
-                <a:ea typeface="+mn-ea"/>
-                <a:cs typeface="+mn-cs"/>
-              </a:rPr>
               <a:t>L'imbrication des balises ouvrantes et fermantes constitue un arbre (qui est marqué ici par l'indentation du texte mais ce n'est pas obligatoire).</a:t>
             </a:r>
           </a:p>
           <a:p>
-            <a:r>
-              <a:rPr lang="fr-FR" sz="1200" b="0" kern="1200" dirty="0">
-                <a:solidFill>
-                  <a:schemeClr val="tx1"/>
-                </a:solidFill>
-                <a:effectLst/>
-                <a:latin typeface="+mn-lt"/>
-                <a:ea typeface="+mn-ea"/>
-                <a:cs typeface="+mn-cs"/>
-              </a:rPr>
-              <a:t/>
-            </a:r>
             <a:br>
               <a:rPr lang="fr-FR" sz="1200" b="0" kern="1200" dirty="0">
                 <a:solidFill>
@@ -1103,7 +1067,7 @@
             </a:r>
           </a:p>
           <a:p>
-            <a:r>
+            <a:br>
               <a:rPr lang="fr-FR" sz="1200" b="0" kern="1200" dirty="0">
                 <a:solidFill>
                   <a:schemeClr val="tx1"/>
@@ -1113,9 +1077,8 @@
                 <a:ea typeface="+mn-ea"/>
                 <a:cs typeface="+mn-cs"/>
               </a:rPr>
-              <a:t/>
-            </a:r>
-            <a:br>
+            </a:br>
+            <a:r>
               <a:rPr lang="fr-FR" sz="1200" b="0" kern="1200" dirty="0">
                 <a:solidFill>
                   <a:schemeClr val="tx1"/>
@@ -1125,9 +1088,10 @@
                 <a:ea typeface="+mn-ea"/>
                 <a:cs typeface="+mn-cs"/>
               </a:rPr>
-            </a:br>
-            <a:r>
-              <a:rPr lang="fr-FR" sz="1200" b="0" kern="1200" dirty="0">
+              <a:t>Le texte contient ensuite des balises ouvrantes et fermantes (`&lt;html&gt;` et `&lt;/html&gt;`) ou encore (`&lt;/</a:t>
+            </a:r>
+            <a:r>
+              <a:rPr lang="fr-FR" sz="1200" b="0" kern="1200" dirty="0" err="1">
                 <a:solidFill>
                   <a:schemeClr val="tx1"/>
                 </a:solidFill>
@@ -1136,10 +1100,10 @@
                 <a:ea typeface="+mn-ea"/>
                 <a:cs typeface="+mn-cs"/>
               </a:rPr>
-              <a:t>Le texte contient ensuite des balises ouvrantes et fermantes (`&lt;html&gt;` et `&lt;/html&gt;`) ou encore (`&lt;/</a:t>
-            </a:r>
-            <a:r>
-              <a:rPr lang="fr-FR" sz="1200" b="0" kern="1200" dirty="0" err="1">
+              <a:t>title</a:t>
+            </a:r>
+            <a:r>
+              <a:rPr lang="fr-FR" sz="1200" b="0" kern="1200" dirty="0">
                 <a:solidFill>
                   <a:schemeClr val="tx1"/>
                 </a:solidFill>
@@ -1148,10 +1112,10 @@
                 <a:ea typeface="+mn-ea"/>
                 <a:cs typeface="+mn-cs"/>
               </a:rPr>
-              <a:t>title</a:t>
-            </a:r>
-            <a:r>
-              <a:rPr lang="fr-FR" sz="1200" b="0" kern="1200" dirty="0">
+              <a:t>&gt;` et `&lt;/</a:t>
+            </a:r>
+            <a:r>
+              <a:rPr lang="fr-FR" sz="1200" b="0" kern="1200" dirty="0" err="1">
                 <a:solidFill>
                   <a:schemeClr val="tx1"/>
                 </a:solidFill>
@@ -1160,10 +1124,10 @@
                 <a:ea typeface="+mn-ea"/>
                 <a:cs typeface="+mn-cs"/>
               </a:rPr>
-              <a:t>&gt;` et `&lt;/</a:t>
-            </a:r>
-            <a:r>
-              <a:rPr lang="fr-FR" sz="1200" b="0" kern="1200" dirty="0" err="1">
+              <a:t>title</a:t>
+            </a:r>
+            <a:r>
+              <a:rPr lang="fr-FR" sz="1200" b="0" kern="1200" dirty="0">
                 <a:solidFill>
                   <a:schemeClr val="tx1"/>
                 </a:solidFill>
@@ -1172,9 +1136,11 @@
                 <a:ea typeface="+mn-ea"/>
                 <a:cs typeface="+mn-cs"/>
               </a:rPr>
-              <a:t>title</a:t>
-            </a:r>
-            <a:r>
+              <a:t>&gt;`.</a:t>
+            </a:r>
+          </a:p>
+          <a:p>
+            <a:br>
               <a:rPr lang="fr-FR" sz="1200" b="0" kern="1200" dirty="0">
                 <a:solidFill>
                   <a:schemeClr val="tx1"/>
@@ -1184,10 +1150,7 @@
                 <a:ea typeface="+mn-ea"/>
                 <a:cs typeface="+mn-cs"/>
               </a:rPr>
-              <a:t>&gt;`.</a:t>
-            </a:r>
-          </a:p>
-          <a:p>
+            </a:br>
             <a:r>
               <a:rPr lang="fr-FR" sz="1200" b="0" kern="1200" dirty="0">
                 <a:solidFill>
@@ -1198,45 +1161,10 @@
                 <a:ea typeface="+mn-ea"/>
                 <a:cs typeface="+mn-cs"/>
               </a:rPr>
-              <a:t/>
-            </a:r>
-            <a:br>
-              <a:rPr lang="fr-FR" sz="1200" b="0" kern="1200" dirty="0">
-                <a:solidFill>
-                  <a:schemeClr val="tx1"/>
-                </a:solidFill>
-                <a:effectLst/>
-                <a:latin typeface="+mn-lt"/>
-                <a:ea typeface="+mn-ea"/>
-                <a:cs typeface="+mn-cs"/>
-              </a:rPr>
-            </a:br>
-            <a:r>
-              <a:rPr lang="fr-FR" sz="1200" b="0" kern="1200" dirty="0">
-                <a:solidFill>
-                  <a:schemeClr val="tx1"/>
-                </a:solidFill>
-                <a:effectLst/>
-                <a:latin typeface="+mn-lt"/>
-                <a:ea typeface="+mn-ea"/>
-                <a:cs typeface="+mn-cs"/>
-              </a:rPr>
               <a:t>L'imbrication des balises ouvrantes et fermantes constitue un arbre (qui est marqué ici par l'indentation du texte mais ce n'est pas obligatoire).</a:t>
             </a:r>
           </a:p>
           <a:p>
-            <a:r>
-              <a:rPr lang="fr-FR" sz="1200" b="0" kern="1200" dirty="0">
-                <a:solidFill>
-                  <a:schemeClr val="tx1"/>
-                </a:solidFill>
-                <a:effectLst/>
-                <a:latin typeface="+mn-lt"/>
-                <a:ea typeface="+mn-ea"/>
-                <a:cs typeface="+mn-cs"/>
-              </a:rPr>
-              <a:t/>
-            </a:r>
             <a:br>
               <a:rPr lang="fr-FR" sz="1200" b="0" kern="1200" dirty="0">
                 <a:solidFill>
@@ -2383,7 +2311,7 @@
           <a:p>
             <a:fld id="{BB2FA04C-1355-4CE6-8050-4BD994E23BD5}" type="datetime4">
               <a:rPr lang="fr-FR" smtClean="0"/>
-              <a:t>6 juin 2019</a:t>
+              <a:t>7 juin 2019</a:t>
             </a:fld>
             <a:endParaRPr lang="fr-FR" dirty="0"/>
           </a:p>
@@ -2461,7 +2389,7 @@
             <a:fld id="{DCE37727-CC04-7A46-938D-2CCFF056F773}" type="slidenum">
               <a:rPr lang="fr-FR" smtClean="0"/>
               <a:pPr/>
-              <a:t>‹N°›</a:t>
+              <a:t>‹#›</a:t>
             </a:fld>
             <a:endParaRPr lang="fr-FR"/>
           </a:p>
@@ -2873,7 +2801,7 @@
           <a:p>
             <a:fld id="{A81C4219-47FF-4375-968D-EABA4A212953}" type="datetime4">
               <a:rPr lang="fr-FR" smtClean="0"/>
-              <a:t>6 juin 2019</a:t>
+              <a:t>7 juin 2019</a:t>
             </a:fld>
             <a:endParaRPr lang="fr-FR" dirty="0"/>
           </a:p>
@@ -2951,7 +2879,7 @@
             <a:fld id="{DCE37727-CC04-7A46-938D-2CCFF056F773}" type="slidenum">
               <a:rPr lang="fr-FR" smtClean="0"/>
               <a:pPr/>
-              <a:t>‹N°›</a:t>
+              <a:t>‹#›</a:t>
             </a:fld>
             <a:endParaRPr lang="fr-FR"/>
           </a:p>
@@ -4709,7 +4637,7 @@
           <a:p>
             <a:fld id="{81E3CCF4-D669-4BB6-B0BE-EE495E88AE6B}" type="datetime4">
               <a:rPr lang="fr-FR" smtClean="0"/>
-              <a:t>6 juin 2019</a:t>
+              <a:t>7 juin 2019</a:t>
             </a:fld>
             <a:endParaRPr lang="fr-FR" dirty="0"/>
           </a:p>
@@ -4787,7 +4715,7 @@
             <a:fld id="{DCE37727-CC04-7A46-938D-2CCFF056F773}" type="slidenum">
               <a:rPr lang="fr-FR" smtClean="0"/>
               <a:pPr/>
-              <a:t>‹N°›</a:t>
+              <a:t>‹#›</a:t>
             </a:fld>
             <a:endParaRPr lang="fr-FR"/>
           </a:p>
@@ -5645,7 +5573,7 @@
           <a:p>
             <a:fld id="{2E52B8B1-858B-4633-AE57-5B6CA9292F2B}" type="datetime4">
               <a:rPr lang="fr-FR" smtClean="0"/>
-              <a:t>6 juin 2019</a:t>
+              <a:t>7 juin 2019</a:t>
             </a:fld>
             <a:endParaRPr lang="fr-FR" dirty="0"/>
           </a:p>
@@ -5723,7 +5651,7 @@
             <a:fld id="{DCE37727-CC04-7A46-938D-2CCFF056F773}" type="slidenum">
               <a:rPr lang="fr-FR" smtClean="0"/>
               <a:pPr/>
-              <a:t>‹N°›</a:t>
+              <a:t>‹#›</a:t>
             </a:fld>
             <a:endParaRPr lang="fr-FR"/>
           </a:p>
@@ -6453,24 +6381,12 @@
             <a:br>
               <a:rPr lang="fr-FR" dirty="0"/>
             </a:br>
-            <a:r>
-              <a:rPr lang="fr-FR" sz="2400" dirty="0"/>
-              <a:t/>
-            </a:r>
             <a:br>
               <a:rPr lang="fr-FR" sz="2400" dirty="0"/>
             </a:br>
-            <a:r>
-              <a:rPr lang="fr-FR" sz="2400" dirty="0"/>
-              <a:t/>
-            </a:r>
             <a:br>
               <a:rPr lang="fr-FR" sz="2400" dirty="0"/>
             </a:br>
-            <a:r>
-              <a:rPr lang="fr-FR" sz="2400" dirty="0"/>
-              <a:t/>
-            </a:r>
             <a:br>
               <a:rPr lang="fr-FR" sz="2400" dirty="0"/>
             </a:br>
@@ -6526,7 +6442,7 @@
           <a:p>
             <a:fld id="{BB2FA04C-1355-4CE6-8050-4BD994E23BD5}" type="datetime4">
               <a:rPr lang="fr-FR" smtClean="0"/>
-              <a:t>6 juin 2019</a:t>
+              <a:t>7 juin 2019</a:t>
             </a:fld>
             <a:endParaRPr lang="fr-FR" dirty="0"/>
           </a:p>
@@ -6583,7 +6499,7 @@
           <p:cNvPr id="19" name="Rectangle 18">
             <a:extLst>
               <a:ext uri="{FF2B5EF4-FFF2-40B4-BE49-F238E27FC236}">
-                <a16:creationId xmlns:a16="http://schemas.microsoft.com/office/drawing/2014/main" xmlns="" id="{99D6AB73-3556-6845-9EF8-9024C2407A0D}"/>
+                <a16:creationId xmlns:a16="http://schemas.microsoft.com/office/drawing/2014/main" id="{99D6AB73-3556-6845-9EF8-9024C2407A0D}"/>
               </a:ext>
             </a:extLst>
           </p:cNvPr>
@@ -6676,7 +6592,7 @@
           <p:cNvPr id="12" name="Rectangle 11">
             <a:extLst>
               <a:ext uri="{FF2B5EF4-FFF2-40B4-BE49-F238E27FC236}">
-                <a16:creationId xmlns:a16="http://schemas.microsoft.com/office/drawing/2014/main" xmlns="" id="{ECED5231-2525-CD45-A28E-5EE4CDC138F5}"/>
+                <a16:creationId xmlns:a16="http://schemas.microsoft.com/office/drawing/2014/main" id="{ECED5231-2525-CD45-A28E-5EE4CDC138F5}"/>
               </a:ext>
             </a:extLst>
           </p:cNvPr>
@@ -7298,7 +7214,7 @@
           <a:p>
             <a:fld id="{BB2FA04C-1355-4CE6-8050-4BD994E23BD5}" type="datetime4">
               <a:rPr lang="fr-FR" smtClean="0"/>
-              <a:t>6 juin 2019</a:t>
+              <a:t>7 juin 2019</a:t>
             </a:fld>
             <a:endParaRPr lang="fr-FR" dirty="0"/>
           </a:p>
@@ -7355,7 +7271,7 @@
           <p:cNvPr id="8" name="Rectangle 7">
             <a:extLst>
               <a:ext uri="{FF2B5EF4-FFF2-40B4-BE49-F238E27FC236}">
-                <a16:creationId xmlns:a16="http://schemas.microsoft.com/office/drawing/2014/main" xmlns="" id="{99D6AB73-3556-6845-9EF8-9024C2407A0D}"/>
+                <a16:creationId xmlns:a16="http://schemas.microsoft.com/office/drawing/2014/main" id="{99D6AB73-3556-6845-9EF8-9024C2407A0D}"/>
               </a:ext>
             </a:extLst>
           </p:cNvPr>
@@ -7395,7 +7311,7 @@
                 </a:solidFill>
                 <a:latin typeface="Source Code Pro" panose="020B0509030403020204"/>
               </a:rPr>
-              <a:t>var</a:t>
+              <a:t>let</a:t>
             </a:r>
             <a:r>
               <a:rPr lang="fr-FR" altLang="fr-FR" dirty="0">
@@ -7485,7 +7401,7 @@
                 </a:solidFill>
                 <a:latin typeface="Source Code Pro" panose="020B0509030403020204"/>
               </a:rPr>
-              <a:t>var</a:t>
+              <a:t>let</a:t>
             </a:r>
             <a:r>
               <a:rPr lang="fr-FR" altLang="fr-FR" dirty="0">
@@ -7772,7 +7688,7 @@
           <a:p>
             <a:fld id="{BB2FA04C-1355-4CE6-8050-4BD994E23BD5}" type="datetime4">
               <a:rPr lang="fr-FR" smtClean="0"/>
-              <a:t>6 juin 2019</a:t>
+              <a:t>7 juin 2019</a:t>
             </a:fld>
             <a:endParaRPr lang="fr-FR" dirty="0"/>
           </a:p>
@@ -8274,7 +8190,7 @@
           <a:p>
             <a:fld id="{BB2FA04C-1355-4CE6-8050-4BD994E23BD5}" type="datetime4">
               <a:rPr lang="fr-FR" smtClean="0"/>
-              <a:t>6 juin 2019</a:t>
+              <a:t>7 juin 2019</a:t>
             </a:fld>
             <a:endParaRPr lang="fr-FR" dirty="0"/>
           </a:p>
@@ -8605,7 +8521,7 @@
           <p:cNvPr id="10" name="Rectangle 9">
             <a:extLst>
               <a:ext uri="{FF2B5EF4-FFF2-40B4-BE49-F238E27FC236}">
-                <a16:creationId xmlns:a16="http://schemas.microsoft.com/office/drawing/2014/main" xmlns="" id="{99D6AB73-3556-6845-9EF8-9024C2407A0D}"/>
+                <a16:creationId xmlns:a16="http://schemas.microsoft.com/office/drawing/2014/main" id="{99D6AB73-3556-6845-9EF8-9024C2407A0D}"/>
               </a:ext>
             </a:extLst>
           </p:cNvPr>
@@ -8705,10 +8621,9 @@
             <a:r>
               <a:rPr lang="fr-FR" altLang="fr-FR" sz="1600" dirty="0">
                 <a:solidFill>
-                  <a:srgbClr val="D73A49"/>
-                </a:solidFill>
-                <a:latin typeface="Source Code Pro" panose="020B0509030403020204" pitchFamily="49" charset="0"/>
-                <a:ea typeface="Source Code Pro" panose="020B0509030403020204" pitchFamily="49" charset="0"/>
+                  <a:srgbClr val="00B050"/>
+                </a:solidFill>
+                <a:latin typeface="Source Code Pro" panose="020B0509030403020204"/>
               </a:rPr>
               <a:t>let</a:t>
             </a:r>
@@ -9299,7 +9214,7 @@
           <a:p>
             <a:fld id="{BB2FA04C-1355-4CE6-8050-4BD994E23BD5}" type="datetime4">
               <a:rPr lang="fr-FR" smtClean="0"/>
-              <a:t>6 juin 2019</a:t>
+              <a:t>7 juin 2019</a:t>
             </a:fld>
             <a:endParaRPr lang="fr-FR" dirty="0"/>
           </a:p>
@@ -10034,7 +9949,7 @@
           <p:cNvPr id="9" name="Rectangle 8">
             <a:extLst>
               <a:ext uri="{FF2B5EF4-FFF2-40B4-BE49-F238E27FC236}">
-                <a16:creationId xmlns:a16="http://schemas.microsoft.com/office/drawing/2014/main" xmlns="" id="{B154AA04-DABC-F44F-AFCE-D2E2CCE699F0}"/>
+                <a16:creationId xmlns:a16="http://schemas.microsoft.com/office/drawing/2014/main" id="{B154AA04-DABC-F44F-AFCE-D2E2CCE699F0}"/>
               </a:ext>
             </a:extLst>
           </p:cNvPr>
@@ -10308,7 +10223,7 @@
           <a:p>
             <a:fld id="{BB2FA04C-1355-4CE6-8050-4BD994E23BD5}" type="datetime4">
               <a:rPr lang="fr-FR" smtClean="0"/>
-              <a:t>6 juin 2019</a:t>
+              <a:t>7 juin 2019</a:t>
             </a:fld>
             <a:endParaRPr lang="fr-FR" dirty="0"/>
           </a:p>
@@ -10830,7 +10745,7 @@
           <p:cNvPr id="10" name="Rectangle 9">
             <a:extLst>
               <a:ext uri="{FF2B5EF4-FFF2-40B4-BE49-F238E27FC236}">
-                <a16:creationId xmlns:a16="http://schemas.microsoft.com/office/drawing/2014/main" xmlns="" id="{99D6AB73-3556-6845-9EF8-9024C2407A0D}"/>
+                <a16:creationId xmlns:a16="http://schemas.microsoft.com/office/drawing/2014/main" id="{99D6AB73-3556-6845-9EF8-9024C2407A0D}"/>
               </a:ext>
             </a:extLst>
           </p:cNvPr>
@@ -10862,7 +10777,7 @@
           </a:bodyPr>
           <a:lstStyle/>
           <a:p>
-            <a:pPr lvl="0" defTabSz="914400" eaLnBrk="0" fontAlgn="base" hangingPunct="0">
+            <a:pPr defTabSz="914400" eaLnBrk="0" fontAlgn="base" hangingPunct="0">
               <a:spcBef>
                 <a:spcPct val="0"/>
               </a:spcBef>
@@ -10977,13 +10892,6 @@
                 <a:ea typeface="Source Code Pro" panose="020B0509030403020204" pitchFamily="49" charset="0"/>
               </a:rPr>
             </a:br>
-            <a:r>
-              <a:rPr lang="fr-FR" sz="1600" dirty="0">
-                <a:latin typeface="Source Code Pro" panose="020B0509030403020204" pitchFamily="49" charset="0"/>
-                <a:ea typeface="Source Code Pro" panose="020B0509030403020204" pitchFamily="49" charset="0"/>
-              </a:rPr>
-              <a:t/>
-            </a:r>
             <a:br>
               <a:rPr lang="fr-FR" sz="1600" dirty="0">
                 <a:latin typeface="Source Code Pro" panose="020B0509030403020204" pitchFamily="49" charset="0"/>
@@ -11151,13 +11059,6 @@
                 <a:ea typeface="Source Code Pro" panose="020B0509030403020204" pitchFamily="49" charset="0"/>
               </a:rPr>
             </a:br>
-            <a:r>
-              <a:rPr lang="fr-FR" sz="1600" dirty="0">
-                <a:latin typeface="Source Code Pro" panose="020B0509030403020204" pitchFamily="49" charset="0"/>
-                <a:ea typeface="Source Code Pro" panose="020B0509030403020204" pitchFamily="49" charset="0"/>
-              </a:rPr>
-              <a:t/>
-            </a:r>
             <a:br>
               <a:rPr lang="fr-FR" sz="1600" dirty="0">
                 <a:latin typeface="Source Code Pro" panose="020B0509030403020204" pitchFamily="49" charset="0"/>
@@ -11273,14 +11174,14 @@
                 <a:latin typeface="Source Code Pro" panose="020B0509030403020204" pitchFamily="49" charset="0"/>
                 <a:ea typeface="Source Code Pro" panose="020B0509030403020204" pitchFamily="49" charset="0"/>
               </a:rPr>
-              <a:t>var</a:t>
+              <a:t>let </a:t>
             </a:r>
             <a:r>
               <a:rPr lang="fr-FR" sz="1600" dirty="0">
                 <a:latin typeface="Source Code Pro" panose="020B0509030403020204" pitchFamily="49" charset="0"/>
                 <a:ea typeface="Source Code Pro" panose="020B0509030403020204" pitchFamily="49" charset="0"/>
               </a:rPr>
-              <a:t> data = </a:t>
+              <a:t>data = </a:t>
             </a:r>
             <a:r>
               <a:rPr lang="fr-FR" sz="1600" dirty="0" err="1">
@@ -11449,7 +11350,7 @@
           <p:cNvPr id="11" name="Rectangle 10">
             <a:extLst>
               <a:ext uri="{FF2B5EF4-FFF2-40B4-BE49-F238E27FC236}">
-                <a16:creationId xmlns:a16="http://schemas.microsoft.com/office/drawing/2014/main" xmlns="" id="{8DA60F79-BEA6-4A4D-97CF-13A847623086}"/>
+                <a16:creationId xmlns:a16="http://schemas.microsoft.com/office/drawing/2014/main" id="{8DA60F79-BEA6-4A4D-97CF-13A847623086}"/>
               </a:ext>
             </a:extLst>
           </p:cNvPr>
@@ -11693,13 +11594,6 @@
                 <a:ea typeface="Source Code Pro" panose="020B0509030403020204" pitchFamily="49" charset="0"/>
               </a:rPr>
             </a:br>
-            <a:r>
-              <a:rPr lang="fr-FR" sz="1600" dirty="0">
-                <a:latin typeface="Source Code Pro" panose="020B0509030403020204" pitchFamily="49" charset="0"/>
-                <a:ea typeface="Source Code Pro" panose="020B0509030403020204" pitchFamily="49" charset="0"/>
-              </a:rPr>
-              <a:t/>
-            </a:r>
             <a:br>
               <a:rPr lang="fr-FR" sz="1600" dirty="0">
                 <a:latin typeface="Source Code Pro" panose="020B0509030403020204" pitchFamily="49" charset="0"/>
@@ -11960,7 +11854,7 @@
           <p:cNvPr id="9" name="TextBox 8">
             <a:extLst>
               <a:ext uri="{FF2B5EF4-FFF2-40B4-BE49-F238E27FC236}">
-                <a16:creationId xmlns:a16="http://schemas.microsoft.com/office/drawing/2014/main" xmlns="" id="{0310CF36-F93A-404C-A8B2-4AF7950F69AC}"/>
+                <a16:creationId xmlns:a16="http://schemas.microsoft.com/office/drawing/2014/main" id="{0310CF36-F93A-404C-A8B2-4AF7950F69AC}"/>
               </a:ext>
             </a:extLst>
           </p:cNvPr>
@@ -11999,7 +11893,7 @@
           <p:cNvPr id="13" name="TextBox 12">
             <a:extLst>
               <a:ext uri="{FF2B5EF4-FFF2-40B4-BE49-F238E27FC236}">
-                <a16:creationId xmlns:a16="http://schemas.microsoft.com/office/drawing/2014/main" xmlns="" id="{19EB4010-9653-D64C-ADC9-7FF6C55A289D}"/>
+                <a16:creationId xmlns:a16="http://schemas.microsoft.com/office/drawing/2014/main" id="{19EB4010-9653-D64C-ADC9-7FF6C55A289D}"/>
               </a:ext>
             </a:extLst>
           </p:cNvPr>
@@ -12102,7 +11996,7 @@
           <a:p>
             <a:fld id="{BB2FA04C-1355-4CE6-8050-4BD994E23BD5}" type="datetime4">
               <a:rPr lang="fr-FR" smtClean="0"/>
-              <a:t>6 juin 2019</a:t>
+              <a:t>7 juin 2019</a:t>
             </a:fld>
             <a:endParaRPr lang="fr-FR" dirty="0"/>
           </a:p>
@@ -12198,10 +12092,6 @@
             <a:r>
               <a:rPr lang="fr-FR" sz="2400" b="1" dirty="0"/>
               <a:t> asynchrone</a:t>
-            </a:r>
-            <a:r>
-              <a:rPr lang="fr-FR" sz="2400" dirty="0"/>
-              <a:t/>
             </a:r>
             <a:br>
               <a:rPr lang="fr-FR" sz="2400" dirty="0"/>
@@ -12419,7 +12309,7 @@
           <a:p>
             <a:fld id="{1AC11C67-BE04-4C5F-B0EE-E01220C9093A}" type="datetime4">
               <a:rPr lang="fr-FR" smtClean="0"/>
-              <a:t>6 juin 2019</a:t>
+              <a:t>7 juin 2019</a:t>
             </a:fld>
             <a:endParaRPr lang="fr-FR" dirty="0"/>
           </a:p>
@@ -12839,7 +12729,7 @@
           <p:cNvPr id="2" name="Title 1">
             <a:extLst>
               <a:ext uri="{FF2B5EF4-FFF2-40B4-BE49-F238E27FC236}">
-                <a16:creationId xmlns:a16="http://schemas.microsoft.com/office/drawing/2014/main" xmlns="" id="{197F391B-D1BC-1E4C-B310-969ADCAC9C86}"/>
+                <a16:creationId xmlns:a16="http://schemas.microsoft.com/office/drawing/2014/main" id="{197F391B-D1BC-1E4C-B310-969ADCAC9C86}"/>
               </a:ext>
             </a:extLst>
           </p:cNvPr>
@@ -12867,7 +12757,7 @@
           <p:cNvPr id="3" name="Content Placeholder 2">
             <a:extLst>
               <a:ext uri="{FF2B5EF4-FFF2-40B4-BE49-F238E27FC236}">
-                <a16:creationId xmlns:a16="http://schemas.microsoft.com/office/drawing/2014/main" xmlns="" id="{793FEC66-363B-3545-8E61-92AAFF0AFF62}"/>
+                <a16:creationId xmlns:a16="http://schemas.microsoft.com/office/drawing/2014/main" id="{793FEC66-363B-3545-8E61-92AAFF0AFF62}"/>
               </a:ext>
             </a:extLst>
           </p:cNvPr>
@@ -12918,7 +12808,7 @@
           <p:cNvPr id="4" name="Date Placeholder 3">
             <a:extLst>
               <a:ext uri="{FF2B5EF4-FFF2-40B4-BE49-F238E27FC236}">
-                <a16:creationId xmlns:a16="http://schemas.microsoft.com/office/drawing/2014/main" xmlns="" id="{8C2262F1-3C28-E94C-B574-356F02FF4906}"/>
+                <a16:creationId xmlns:a16="http://schemas.microsoft.com/office/drawing/2014/main" id="{8C2262F1-3C28-E94C-B574-356F02FF4906}"/>
               </a:ext>
             </a:extLst>
           </p:cNvPr>
@@ -12936,7 +12826,7 @@
           <a:p>
             <a:fld id="{BB2FA04C-1355-4CE6-8050-4BD994E23BD5}" type="datetime4">
               <a:rPr lang="fr-FR" smtClean="0"/>
-              <a:t>6 juin 2019</a:t>
+              <a:t>7 juin 2019</a:t>
             </a:fld>
             <a:endParaRPr lang="fr-FR" dirty="0"/>
           </a:p>
@@ -12947,7 +12837,7 @@
           <p:cNvPr id="5" name="Footer Placeholder 4">
             <a:extLst>
               <a:ext uri="{FF2B5EF4-FFF2-40B4-BE49-F238E27FC236}">
-                <a16:creationId xmlns:a16="http://schemas.microsoft.com/office/drawing/2014/main" xmlns="" id="{770F343B-DF3F-094C-B705-4F41FD53029B}"/>
+                <a16:creationId xmlns:a16="http://schemas.microsoft.com/office/drawing/2014/main" id="{770F343B-DF3F-094C-B705-4F41FD53029B}"/>
               </a:ext>
             </a:extLst>
           </p:cNvPr>
@@ -12975,7 +12865,7 @@
           <p:cNvPr id="6" name="Slide Number Placeholder 5">
             <a:extLst>
               <a:ext uri="{FF2B5EF4-FFF2-40B4-BE49-F238E27FC236}">
-                <a16:creationId xmlns:a16="http://schemas.microsoft.com/office/drawing/2014/main" xmlns="" id="{127D60BA-7D2C-1548-8CB9-81CA238BB53C}"/>
+                <a16:creationId xmlns:a16="http://schemas.microsoft.com/office/drawing/2014/main" id="{127D60BA-7D2C-1548-8CB9-81CA238BB53C}"/>
               </a:ext>
             </a:extLst>
           </p:cNvPr>
@@ -13005,7 +12895,7 @@
           <p:cNvPr id="8" name="Rectangle 7">
             <a:extLst>
               <a:ext uri="{FF2B5EF4-FFF2-40B4-BE49-F238E27FC236}">
-                <a16:creationId xmlns:a16="http://schemas.microsoft.com/office/drawing/2014/main" xmlns="" id="{D45207C1-55BB-DB4B-990B-7E41DAF9E310}"/>
+                <a16:creationId xmlns:a16="http://schemas.microsoft.com/office/drawing/2014/main" id="{D45207C1-55BB-DB4B-990B-7E41DAF9E310}"/>
               </a:ext>
             </a:extLst>
           </p:cNvPr>
@@ -13045,7 +12935,7 @@
                 </a:solidFill>
                 <a:latin typeface="Source Code Pro" panose="020B0509030403020204"/>
               </a:rPr>
-              <a:t>var</a:t>
+              <a:t>let</a:t>
             </a:r>
             <a:r>
               <a:rPr lang="fr-FR" altLang="fr-FR" dirty="0">
@@ -13064,7 +12954,7 @@
                 </a:solidFill>
                 <a:latin typeface="Source Code Pro" panose="020B0509030403020204"/>
               </a:rPr>
-              <a:t>var</a:t>
+              <a:t>let</a:t>
             </a:r>
             <a:r>
               <a:rPr lang="fr-FR" altLang="fr-FR" dirty="0">
@@ -13177,7 +13067,7 @@
                 </a:solidFill>
                 <a:latin typeface="Source Code Pro" panose="020B0509030403020204"/>
               </a:rPr>
-              <a:t>var</a:t>
+              <a:t>let</a:t>
             </a:r>
             <a:r>
               <a:rPr lang="fr-FR" altLang="fr-FR" dirty="0">
@@ -13321,7 +13211,7 @@
           <p:cNvPr id="2" name="Title 1">
             <a:extLst>
               <a:ext uri="{FF2B5EF4-FFF2-40B4-BE49-F238E27FC236}">
-                <a16:creationId xmlns:a16="http://schemas.microsoft.com/office/drawing/2014/main" xmlns="" id="{197F391B-D1BC-1E4C-B310-969ADCAC9C86}"/>
+                <a16:creationId xmlns:a16="http://schemas.microsoft.com/office/drawing/2014/main" id="{197F391B-D1BC-1E4C-B310-969ADCAC9C86}"/>
               </a:ext>
             </a:extLst>
           </p:cNvPr>
@@ -13349,7 +13239,7 @@
           <p:cNvPr id="3" name="Content Placeholder 2">
             <a:extLst>
               <a:ext uri="{FF2B5EF4-FFF2-40B4-BE49-F238E27FC236}">
-                <a16:creationId xmlns:a16="http://schemas.microsoft.com/office/drawing/2014/main" xmlns="" id="{793FEC66-363B-3545-8E61-92AAFF0AFF62}"/>
+                <a16:creationId xmlns:a16="http://schemas.microsoft.com/office/drawing/2014/main" id="{793FEC66-363B-3545-8E61-92AAFF0AFF62}"/>
               </a:ext>
             </a:extLst>
           </p:cNvPr>
@@ -13409,7 +13299,7 @@
           <p:cNvPr id="4" name="Date Placeholder 3">
             <a:extLst>
               <a:ext uri="{FF2B5EF4-FFF2-40B4-BE49-F238E27FC236}">
-                <a16:creationId xmlns:a16="http://schemas.microsoft.com/office/drawing/2014/main" xmlns="" id="{8C2262F1-3C28-E94C-B574-356F02FF4906}"/>
+                <a16:creationId xmlns:a16="http://schemas.microsoft.com/office/drawing/2014/main" id="{8C2262F1-3C28-E94C-B574-356F02FF4906}"/>
               </a:ext>
             </a:extLst>
           </p:cNvPr>
@@ -13427,7 +13317,7 @@
           <a:p>
             <a:fld id="{BB2FA04C-1355-4CE6-8050-4BD994E23BD5}" type="datetime4">
               <a:rPr lang="fr-FR" smtClean="0"/>
-              <a:t>6 juin 2019</a:t>
+              <a:t>7 juin 2019</a:t>
             </a:fld>
             <a:endParaRPr lang="fr-FR" dirty="0"/>
           </a:p>
@@ -13438,7 +13328,7 @@
           <p:cNvPr id="5" name="Footer Placeholder 4">
             <a:extLst>
               <a:ext uri="{FF2B5EF4-FFF2-40B4-BE49-F238E27FC236}">
-                <a16:creationId xmlns:a16="http://schemas.microsoft.com/office/drawing/2014/main" xmlns="" id="{770F343B-DF3F-094C-B705-4F41FD53029B}"/>
+                <a16:creationId xmlns:a16="http://schemas.microsoft.com/office/drawing/2014/main" id="{770F343B-DF3F-094C-B705-4F41FD53029B}"/>
               </a:ext>
             </a:extLst>
           </p:cNvPr>
@@ -13466,7 +13356,7 @@
           <p:cNvPr id="6" name="Slide Number Placeholder 5">
             <a:extLst>
               <a:ext uri="{FF2B5EF4-FFF2-40B4-BE49-F238E27FC236}">
-                <a16:creationId xmlns:a16="http://schemas.microsoft.com/office/drawing/2014/main" xmlns="" id="{127D60BA-7D2C-1548-8CB9-81CA238BB53C}"/>
+                <a16:creationId xmlns:a16="http://schemas.microsoft.com/office/drawing/2014/main" id="{127D60BA-7D2C-1548-8CB9-81CA238BB53C}"/>
               </a:ext>
             </a:extLst>
           </p:cNvPr>
@@ -13496,7 +13386,7 @@
           <p:cNvPr id="8" name="Rectangle 7">
             <a:extLst>
               <a:ext uri="{FF2B5EF4-FFF2-40B4-BE49-F238E27FC236}">
-                <a16:creationId xmlns:a16="http://schemas.microsoft.com/office/drawing/2014/main" xmlns="" id="{D45207C1-55BB-DB4B-990B-7E41DAF9E310}"/>
+                <a16:creationId xmlns:a16="http://schemas.microsoft.com/office/drawing/2014/main" id="{D45207C1-55BB-DB4B-990B-7E41DAF9E310}"/>
               </a:ext>
             </a:extLst>
           </p:cNvPr>
@@ -13536,7 +13426,7 @@
                 </a:solidFill>
                 <a:latin typeface="Source Code Pro" panose="020B0509030403020204"/>
               </a:rPr>
-              <a:t>var</a:t>
+              <a:t>let</a:t>
             </a:r>
             <a:r>
               <a:rPr lang="fr-FR" altLang="fr-FR" dirty="0">
@@ -13676,7 +13566,7 @@
           <p:cNvPr id="2" name="Title 1">
             <a:extLst>
               <a:ext uri="{FF2B5EF4-FFF2-40B4-BE49-F238E27FC236}">
-                <a16:creationId xmlns:a16="http://schemas.microsoft.com/office/drawing/2014/main" xmlns="" id="{197F391B-D1BC-1E4C-B310-969ADCAC9C86}"/>
+                <a16:creationId xmlns:a16="http://schemas.microsoft.com/office/drawing/2014/main" id="{197F391B-D1BC-1E4C-B310-969ADCAC9C86}"/>
               </a:ext>
             </a:extLst>
           </p:cNvPr>
@@ -13704,7 +13594,7 @@
           <p:cNvPr id="3" name="Content Placeholder 2">
             <a:extLst>
               <a:ext uri="{FF2B5EF4-FFF2-40B4-BE49-F238E27FC236}">
-                <a16:creationId xmlns:a16="http://schemas.microsoft.com/office/drawing/2014/main" xmlns="" id="{793FEC66-363B-3545-8E61-92AAFF0AFF62}"/>
+                <a16:creationId xmlns:a16="http://schemas.microsoft.com/office/drawing/2014/main" id="{793FEC66-363B-3545-8E61-92AAFF0AFF62}"/>
               </a:ext>
             </a:extLst>
           </p:cNvPr>
@@ -13814,7 +13704,7 @@
           <p:cNvPr id="4" name="Date Placeholder 3">
             <a:extLst>
               <a:ext uri="{FF2B5EF4-FFF2-40B4-BE49-F238E27FC236}">
-                <a16:creationId xmlns:a16="http://schemas.microsoft.com/office/drawing/2014/main" xmlns="" id="{8C2262F1-3C28-E94C-B574-356F02FF4906}"/>
+                <a16:creationId xmlns:a16="http://schemas.microsoft.com/office/drawing/2014/main" id="{8C2262F1-3C28-E94C-B574-356F02FF4906}"/>
               </a:ext>
             </a:extLst>
           </p:cNvPr>
@@ -13832,7 +13722,7 @@
           <a:p>
             <a:fld id="{BB2FA04C-1355-4CE6-8050-4BD994E23BD5}" type="datetime4">
               <a:rPr lang="fr-FR" smtClean="0"/>
-              <a:t>6 juin 2019</a:t>
+              <a:t>7 juin 2019</a:t>
             </a:fld>
             <a:endParaRPr lang="fr-FR" dirty="0"/>
           </a:p>
@@ -13843,7 +13733,7 @@
           <p:cNvPr id="5" name="Footer Placeholder 4">
             <a:extLst>
               <a:ext uri="{FF2B5EF4-FFF2-40B4-BE49-F238E27FC236}">
-                <a16:creationId xmlns:a16="http://schemas.microsoft.com/office/drawing/2014/main" xmlns="" id="{770F343B-DF3F-094C-B705-4F41FD53029B}"/>
+                <a16:creationId xmlns:a16="http://schemas.microsoft.com/office/drawing/2014/main" id="{770F343B-DF3F-094C-B705-4F41FD53029B}"/>
               </a:ext>
             </a:extLst>
           </p:cNvPr>
@@ -13871,7 +13761,7 @@
           <p:cNvPr id="6" name="Slide Number Placeholder 5">
             <a:extLst>
               <a:ext uri="{FF2B5EF4-FFF2-40B4-BE49-F238E27FC236}">
-                <a16:creationId xmlns:a16="http://schemas.microsoft.com/office/drawing/2014/main" xmlns="" id="{127D60BA-7D2C-1548-8CB9-81CA238BB53C}"/>
+                <a16:creationId xmlns:a16="http://schemas.microsoft.com/office/drawing/2014/main" id="{127D60BA-7D2C-1548-8CB9-81CA238BB53C}"/>
               </a:ext>
             </a:extLst>
           </p:cNvPr>
@@ -13901,7 +13791,7 @@
           <p:cNvPr id="8" name="Rectangle 7">
             <a:extLst>
               <a:ext uri="{FF2B5EF4-FFF2-40B4-BE49-F238E27FC236}">
-                <a16:creationId xmlns:a16="http://schemas.microsoft.com/office/drawing/2014/main" xmlns="" id="{D45207C1-55BB-DB4B-990B-7E41DAF9E310}"/>
+                <a16:creationId xmlns:a16="http://schemas.microsoft.com/office/drawing/2014/main" id="{D45207C1-55BB-DB4B-990B-7E41DAF9E310}"/>
               </a:ext>
             </a:extLst>
           </p:cNvPr>
@@ -13941,7 +13831,7 @@
                 </a:solidFill>
                 <a:latin typeface="Source Code Pro" panose="020B0509030403020204"/>
               </a:rPr>
-              <a:t>var </a:t>
+              <a:t>let </a:t>
             </a:r>
             <a:r>
               <a:rPr lang="fr-FR" altLang="fr-FR" dirty="0" err="1">
@@ -14158,7 +14048,7 @@
           <p:cNvPr id="2" name="Title 1">
             <a:extLst>
               <a:ext uri="{FF2B5EF4-FFF2-40B4-BE49-F238E27FC236}">
-                <a16:creationId xmlns:a16="http://schemas.microsoft.com/office/drawing/2014/main" xmlns="" id="{197F391B-D1BC-1E4C-B310-969ADCAC9C86}"/>
+                <a16:creationId xmlns:a16="http://schemas.microsoft.com/office/drawing/2014/main" id="{197F391B-D1BC-1E4C-B310-969ADCAC9C86}"/>
               </a:ext>
             </a:extLst>
           </p:cNvPr>
@@ -14186,7 +14076,7 @@
           <p:cNvPr id="3" name="Content Placeholder 2">
             <a:extLst>
               <a:ext uri="{FF2B5EF4-FFF2-40B4-BE49-F238E27FC236}">
-                <a16:creationId xmlns:a16="http://schemas.microsoft.com/office/drawing/2014/main" xmlns="" id="{793FEC66-363B-3545-8E61-92AAFF0AFF62}"/>
+                <a16:creationId xmlns:a16="http://schemas.microsoft.com/office/drawing/2014/main" id="{793FEC66-363B-3545-8E61-92AAFF0AFF62}"/>
               </a:ext>
             </a:extLst>
           </p:cNvPr>
@@ -14277,7 +14167,7 @@
           <p:cNvPr id="4" name="Date Placeholder 3">
             <a:extLst>
               <a:ext uri="{FF2B5EF4-FFF2-40B4-BE49-F238E27FC236}">
-                <a16:creationId xmlns:a16="http://schemas.microsoft.com/office/drawing/2014/main" xmlns="" id="{8C2262F1-3C28-E94C-B574-356F02FF4906}"/>
+                <a16:creationId xmlns:a16="http://schemas.microsoft.com/office/drawing/2014/main" id="{8C2262F1-3C28-E94C-B574-356F02FF4906}"/>
               </a:ext>
             </a:extLst>
           </p:cNvPr>
@@ -14295,7 +14185,7 @@
           <a:p>
             <a:fld id="{BB2FA04C-1355-4CE6-8050-4BD994E23BD5}" type="datetime4">
               <a:rPr lang="fr-FR" smtClean="0"/>
-              <a:t>6 juin 2019</a:t>
+              <a:t>7 juin 2019</a:t>
             </a:fld>
             <a:endParaRPr lang="fr-FR" dirty="0"/>
           </a:p>
@@ -14306,7 +14196,7 @@
           <p:cNvPr id="5" name="Footer Placeholder 4">
             <a:extLst>
               <a:ext uri="{FF2B5EF4-FFF2-40B4-BE49-F238E27FC236}">
-                <a16:creationId xmlns:a16="http://schemas.microsoft.com/office/drawing/2014/main" xmlns="" id="{770F343B-DF3F-094C-B705-4F41FD53029B}"/>
+                <a16:creationId xmlns:a16="http://schemas.microsoft.com/office/drawing/2014/main" id="{770F343B-DF3F-094C-B705-4F41FD53029B}"/>
               </a:ext>
             </a:extLst>
           </p:cNvPr>
@@ -14334,7 +14224,7 @@
           <p:cNvPr id="6" name="Slide Number Placeholder 5">
             <a:extLst>
               <a:ext uri="{FF2B5EF4-FFF2-40B4-BE49-F238E27FC236}">
-                <a16:creationId xmlns:a16="http://schemas.microsoft.com/office/drawing/2014/main" xmlns="" id="{127D60BA-7D2C-1548-8CB9-81CA238BB53C}"/>
+                <a16:creationId xmlns:a16="http://schemas.microsoft.com/office/drawing/2014/main" id="{127D60BA-7D2C-1548-8CB9-81CA238BB53C}"/>
               </a:ext>
             </a:extLst>
           </p:cNvPr>
@@ -14364,7 +14254,7 @@
           <p:cNvPr id="8" name="Rectangle 7">
             <a:extLst>
               <a:ext uri="{FF2B5EF4-FFF2-40B4-BE49-F238E27FC236}">
-                <a16:creationId xmlns:a16="http://schemas.microsoft.com/office/drawing/2014/main" xmlns="" id="{D45207C1-55BB-DB4B-990B-7E41DAF9E310}"/>
+                <a16:creationId xmlns:a16="http://schemas.microsoft.com/office/drawing/2014/main" id="{D45207C1-55BB-DB4B-990B-7E41DAF9E310}"/>
               </a:ext>
             </a:extLst>
           </p:cNvPr>
@@ -14404,7 +14294,7 @@
                 </a:solidFill>
                 <a:latin typeface="Source Code Pro" panose="020B0509030403020204"/>
               </a:rPr>
-              <a:t>var </a:t>
+              <a:t>let </a:t>
             </a:r>
             <a:r>
               <a:rPr lang="fr-FR" altLang="fr-FR" dirty="0" err="1">
@@ -14756,7 +14646,7 @@
           <a:p>
             <a:fld id="{1AC11C67-BE04-4C5F-B0EE-E01220C9093A}" type="datetime4">
               <a:rPr lang="fr-FR" smtClean="0"/>
-              <a:t>6 juin 2019</a:t>
+              <a:t>7 juin 2019</a:t>
             </a:fld>
             <a:endParaRPr lang="fr-FR" dirty="0"/>
           </a:p>
@@ -15043,7 +14933,7 @@
           <p:cNvPr id="9" name="Graphic 8">
             <a:extLst>
               <a:ext uri="{FF2B5EF4-FFF2-40B4-BE49-F238E27FC236}">
-                <a16:creationId xmlns:a16="http://schemas.microsoft.com/office/drawing/2014/main" xmlns="" id="{6F3E1559-D605-C945-85DB-066CD93FEA04}"/>
+                <a16:creationId xmlns:a16="http://schemas.microsoft.com/office/drawing/2014/main" id="{6F3E1559-D605-C945-85DB-066CD93FEA04}"/>
               </a:ext>
             </a:extLst>
           </p:cNvPr>
@@ -15056,7 +14946,7 @@
           <a:blip r:embed="rId3">
             <a:extLst>
               <a:ext uri="{96DAC541-7B7A-43D3-8B79-37D633B846F1}">
-                <asvg:svgBlip xmlns:asvg="http://schemas.microsoft.com/office/drawing/2016/SVG/main" xmlns="" r:embed="rId4"/>
+                <asvg:svgBlip xmlns:asvg="http://schemas.microsoft.com/office/drawing/2016/SVG/main" r:embed="rId4"/>
               </a:ext>
             </a:extLst>
           </a:blip>
@@ -15079,7 +14969,7 @@
           <p:cNvPr id="12" name="Rectangle 11">
             <a:extLst>
               <a:ext uri="{FF2B5EF4-FFF2-40B4-BE49-F238E27FC236}">
-                <a16:creationId xmlns:a16="http://schemas.microsoft.com/office/drawing/2014/main" xmlns="" id="{6EC37172-BD25-FF4A-8EF0-B0746183C81E}"/>
+                <a16:creationId xmlns:a16="http://schemas.microsoft.com/office/drawing/2014/main" id="{6EC37172-BD25-FF4A-8EF0-B0746183C81E}"/>
               </a:ext>
             </a:extLst>
           </p:cNvPr>
@@ -15149,16 +15039,6 @@
                 <a:latin typeface="Helvetica" pitchFamily="2" charset="0"/>
               </a:rPr>
               <a:t>File:DOM-model.svg</a:t>
-            </a:r>
-            <a:r>
-              <a:rPr lang="fr-FR" sz="800" dirty="0">
-                <a:solidFill>
-                  <a:schemeClr val="bg1">
-                    <a:lumMod val="50000"/>
-                  </a:schemeClr>
-                </a:solidFill>
-              </a:rPr>
-              <a:t/>
             </a:r>
             <a:br>
               <a:rPr lang="fr-FR" sz="800" dirty="0">
@@ -15496,10 +15376,6 @@
             <a:pPr marL="0" indent="0">
               <a:buNone/>
             </a:pPr>
-            <a:r>
-              <a:rPr lang="fr-FR" sz="2400" dirty="0"/>
-              <a:t/>
-            </a:r>
             <a:br>
               <a:rPr lang="fr-FR" sz="2400" dirty="0"/>
             </a:br>
@@ -15548,7 +15424,7 @@
           <a:p>
             <a:fld id="{BB2FA04C-1355-4CE6-8050-4BD994E23BD5}" type="datetime4">
               <a:rPr lang="fr-FR" smtClean="0"/>
-              <a:t>6 juin 2019</a:t>
+              <a:t>7 juin 2019</a:t>
             </a:fld>
             <a:endParaRPr lang="fr-FR" dirty="0"/>
           </a:p>
@@ -15605,7 +15481,7 @@
           <p:cNvPr id="8" name="Rectangle 7">
             <a:extLst>
               <a:ext uri="{FF2B5EF4-FFF2-40B4-BE49-F238E27FC236}">
-                <a16:creationId xmlns:a16="http://schemas.microsoft.com/office/drawing/2014/main" xmlns="" id="{99D6AB73-3556-6845-9EF8-9024C2407A0D}"/>
+                <a16:creationId xmlns:a16="http://schemas.microsoft.com/office/drawing/2014/main" id="{99D6AB73-3556-6845-9EF8-9024C2407A0D}"/>
               </a:ext>
             </a:extLst>
           </p:cNvPr>

--- a/web/4-JS/JavaScript.pptx
+++ b/web/4-JS/JavaScript.pptx
@@ -292,7 +292,7 @@
           <a:p>
             <a:fld id="{C5CA9166-BC48-2C47-B9BF-6F57720E77B8}" type="slidenum">
               <a:rPr lang="fr-FR" smtClean="0"/>
-              <a:t>‹#›</a:t>
+              <a:t>‹N°›</a:t>
             </a:fld>
             <a:endParaRPr lang="fr-FR"/>
           </a:p>
@@ -550,7 +550,7 @@
           <a:p>
             <a:fld id="{1C0E2CBA-6097-B848-A7DA-4D7BD6EB303B}" type="slidenum">
               <a:rPr lang="fr-FR" smtClean="0"/>
-              <a:t>‹#›</a:t>
+              <a:t>‹N°›</a:t>
             </a:fld>
             <a:endParaRPr lang="fr-FR"/>
           </a:p>
@@ -1358,6 +1358,90 @@
 </p:notes>
 </file>
 
+<file path=ppt/notesSlides/notesSlide3.xml><?xml version="1.0" encoding="utf-8"?>
+<p:notes xmlns:a="http://schemas.openxmlformats.org/drawingml/2006/main" xmlns:r="http://schemas.openxmlformats.org/officeDocument/2006/relationships" xmlns:p="http://schemas.openxmlformats.org/presentationml/2006/main">
+  <p:cSld>
+    <p:spTree>
+      <p:nvGrpSpPr>
+        <p:cNvPr id="1" name=""/>
+        <p:cNvGrpSpPr/>
+        <p:nvPr/>
+      </p:nvGrpSpPr>
+      <p:grpSpPr>
+        <a:xfrm>
+          <a:off x="0" y="0"/>
+          <a:ext cx="0" cy="0"/>
+          <a:chOff x="0" y="0"/>
+          <a:chExt cx="0" cy="0"/>
+        </a:xfrm>
+      </p:grpSpPr>
+      <p:sp>
+        <p:nvSpPr>
+          <p:cNvPr id="2" name="Espace réservé de l'image des diapositives 1"/>
+          <p:cNvSpPr>
+            <a:spLocks noGrp="1" noRot="1" noChangeAspect="1"/>
+          </p:cNvSpPr>
+          <p:nvPr>
+            <p:ph type="sldImg"/>
+          </p:nvPr>
+        </p:nvSpPr>
+        <p:spPr/>
+      </p:sp>
+      <p:sp>
+        <p:nvSpPr>
+          <p:cNvPr id="3" name="Espace réservé des notes 2"/>
+          <p:cNvSpPr>
+            <a:spLocks noGrp="1"/>
+          </p:cNvSpPr>
+          <p:nvPr>
+            <p:ph type="body" idx="1"/>
+          </p:nvPr>
+        </p:nvSpPr>
+        <p:spPr/>
+        <p:txBody>
+          <a:bodyPr/>
+          <a:lstStyle/>
+          <a:p>
+            <a:endParaRPr lang="fr-FR" dirty="0"/>
+          </a:p>
+        </p:txBody>
+      </p:sp>
+      <p:sp>
+        <p:nvSpPr>
+          <p:cNvPr id="4" name="Espace réservé du numéro de diapositive 3"/>
+          <p:cNvSpPr>
+            <a:spLocks noGrp="1"/>
+          </p:cNvSpPr>
+          <p:nvPr>
+            <p:ph type="sldNum" sz="quarter" idx="5"/>
+          </p:nvPr>
+        </p:nvSpPr>
+        <p:spPr/>
+        <p:txBody>
+          <a:bodyPr/>
+          <a:lstStyle/>
+          <a:p>
+            <a:fld id="{1C0E2CBA-6097-B848-A7DA-4D7BD6EB303B}" type="slidenum">
+              <a:rPr lang="fr-FR" smtClean="0"/>
+              <a:t>9</a:t>
+            </a:fld>
+            <a:endParaRPr lang="fr-FR"/>
+          </a:p>
+        </p:txBody>
+      </p:sp>
+    </p:spTree>
+    <p:extLst>
+      <p:ext uri="{BB962C8B-B14F-4D97-AF65-F5344CB8AC3E}">
+        <p14:creationId xmlns:p14="http://schemas.microsoft.com/office/powerpoint/2010/main" val="657469167"/>
+      </p:ext>
+    </p:extLst>
+  </p:cSld>
+  <p:clrMapOvr>
+    <a:masterClrMapping/>
+  </p:clrMapOvr>
+</p:notes>
+</file>
+
 <file path=ppt/slideLayouts/slideLayout1.xml><?xml version="1.0" encoding="utf-8"?>
 <p:sldLayout xmlns:a="http://schemas.openxmlformats.org/drawingml/2006/main" xmlns:r="http://schemas.openxmlformats.org/officeDocument/2006/relationships" xmlns:p="http://schemas.openxmlformats.org/presentationml/2006/main" preserve="1" userDrawn="1">
   <p:cSld name="Diapositive de titre">
@@ -2389,7 +2473,7 @@
             <a:fld id="{DCE37727-CC04-7A46-938D-2CCFF056F773}" type="slidenum">
               <a:rPr lang="fr-FR" smtClean="0"/>
               <a:pPr/>
-              <a:t>‹#›</a:t>
+              <a:t>‹N°›</a:t>
             </a:fld>
             <a:endParaRPr lang="fr-FR"/>
           </a:p>
@@ -2879,7 +2963,7 @@
             <a:fld id="{DCE37727-CC04-7A46-938D-2CCFF056F773}" type="slidenum">
               <a:rPr lang="fr-FR" smtClean="0"/>
               <a:pPr/>
-              <a:t>‹#›</a:t>
+              <a:t>‹N°›</a:t>
             </a:fld>
             <a:endParaRPr lang="fr-FR"/>
           </a:p>
@@ -4715,7 +4799,7 @@
             <a:fld id="{DCE37727-CC04-7A46-938D-2CCFF056F773}" type="slidenum">
               <a:rPr lang="fr-FR" smtClean="0"/>
               <a:pPr/>
-              <a:t>‹#›</a:t>
+              <a:t>‹N°›</a:t>
             </a:fld>
             <a:endParaRPr lang="fr-FR"/>
           </a:p>
@@ -5651,7 +5735,7 @@
             <a:fld id="{DCE37727-CC04-7A46-938D-2CCFF056F773}" type="slidenum">
               <a:rPr lang="fr-FR" smtClean="0"/>
               <a:pPr/>
-              <a:t>‹#›</a:t>
+              <a:t>‹N°›</a:t>
             </a:fld>
             <a:endParaRPr lang="fr-FR"/>
           </a:p>
@@ -6575,7 +6659,7 @@
                 <a:latin typeface="Source Code Pro" panose="020B0509030403020204" pitchFamily="49" charset="0"/>
                 <a:ea typeface="Source Code Pro" panose="020B0509030403020204" pitchFamily="49" charset="0"/>
               </a:rPr>
-              <a:t>'Cette fonction est exécutée une fois quand la page est chargée.'</a:t>
+              <a:t>'Cette fonction est exécutée une fois la page chargée.'</a:t>
             </a:r>
             <a:r>
               <a:rPr lang="fr-FR" altLang="fr-FR" dirty="0">
@@ -6602,7 +6686,7 @@
         <p:spPr>
           <a:xfrm>
             <a:off x="1849826" y="3094629"/>
-            <a:ext cx="5233754" cy="3224284"/>
+            <a:ext cx="6181880" cy="3224284"/>
           </a:xfrm>
           <a:prstGeom prst="rect">
             <a:avLst/>
@@ -6652,7 +6736,47 @@
                 <a:latin typeface="Source Code Pro" panose="020B0509030403020204" pitchFamily="49" charset="0"/>
                 <a:ea typeface="Source Code Pro" panose="020B0509030403020204" pitchFamily="49" charset="0"/>
               </a:rPr>
-              <a:t>&lt;html&gt;</a:t>
+              <a:t>&lt;html </a:t>
+            </a:r>
+            <a:r>
+              <a:rPr lang="fr-FR" dirty="0" err="1">
+                <a:solidFill>
+                  <a:srgbClr val="008080"/>
+                </a:solidFill>
+                <a:latin typeface="Source Code Pro" panose="020B0509030403020204" pitchFamily="49" charset="0"/>
+                <a:ea typeface="Source Code Pro" panose="020B0509030403020204" pitchFamily="49" charset="0"/>
+              </a:rPr>
+              <a:t>lang</a:t>
+            </a:r>
+            <a:r>
+              <a:rPr lang="fr-FR" dirty="0">
+                <a:solidFill>
+                  <a:srgbClr val="010080"/>
+                </a:solidFill>
+                <a:latin typeface="Source Code Pro" panose="020B0509030403020204" pitchFamily="49" charset="0"/>
+                <a:ea typeface="Source Code Pro" panose="020B0509030403020204" pitchFamily="49" charset="0"/>
+              </a:rPr>
+              <a:t>="</a:t>
+            </a:r>
+            <a:r>
+              <a:rPr lang="fr-FR" dirty="0" err="1">
+                <a:solidFill>
+                  <a:srgbClr val="990000"/>
+                </a:solidFill>
+                <a:latin typeface="Source Code Pro" panose="020B0509030403020204" pitchFamily="49" charset="0"/>
+                <a:ea typeface="Source Code Pro" panose="020B0509030403020204" pitchFamily="49" charset="0"/>
+              </a:rPr>
+              <a:t>fr</a:t>
+            </a:r>
+            <a:r>
+              <a:rPr lang="fr-FR" dirty="0">
+                <a:solidFill>
+                  <a:srgbClr val="010080"/>
+                </a:solidFill>
+                <a:latin typeface="Source Code Pro" panose="020B0509030403020204" pitchFamily="49" charset="0"/>
+                <a:ea typeface="Source Code Pro" panose="020B0509030403020204" pitchFamily="49" charset="0"/>
+              </a:rPr>
+              <a:t>"&gt;</a:t>
             </a:r>
           </a:p>
           <a:p>
@@ -6892,27 +7016,7 @@
                 <a:latin typeface="Source Code Pro" panose="020B0509030403020204" pitchFamily="49" charset="0"/>
                 <a:ea typeface="Source Code Pro" panose="020B0509030403020204" pitchFamily="49" charset="0"/>
               </a:rPr>
-              <a:t>&gt;</a:t>
-            </a:r>
-          </a:p>
-          <a:p>
-            <a:pPr marL="760413" lvl="1">
-              <a:spcBef>
-                <a:spcPct val="20000"/>
-              </a:spcBef>
-              <a:buClr>
-                <a:schemeClr val="accent6"/>
-              </a:buClr>
-            </a:pPr>
-            <a:r>
-              <a:rPr lang="fr-FR" altLang="fr-FR" b="1" dirty="0">
-                <a:solidFill>
-                  <a:srgbClr val="010080"/>
-                </a:solidFill>
-                <a:latin typeface="Source Code Pro" panose="020B0509030403020204" pitchFamily="49" charset="0"/>
-                <a:ea typeface="Source Code Pro" panose="020B0509030403020204" pitchFamily="49" charset="0"/>
-              </a:rPr>
-              <a:t>&lt;/script&gt;</a:t>
+              <a:t>&gt;&lt;/script&gt;</a:t>
             </a:r>
           </a:p>
           <a:p>
@@ -7022,7 +7126,7 @@
         </p:nvSpPr>
         <p:spPr>
           <a:xfrm>
-            <a:off x="91440" y="1236134"/>
+            <a:off x="91440" y="1243278"/>
             <a:ext cx="9052560" cy="4890030"/>
           </a:xfrm>
         </p:spPr>
@@ -7394,6 +7498,9 @@
               </a:rPr>
               <a:t>); </a:t>
             </a:r>
+          </a:p>
+          <a:p>
+            <a:pPr marL="47625"/>
             <a:r>
               <a:rPr lang="fr-FR" altLang="fr-FR" dirty="0">
                 <a:solidFill>
@@ -12988,7 +13095,7 @@
                 <a:latin typeface="Source Code Pro" panose="020B0509030403020204" pitchFamily="49" charset="0"/>
                 <a:ea typeface="Source Code Pro" panose="020B0509030403020204" pitchFamily="49" charset="0"/>
               </a:rPr>
-              <a:t>; </a:t>
+              <a:t>;           </a:t>
             </a:r>
             <a:r>
               <a:rPr lang="fr-FR" altLang="fr-FR" dirty="0">
@@ -13028,14 +13135,14 @@
                 <a:latin typeface="Source Code Pro" panose="020B0509030403020204" pitchFamily="49" charset="0"/>
                 <a:ea typeface="Source Code Pro" panose="020B0509030403020204" pitchFamily="49" charset="0"/>
               </a:rPr>
-              <a:t>'5'</a:t>
+              <a:t>'5’</a:t>
             </a:r>
             <a:r>
               <a:rPr lang="fr-FR" altLang="fr-FR" dirty="0">
                 <a:latin typeface="Source Code Pro" panose="020B0509030403020204" pitchFamily="49" charset="0"/>
                 <a:ea typeface="Source Code Pro" panose="020B0509030403020204" pitchFamily="49" charset="0"/>
               </a:rPr>
-              <a:t>; </a:t>
+              <a:t>;         </a:t>
             </a:r>
             <a:r>
               <a:rPr lang="fr-FR" altLang="fr-FR" dirty="0">
@@ -13121,7 +13228,7 @@
                 <a:latin typeface="Source Code Pro" panose="020B0509030403020204" pitchFamily="49" charset="0"/>
                 <a:ea typeface="Source Code Pro" panose="020B0509030403020204" pitchFamily="49" charset="0"/>
               </a:rPr>
-              <a:t>; </a:t>
+              <a:t>;          </a:t>
             </a:r>
             <a:r>
               <a:rPr lang="fr-FR" altLang="fr-FR" dirty="0">
@@ -13151,7 +13258,7 @@
                 <a:latin typeface="Source Code Pro" panose="020B0509030403020204" pitchFamily="49" charset="0"/>
                 <a:ea typeface="Source Code Pro" panose="020B0509030403020204" pitchFamily="49" charset="0"/>
               </a:rPr>
-              <a:t>c = a + b; </a:t>
+              <a:t>c = a + b;       </a:t>
             </a:r>
             <a:r>
               <a:rPr lang="fr-FR" altLang="fr-FR" dirty="0">
@@ -14300,7 +14407,7 @@
               <a:rPr lang="fr-FR" altLang="fr-FR" dirty="0" err="1">
                 <a:latin typeface="Source Code Pro" panose="020B0509030403020204"/>
               </a:rPr>
-              <a:t>johnSnow</a:t>
+              <a:t>jonSnow</a:t>
             </a:r>
             <a:r>
               <a:rPr lang="fr-FR" altLang="fr-FR" dirty="0">
@@ -14339,7 +14446,7 @@
                 </a:solidFill>
                 <a:latin typeface="Source Code Pro" panose="020B0509030403020204"/>
               </a:rPr>
-              <a:t>'John’</a:t>
+              <a:t>'Jon’</a:t>
             </a:r>
             <a:r>
               <a:rPr lang="fr-FR" altLang="fr-FR" dirty="0">
@@ -15541,7 +15648,47 @@
                 <a:latin typeface="Source Code Pro" panose="020B0509030403020204" pitchFamily="49" charset="0"/>
                 <a:ea typeface="Source Code Pro" panose="020B0509030403020204" pitchFamily="49" charset="0"/>
               </a:rPr>
-              <a:t>&lt;html&gt;</a:t>
+              <a:t>&lt;html </a:t>
+            </a:r>
+            <a:r>
+              <a:rPr lang="fr-FR" dirty="0" err="1">
+                <a:solidFill>
+                  <a:srgbClr val="008080"/>
+                </a:solidFill>
+                <a:latin typeface="Source Code Pro" panose="020B0509030403020204" pitchFamily="49" charset="0"/>
+                <a:ea typeface="Source Code Pro" panose="020B0509030403020204" pitchFamily="49" charset="0"/>
+              </a:rPr>
+              <a:t>lang</a:t>
+            </a:r>
+            <a:r>
+              <a:rPr lang="fr-FR" dirty="0">
+                <a:solidFill>
+                  <a:srgbClr val="010080"/>
+                </a:solidFill>
+                <a:latin typeface="Source Code Pro" panose="020B0509030403020204" pitchFamily="49" charset="0"/>
+                <a:ea typeface="Source Code Pro" panose="020B0509030403020204" pitchFamily="49" charset="0"/>
+              </a:rPr>
+              <a:t>="</a:t>
+            </a:r>
+            <a:r>
+              <a:rPr lang="fr-FR" dirty="0" err="1">
+                <a:solidFill>
+                  <a:srgbClr val="990000"/>
+                </a:solidFill>
+                <a:latin typeface="Source Code Pro" panose="020B0509030403020204" pitchFamily="49" charset="0"/>
+                <a:ea typeface="Source Code Pro" panose="020B0509030403020204" pitchFamily="49" charset="0"/>
+              </a:rPr>
+              <a:t>fr</a:t>
+            </a:r>
+            <a:r>
+              <a:rPr lang="fr-FR" dirty="0">
+                <a:solidFill>
+                  <a:srgbClr val="010080"/>
+                </a:solidFill>
+                <a:latin typeface="Source Code Pro" panose="020B0509030403020204" pitchFamily="49" charset="0"/>
+                <a:ea typeface="Source Code Pro" panose="020B0509030403020204" pitchFamily="49" charset="0"/>
+              </a:rPr>
+              <a:t>"&gt;</a:t>
             </a:r>
           </a:p>
           <a:p>
@@ -15848,7 +15995,7 @@
                 <a:latin typeface="Source Code Pro" panose="020B0509030403020204" pitchFamily="49" charset="0"/>
                 <a:ea typeface="Source Code Pro" panose="020B0509030403020204" pitchFamily="49" charset="0"/>
               </a:rPr>
-              <a:t>'Cette fonction est exécutée une fois quand la page est chargée.'</a:t>
+              <a:t>'Cette fonction est exécutée une fois la page chargée.'</a:t>
             </a:r>
             <a:r>
               <a:rPr lang="fr-FR" altLang="fr-FR" dirty="0">

--- a/web/4-JS/JavaScript.pptx
+++ b/web/4-JS/JavaScript.pptx
@@ -24,9 +24,9 @@
     <p:sldId id="261" r:id="rId12"/>
     <p:sldId id="266" r:id="rId13"/>
     <p:sldId id="271" r:id="rId14"/>
-    <p:sldId id="268" r:id="rId15"/>
-    <p:sldId id="269" r:id="rId16"/>
-    <p:sldId id="264" r:id="rId17"/>
+    <p:sldId id="264" r:id="rId15"/>
+    <p:sldId id="268" r:id="rId16"/>
+    <p:sldId id="269" r:id="rId17"/>
   </p:sldIdLst>
   <p:sldSz cx="9144000" cy="6858000" type="screen4x3"/>
   <p:notesSz cx="6858000" cy="9144000"/>
@@ -718,7 +718,7 @@
             </a:r>
           </a:p>
           <a:p>
-            <a:br>
+            <a:r>
               <a:rPr lang="fr-FR" sz="1200" b="0" kern="1200" dirty="0">
                 <a:solidFill>
                   <a:schemeClr val="tx1"/>
@@ -728,8 +728,9 @@
                 <a:ea typeface="+mn-ea"/>
                 <a:cs typeface="+mn-cs"/>
               </a:rPr>
-            </a:br>
-            <a:r>
+              <a:t/>
+            </a:r>
+            <a:br>
               <a:rPr lang="fr-FR" sz="1200" b="0" kern="1200" dirty="0">
                 <a:solidFill>
                   <a:schemeClr val="tx1"/>
@@ -739,10 +740,9 @@
                 <a:ea typeface="+mn-ea"/>
                 <a:cs typeface="+mn-cs"/>
               </a:rPr>
-              <a:t>Le texte contient ensuite des balises ouvrantes et fermantes (`&lt;html&gt;` et `&lt;/html&gt;`) ou encore (`&lt;/</a:t>
-            </a:r>
-            <a:r>
-              <a:rPr lang="fr-FR" sz="1200" b="0" kern="1200" dirty="0" err="1">
+            </a:br>
+            <a:r>
+              <a:rPr lang="fr-FR" sz="1200" b="0" kern="1200" dirty="0">
                 <a:solidFill>
                   <a:schemeClr val="tx1"/>
                 </a:solidFill>
@@ -751,10 +751,10 @@
                 <a:ea typeface="+mn-ea"/>
                 <a:cs typeface="+mn-cs"/>
               </a:rPr>
-              <a:t>title</a:t>
-            </a:r>
-            <a:r>
-              <a:rPr lang="fr-FR" sz="1200" b="0" kern="1200" dirty="0">
+              <a:t>Le texte contient ensuite des balises ouvrantes et fermantes (`&lt;html&gt;` et `&lt;/html&gt;`) ou encore (`&lt;/</a:t>
+            </a:r>
+            <a:r>
+              <a:rPr lang="fr-FR" sz="1200" b="0" kern="1200" dirty="0" err="1">
                 <a:solidFill>
                   <a:schemeClr val="tx1"/>
                 </a:solidFill>
@@ -763,10 +763,10 @@
                 <a:ea typeface="+mn-ea"/>
                 <a:cs typeface="+mn-cs"/>
               </a:rPr>
-              <a:t>&gt;` et `&lt;/</a:t>
-            </a:r>
-            <a:r>
-              <a:rPr lang="fr-FR" sz="1200" b="0" kern="1200" dirty="0" err="1">
+              <a:t>title</a:t>
+            </a:r>
+            <a:r>
+              <a:rPr lang="fr-FR" sz="1200" b="0" kern="1200" dirty="0">
                 <a:solidFill>
                   <a:schemeClr val="tx1"/>
                 </a:solidFill>
@@ -775,10 +775,10 @@
                 <a:ea typeface="+mn-ea"/>
                 <a:cs typeface="+mn-cs"/>
               </a:rPr>
-              <a:t>title</a:t>
-            </a:r>
-            <a:r>
-              <a:rPr lang="fr-FR" sz="1200" b="0" kern="1200" dirty="0">
+              <a:t>&gt;` et `&lt;/</a:t>
+            </a:r>
+            <a:r>
+              <a:rPr lang="fr-FR" sz="1200" b="0" kern="1200" dirty="0" err="1">
                 <a:solidFill>
                   <a:schemeClr val="tx1"/>
                 </a:solidFill>
@@ -787,11 +787,9 @@
                 <a:ea typeface="+mn-ea"/>
                 <a:cs typeface="+mn-cs"/>
               </a:rPr>
-              <a:t>&gt;`.</a:t>
-            </a:r>
-          </a:p>
-          <a:p>
-            <a:br>
+              <a:t>title</a:t>
+            </a:r>
+            <a:r>
               <a:rPr lang="fr-FR" sz="1200" b="0" kern="1200" dirty="0">
                 <a:solidFill>
                   <a:schemeClr val="tx1"/>
@@ -801,7 +799,10 @@
                 <a:ea typeface="+mn-ea"/>
                 <a:cs typeface="+mn-cs"/>
               </a:rPr>
-            </a:br>
+              <a:t>&gt;`.</a:t>
+            </a:r>
+          </a:p>
+          <a:p>
             <a:r>
               <a:rPr lang="fr-FR" sz="1200" b="0" kern="1200" dirty="0">
                 <a:solidFill>
@@ -812,10 +813,45 @@
                 <a:ea typeface="+mn-ea"/>
                 <a:cs typeface="+mn-cs"/>
               </a:rPr>
+              <a:t/>
+            </a:r>
+            <a:br>
+              <a:rPr lang="fr-FR" sz="1200" b="0" kern="1200" dirty="0">
+                <a:solidFill>
+                  <a:schemeClr val="tx1"/>
+                </a:solidFill>
+                <a:effectLst/>
+                <a:latin typeface="+mn-lt"/>
+                <a:ea typeface="+mn-ea"/>
+                <a:cs typeface="+mn-cs"/>
+              </a:rPr>
+            </a:br>
+            <a:r>
+              <a:rPr lang="fr-FR" sz="1200" b="0" kern="1200" dirty="0">
+                <a:solidFill>
+                  <a:schemeClr val="tx1"/>
+                </a:solidFill>
+                <a:effectLst/>
+                <a:latin typeface="+mn-lt"/>
+                <a:ea typeface="+mn-ea"/>
+                <a:cs typeface="+mn-cs"/>
+              </a:rPr>
               <a:t>L'imbrication des balises ouvrantes et fermantes constitue un arbre (qui est marqué ici par l'indentation du texte mais ce n'est pas obligatoire).</a:t>
             </a:r>
           </a:p>
           <a:p>
+            <a:r>
+              <a:rPr lang="fr-FR" sz="1200" b="0" kern="1200" dirty="0">
+                <a:solidFill>
+                  <a:schemeClr val="tx1"/>
+                </a:solidFill>
+                <a:effectLst/>
+                <a:latin typeface="+mn-lt"/>
+                <a:ea typeface="+mn-ea"/>
+                <a:cs typeface="+mn-cs"/>
+              </a:rPr>
+              <a:t/>
+            </a:r>
             <a:br>
               <a:rPr lang="fr-FR" sz="1200" b="0" kern="1200" dirty="0">
                 <a:solidFill>
@@ -1067,7 +1103,7 @@
             </a:r>
           </a:p>
           <a:p>
-            <a:br>
+            <a:r>
               <a:rPr lang="fr-FR" sz="1200" b="0" kern="1200" dirty="0">
                 <a:solidFill>
                   <a:schemeClr val="tx1"/>
@@ -1077,8 +1113,9 @@
                 <a:ea typeface="+mn-ea"/>
                 <a:cs typeface="+mn-cs"/>
               </a:rPr>
-            </a:br>
-            <a:r>
+              <a:t/>
+            </a:r>
+            <a:br>
               <a:rPr lang="fr-FR" sz="1200" b="0" kern="1200" dirty="0">
                 <a:solidFill>
                   <a:schemeClr val="tx1"/>
@@ -1088,10 +1125,9 @@
                 <a:ea typeface="+mn-ea"/>
                 <a:cs typeface="+mn-cs"/>
               </a:rPr>
-              <a:t>Le texte contient ensuite des balises ouvrantes et fermantes (`&lt;html&gt;` et `&lt;/html&gt;`) ou encore (`&lt;/</a:t>
-            </a:r>
-            <a:r>
-              <a:rPr lang="fr-FR" sz="1200" b="0" kern="1200" dirty="0" err="1">
+            </a:br>
+            <a:r>
+              <a:rPr lang="fr-FR" sz="1200" b="0" kern="1200" dirty="0">
                 <a:solidFill>
                   <a:schemeClr val="tx1"/>
                 </a:solidFill>
@@ -1100,10 +1136,10 @@
                 <a:ea typeface="+mn-ea"/>
                 <a:cs typeface="+mn-cs"/>
               </a:rPr>
-              <a:t>title</a:t>
-            </a:r>
-            <a:r>
-              <a:rPr lang="fr-FR" sz="1200" b="0" kern="1200" dirty="0">
+              <a:t>Le texte contient ensuite des balises ouvrantes et fermantes (`&lt;html&gt;` et `&lt;/html&gt;`) ou encore (`&lt;/</a:t>
+            </a:r>
+            <a:r>
+              <a:rPr lang="fr-FR" sz="1200" b="0" kern="1200" dirty="0" err="1">
                 <a:solidFill>
                   <a:schemeClr val="tx1"/>
                 </a:solidFill>
@@ -1112,10 +1148,10 @@
                 <a:ea typeface="+mn-ea"/>
                 <a:cs typeface="+mn-cs"/>
               </a:rPr>
-              <a:t>&gt;` et `&lt;/</a:t>
-            </a:r>
-            <a:r>
-              <a:rPr lang="fr-FR" sz="1200" b="0" kern="1200" dirty="0" err="1">
+              <a:t>title</a:t>
+            </a:r>
+            <a:r>
+              <a:rPr lang="fr-FR" sz="1200" b="0" kern="1200" dirty="0">
                 <a:solidFill>
                   <a:schemeClr val="tx1"/>
                 </a:solidFill>
@@ -1124,10 +1160,10 @@
                 <a:ea typeface="+mn-ea"/>
                 <a:cs typeface="+mn-cs"/>
               </a:rPr>
-              <a:t>title</a:t>
-            </a:r>
-            <a:r>
-              <a:rPr lang="fr-FR" sz="1200" b="0" kern="1200" dirty="0">
+              <a:t>&gt;` et `&lt;/</a:t>
+            </a:r>
+            <a:r>
+              <a:rPr lang="fr-FR" sz="1200" b="0" kern="1200" dirty="0" err="1">
                 <a:solidFill>
                   <a:schemeClr val="tx1"/>
                 </a:solidFill>
@@ -1136,11 +1172,9 @@
                 <a:ea typeface="+mn-ea"/>
                 <a:cs typeface="+mn-cs"/>
               </a:rPr>
-              <a:t>&gt;`.</a:t>
-            </a:r>
-          </a:p>
-          <a:p>
-            <a:br>
+              <a:t>title</a:t>
+            </a:r>
+            <a:r>
               <a:rPr lang="fr-FR" sz="1200" b="0" kern="1200" dirty="0">
                 <a:solidFill>
                   <a:schemeClr val="tx1"/>
@@ -1150,7 +1184,10 @@
                 <a:ea typeface="+mn-ea"/>
                 <a:cs typeface="+mn-cs"/>
               </a:rPr>
-            </a:br>
+              <a:t>&gt;`.</a:t>
+            </a:r>
+          </a:p>
+          <a:p>
             <a:r>
               <a:rPr lang="fr-FR" sz="1200" b="0" kern="1200" dirty="0">
                 <a:solidFill>
@@ -1161,10 +1198,45 @@
                 <a:ea typeface="+mn-ea"/>
                 <a:cs typeface="+mn-cs"/>
               </a:rPr>
+              <a:t/>
+            </a:r>
+            <a:br>
+              <a:rPr lang="fr-FR" sz="1200" b="0" kern="1200" dirty="0">
+                <a:solidFill>
+                  <a:schemeClr val="tx1"/>
+                </a:solidFill>
+                <a:effectLst/>
+                <a:latin typeface="+mn-lt"/>
+                <a:ea typeface="+mn-ea"/>
+                <a:cs typeface="+mn-cs"/>
+              </a:rPr>
+            </a:br>
+            <a:r>
+              <a:rPr lang="fr-FR" sz="1200" b="0" kern="1200" dirty="0">
+                <a:solidFill>
+                  <a:schemeClr val="tx1"/>
+                </a:solidFill>
+                <a:effectLst/>
+                <a:latin typeface="+mn-lt"/>
+                <a:ea typeface="+mn-ea"/>
+                <a:cs typeface="+mn-cs"/>
+              </a:rPr>
               <a:t>L'imbrication des balises ouvrantes et fermantes constitue un arbre (qui est marqué ici par l'indentation du texte mais ce n'est pas obligatoire).</a:t>
             </a:r>
           </a:p>
           <a:p>
+            <a:r>
+              <a:rPr lang="fr-FR" sz="1200" b="0" kern="1200" dirty="0">
+                <a:solidFill>
+                  <a:schemeClr val="tx1"/>
+                </a:solidFill>
+                <a:effectLst/>
+                <a:latin typeface="+mn-lt"/>
+                <a:ea typeface="+mn-ea"/>
+                <a:cs typeface="+mn-cs"/>
+              </a:rPr>
+              <a:t/>
+            </a:r>
             <a:br>
               <a:rPr lang="fr-FR" sz="1200" b="0" kern="1200" dirty="0">
                 <a:solidFill>
@@ -6217,6 +6289,13 @@
   <p:transition spd="slow">
     <p:wipe/>
   </p:transition>
+  <p:timing>
+    <p:tnLst>
+      <p:par>
+        <p:cTn id="1" dur="indefinite" restart="never" nodeType="tmRoot"/>
+      </p:par>
+    </p:tnLst>
+  </p:timing>
 </p:sld>
 </file>
 
@@ -6465,12 +6544,24 @@
             <a:br>
               <a:rPr lang="fr-FR" dirty="0"/>
             </a:br>
+            <a:r>
+              <a:rPr lang="fr-FR" sz="2400" dirty="0"/>
+              <a:t/>
+            </a:r>
             <a:br>
               <a:rPr lang="fr-FR" sz="2400" dirty="0"/>
             </a:br>
+            <a:r>
+              <a:rPr lang="fr-FR" sz="2400" dirty="0"/>
+              <a:t/>
+            </a:r>
             <a:br>
               <a:rPr lang="fr-FR" sz="2400" dirty="0"/>
             </a:br>
+            <a:r>
+              <a:rPr lang="fr-FR" sz="2400" dirty="0"/>
+              <a:t/>
+            </a:r>
             <a:br>
               <a:rPr lang="fr-FR" sz="2400" dirty="0"/>
             </a:br>
@@ -7065,6 +7156,13 @@
   <p:clrMapOvr>
     <a:masterClrMapping/>
   </p:clrMapOvr>
+  <p:timing>
+    <p:tnLst>
+      <p:par>
+        <p:cTn id="1" dur="indefinite" restart="never" nodeType="tmRoot"/>
+      </p:par>
+    </p:tnLst>
+  </p:timing>
 </p:sld>
 </file>
 
@@ -7708,6 +7806,13 @@
   <p:clrMapOvr>
     <a:masterClrMapping/>
   </p:clrMapOvr>
+  <p:timing>
+    <p:tnLst>
+      <p:par>
+        <p:cTn id="1" dur="indefinite" restart="never" nodeType="tmRoot"/>
+      </p:par>
+    </p:tnLst>
+  </p:timing>
 </p:sld>
 </file>
 
@@ -8210,6 +8315,13 @@
   <p:clrMapOvr>
     <a:masterClrMapping/>
   </p:clrMapOvr>
+  <p:timing>
+    <p:tnLst>
+      <p:par>
+        <p:cTn id="1" dur="indefinite" restart="never" nodeType="tmRoot"/>
+      </p:par>
+    </p:tnLst>
+  </p:timing>
 </p:sld>
 </file>
 
@@ -9251,6 +9363,13 @@
   <p:clrMapOvr>
     <a:masterClrMapping/>
   </p:clrMapOvr>
+  <p:timing>
+    <p:tnLst>
+      <p:par>
+        <p:cTn id="1" dur="indefinite" restart="never" nodeType="tmRoot"/>
+      </p:par>
+    </p:tnLst>
+  </p:timing>
 </p:sld>
 </file>
 
@@ -9283,24 +9402,13 @@
         </p:nvSpPr>
         <p:spPr/>
         <p:txBody>
-          <a:bodyPr>
-            <a:normAutofit/>
-          </a:bodyPr>
+          <a:bodyPr/>
           <a:lstStyle/>
           <a:p>
             <a:r>
               <a:rPr lang="fr-FR" b="1" dirty="0"/>
-              <a:t>Exemple : Glisser-Déposer (</a:t>
-            </a:r>
-            <a:r>
-              <a:rPr lang="fr-FR" b="1" i="1" dirty="0"/>
-              <a:t>Drag and Drop</a:t>
-            </a:r>
-            <a:r>
-              <a:rPr lang="fr-FR" b="1" dirty="0"/>
-              <a:t>) (1/2)</a:t>
-            </a:r>
-            <a:endParaRPr lang="en-US" b="1" dirty="0"/>
+              <a:t>Résumé</a:t>
+            </a:r>
           </a:p>
         </p:txBody>
       </p:sp>
@@ -9368,6 +9476,264 @@
               <a:rPr lang="fr-FR" smtClean="0"/>
               <a:pPr/>
               <a:t>14</a:t>
+            </a:fld>
+            <a:endParaRPr lang="fr-FR"/>
+          </a:p>
+        </p:txBody>
+      </p:sp>
+      <p:sp>
+        <p:nvSpPr>
+          <p:cNvPr id="7" name="Espace réservé du contenu 2"/>
+          <p:cNvSpPr>
+            <a:spLocks noGrp="1"/>
+          </p:cNvSpPr>
+          <p:nvPr>
+            <p:ph idx="4294967295"/>
+          </p:nvPr>
+        </p:nvSpPr>
+        <p:spPr>
+          <a:xfrm>
+            <a:off x="279400" y="1236134"/>
+            <a:ext cx="8644466" cy="4890030"/>
+          </a:xfrm>
+        </p:spPr>
+        <p:txBody>
+          <a:bodyPr/>
+          <a:lstStyle/>
+          <a:p>
+            <a:pPr marL="400050" indent="-400050"/>
+            <a:r>
+              <a:rPr lang="fr-FR" sz="2400" dirty="0"/>
+              <a:t>JavaScript est un </a:t>
+            </a:r>
+            <a:r>
+              <a:rPr lang="fr-FR" sz="2400" b="1" dirty="0"/>
+              <a:t>langage fonctionnel</a:t>
+            </a:r>
+            <a:r>
+              <a:rPr lang="fr-FR" sz="2400" dirty="0"/>
+              <a:t>,</a:t>
+            </a:r>
+            <a:r>
+              <a:rPr lang="fr-FR" sz="2400" b="1" dirty="0"/>
+              <a:t> interprété</a:t>
+            </a:r>
+            <a:r>
+              <a:rPr lang="fr-FR" sz="2400" dirty="0"/>
+              <a:t> et</a:t>
+            </a:r>
+            <a:r>
+              <a:rPr lang="fr-FR" sz="2400" b="1" dirty="0"/>
+              <a:t> asynchrone</a:t>
+            </a:r>
+            <a:r>
+              <a:rPr lang="fr-FR" sz="2400" dirty="0"/>
+              <a:t/>
+            </a:r>
+            <a:br>
+              <a:rPr lang="fr-FR" sz="2400" dirty="0"/>
+            </a:br>
+            <a:endParaRPr lang="fr-FR" sz="2400" dirty="0"/>
+          </a:p>
+          <a:p>
+            <a:pPr marL="400050" indent="-400050"/>
+            <a:r>
+              <a:rPr lang="fr-FR" sz="2400" dirty="0"/>
+              <a:t>JavaScript s'exécute sur l’</a:t>
+            </a:r>
+            <a:r>
+              <a:rPr lang="fr-FR" sz="2400" b="1" dirty="0"/>
+              <a:t>arbre d’éléments </a:t>
+            </a:r>
+            <a:r>
+              <a:rPr lang="fr-FR" sz="2400" dirty="0"/>
+              <a:t>HTML</a:t>
+            </a:r>
+            <a:r>
+              <a:rPr lang="fr-FR" sz="2400" b="1" dirty="0"/>
+              <a:t> </a:t>
+            </a:r>
+            <a:br>
+              <a:rPr lang="fr-FR" sz="2400" b="1" dirty="0"/>
+            </a:br>
+            <a:r>
+              <a:rPr lang="fr-FR" sz="2400" dirty="0"/>
+              <a:t>(DOM </a:t>
+            </a:r>
+            <a:r>
+              <a:rPr lang="fr-FR" sz="2400" dirty="0" err="1"/>
+              <a:t>tree</a:t>
+            </a:r>
+            <a:r>
+              <a:rPr lang="fr-FR" sz="2400" dirty="0"/>
+              <a:t>) créé par le navigateur</a:t>
+            </a:r>
+          </a:p>
+          <a:p>
+            <a:pPr marL="400050" indent="-400050"/>
+            <a:endParaRPr lang="fr-FR" sz="2400" dirty="0"/>
+          </a:p>
+          <a:p>
+            <a:pPr marL="400050" indent="-400050"/>
+            <a:r>
+              <a:rPr lang="fr-FR" sz="2400" dirty="0"/>
+              <a:t>Permet de manipuler dynamiquement le comportement </a:t>
+            </a:r>
+            <a:br>
+              <a:rPr lang="fr-FR" sz="2400" dirty="0"/>
+            </a:br>
+            <a:r>
+              <a:rPr lang="fr-FR" sz="2400" dirty="0"/>
+              <a:t>des pages web</a:t>
+            </a:r>
+          </a:p>
+          <a:p>
+            <a:pPr marL="400050" indent="-400050"/>
+            <a:endParaRPr lang="fr-FR" sz="2400" dirty="0"/>
+          </a:p>
+          <a:p>
+            <a:pPr marL="400050" indent="-400050"/>
+            <a:endParaRPr lang="fr-FR" sz="2400" dirty="0"/>
+          </a:p>
+          <a:p>
+            <a:endParaRPr lang="fr-FR" dirty="0"/>
+          </a:p>
+        </p:txBody>
+      </p:sp>
+    </p:spTree>
+    <p:extLst>
+      <p:ext uri="{BB962C8B-B14F-4D97-AF65-F5344CB8AC3E}">
+        <p14:creationId xmlns:p14="http://schemas.microsoft.com/office/powerpoint/2010/main" val="892018545"/>
+      </p:ext>
+    </p:extLst>
+  </p:cSld>
+  <p:clrMapOvr>
+    <a:masterClrMapping/>
+  </p:clrMapOvr>
+  <p:timing>
+    <p:tnLst>
+      <p:par>
+        <p:cTn id="1" dur="indefinite" restart="never" nodeType="tmRoot"/>
+      </p:par>
+    </p:tnLst>
+  </p:timing>
+</p:sld>
+</file>
+
+<file path=ppt/slides/slide15.xml><?xml version="1.0" encoding="utf-8"?>
+<p:sld xmlns:a="http://schemas.openxmlformats.org/drawingml/2006/main" xmlns:r="http://schemas.openxmlformats.org/officeDocument/2006/relationships" xmlns:p="http://schemas.openxmlformats.org/presentationml/2006/main">
+  <p:cSld>
+    <p:spTree>
+      <p:nvGrpSpPr>
+        <p:cNvPr id="1" name=""/>
+        <p:cNvGrpSpPr/>
+        <p:nvPr/>
+      </p:nvGrpSpPr>
+      <p:grpSpPr>
+        <a:xfrm>
+          <a:off x="0" y="0"/>
+          <a:ext cx="0" cy="0"/>
+          <a:chOff x="0" y="0"/>
+          <a:chExt cx="0" cy="0"/>
+        </a:xfrm>
+      </p:grpSpPr>
+      <p:sp>
+        <p:nvSpPr>
+          <p:cNvPr id="2" name="Titre 1"/>
+          <p:cNvSpPr>
+            <a:spLocks noGrp="1"/>
+          </p:cNvSpPr>
+          <p:nvPr>
+            <p:ph type="title"/>
+          </p:nvPr>
+        </p:nvSpPr>
+        <p:spPr/>
+        <p:txBody>
+          <a:bodyPr>
+            <a:normAutofit/>
+          </a:bodyPr>
+          <a:lstStyle/>
+          <a:p>
+            <a:r>
+              <a:rPr lang="fr-FR" b="1" dirty="0"/>
+              <a:t>Exemple : Glisser-Déposer (</a:t>
+            </a:r>
+            <a:r>
+              <a:rPr lang="fr-FR" b="1" i="1" dirty="0"/>
+              <a:t>Drag and Drop</a:t>
+            </a:r>
+            <a:r>
+              <a:rPr lang="fr-FR" b="1" dirty="0"/>
+              <a:t>) (1/2)</a:t>
+            </a:r>
+            <a:endParaRPr lang="en-US" b="1" dirty="0"/>
+          </a:p>
+        </p:txBody>
+      </p:sp>
+      <p:sp>
+        <p:nvSpPr>
+          <p:cNvPr id="4" name="Espace réservé de la date 3"/>
+          <p:cNvSpPr>
+            <a:spLocks noGrp="1"/>
+          </p:cNvSpPr>
+          <p:nvPr>
+            <p:ph type="dt" sz="half" idx="10"/>
+          </p:nvPr>
+        </p:nvSpPr>
+        <p:spPr/>
+        <p:txBody>
+          <a:bodyPr/>
+          <a:lstStyle/>
+          <a:p>
+            <a:fld id="{BB2FA04C-1355-4CE6-8050-4BD994E23BD5}" type="datetime4">
+              <a:rPr lang="fr-FR" smtClean="0"/>
+              <a:t>7 juin 2019</a:t>
+            </a:fld>
+            <a:endParaRPr lang="fr-FR" dirty="0"/>
+          </a:p>
+        </p:txBody>
+      </p:sp>
+      <p:sp>
+        <p:nvSpPr>
+          <p:cNvPr id="5" name="Espace réservé du pied de page 4"/>
+          <p:cNvSpPr>
+            <a:spLocks noGrp="1"/>
+          </p:cNvSpPr>
+          <p:nvPr>
+            <p:ph type="ftr" sz="quarter" idx="11"/>
+          </p:nvPr>
+        </p:nvSpPr>
+        <p:spPr/>
+        <p:txBody>
+          <a:bodyPr/>
+          <a:lstStyle/>
+          <a:p>
+            <a:r>
+              <a:rPr lang="fr-FR"/>
+              <a:t>DIU NSI</a:t>
+            </a:r>
+          </a:p>
+        </p:txBody>
+      </p:sp>
+      <p:sp>
+        <p:nvSpPr>
+          <p:cNvPr id="6" name="Espace réservé du numéro de diapositive 5"/>
+          <p:cNvSpPr>
+            <a:spLocks noGrp="1"/>
+          </p:cNvSpPr>
+          <p:nvPr>
+            <p:ph type="sldNum" sz="quarter" idx="12"/>
+          </p:nvPr>
+        </p:nvSpPr>
+        <p:spPr/>
+        <p:txBody>
+          <a:bodyPr/>
+          <a:lstStyle/>
+          <a:p>
+            <a:fld id="{DCE37727-CC04-7A46-938D-2CCFF056F773}" type="slidenum">
+              <a:rPr lang="fr-FR" smtClean="0"/>
+              <a:pPr/>
+              <a:t>15</a:t>
             </a:fld>
             <a:endParaRPr lang="fr-FR"/>
           </a:p>
@@ -10262,10 +10628,17 @@
   <p:clrMapOvr>
     <a:masterClrMapping/>
   </p:clrMapOvr>
+  <p:timing>
+    <p:tnLst>
+      <p:par>
+        <p:cTn id="1" dur="indefinite" restart="never" nodeType="tmRoot"/>
+      </p:par>
+    </p:tnLst>
+  </p:timing>
 </p:sld>
 </file>
 
-<file path=ppt/slides/slide15.xml><?xml version="1.0" encoding="utf-8"?>
+<file path=ppt/slides/slide16.xml><?xml version="1.0" encoding="utf-8"?>
 <p:sld xmlns:a="http://schemas.openxmlformats.org/drawingml/2006/main" xmlns:r="http://schemas.openxmlformats.org/officeDocument/2006/relationships" xmlns:p="http://schemas.openxmlformats.org/presentationml/2006/main">
   <p:cSld>
     <p:spTree>
@@ -10376,7 +10749,7 @@
             <a:fld id="{DCE37727-CC04-7A46-938D-2CCFF056F773}" type="slidenum">
               <a:rPr lang="fr-FR" smtClean="0"/>
               <a:pPr/>
-              <a:t>15</a:t>
+              <a:t>16</a:t>
             </a:fld>
             <a:endParaRPr lang="fr-FR"/>
           </a:p>
@@ -10999,6 +11372,13 @@
                 <a:ea typeface="Source Code Pro" panose="020B0509030403020204" pitchFamily="49" charset="0"/>
               </a:rPr>
             </a:br>
+            <a:r>
+              <a:rPr lang="fr-FR" sz="1600" dirty="0">
+                <a:latin typeface="Source Code Pro" panose="020B0509030403020204" pitchFamily="49" charset="0"/>
+                <a:ea typeface="Source Code Pro" panose="020B0509030403020204" pitchFamily="49" charset="0"/>
+              </a:rPr>
+              <a:t/>
+            </a:r>
             <a:br>
               <a:rPr lang="fr-FR" sz="1600" dirty="0">
                 <a:latin typeface="Source Code Pro" panose="020B0509030403020204" pitchFamily="49" charset="0"/>
@@ -11166,6 +11546,13 @@
                 <a:ea typeface="Source Code Pro" panose="020B0509030403020204" pitchFamily="49" charset="0"/>
               </a:rPr>
             </a:br>
+            <a:r>
+              <a:rPr lang="fr-FR" sz="1600" dirty="0">
+                <a:latin typeface="Source Code Pro" panose="020B0509030403020204" pitchFamily="49" charset="0"/>
+                <a:ea typeface="Source Code Pro" panose="020B0509030403020204" pitchFamily="49" charset="0"/>
+              </a:rPr>
+              <a:t/>
+            </a:r>
             <a:br>
               <a:rPr lang="fr-FR" sz="1600" dirty="0">
                 <a:latin typeface="Source Code Pro" panose="020B0509030403020204" pitchFamily="49" charset="0"/>
@@ -11701,6 +12088,13 @@
                 <a:ea typeface="Source Code Pro" panose="020B0509030403020204" pitchFamily="49" charset="0"/>
               </a:rPr>
             </a:br>
+            <a:r>
+              <a:rPr lang="fr-FR" sz="1600" dirty="0">
+                <a:latin typeface="Source Code Pro" panose="020B0509030403020204" pitchFamily="49" charset="0"/>
+                <a:ea typeface="Source Code Pro" panose="020B0509030403020204" pitchFamily="49" charset="0"/>
+              </a:rPr>
+              <a:t/>
+            </a:r>
             <a:br>
               <a:rPr lang="fr-FR" sz="1600" dirty="0">
                 <a:latin typeface="Source Code Pro" panose="020B0509030403020204" pitchFamily="49" charset="0"/>
@@ -12044,242 +12438,13 @@
   <p:clrMapOvr>
     <a:masterClrMapping/>
   </p:clrMapOvr>
-</p:sld>
-</file>
-
-<file path=ppt/slides/slide16.xml><?xml version="1.0" encoding="utf-8"?>
-<p:sld xmlns:a="http://schemas.openxmlformats.org/drawingml/2006/main" xmlns:r="http://schemas.openxmlformats.org/officeDocument/2006/relationships" xmlns:p="http://schemas.openxmlformats.org/presentationml/2006/main">
-  <p:cSld>
-    <p:spTree>
-      <p:nvGrpSpPr>
-        <p:cNvPr id="1" name=""/>
-        <p:cNvGrpSpPr/>
-        <p:nvPr/>
-      </p:nvGrpSpPr>
-      <p:grpSpPr>
-        <a:xfrm>
-          <a:off x="0" y="0"/>
-          <a:ext cx="0" cy="0"/>
-          <a:chOff x="0" y="0"/>
-          <a:chExt cx="0" cy="0"/>
-        </a:xfrm>
-      </p:grpSpPr>
-      <p:sp>
-        <p:nvSpPr>
-          <p:cNvPr id="2" name="Titre 1"/>
-          <p:cNvSpPr>
-            <a:spLocks noGrp="1"/>
-          </p:cNvSpPr>
-          <p:nvPr>
-            <p:ph type="title"/>
-          </p:nvPr>
-        </p:nvSpPr>
-        <p:spPr/>
-        <p:txBody>
-          <a:bodyPr/>
-          <a:lstStyle/>
-          <a:p>
-            <a:r>
-              <a:rPr lang="fr-FR" b="1" dirty="0"/>
-              <a:t>Résumé</a:t>
-            </a:r>
-          </a:p>
-        </p:txBody>
-      </p:sp>
-      <p:sp>
-        <p:nvSpPr>
-          <p:cNvPr id="4" name="Espace réservé de la date 3"/>
-          <p:cNvSpPr>
-            <a:spLocks noGrp="1"/>
-          </p:cNvSpPr>
-          <p:nvPr>
-            <p:ph type="dt" sz="half" idx="10"/>
-          </p:nvPr>
-        </p:nvSpPr>
-        <p:spPr/>
-        <p:txBody>
-          <a:bodyPr/>
-          <a:lstStyle/>
-          <a:p>
-            <a:fld id="{BB2FA04C-1355-4CE6-8050-4BD994E23BD5}" type="datetime4">
-              <a:rPr lang="fr-FR" smtClean="0"/>
-              <a:t>7 juin 2019</a:t>
-            </a:fld>
-            <a:endParaRPr lang="fr-FR" dirty="0"/>
-          </a:p>
-        </p:txBody>
-      </p:sp>
-      <p:sp>
-        <p:nvSpPr>
-          <p:cNvPr id="5" name="Espace réservé du pied de page 4"/>
-          <p:cNvSpPr>
-            <a:spLocks noGrp="1"/>
-          </p:cNvSpPr>
-          <p:nvPr>
-            <p:ph type="ftr" sz="quarter" idx="11"/>
-          </p:nvPr>
-        </p:nvSpPr>
-        <p:spPr/>
-        <p:txBody>
-          <a:bodyPr/>
-          <a:lstStyle/>
-          <a:p>
-            <a:r>
-              <a:rPr lang="fr-FR"/>
-              <a:t>DIU NSI</a:t>
-            </a:r>
-          </a:p>
-        </p:txBody>
-      </p:sp>
-      <p:sp>
-        <p:nvSpPr>
-          <p:cNvPr id="6" name="Espace réservé du numéro de diapositive 5"/>
-          <p:cNvSpPr>
-            <a:spLocks noGrp="1"/>
-          </p:cNvSpPr>
-          <p:nvPr>
-            <p:ph type="sldNum" sz="quarter" idx="12"/>
-          </p:nvPr>
-        </p:nvSpPr>
-        <p:spPr/>
-        <p:txBody>
-          <a:bodyPr/>
-          <a:lstStyle/>
-          <a:p>
-            <a:fld id="{DCE37727-CC04-7A46-938D-2CCFF056F773}" type="slidenum">
-              <a:rPr lang="fr-FR" smtClean="0"/>
-              <a:pPr/>
-              <a:t>16</a:t>
-            </a:fld>
-            <a:endParaRPr lang="fr-FR"/>
-          </a:p>
-        </p:txBody>
-      </p:sp>
-      <p:sp>
-        <p:nvSpPr>
-          <p:cNvPr id="7" name="Espace réservé du contenu 2"/>
-          <p:cNvSpPr>
-            <a:spLocks noGrp="1"/>
-          </p:cNvSpPr>
-          <p:nvPr>
-            <p:ph idx="4294967295"/>
-          </p:nvPr>
-        </p:nvSpPr>
-        <p:spPr>
-          <a:xfrm>
-            <a:off x="279400" y="1236134"/>
-            <a:ext cx="8644466" cy="4890030"/>
-          </a:xfrm>
-        </p:spPr>
-        <p:txBody>
-          <a:bodyPr/>
-          <a:lstStyle/>
-          <a:p>
-            <a:pPr marL="400050" indent="-400050"/>
-            <a:r>
-              <a:rPr lang="fr-FR" sz="2400" dirty="0"/>
-              <a:t>JavaScript est un </a:t>
-            </a:r>
-            <a:r>
-              <a:rPr lang="fr-FR" sz="2400" b="1" dirty="0"/>
-              <a:t>langage fonctionnel</a:t>
-            </a:r>
-            <a:r>
-              <a:rPr lang="fr-FR" sz="2400" dirty="0"/>
-              <a:t>,</a:t>
-            </a:r>
-            <a:r>
-              <a:rPr lang="fr-FR" sz="2400" b="1" dirty="0"/>
-              <a:t> interprété</a:t>
-            </a:r>
-            <a:r>
-              <a:rPr lang="fr-FR" sz="2400" dirty="0"/>
-              <a:t> et</a:t>
-            </a:r>
-            <a:r>
-              <a:rPr lang="fr-FR" sz="2400" b="1" dirty="0"/>
-              <a:t> asynchrone</a:t>
-            </a:r>
-            <a:br>
-              <a:rPr lang="fr-FR" sz="2400" dirty="0"/>
-            </a:br>
-            <a:endParaRPr lang="fr-FR" sz="2400" dirty="0"/>
-          </a:p>
-          <a:p>
-            <a:pPr marL="400050" indent="-400050"/>
-            <a:r>
-              <a:rPr lang="fr-FR" sz="2400" dirty="0"/>
-              <a:t>JavaScript s'exécute sur l’</a:t>
-            </a:r>
-            <a:r>
-              <a:rPr lang="fr-FR" sz="2400" b="1" dirty="0"/>
-              <a:t>arbre d’éléments </a:t>
-            </a:r>
-            <a:r>
-              <a:rPr lang="fr-FR" sz="2400" dirty="0"/>
-              <a:t>HTML</a:t>
-            </a:r>
-            <a:r>
-              <a:rPr lang="fr-FR" sz="2400" b="1" dirty="0"/>
-              <a:t> </a:t>
-            </a:r>
-            <a:br>
-              <a:rPr lang="fr-FR" sz="2400" b="1" dirty="0"/>
-            </a:br>
-            <a:r>
-              <a:rPr lang="fr-FR" sz="2400" dirty="0"/>
-              <a:t>(DOM </a:t>
-            </a:r>
-            <a:r>
-              <a:rPr lang="fr-FR" sz="2400" dirty="0" err="1"/>
-              <a:t>tree</a:t>
-            </a:r>
-            <a:r>
-              <a:rPr lang="fr-FR" sz="2400" dirty="0"/>
-              <a:t>) créé par le navigateur</a:t>
-            </a:r>
-          </a:p>
-          <a:p>
-            <a:pPr marL="400050" indent="-400050"/>
-            <a:endParaRPr lang="fr-FR" sz="2400" dirty="0"/>
-          </a:p>
-          <a:p>
-            <a:pPr marL="400050" indent="-400050"/>
-            <a:r>
-              <a:rPr lang="fr-FR" sz="2400" dirty="0"/>
-              <a:t>Permet de manipuler dynamiquement le comportement </a:t>
-            </a:r>
-            <a:br>
-              <a:rPr lang="fr-FR" sz="2400" dirty="0"/>
-            </a:br>
-            <a:r>
-              <a:rPr lang="fr-FR" sz="2400" dirty="0"/>
-              <a:t>des pages web</a:t>
-            </a:r>
-          </a:p>
-          <a:p>
-            <a:pPr marL="400050" indent="-400050"/>
-            <a:endParaRPr lang="fr-FR" sz="2400" dirty="0"/>
-          </a:p>
-          <a:p>
-            <a:pPr marL="400050" indent="-400050"/>
-            <a:endParaRPr lang="fr-FR" sz="2400" dirty="0"/>
-          </a:p>
-          <a:p>
-            <a:endParaRPr lang="fr-FR" dirty="0"/>
-          </a:p>
-        </p:txBody>
-      </p:sp>
-    </p:spTree>
-    <p:extLst>
-      <p:ext uri="{BB962C8B-B14F-4D97-AF65-F5344CB8AC3E}">
-        <p14:creationId xmlns:p14="http://schemas.microsoft.com/office/powerpoint/2010/main" val="892018545"/>
-      </p:ext>
-    </p:extLst>
-  </p:cSld>
-  <p:clrMapOvr>
-    <a:masterClrMapping/>
-  </p:clrMapOvr>
+  <p:timing>
+    <p:tnLst>
+      <p:par>
+        <p:cTn id="1" dur="indefinite" restart="never" nodeType="tmRoot"/>
+      </p:par>
+    </p:tnLst>
+  </p:timing>
 </p:sld>
 </file>
 
@@ -12357,6 +12522,13 @@
   <p:transition spd="slow">
     <p:wipe/>
   </p:transition>
+  <p:timing>
+    <p:tnLst>
+      <p:par>
+        <p:cTn id="1" dur="indefinite" restart="never" nodeType="tmRoot"/>
+      </p:par>
+    </p:tnLst>
+  </p:timing>
 </p:sld>
 </file>
 
@@ -12811,6 +12983,13 @@
   <p:transition spd="slow">
     <p:wipe/>
   </p:transition>
+  <p:timing>
+    <p:tnLst>
+      <p:par>
+        <p:cTn id="1" dur="indefinite" restart="never" nodeType="tmRoot"/>
+      </p:par>
+    </p:tnLst>
+  </p:timing>
 </p:sld>
 </file>
 
@@ -13030,7 +13209,7 @@
         </p:spPr>
         <p:txBody>
           <a:bodyPr vert="horz" lIns="91440" tIns="45720" rIns="91440" bIns="45720" rtlCol="0" anchor="ctr">
-            <a:normAutofit/>
+            <a:normAutofit lnSpcReduction="10000"/>
           </a:bodyPr>
           <a:lstStyle/>
           <a:p>
@@ -13293,6 +13472,13 @@
   <p:clrMapOvr>
     <a:masterClrMapping/>
   </p:clrMapOvr>
+  <p:timing>
+    <p:tnLst>
+      <p:par>
+        <p:cTn id="1" dur="indefinite" restart="never" nodeType="tmRoot"/>
+      </p:par>
+    </p:tnLst>
+  </p:timing>
 </p:sld>
 </file>
 
@@ -13648,6 +13834,13 @@
   <p:clrMapOvr>
     <a:masterClrMapping/>
   </p:clrMapOvr>
+  <p:timing>
+    <p:tnLst>
+      <p:par>
+        <p:cTn id="1" dur="indefinite" restart="never" nodeType="tmRoot"/>
+      </p:par>
+    </p:tnLst>
+  </p:timing>
 </p:sld>
 </file>
 
@@ -13941,16 +14134,22 @@
               <a:t>let </a:t>
             </a:r>
             <a:r>
-              <a:rPr lang="fr-FR" altLang="fr-FR" dirty="0" err="1">
+              <a:rPr lang="fr-FR" altLang="fr-FR" dirty="0" err="1" smtClean="0">
                 <a:latin typeface="Source Code Pro" panose="020B0509030403020204"/>
               </a:rPr>
-              <a:t>johnSnow</a:t>
+              <a:t>jonSnow</a:t>
+            </a:r>
+            <a:r>
+              <a:rPr lang="fr-FR" altLang="fr-FR" dirty="0" smtClean="0">
+                <a:latin typeface="Source Code Pro" panose="020B0509030403020204"/>
+              </a:rPr>
+              <a:t> </a:t>
             </a:r>
             <a:r>
               <a:rPr lang="fr-FR" altLang="fr-FR" dirty="0">
                 <a:latin typeface="Source Code Pro" panose="020B0509030403020204"/>
               </a:rPr>
-              <a:t> = { </a:t>
+              <a:t>= { </a:t>
             </a:r>
           </a:p>
           <a:p>
@@ -14090,16 +14289,22 @@
           <a:p>
             <a:pPr marL="47625"/>
             <a:r>
-              <a:rPr lang="fr-FR" altLang="fr-FR" dirty="0" err="1">
+              <a:rPr lang="fr-FR" altLang="fr-FR" dirty="0" err="1" smtClean="0">
                 <a:latin typeface="Source Code Pro" panose="020B0509030403020204"/>
               </a:rPr>
-              <a:t>johnSnow.isAlive</a:t>
+              <a:t>jonSnow.isAlive</a:t>
+            </a:r>
+            <a:r>
+              <a:rPr lang="fr-FR" altLang="fr-FR" dirty="0" smtClean="0">
+                <a:latin typeface="Source Code Pro" panose="020B0509030403020204"/>
+              </a:rPr>
+              <a:t> </a:t>
             </a:r>
             <a:r>
               <a:rPr lang="fr-FR" altLang="fr-FR" dirty="0">
                 <a:latin typeface="Source Code Pro" panose="020B0509030403020204"/>
               </a:rPr>
-              <a:t> = </a:t>
+              <a:t>= </a:t>
             </a:r>
             <a:r>
               <a:rPr lang="fr-FR" altLang="fr-FR" dirty="0">
@@ -14130,6 +14335,13 @@
   <p:clrMapOvr>
     <a:masterClrMapping/>
   </p:clrMapOvr>
+  <p:timing>
+    <p:tnLst>
+      <p:par>
+        <p:cTn id="1" dur="indefinite" restart="never" nodeType="tmRoot"/>
+      </p:par>
+    </p:tnLst>
+  </p:timing>
 </p:sld>
 </file>
 
@@ -14635,16 +14847,22 @@
           <a:p>
             <a:pPr marL="47625"/>
             <a:r>
-              <a:rPr lang="fr-FR" altLang="fr-FR" dirty="0" err="1">
+              <a:rPr lang="fr-FR" altLang="fr-FR" dirty="0" err="1" smtClean="0">
                 <a:latin typeface="Source Code Pro" panose="020B0509030403020204"/>
               </a:rPr>
-              <a:t>johnSnow.isAlive</a:t>
+              <a:t>jonSnow.isAlive</a:t>
+            </a:r>
+            <a:r>
+              <a:rPr lang="fr-FR" altLang="fr-FR" dirty="0" smtClean="0">
+                <a:latin typeface="Source Code Pro" panose="020B0509030403020204"/>
+              </a:rPr>
+              <a:t> </a:t>
             </a:r>
             <a:r>
               <a:rPr lang="fr-FR" altLang="fr-FR" dirty="0">
                 <a:latin typeface="Source Code Pro" panose="020B0509030403020204"/>
               </a:rPr>
-              <a:t> = </a:t>
+              <a:t>= </a:t>
             </a:r>
             <a:r>
               <a:rPr lang="fr-FR" altLang="fr-FR" dirty="0">
@@ -14666,11 +14884,11 @@
           <a:p>
             <a:pPr marL="47625"/>
             <a:r>
-              <a:rPr lang="fr-FR" altLang="fr-FR" dirty="0" err="1">
-                <a:latin typeface="Source Code Pro" panose="020B0509030403020204" pitchFamily="49" charset="0"/>
-                <a:ea typeface="Source Code Pro" panose="020B0509030403020204" pitchFamily="49" charset="0"/>
-              </a:rPr>
-              <a:t>johnSnow.resurrect</a:t>
+              <a:rPr lang="fr-FR" altLang="fr-FR" dirty="0" err="1" smtClean="0">
+                <a:latin typeface="Source Code Pro" panose="020B0509030403020204" pitchFamily="49" charset="0"/>
+                <a:ea typeface="Source Code Pro" panose="020B0509030403020204" pitchFamily="49" charset="0"/>
+              </a:rPr>
+              <a:t>jonSnow.resurrect</a:t>
             </a:r>
             <a:r>
               <a:rPr lang="fr-FR" altLang="fr-FR" dirty="0">
@@ -14692,6 +14910,13 @@
   <p:clrMapOvr>
     <a:masterClrMapping/>
   </p:clrMapOvr>
+  <p:timing>
+    <p:tnLst>
+      <p:par>
+        <p:cTn id="1" dur="indefinite" restart="never" nodeType="tmRoot"/>
+      </p:par>
+    </p:tnLst>
+  </p:timing>
 </p:sld>
 </file>
 
@@ -15053,7 +15278,7 @@
           <a:blip r:embed="rId3">
             <a:extLst>
               <a:ext uri="{96DAC541-7B7A-43D3-8B79-37D633B846F1}">
-                <asvg:svgBlip xmlns:asvg="http://schemas.microsoft.com/office/drawing/2016/SVG/main" r:embed="rId4"/>
+                <asvg:svgBlip xmlns:asvg="http://schemas.microsoft.com/office/drawing/2016/SVG/main" xmlns="" r:embed="rId4"/>
               </a:ext>
             </a:extLst>
           </a:blip>
@@ -15147,6 +15372,16 @@
               </a:rPr>
               <a:t>File:DOM-model.svg</a:t>
             </a:r>
+            <a:r>
+              <a:rPr lang="fr-FR" sz="800" dirty="0">
+                <a:solidFill>
+                  <a:schemeClr val="bg1">
+                    <a:lumMod val="50000"/>
+                  </a:schemeClr>
+                </a:solidFill>
+              </a:rPr>
+              <a:t/>
+            </a:r>
             <a:br>
               <a:rPr lang="fr-FR" sz="800" dirty="0">
                 <a:solidFill>
@@ -15200,6 +15435,13 @@
   <p:transition spd="slow">
     <p:wipe/>
   </p:transition>
+  <p:timing>
+    <p:tnLst>
+      <p:par>
+        <p:cTn id="1" dur="indefinite" restart="never" nodeType="tmRoot"/>
+      </p:par>
+    </p:tnLst>
+  </p:timing>
 </p:sld>
 </file>
 
@@ -15483,6 +15725,10 @@
             <a:pPr marL="0" indent="0">
               <a:buNone/>
             </a:pPr>
+            <a:r>
+              <a:rPr lang="fr-FR" sz="2400" dirty="0"/>
+              <a:t/>
+            </a:r>
             <a:br>
               <a:rPr lang="fr-FR" sz="2400" dirty="0"/>
             </a:br>
@@ -16074,6 +16320,13 @@
   <p:clrMapOvr>
     <a:masterClrMapping/>
   </p:clrMapOvr>
+  <p:timing>
+    <p:tnLst>
+      <p:par>
+        <p:cTn id="1" dur="indefinite" restart="never" nodeType="tmRoot"/>
+      </p:par>
+    </p:tnLst>
+  </p:timing>
 </p:sld>
 </file>
 

--- a/web/4-JS/JavaScript.pptx
+++ b/web/4-JS/JavaScript.pptx
@@ -226,7 +226,7 @@
           <a:p>
             <a:fld id="{5EB47243-285B-2741-8C7D-C88258D9CCFA}" type="datetimeFigureOut">
               <a:rPr lang="fr-FR" smtClean="0"/>
-              <a:t>07/06/2019</a:t>
+              <a:t>09/06/2019</a:t>
             </a:fld>
             <a:endParaRPr lang="fr-FR"/>
           </a:p>
@@ -392,7 +392,7 @@
           <a:p>
             <a:fld id="{7D088D39-B4EA-D24B-B9C3-6A64886EABE2}" type="datetimeFigureOut">
               <a:rPr lang="fr-FR" smtClean="0"/>
-              <a:t>07/06/2019</a:t>
+              <a:t>09/06/2019</a:t>
             </a:fld>
             <a:endParaRPr lang="fr-FR"/>
           </a:p>
@@ -2467,7 +2467,7 @@
           <a:p>
             <a:fld id="{BB2FA04C-1355-4CE6-8050-4BD994E23BD5}" type="datetime4">
               <a:rPr lang="fr-FR" smtClean="0"/>
-              <a:t>7 juin 2019</a:t>
+              <a:t>9 juin 2019</a:t>
             </a:fld>
             <a:endParaRPr lang="fr-FR" dirty="0"/>
           </a:p>
@@ -2957,7 +2957,7 @@
           <a:p>
             <a:fld id="{A81C4219-47FF-4375-968D-EABA4A212953}" type="datetime4">
               <a:rPr lang="fr-FR" smtClean="0"/>
-              <a:t>7 juin 2019</a:t>
+              <a:t>9 juin 2019</a:t>
             </a:fld>
             <a:endParaRPr lang="fr-FR" dirty="0"/>
           </a:p>
@@ -4793,7 +4793,7 @@
           <a:p>
             <a:fld id="{81E3CCF4-D669-4BB6-B0BE-EE495E88AE6B}" type="datetime4">
               <a:rPr lang="fr-FR" smtClean="0"/>
-              <a:t>7 juin 2019</a:t>
+              <a:t>9 juin 2019</a:t>
             </a:fld>
             <a:endParaRPr lang="fr-FR" dirty="0"/>
           </a:p>
@@ -5729,7 +5729,7 @@
           <a:p>
             <a:fld id="{2E52B8B1-858B-4633-AE57-5B6CA9292F2B}" type="datetime4">
               <a:rPr lang="fr-FR" smtClean="0"/>
-              <a:t>7 juin 2019</a:t>
+              <a:t>9 juin 2019</a:t>
             </a:fld>
             <a:endParaRPr lang="fr-FR" dirty="0"/>
           </a:p>
@@ -6617,7 +6617,7 @@
           <a:p>
             <a:fld id="{BB2FA04C-1355-4CE6-8050-4BD994E23BD5}" type="datetime4">
               <a:rPr lang="fr-FR" smtClean="0"/>
-              <a:t>7 juin 2019</a:t>
+              <a:t>9 juin 2019</a:t>
             </a:fld>
             <a:endParaRPr lang="fr-FR" dirty="0"/>
           </a:p>
@@ -6674,7 +6674,7 @@
           <p:cNvPr id="19" name="Rectangle 18">
             <a:extLst>
               <a:ext uri="{FF2B5EF4-FFF2-40B4-BE49-F238E27FC236}">
-                <a16:creationId xmlns:a16="http://schemas.microsoft.com/office/drawing/2014/main" id="{99D6AB73-3556-6845-9EF8-9024C2407A0D}"/>
+                <a16:creationId xmlns:a16="http://schemas.microsoft.com/office/drawing/2014/main" xmlns="" id="{99D6AB73-3556-6845-9EF8-9024C2407A0D}"/>
               </a:ext>
             </a:extLst>
           </p:cNvPr>
@@ -6767,7 +6767,7 @@
           <p:cNvPr id="12" name="Rectangle 11">
             <a:extLst>
               <a:ext uri="{FF2B5EF4-FFF2-40B4-BE49-F238E27FC236}">
-                <a16:creationId xmlns:a16="http://schemas.microsoft.com/office/drawing/2014/main" id="{ECED5231-2525-CD45-A28E-5EE4CDC138F5}"/>
+                <a16:creationId xmlns:a16="http://schemas.microsoft.com/office/drawing/2014/main" xmlns="" id="{ECED5231-2525-CD45-A28E-5EE4CDC138F5}"/>
               </a:ext>
             </a:extLst>
           </p:cNvPr>
@@ -7416,7 +7416,7 @@
           <a:p>
             <a:fld id="{BB2FA04C-1355-4CE6-8050-4BD994E23BD5}" type="datetime4">
               <a:rPr lang="fr-FR" smtClean="0"/>
-              <a:t>7 juin 2019</a:t>
+              <a:t>9 juin 2019</a:t>
             </a:fld>
             <a:endParaRPr lang="fr-FR" dirty="0"/>
           </a:p>
@@ -7473,7 +7473,7 @@
           <p:cNvPr id="8" name="Rectangle 7">
             <a:extLst>
               <a:ext uri="{FF2B5EF4-FFF2-40B4-BE49-F238E27FC236}">
-                <a16:creationId xmlns:a16="http://schemas.microsoft.com/office/drawing/2014/main" id="{99D6AB73-3556-6845-9EF8-9024C2407A0D}"/>
+                <a16:creationId xmlns:a16="http://schemas.microsoft.com/office/drawing/2014/main" xmlns="" id="{99D6AB73-3556-6845-9EF8-9024C2407A0D}"/>
               </a:ext>
             </a:extLst>
           </p:cNvPr>
@@ -7852,8 +7852,13 @@
           <a:p>
             <a:r>
               <a:rPr lang="fr-FR" b="1" dirty="0"/>
-              <a:t>DOM Event (1/3)</a:t>
-            </a:r>
+              <a:t>DOM Event (</a:t>
+            </a:r>
+            <a:r>
+              <a:rPr lang="fr-FR" b="1" dirty="0" smtClean="0"/>
+              <a:t>1/2)</a:t>
+            </a:r>
+            <a:endParaRPr lang="fr-FR" b="1" dirty="0"/>
           </a:p>
         </p:txBody>
       </p:sp>
@@ -7900,7 +7905,7 @@
           <a:p>
             <a:fld id="{BB2FA04C-1355-4CE6-8050-4BD994E23BD5}" type="datetime4">
               <a:rPr lang="fr-FR" smtClean="0"/>
-              <a:t>7 juin 2019</a:t>
+              <a:t>9 juin 2019</a:t>
             </a:fld>
             <a:endParaRPr lang="fr-FR" dirty="0"/>
           </a:p>
@@ -8361,8 +8366,13 @@
           <a:p>
             <a:r>
               <a:rPr lang="fr-FR" b="1" dirty="0"/>
-              <a:t>DOM Event (2/3)</a:t>
-            </a:r>
+              <a:t>DOM Event (</a:t>
+            </a:r>
+            <a:r>
+              <a:rPr lang="fr-FR" b="1" dirty="0" smtClean="0"/>
+              <a:t>2/2)</a:t>
+            </a:r>
+            <a:endParaRPr lang="fr-FR" b="1" dirty="0"/>
           </a:p>
         </p:txBody>
       </p:sp>
@@ -8409,7 +8419,7 @@
           <a:p>
             <a:fld id="{BB2FA04C-1355-4CE6-8050-4BD994E23BD5}" type="datetime4">
               <a:rPr lang="fr-FR" smtClean="0"/>
-              <a:t>7 juin 2019</a:t>
+              <a:t>9 juin 2019</a:t>
             </a:fld>
             <a:endParaRPr lang="fr-FR" dirty="0"/>
           </a:p>
@@ -8740,7 +8750,7 @@
           <p:cNvPr id="10" name="Rectangle 9">
             <a:extLst>
               <a:ext uri="{FF2B5EF4-FFF2-40B4-BE49-F238E27FC236}">
-                <a16:creationId xmlns:a16="http://schemas.microsoft.com/office/drawing/2014/main" id="{99D6AB73-3556-6845-9EF8-9024C2407A0D}"/>
+                <a16:creationId xmlns:a16="http://schemas.microsoft.com/office/drawing/2014/main" xmlns="" id="{99D6AB73-3556-6845-9EF8-9024C2407A0D}"/>
               </a:ext>
             </a:extLst>
           </p:cNvPr>
@@ -9429,7 +9439,7 @@
           <a:p>
             <a:fld id="{BB2FA04C-1355-4CE6-8050-4BD994E23BD5}" type="datetime4">
               <a:rPr lang="fr-FR" smtClean="0"/>
-              <a:t>7 juin 2019</a:t>
+              <a:t>9 juin 2019</a:t>
             </a:fld>
             <a:endParaRPr lang="fr-FR" dirty="0"/>
           </a:p>
@@ -9687,7 +9697,7 @@
           <a:p>
             <a:fld id="{BB2FA04C-1355-4CE6-8050-4BD994E23BD5}" type="datetime4">
               <a:rPr lang="fr-FR" smtClean="0"/>
-              <a:t>7 juin 2019</a:t>
+              <a:t>9 juin 2019</a:t>
             </a:fld>
             <a:endParaRPr lang="fr-FR" dirty="0"/>
           </a:p>
@@ -10422,7 +10432,7 @@
           <p:cNvPr id="9" name="Rectangle 8">
             <a:extLst>
               <a:ext uri="{FF2B5EF4-FFF2-40B4-BE49-F238E27FC236}">
-                <a16:creationId xmlns:a16="http://schemas.microsoft.com/office/drawing/2014/main" id="{B154AA04-DABC-F44F-AFCE-D2E2CCE699F0}"/>
+                <a16:creationId xmlns:a16="http://schemas.microsoft.com/office/drawing/2014/main" xmlns="" id="{B154AA04-DABC-F44F-AFCE-D2E2CCE699F0}"/>
               </a:ext>
             </a:extLst>
           </p:cNvPr>
@@ -10703,7 +10713,7 @@
           <a:p>
             <a:fld id="{BB2FA04C-1355-4CE6-8050-4BD994E23BD5}" type="datetime4">
               <a:rPr lang="fr-FR" smtClean="0"/>
-              <a:t>7 juin 2019</a:t>
+              <a:t>9 juin 2019</a:t>
             </a:fld>
             <a:endParaRPr lang="fr-FR" dirty="0"/>
           </a:p>
@@ -11225,7 +11235,7 @@
           <p:cNvPr id="10" name="Rectangle 9">
             <a:extLst>
               <a:ext uri="{FF2B5EF4-FFF2-40B4-BE49-F238E27FC236}">
-                <a16:creationId xmlns:a16="http://schemas.microsoft.com/office/drawing/2014/main" id="{99D6AB73-3556-6845-9EF8-9024C2407A0D}"/>
+                <a16:creationId xmlns:a16="http://schemas.microsoft.com/office/drawing/2014/main" xmlns="" id="{99D6AB73-3556-6845-9EF8-9024C2407A0D}"/>
               </a:ext>
             </a:extLst>
           </p:cNvPr>
@@ -11844,7 +11854,7 @@
           <p:cNvPr id="11" name="Rectangle 10">
             <a:extLst>
               <a:ext uri="{FF2B5EF4-FFF2-40B4-BE49-F238E27FC236}">
-                <a16:creationId xmlns:a16="http://schemas.microsoft.com/office/drawing/2014/main" id="{8DA60F79-BEA6-4A4D-97CF-13A847623086}"/>
+                <a16:creationId xmlns:a16="http://schemas.microsoft.com/office/drawing/2014/main" xmlns="" id="{8DA60F79-BEA6-4A4D-97CF-13A847623086}"/>
               </a:ext>
             </a:extLst>
           </p:cNvPr>
@@ -12355,7 +12365,7 @@
           <p:cNvPr id="9" name="TextBox 8">
             <a:extLst>
               <a:ext uri="{FF2B5EF4-FFF2-40B4-BE49-F238E27FC236}">
-                <a16:creationId xmlns:a16="http://schemas.microsoft.com/office/drawing/2014/main" id="{0310CF36-F93A-404C-A8B2-4AF7950F69AC}"/>
+                <a16:creationId xmlns:a16="http://schemas.microsoft.com/office/drawing/2014/main" xmlns="" id="{0310CF36-F93A-404C-A8B2-4AF7950F69AC}"/>
               </a:ext>
             </a:extLst>
           </p:cNvPr>
@@ -12394,7 +12404,7 @@
           <p:cNvPr id="13" name="TextBox 12">
             <a:extLst>
               <a:ext uri="{FF2B5EF4-FFF2-40B4-BE49-F238E27FC236}">
-                <a16:creationId xmlns:a16="http://schemas.microsoft.com/office/drawing/2014/main" id="{19EB4010-9653-D64C-ADC9-7FF6C55A289D}"/>
+                <a16:creationId xmlns:a16="http://schemas.microsoft.com/office/drawing/2014/main" xmlns="" id="{19EB4010-9653-D64C-ADC9-7FF6C55A289D}"/>
               </a:ext>
             </a:extLst>
           </p:cNvPr>
@@ -12588,7 +12598,7 @@
           <a:p>
             <a:fld id="{1AC11C67-BE04-4C5F-B0EE-E01220C9093A}" type="datetime4">
               <a:rPr lang="fr-FR" smtClean="0"/>
-              <a:t>7 juin 2019</a:t>
+              <a:t>9 juin 2019</a:t>
             </a:fld>
             <a:endParaRPr lang="fr-FR" dirty="0"/>
           </a:p>
@@ -13015,7 +13025,7 @@
           <p:cNvPr id="2" name="Title 1">
             <a:extLst>
               <a:ext uri="{FF2B5EF4-FFF2-40B4-BE49-F238E27FC236}">
-                <a16:creationId xmlns:a16="http://schemas.microsoft.com/office/drawing/2014/main" id="{197F391B-D1BC-1E4C-B310-969ADCAC9C86}"/>
+                <a16:creationId xmlns:a16="http://schemas.microsoft.com/office/drawing/2014/main" xmlns="" id="{197F391B-D1BC-1E4C-B310-969ADCAC9C86}"/>
               </a:ext>
             </a:extLst>
           </p:cNvPr>
@@ -13033,8 +13043,13 @@
           <a:p>
             <a:r>
               <a:rPr lang="fr-FR" b="1" dirty="0"/>
-              <a:t>Bases du langage (1/3)</a:t>
-            </a:r>
+              <a:t>Bases du langage (</a:t>
+            </a:r>
+            <a:r>
+              <a:rPr lang="fr-FR" b="1" dirty="0" smtClean="0"/>
+              <a:t>1/4)</a:t>
+            </a:r>
+            <a:endParaRPr lang="fr-FR" b="1" dirty="0"/>
           </a:p>
         </p:txBody>
       </p:sp>
@@ -13043,7 +13058,7 @@
           <p:cNvPr id="3" name="Content Placeholder 2">
             <a:extLst>
               <a:ext uri="{FF2B5EF4-FFF2-40B4-BE49-F238E27FC236}">
-                <a16:creationId xmlns:a16="http://schemas.microsoft.com/office/drawing/2014/main" id="{793FEC66-363B-3545-8E61-92AAFF0AFF62}"/>
+                <a16:creationId xmlns:a16="http://schemas.microsoft.com/office/drawing/2014/main" xmlns="" id="{793FEC66-363B-3545-8E61-92AAFF0AFF62}"/>
               </a:ext>
             </a:extLst>
           </p:cNvPr>
@@ -13094,7 +13109,7 @@
           <p:cNvPr id="4" name="Date Placeholder 3">
             <a:extLst>
               <a:ext uri="{FF2B5EF4-FFF2-40B4-BE49-F238E27FC236}">
-                <a16:creationId xmlns:a16="http://schemas.microsoft.com/office/drawing/2014/main" id="{8C2262F1-3C28-E94C-B574-356F02FF4906}"/>
+                <a16:creationId xmlns:a16="http://schemas.microsoft.com/office/drawing/2014/main" xmlns="" id="{8C2262F1-3C28-E94C-B574-356F02FF4906}"/>
               </a:ext>
             </a:extLst>
           </p:cNvPr>
@@ -13112,7 +13127,7 @@
           <a:p>
             <a:fld id="{BB2FA04C-1355-4CE6-8050-4BD994E23BD5}" type="datetime4">
               <a:rPr lang="fr-FR" smtClean="0"/>
-              <a:t>7 juin 2019</a:t>
+              <a:t>9 juin 2019</a:t>
             </a:fld>
             <a:endParaRPr lang="fr-FR" dirty="0"/>
           </a:p>
@@ -13123,7 +13138,7 @@
           <p:cNvPr id="5" name="Footer Placeholder 4">
             <a:extLst>
               <a:ext uri="{FF2B5EF4-FFF2-40B4-BE49-F238E27FC236}">
-                <a16:creationId xmlns:a16="http://schemas.microsoft.com/office/drawing/2014/main" id="{770F343B-DF3F-094C-B705-4F41FD53029B}"/>
+                <a16:creationId xmlns:a16="http://schemas.microsoft.com/office/drawing/2014/main" xmlns="" id="{770F343B-DF3F-094C-B705-4F41FD53029B}"/>
               </a:ext>
             </a:extLst>
           </p:cNvPr>
@@ -13151,7 +13166,7 @@
           <p:cNvPr id="6" name="Slide Number Placeholder 5">
             <a:extLst>
               <a:ext uri="{FF2B5EF4-FFF2-40B4-BE49-F238E27FC236}">
-                <a16:creationId xmlns:a16="http://schemas.microsoft.com/office/drawing/2014/main" id="{127D60BA-7D2C-1548-8CB9-81CA238BB53C}"/>
+                <a16:creationId xmlns:a16="http://schemas.microsoft.com/office/drawing/2014/main" xmlns="" id="{127D60BA-7D2C-1548-8CB9-81CA238BB53C}"/>
               </a:ext>
             </a:extLst>
           </p:cNvPr>
@@ -13181,7 +13196,7 @@
           <p:cNvPr id="8" name="Rectangle 7">
             <a:extLst>
               <a:ext uri="{FF2B5EF4-FFF2-40B4-BE49-F238E27FC236}">
-                <a16:creationId xmlns:a16="http://schemas.microsoft.com/office/drawing/2014/main" id="{D45207C1-55BB-DB4B-990B-7E41DAF9E310}"/>
+                <a16:creationId xmlns:a16="http://schemas.microsoft.com/office/drawing/2014/main" xmlns="" id="{D45207C1-55BB-DB4B-990B-7E41DAF9E310}"/>
               </a:ext>
             </a:extLst>
           </p:cNvPr>
@@ -13504,7 +13519,7 @@
           <p:cNvPr id="2" name="Title 1">
             <a:extLst>
               <a:ext uri="{FF2B5EF4-FFF2-40B4-BE49-F238E27FC236}">
-                <a16:creationId xmlns:a16="http://schemas.microsoft.com/office/drawing/2014/main" id="{197F391B-D1BC-1E4C-B310-969ADCAC9C86}"/>
+                <a16:creationId xmlns:a16="http://schemas.microsoft.com/office/drawing/2014/main" xmlns="" id="{197F391B-D1BC-1E4C-B310-969ADCAC9C86}"/>
               </a:ext>
             </a:extLst>
           </p:cNvPr>
@@ -13522,8 +13537,13 @@
           <a:p>
             <a:r>
               <a:rPr lang="fr-FR" b="1" dirty="0"/>
-              <a:t>Bases du langage (2/3)</a:t>
-            </a:r>
+              <a:t>Bases du langage (</a:t>
+            </a:r>
+            <a:r>
+              <a:rPr lang="fr-FR" b="1" dirty="0" smtClean="0"/>
+              <a:t>2/4)</a:t>
+            </a:r>
+            <a:endParaRPr lang="fr-FR" b="1" dirty="0"/>
           </a:p>
         </p:txBody>
       </p:sp>
@@ -13532,7 +13552,7 @@
           <p:cNvPr id="3" name="Content Placeholder 2">
             <a:extLst>
               <a:ext uri="{FF2B5EF4-FFF2-40B4-BE49-F238E27FC236}">
-                <a16:creationId xmlns:a16="http://schemas.microsoft.com/office/drawing/2014/main" id="{793FEC66-363B-3545-8E61-92AAFF0AFF62}"/>
+                <a16:creationId xmlns:a16="http://schemas.microsoft.com/office/drawing/2014/main" xmlns="" id="{793FEC66-363B-3545-8E61-92AAFF0AFF62}"/>
               </a:ext>
             </a:extLst>
           </p:cNvPr>
@@ -13592,7 +13612,7 @@
           <p:cNvPr id="4" name="Date Placeholder 3">
             <a:extLst>
               <a:ext uri="{FF2B5EF4-FFF2-40B4-BE49-F238E27FC236}">
-                <a16:creationId xmlns:a16="http://schemas.microsoft.com/office/drawing/2014/main" id="{8C2262F1-3C28-E94C-B574-356F02FF4906}"/>
+                <a16:creationId xmlns:a16="http://schemas.microsoft.com/office/drawing/2014/main" xmlns="" id="{8C2262F1-3C28-E94C-B574-356F02FF4906}"/>
               </a:ext>
             </a:extLst>
           </p:cNvPr>
@@ -13610,7 +13630,7 @@
           <a:p>
             <a:fld id="{BB2FA04C-1355-4CE6-8050-4BD994E23BD5}" type="datetime4">
               <a:rPr lang="fr-FR" smtClean="0"/>
-              <a:t>7 juin 2019</a:t>
+              <a:t>9 juin 2019</a:t>
             </a:fld>
             <a:endParaRPr lang="fr-FR" dirty="0"/>
           </a:p>
@@ -13621,7 +13641,7 @@
           <p:cNvPr id="5" name="Footer Placeholder 4">
             <a:extLst>
               <a:ext uri="{FF2B5EF4-FFF2-40B4-BE49-F238E27FC236}">
-                <a16:creationId xmlns:a16="http://schemas.microsoft.com/office/drawing/2014/main" id="{770F343B-DF3F-094C-B705-4F41FD53029B}"/>
+                <a16:creationId xmlns:a16="http://schemas.microsoft.com/office/drawing/2014/main" xmlns="" id="{770F343B-DF3F-094C-B705-4F41FD53029B}"/>
               </a:ext>
             </a:extLst>
           </p:cNvPr>
@@ -13649,7 +13669,7 @@
           <p:cNvPr id="6" name="Slide Number Placeholder 5">
             <a:extLst>
               <a:ext uri="{FF2B5EF4-FFF2-40B4-BE49-F238E27FC236}">
-                <a16:creationId xmlns:a16="http://schemas.microsoft.com/office/drawing/2014/main" id="{127D60BA-7D2C-1548-8CB9-81CA238BB53C}"/>
+                <a16:creationId xmlns:a16="http://schemas.microsoft.com/office/drawing/2014/main" xmlns="" id="{127D60BA-7D2C-1548-8CB9-81CA238BB53C}"/>
               </a:ext>
             </a:extLst>
           </p:cNvPr>
@@ -13679,7 +13699,7 @@
           <p:cNvPr id="8" name="Rectangle 7">
             <a:extLst>
               <a:ext uri="{FF2B5EF4-FFF2-40B4-BE49-F238E27FC236}">
-                <a16:creationId xmlns:a16="http://schemas.microsoft.com/office/drawing/2014/main" id="{D45207C1-55BB-DB4B-990B-7E41DAF9E310}"/>
+                <a16:creationId xmlns:a16="http://schemas.microsoft.com/office/drawing/2014/main" xmlns="" id="{D45207C1-55BB-DB4B-990B-7E41DAF9E310}"/>
               </a:ext>
             </a:extLst>
           </p:cNvPr>
@@ -13866,7 +13886,7 @@
           <p:cNvPr id="2" name="Title 1">
             <a:extLst>
               <a:ext uri="{FF2B5EF4-FFF2-40B4-BE49-F238E27FC236}">
-                <a16:creationId xmlns:a16="http://schemas.microsoft.com/office/drawing/2014/main" id="{197F391B-D1BC-1E4C-B310-969ADCAC9C86}"/>
+                <a16:creationId xmlns:a16="http://schemas.microsoft.com/office/drawing/2014/main" xmlns="" id="{197F391B-D1BC-1E4C-B310-969ADCAC9C86}"/>
               </a:ext>
             </a:extLst>
           </p:cNvPr>
@@ -13884,8 +13904,13 @@
           <a:p>
             <a:r>
               <a:rPr lang="fr-FR" b="1" dirty="0"/>
-              <a:t>Bases du langage (3/3)</a:t>
-            </a:r>
+              <a:t>Bases du langage (</a:t>
+            </a:r>
+            <a:r>
+              <a:rPr lang="fr-FR" b="1" dirty="0" smtClean="0"/>
+              <a:t>3/4)</a:t>
+            </a:r>
+            <a:endParaRPr lang="fr-FR" b="1" dirty="0"/>
           </a:p>
         </p:txBody>
       </p:sp>
@@ -13894,7 +13919,7 @@
           <p:cNvPr id="3" name="Content Placeholder 2">
             <a:extLst>
               <a:ext uri="{FF2B5EF4-FFF2-40B4-BE49-F238E27FC236}">
-                <a16:creationId xmlns:a16="http://schemas.microsoft.com/office/drawing/2014/main" id="{793FEC66-363B-3545-8E61-92AAFF0AFF62}"/>
+                <a16:creationId xmlns:a16="http://schemas.microsoft.com/office/drawing/2014/main" xmlns="" id="{793FEC66-363B-3545-8E61-92AAFF0AFF62}"/>
               </a:ext>
             </a:extLst>
           </p:cNvPr>
@@ -14004,7 +14029,7 @@
           <p:cNvPr id="4" name="Date Placeholder 3">
             <a:extLst>
               <a:ext uri="{FF2B5EF4-FFF2-40B4-BE49-F238E27FC236}">
-                <a16:creationId xmlns:a16="http://schemas.microsoft.com/office/drawing/2014/main" id="{8C2262F1-3C28-E94C-B574-356F02FF4906}"/>
+                <a16:creationId xmlns:a16="http://schemas.microsoft.com/office/drawing/2014/main" xmlns="" id="{8C2262F1-3C28-E94C-B574-356F02FF4906}"/>
               </a:ext>
             </a:extLst>
           </p:cNvPr>
@@ -14022,7 +14047,7 @@
           <a:p>
             <a:fld id="{BB2FA04C-1355-4CE6-8050-4BD994E23BD5}" type="datetime4">
               <a:rPr lang="fr-FR" smtClean="0"/>
-              <a:t>7 juin 2019</a:t>
+              <a:t>9 juin 2019</a:t>
             </a:fld>
             <a:endParaRPr lang="fr-FR" dirty="0"/>
           </a:p>
@@ -14033,7 +14058,7 @@
           <p:cNvPr id="5" name="Footer Placeholder 4">
             <a:extLst>
               <a:ext uri="{FF2B5EF4-FFF2-40B4-BE49-F238E27FC236}">
-                <a16:creationId xmlns:a16="http://schemas.microsoft.com/office/drawing/2014/main" id="{770F343B-DF3F-094C-B705-4F41FD53029B}"/>
+                <a16:creationId xmlns:a16="http://schemas.microsoft.com/office/drawing/2014/main" xmlns="" id="{770F343B-DF3F-094C-B705-4F41FD53029B}"/>
               </a:ext>
             </a:extLst>
           </p:cNvPr>
@@ -14061,7 +14086,7 @@
           <p:cNvPr id="6" name="Slide Number Placeholder 5">
             <a:extLst>
               <a:ext uri="{FF2B5EF4-FFF2-40B4-BE49-F238E27FC236}">
-                <a16:creationId xmlns:a16="http://schemas.microsoft.com/office/drawing/2014/main" id="{127D60BA-7D2C-1548-8CB9-81CA238BB53C}"/>
+                <a16:creationId xmlns:a16="http://schemas.microsoft.com/office/drawing/2014/main" xmlns="" id="{127D60BA-7D2C-1548-8CB9-81CA238BB53C}"/>
               </a:ext>
             </a:extLst>
           </p:cNvPr>
@@ -14091,7 +14116,7 @@
           <p:cNvPr id="8" name="Rectangle 7">
             <a:extLst>
               <a:ext uri="{FF2B5EF4-FFF2-40B4-BE49-F238E27FC236}">
-                <a16:creationId xmlns:a16="http://schemas.microsoft.com/office/drawing/2014/main" id="{D45207C1-55BB-DB4B-990B-7E41DAF9E310}"/>
+                <a16:creationId xmlns:a16="http://schemas.microsoft.com/office/drawing/2014/main" xmlns="" id="{D45207C1-55BB-DB4B-990B-7E41DAF9E310}"/>
               </a:ext>
             </a:extLst>
           </p:cNvPr>
@@ -14367,7 +14392,7 @@
           <p:cNvPr id="2" name="Title 1">
             <a:extLst>
               <a:ext uri="{FF2B5EF4-FFF2-40B4-BE49-F238E27FC236}">
-                <a16:creationId xmlns:a16="http://schemas.microsoft.com/office/drawing/2014/main" id="{197F391B-D1BC-1E4C-B310-969ADCAC9C86}"/>
+                <a16:creationId xmlns:a16="http://schemas.microsoft.com/office/drawing/2014/main" xmlns="" id="{197F391B-D1BC-1E4C-B310-969ADCAC9C86}"/>
               </a:ext>
             </a:extLst>
           </p:cNvPr>
@@ -14385,8 +14410,21 @@
           <a:p>
             <a:r>
               <a:rPr lang="fr-FR" b="1" dirty="0"/>
-              <a:t>Bases du langage (3/3)</a:t>
-            </a:r>
+              <a:t>Bases du langage </a:t>
+            </a:r>
+            <a:r>
+              <a:rPr lang="fr-FR" b="1" dirty="0" smtClean="0"/>
+              <a:t>(</a:t>
+            </a:r>
+            <a:r>
+              <a:rPr lang="fr-FR" b="1" dirty="0"/>
+              <a:t>4</a:t>
+            </a:r>
+            <a:r>
+              <a:rPr lang="fr-FR" b="1" dirty="0" smtClean="0"/>
+              <a:t>/4)</a:t>
+            </a:r>
+            <a:endParaRPr lang="fr-FR" b="1" dirty="0"/>
           </a:p>
         </p:txBody>
       </p:sp>
@@ -14395,7 +14433,7 @@
           <p:cNvPr id="3" name="Content Placeholder 2">
             <a:extLst>
               <a:ext uri="{FF2B5EF4-FFF2-40B4-BE49-F238E27FC236}">
-                <a16:creationId xmlns:a16="http://schemas.microsoft.com/office/drawing/2014/main" id="{793FEC66-363B-3545-8E61-92AAFF0AFF62}"/>
+                <a16:creationId xmlns:a16="http://schemas.microsoft.com/office/drawing/2014/main" xmlns="" id="{793FEC66-363B-3545-8E61-92AAFF0AFF62}"/>
               </a:ext>
             </a:extLst>
           </p:cNvPr>
@@ -14486,7 +14524,7 @@
           <p:cNvPr id="4" name="Date Placeholder 3">
             <a:extLst>
               <a:ext uri="{FF2B5EF4-FFF2-40B4-BE49-F238E27FC236}">
-                <a16:creationId xmlns:a16="http://schemas.microsoft.com/office/drawing/2014/main" id="{8C2262F1-3C28-E94C-B574-356F02FF4906}"/>
+                <a16:creationId xmlns:a16="http://schemas.microsoft.com/office/drawing/2014/main" xmlns="" id="{8C2262F1-3C28-E94C-B574-356F02FF4906}"/>
               </a:ext>
             </a:extLst>
           </p:cNvPr>
@@ -14504,7 +14542,7 @@
           <a:p>
             <a:fld id="{BB2FA04C-1355-4CE6-8050-4BD994E23BD5}" type="datetime4">
               <a:rPr lang="fr-FR" smtClean="0"/>
-              <a:t>7 juin 2019</a:t>
+              <a:t>9 juin 2019</a:t>
             </a:fld>
             <a:endParaRPr lang="fr-FR" dirty="0"/>
           </a:p>
@@ -14515,7 +14553,7 @@
           <p:cNvPr id="5" name="Footer Placeholder 4">
             <a:extLst>
               <a:ext uri="{FF2B5EF4-FFF2-40B4-BE49-F238E27FC236}">
-                <a16:creationId xmlns:a16="http://schemas.microsoft.com/office/drawing/2014/main" id="{770F343B-DF3F-094C-B705-4F41FD53029B}"/>
+                <a16:creationId xmlns:a16="http://schemas.microsoft.com/office/drawing/2014/main" xmlns="" id="{770F343B-DF3F-094C-B705-4F41FD53029B}"/>
               </a:ext>
             </a:extLst>
           </p:cNvPr>
@@ -14543,7 +14581,7 @@
           <p:cNvPr id="6" name="Slide Number Placeholder 5">
             <a:extLst>
               <a:ext uri="{FF2B5EF4-FFF2-40B4-BE49-F238E27FC236}">
-                <a16:creationId xmlns:a16="http://schemas.microsoft.com/office/drawing/2014/main" id="{127D60BA-7D2C-1548-8CB9-81CA238BB53C}"/>
+                <a16:creationId xmlns:a16="http://schemas.microsoft.com/office/drawing/2014/main" xmlns="" id="{127D60BA-7D2C-1548-8CB9-81CA238BB53C}"/>
               </a:ext>
             </a:extLst>
           </p:cNvPr>
@@ -14573,7 +14611,7 @@
           <p:cNvPr id="8" name="Rectangle 7">
             <a:extLst>
               <a:ext uri="{FF2B5EF4-FFF2-40B4-BE49-F238E27FC236}">
-                <a16:creationId xmlns:a16="http://schemas.microsoft.com/office/drawing/2014/main" id="{D45207C1-55BB-DB4B-990B-7E41DAF9E310}"/>
+                <a16:creationId xmlns:a16="http://schemas.microsoft.com/office/drawing/2014/main" xmlns="" id="{D45207C1-55BB-DB4B-990B-7E41DAF9E310}"/>
               </a:ext>
             </a:extLst>
           </p:cNvPr>
@@ -14978,7 +15016,7 @@
           <a:p>
             <a:fld id="{1AC11C67-BE04-4C5F-B0EE-E01220C9093A}" type="datetime4">
               <a:rPr lang="fr-FR" smtClean="0"/>
-              <a:t>7 juin 2019</a:t>
+              <a:t>9 juin 2019</a:t>
             </a:fld>
             <a:endParaRPr lang="fr-FR" dirty="0"/>
           </a:p>
@@ -15265,7 +15303,7 @@
           <p:cNvPr id="9" name="Graphic 8">
             <a:extLst>
               <a:ext uri="{FF2B5EF4-FFF2-40B4-BE49-F238E27FC236}">
-                <a16:creationId xmlns:a16="http://schemas.microsoft.com/office/drawing/2014/main" id="{6F3E1559-D605-C945-85DB-066CD93FEA04}"/>
+                <a16:creationId xmlns:a16="http://schemas.microsoft.com/office/drawing/2014/main" xmlns="" id="{6F3E1559-D605-C945-85DB-066CD93FEA04}"/>
               </a:ext>
             </a:extLst>
           </p:cNvPr>
@@ -15278,7 +15316,7 @@
           <a:blip r:embed="rId3">
             <a:extLst>
               <a:ext uri="{96DAC541-7B7A-43D3-8B79-37D633B846F1}">
-                <asvg:svgBlip xmlns:asvg="http://schemas.microsoft.com/office/drawing/2016/SVG/main" xmlns="" r:embed="rId4"/>
+                <asvg:svgBlip xmlns="" xmlns:asvg="http://schemas.microsoft.com/office/drawing/2016/SVG/main" r:embed="rId4"/>
               </a:ext>
             </a:extLst>
           </a:blip>
@@ -15301,7 +15339,7 @@
           <p:cNvPr id="12" name="Rectangle 11">
             <a:extLst>
               <a:ext uri="{FF2B5EF4-FFF2-40B4-BE49-F238E27FC236}">
-                <a16:creationId xmlns:a16="http://schemas.microsoft.com/office/drawing/2014/main" id="{6EC37172-BD25-FF4A-8EF0-B0746183C81E}"/>
+                <a16:creationId xmlns:a16="http://schemas.microsoft.com/office/drawing/2014/main" xmlns="" id="{6EC37172-BD25-FF4A-8EF0-B0746183C81E}"/>
               </a:ext>
             </a:extLst>
           </p:cNvPr>
@@ -15777,7 +15815,7 @@
           <a:p>
             <a:fld id="{BB2FA04C-1355-4CE6-8050-4BD994E23BD5}" type="datetime4">
               <a:rPr lang="fr-FR" smtClean="0"/>
-              <a:t>7 juin 2019</a:t>
+              <a:t>9 juin 2019</a:t>
             </a:fld>
             <a:endParaRPr lang="fr-FR" dirty="0"/>
           </a:p>
@@ -15834,7 +15872,7 @@
           <p:cNvPr id="8" name="Rectangle 7">
             <a:extLst>
               <a:ext uri="{FF2B5EF4-FFF2-40B4-BE49-F238E27FC236}">
-                <a16:creationId xmlns:a16="http://schemas.microsoft.com/office/drawing/2014/main" id="{99D6AB73-3556-6845-9EF8-9024C2407A0D}"/>
+                <a16:creationId xmlns:a16="http://schemas.microsoft.com/office/drawing/2014/main" xmlns="" id="{99D6AB73-3556-6845-9EF8-9024C2407A0D}"/>
               </a:ext>
             </a:extLst>
           </p:cNvPr>

--- a/web/4-JS/JavaScript.pptx
+++ b/web/4-JS/JavaScript.pptx
@@ -226,7 +226,7 @@
           <a:p>
             <a:fld id="{5EB47243-285B-2741-8C7D-C88258D9CCFA}" type="datetimeFigureOut">
               <a:rPr lang="fr-FR" smtClean="0"/>
-              <a:t>09/06/2019</a:t>
+              <a:t>12/06/2019</a:t>
             </a:fld>
             <a:endParaRPr lang="fr-FR"/>
           </a:p>
@@ -292,7 +292,7 @@
           <a:p>
             <a:fld id="{C5CA9166-BC48-2C47-B9BF-6F57720E77B8}" type="slidenum">
               <a:rPr lang="fr-FR" smtClean="0"/>
-              <a:t>‹N°›</a:t>
+              <a:t>‹#›</a:t>
             </a:fld>
             <a:endParaRPr lang="fr-FR"/>
           </a:p>
@@ -392,7 +392,7 @@
           <a:p>
             <a:fld id="{7D088D39-B4EA-D24B-B9C3-6A64886EABE2}" type="datetimeFigureOut">
               <a:rPr lang="fr-FR" smtClean="0"/>
-              <a:t>09/06/2019</a:t>
+              <a:t>12/06/2019</a:t>
             </a:fld>
             <a:endParaRPr lang="fr-FR"/>
           </a:p>
@@ -550,7 +550,7 @@
           <a:p>
             <a:fld id="{1C0E2CBA-6097-B848-A7DA-4D7BD6EB303B}" type="slidenum">
               <a:rPr lang="fr-FR" smtClean="0"/>
-              <a:t>‹N°›</a:t>
+              <a:t>‹#›</a:t>
             </a:fld>
             <a:endParaRPr lang="fr-FR"/>
           </a:p>
@@ -705,307 +705,41 @@
           <a:lstStyle/>
           <a:p>
             <a:r>
-              <a:rPr lang="fr-FR" sz="1200" b="0" kern="1200" dirty="0">
-                <a:solidFill>
-                  <a:schemeClr val="tx1"/>
-                </a:solidFill>
-                <a:effectLst/>
-                <a:latin typeface="+mn-lt"/>
-                <a:ea typeface="+mn-ea"/>
-                <a:cs typeface="+mn-cs"/>
-              </a:rPr>
-              <a:t>La première ligne est le prologue. Il précise que le reste du texte est du HTML.</a:t>
-            </a:r>
-          </a:p>
-          <a:p>
-            <a:r>
-              <a:rPr lang="fr-FR" sz="1200" b="0" kern="1200" dirty="0">
-                <a:solidFill>
-                  <a:schemeClr val="tx1"/>
-                </a:solidFill>
-                <a:effectLst/>
-                <a:latin typeface="+mn-lt"/>
-                <a:ea typeface="+mn-ea"/>
-                <a:cs typeface="+mn-cs"/>
-              </a:rPr>
-              <a:t/>
-            </a:r>
-            <a:br>
-              <a:rPr lang="fr-FR" sz="1200" b="0" kern="1200" dirty="0">
-                <a:solidFill>
-                  <a:schemeClr val="tx1"/>
-                </a:solidFill>
-                <a:effectLst/>
-                <a:latin typeface="+mn-lt"/>
-                <a:ea typeface="+mn-ea"/>
-                <a:cs typeface="+mn-cs"/>
-              </a:rPr>
-            </a:br>
-            <a:r>
-              <a:rPr lang="fr-FR" sz="1200" b="0" kern="1200" dirty="0">
-                <a:solidFill>
-                  <a:schemeClr val="tx1"/>
-                </a:solidFill>
-                <a:effectLst/>
-                <a:latin typeface="+mn-lt"/>
-                <a:ea typeface="+mn-ea"/>
-                <a:cs typeface="+mn-cs"/>
-              </a:rPr>
-              <a:t>Le texte contient ensuite des balises ouvrantes et fermantes (`&lt;html&gt;` et `&lt;/html&gt;`) ou encore (`&lt;/</a:t>
-            </a:r>
-            <a:r>
-              <a:rPr lang="fr-FR" sz="1200" b="0" kern="1200" dirty="0" err="1">
-                <a:solidFill>
-                  <a:schemeClr val="tx1"/>
-                </a:solidFill>
-                <a:effectLst/>
-                <a:latin typeface="+mn-lt"/>
-                <a:ea typeface="+mn-ea"/>
-                <a:cs typeface="+mn-cs"/>
-              </a:rPr>
-              <a:t>title</a:t>
-            </a:r>
-            <a:r>
-              <a:rPr lang="fr-FR" sz="1200" b="0" kern="1200" dirty="0">
-                <a:solidFill>
-                  <a:schemeClr val="tx1"/>
-                </a:solidFill>
-                <a:effectLst/>
-                <a:latin typeface="+mn-lt"/>
-                <a:ea typeface="+mn-ea"/>
-                <a:cs typeface="+mn-cs"/>
-              </a:rPr>
-              <a:t>&gt;` et `&lt;/</a:t>
-            </a:r>
-            <a:r>
-              <a:rPr lang="fr-FR" sz="1200" b="0" kern="1200" dirty="0" err="1">
-                <a:solidFill>
-                  <a:schemeClr val="tx1"/>
-                </a:solidFill>
-                <a:effectLst/>
-                <a:latin typeface="+mn-lt"/>
-                <a:ea typeface="+mn-ea"/>
-                <a:cs typeface="+mn-cs"/>
-              </a:rPr>
-              <a:t>title</a:t>
-            </a:r>
-            <a:r>
-              <a:rPr lang="fr-FR" sz="1200" b="0" kern="1200" dirty="0">
-                <a:solidFill>
-                  <a:schemeClr val="tx1"/>
-                </a:solidFill>
-                <a:effectLst/>
-                <a:latin typeface="+mn-lt"/>
-                <a:ea typeface="+mn-ea"/>
-                <a:cs typeface="+mn-cs"/>
-              </a:rPr>
-              <a:t>&gt;`.</a:t>
-            </a:r>
-          </a:p>
-          <a:p>
-            <a:r>
-              <a:rPr lang="fr-FR" sz="1200" b="0" kern="1200" dirty="0">
-                <a:solidFill>
-                  <a:schemeClr val="tx1"/>
-                </a:solidFill>
-                <a:effectLst/>
-                <a:latin typeface="+mn-lt"/>
-                <a:ea typeface="+mn-ea"/>
-                <a:cs typeface="+mn-cs"/>
-              </a:rPr>
-              <a:t/>
-            </a:r>
-            <a:br>
-              <a:rPr lang="fr-FR" sz="1200" b="0" kern="1200" dirty="0">
-                <a:solidFill>
-                  <a:schemeClr val="tx1"/>
-                </a:solidFill>
-                <a:effectLst/>
-                <a:latin typeface="+mn-lt"/>
-                <a:ea typeface="+mn-ea"/>
-                <a:cs typeface="+mn-cs"/>
-              </a:rPr>
-            </a:br>
-            <a:r>
-              <a:rPr lang="fr-FR" sz="1200" b="0" kern="1200" dirty="0">
-                <a:solidFill>
-                  <a:schemeClr val="tx1"/>
-                </a:solidFill>
-                <a:effectLst/>
-                <a:latin typeface="+mn-lt"/>
-                <a:ea typeface="+mn-ea"/>
-                <a:cs typeface="+mn-cs"/>
-              </a:rPr>
-              <a:t>L'imbrication des balises ouvrantes et fermantes constitue un arbre (qui est marqué ici par l'indentation du texte mais ce n'est pas obligatoire).</a:t>
-            </a:r>
-          </a:p>
-          <a:p>
-            <a:r>
-              <a:rPr lang="fr-FR" sz="1200" b="0" kern="1200" dirty="0">
-                <a:solidFill>
-                  <a:schemeClr val="tx1"/>
-                </a:solidFill>
-                <a:effectLst/>
-                <a:latin typeface="+mn-lt"/>
-                <a:ea typeface="+mn-ea"/>
-                <a:cs typeface="+mn-cs"/>
-              </a:rPr>
-              <a:t/>
-            </a:r>
-            <a:br>
-              <a:rPr lang="fr-FR" sz="1200" b="0" kern="1200" dirty="0">
-                <a:solidFill>
-                  <a:schemeClr val="tx1"/>
-                </a:solidFill>
-                <a:effectLst/>
-                <a:latin typeface="+mn-lt"/>
-                <a:ea typeface="+mn-ea"/>
-                <a:cs typeface="+mn-cs"/>
-              </a:rPr>
-            </a:br>
-            <a:r>
-              <a:rPr lang="fr-FR" sz="1200" b="0" kern="1200" dirty="0">
-                <a:solidFill>
-                  <a:schemeClr val="tx1"/>
-                </a:solidFill>
-                <a:effectLst/>
-                <a:latin typeface="+mn-lt"/>
-                <a:ea typeface="+mn-ea"/>
-                <a:cs typeface="+mn-cs"/>
-              </a:rPr>
-              <a:t>Chaque balise a une signification. Notre exemple contient les balises suivantes : </a:t>
-            </a:r>
-          </a:p>
-          <a:p>
-            <a:r>
-              <a:rPr lang="fr-FR" sz="1200" b="0" kern="1200" dirty="0">
-                <a:solidFill>
-                  <a:schemeClr val="tx1"/>
-                </a:solidFill>
-                <a:effectLst/>
-                <a:latin typeface="+mn-lt"/>
-                <a:ea typeface="+mn-ea"/>
-                <a:cs typeface="+mn-cs"/>
-              </a:rPr>
-              <a:t>* `&lt;html&gt;` : Représente la racine de l'arbre HTML.</a:t>
-            </a:r>
-          </a:p>
-          <a:p>
-            <a:r>
-              <a:rPr lang="fr-FR" sz="1200" b="0" kern="1200" dirty="0">
-                <a:solidFill>
-                  <a:schemeClr val="tx1"/>
-                </a:solidFill>
-                <a:effectLst/>
-                <a:latin typeface="+mn-lt"/>
-                <a:ea typeface="+mn-ea"/>
-                <a:cs typeface="+mn-cs"/>
-              </a:rPr>
-              <a:t>* `&lt;</a:t>
-            </a:r>
-            <a:r>
-              <a:rPr lang="fr-FR" sz="1200" b="0" kern="1200" dirty="0" err="1">
-                <a:solidFill>
-                  <a:schemeClr val="tx1"/>
-                </a:solidFill>
-                <a:effectLst/>
-                <a:latin typeface="+mn-lt"/>
-                <a:ea typeface="+mn-ea"/>
-                <a:cs typeface="+mn-cs"/>
-              </a:rPr>
-              <a:t>head</a:t>
-            </a:r>
-            <a:r>
-              <a:rPr lang="fr-FR" sz="1200" b="0" kern="1200" dirty="0">
-                <a:solidFill>
-                  <a:schemeClr val="tx1"/>
-                </a:solidFill>
-                <a:effectLst/>
-                <a:latin typeface="+mn-lt"/>
-                <a:ea typeface="+mn-ea"/>
-                <a:cs typeface="+mn-cs"/>
-              </a:rPr>
-              <a:t>&gt;` : Cette balise contient les informations (</a:t>
-            </a:r>
-            <a:r>
-              <a:rPr lang="fr-FR" sz="1200" b="0" kern="1200" dirty="0" err="1">
-                <a:solidFill>
-                  <a:schemeClr val="tx1"/>
-                </a:solidFill>
-                <a:effectLst/>
-                <a:latin typeface="+mn-lt"/>
-                <a:ea typeface="+mn-ea"/>
-                <a:cs typeface="+mn-cs"/>
-              </a:rPr>
-              <a:t>méta-données</a:t>
-            </a:r>
-            <a:r>
-              <a:rPr lang="fr-FR" sz="1200" b="0" kern="1200" dirty="0">
-                <a:solidFill>
-                  <a:schemeClr val="tx1"/>
-                </a:solidFill>
-                <a:effectLst/>
-                <a:latin typeface="+mn-lt"/>
-                <a:ea typeface="+mn-ea"/>
-                <a:cs typeface="+mn-cs"/>
-              </a:rPr>
-              <a:t>) de la page HTML.</a:t>
-            </a:r>
-          </a:p>
-          <a:p>
-            <a:r>
-              <a:rPr lang="fr-FR" sz="1200" b="0" kern="1200" dirty="0">
-                <a:solidFill>
-                  <a:schemeClr val="tx1"/>
-                </a:solidFill>
-                <a:effectLst/>
-                <a:latin typeface="+mn-lt"/>
-                <a:ea typeface="+mn-ea"/>
-                <a:cs typeface="+mn-cs"/>
-              </a:rPr>
-              <a:t>* `&lt;</a:t>
-            </a:r>
-            <a:r>
-              <a:rPr lang="fr-FR" sz="1200" b="0" kern="1200" dirty="0" err="1">
-                <a:solidFill>
-                  <a:schemeClr val="tx1"/>
-                </a:solidFill>
-                <a:effectLst/>
-                <a:latin typeface="+mn-lt"/>
-                <a:ea typeface="+mn-ea"/>
-                <a:cs typeface="+mn-cs"/>
-              </a:rPr>
-              <a:t>title</a:t>
-            </a:r>
-            <a:r>
-              <a:rPr lang="fr-FR" sz="1200" b="0" kern="1200" dirty="0">
-                <a:solidFill>
-                  <a:schemeClr val="tx1"/>
-                </a:solidFill>
-                <a:effectLst/>
-                <a:latin typeface="+mn-lt"/>
-                <a:ea typeface="+mn-ea"/>
-                <a:cs typeface="+mn-cs"/>
-              </a:rPr>
-              <a:t>&gt;` : Cette balise permet de donner un titre à la page. Ce titre sera affiché par le navigateur dans l'onglet.</a:t>
-            </a:r>
-          </a:p>
-          <a:p>
-            <a:r>
-              <a:rPr lang="fr-FR" sz="1200" b="0" kern="1200" dirty="0">
-                <a:solidFill>
-                  <a:schemeClr val="tx1"/>
-                </a:solidFill>
-                <a:effectLst/>
-                <a:latin typeface="+mn-lt"/>
-                <a:ea typeface="+mn-ea"/>
-                <a:cs typeface="+mn-cs"/>
-              </a:rPr>
-              <a:t>* `&lt;body&gt;` : Cette balise représente le contenu de la page. Ce contenu sera affiché par le navigateur.</a:t>
-            </a:r>
-          </a:p>
-          <a:p>
-            <a:endParaRPr lang="fr-FR" dirty="0"/>
+              <a:rPr lang="fr-FR" dirty="0"/>
+              <a:t>JavaScript a été créé en 1995 par Brendan Eich pour le navigateur Netscape. Il a été standardisé sous le nom d'</a:t>
+            </a:r>
+            <a:r>
+              <a:rPr lang="fr-FR" dirty="0" err="1"/>
+              <a:t>ECMAScript</a:t>
+            </a:r>
+            <a:r>
+              <a:rPr lang="fr-FR" dirty="0"/>
+              <a:t> en juin 1997. </a:t>
+            </a:r>
+            <a:r>
+              <a:rPr lang="fr-FR" dirty="0" err="1"/>
+              <a:t>ActionScript</a:t>
+            </a:r>
+            <a:r>
+              <a:rPr lang="fr-FR" dirty="0"/>
+              <a:t> (Adobe) et </a:t>
+            </a:r>
+            <a:r>
+              <a:rPr lang="fr-FR" dirty="0" err="1"/>
+              <a:t>Jscript</a:t>
+            </a:r>
+            <a:r>
+              <a:rPr lang="fr-FR" dirty="0"/>
+              <a:t> (Microsoft) </a:t>
+            </a:r>
+            <a:r>
+              <a:rPr lang="fr-FR"/>
+              <a:t>sont d’autres </a:t>
+            </a:r>
+            <a:r>
+              <a:rPr lang="fr-FR" dirty="0"/>
+              <a:t>implémentations du standard.</a:t>
+            </a:r>
           </a:p>
         </p:txBody>
       </p:sp>
@@ -1088,307 +822,6 @@
         <p:txBody>
           <a:bodyPr/>
           <a:lstStyle/>
-          <a:p>
-            <a:r>
-              <a:rPr lang="fr-FR" sz="1200" b="0" kern="1200" dirty="0">
-                <a:solidFill>
-                  <a:schemeClr val="tx1"/>
-                </a:solidFill>
-                <a:effectLst/>
-                <a:latin typeface="+mn-lt"/>
-                <a:ea typeface="+mn-ea"/>
-                <a:cs typeface="+mn-cs"/>
-              </a:rPr>
-              <a:t>La première ligne est le prologue. Il précise que le reste du texte est du HTML.</a:t>
-            </a:r>
-          </a:p>
-          <a:p>
-            <a:r>
-              <a:rPr lang="fr-FR" sz="1200" b="0" kern="1200" dirty="0">
-                <a:solidFill>
-                  <a:schemeClr val="tx1"/>
-                </a:solidFill>
-                <a:effectLst/>
-                <a:latin typeface="+mn-lt"/>
-                <a:ea typeface="+mn-ea"/>
-                <a:cs typeface="+mn-cs"/>
-              </a:rPr>
-              <a:t/>
-            </a:r>
-            <a:br>
-              <a:rPr lang="fr-FR" sz="1200" b="0" kern="1200" dirty="0">
-                <a:solidFill>
-                  <a:schemeClr val="tx1"/>
-                </a:solidFill>
-                <a:effectLst/>
-                <a:latin typeface="+mn-lt"/>
-                <a:ea typeface="+mn-ea"/>
-                <a:cs typeface="+mn-cs"/>
-              </a:rPr>
-            </a:br>
-            <a:r>
-              <a:rPr lang="fr-FR" sz="1200" b="0" kern="1200" dirty="0">
-                <a:solidFill>
-                  <a:schemeClr val="tx1"/>
-                </a:solidFill>
-                <a:effectLst/>
-                <a:latin typeface="+mn-lt"/>
-                <a:ea typeface="+mn-ea"/>
-                <a:cs typeface="+mn-cs"/>
-              </a:rPr>
-              <a:t>Le texte contient ensuite des balises ouvrantes et fermantes (`&lt;html&gt;` et `&lt;/html&gt;`) ou encore (`&lt;/</a:t>
-            </a:r>
-            <a:r>
-              <a:rPr lang="fr-FR" sz="1200" b="0" kern="1200" dirty="0" err="1">
-                <a:solidFill>
-                  <a:schemeClr val="tx1"/>
-                </a:solidFill>
-                <a:effectLst/>
-                <a:latin typeface="+mn-lt"/>
-                <a:ea typeface="+mn-ea"/>
-                <a:cs typeface="+mn-cs"/>
-              </a:rPr>
-              <a:t>title</a:t>
-            </a:r>
-            <a:r>
-              <a:rPr lang="fr-FR" sz="1200" b="0" kern="1200" dirty="0">
-                <a:solidFill>
-                  <a:schemeClr val="tx1"/>
-                </a:solidFill>
-                <a:effectLst/>
-                <a:latin typeface="+mn-lt"/>
-                <a:ea typeface="+mn-ea"/>
-                <a:cs typeface="+mn-cs"/>
-              </a:rPr>
-              <a:t>&gt;` et `&lt;/</a:t>
-            </a:r>
-            <a:r>
-              <a:rPr lang="fr-FR" sz="1200" b="0" kern="1200" dirty="0" err="1">
-                <a:solidFill>
-                  <a:schemeClr val="tx1"/>
-                </a:solidFill>
-                <a:effectLst/>
-                <a:latin typeface="+mn-lt"/>
-                <a:ea typeface="+mn-ea"/>
-                <a:cs typeface="+mn-cs"/>
-              </a:rPr>
-              <a:t>title</a:t>
-            </a:r>
-            <a:r>
-              <a:rPr lang="fr-FR" sz="1200" b="0" kern="1200" dirty="0">
-                <a:solidFill>
-                  <a:schemeClr val="tx1"/>
-                </a:solidFill>
-                <a:effectLst/>
-                <a:latin typeface="+mn-lt"/>
-                <a:ea typeface="+mn-ea"/>
-                <a:cs typeface="+mn-cs"/>
-              </a:rPr>
-              <a:t>&gt;`.</a:t>
-            </a:r>
-          </a:p>
-          <a:p>
-            <a:r>
-              <a:rPr lang="fr-FR" sz="1200" b="0" kern="1200" dirty="0">
-                <a:solidFill>
-                  <a:schemeClr val="tx1"/>
-                </a:solidFill>
-                <a:effectLst/>
-                <a:latin typeface="+mn-lt"/>
-                <a:ea typeface="+mn-ea"/>
-                <a:cs typeface="+mn-cs"/>
-              </a:rPr>
-              <a:t/>
-            </a:r>
-            <a:br>
-              <a:rPr lang="fr-FR" sz="1200" b="0" kern="1200" dirty="0">
-                <a:solidFill>
-                  <a:schemeClr val="tx1"/>
-                </a:solidFill>
-                <a:effectLst/>
-                <a:latin typeface="+mn-lt"/>
-                <a:ea typeface="+mn-ea"/>
-                <a:cs typeface="+mn-cs"/>
-              </a:rPr>
-            </a:br>
-            <a:r>
-              <a:rPr lang="fr-FR" sz="1200" b="0" kern="1200" dirty="0">
-                <a:solidFill>
-                  <a:schemeClr val="tx1"/>
-                </a:solidFill>
-                <a:effectLst/>
-                <a:latin typeface="+mn-lt"/>
-                <a:ea typeface="+mn-ea"/>
-                <a:cs typeface="+mn-cs"/>
-              </a:rPr>
-              <a:t>L'imbrication des balises ouvrantes et fermantes constitue un arbre (qui est marqué ici par l'indentation du texte mais ce n'est pas obligatoire).</a:t>
-            </a:r>
-          </a:p>
-          <a:p>
-            <a:r>
-              <a:rPr lang="fr-FR" sz="1200" b="0" kern="1200" dirty="0">
-                <a:solidFill>
-                  <a:schemeClr val="tx1"/>
-                </a:solidFill>
-                <a:effectLst/>
-                <a:latin typeface="+mn-lt"/>
-                <a:ea typeface="+mn-ea"/>
-                <a:cs typeface="+mn-cs"/>
-              </a:rPr>
-              <a:t/>
-            </a:r>
-            <a:br>
-              <a:rPr lang="fr-FR" sz="1200" b="0" kern="1200" dirty="0">
-                <a:solidFill>
-                  <a:schemeClr val="tx1"/>
-                </a:solidFill>
-                <a:effectLst/>
-                <a:latin typeface="+mn-lt"/>
-                <a:ea typeface="+mn-ea"/>
-                <a:cs typeface="+mn-cs"/>
-              </a:rPr>
-            </a:br>
-            <a:r>
-              <a:rPr lang="fr-FR" sz="1200" b="0" kern="1200" dirty="0">
-                <a:solidFill>
-                  <a:schemeClr val="tx1"/>
-                </a:solidFill>
-                <a:effectLst/>
-                <a:latin typeface="+mn-lt"/>
-                <a:ea typeface="+mn-ea"/>
-                <a:cs typeface="+mn-cs"/>
-              </a:rPr>
-              <a:t>Chaque balise a une signification. Notre exemple contient les balises suivantes : </a:t>
-            </a:r>
-          </a:p>
-          <a:p>
-            <a:r>
-              <a:rPr lang="fr-FR" sz="1200" b="0" kern="1200" dirty="0">
-                <a:solidFill>
-                  <a:schemeClr val="tx1"/>
-                </a:solidFill>
-                <a:effectLst/>
-                <a:latin typeface="+mn-lt"/>
-                <a:ea typeface="+mn-ea"/>
-                <a:cs typeface="+mn-cs"/>
-              </a:rPr>
-              <a:t>* `&lt;html&gt;` : Représente la racine de l'arbre HTML.</a:t>
-            </a:r>
-          </a:p>
-          <a:p>
-            <a:r>
-              <a:rPr lang="fr-FR" sz="1200" b="0" kern="1200" dirty="0">
-                <a:solidFill>
-                  <a:schemeClr val="tx1"/>
-                </a:solidFill>
-                <a:effectLst/>
-                <a:latin typeface="+mn-lt"/>
-                <a:ea typeface="+mn-ea"/>
-                <a:cs typeface="+mn-cs"/>
-              </a:rPr>
-              <a:t>* `&lt;</a:t>
-            </a:r>
-            <a:r>
-              <a:rPr lang="fr-FR" sz="1200" b="0" kern="1200" dirty="0" err="1">
-                <a:solidFill>
-                  <a:schemeClr val="tx1"/>
-                </a:solidFill>
-                <a:effectLst/>
-                <a:latin typeface="+mn-lt"/>
-                <a:ea typeface="+mn-ea"/>
-                <a:cs typeface="+mn-cs"/>
-              </a:rPr>
-              <a:t>head</a:t>
-            </a:r>
-            <a:r>
-              <a:rPr lang="fr-FR" sz="1200" b="0" kern="1200" dirty="0">
-                <a:solidFill>
-                  <a:schemeClr val="tx1"/>
-                </a:solidFill>
-                <a:effectLst/>
-                <a:latin typeface="+mn-lt"/>
-                <a:ea typeface="+mn-ea"/>
-                <a:cs typeface="+mn-cs"/>
-              </a:rPr>
-              <a:t>&gt;` : Cette balise contient les informations (</a:t>
-            </a:r>
-            <a:r>
-              <a:rPr lang="fr-FR" sz="1200" b="0" kern="1200" dirty="0" err="1">
-                <a:solidFill>
-                  <a:schemeClr val="tx1"/>
-                </a:solidFill>
-                <a:effectLst/>
-                <a:latin typeface="+mn-lt"/>
-                <a:ea typeface="+mn-ea"/>
-                <a:cs typeface="+mn-cs"/>
-              </a:rPr>
-              <a:t>méta-données</a:t>
-            </a:r>
-            <a:r>
-              <a:rPr lang="fr-FR" sz="1200" b="0" kern="1200" dirty="0">
-                <a:solidFill>
-                  <a:schemeClr val="tx1"/>
-                </a:solidFill>
-                <a:effectLst/>
-                <a:latin typeface="+mn-lt"/>
-                <a:ea typeface="+mn-ea"/>
-                <a:cs typeface="+mn-cs"/>
-              </a:rPr>
-              <a:t>) de la page HTML.</a:t>
-            </a:r>
-          </a:p>
-          <a:p>
-            <a:r>
-              <a:rPr lang="fr-FR" sz="1200" b="0" kern="1200" dirty="0">
-                <a:solidFill>
-                  <a:schemeClr val="tx1"/>
-                </a:solidFill>
-                <a:effectLst/>
-                <a:latin typeface="+mn-lt"/>
-                <a:ea typeface="+mn-ea"/>
-                <a:cs typeface="+mn-cs"/>
-              </a:rPr>
-              <a:t>* `&lt;</a:t>
-            </a:r>
-            <a:r>
-              <a:rPr lang="fr-FR" sz="1200" b="0" kern="1200" dirty="0" err="1">
-                <a:solidFill>
-                  <a:schemeClr val="tx1"/>
-                </a:solidFill>
-                <a:effectLst/>
-                <a:latin typeface="+mn-lt"/>
-                <a:ea typeface="+mn-ea"/>
-                <a:cs typeface="+mn-cs"/>
-              </a:rPr>
-              <a:t>title</a:t>
-            </a:r>
-            <a:r>
-              <a:rPr lang="fr-FR" sz="1200" b="0" kern="1200" dirty="0">
-                <a:solidFill>
-                  <a:schemeClr val="tx1"/>
-                </a:solidFill>
-                <a:effectLst/>
-                <a:latin typeface="+mn-lt"/>
-                <a:ea typeface="+mn-ea"/>
-                <a:cs typeface="+mn-cs"/>
-              </a:rPr>
-              <a:t>&gt;` : Cette balise permet de donner un titre à la page. Ce titre sera affiché par le navigateur dans l'onglet.</a:t>
-            </a:r>
-          </a:p>
-          <a:p>
-            <a:r>
-              <a:rPr lang="fr-FR" sz="1200" b="0" kern="1200" dirty="0">
-                <a:solidFill>
-                  <a:schemeClr val="tx1"/>
-                </a:solidFill>
-                <a:effectLst/>
-                <a:latin typeface="+mn-lt"/>
-                <a:ea typeface="+mn-ea"/>
-                <a:cs typeface="+mn-cs"/>
-              </a:rPr>
-              <a:t>* `&lt;body&gt;` : Cette balise représente le contenu de la page. Ce contenu sera affiché par le navigateur.</a:t>
-            </a:r>
-          </a:p>
           <a:p>
             <a:endParaRPr lang="fr-FR" dirty="0"/>
           </a:p>
@@ -2467,7 +1900,7 @@
           <a:p>
             <a:fld id="{BB2FA04C-1355-4CE6-8050-4BD994E23BD5}" type="datetime4">
               <a:rPr lang="fr-FR" smtClean="0"/>
-              <a:t>9 juin 2019</a:t>
+              <a:t>12 juin 2019</a:t>
             </a:fld>
             <a:endParaRPr lang="fr-FR" dirty="0"/>
           </a:p>
@@ -2545,7 +1978,7 @@
             <a:fld id="{DCE37727-CC04-7A46-938D-2CCFF056F773}" type="slidenum">
               <a:rPr lang="fr-FR" smtClean="0"/>
               <a:pPr/>
-              <a:t>‹N°›</a:t>
+              <a:t>‹#›</a:t>
             </a:fld>
             <a:endParaRPr lang="fr-FR"/>
           </a:p>
@@ -2957,7 +2390,7 @@
           <a:p>
             <a:fld id="{A81C4219-47FF-4375-968D-EABA4A212953}" type="datetime4">
               <a:rPr lang="fr-FR" smtClean="0"/>
-              <a:t>9 juin 2019</a:t>
+              <a:t>12 juin 2019</a:t>
             </a:fld>
             <a:endParaRPr lang="fr-FR" dirty="0"/>
           </a:p>
@@ -3035,7 +2468,7 @@
             <a:fld id="{DCE37727-CC04-7A46-938D-2CCFF056F773}" type="slidenum">
               <a:rPr lang="fr-FR" smtClean="0"/>
               <a:pPr/>
-              <a:t>‹N°›</a:t>
+              <a:t>‹#›</a:t>
             </a:fld>
             <a:endParaRPr lang="fr-FR"/>
           </a:p>
@@ -4793,7 +4226,7 @@
           <a:p>
             <a:fld id="{81E3CCF4-D669-4BB6-B0BE-EE495E88AE6B}" type="datetime4">
               <a:rPr lang="fr-FR" smtClean="0"/>
-              <a:t>9 juin 2019</a:t>
+              <a:t>12 juin 2019</a:t>
             </a:fld>
             <a:endParaRPr lang="fr-FR" dirty="0"/>
           </a:p>
@@ -4871,7 +4304,7 @@
             <a:fld id="{DCE37727-CC04-7A46-938D-2CCFF056F773}" type="slidenum">
               <a:rPr lang="fr-FR" smtClean="0"/>
               <a:pPr/>
-              <a:t>‹N°›</a:t>
+              <a:t>‹#›</a:t>
             </a:fld>
             <a:endParaRPr lang="fr-FR"/>
           </a:p>
@@ -5729,7 +5162,7 @@
           <a:p>
             <a:fld id="{2E52B8B1-858B-4633-AE57-5B6CA9292F2B}" type="datetime4">
               <a:rPr lang="fr-FR" smtClean="0"/>
-              <a:t>9 juin 2019</a:t>
+              <a:t>12 juin 2019</a:t>
             </a:fld>
             <a:endParaRPr lang="fr-FR" dirty="0"/>
           </a:p>
@@ -5807,7 +5240,7 @@
             <a:fld id="{DCE37727-CC04-7A46-938D-2CCFF056F773}" type="slidenum">
               <a:rPr lang="fr-FR" smtClean="0"/>
               <a:pPr/>
-              <a:t>‹N°›</a:t>
+              <a:t>‹#›</a:t>
             </a:fld>
             <a:endParaRPr lang="fr-FR"/>
           </a:p>
@@ -6289,13 +5722,6 @@
   <p:transition spd="slow">
     <p:wipe/>
   </p:transition>
-  <p:timing>
-    <p:tnLst>
-      <p:par>
-        <p:cTn id="1" dur="indefinite" restart="never" nodeType="tmRoot"/>
-      </p:par>
-    </p:tnLst>
-  </p:timing>
 </p:sld>
 </file>
 
@@ -6544,24 +5970,12 @@
             <a:br>
               <a:rPr lang="fr-FR" dirty="0"/>
             </a:br>
-            <a:r>
-              <a:rPr lang="fr-FR" sz="2400" dirty="0"/>
-              <a:t/>
-            </a:r>
             <a:br>
               <a:rPr lang="fr-FR" sz="2400" dirty="0"/>
             </a:br>
-            <a:r>
-              <a:rPr lang="fr-FR" sz="2400" dirty="0"/>
-              <a:t/>
-            </a:r>
             <a:br>
               <a:rPr lang="fr-FR" sz="2400" dirty="0"/>
             </a:br>
-            <a:r>
-              <a:rPr lang="fr-FR" sz="2400" dirty="0"/>
-              <a:t/>
-            </a:r>
             <a:br>
               <a:rPr lang="fr-FR" sz="2400" dirty="0"/>
             </a:br>
@@ -6617,7 +6031,7 @@
           <a:p>
             <a:fld id="{BB2FA04C-1355-4CE6-8050-4BD994E23BD5}" type="datetime4">
               <a:rPr lang="fr-FR" smtClean="0"/>
-              <a:t>9 juin 2019</a:t>
+              <a:t>12 juin 2019</a:t>
             </a:fld>
             <a:endParaRPr lang="fr-FR" dirty="0"/>
           </a:p>
@@ -6674,7 +6088,7 @@
           <p:cNvPr id="19" name="Rectangle 18">
             <a:extLst>
               <a:ext uri="{FF2B5EF4-FFF2-40B4-BE49-F238E27FC236}">
-                <a16:creationId xmlns:a16="http://schemas.microsoft.com/office/drawing/2014/main" xmlns="" id="{99D6AB73-3556-6845-9EF8-9024C2407A0D}"/>
+                <a16:creationId xmlns:a16="http://schemas.microsoft.com/office/drawing/2014/main" id="{99D6AB73-3556-6845-9EF8-9024C2407A0D}"/>
               </a:ext>
             </a:extLst>
           </p:cNvPr>
@@ -6767,7 +6181,7 @@
           <p:cNvPr id="12" name="Rectangle 11">
             <a:extLst>
               <a:ext uri="{FF2B5EF4-FFF2-40B4-BE49-F238E27FC236}">
-                <a16:creationId xmlns:a16="http://schemas.microsoft.com/office/drawing/2014/main" xmlns="" id="{ECED5231-2525-CD45-A28E-5EE4CDC138F5}"/>
+                <a16:creationId xmlns:a16="http://schemas.microsoft.com/office/drawing/2014/main" id="{ECED5231-2525-CD45-A28E-5EE4CDC138F5}"/>
               </a:ext>
             </a:extLst>
           </p:cNvPr>
@@ -7156,13 +6570,6 @@
   <p:clrMapOvr>
     <a:masterClrMapping/>
   </p:clrMapOvr>
-  <p:timing>
-    <p:tnLst>
-      <p:par>
-        <p:cTn id="1" dur="indefinite" restart="never" nodeType="tmRoot"/>
-      </p:par>
-    </p:tnLst>
-  </p:timing>
 </p:sld>
 </file>
 
@@ -7416,7 +6823,7 @@
           <a:p>
             <a:fld id="{BB2FA04C-1355-4CE6-8050-4BD994E23BD5}" type="datetime4">
               <a:rPr lang="fr-FR" smtClean="0"/>
-              <a:t>9 juin 2019</a:t>
+              <a:t>12 juin 2019</a:t>
             </a:fld>
             <a:endParaRPr lang="fr-FR" dirty="0"/>
           </a:p>
@@ -7473,7 +6880,7 @@
           <p:cNvPr id="8" name="Rectangle 7">
             <a:extLst>
               <a:ext uri="{FF2B5EF4-FFF2-40B4-BE49-F238E27FC236}">
-                <a16:creationId xmlns:a16="http://schemas.microsoft.com/office/drawing/2014/main" xmlns="" id="{99D6AB73-3556-6845-9EF8-9024C2407A0D}"/>
+                <a16:creationId xmlns:a16="http://schemas.microsoft.com/office/drawing/2014/main" id="{99D6AB73-3556-6845-9EF8-9024C2407A0D}"/>
               </a:ext>
             </a:extLst>
           </p:cNvPr>
@@ -7806,13 +7213,6 @@
   <p:clrMapOvr>
     <a:masterClrMapping/>
   </p:clrMapOvr>
-  <p:timing>
-    <p:tnLst>
-      <p:par>
-        <p:cTn id="1" dur="indefinite" restart="never" nodeType="tmRoot"/>
-      </p:par>
-    </p:tnLst>
-  </p:timing>
 </p:sld>
 </file>
 
@@ -7852,13 +7252,8 @@
           <a:p>
             <a:r>
               <a:rPr lang="fr-FR" b="1" dirty="0"/>
-              <a:t>DOM Event (</a:t>
-            </a:r>
-            <a:r>
-              <a:rPr lang="fr-FR" b="1" dirty="0" smtClean="0"/>
-              <a:t>1/2)</a:t>
-            </a:r>
-            <a:endParaRPr lang="fr-FR" b="1" dirty="0"/>
+              <a:t>DOM Event (1/2)</a:t>
+            </a:r>
           </a:p>
         </p:txBody>
       </p:sp>
@@ -7905,7 +7300,7 @@
           <a:p>
             <a:fld id="{BB2FA04C-1355-4CE6-8050-4BD994E23BD5}" type="datetime4">
               <a:rPr lang="fr-FR" smtClean="0"/>
-              <a:t>9 juin 2019</a:t>
+              <a:t>12 juin 2019</a:t>
             </a:fld>
             <a:endParaRPr lang="fr-FR" dirty="0"/>
           </a:p>
@@ -8320,13 +7715,6 @@
   <p:clrMapOvr>
     <a:masterClrMapping/>
   </p:clrMapOvr>
-  <p:timing>
-    <p:tnLst>
-      <p:par>
-        <p:cTn id="1" dur="indefinite" restart="never" nodeType="tmRoot"/>
-      </p:par>
-    </p:tnLst>
-  </p:timing>
 </p:sld>
 </file>
 
@@ -8366,13 +7754,8 @@
           <a:p>
             <a:r>
               <a:rPr lang="fr-FR" b="1" dirty="0"/>
-              <a:t>DOM Event (</a:t>
-            </a:r>
-            <a:r>
-              <a:rPr lang="fr-FR" b="1" dirty="0" smtClean="0"/>
-              <a:t>2/2)</a:t>
-            </a:r>
-            <a:endParaRPr lang="fr-FR" b="1" dirty="0"/>
+              <a:t>DOM Event (2/2)</a:t>
+            </a:r>
           </a:p>
         </p:txBody>
       </p:sp>
@@ -8419,7 +7802,7 @@
           <a:p>
             <a:fld id="{BB2FA04C-1355-4CE6-8050-4BD994E23BD5}" type="datetime4">
               <a:rPr lang="fr-FR" smtClean="0"/>
-              <a:t>9 juin 2019</a:t>
+              <a:t>12 juin 2019</a:t>
             </a:fld>
             <a:endParaRPr lang="fr-FR" dirty="0"/>
           </a:p>
@@ -8750,7 +8133,7 @@
           <p:cNvPr id="10" name="Rectangle 9">
             <a:extLst>
               <a:ext uri="{FF2B5EF4-FFF2-40B4-BE49-F238E27FC236}">
-                <a16:creationId xmlns:a16="http://schemas.microsoft.com/office/drawing/2014/main" xmlns="" id="{99D6AB73-3556-6845-9EF8-9024C2407A0D}"/>
+                <a16:creationId xmlns:a16="http://schemas.microsoft.com/office/drawing/2014/main" id="{99D6AB73-3556-6845-9EF8-9024C2407A0D}"/>
               </a:ext>
             </a:extLst>
           </p:cNvPr>
@@ -9373,13 +8756,6 @@
   <p:clrMapOvr>
     <a:masterClrMapping/>
   </p:clrMapOvr>
-  <p:timing>
-    <p:tnLst>
-      <p:par>
-        <p:cTn id="1" dur="indefinite" restart="never" nodeType="tmRoot"/>
-      </p:par>
-    </p:tnLst>
-  </p:timing>
 </p:sld>
 </file>
 
@@ -9439,7 +8815,7 @@
           <a:p>
             <a:fld id="{BB2FA04C-1355-4CE6-8050-4BD994E23BD5}" type="datetime4">
               <a:rPr lang="fr-FR" smtClean="0"/>
-              <a:t>9 juin 2019</a:t>
+              <a:t>12 juin 2019</a:t>
             </a:fld>
             <a:endParaRPr lang="fr-FR" dirty="0"/>
           </a:p>
@@ -9536,10 +8912,6 @@
               <a:rPr lang="fr-FR" sz="2400" b="1" dirty="0"/>
               <a:t> asynchrone</a:t>
             </a:r>
-            <a:r>
-              <a:rPr lang="fr-FR" sz="2400" dirty="0"/>
-              <a:t/>
-            </a:r>
             <a:br>
               <a:rPr lang="fr-FR" sz="2400" dirty="0"/>
             </a:br>
@@ -9620,13 +8992,6 @@
   <p:clrMapOvr>
     <a:masterClrMapping/>
   </p:clrMapOvr>
-  <p:timing>
-    <p:tnLst>
-      <p:par>
-        <p:cTn id="1" dur="indefinite" restart="never" nodeType="tmRoot"/>
-      </p:par>
-    </p:tnLst>
-  </p:timing>
 </p:sld>
 </file>
 
@@ -9697,7 +9062,7 @@
           <a:p>
             <a:fld id="{BB2FA04C-1355-4CE6-8050-4BD994E23BD5}" type="datetime4">
               <a:rPr lang="fr-FR" smtClean="0"/>
-              <a:t>9 juin 2019</a:t>
+              <a:t>12 juin 2019</a:t>
             </a:fld>
             <a:endParaRPr lang="fr-FR" dirty="0"/>
           </a:p>
@@ -10432,7 +9797,7 @@
           <p:cNvPr id="9" name="Rectangle 8">
             <a:extLst>
               <a:ext uri="{FF2B5EF4-FFF2-40B4-BE49-F238E27FC236}">
-                <a16:creationId xmlns:a16="http://schemas.microsoft.com/office/drawing/2014/main" xmlns="" id="{B154AA04-DABC-F44F-AFCE-D2E2CCE699F0}"/>
+                <a16:creationId xmlns:a16="http://schemas.microsoft.com/office/drawing/2014/main" id="{B154AA04-DABC-F44F-AFCE-D2E2CCE699F0}"/>
               </a:ext>
             </a:extLst>
           </p:cNvPr>
@@ -10638,13 +10003,6 @@
   <p:clrMapOvr>
     <a:masterClrMapping/>
   </p:clrMapOvr>
-  <p:timing>
-    <p:tnLst>
-      <p:par>
-        <p:cTn id="1" dur="indefinite" restart="never" nodeType="tmRoot"/>
-      </p:par>
-    </p:tnLst>
-  </p:timing>
 </p:sld>
 </file>
 
@@ -10713,7 +10071,7 @@
           <a:p>
             <a:fld id="{BB2FA04C-1355-4CE6-8050-4BD994E23BD5}" type="datetime4">
               <a:rPr lang="fr-FR" smtClean="0"/>
-              <a:t>9 juin 2019</a:t>
+              <a:t>12 juin 2019</a:t>
             </a:fld>
             <a:endParaRPr lang="fr-FR" dirty="0"/>
           </a:p>
@@ -11235,7 +10593,7 @@
           <p:cNvPr id="10" name="Rectangle 9">
             <a:extLst>
               <a:ext uri="{FF2B5EF4-FFF2-40B4-BE49-F238E27FC236}">
-                <a16:creationId xmlns:a16="http://schemas.microsoft.com/office/drawing/2014/main" xmlns="" id="{99D6AB73-3556-6845-9EF8-9024C2407A0D}"/>
+                <a16:creationId xmlns:a16="http://schemas.microsoft.com/office/drawing/2014/main" id="{99D6AB73-3556-6845-9EF8-9024C2407A0D}"/>
               </a:ext>
             </a:extLst>
           </p:cNvPr>
@@ -11382,13 +10740,6 @@
                 <a:ea typeface="Source Code Pro" panose="020B0509030403020204" pitchFamily="49" charset="0"/>
               </a:rPr>
             </a:br>
-            <a:r>
-              <a:rPr lang="fr-FR" sz="1600" dirty="0">
-                <a:latin typeface="Source Code Pro" panose="020B0509030403020204" pitchFamily="49" charset="0"/>
-                <a:ea typeface="Source Code Pro" panose="020B0509030403020204" pitchFamily="49" charset="0"/>
-              </a:rPr>
-              <a:t/>
-            </a:r>
             <a:br>
               <a:rPr lang="fr-FR" sz="1600" dirty="0">
                 <a:latin typeface="Source Code Pro" panose="020B0509030403020204" pitchFamily="49" charset="0"/>
@@ -11556,13 +10907,6 @@
                 <a:ea typeface="Source Code Pro" panose="020B0509030403020204" pitchFamily="49" charset="0"/>
               </a:rPr>
             </a:br>
-            <a:r>
-              <a:rPr lang="fr-FR" sz="1600" dirty="0">
-                <a:latin typeface="Source Code Pro" panose="020B0509030403020204" pitchFamily="49" charset="0"/>
-                <a:ea typeface="Source Code Pro" panose="020B0509030403020204" pitchFamily="49" charset="0"/>
-              </a:rPr>
-              <a:t/>
-            </a:r>
             <a:br>
               <a:rPr lang="fr-FR" sz="1600" dirty="0">
                 <a:latin typeface="Source Code Pro" panose="020B0509030403020204" pitchFamily="49" charset="0"/>
@@ -11854,7 +11198,7 @@
           <p:cNvPr id="11" name="Rectangle 10">
             <a:extLst>
               <a:ext uri="{FF2B5EF4-FFF2-40B4-BE49-F238E27FC236}">
-                <a16:creationId xmlns:a16="http://schemas.microsoft.com/office/drawing/2014/main" xmlns="" id="{8DA60F79-BEA6-4A4D-97CF-13A847623086}"/>
+                <a16:creationId xmlns:a16="http://schemas.microsoft.com/office/drawing/2014/main" id="{8DA60F79-BEA6-4A4D-97CF-13A847623086}"/>
               </a:ext>
             </a:extLst>
           </p:cNvPr>
@@ -12098,13 +11442,6 @@
                 <a:ea typeface="Source Code Pro" panose="020B0509030403020204" pitchFamily="49" charset="0"/>
               </a:rPr>
             </a:br>
-            <a:r>
-              <a:rPr lang="fr-FR" sz="1600" dirty="0">
-                <a:latin typeface="Source Code Pro" panose="020B0509030403020204" pitchFamily="49" charset="0"/>
-                <a:ea typeface="Source Code Pro" panose="020B0509030403020204" pitchFamily="49" charset="0"/>
-              </a:rPr>
-              <a:t/>
-            </a:r>
             <a:br>
               <a:rPr lang="fr-FR" sz="1600" dirty="0">
                 <a:latin typeface="Source Code Pro" panose="020B0509030403020204" pitchFamily="49" charset="0"/>
@@ -12365,7 +11702,7 @@
           <p:cNvPr id="9" name="TextBox 8">
             <a:extLst>
               <a:ext uri="{FF2B5EF4-FFF2-40B4-BE49-F238E27FC236}">
-                <a16:creationId xmlns:a16="http://schemas.microsoft.com/office/drawing/2014/main" xmlns="" id="{0310CF36-F93A-404C-A8B2-4AF7950F69AC}"/>
+                <a16:creationId xmlns:a16="http://schemas.microsoft.com/office/drawing/2014/main" id="{0310CF36-F93A-404C-A8B2-4AF7950F69AC}"/>
               </a:ext>
             </a:extLst>
           </p:cNvPr>
@@ -12404,7 +11741,7 @@
           <p:cNvPr id="13" name="TextBox 12">
             <a:extLst>
               <a:ext uri="{FF2B5EF4-FFF2-40B4-BE49-F238E27FC236}">
-                <a16:creationId xmlns:a16="http://schemas.microsoft.com/office/drawing/2014/main" xmlns="" id="{19EB4010-9653-D64C-ADC9-7FF6C55A289D}"/>
+                <a16:creationId xmlns:a16="http://schemas.microsoft.com/office/drawing/2014/main" id="{19EB4010-9653-D64C-ADC9-7FF6C55A289D}"/>
               </a:ext>
             </a:extLst>
           </p:cNvPr>
@@ -12448,13 +11785,6 @@
   <p:clrMapOvr>
     <a:masterClrMapping/>
   </p:clrMapOvr>
-  <p:timing>
-    <p:tnLst>
-      <p:par>
-        <p:cTn id="1" dur="indefinite" restart="never" nodeType="tmRoot"/>
-      </p:par>
-    </p:tnLst>
-  </p:timing>
 </p:sld>
 </file>
 
@@ -12532,13 +11862,6 @@
   <p:transition spd="slow">
     <p:wipe/>
   </p:transition>
-  <p:timing>
-    <p:tnLst>
-      <p:par>
-        <p:cTn id="1" dur="indefinite" restart="never" nodeType="tmRoot"/>
-      </p:par>
-    </p:tnLst>
-  </p:timing>
 </p:sld>
 </file>
 
@@ -12598,7 +11921,7 @@
           <a:p>
             <a:fld id="{1AC11C67-BE04-4C5F-B0EE-E01220C9093A}" type="datetime4">
               <a:rPr lang="fr-FR" smtClean="0"/>
-              <a:t>9 juin 2019</a:t>
+              <a:t>12 juin 2019</a:t>
             </a:fld>
             <a:endParaRPr lang="fr-FR" dirty="0"/>
           </a:p>
@@ -12880,7 +12203,15 @@
             </a:r>
             <a:r>
               <a:rPr lang="fr-FR" sz="2000" dirty="0"/>
-              <a:t> (2018)</a:t>
+              <a:t> (</a:t>
+            </a:r>
+            <a:r>
+              <a:rPr lang="fr-FR" sz="2000" dirty="0" err="1"/>
+              <a:t>ed</a:t>
+            </a:r>
+            <a:r>
+              <a:rPr lang="fr-FR" sz="2000" dirty="0"/>
+              <a:t>. 9, 2018)</a:t>
             </a:r>
           </a:p>
           <a:p>
@@ -12993,13 +12324,6 @@
   <p:transition spd="slow">
     <p:wipe/>
   </p:transition>
-  <p:timing>
-    <p:tnLst>
-      <p:par>
-        <p:cTn id="1" dur="indefinite" restart="never" nodeType="tmRoot"/>
-      </p:par>
-    </p:tnLst>
-  </p:timing>
 </p:sld>
 </file>
 
@@ -13025,7 +12349,7 @@
           <p:cNvPr id="2" name="Title 1">
             <a:extLst>
               <a:ext uri="{FF2B5EF4-FFF2-40B4-BE49-F238E27FC236}">
-                <a16:creationId xmlns:a16="http://schemas.microsoft.com/office/drawing/2014/main" xmlns="" id="{197F391B-D1BC-1E4C-B310-969ADCAC9C86}"/>
+                <a16:creationId xmlns:a16="http://schemas.microsoft.com/office/drawing/2014/main" id="{197F391B-D1BC-1E4C-B310-969ADCAC9C86}"/>
               </a:ext>
             </a:extLst>
           </p:cNvPr>
@@ -13043,13 +12367,8 @@
           <a:p>
             <a:r>
               <a:rPr lang="fr-FR" b="1" dirty="0"/>
-              <a:t>Bases du langage (</a:t>
-            </a:r>
-            <a:r>
-              <a:rPr lang="fr-FR" b="1" dirty="0" smtClean="0"/>
-              <a:t>1/4)</a:t>
-            </a:r>
-            <a:endParaRPr lang="fr-FR" b="1" dirty="0"/>
+              <a:t>Bases du langage (1/4)</a:t>
+            </a:r>
           </a:p>
         </p:txBody>
       </p:sp>
@@ -13058,7 +12377,7 @@
           <p:cNvPr id="3" name="Content Placeholder 2">
             <a:extLst>
               <a:ext uri="{FF2B5EF4-FFF2-40B4-BE49-F238E27FC236}">
-                <a16:creationId xmlns:a16="http://schemas.microsoft.com/office/drawing/2014/main" xmlns="" id="{793FEC66-363B-3545-8E61-92AAFF0AFF62}"/>
+                <a16:creationId xmlns:a16="http://schemas.microsoft.com/office/drawing/2014/main" id="{793FEC66-363B-3545-8E61-92AAFF0AFF62}"/>
               </a:ext>
             </a:extLst>
           </p:cNvPr>
@@ -13109,7 +12428,7 @@
           <p:cNvPr id="4" name="Date Placeholder 3">
             <a:extLst>
               <a:ext uri="{FF2B5EF4-FFF2-40B4-BE49-F238E27FC236}">
-                <a16:creationId xmlns:a16="http://schemas.microsoft.com/office/drawing/2014/main" xmlns="" id="{8C2262F1-3C28-E94C-B574-356F02FF4906}"/>
+                <a16:creationId xmlns:a16="http://schemas.microsoft.com/office/drawing/2014/main" id="{8C2262F1-3C28-E94C-B574-356F02FF4906}"/>
               </a:ext>
             </a:extLst>
           </p:cNvPr>
@@ -13127,7 +12446,7 @@
           <a:p>
             <a:fld id="{BB2FA04C-1355-4CE6-8050-4BD994E23BD5}" type="datetime4">
               <a:rPr lang="fr-FR" smtClean="0"/>
-              <a:t>9 juin 2019</a:t>
+              <a:t>12 juin 2019</a:t>
             </a:fld>
             <a:endParaRPr lang="fr-FR" dirty="0"/>
           </a:p>
@@ -13138,7 +12457,7 @@
           <p:cNvPr id="5" name="Footer Placeholder 4">
             <a:extLst>
               <a:ext uri="{FF2B5EF4-FFF2-40B4-BE49-F238E27FC236}">
-                <a16:creationId xmlns:a16="http://schemas.microsoft.com/office/drawing/2014/main" xmlns="" id="{770F343B-DF3F-094C-B705-4F41FD53029B}"/>
+                <a16:creationId xmlns:a16="http://schemas.microsoft.com/office/drawing/2014/main" id="{770F343B-DF3F-094C-B705-4F41FD53029B}"/>
               </a:ext>
             </a:extLst>
           </p:cNvPr>
@@ -13166,7 +12485,7 @@
           <p:cNvPr id="6" name="Slide Number Placeholder 5">
             <a:extLst>
               <a:ext uri="{FF2B5EF4-FFF2-40B4-BE49-F238E27FC236}">
-                <a16:creationId xmlns:a16="http://schemas.microsoft.com/office/drawing/2014/main" xmlns="" id="{127D60BA-7D2C-1548-8CB9-81CA238BB53C}"/>
+                <a16:creationId xmlns:a16="http://schemas.microsoft.com/office/drawing/2014/main" id="{127D60BA-7D2C-1548-8CB9-81CA238BB53C}"/>
               </a:ext>
             </a:extLst>
           </p:cNvPr>
@@ -13196,7 +12515,7 @@
           <p:cNvPr id="8" name="Rectangle 7">
             <a:extLst>
               <a:ext uri="{FF2B5EF4-FFF2-40B4-BE49-F238E27FC236}">
-                <a16:creationId xmlns:a16="http://schemas.microsoft.com/office/drawing/2014/main" xmlns="" id="{D45207C1-55BB-DB4B-990B-7E41DAF9E310}"/>
+                <a16:creationId xmlns:a16="http://schemas.microsoft.com/office/drawing/2014/main" id="{D45207C1-55BB-DB4B-990B-7E41DAF9E310}"/>
               </a:ext>
             </a:extLst>
           </p:cNvPr>
@@ -13487,13 +12806,6 @@
   <p:clrMapOvr>
     <a:masterClrMapping/>
   </p:clrMapOvr>
-  <p:timing>
-    <p:tnLst>
-      <p:par>
-        <p:cTn id="1" dur="indefinite" restart="never" nodeType="tmRoot"/>
-      </p:par>
-    </p:tnLst>
-  </p:timing>
 </p:sld>
 </file>
 
@@ -13519,7 +12831,7 @@
           <p:cNvPr id="2" name="Title 1">
             <a:extLst>
               <a:ext uri="{FF2B5EF4-FFF2-40B4-BE49-F238E27FC236}">
-                <a16:creationId xmlns:a16="http://schemas.microsoft.com/office/drawing/2014/main" xmlns="" id="{197F391B-D1BC-1E4C-B310-969ADCAC9C86}"/>
+                <a16:creationId xmlns:a16="http://schemas.microsoft.com/office/drawing/2014/main" id="{197F391B-D1BC-1E4C-B310-969ADCAC9C86}"/>
               </a:ext>
             </a:extLst>
           </p:cNvPr>
@@ -13537,13 +12849,8 @@
           <a:p>
             <a:r>
               <a:rPr lang="fr-FR" b="1" dirty="0"/>
-              <a:t>Bases du langage (</a:t>
-            </a:r>
-            <a:r>
-              <a:rPr lang="fr-FR" b="1" dirty="0" smtClean="0"/>
-              <a:t>2/4)</a:t>
-            </a:r>
-            <a:endParaRPr lang="fr-FR" b="1" dirty="0"/>
+              <a:t>Bases du langage (2/4)</a:t>
+            </a:r>
           </a:p>
         </p:txBody>
       </p:sp>
@@ -13552,7 +12859,7 @@
           <p:cNvPr id="3" name="Content Placeholder 2">
             <a:extLst>
               <a:ext uri="{FF2B5EF4-FFF2-40B4-BE49-F238E27FC236}">
-                <a16:creationId xmlns:a16="http://schemas.microsoft.com/office/drawing/2014/main" xmlns="" id="{793FEC66-363B-3545-8E61-92AAFF0AFF62}"/>
+                <a16:creationId xmlns:a16="http://schemas.microsoft.com/office/drawing/2014/main" id="{793FEC66-363B-3545-8E61-92AAFF0AFF62}"/>
               </a:ext>
             </a:extLst>
           </p:cNvPr>
@@ -13588,7 +12895,14 @@
             <a:pPr lvl="1"/>
             <a:r>
               <a:rPr lang="fr-FR" sz="2000" dirty="0"/>
-              <a:t>elles peuvent prendre d’autres fonctions en paramètre, retourner une fonction, etc.</a:t>
+              <a:t>elles peuvent prendre d’autres fonctions en paramètre, </a:t>
+            </a:r>
+            <a:br>
+              <a:rPr lang="fr-FR" sz="2000" dirty="0"/>
+            </a:br>
+            <a:r>
+              <a:rPr lang="fr-FR" sz="2000" dirty="0"/>
+              <a:t>retourner une fonction, etc.</a:t>
             </a:r>
           </a:p>
           <a:p>
@@ -13612,7 +12926,7 @@
           <p:cNvPr id="4" name="Date Placeholder 3">
             <a:extLst>
               <a:ext uri="{FF2B5EF4-FFF2-40B4-BE49-F238E27FC236}">
-                <a16:creationId xmlns:a16="http://schemas.microsoft.com/office/drawing/2014/main" xmlns="" id="{8C2262F1-3C28-E94C-B574-356F02FF4906}"/>
+                <a16:creationId xmlns:a16="http://schemas.microsoft.com/office/drawing/2014/main" id="{8C2262F1-3C28-E94C-B574-356F02FF4906}"/>
               </a:ext>
             </a:extLst>
           </p:cNvPr>
@@ -13630,7 +12944,7 @@
           <a:p>
             <a:fld id="{BB2FA04C-1355-4CE6-8050-4BD994E23BD5}" type="datetime4">
               <a:rPr lang="fr-FR" smtClean="0"/>
-              <a:t>9 juin 2019</a:t>
+              <a:t>12 juin 2019</a:t>
             </a:fld>
             <a:endParaRPr lang="fr-FR" dirty="0"/>
           </a:p>
@@ -13641,7 +12955,7 @@
           <p:cNvPr id="5" name="Footer Placeholder 4">
             <a:extLst>
               <a:ext uri="{FF2B5EF4-FFF2-40B4-BE49-F238E27FC236}">
-                <a16:creationId xmlns:a16="http://schemas.microsoft.com/office/drawing/2014/main" xmlns="" id="{770F343B-DF3F-094C-B705-4F41FD53029B}"/>
+                <a16:creationId xmlns:a16="http://schemas.microsoft.com/office/drawing/2014/main" id="{770F343B-DF3F-094C-B705-4F41FD53029B}"/>
               </a:ext>
             </a:extLst>
           </p:cNvPr>
@@ -13669,7 +12983,7 @@
           <p:cNvPr id="6" name="Slide Number Placeholder 5">
             <a:extLst>
               <a:ext uri="{FF2B5EF4-FFF2-40B4-BE49-F238E27FC236}">
-                <a16:creationId xmlns:a16="http://schemas.microsoft.com/office/drawing/2014/main" xmlns="" id="{127D60BA-7D2C-1548-8CB9-81CA238BB53C}"/>
+                <a16:creationId xmlns:a16="http://schemas.microsoft.com/office/drawing/2014/main" id="{127D60BA-7D2C-1548-8CB9-81CA238BB53C}"/>
               </a:ext>
             </a:extLst>
           </p:cNvPr>
@@ -13699,7 +13013,7 @@
           <p:cNvPr id="8" name="Rectangle 7">
             <a:extLst>
               <a:ext uri="{FF2B5EF4-FFF2-40B4-BE49-F238E27FC236}">
-                <a16:creationId xmlns:a16="http://schemas.microsoft.com/office/drawing/2014/main" xmlns="" id="{D45207C1-55BB-DB4B-990B-7E41DAF9E310}"/>
+                <a16:creationId xmlns:a16="http://schemas.microsoft.com/office/drawing/2014/main" id="{D45207C1-55BB-DB4B-990B-7E41DAF9E310}"/>
               </a:ext>
             </a:extLst>
           </p:cNvPr>
@@ -13854,13 +13168,6 @@
   <p:clrMapOvr>
     <a:masterClrMapping/>
   </p:clrMapOvr>
-  <p:timing>
-    <p:tnLst>
-      <p:par>
-        <p:cTn id="1" dur="indefinite" restart="never" nodeType="tmRoot"/>
-      </p:par>
-    </p:tnLst>
-  </p:timing>
 </p:sld>
 </file>
 
@@ -13886,7 +13193,7 @@
           <p:cNvPr id="2" name="Title 1">
             <a:extLst>
               <a:ext uri="{FF2B5EF4-FFF2-40B4-BE49-F238E27FC236}">
-                <a16:creationId xmlns:a16="http://schemas.microsoft.com/office/drawing/2014/main" xmlns="" id="{197F391B-D1BC-1E4C-B310-969ADCAC9C86}"/>
+                <a16:creationId xmlns:a16="http://schemas.microsoft.com/office/drawing/2014/main" id="{197F391B-D1BC-1E4C-B310-969ADCAC9C86}"/>
               </a:ext>
             </a:extLst>
           </p:cNvPr>
@@ -13904,13 +13211,8 @@
           <a:p>
             <a:r>
               <a:rPr lang="fr-FR" b="1" dirty="0"/>
-              <a:t>Bases du langage (</a:t>
-            </a:r>
-            <a:r>
-              <a:rPr lang="fr-FR" b="1" dirty="0" smtClean="0"/>
-              <a:t>3/4)</a:t>
-            </a:r>
-            <a:endParaRPr lang="fr-FR" b="1" dirty="0"/>
+              <a:t>Bases du langage (3/4)</a:t>
+            </a:r>
           </a:p>
         </p:txBody>
       </p:sp>
@@ -13919,7 +13221,7 @@
           <p:cNvPr id="3" name="Content Placeholder 2">
             <a:extLst>
               <a:ext uri="{FF2B5EF4-FFF2-40B4-BE49-F238E27FC236}">
-                <a16:creationId xmlns:a16="http://schemas.microsoft.com/office/drawing/2014/main" xmlns="" id="{793FEC66-363B-3545-8E61-92AAFF0AFF62}"/>
+                <a16:creationId xmlns:a16="http://schemas.microsoft.com/office/drawing/2014/main" id="{793FEC66-363B-3545-8E61-92AAFF0AFF62}"/>
               </a:ext>
             </a:extLst>
           </p:cNvPr>
@@ -14029,7 +13331,7 @@
           <p:cNvPr id="4" name="Date Placeholder 3">
             <a:extLst>
               <a:ext uri="{FF2B5EF4-FFF2-40B4-BE49-F238E27FC236}">
-                <a16:creationId xmlns:a16="http://schemas.microsoft.com/office/drawing/2014/main" xmlns="" id="{8C2262F1-3C28-E94C-B574-356F02FF4906}"/>
+                <a16:creationId xmlns:a16="http://schemas.microsoft.com/office/drawing/2014/main" id="{8C2262F1-3C28-E94C-B574-356F02FF4906}"/>
               </a:ext>
             </a:extLst>
           </p:cNvPr>
@@ -14047,7 +13349,7 @@
           <a:p>
             <a:fld id="{BB2FA04C-1355-4CE6-8050-4BD994E23BD5}" type="datetime4">
               <a:rPr lang="fr-FR" smtClean="0"/>
-              <a:t>9 juin 2019</a:t>
+              <a:t>12 juin 2019</a:t>
             </a:fld>
             <a:endParaRPr lang="fr-FR" dirty="0"/>
           </a:p>
@@ -14058,7 +13360,7 @@
           <p:cNvPr id="5" name="Footer Placeholder 4">
             <a:extLst>
               <a:ext uri="{FF2B5EF4-FFF2-40B4-BE49-F238E27FC236}">
-                <a16:creationId xmlns:a16="http://schemas.microsoft.com/office/drawing/2014/main" xmlns="" id="{770F343B-DF3F-094C-B705-4F41FD53029B}"/>
+                <a16:creationId xmlns:a16="http://schemas.microsoft.com/office/drawing/2014/main" id="{770F343B-DF3F-094C-B705-4F41FD53029B}"/>
               </a:ext>
             </a:extLst>
           </p:cNvPr>
@@ -14086,7 +13388,7 @@
           <p:cNvPr id="6" name="Slide Number Placeholder 5">
             <a:extLst>
               <a:ext uri="{FF2B5EF4-FFF2-40B4-BE49-F238E27FC236}">
-                <a16:creationId xmlns:a16="http://schemas.microsoft.com/office/drawing/2014/main" xmlns="" id="{127D60BA-7D2C-1548-8CB9-81CA238BB53C}"/>
+                <a16:creationId xmlns:a16="http://schemas.microsoft.com/office/drawing/2014/main" id="{127D60BA-7D2C-1548-8CB9-81CA238BB53C}"/>
               </a:ext>
             </a:extLst>
           </p:cNvPr>
@@ -14116,7 +13418,7 @@
           <p:cNvPr id="8" name="Rectangle 7">
             <a:extLst>
               <a:ext uri="{FF2B5EF4-FFF2-40B4-BE49-F238E27FC236}">
-                <a16:creationId xmlns:a16="http://schemas.microsoft.com/office/drawing/2014/main" xmlns="" id="{D45207C1-55BB-DB4B-990B-7E41DAF9E310}"/>
+                <a16:creationId xmlns:a16="http://schemas.microsoft.com/office/drawing/2014/main" id="{D45207C1-55BB-DB4B-990B-7E41DAF9E310}"/>
               </a:ext>
             </a:extLst>
           </p:cNvPr>
@@ -14159,22 +13461,16 @@
               <a:t>let </a:t>
             </a:r>
             <a:r>
-              <a:rPr lang="fr-FR" altLang="fr-FR" dirty="0" err="1" smtClean="0">
+              <a:rPr lang="fr-FR" altLang="fr-FR" dirty="0" err="1">
                 <a:latin typeface="Source Code Pro" panose="020B0509030403020204"/>
               </a:rPr>
               <a:t>jonSnow</a:t>
-            </a:r>
-            <a:r>
-              <a:rPr lang="fr-FR" altLang="fr-FR" dirty="0" smtClean="0">
-                <a:latin typeface="Source Code Pro" panose="020B0509030403020204"/>
-              </a:rPr>
-              <a:t> </a:t>
             </a:r>
             <a:r>
               <a:rPr lang="fr-FR" altLang="fr-FR" dirty="0">
                 <a:latin typeface="Source Code Pro" panose="020B0509030403020204"/>
               </a:rPr>
-              <a:t>= { </a:t>
+              <a:t> = { </a:t>
             </a:r>
           </a:p>
           <a:p>
@@ -14207,7 +13503,7 @@
                 </a:solidFill>
                 <a:latin typeface="Source Code Pro" panose="020B0509030403020204"/>
               </a:rPr>
-              <a:t>'John’</a:t>
+              <a:t>'Jon'</a:t>
             </a:r>
             <a:r>
               <a:rPr lang="fr-FR" altLang="fr-FR" dirty="0">
@@ -14246,7 +13542,7 @@
                 </a:solidFill>
                 <a:latin typeface="Source Code Pro" panose="020B0509030403020204"/>
               </a:rPr>
-              <a:t>'Snow’</a:t>
+              <a:t>'Snow'</a:t>
             </a:r>
             <a:r>
               <a:rPr lang="fr-FR" altLang="fr-FR" dirty="0">
@@ -14314,22 +13610,16 @@
           <a:p>
             <a:pPr marL="47625"/>
             <a:r>
-              <a:rPr lang="fr-FR" altLang="fr-FR" dirty="0" err="1" smtClean="0">
+              <a:rPr lang="fr-FR" altLang="fr-FR" dirty="0" err="1">
                 <a:latin typeface="Source Code Pro" panose="020B0509030403020204"/>
               </a:rPr>
               <a:t>jonSnow.isAlive</a:t>
-            </a:r>
-            <a:r>
-              <a:rPr lang="fr-FR" altLang="fr-FR" dirty="0" smtClean="0">
-                <a:latin typeface="Source Code Pro" panose="020B0509030403020204"/>
-              </a:rPr>
-              <a:t> </a:t>
             </a:r>
             <a:r>
               <a:rPr lang="fr-FR" altLang="fr-FR" dirty="0">
                 <a:latin typeface="Source Code Pro" panose="020B0509030403020204"/>
               </a:rPr>
-              <a:t>= </a:t>
+              <a:t> = </a:t>
             </a:r>
             <a:r>
               <a:rPr lang="fr-FR" altLang="fr-FR" dirty="0">
@@ -14360,13 +13650,6 @@
   <p:clrMapOvr>
     <a:masterClrMapping/>
   </p:clrMapOvr>
-  <p:timing>
-    <p:tnLst>
-      <p:par>
-        <p:cTn id="1" dur="indefinite" restart="never" nodeType="tmRoot"/>
-      </p:par>
-    </p:tnLst>
-  </p:timing>
 </p:sld>
 </file>
 
@@ -14392,7 +13675,7 @@
           <p:cNvPr id="2" name="Title 1">
             <a:extLst>
               <a:ext uri="{FF2B5EF4-FFF2-40B4-BE49-F238E27FC236}">
-                <a16:creationId xmlns:a16="http://schemas.microsoft.com/office/drawing/2014/main" xmlns="" id="{197F391B-D1BC-1E4C-B310-969ADCAC9C86}"/>
+                <a16:creationId xmlns:a16="http://schemas.microsoft.com/office/drawing/2014/main" id="{197F391B-D1BC-1E4C-B310-969ADCAC9C86}"/>
               </a:ext>
             </a:extLst>
           </p:cNvPr>
@@ -14410,21 +13693,8 @@
           <a:p>
             <a:r>
               <a:rPr lang="fr-FR" b="1" dirty="0"/>
-              <a:t>Bases du langage </a:t>
-            </a:r>
-            <a:r>
-              <a:rPr lang="fr-FR" b="1" dirty="0" smtClean="0"/>
-              <a:t>(</a:t>
-            </a:r>
-            <a:r>
-              <a:rPr lang="fr-FR" b="1" dirty="0"/>
-              <a:t>4</a:t>
-            </a:r>
-            <a:r>
-              <a:rPr lang="fr-FR" b="1" dirty="0" smtClean="0"/>
-              <a:t>/4)</a:t>
-            </a:r>
-            <a:endParaRPr lang="fr-FR" b="1" dirty="0"/>
+              <a:t>Bases du langage (4/4)</a:t>
+            </a:r>
           </a:p>
         </p:txBody>
       </p:sp>
@@ -14433,7 +13703,7 @@
           <p:cNvPr id="3" name="Content Placeholder 2">
             <a:extLst>
               <a:ext uri="{FF2B5EF4-FFF2-40B4-BE49-F238E27FC236}">
-                <a16:creationId xmlns:a16="http://schemas.microsoft.com/office/drawing/2014/main" xmlns="" id="{793FEC66-363B-3545-8E61-92AAFF0AFF62}"/>
+                <a16:creationId xmlns:a16="http://schemas.microsoft.com/office/drawing/2014/main" id="{793FEC66-363B-3545-8E61-92AAFF0AFF62}"/>
               </a:ext>
             </a:extLst>
           </p:cNvPr>
@@ -14524,7 +13794,7 @@
           <p:cNvPr id="4" name="Date Placeholder 3">
             <a:extLst>
               <a:ext uri="{FF2B5EF4-FFF2-40B4-BE49-F238E27FC236}">
-                <a16:creationId xmlns:a16="http://schemas.microsoft.com/office/drawing/2014/main" xmlns="" id="{8C2262F1-3C28-E94C-B574-356F02FF4906}"/>
+                <a16:creationId xmlns:a16="http://schemas.microsoft.com/office/drawing/2014/main" id="{8C2262F1-3C28-E94C-B574-356F02FF4906}"/>
               </a:ext>
             </a:extLst>
           </p:cNvPr>
@@ -14542,7 +13812,7 @@
           <a:p>
             <a:fld id="{BB2FA04C-1355-4CE6-8050-4BD994E23BD5}" type="datetime4">
               <a:rPr lang="fr-FR" smtClean="0"/>
-              <a:t>9 juin 2019</a:t>
+              <a:t>12 juin 2019</a:t>
             </a:fld>
             <a:endParaRPr lang="fr-FR" dirty="0"/>
           </a:p>
@@ -14553,7 +13823,7 @@
           <p:cNvPr id="5" name="Footer Placeholder 4">
             <a:extLst>
               <a:ext uri="{FF2B5EF4-FFF2-40B4-BE49-F238E27FC236}">
-                <a16:creationId xmlns:a16="http://schemas.microsoft.com/office/drawing/2014/main" xmlns="" id="{770F343B-DF3F-094C-B705-4F41FD53029B}"/>
+                <a16:creationId xmlns:a16="http://schemas.microsoft.com/office/drawing/2014/main" id="{770F343B-DF3F-094C-B705-4F41FD53029B}"/>
               </a:ext>
             </a:extLst>
           </p:cNvPr>
@@ -14581,7 +13851,7 @@
           <p:cNvPr id="6" name="Slide Number Placeholder 5">
             <a:extLst>
               <a:ext uri="{FF2B5EF4-FFF2-40B4-BE49-F238E27FC236}">
-                <a16:creationId xmlns:a16="http://schemas.microsoft.com/office/drawing/2014/main" xmlns="" id="{127D60BA-7D2C-1548-8CB9-81CA238BB53C}"/>
+                <a16:creationId xmlns:a16="http://schemas.microsoft.com/office/drawing/2014/main" id="{127D60BA-7D2C-1548-8CB9-81CA238BB53C}"/>
               </a:ext>
             </a:extLst>
           </p:cNvPr>
@@ -14611,7 +13881,7 @@
           <p:cNvPr id="8" name="Rectangle 7">
             <a:extLst>
               <a:ext uri="{FF2B5EF4-FFF2-40B4-BE49-F238E27FC236}">
-                <a16:creationId xmlns:a16="http://schemas.microsoft.com/office/drawing/2014/main" xmlns="" id="{D45207C1-55BB-DB4B-990B-7E41DAF9E310}"/>
+                <a16:creationId xmlns:a16="http://schemas.microsoft.com/office/drawing/2014/main" id="{D45207C1-55BB-DB4B-990B-7E41DAF9E310}"/>
               </a:ext>
             </a:extLst>
           </p:cNvPr>
@@ -14696,7 +13966,7 @@
                 </a:solidFill>
                 <a:latin typeface="Source Code Pro" panose="020B0509030403020204"/>
               </a:rPr>
-              <a:t>'Jon’</a:t>
+              <a:t>'Jon'</a:t>
             </a:r>
             <a:r>
               <a:rPr lang="fr-FR" altLang="fr-FR" dirty="0">
@@ -14735,7 +14005,7 @@
                 </a:solidFill>
                 <a:latin typeface="Source Code Pro" panose="020B0509030403020204"/>
               </a:rPr>
-              <a:t>'Snow’</a:t>
+              <a:t>'Snow'</a:t>
             </a:r>
             <a:r>
               <a:rPr lang="fr-FR" altLang="fr-FR" dirty="0">
@@ -14885,22 +14155,16 @@
           <a:p>
             <a:pPr marL="47625"/>
             <a:r>
-              <a:rPr lang="fr-FR" altLang="fr-FR" dirty="0" err="1" smtClean="0">
+              <a:rPr lang="fr-FR" altLang="fr-FR" dirty="0" err="1">
                 <a:latin typeface="Source Code Pro" panose="020B0509030403020204"/>
               </a:rPr>
               <a:t>jonSnow.isAlive</a:t>
-            </a:r>
-            <a:r>
-              <a:rPr lang="fr-FR" altLang="fr-FR" dirty="0" smtClean="0">
-                <a:latin typeface="Source Code Pro" panose="020B0509030403020204"/>
-              </a:rPr>
-              <a:t> </a:t>
             </a:r>
             <a:r>
               <a:rPr lang="fr-FR" altLang="fr-FR" dirty="0">
                 <a:latin typeface="Source Code Pro" panose="020B0509030403020204"/>
               </a:rPr>
-              <a:t>= </a:t>
+              <a:t> = </a:t>
             </a:r>
             <a:r>
               <a:rPr lang="fr-FR" altLang="fr-FR" dirty="0">
@@ -14922,7 +14186,7 @@
           <a:p>
             <a:pPr marL="47625"/>
             <a:r>
-              <a:rPr lang="fr-FR" altLang="fr-FR" dirty="0" err="1" smtClean="0">
+              <a:rPr lang="fr-FR" altLang="fr-FR" dirty="0" err="1">
                 <a:latin typeface="Source Code Pro" panose="020B0509030403020204" pitchFamily="49" charset="0"/>
                 <a:ea typeface="Source Code Pro" panose="020B0509030403020204" pitchFamily="49" charset="0"/>
               </a:rPr>
@@ -14948,13 +14212,6 @@
   <p:clrMapOvr>
     <a:masterClrMapping/>
   </p:clrMapOvr>
-  <p:timing>
-    <p:tnLst>
-      <p:par>
-        <p:cTn id="1" dur="indefinite" restart="never" nodeType="tmRoot"/>
-      </p:par>
-    </p:tnLst>
-  </p:timing>
 </p:sld>
 </file>
 
@@ -15016,7 +14273,7 @@
           <a:p>
             <a:fld id="{1AC11C67-BE04-4C5F-B0EE-E01220C9093A}" type="datetime4">
               <a:rPr lang="fr-FR" smtClean="0"/>
-              <a:t>9 juin 2019</a:t>
+              <a:t>12 juin 2019</a:t>
             </a:fld>
             <a:endParaRPr lang="fr-FR" dirty="0"/>
           </a:p>
@@ -15303,7 +14560,7 @@
           <p:cNvPr id="9" name="Graphic 8">
             <a:extLst>
               <a:ext uri="{FF2B5EF4-FFF2-40B4-BE49-F238E27FC236}">
-                <a16:creationId xmlns:a16="http://schemas.microsoft.com/office/drawing/2014/main" xmlns="" id="{6F3E1559-D605-C945-85DB-066CD93FEA04}"/>
+                <a16:creationId xmlns:a16="http://schemas.microsoft.com/office/drawing/2014/main" id="{6F3E1559-D605-C945-85DB-066CD93FEA04}"/>
               </a:ext>
             </a:extLst>
           </p:cNvPr>
@@ -15316,7 +14573,7 @@
           <a:blip r:embed="rId3">
             <a:extLst>
               <a:ext uri="{96DAC541-7B7A-43D3-8B79-37D633B846F1}">
-                <asvg:svgBlip xmlns="" xmlns:asvg="http://schemas.microsoft.com/office/drawing/2016/SVG/main" r:embed="rId4"/>
+                <asvg:svgBlip xmlns:asvg="http://schemas.microsoft.com/office/drawing/2016/SVG/main" r:embed="rId4"/>
               </a:ext>
             </a:extLst>
           </a:blip>
@@ -15339,7 +14596,7 @@
           <p:cNvPr id="12" name="Rectangle 11">
             <a:extLst>
               <a:ext uri="{FF2B5EF4-FFF2-40B4-BE49-F238E27FC236}">
-                <a16:creationId xmlns:a16="http://schemas.microsoft.com/office/drawing/2014/main" xmlns="" id="{6EC37172-BD25-FF4A-8EF0-B0746183C81E}"/>
+                <a16:creationId xmlns:a16="http://schemas.microsoft.com/office/drawing/2014/main" id="{6EC37172-BD25-FF4A-8EF0-B0746183C81E}"/>
               </a:ext>
             </a:extLst>
           </p:cNvPr>
@@ -15410,16 +14667,6 @@
               </a:rPr>
               <a:t>File:DOM-model.svg</a:t>
             </a:r>
-            <a:r>
-              <a:rPr lang="fr-FR" sz="800" dirty="0">
-                <a:solidFill>
-                  <a:schemeClr val="bg1">
-                    <a:lumMod val="50000"/>
-                  </a:schemeClr>
-                </a:solidFill>
-              </a:rPr>
-              <a:t/>
-            </a:r>
             <a:br>
               <a:rPr lang="fr-FR" sz="800" dirty="0">
                 <a:solidFill>
@@ -15473,13 +14720,6 @@
   <p:transition spd="slow">
     <p:wipe/>
   </p:transition>
-  <p:timing>
-    <p:tnLst>
-      <p:par>
-        <p:cTn id="1" dur="indefinite" restart="never" nodeType="tmRoot"/>
-      </p:par>
-    </p:tnLst>
-  </p:timing>
 </p:sld>
 </file>
 
@@ -15763,10 +15003,6 @@
             <a:pPr marL="0" indent="0">
               <a:buNone/>
             </a:pPr>
-            <a:r>
-              <a:rPr lang="fr-FR" sz="2400" dirty="0"/>
-              <a:t/>
-            </a:r>
             <a:br>
               <a:rPr lang="fr-FR" sz="2400" dirty="0"/>
             </a:br>
@@ -15815,7 +15051,7 @@
           <a:p>
             <a:fld id="{BB2FA04C-1355-4CE6-8050-4BD994E23BD5}" type="datetime4">
               <a:rPr lang="fr-FR" smtClean="0"/>
-              <a:t>9 juin 2019</a:t>
+              <a:t>12 juin 2019</a:t>
             </a:fld>
             <a:endParaRPr lang="fr-FR" dirty="0"/>
           </a:p>
@@ -15872,7 +15108,7 @@
           <p:cNvPr id="8" name="Rectangle 7">
             <a:extLst>
               <a:ext uri="{FF2B5EF4-FFF2-40B4-BE49-F238E27FC236}">
-                <a16:creationId xmlns:a16="http://schemas.microsoft.com/office/drawing/2014/main" xmlns="" id="{99D6AB73-3556-6845-9EF8-9024C2407A0D}"/>
+                <a16:creationId xmlns:a16="http://schemas.microsoft.com/office/drawing/2014/main" id="{99D6AB73-3556-6845-9EF8-9024C2407A0D}"/>
               </a:ext>
             </a:extLst>
           </p:cNvPr>
@@ -16358,13 +15594,6 @@
   <p:clrMapOvr>
     <a:masterClrMapping/>
   </p:clrMapOvr>
-  <p:timing>
-    <p:tnLst>
-      <p:par>
-        <p:cTn id="1" dur="indefinite" restart="never" nodeType="tmRoot"/>
-      </p:par>
-    </p:tnLst>
-  </p:timing>
 </p:sld>
 </file>
 

--- a/web/4-JS/JavaScript.pptx
+++ b/web/4-JS/JavaScript.pptx
@@ -5,10 +5,10 @@
     <p:sldMasterId id="2147483648" r:id="rId1"/>
   </p:sldMasterIdLst>
   <p:notesMasterIdLst>
-    <p:notesMasterId r:id="rId18"/>
+    <p:notesMasterId r:id="rId19"/>
   </p:notesMasterIdLst>
   <p:handoutMasterIdLst>
-    <p:handoutMasterId r:id="rId19"/>
+    <p:handoutMasterId r:id="rId20"/>
   </p:handoutMasterIdLst>
   <p:sldIdLst>
     <p:sldId id="257" r:id="rId2"/>
@@ -18,15 +18,16 @@
     <p:sldId id="273" r:id="rId6"/>
     <p:sldId id="274" r:id="rId7"/>
     <p:sldId id="275" r:id="rId8"/>
-    <p:sldId id="258" r:id="rId9"/>
-    <p:sldId id="260" r:id="rId10"/>
-    <p:sldId id="267" r:id="rId11"/>
-    <p:sldId id="261" r:id="rId12"/>
-    <p:sldId id="266" r:id="rId13"/>
-    <p:sldId id="271" r:id="rId14"/>
-    <p:sldId id="264" r:id="rId15"/>
-    <p:sldId id="268" r:id="rId16"/>
-    <p:sldId id="269" r:id="rId17"/>
+    <p:sldId id="276" r:id="rId9"/>
+    <p:sldId id="258" r:id="rId10"/>
+    <p:sldId id="260" r:id="rId11"/>
+    <p:sldId id="267" r:id="rId12"/>
+    <p:sldId id="261" r:id="rId13"/>
+    <p:sldId id="266" r:id="rId14"/>
+    <p:sldId id="271" r:id="rId15"/>
+    <p:sldId id="264" r:id="rId16"/>
+    <p:sldId id="268" r:id="rId17"/>
+    <p:sldId id="269" r:id="rId18"/>
   </p:sldIdLst>
   <p:sldSz cx="9144000" cy="6858000" type="screen4x3"/>
   <p:notesSz cx="6858000" cy="9144000"/>
@@ -730,15 +731,7 @@
             </a:r>
             <a:r>
               <a:rPr lang="fr-FR" dirty="0"/>
-              <a:t> (Microsoft) </a:t>
-            </a:r>
-            <a:r>
-              <a:rPr lang="fr-FR"/>
-              <a:t>sont d’autres </a:t>
-            </a:r>
-            <a:r>
-              <a:rPr lang="fr-FR" dirty="0"/>
-              <a:t>implémentations du standard.</a:t>
+              <a:t> (Microsoft) sont d’autres implémentations du standard.</a:t>
             </a:r>
           </a:p>
         </p:txBody>
@@ -844,7 +837,7 @@
           <a:p>
             <a:fld id="{1C0E2CBA-6097-B848-A7DA-4D7BD6EB303B}" type="slidenum">
               <a:rPr lang="fr-FR" smtClean="0"/>
-              <a:t>8</a:t>
+              <a:t>9</a:t>
             </a:fld>
             <a:endParaRPr lang="fr-FR"/>
           </a:p>
@@ -928,7 +921,7 @@
           <a:p>
             <a:fld id="{1C0E2CBA-6097-B848-A7DA-4D7BD6EB303B}" type="slidenum">
               <a:rPr lang="fr-FR" smtClean="0"/>
-              <a:t>9</a:t>
+              <a:t>10</a:t>
             </a:fld>
             <a:endParaRPr lang="fr-FR"/>
           </a:p>
@@ -5953,36 +5946,58 @@
             <a:pPr marL="400050" indent="-400050"/>
             <a:r>
               <a:rPr lang="fr-FR" sz="2400" dirty="0"/>
-              <a:t>Mettre le code JavaScript  dans un fichier externe </a:t>
-            </a:r>
-            <a:r>
-              <a:rPr lang="fr-FR" dirty="0"/>
-              <a:t>(.</a:t>
-            </a:r>
-            <a:r>
-              <a:rPr lang="fr-FR" dirty="0" err="1"/>
-              <a:t>js</a:t>
-            </a:r>
-            <a:r>
-              <a:rPr lang="fr-FR" dirty="0"/>
-              <a:t>) </a:t>
-            </a:r>
-            <a:br>
-              <a:rPr lang="fr-FR" dirty="0"/>
-            </a:br>
+              <a:t>Ajouter le code JavaScript dans la page HTML </a:t>
+            </a:r>
             <a:br>
               <a:rPr lang="fr-FR" sz="2400" dirty="0"/>
             </a:br>
-            <a:br>
+            <a:r>
               <a:rPr lang="fr-FR" sz="2400" dirty="0"/>
-            </a:br>
-            <a:br>
-              <a:rPr lang="fr-FR" sz="2400" dirty="0"/>
-            </a:br>
-            <a:r>
-              <a:rPr lang="fr-FR" sz="2400" dirty="0"/>
-              <a:t>et pointer ce fichier depuis le HTML :</a:t>
-            </a:r>
+              <a:t>à l'intérieur d'une balise </a:t>
+            </a:r>
+            <a:r>
+              <a:rPr lang="fr-FR" sz="2400" dirty="0">
+                <a:solidFill>
+                  <a:srgbClr val="990000"/>
+                </a:solidFill>
+                <a:latin typeface="Source Code Pro" panose="020B0509030403020204" pitchFamily="49" charset="0"/>
+                <a:ea typeface="Source Code Pro" panose="020B0509030403020204" pitchFamily="49" charset="0"/>
+              </a:rPr>
+              <a:t>&lt;script&gt;</a:t>
+            </a:r>
+            <a:r>
+              <a:rPr lang="fr-FR" sz="2400" b="1" dirty="0">
+                <a:solidFill>
+                  <a:srgbClr val="990000"/>
+                </a:solidFill>
+                <a:latin typeface="+mj-lt"/>
+                <a:ea typeface="Source Code Pro" panose="020B0509030403020204" pitchFamily="49" charset="0"/>
+              </a:rPr>
+              <a:t> </a:t>
+            </a:r>
+            <a:r>
+              <a:rPr lang="fr-FR" sz="2400" dirty="0">
+                <a:latin typeface="+mj-lt"/>
+              </a:rPr>
+              <a:t>:</a:t>
+            </a:r>
+          </a:p>
+          <a:p>
+            <a:pPr marL="400050" indent="-400050"/>
+            <a:endParaRPr lang="fr-FR" sz="2400" dirty="0"/>
+          </a:p>
+          <a:p>
+            <a:pPr marL="400050" indent="-400050"/>
+            <a:endParaRPr lang="fr-FR" sz="2400" dirty="0"/>
+          </a:p>
+          <a:p>
+            <a:pPr marL="400050" indent="-400050"/>
+            <a:endParaRPr lang="fr-FR" sz="2400" dirty="0"/>
+          </a:p>
+          <a:p>
+            <a:pPr marL="0" indent="0">
+              <a:buNone/>
+            </a:pPr>
             <a:br>
               <a:rPr lang="fr-FR" sz="2400" dirty="0"/>
             </a:br>
@@ -6009,7 +6024,7 @@
           <a:p>
             <a:r>
               <a:rPr lang="fr-FR" b="1" dirty="0"/>
-              <a:t>HTML et JavaScript (3/3)</a:t>
+              <a:t>HTML et JavaScript (2/3)</a:t>
             </a:r>
           </a:p>
         </p:txBody>
@@ -6078,6 +6093,858 @@
               <a:rPr lang="fr-FR" smtClean="0"/>
               <a:pPr/>
               <a:t>10</a:t>
+            </a:fld>
+            <a:endParaRPr lang="fr-FR"/>
+          </a:p>
+        </p:txBody>
+      </p:sp>
+      <p:sp>
+        <p:nvSpPr>
+          <p:cNvPr id="8" name="Rectangle 7">
+            <a:extLst>
+              <a:ext uri="{FF2B5EF4-FFF2-40B4-BE49-F238E27FC236}">
+                <a16:creationId xmlns:a16="http://schemas.microsoft.com/office/drawing/2014/main" id="{99D6AB73-3556-6845-9EF8-9024C2407A0D}"/>
+              </a:ext>
+            </a:extLst>
+          </p:cNvPr>
+          <p:cNvSpPr/>
+          <p:nvPr/>
+        </p:nvSpPr>
+        <p:spPr>
+          <a:xfrm>
+            <a:off x="555710" y="1981138"/>
+            <a:ext cx="8032580" cy="4030702"/>
+          </a:xfrm>
+          <a:prstGeom prst="rect">
+            <a:avLst/>
+          </a:prstGeom>
+          <a:solidFill>
+            <a:srgbClr val="FEF6E3"/>
+          </a:solidFill>
+          <a:effectLst>
+            <a:outerShdw blurRad="50800" dist="38100" dir="2700000" algn="tl" rotWithShape="0">
+              <a:prstClr val="black">
+                <a:alpha val="40000"/>
+              </a:prstClr>
+            </a:outerShdw>
+          </a:effectLst>
+        </p:spPr>
+        <p:txBody>
+          <a:bodyPr vert="horz" lIns="91440" tIns="45720" rIns="91440" bIns="45720" rtlCol="0" anchor="ctr">
+            <a:normAutofit/>
+          </a:bodyPr>
+          <a:lstStyle/>
+          <a:p>
+            <a:pPr marL="47625" indent="0">
+              <a:buFont typeface="Brix Slab Bold" pitchFamily="50" charset="0"/>
+              <a:buNone/>
+            </a:pPr>
+            <a:r>
+              <a:rPr lang="fr-FR" dirty="0">
+                <a:solidFill>
+                  <a:srgbClr val="657B83"/>
+                </a:solidFill>
+                <a:latin typeface="Source Code Pro" panose="020B0509030403020204" pitchFamily="49" charset="0"/>
+                <a:ea typeface="Source Code Pro" panose="020B0509030403020204" pitchFamily="49" charset="0"/>
+              </a:rPr>
+              <a:t>&lt;!DOCTYPE html&gt;</a:t>
+            </a:r>
+          </a:p>
+          <a:p>
+            <a:pPr marL="47625" indent="0">
+              <a:buFont typeface="Brix Slab Bold" pitchFamily="50" charset="0"/>
+              <a:buNone/>
+            </a:pPr>
+            <a:r>
+              <a:rPr lang="fr-FR" dirty="0">
+                <a:solidFill>
+                  <a:srgbClr val="010080"/>
+                </a:solidFill>
+                <a:latin typeface="Source Code Pro" panose="020B0509030403020204" pitchFamily="49" charset="0"/>
+                <a:ea typeface="Source Code Pro" panose="020B0509030403020204" pitchFamily="49" charset="0"/>
+              </a:rPr>
+              <a:t>&lt;html </a:t>
+            </a:r>
+            <a:r>
+              <a:rPr lang="fr-FR" dirty="0" err="1">
+                <a:solidFill>
+                  <a:srgbClr val="008080"/>
+                </a:solidFill>
+                <a:latin typeface="Source Code Pro" panose="020B0509030403020204" pitchFamily="49" charset="0"/>
+                <a:ea typeface="Source Code Pro" panose="020B0509030403020204" pitchFamily="49" charset="0"/>
+              </a:rPr>
+              <a:t>lang</a:t>
+            </a:r>
+            <a:r>
+              <a:rPr lang="fr-FR" dirty="0">
+                <a:solidFill>
+                  <a:srgbClr val="010080"/>
+                </a:solidFill>
+                <a:latin typeface="Source Code Pro" panose="020B0509030403020204" pitchFamily="49" charset="0"/>
+                <a:ea typeface="Source Code Pro" panose="020B0509030403020204" pitchFamily="49" charset="0"/>
+              </a:rPr>
+              <a:t>="</a:t>
+            </a:r>
+            <a:r>
+              <a:rPr lang="fr-FR" dirty="0" err="1">
+                <a:solidFill>
+                  <a:srgbClr val="990000"/>
+                </a:solidFill>
+                <a:latin typeface="Source Code Pro" panose="020B0509030403020204" pitchFamily="49" charset="0"/>
+                <a:ea typeface="Source Code Pro" panose="020B0509030403020204" pitchFamily="49" charset="0"/>
+              </a:rPr>
+              <a:t>fr</a:t>
+            </a:r>
+            <a:r>
+              <a:rPr lang="fr-FR" dirty="0">
+                <a:solidFill>
+                  <a:srgbClr val="010080"/>
+                </a:solidFill>
+                <a:latin typeface="Source Code Pro" panose="020B0509030403020204" pitchFamily="49" charset="0"/>
+                <a:ea typeface="Source Code Pro" panose="020B0509030403020204" pitchFamily="49" charset="0"/>
+              </a:rPr>
+              <a:t>"&gt;</a:t>
+            </a:r>
+          </a:p>
+          <a:p>
+            <a:pPr marL="342900" lvl="1" indent="0">
+              <a:buNone/>
+            </a:pPr>
+            <a:r>
+              <a:rPr lang="fr-FR" dirty="0">
+                <a:solidFill>
+                  <a:srgbClr val="010080"/>
+                </a:solidFill>
+                <a:latin typeface="Source Code Pro" panose="020B0509030403020204" pitchFamily="49" charset="0"/>
+                <a:ea typeface="Source Code Pro" panose="020B0509030403020204" pitchFamily="49" charset="0"/>
+              </a:rPr>
+              <a:t>&lt;</a:t>
+            </a:r>
+            <a:r>
+              <a:rPr lang="fr-FR" dirty="0" err="1">
+                <a:solidFill>
+                  <a:srgbClr val="010080"/>
+                </a:solidFill>
+                <a:latin typeface="Source Code Pro" panose="020B0509030403020204" pitchFamily="49" charset="0"/>
+                <a:ea typeface="Source Code Pro" panose="020B0509030403020204" pitchFamily="49" charset="0"/>
+              </a:rPr>
+              <a:t>head</a:t>
+            </a:r>
+            <a:r>
+              <a:rPr lang="fr-FR" dirty="0">
+                <a:solidFill>
+                  <a:srgbClr val="010080"/>
+                </a:solidFill>
+                <a:latin typeface="Source Code Pro" panose="020B0509030403020204" pitchFamily="49" charset="0"/>
+                <a:ea typeface="Source Code Pro" panose="020B0509030403020204" pitchFamily="49" charset="0"/>
+              </a:rPr>
+              <a:t>&gt; </a:t>
+            </a:r>
+          </a:p>
+          <a:p>
+            <a:pPr marL="742950" lvl="2" indent="0">
+              <a:buNone/>
+            </a:pPr>
+            <a:r>
+              <a:rPr lang="fr-FR" dirty="0">
+                <a:solidFill>
+                  <a:srgbClr val="010080"/>
+                </a:solidFill>
+                <a:latin typeface="Source Code Pro" panose="020B0509030403020204" pitchFamily="49" charset="0"/>
+                <a:ea typeface="Source Code Pro" panose="020B0509030403020204" pitchFamily="49" charset="0"/>
+              </a:rPr>
+              <a:t>&lt;</a:t>
+            </a:r>
+            <a:r>
+              <a:rPr lang="fr-FR" dirty="0" err="1">
+                <a:solidFill>
+                  <a:srgbClr val="010080"/>
+                </a:solidFill>
+                <a:latin typeface="Source Code Pro" panose="020B0509030403020204" pitchFamily="49" charset="0"/>
+                <a:ea typeface="Source Code Pro" panose="020B0509030403020204" pitchFamily="49" charset="0"/>
+              </a:rPr>
+              <a:t>meta</a:t>
+            </a:r>
+            <a:r>
+              <a:rPr lang="fr-FR" dirty="0">
+                <a:solidFill>
+                  <a:srgbClr val="010080"/>
+                </a:solidFill>
+                <a:latin typeface="Source Code Pro" panose="020B0509030403020204" pitchFamily="49" charset="0"/>
+                <a:ea typeface="Source Code Pro" panose="020B0509030403020204" pitchFamily="49" charset="0"/>
+              </a:rPr>
+              <a:t> </a:t>
+            </a:r>
+            <a:r>
+              <a:rPr lang="fr-FR" dirty="0" err="1">
+                <a:solidFill>
+                  <a:srgbClr val="008080"/>
+                </a:solidFill>
+                <a:latin typeface="Source Code Pro" panose="020B0509030403020204" pitchFamily="49" charset="0"/>
+                <a:ea typeface="Source Code Pro" panose="020B0509030403020204" pitchFamily="49" charset="0"/>
+              </a:rPr>
+              <a:t>charset</a:t>
+            </a:r>
+            <a:r>
+              <a:rPr lang="fr-FR" dirty="0">
+                <a:solidFill>
+                  <a:srgbClr val="010080"/>
+                </a:solidFill>
+                <a:latin typeface="Source Code Pro" panose="020B0509030403020204" pitchFamily="49" charset="0"/>
+                <a:ea typeface="Source Code Pro" panose="020B0509030403020204" pitchFamily="49" charset="0"/>
+              </a:rPr>
+              <a:t>="</a:t>
+            </a:r>
+            <a:r>
+              <a:rPr lang="fr-FR" dirty="0">
+                <a:solidFill>
+                  <a:srgbClr val="990000"/>
+                </a:solidFill>
+                <a:latin typeface="Source Code Pro" panose="020B0509030403020204" pitchFamily="49" charset="0"/>
+                <a:ea typeface="Source Code Pro" panose="020B0509030403020204" pitchFamily="49" charset="0"/>
+              </a:rPr>
+              <a:t>utf-8</a:t>
+            </a:r>
+            <a:r>
+              <a:rPr lang="fr-FR" dirty="0">
+                <a:solidFill>
+                  <a:srgbClr val="010080"/>
+                </a:solidFill>
+                <a:latin typeface="Source Code Pro" panose="020B0509030403020204" pitchFamily="49" charset="0"/>
+                <a:ea typeface="Source Code Pro" panose="020B0509030403020204" pitchFamily="49" charset="0"/>
+              </a:rPr>
+              <a:t>" /&gt; </a:t>
+            </a:r>
+          </a:p>
+          <a:p>
+            <a:pPr marL="342900" lvl="1" indent="0">
+              <a:buNone/>
+            </a:pPr>
+            <a:r>
+              <a:rPr lang="fr-FR" dirty="0">
+                <a:solidFill>
+                  <a:srgbClr val="010080"/>
+                </a:solidFill>
+                <a:latin typeface="Source Code Pro" panose="020B0509030403020204" pitchFamily="49" charset="0"/>
+                <a:ea typeface="Source Code Pro" panose="020B0509030403020204" pitchFamily="49" charset="0"/>
+              </a:rPr>
+              <a:t>&lt;/</a:t>
+            </a:r>
+            <a:r>
+              <a:rPr lang="fr-FR" dirty="0" err="1">
+                <a:solidFill>
+                  <a:srgbClr val="010080"/>
+                </a:solidFill>
+                <a:latin typeface="Source Code Pro" panose="020B0509030403020204" pitchFamily="49" charset="0"/>
+                <a:ea typeface="Source Code Pro" panose="020B0509030403020204" pitchFamily="49" charset="0"/>
+              </a:rPr>
+              <a:t>head</a:t>
+            </a:r>
+            <a:r>
+              <a:rPr lang="fr-FR" dirty="0">
+                <a:solidFill>
+                  <a:srgbClr val="010080"/>
+                </a:solidFill>
+                <a:latin typeface="Source Code Pro" panose="020B0509030403020204" pitchFamily="49" charset="0"/>
+                <a:ea typeface="Source Code Pro" panose="020B0509030403020204" pitchFamily="49" charset="0"/>
+              </a:rPr>
+              <a:t>&gt;</a:t>
+            </a:r>
+          </a:p>
+          <a:p>
+            <a:pPr marL="342900" lvl="1" indent="0">
+              <a:buNone/>
+            </a:pPr>
+            <a:r>
+              <a:rPr lang="fr-FR" dirty="0">
+                <a:solidFill>
+                  <a:srgbClr val="010080"/>
+                </a:solidFill>
+                <a:latin typeface="Source Code Pro" panose="020B0509030403020204" pitchFamily="49" charset="0"/>
+                <a:ea typeface="Source Code Pro" panose="020B0509030403020204" pitchFamily="49" charset="0"/>
+              </a:rPr>
+              <a:t>&lt;body&gt;</a:t>
+            </a:r>
+          </a:p>
+          <a:p>
+            <a:pPr marL="760413" lvl="1">
+              <a:spcBef>
+                <a:spcPct val="20000"/>
+              </a:spcBef>
+              <a:buClr>
+                <a:schemeClr val="accent6"/>
+              </a:buClr>
+            </a:pPr>
+            <a:r>
+              <a:rPr lang="fr-FR" altLang="fr-FR" b="1" dirty="0">
+                <a:solidFill>
+                  <a:srgbClr val="010080"/>
+                </a:solidFill>
+                <a:latin typeface="Source Code Pro" panose="020B0509030403020204" pitchFamily="49" charset="0"/>
+                <a:ea typeface="Source Code Pro" panose="020B0509030403020204" pitchFamily="49" charset="0"/>
+              </a:rPr>
+              <a:t>&lt;script&gt;</a:t>
+            </a:r>
+          </a:p>
+          <a:p>
+            <a:pPr marL="962025" lvl="2">
+              <a:spcBef>
+                <a:spcPct val="20000"/>
+              </a:spcBef>
+              <a:buClr>
+                <a:schemeClr val="accent6"/>
+              </a:buClr>
+            </a:pPr>
+            <a:r>
+              <a:rPr lang="fr-FR" altLang="fr-FR" dirty="0" err="1">
+                <a:solidFill>
+                  <a:srgbClr val="010080"/>
+                </a:solidFill>
+                <a:latin typeface="Source Code Pro" panose="020B0509030403020204" pitchFamily="49" charset="0"/>
+                <a:ea typeface="Source Code Pro" panose="020B0509030403020204" pitchFamily="49" charset="0"/>
+              </a:rPr>
+              <a:t>window.addEventListener</a:t>
+            </a:r>
+            <a:r>
+              <a:rPr lang="fr-FR" altLang="fr-FR" dirty="0">
+                <a:solidFill>
+                  <a:srgbClr val="010080"/>
+                </a:solidFill>
+                <a:latin typeface="Source Code Pro" panose="020B0509030403020204" pitchFamily="49" charset="0"/>
+                <a:ea typeface="Source Code Pro" panose="020B0509030403020204" pitchFamily="49" charset="0"/>
+              </a:rPr>
+              <a:t>('</a:t>
+            </a:r>
+            <a:r>
+              <a:rPr lang="fr-FR" altLang="fr-FR" dirty="0" err="1">
+                <a:solidFill>
+                  <a:srgbClr val="010080"/>
+                </a:solidFill>
+                <a:latin typeface="Source Code Pro" panose="020B0509030403020204" pitchFamily="49" charset="0"/>
+                <a:ea typeface="Source Code Pro" panose="020B0509030403020204" pitchFamily="49" charset="0"/>
+              </a:rPr>
+              <a:t>load</a:t>
+            </a:r>
+            <a:r>
+              <a:rPr lang="fr-FR" altLang="fr-FR" dirty="0">
+                <a:solidFill>
+                  <a:srgbClr val="010080"/>
+                </a:solidFill>
+                <a:latin typeface="Source Code Pro" panose="020B0509030403020204" pitchFamily="49" charset="0"/>
+                <a:ea typeface="Source Code Pro" panose="020B0509030403020204" pitchFamily="49" charset="0"/>
+              </a:rPr>
+              <a:t>', </a:t>
+            </a:r>
+            <a:r>
+              <a:rPr lang="fr-FR" altLang="fr-FR" dirty="0" err="1">
+                <a:solidFill>
+                  <a:srgbClr val="00B050"/>
+                </a:solidFill>
+                <a:latin typeface="Source Code Pro" panose="020B0509030403020204"/>
+              </a:rPr>
+              <a:t>function</a:t>
+            </a:r>
+            <a:r>
+              <a:rPr lang="fr-FR" altLang="fr-FR" dirty="0">
+                <a:solidFill>
+                  <a:srgbClr val="010080"/>
+                </a:solidFill>
+                <a:latin typeface="Source Code Pro" panose="020B0509030403020204" pitchFamily="49" charset="0"/>
+                <a:ea typeface="Source Code Pro" panose="020B0509030403020204" pitchFamily="49" charset="0"/>
+              </a:rPr>
+              <a:t> () {     </a:t>
+            </a:r>
+          </a:p>
+          <a:p>
+            <a:pPr marL="962025" lvl="2">
+              <a:spcBef>
+                <a:spcPct val="20000"/>
+              </a:spcBef>
+              <a:buClr>
+                <a:schemeClr val="accent6"/>
+              </a:buClr>
+            </a:pPr>
+            <a:r>
+              <a:rPr lang="fr-FR" altLang="fr-FR" dirty="0" err="1">
+                <a:solidFill>
+                  <a:srgbClr val="6F42C1"/>
+                </a:solidFill>
+                <a:latin typeface="Source Code Pro" panose="020B0509030403020204"/>
+              </a:rPr>
+              <a:t>console</a:t>
+            </a:r>
+            <a:r>
+              <a:rPr lang="fr-FR" altLang="fr-FR" dirty="0" err="1">
+                <a:solidFill>
+                  <a:srgbClr val="010080"/>
+                </a:solidFill>
+                <a:latin typeface="Source Code Pro" panose="020B0509030403020204" pitchFamily="49" charset="0"/>
+                <a:ea typeface="Source Code Pro" panose="020B0509030403020204" pitchFamily="49" charset="0"/>
+              </a:rPr>
+              <a:t>.</a:t>
+            </a:r>
+            <a:r>
+              <a:rPr lang="fr-FR" altLang="fr-FR" dirty="0" err="1">
+                <a:solidFill>
+                  <a:srgbClr val="005CC5"/>
+                </a:solidFill>
+                <a:latin typeface="Source Code Pro" panose="020B0509030403020204"/>
+              </a:rPr>
+              <a:t>log</a:t>
+            </a:r>
+            <a:r>
+              <a:rPr lang="fr-FR" altLang="fr-FR" dirty="0">
+                <a:solidFill>
+                  <a:srgbClr val="010080"/>
+                </a:solidFill>
+                <a:latin typeface="Source Code Pro" panose="020B0509030403020204" pitchFamily="49" charset="0"/>
+                <a:ea typeface="Source Code Pro" panose="020B0509030403020204" pitchFamily="49" charset="0"/>
+              </a:rPr>
+              <a:t>(</a:t>
+            </a:r>
+            <a:r>
+              <a:rPr lang="fr-FR" altLang="fr-FR" dirty="0">
+                <a:solidFill>
+                  <a:srgbClr val="657B83"/>
+                </a:solidFill>
+                <a:latin typeface="Source Code Pro" panose="020B0509030403020204" pitchFamily="49" charset="0"/>
+                <a:ea typeface="Source Code Pro" panose="020B0509030403020204" pitchFamily="49" charset="0"/>
+              </a:rPr>
+              <a:t>'Cette fonction est exécutée une fois la page chargée.'</a:t>
+            </a:r>
+            <a:r>
+              <a:rPr lang="fr-FR" altLang="fr-FR" dirty="0">
+                <a:solidFill>
+                  <a:srgbClr val="010080"/>
+                </a:solidFill>
+                <a:latin typeface="Source Code Pro" panose="020B0509030403020204" pitchFamily="49" charset="0"/>
+                <a:ea typeface="Source Code Pro" panose="020B0509030403020204" pitchFamily="49" charset="0"/>
+              </a:rPr>
+              <a:t>); });  </a:t>
+            </a:r>
+          </a:p>
+          <a:p>
+            <a:pPr marL="760413" lvl="1">
+              <a:spcBef>
+                <a:spcPct val="20000"/>
+              </a:spcBef>
+              <a:buClr>
+                <a:schemeClr val="accent6"/>
+              </a:buClr>
+            </a:pPr>
+            <a:r>
+              <a:rPr lang="fr-FR" altLang="fr-FR" b="1" dirty="0">
+                <a:solidFill>
+                  <a:srgbClr val="010080"/>
+                </a:solidFill>
+                <a:latin typeface="Source Code Pro" panose="020B0509030403020204" pitchFamily="49" charset="0"/>
+                <a:ea typeface="Source Code Pro" panose="020B0509030403020204" pitchFamily="49" charset="0"/>
+              </a:rPr>
+              <a:t>&lt;/script&gt;</a:t>
+            </a:r>
+          </a:p>
+          <a:p>
+            <a:pPr marL="342900" lvl="1" indent="0">
+              <a:buNone/>
+            </a:pPr>
+            <a:r>
+              <a:rPr lang="fr-FR" dirty="0">
+                <a:solidFill>
+                  <a:srgbClr val="010080"/>
+                </a:solidFill>
+                <a:latin typeface="Source Code Pro" panose="020B0509030403020204" pitchFamily="49" charset="0"/>
+              </a:rPr>
+              <a:t>&lt;/body&gt;</a:t>
+            </a:r>
+          </a:p>
+          <a:p>
+            <a:pPr marL="47625" indent="0">
+              <a:buNone/>
+            </a:pPr>
+            <a:r>
+              <a:rPr lang="fr-FR" dirty="0">
+                <a:solidFill>
+                  <a:srgbClr val="010080"/>
+                </a:solidFill>
+                <a:latin typeface="Source Code Pro" panose="020B0509030403020204" pitchFamily="49" charset="0"/>
+              </a:rPr>
+              <a:t>&lt;/html&gt;</a:t>
+            </a:r>
+            <a:endParaRPr lang="en-US" dirty="0">
+              <a:solidFill>
+                <a:srgbClr val="657B83"/>
+              </a:solidFill>
+              <a:latin typeface="Source Code Pro" panose="020B0509030403020204" pitchFamily="49" charset="0"/>
+            </a:endParaRPr>
+          </a:p>
+        </p:txBody>
+      </p:sp>
+    </p:spTree>
+    <p:extLst>
+      <p:ext uri="{BB962C8B-B14F-4D97-AF65-F5344CB8AC3E}">
+        <p14:creationId xmlns:p14="http://schemas.microsoft.com/office/powerpoint/2010/main" val="472601625"/>
+      </p:ext>
+    </p:extLst>
+  </p:cSld>
+  <p:clrMapOvr>
+    <a:masterClrMapping/>
+  </p:clrMapOvr>
+</p:sld>
+</file>
+
+<file path=ppt/slides/slide11.xml><?xml version="1.0" encoding="utf-8"?>
+<p:sld xmlns:a="http://schemas.openxmlformats.org/drawingml/2006/main" xmlns:r="http://schemas.openxmlformats.org/officeDocument/2006/relationships" xmlns:p="http://schemas.openxmlformats.org/presentationml/2006/main">
+  <p:cSld>
+    <p:spTree>
+      <p:nvGrpSpPr>
+        <p:cNvPr id="1" name=""/>
+        <p:cNvGrpSpPr/>
+        <p:nvPr/>
+      </p:nvGrpSpPr>
+      <p:grpSpPr>
+        <a:xfrm>
+          <a:off x="0" y="0"/>
+          <a:ext cx="0" cy="0"/>
+          <a:chOff x="0" y="0"/>
+          <a:chExt cx="0" cy="0"/>
+        </a:xfrm>
+      </p:grpSpPr>
+      <p:sp>
+        <p:nvSpPr>
+          <p:cNvPr id="10" name="Espace réservé du contenu 2"/>
+          <p:cNvSpPr txBox="1">
+            <a:spLocks/>
+          </p:cNvSpPr>
+          <p:nvPr/>
+        </p:nvSpPr>
+        <p:spPr>
+          <a:xfrm>
+            <a:off x="228600" y="1058026"/>
+            <a:ext cx="8644466" cy="5569596"/>
+          </a:xfrm>
+          <a:prstGeom prst="rect">
+            <a:avLst/>
+          </a:prstGeom>
+        </p:spPr>
+        <p:txBody>
+          <a:bodyPr vert="horz" lIns="91440" tIns="45720" rIns="91440" bIns="45720" rtlCol="0">
+            <a:noAutofit/>
+          </a:bodyPr>
+          <a:lstStyle>
+            <a:lvl1pPr marL="342900" marR="0" indent="-342900" algn="l" defTabSz="457200" rtl="0" eaLnBrk="1" fontAlgn="auto" latinLnBrk="0" hangingPunct="1">
+              <a:lnSpc>
+                <a:spcPct val="100000"/>
+              </a:lnSpc>
+              <a:spcBef>
+                <a:spcPct val="20000"/>
+              </a:spcBef>
+              <a:spcAft>
+                <a:spcPts val="0"/>
+              </a:spcAft>
+              <a:buClr>
+                <a:schemeClr val="accent6"/>
+              </a:buClr>
+              <a:buSzTx/>
+              <a:buFont typeface="Lucida Grande"/>
+              <a:buChar char="➔"/>
+              <a:tabLst/>
+              <a:defRPr sz="2000" kern="1200">
+                <a:solidFill>
+                  <a:schemeClr val="tx1"/>
+                </a:solidFill>
+                <a:latin typeface="+mn-lt"/>
+                <a:ea typeface="+mn-ea"/>
+                <a:cs typeface="+mn-cs"/>
+              </a:defRPr>
+            </a:lvl1pPr>
+            <a:lvl2pPr marL="742950" marR="0" indent="-285750" algn="l" defTabSz="457200" rtl="0" eaLnBrk="1" fontAlgn="auto" latinLnBrk="0" hangingPunct="1">
+              <a:lnSpc>
+                <a:spcPct val="100000"/>
+              </a:lnSpc>
+              <a:spcBef>
+                <a:spcPct val="20000"/>
+              </a:spcBef>
+              <a:spcAft>
+                <a:spcPts val="0"/>
+              </a:spcAft>
+              <a:buClr>
+                <a:srgbClr val="009DE0"/>
+              </a:buClr>
+              <a:buSzTx/>
+              <a:buFont typeface="Arial"/>
+              <a:buChar char="›"/>
+              <a:tabLst/>
+              <a:defRPr sz="2800" kern="1200">
+                <a:solidFill>
+                  <a:schemeClr val="tx1"/>
+                </a:solidFill>
+                <a:latin typeface="+mn-lt"/>
+                <a:ea typeface="+mn-ea"/>
+                <a:cs typeface="+mn-cs"/>
+              </a:defRPr>
+            </a:lvl2pPr>
+            <a:lvl3pPr marL="1143000" marR="0" indent="-228600" algn="l" defTabSz="457200" rtl="0" eaLnBrk="1" fontAlgn="auto" latinLnBrk="0" hangingPunct="1">
+              <a:lnSpc>
+                <a:spcPct val="100000"/>
+              </a:lnSpc>
+              <a:spcBef>
+                <a:spcPct val="20000"/>
+              </a:spcBef>
+              <a:spcAft>
+                <a:spcPts val="0"/>
+              </a:spcAft>
+              <a:buClrTx/>
+              <a:buSzTx/>
+              <a:buFont typeface="Arial"/>
+              <a:buChar char="•"/>
+              <a:tabLst/>
+              <a:defRPr sz="2400" kern="1200">
+                <a:solidFill>
+                  <a:schemeClr val="tx1"/>
+                </a:solidFill>
+                <a:latin typeface="+mn-lt"/>
+                <a:ea typeface="+mn-ea"/>
+                <a:cs typeface="+mn-cs"/>
+              </a:defRPr>
+            </a:lvl3pPr>
+            <a:lvl4pPr marL="1600200" marR="0" indent="-228600" algn="l" defTabSz="457200" rtl="0" eaLnBrk="1" fontAlgn="auto" latinLnBrk="0" hangingPunct="1">
+              <a:lnSpc>
+                <a:spcPct val="100000"/>
+              </a:lnSpc>
+              <a:spcBef>
+                <a:spcPct val="20000"/>
+              </a:spcBef>
+              <a:spcAft>
+                <a:spcPts val="0"/>
+              </a:spcAft>
+              <a:buClrTx/>
+              <a:buSzTx/>
+              <a:buFont typeface="Arial"/>
+              <a:buChar char="–"/>
+              <a:tabLst/>
+              <a:defRPr sz="2000" kern="1200">
+                <a:solidFill>
+                  <a:schemeClr val="tx1"/>
+                </a:solidFill>
+                <a:latin typeface="+mn-lt"/>
+                <a:ea typeface="+mn-ea"/>
+                <a:cs typeface="+mn-cs"/>
+              </a:defRPr>
+            </a:lvl4pPr>
+            <a:lvl5pPr marL="2057400" marR="0" indent="-228600" algn="l" defTabSz="457200" rtl="0" eaLnBrk="1" fontAlgn="auto" latinLnBrk="0" hangingPunct="1">
+              <a:lnSpc>
+                <a:spcPct val="100000"/>
+              </a:lnSpc>
+              <a:spcBef>
+                <a:spcPct val="20000"/>
+              </a:spcBef>
+              <a:spcAft>
+                <a:spcPts val="0"/>
+              </a:spcAft>
+              <a:buClrTx/>
+              <a:buSzTx/>
+              <a:buFont typeface="Arial"/>
+              <a:buChar char="»"/>
+              <a:tabLst/>
+              <a:defRPr sz="2000" kern="1200">
+                <a:solidFill>
+                  <a:schemeClr val="tx1"/>
+                </a:solidFill>
+                <a:latin typeface="+mn-lt"/>
+                <a:ea typeface="+mn-ea"/>
+                <a:cs typeface="+mn-cs"/>
+              </a:defRPr>
+            </a:lvl5pPr>
+            <a:lvl6pPr marL="2514600" indent="-228600" algn="l" defTabSz="457200" rtl="0" eaLnBrk="1" latinLnBrk="0" hangingPunct="1">
+              <a:spcBef>
+                <a:spcPct val="20000"/>
+              </a:spcBef>
+              <a:buFont typeface="Arial"/>
+              <a:buChar char="•"/>
+              <a:defRPr sz="2000" kern="1200">
+                <a:solidFill>
+                  <a:schemeClr val="tx1"/>
+                </a:solidFill>
+                <a:latin typeface="+mn-lt"/>
+                <a:ea typeface="+mn-ea"/>
+                <a:cs typeface="+mn-cs"/>
+              </a:defRPr>
+            </a:lvl6pPr>
+            <a:lvl7pPr marL="2971800" indent="-228600" algn="l" defTabSz="457200" rtl="0" eaLnBrk="1" latinLnBrk="0" hangingPunct="1">
+              <a:spcBef>
+                <a:spcPct val="20000"/>
+              </a:spcBef>
+              <a:buFont typeface="Arial"/>
+              <a:buChar char="•"/>
+              <a:defRPr sz="2000" kern="1200">
+                <a:solidFill>
+                  <a:schemeClr val="tx1"/>
+                </a:solidFill>
+                <a:latin typeface="+mn-lt"/>
+                <a:ea typeface="+mn-ea"/>
+                <a:cs typeface="+mn-cs"/>
+              </a:defRPr>
+            </a:lvl7pPr>
+            <a:lvl8pPr marL="3429000" indent="-228600" algn="l" defTabSz="457200" rtl="0" eaLnBrk="1" latinLnBrk="0" hangingPunct="1">
+              <a:spcBef>
+                <a:spcPct val="20000"/>
+              </a:spcBef>
+              <a:buFont typeface="Arial"/>
+              <a:buChar char="•"/>
+              <a:defRPr sz="2000" kern="1200">
+                <a:solidFill>
+                  <a:schemeClr val="tx1"/>
+                </a:solidFill>
+                <a:latin typeface="+mn-lt"/>
+                <a:ea typeface="+mn-ea"/>
+                <a:cs typeface="+mn-cs"/>
+              </a:defRPr>
+            </a:lvl8pPr>
+            <a:lvl9pPr marL="3886200" indent="-228600" algn="l" defTabSz="457200" rtl="0" eaLnBrk="1" latinLnBrk="0" hangingPunct="1">
+              <a:spcBef>
+                <a:spcPct val="20000"/>
+              </a:spcBef>
+              <a:buFont typeface="Arial"/>
+              <a:buChar char="•"/>
+              <a:defRPr sz="2000" kern="1200">
+                <a:solidFill>
+                  <a:schemeClr val="tx1"/>
+                </a:solidFill>
+                <a:latin typeface="+mn-lt"/>
+                <a:ea typeface="+mn-ea"/>
+                <a:cs typeface="+mn-cs"/>
+              </a:defRPr>
+            </a:lvl9pPr>
+          </a:lstStyle>
+          <a:p>
+            <a:pPr marL="400050" indent="-400050"/>
+            <a:r>
+              <a:rPr lang="fr-FR" sz="2400" dirty="0"/>
+              <a:t>Mettre le code JavaScript  dans un fichier externe </a:t>
+            </a:r>
+            <a:r>
+              <a:rPr lang="fr-FR" dirty="0"/>
+              <a:t>(.</a:t>
+            </a:r>
+            <a:r>
+              <a:rPr lang="fr-FR" dirty="0" err="1"/>
+              <a:t>js</a:t>
+            </a:r>
+            <a:r>
+              <a:rPr lang="fr-FR" dirty="0"/>
+              <a:t>) </a:t>
+            </a:r>
+            <a:br>
+              <a:rPr lang="fr-FR" dirty="0"/>
+            </a:br>
+            <a:br>
+              <a:rPr lang="fr-FR" sz="2400" dirty="0"/>
+            </a:br>
+            <a:br>
+              <a:rPr lang="fr-FR" sz="2400" dirty="0"/>
+            </a:br>
+            <a:br>
+              <a:rPr lang="fr-FR" sz="2400" dirty="0"/>
+            </a:br>
+            <a:r>
+              <a:rPr lang="fr-FR" sz="2400" dirty="0"/>
+              <a:t>et pointer ce fichier depuis le HTML :</a:t>
+            </a:r>
+            <a:br>
+              <a:rPr lang="fr-FR" sz="2400" dirty="0"/>
+            </a:br>
+            <a:endParaRPr lang="fr-FR" sz="2400" dirty="0"/>
+          </a:p>
+        </p:txBody>
+      </p:sp>
+      <p:sp>
+        <p:nvSpPr>
+          <p:cNvPr id="2" name="Titre 1"/>
+          <p:cNvSpPr>
+            <a:spLocks noGrp="1"/>
+          </p:cNvSpPr>
+          <p:nvPr>
+            <p:ph type="title"/>
+          </p:nvPr>
+        </p:nvSpPr>
+        <p:spPr/>
+        <p:txBody>
+          <a:bodyPr>
+            <a:noAutofit/>
+          </a:bodyPr>
+          <a:lstStyle/>
+          <a:p>
+            <a:r>
+              <a:rPr lang="fr-FR" b="1" dirty="0"/>
+              <a:t>HTML et JavaScript (3/3)</a:t>
+            </a:r>
+          </a:p>
+        </p:txBody>
+      </p:sp>
+      <p:sp>
+        <p:nvSpPr>
+          <p:cNvPr id="4" name="Espace réservé de la date 3"/>
+          <p:cNvSpPr>
+            <a:spLocks noGrp="1"/>
+          </p:cNvSpPr>
+          <p:nvPr>
+            <p:ph type="dt" sz="half" idx="10"/>
+          </p:nvPr>
+        </p:nvSpPr>
+        <p:spPr/>
+        <p:txBody>
+          <a:bodyPr/>
+          <a:lstStyle/>
+          <a:p>
+            <a:fld id="{BB2FA04C-1355-4CE6-8050-4BD994E23BD5}" type="datetime4">
+              <a:rPr lang="fr-FR" smtClean="0"/>
+              <a:t>12 juin 2019</a:t>
+            </a:fld>
+            <a:endParaRPr lang="fr-FR" dirty="0"/>
+          </a:p>
+        </p:txBody>
+      </p:sp>
+      <p:sp>
+        <p:nvSpPr>
+          <p:cNvPr id="5" name="Espace réservé du pied de page 4"/>
+          <p:cNvSpPr>
+            <a:spLocks noGrp="1"/>
+          </p:cNvSpPr>
+          <p:nvPr>
+            <p:ph type="ftr" sz="quarter" idx="11"/>
+          </p:nvPr>
+        </p:nvSpPr>
+        <p:spPr/>
+        <p:txBody>
+          <a:bodyPr/>
+          <a:lstStyle/>
+          <a:p>
+            <a:r>
+              <a:rPr lang="fr-FR"/>
+              <a:t>DIU NSI</a:t>
+            </a:r>
+          </a:p>
+        </p:txBody>
+      </p:sp>
+      <p:sp>
+        <p:nvSpPr>
+          <p:cNvPr id="6" name="Espace réservé du numéro de diapositive 5"/>
+          <p:cNvSpPr>
+            <a:spLocks noGrp="1"/>
+          </p:cNvSpPr>
+          <p:nvPr>
+            <p:ph type="sldNum" sz="quarter" idx="12"/>
+          </p:nvPr>
+        </p:nvSpPr>
+        <p:spPr/>
+        <p:txBody>
+          <a:bodyPr/>
+          <a:lstStyle/>
+          <a:p>
+            <a:fld id="{DCE37727-CC04-7A46-938D-2CCFF056F773}" type="slidenum">
+              <a:rPr lang="fr-FR" smtClean="0"/>
+              <a:pPr/>
+              <a:t>11</a:t>
             </a:fld>
             <a:endParaRPr lang="fr-FR"/>
           </a:p>
@@ -6564,649 +7431,6 @@
     <p:extLst>
       <p:ext uri="{BB962C8B-B14F-4D97-AF65-F5344CB8AC3E}">
         <p14:creationId xmlns:p14="http://schemas.microsoft.com/office/powerpoint/2010/main" val="1858990063"/>
-      </p:ext>
-    </p:extLst>
-  </p:cSld>
-  <p:clrMapOvr>
-    <a:masterClrMapping/>
-  </p:clrMapOvr>
-</p:sld>
-</file>
-
-<file path=ppt/slides/slide11.xml><?xml version="1.0" encoding="utf-8"?>
-<p:sld xmlns:a="http://schemas.openxmlformats.org/drawingml/2006/main" xmlns:r="http://schemas.openxmlformats.org/officeDocument/2006/relationships" xmlns:p="http://schemas.openxmlformats.org/presentationml/2006/main">
-  <p:cSld>
-    <p:spTree>
-      <p:nvGrpSpPr>
-        <p:cNvPr id="1" name=""/>
-        <p:cNvGrpSpPr/>
-        <p:nvPr/>
-      </p:nvGrpSpPr>
-      <p:grpSpPr>
-        <a:xfrm>
-          <a:off x="0" y="0"/>
-          <a:ext cx="0" cy="0"/>
-          <a:chOff x="0" y="0"/>
-          <a:chExt cx="0" cy="0"/>
-        </a:xfrm>
-      </p:grpSpPr>
-      <p:sp>
-        <p:nvSpPr>
-          <p:cNvPr id="2" name="Titre 1"/>
-          <p:cNvSpPr>
-            <a:spLocks noGrp="1"/>
-          </p:cNvSpPr>
-          <p:nvPr>
-            <p:ph type="title"/>
-          </p:nvPr>
-        </p:nvSpPr>
-        <p:spPr/>
-        <p:txBody>
-          <a:bodyPr>
-            <a:normAutofit/>
-          </a:bodyPr>
-          <a:lstStyle/>
-          <a:p>
-            <a:r>
-              <a:rPr lang="fr-FR" b="1" dirty="0"/>
-              <a:t>DOM </a:t>
-            </a:r>
-            <a:r>
-              <a:rPr lang="fr-FR" b="1" dirty="0" err="1"/>
-              <a:t>Element</a:t>
-            </a:r>
-            <a:endParaRPr lang="fr-FR" b="1" dirty="0"/>
-          </a:p>
-        </p:txBody>
-      </p:sp>
-      <p:sp>
-        <p:nvSpPr>
-          <p:cNvPr id="3" name="Espace réservé du contenu 2"/>
-          <p:cNvSpPr>
-            <a:spLocks noGrp="1"/>
-          </p:cNvSpPr>
-          <p:nvPr>
-            <p:ph idx="1"/>
-          </p:nvPr>
-        </p:nvSpPr>
-        <p:spPr>
-          <a:xfrm>
-            <a:off x="91440" y="1243278"/>
-            <a:ext cx="9052560" cy="4890030"/>
-          </a:xfrm>
-        </p:spPr>
-        <p:txBody>
-          <a:bodyPr/>
-          <a:lstStyle/>
-          <a:p>
-            <a:pPr marL="400050" indent="-400050"/>
-            <a:r>
-              <a:rPr lang="fr-FR" sz="2400" dirty="0"/>
-              <a:t>Les éléments DOM sont des </a:t>
-            </a:r>
-            <a:r>
-              <a:rPr lang="fr-FR" sz="2400" b="1" dirty="0"/>
-              <a:t>objets</a:t>
-            </a:r>
-            <a:r>
-              <a:rPr lang="fr-FR" sz="2400" dirty="0"/>
-              <a:t> JavaScript (</a:t>
-            </a:r>
-            <a:r>
-              <a:rPr lang="fr-FR" sz="2400" dirty="0">
-                <a:hlinkClick r:id="rId2"/>
-              </a:rPr>
-              <a:t>API</a:t>
-            </a:r>
-            <a:r>
-              <a:rPr lang="fr-FR" sz="2400" dirty="0"/>
-              <a:t>)</a:t>
-            </a:r>
-            <a:endParaRPr lang="fr-FR" sz="2400" b="1" dirty="0">
-              <a:latin typeface="Source Code Pro" panose="020B0509030403020204" pitchFamily="49" charset="0"/>
-              <a:ea typeface="Source Code Pro" panose="020B0509030403020204" pitchFamily="49" charset="0"/>
-            </a:endParaRPr>
-          </a:p>
-          <a:p>
-            <a:pPr marL="400050" indent="-400050">
-              <a:spcBef>
-                <a:spcPts val="1200"/>
-              </a:spcBef>
-            </a:pPr>
-            <a:r>
-              <a:rPr lang="fr-FR" sz="2400" dirty="0"/>
-              <a:t>Pour manipuler un élément DOM, il faut :</a:t>
-            </a:r>
-          </a:p>
-          <a:p>
-            <a:pPr marL="758825" lvl="1" indent="-358775">
-              <a:spcBef>
-                <a:spcPts val="1200"/>
-              </a:spcBef>
-              <a:buFont typeface="+mj-lt"/>
-              <a:buAutoNum type="arabicPeriod"/>
-            </a:pPr>
-            <a:r>
-              <a:rPr lang="fr-FR" sz="2000" dirty="0"/>
-              <a:t>Le trouver dans le DOM </a:t>
-            </a:r>
-            <a:r>
-              <a:rPr lang="fr-FR" sz="2000" dirty="0" err="1"/>
-              <a:t>tree</a:t>
-            </a:r>
-            <a:r>
-              <a:rPr lang="fr-FR" sz="2000" dirty="0"/>
-              <a:t> par :</a:t>
-            </a:r>
-            <a:endParaRPr lang="fr-FR" sz="2000" dirty="0">
-              <a:latin typeface="Source Code Pro" panose="020B0509030403020204" pitchFamily="49" charset="0"/>
-              <a:ea typeface="Source Code Pro" panose="020B0509030403020204" pitchFamily="49" charset="0"/>
-            </a:endParaRPr>
-          </a:p>
-          <a:p>
-            <a:pPr lvl="2"/>
-            <a:r>
-              <a:rPr lang="en-US" sz="1800" dirty="0"/>
-              <a:t>id : </a:t>
-            </a:r>
-            <a:r>
-              <a:rPr lang="fr-FR" sz="1800" dirty="0" err="1">
-                <a:solidFill>
-                  <a:srgbClr val="005CC5"/>
-                </a:solidFill>
-                <a:latin typeface="Source Code Pro" panose="020B0509030403020204"/>
-              </a:rPr>
-              <a:t>getElementById</a:t>
-            </a:r>
-            <a:endParaRPr lang="en-US" sz="1800" dirty="0">
-              <a:solidFill>
-                <a:srgbClr val="005CC5"/>
-              </a:solidFill>
-              <a:latin typeface="Source Code Pro" panose="020B0509030403020204"/>
-            </a:endParaRPr>
-          </a:p>
-          <a:p>
-            <a:pPr lvl="2"/>
-            <a:r>
-              <a:rPr lang="fr-FR" sz="1800" dirty="0"/>
-              <a:t>nom de balise : </a:t>
-            </a:r>
-            <a:r>
-              <a:rPr lang="fr-FR" sz="1800" dirty="0" err="1">
-                <a:solidFill>
-                  <a:srgbClr val="005CC5"/>
-                </a:solidFill>
-                <a:latin typeface="Source Code Pro" panose="020B0509030403020204"/>
-              </a:rPr>
-              <a:t>getElementsByName</a:t>
-            </a:r>
-            <a:endParaRPr lang="fr-FR" sz="1800" dirty="0">
-              <a:solidFill>
-                <a:srgbClr val="005CC5"/>
-              </a:solidFill>
-              <a:latin typeface="Source Code Pro" panose="020B0509030403020204"/>
-            </a:endParaRPr>
-          </a:p>
-          <a:p>
-            <a:pPr lvl="2"/>
-            <a:r>
-              <a:rPr lang="fr-FR" sz="1800" dirty="0"/>
-              <a:t>nom de classe : </a:t>
-            </a:r>
-            <a:r>
-              <a:rPr lang="fr-FR" sz="1800" dirty="0" err="1">
-                <a:solidFill>
-                  <a:srgbClr val="005CC5"/>
-                </a:solidFill>
-                <a:latin typeface="Source Code Pro" panose="020B0509030403020204"/>
-              </a:rPr>
-              <a:t>getElementsByClassName</a:t>
-            </a:r>
-            <a:endParaRPr lang="fr-FR" sz="1800" dirty="0">
-              <a:solidFill>
-                <a:srgbClr val="005CC5"/>
-              </a:solidFill>
-              <a:latin typeface="Source Code Pro" panose="020B0509030403020204"/>
-            </a:endParaRPr>
-          </a:p>
-          <a:p>
-            <a:pPr lvl="2"/>
-            <a:r>
-              <a:rPr lang="fr-FR" sz="1800" dirty="0"/>
-              <a:t>sélecteurs CSS : </a:t>
-            </a:r>
-            <a:r>
-              <a:rPr lang="fr-FR" sz="1800" dirty="0" err="1">
-                <a:solidFill>
-                  <a:srgbClr val="005CC5"/>
-                </a:solidFill>
-                <a:latin typeface="Source Code Pro" panose="020B0509030403020204"/>
-              </a:rPr>
-              <a:t>querySelector</a:t>
-            </a:r>
-            <a:endParaRPr lang="fr-FR" sz="1800" dirty="0">
-              <a:solidFill>
-                <a:srgbClr val="005CC5"/>
-              </a:solidFill>
-              <a:latin typeface="Source Code Pro" panose="020B0509030403020204"/>
-            </a:endParaRPr>
-          </a:p>
-          <a:p>
-            <a:pPr marL="758825" lvl="1" indent="-301625">
-              <a:buFont typeface="+mj-lt"/>
-              <a:buAutoNum type="arabicPeriod"/>
-            </a:pPr>
-            <a:r>
-              <a:rPr lang="fr-FR" sz="2000" dirty="0">
-                <a:latin typeface="+mj-lt"/>
-                <a:ea typeface="Source Code Pro" panose="020B0509030403020204" pitchFamily="49" charset="0"/>
-              </a:rPr>
-              <a:t>Utiliser l’API pour le modifier, créer un nouvel élément, changer son style CSS, etc. </a:t>
-            </a:r>
-          </a:p>
-        </p:txBody>
-      </p:sp>
-      <p:sp>
-        <p:nvSpPr>
-          <p:cNvPr id="4" name="Espace réservé de la date 3"/>
-          <p:cNvSpPr>
-            <a:spLocks noGrp="1"/>
-          </p:cNvSpPr>
-          <p:nvPr>
-            <p:ph type="dt" sz="half" idx="10"/>
-          </p:nvPr>
-        </p:nvSpPr>
-        <p:spPr/>
-        <p:txBody>
-          <a:bodyPr/>
-          <a:lstStyle/>
-          <a:p>
-            <a:fld id="{BB2FA04C-1355-4CE6-8050-4BD994E23BD5}" type="datetime4">
-              <a:rPr lang="fr-FR" smtClean="0"/>
-              <a:t>12 juin 2019</a:t>
-            </a:fld>
-            <a:endParaRPr lang="fr-FR" dirty="0"/>
-          </a:p>
-        </p:txBody>
-      </p:sp>
-      <p:sp>
-        <p:nvSpPr>
-          <p:cNvPr id="5" name="Espace réservé du pied de page 4"/>
-          <p:cNvSpPr>
-            <a:spLocks noGrp="1"/>
-          </p:cNvSpPr>
-          <p:nvPr>
-            <p:ph type="ftr" sz="quarter" idx="11"/>
-          </p:nvPr>
-        </p:nvSpPr>
-        <p:spPr/>
-        <p:txBody>
-          <a:bodyPr/>
-          <a:lstStyle/>
-          <a:p>
-            <a:r>
-              <a:rPr lang="fr-FR"/>
-              <a:t>DIU NSI</a:t>
-            </a:r>
-          </a:p>
-        </p:txBody>
-      </p:sp>
-      <p:sp>
-        <p:nvSpPr>
-          <p:cNvPr id="6" name="Espace réservé du numéro de diapositive 5"/>
-          <p:cNvSpPr>
-            <a:spLocks noGrp="1"/>
-          </p:cNvSpPr>
-          <p:nvPr>
-            <p:ph type="sldNum" sz="quarter" idx="12"/>
-          </p:nvPr>
-        </p:nvSpPr>
-        <p:spPr/>
-        <p:txBody>
-          <a:bodyPr/>
-          <a:lstStyle/>
-          <a:p>
-            <a:fld id="{DCE37727-CC04-7A46-938D-2CCFF056F773}" type="slidenum">
-              <a:rPr lang="fr-FR" smtClean="0"/>
-              <a:pPr/>
-              <a:t>11</a:t>
-            </a:fld>
-            <a:endParaRPr lang="fr-FR"/>
-          </a:p>
-        </p:txBody>
-      </p:sp>
-      <p:sp>
-        <p:nvSpPr>
-          <p:cNvPr id="8" name="Rectangle 7">
-            <a:extLst>
-              <a:ext uri="{FF2B5EF4-FFF2-40B4-BE49-F238E27FC236}">
-                <a16:creationId xmlns:a16="http://schemas.microsoft.com/office/drawing/2014/main" id="{99D6AB73-3556-6845-9EF8-9024C2407A0D}"/>
-              </a:ext>
-            </a:extLst>
-          </p:cNvPr>
-          <p:cNvSpPr/>
-          <p:nvPr/>
-        </p:nvSpPr>
-        <p:spPr>
-          <a:xfrm>
-            <a:off x="1070283" y="4858043"/>
-            <a:ext cx="7003434" cy="1260913"/>
-          </a:xfrm>
-          <a:prstGeom prst="rect">
-            <a:avLst/>
-          </a:prstGeom>
-          <a:solidFill>
-            <a:srgbClr val="FEF6E3"/>
-          </a:solidFill>
-          <a:effectLst>
-            <a:outerShdw blurRad="50800" dist="38100" dir="2700000" algn="tl" rotWithShape="0">
-              <a:prstClr val="black">
-                <a:alpha val="40000"/>
-              </a:prstClr>
-            </a:outerShdw>
-          </a:effectLst>
-        </p:spPr>
-        <p:txBody>
-          <a:bodyPr vert="horz" lIns="91440" tIns="45720" rIns="91440" bIns="45720" rtlCol="0" anchor="ctr">
-            <a:normAutofit/>
-          </a:bodyPr>
-          <a:lstStyle/>
-          <a:p>
-            <a:pPr marL="47625"/>
-            <a:r>
-              <a:rPr lang="fr-FR" altLang="fr-FR" dirty="0">
-                <a:solidFill>
-                  <a:srgbClr val="00B050"/>
-                </a:solidFill>
-                <a:latin typeface="Source Code Pro" panose="020B0509030403020204"/>
-              </a:rPr>
-              <a:t>let</a:t>
-            </a:r>
-            <a:r>
-              <a:rPr lang="fr-FR" altLang="fr-FR" dirty="0">
-                <a:latin typeface="Source Code Pro" panose="020B0509030403020204" pitchFamily="49" charset="0"/>
-                <a:ea typeface="Source Code Pro" panose="020B0509030403020204" pitchFamily="49" charset="0"/>
-              </a:rPr>
-              <a:t> </a:t>
-            </a:r>
-            <a:r>
-              <a:rPr lang="fr-FR" altLang="fr-FR" dirty="0" err="1">
-                <a:latin typeface="Source Code Pro" panose="020B0509030403020204" pitchFamily="49" charset="0"/>
-                <a:ea typeface="Source Code Pro" panose="020B0509030403020204" pitchFamily="49" charset="0"/>
-              </a:rPr>
-              <a:t>target</a:t>
-            </a:r>
-            <a:r>
-              <a:rPr lang="fr-FR" altLang="fr-FR" dirty="0">
-                <a:latin typeface="Source Code Pro" panose="020B0509030403020204" pitchFamily="49" charset="0"/>
-                <a:ea typeface="Source Code Pro" panose="020B0509030403020204" pitchFamily="49" charset="0"/>
-              </a:rPr>
-              <a:t> = </a:t>
-            </a:r>
-            <a:r>
-              <a:rPr lang="fr-FR" altLang="fr-FR" dirty="0" err="1">
-                <a:latin typeface="Source Code Pro" panose="020B0509030403020204" pitchFamily="49" charset="0"/>
-                <a:ea typeface="Source Code Pro" panose="020B0509030403020204" pitchFamily="49" charset="0"/>
-              </a:rPr>
-              <a:t>document.</a:t>
-            </a:r>
-            <a:r>
-              <a:rPr lang="fr-FR" altLang="fr-FR" dirty="0" err="1">
-                <a:solidFill>
-                  <a:srgbClr val="005CC5"/>
-                </a:solidFill>
-                <a:latin typeface="Source Code Pro" panose="020B0509030403020204"/>
-              </a:rPr>
-              <a:t>getElementById</a:t>
-            </a:r>
-            <a:r>
-              <a:rPr lang="fr-FR" altLang="fr-FR" dirty="0">
-                <a:latin typeface="Source Code Pro" panose="020B0509030403020204" pitchFamily="49" charset="0"/>
-                <a:ea typeface="Source Code Pro" panose="020B0509030403020204" pitchFamily="49" charset="0"/>
-              </a:rPr>
-              <a:t>(</a:t>
-            </a:r>
-            <a:r>
-              <a:rPr lang="fr-FR" altLang="fr-FR" dirty="0">
-                <a:solidFill>
-                  <a:srgbClr val="657B83"/>
-                </a:solidFill>
-                <a:latin typeface="Source Code Pro" panose="020B0509030403020204" pitchFamily="49" charset="0"/>
-                <a:ea typeface="Source Code Pro" panose="020B0509030403020204" pitchFamily="49" charset="0"/>
-              </a:rPr>
-              <a:t>"</a:t>
-            </a:r>
-            <a:r>
-              <a:rPr lang="fr-FR" altLang="fr-FR" dirty="0" err="1">
-                <a:solidFill>
-                  <a:srgbClr val="657B83"/>
-                </a:solidFill>
-                <a:latin typeface="Source Code Pro" panose="020B0509030403020204" pitchFamily="49" charset="0"/>
-                <a:ea typeface="Source Code Pro" panose="020B0509030403020204" pitchFamily="49" charset="0"/>
-              </a:rPr>
-              <a:t>monId</a:t>
-            </a:r>
-            <a:r>
-              <a:rPr lang="fr-FR" altLang="fr-FR" dirty="0">
-                <a:solidFill>
-                  <a:srgbClr val="657B83"/>
-                </a:solidFill>
-                <a:latin typeface="Source Code Pro" panose="020B0509030403020204" pitchFamily="49" charset="0"/>
-                <a:ea typeface="Source Code Pro" panose="020B0509030403020204" pitchFamily="49" charset="0"/>
-              </a:rPr>
-              <a:t>"</a:t>
-            </a:r>
-            <a:r>
-              <a:rPr lang="fr-FR" altLang="fr-FR" dirty="0">
-                <a:latin typeface="Source Code Pro" panose="020B0509030403020204" pitchFamily="49" charset="0"/>
-                <a:ea typeface="Source Code Pro" panose="020B0509030403020204" pitchFamily="49" charset="0"/>
-              </a:rPr>
-              <a:t>); </a:t>
-            </a:r>
-          </a:p>
-          <a:p>
-            <a:pPr marL="47625"/>
-            <a:r>
-              <a:rPr lang="fr-FR" altLang="fr-FR" dirty="0">
-                <a:solidFill>
-                  <a:srgbClr val="00B050"/>
-                </a:solidFill>
-                <a:latin typeface="Source Code Pro" panose="020B0509030403020204"/>
-              </a:rPr>
-              <a:t>let</a:t>
-            </a:r>
-            <a:r>
-              <a:rPr lang="fr-FR" altLang="fr-FR" dirty="0">
-                <a:latin typeface="Source Code Pro" panose="020B0509030403020204" pitchFamily="49" charset="0"/>
-                <a:ea typeface="Source Code Pro" panose="020B0509030403020204" pitchFamily="49" charset="0"/>
-              </a:rPr>
-              <a:t> </a:t>
-            </a:r>
-            <a:r>
-              <a:rPr lang="fr-FR" altLang="fr-FR" dirty="0" err="1">
-                <a:latin typeface="Source Code Pro" panose="020B0509030403020204" pitchFamily="49" charset="0"/>
-                <a:ea typeface="Source Code Pro" panose="020B0509030403020204" pitchFamily="49" charset="0"/>
-              </a:rPr>
-              <a:t>img</a:t>
-            </a:r>
-            <a:r>
-              <a:rPr lang="fr-FR" altLang="fr-FR" dirty="0">
-                <a:latin typeface="Source Code Pro" panose="020B0509030403020204" pitchFamily="49" charset="0"/>
-                <a:ea typeface="Source Code Pro" panose="020B0509030403020204" pitchFamily="49" charset="0"/>
-              </a:rPr>
-              <a:t> = </a:t>
-            </a:r>
-            <a:r>
-              <a:rPr lang="fr-FR" altLang="fr-FR" dirty="0" err="1">
-                <a:latin typeface="Source Code Pro" panose="020B0509030403020204" pitchFamily="49" charset="0"/>
-                <a:ea typeface="Source Code Pro" panose="020B0509030403020204" pitchFamily="49" charset="0"/>
-              </a:rPr>
-              <a:t>document.</a:t>
-            </a:r>
-            <a:r>
-              <a:rPr lang="fr-FR" altLang="fr-FR" dirty="0" err="1">
-                <a:solidFill>
-                  <a:srgbClr val="005CC5"/>
-                </a:solidFill>
-                <a:latin typeface="Source Code Pro" panose="020B0509030403020204"/>
-              </a:rPr>
-              <a:t>createElement</a:t>
-            </a:r>
-            <a:r>
-              <a:rPr lang="fr-FR" altLang="fr-FR" dirty="0">
-                <a:latin typeface="Source Code Pro" panose="020B0509030403020204" pitchFamily="49" charset="0"/>
-                <a:ea typeface="Source Code Pro" panose="020B0509030403020204" pitchFamily="49" charset="0"/>
-              </a:rPr>
-              <a:t>(</a:t>
-            </a:r>
-            <a:r>
-              <a:rPr lang="fr-FR" altLang="fr-FR" dirty="0">
-                <a:solidFill>
-                  <a:srgbClr val="657B83"/>
-                </a:solidFill>
-                <a:latin typeface="Source Code Pro" panose="020B0509030403020204" pitchFamily="49" charset="0"/>
-                <a:ea typeface="Source Code Pro" panose="020B0509030403020204" pitchFamily="49" charset="0"/>
-              </a:rPr>
-              <a:t>'</a:t>
-            </a:r>
-            <a:r>
-              <a:rPr lang="fr-FR" altLang="fr-FR" dirty="0" err="1">
-                <a:solidFill>
-                  <a:srgbClr val="657B83"/>
-                </a:solidFill>
-                <a:latin typeface="Source Code Pro" panose="020B0509030403020204" pitchFamily="49" charset="0"/>
-                <a:ea typeface="Source Code Pro" panose="020B0509030403020204" pitchFamily="49" charset="0"/>
-              </a:rPr>
-              <a:t>img</a:t>
-            </a:r>
-            <a:r>
-              <a:rPr lang="fr-FR" altLang="fr-FR" dirty="0">
-                <a:solidFill>
-                  <a:srgbClr val="657B83"/>
-                </a:solidFill>
-                <a:latin typeface="Source Code Pro" panose="020B0509030403020204" pitchFamily="49" charset="0"/>
-                <a:ea typeface="Source Code Pro" panose="020B0509030403020204" pitchFamily="49" charset="0"/>
-              </a:rPr>
-              <a:t>'</a:t>
-            </a:r>
-            <a:r>
-              <a:rPr lang="fr-FR" altLang="fr-FR" dirty="0">
-                <a:latin typeface="Source Code Pro" panose="020B0509030403020204" pitchFamily="49" charset="0"/>
-                <a:ea typeface="Source Code Pro" panose="020B0509030403020204" pitchFamily="49" charset="0"/>
-              </a:rPr>
-              <a:t>); </a:t>
-            </a:r>
-          </a:p>
-          <a:p>
-            <a:pPr marL="47625"/>
-            <a:r>
-              <a:rPr lang="fr-FR" altLang="fr-FR" dirty="0" err="1">
-                <a:latin typeface="Source Code Pro" panose="020B0509030403020204" pitchFamily="49" charset="0"/>
-                <a:ea typeface="Source Code Pro" panose="020B0509030403020204" pitchFamily="49" charset="0"/>
-              </a:rPr>
-              <a:t>img.src</a:t>
-            </a:r>
-            <a:r>
-              <a:rPr lang="fr-FR" altLang="fr-FR" dirty="0">
-                <a:latin typeface="Source Code Pro" panose="020B0509030403020204" pitchFamily="49" charset="0"/>
-                <a:ea typeface="Source Code Pro" panose="020B0509030403020204" pitchFamily="49" charset="0"/>
-              </a:rPr>
-              <a:t> =</a:t>
-            </a:r>
-            <a:r>
-              <a:rPr lang="fr-FR" altLang="fr-FR" dirty="0">
-                <a:solidFill>
-                  <a:srgbClr val="657B83"/>
-                </a:solidFill>
-                <a:latin typeface="Source Code Pro" panose="020B0509030403020204" pitchFamily="49" charset="0"/>
-                <a:ea typeface="Source Code Pro" panose="020B0509030403020204" pitchFamily="49" charset="0"/>
-              </a:rPr>
-              <a:t> './</a:t>
-            </a:r>
-            <a:r>
-              <a:rPr lang="fr-FR" altLang="fr-FR" dirty="0" err="1">
-                <a:solidFill>
-                  <a:srgbClr val="657B83"/>
-                </a:solidFill>
-                <a:latin typeface="Source Code Pro" panose="020B0509030403020204" pitchFamily="49" charset="0"/>
-                <a:ea typeface="Source Code Pro" panose="020B0509030403020204" pitchFamily="49" charset="0"/>
-              </a:rPr>
-              <a:t>img</a:t>
-            </a:r>
-            <a:r>
-              <a:rPr lang="fr-FR" altLang="fr-FR" dirty="0">
-                <a:solidFill>
-                  <a:srgbClr val="657B83"/>
-                </a:solidFill>
-                <a:latin typeface="Source Code Pro" panose="020B0509030403020204" pitchFamily="49" charset="0"/>
-                <a:ea typeface="Source Code Pro" panose="020B0509030403020204" pitchFamily="49" charset="0"/>
-              </a:rPr>
-              <a:t>/02.BMP'</a:t>
-            </a:r>
-            <a:r>
-              <a:rPr lang="fr-FR" altLang="fr-FR" dirty="0">
-                <a:latin typeface="Source Code Pro" panose="020B0509030403020204" pitchFamily="49" charset="0"/>
-                <a:ea typeface="Source Code Pro" panose="020B0509030403020204" pitchFamily="49" charset="0"/>
-              </a:rPr>
-              <a:t>;</a:t>
-            </a:r>
-            <a:r>
-              <a:rPr lang="fr-FR" altLang="fr-FR" dirty="0">
-                <a:solidFill>
-                  <a:srgbClr val="657B83"/>
-                </a:solidFill>
-                <a:latin typeface="Source Code Pro" panose="020B0509030403020204" pitchFamily="49" charset="0"/>
-                <a:ea typeface="Source Code Pro" panose="020B0509030403020204" pitchFamily="49" charset="0"/>
-              </a:rPr>
-              <a:t> </a:t>
-            </a:r>
-          </a:p>
-          <a:p>
-            <a:pPr marL="47625"/>
-            <a:r>
-              <a:rPr lang="fr-FR" altLang="fr-FR" dirty="0" err="1">
-                <a:latin typeface="Source Code Pro" panose="020B0509030403020204" pitchFamily="49" charset="0"/>
-                <a:ea typeface="Source Code Pro" panose="020B0509030403020204" pitchFamily="49" charset="0"/>
-              </a:rPr>
-              <a:t>target.</a:t>
-            </a:r>
-            <a:r>
-              <a:rPr lang="fr-FR" altLang="fr-FR" dirty="0" err="1">
-                <a:solidFill>
-                  <a:srgbClr val="005CC5"/>
-                </a:solidFill>
-                <a:latin typeface="Source Code Pro" panose="020B0509030403020204"/>
-              </a:rPr>
-              <a:t>appendChild</a:t>
-            </a:r>
-            <a:r>
-              <a:rPr lang="fr-FR" altLang="fr-FR" dirty="0">
-                <a:latin typeface="Source Code Pro" panose="020B0509030403020204" pitchFamily="49" charset="0"/>
-                <a:ea typeface="Source Code Pro" panose="020B0509030403020204" pitchFamily="49" charset="0"/>
-              </a:rPr>
-              <a:t>(</a:t>
-            </a:r>
-            <a:r>
-              <a:rPr lang="fr-FR" altLang="fr-FR" dirty="0" err="1">
-                <a:latin typeface="Source Code Pro" panose="020B0509030403020204" pitchFamily="49" charset="0"/>
-                <a:ea typeface="Source Code Pro" panose="020B0509030403020204" pitchFamily="49" charset="0"/>
-              </a:rPr>
-              <a:t>img</a:t>
-            </a:r>
-            <a:r>
-              <a:rPr lang="fr-FR" altLang="fr-FR" dirty="0">
-                <a:latin typeface="Source Code Pro" panose="020B0509030403020204" pitchFamily="49" charset="0"/>
-                <a:ea typeface="Source Code Pro" panose="020B0509030403020204" pitchFamily="49" charset="0"/>
-              </a:rPr>
-              <a:t>); </a:t>
-            </a:r>
-          </a:p>
-        </p:txBody>
-      </p:sp>
-    </p:spTree>
-    <p:extLst>
-      <p:ext uri="{BB962C8B-B14F-4D97-AF65-F5344CB8AC3E}">
-        <p14:creationId xmlns:p14="http://schemas.microsoft.com/office/powerpoint/2010/main" val="3306125387"/>
       </p:ext>
     </p:extLst>
   </p:cSld>
@@ -7252,6 +7476,649 @@
           <a:p>
             <a:r>
               <a:rPr lang="fr-FR" b="1" dirty="0"/>
+              <a:t>DOM </a:t>
+            </a:r>
+            <a:r>
+              <a:rPr lang="fr-FR" b="1" dirty="0" err="1"/>
+              <a:t>Element</a:t>
+            </a:r>
+            <a:endParaRPr lang="fr-FR" b="1" dirty="0"/>
+          </a:p>
+        </p:txBody>
+      </p:sp>
+      <p:sp>
+        <p:nvSpPr>
+          <p:cNvPr id="3" name="Espace réservé du contenu 2"/>
+          <p:cNvSpPr>
+            <a:spLocks noGrp="1"/>
+          </p:cNvSpPr>
+          <p:nvPr>
+            <p:ph idx="1"/>
+          </p:nvPr>
+        </p:nvSpPr>
+        <p:spPr>
+          <a:xfrm>
+            <a:off x="91440" y="1243278"/>
+            <a:ext cx="9052560" cy="4890030"/>
+          </a:xfrm>
+        </p:spPr>
+        <p:txBody>
+          <a:bodyPr/>
+          <a:lstStyle/>
+          <a:p>
+            <a:pPr marL="400050" indent="-400050"/>
+            <a:r>
+              <a:rPr lang="fr-FR" sz="2400" dirty="0"/>
+              <a:t>Les éléments DOM sont des </a:t>
+            </a:r>
+            <a:r>
+              <a:rPr lang="fr-FR" sz="2400" b="1" dirty="0"/>
+              <a:t>objets</a:t>
+            </a:r>
+            <a:r>
+              <a:rPr lang="fr-FR" sz="2400" dirty="0"/>
+              <a:t> JavaScript (</a:t>
+            </a:r>
+            <a:r>
+              <a:rPr lang="fr-FR" sz="2400" dirty="0">
+                <a:hlinkClick r:id="rId2"/>
+              </a:rPr>
+              <a:t>API</a:t>
+            </a:r>
+            <a:r>
+              <a:rPr lang="fr-FR" sz="2400" dirty="0"/>
+              <a:t>)</a:t>
+            </a:r>
+            <a:endParaRPr lang="fr-FR" sz="2400" b="1" dirty="0">
+              <a:latin typeface="Source Code Pro" panose="020B0509030403020204" pitchFamily="49" charset="0"/>
+              <a:ea typeface="Source Code Pro" panose="020B0509030403020204" pitchFamily="49" charset="0"/>
+            </a:endParaRPr>
+          </a:p>
+          <a:p>
+            <a:pPr marL="400050" indent="-400050">
+              <a:spcBef>
+                <a:spcPts val="1200"/>
+              </a:spcBef>
+            </a:pPr>
+            <a:r>
+              <a:rPr lang="fr-FR" sz="2400" dirty="0"/>
+              <a:t>Pour manipuler un élément DOM, il faut :</a:t>
+            </a:r>
+          </a:p>
+          <a:p>
+            <a:pPr marL="758825" lvl="1" indent="-358775">
+              <a:spcBef>
+                <a:spcPts val="1200"/>
+              </a:spcBef>
+              <a:buFont typeface="+mj-lt"/>
+              <a:buAutoNum type="arabicPeriod"/>
+            </a:pPr>
+            <a:r>
+              <a:rPr lang="fr-FR" sz="2000" dirty="0"/>
+              <a:t>Le trouver dans le DOM </a:t>
+            </a:r>
+            <a:r>
+              <a:rPr lang="fr-FR" sz="2000" dirty="0" err="1"/>
+              <a:t>tree</a:t>
+            </a:r>
+            <a:r>
+              <a:rPr lang="fr-FR" sz="2000" dirty="0"/>
+              <a:t> par :</a:t>
+            </a:r>
+            <a:endParaRPr lang="fr-FR" sz="2000" dirty="0">
+              <a:latin typeface="Source Code Pro" panose="020B0509030403020204" pitchFamily="49" charset="0"/>
+              <a:ea typeface="Source Code Pro" panose="020B0509030403020204" pitchFamily="49" charset="0"/>
+            </a:endParaRPr>
+          </a:p>
+          <a:p>
+            <a:pPr lvl="2"/>
+            <a:r>
+              <a:rPr lang="en-US" sz="1800" dirty="0"/>
+              <a:t>id : </a:t>
+            </a:r>
+            <a:r>
+              <a:rPr lang="fr-FR" sz="1800" dirty="0" err="1">
+                <a:solidFill>
+                  <a:srgbClr val="005CC5"/>
+                </a:solidFill>
+                <a:latin typeface="Source Code Pro" panose="020B0509030403020204"/>
+              </a:rPr>
+              <a:t>getElementById</a:t>
+            </a:r>
+            <a:endParaRPr lang="en-US" sz="1800" dirty="0">
+              <a:solidFill>
+                <a:srgbClr val="005CC5"/>
+              </a:solidFill>
+              <a:latin typeface="Source Code Pro" panose="020B0509030403020204"/>
+            </a:endParaRPr>
+          </a:p>
+          <a:p>
+            <a:pPr lvl="2"/>
+            <a:r>
+              <a:rPr lang="fr-FR" sz="1800" dirty="0"/>
+              <a:t>nom de balise : </a:t>
+            </a:r>
+            <a:r>
+              <a:rPr lang="fr-FR" sz="1800" dirty="0" err="1">
+                <a:solidFill>
+                  <a:srgbClr val="005CC5"/>
+                </a:solidFill>
+                <a:latin typeface="Source Code Pro" panose="020B0509030403020204"/>
+              </a:rPr>
+              <a:t>getElementsByName</a:t>
+            </a:r>
+            <a:endParaRPr lang="fr-FR" sz="1800" dirty="0">
+              <a:solidFill>
+                <a:srgbClr val="005CC5"/>
+              </a:solidFill>
+              <a:latin typeface="Source Code Pro" panose="020B0509030403020204"/>
+            </a:endParaRPr>
+          </a:p>
+          <a:p>
+            <a:pPr lvl="2"/>
+            <a:r>
+              <a:rPr lang="fr-FR" sz="1800" dirty="0"/>
+              <a:t>nom de classe : </a:t>
+            </a:r>
+            <a:r>
+              <a:rPr lang="fr-FR" sz="1800" dirty="0" err="1">
+                <a:solidFill>
+                  <a:srgbClr val="005CC5"/>
+                </a:solidFill>
+                <a:latin typeface="Source Code Pro" panose="020B0509030403020204"/>
+              </a:rPr>
+              <a:t>getElementsByClassName</a:t>
+            </a:r>
+            <a:endParaRPr lang="fr-FR" sz="1800" dirty="0">
+              <a:solidFill>
+                <a:srgbClr val="005CC5"/>
+              </a:solidFill>
+              <a:latin typeface="Source Code Pro" panose="020B0509030403020204"/>
+            </a:endParaRPr>
+          </a:p>
+          <a:p>
+            <a:pPr lvl="2"/>
+            <a:r>
+              <a:rPr lang="fr-FR" sz="1800" dirty="0"/>
+              <a:t>sélecteurs CSS : </a:t>
+            </a:r>
+            <a:r>
+              <a:rPr lang="fr-FR" sz="1800" dirty="0" err="1">
+                <a:solidFill>
+                  <a:srgbClr val="005CC5"/>
+                </a:solidFill>
+                <a:latin typeface="Source Code Pro" panose="020B0509030403020204"/>
+              </a:rPr>
+              <a:t>querySelector</a:t>
+            </a:r>
+            <a:endParaRPr lang="fr-FR" sz="1800" dirty="0">
+              <a:solidFill>
+                <a:srgbClr val="005CC5"/>
+              </a:solidFill>
+              <a:latin typeface="Source Code Pro" panose="020B0509030403020204"/>
+            </a:endParaRPr>
+          </a:p>
+          <a:p>
+            <a:pPr marL="758825" lvl="1" indent="-301625">
+              <a:buFont typeface="+mj-lt"/>
+              <a:buAutoNum type="arabicPeriod"/>
+            </a:pPr>
+            <a:r>
+              <a:rPr lang="fr-FR" sz="2000" dirty="0">
+                <a:latin typeface="+mj-lt"/>
+                <a:ea typeface="Source Code Pro" panose="020B0509030403020204" pitchFamily="49" charset="0"/>
+              </a:rPr>
+              <a:t>Utiliser l’API pour le modifier, créer un nouvel élément, changer son style CSS, etc. </a:t>
+            </a:r>
+          </a:p>
+        </p:txBody>
+      </p:sp>
+      <p:sp>
+        <p:nvSpPr>
+          <p:cNvPr id="4" name="Espace réservé de la date 3"/>
+          <p:cNvSpPr>
+            <a:spLocks noGrp="1"/>
+          </p:cNvSpPr>
+          <p:nvPr>
+            <p:ph type="dt" sz="half" idx="10"/>
+          </p:nvPr>
+        </p:nvSpPr>
+        <p:spPr/>
+        <p:txBody>
+          <a:bodyPr/>
+          <a:lstStyle/>
+          <a:p>
+            <a:fld id="{BB2FA04C-1355-4CE6-8050-4BD994E23BD5}" type="datetime4">
+              <a:rPr lang="fr-FR" smtClean="0"/>
+              <a:t>12 juin 2019</a:t>
+            </a:fld>
+            <a:endParaRPr lang="fr-FR" dirty="0"/>
+          </a:p>
+        </p:txBody>
+      </p:sp>
+      <p:sp>
+        <p:nvSpPr>
+          <p:cNvPr id="5" name="Espace réservé du pied de page 4"/>
+          <p:cNvSpPr>
+            <a:spLocks noGrp="1"/>
+          </p:cNvSpPr>
+          <p:nvPr>
+            <p:ph type="ftr" sz="quarter" idx="11"/>
+          </p:nvPr>
+        </p:nvSpPr>
+        <p:spPr/>
+        <p:txBody>
+          <a:bodyPr/>
+          <a:lstStyle/>
+          <a:p>
+            <a:r>
+              <a:rPr lang="fr-FR"/>
+              <a:t>DIU NSI</a:t>
+            </a:r>
+          </a:p>
+        </p:txBody>
+      </p:sp>
+      <p:sp>
+        <p:nvSpPr>
+          <p:cNvPr id="6" name="Espace réservé du numéro de diapositive 5"/>
+          <p:cNvSpPr>
+            <a:spLocks noGrp="1"/>
+          </p:cNvSpPr>
+          <p:nvPr>
+            <p:ph type="sldNum" sz="quarter" idx="12"/>
+          </p:nvPr>
+        </p:nvSpPr>
+        <p:spPr/>
+        <p:txBody>
+          <a:bodyPr/>
+          <a:lstStyle/>
+          <a:p>
+            <a:fld id="{DCE37727-CC04-7A46-938D-2CCFF056F773}" type="slidenum">
+              <a:rPr lang="fr-FR" smtClean="0"/>
+              <a:pPr/>
+              <a:t>12</a:t>
+            </a:fld>
+            <a:endParaRPr lang="fr-FR"/>
+          </a:p>
+        </p:txBody>
+      </p:sp>
+      <p:sp>
+        <p:nvSpPr>
+          <p:cNvPr id="8" name="Rectangle 7">
+            <a:extLst>
+              <a:ext uri="{FF2B5EF4-FFF2-40B4-BE49-F238E27FC236}">
+                <a16:creationId xmlns:a16="http://schemas.microsoft.com/office/drawing/2014/main" id="{99D6AB73-3556-6845-9EF8-9024C2407A0D}"/>
+              </a:ext>
+            </a:extLst>
+          </p:cNvPr>
+          <p:cNvSpPr/>
+          <p:nvPr/>
+        </p:nvSpPr>
+        <p:spPr>
+          <a:xfrm>
+            <a:off x="1070283" y="4858043"/>
+            <a:ext cx="7003434" cy="1260913"/>
+          </a:xfrm>
+          <a:prstGeom prst="rect">
+            <a:avLst/>
+          </a:prstGeom>
+          <a:solidFill>
+            <a:srgbClr val="FEF6E3"/>
+          </a:solidFill>
+          <a:effectLst>
+            <a:outerShdw blurRad="50800" dist="38100" dir="2700000" algn="tl" rotWithShape="0">
+              <a:prstClr val="black">
+                <a:alpha val="40000"/>
+              </a:prstClr>
+            </a:outerShdw>
+          </a:effectLst>
+        </p:spPr>
+        <p:txBody>
+          <a:bodyPr vert="horz" lIns="91440" tIns="45720" rIns="91440" bIns="45720" rtlCol="0" anchor="ctr">
+            <a:normAutofit/>
+          </a:bodyPr>
+          <a:lstStyle/>
+          <a:p>
+            <a:pPr marL="47625"/>
+            <a:r>
+              <a:rPr lang="fr-FR" altLang="fr-FR" dirty="0">
+                <a:solidFill>
+                  <a:srgbClr val="00B050"/>
+                </a:solidFill>
+                <a:latin typeface="Source Code Pro" panose="020B0509030403020204"/>
+              </a:rPr>
+              <a:t>let</a:t>
+            </a:r>
+            <a:r>
+              <a:rPr lang="fr-FR" altLang="fr-FR" dirty="0">
+                <a:latin typeface="Source Code Pro" panose="020B0509030403020204" pitchFamily="49" charset="0"/>
+                <a:ea typeface="Source Code Pro" panose="020B0509030403020204" pitchFamily="49" charset="0"/>
+              </a:rPr>
+              <a:t> </a:t>
+            </a:r>
+            <a:r>
+              <a:rPr lang="fr-FR" altLang="fr-FR" dirty="0" err="1">
+                <a:latin typeface="Source Code Pro" panose="020B0509030403020204" pitchFamily="49" charset="0"/>
+                <a:ea typeface="Source Code Pro" panose="020B0509030403020204" pitchFamily="49" charset="0"/>
+              </a:rPr>
+              <a:t>target</a:t>
+            </a:r>
+            <a:r>
+              <a:rPr lang="fr-FR" altLang="fr-FR" dirty="0">
+                <a:latin typeface="Source Code Pro" panose="020B0509030403020204" pitchFamily="49" charset="0"/>
+                <a:ea typeface="Source Code Pro" panose="020B0509030403020204" pitchFamily="49" charset="0"/>
+              </a:rPr>
+              <a:t> = </a:t>
+            </a:r>
+            <a:r>
+              <a:rPr lang="fr-FR" altLang="fr-FR" dirty="0" err="1">
+                <a:latin typeface="Source Code Pro" panose="020B0509030403020204" pitchFamily="49" charset="0"/>
+                <a:ea typeface="Source Code Pro" panose="020B0509030403020204" pitchFamily="49" charset="0"/>
+              </a:rPr>
+              <a:t>document.</a:t>
+            </a:r>
+            <a:r>
+              <a:rPr lang="fr-FR" altLang="fr-FR" dirty="0" err="1">
+                <a:solidFill>
+                  <a:srgbClr val="005CC5"/>
+                </a:solidFill>
+                <a:latin typeface="Source Code Pro" panose="020B0509030403020204"/>
+              </a:rPr>
+              <a:t>getElementById</a:t>
+            </a:r>
+            <a:r>
+              <a:rPr lang="fr-FR" altLang="fr-FR" dirty="0">
+                <a:latin typeface="Source Code Pro" panose="020B0509030403020204" pitchFamily="49" charset="0"/>
+                <a:ea typeface="Source Code Pro" panose="020B0509030403020204" pitchFamily="49" charset="0"/>
+              </a:rPr>
+              <a:t>(</a:t>
+            </a:r>
+            <a:r>
+              <a:rPr lang="fr-FR" altLang="fr-FR" dirty="0">
+                <a:solidFill>
+                  <a:srgbClr val="657B83"/>
+                </a:solidFill>
+                <a:latin typeface="Source Code Pro" panose="020B0509030403020204" pitchFamily="49" charset="0"/>
+                <a:ea typeface="Source Code Pro" panose="020B0509030403020204" pitchFamily="49" charset="0"/>
+              </a:rPr>
+              <a:t>"</a:t>
+            </a:r>
+            <a:r>
+              <a:rPr lang="fr-FR" altLang="fr-FR" dirty="0" err="1">
+                <a:solidFill>
+                  <a:srgbClr val="657B83"/>
+                </a:solidFill>
+                <a:latin typeface="Source Code Pro" panose="020B0509030403020204" pitchFamily="49" charset="0"/>
+                <a:ea typeface="Source Code Pro" panose="020B0509030403020204" pitchFamily="49" charset="0"/>
+              </a:rPr>
+              <a:t>monId</a:t>
+            </a:r>
+            <a:r>
+              <a:rPr lang="fr-FR" altLang="fr-FR" dirty="0">
+                <a:solidFill>
+                  <a:srgbClr val="657B83"/>
+                </a:solidFill>
+                <a:latin typeface="Source Code Pro" panose="020B0509030403020204" pitchFamily="49" charset="0"/>
+                <a:ea typeface="Source Code Pro" panose="020B0509030403020204" pitchFamily="49" charset="0"/>
+              </a:rPr>
+              <a:t>"</a:t>
+            </a:r>
+            <a:r>
+              <a:rPr lang="fr-FR" altLang="fr-FR" dirty="0">
+                <a:latin typeface="Source Code Pro" panose="020B0509030403020204" pitchFamily="49" charset="0"/>
+                <a:ea typeface="Source Code Pro" panose="020B0509030403020204" pitchFamily="49" charset="0"/>
+              </a:rPr>
+              <a:t>); </a:t>
+            </a:r>
+          </a:p>
+          <a:p>
+            <a:pPr marL="47625"/>
+            <a:r>
+              <a:rPr lang="fr-FR" altLang="fr-FR" dirty="0">
+                <a:solidFill>
+                  <a:srgbClr val="00B050"/>
+                </a:solidFill>
+                <a:latin typeface="Source Code Pro" panose="020B0509030403020204"/>
+              </a:rPr>
+              <a:t>let</a:t>
+            </a:r>
+            <a:r>
+              <a:rPr lang="fr-FR" altLang="fr-FR" dirty="0">
+                <a:latin typeface="Source Code Pro" panose="020B0509030403020204" pitchFamily="49" charset="0"/>
+                <a:ea typeface="Source Code Pro" panose="020B0509030403020204" pitchFamily="49" charset="0"/>
+              </a:rPr>
+              <a:t> </a:t>
+            </a:r>
+            <a:r>
+              <a:rPr lang="fr-FR" altLang="fr-FR" dirty="0" err="1">
+                <a:latin typeface="Source Code Pro" panose="020B0509030403020204" pitchFamily="49" charset="0"/>
+                <a:ea typeface="Source Code Pro" panose="020B0509030403020204" pitchFamily="49" charset="0"/>
+              </a:rPr>
+              <a:t>img</a:t>
+            </a:r>
+            <a:r>
+              <a:rPr lang="fr-FR" altLang="fr-FR" dirty="0">
+                <a:latin typeface="Source Code Pro" panose="020B0509030403020204" pitchFamily="49" charset="0"/>
+                <a:ea typeface="Source Code Pro" panose="020B0509030403020204" pitchFamily="49" charset="0"/>
+              </a:rPr>
+              <a:t> = </a:t>
+            </a:r>
+            <a:r>
+              <a:rPr lang="fr-FR" altLang="fr-FR" dirty="0" err="1">
+                <a:latin typeface="Source Code Pro" panose="020B0509030403020204" pitchFamily="49" charset="0"/>
+                <a:ea typeface="Source Code Pro" panose="020B0509030403020204" pitchFamily="49" charset="0"/>
+              </a:rPr>
+              <a:t>document.</a:t>
+            </a:r>
+            <a:r>
+              <a:rPr lang="fr-FR" altLang="fr-FR" dirty="0" err="1">
+                <a:solidFill>
+                  <a:srgbClr val="005CC5"/>
+                </a:solidFill>
+                <a:latin typeface="Source Code Pro" panose="020B0509030403020204"/>
+              </a:rPr>
+              <a:t>createElement</a:t>
+            </a:r>
+            <a:r>
+              <a:rPr lang="fr-FR" altLang="fr-FR" dirty="0">
+                <a:latin typeface="Source Code Pro" panose="020B0509030403020204" pitchFamily="49" charset="0"/>
+                <a:ea typeface="Source Code Pro" panose="020B0509030403020204" pitchFamily="49" charset="0"/>
+              </a:rPr>
+              <a:t>(</a:t>
+            </a:r>
+            <a:r>
+              <a:rPr lang="fr-FR" altLang="fr-FR" dirty="0">
+                <a:solidFill>
+                  <a:srgbClr val="657B83"/>
+                </a:solidFill>
+                <a:latin typeface="Source Code Pro" panose="020B0509030403020204" pitchFamily="49" charset="0"/>
+                <a:ea typeface="Source Code Pro" panose="020B0509030403020204" pitchFamily="49" charset="0"/>
+              </a:rPr>
+              <a:t>'</a:t>
+            </a:r>
+            <a:r>
+              <a:rPr lang="fr-FR" altLang="fr-FR" dirty="0" err="1">
+                <a:solidFill>
+                  <a:srgbClr val="657B83"/>
+                </a:solidFill>
+                <a:latin typeface="Source Code Pro" panose="020B0509030403020204" pitchFamily="49" charset="0"/>
+                <a:ea typeface="Source Code Pro" panose="020B0509030403020204" pitchFamily="49" charset="0"/>
+              </a:rPr>
+              <a:t>img</a:t>
+            </a:r>
+            <a:r>
+              <a:rPr lang="fr-FR" altLang="fr-FR" dirty="0">
+                <a:solidFill>
+                  <a:srgbClr val="657B83"/>
+                </a:solidFill>
+                <a:latin typeface="Source Code Pro" panose="020B0509030403020204" pitchFamily="49" charset="0"/>
+                <a:ea typeface="Source Code Pro" panose="020B0509030403020204" pitchFamily="49" charset="0"/>
+              </a:rPr>
+              <a:t>'</a:t>
+            </a:r>
+            <a:r>
+              <a:rPr lang="fr-FR" altLang="fr-FR" dirty="0">
+                <a:latin typeface="Source Code Pro" panose="020B0509030403020204" pitchFamily="49" charset="0"/>
+                <a:ea typeface="Source Code Pro" panose="020B0509030403020204" pitchFamily="49" charset="0"/>
+              </a:rPr>
+              <a:t>); </a:t>
+            </a:r>
+          </a:p>
+          <a:p>
+            <a:pPr marL="47625"/>
+            <a:r>
+              <a:rPr lang="fr-FR" altLang="fr-FR" dirty="0" err="1">
+                <a:latin typeface="Source Code Pro" panose="020B0509030403020204" pitchFamily="49" charset="0"/>
+                <a:ea typeface="Source Code Pro" panose="020B0509030403020204" pitchFamily="49" charset="0"/>
+              </a:rPr>
+              <a:t>img.src</a:t>
+            </a:r>
+            <a:r>
+              <a:rPr lang="fr-FR" altLang="fr-FR" dirty="0">
+                <a:latin typeface="Source Code Pro" panose="020B0509030403020204" pitchFamily="49" charset="0"/>
+                <a:ea typeface="Source Code Pro" panose="020B0509030403020204" pitchFamily="49" charset="0"/>
+              </a:rPr>
+              <a:t> =</a:t>
+            </a:r>
+            <a:r>
+              <a:rPr lang="fr-FR" altLang="fr-FR" dirty="0">
+                <a:solidFill>
+                  <a:srgbClr val="657B83"/>
+                </a:solidFill>
+                <a:latin typeface="Source Code Pro" panose="020B0509030403020204" pitchFamily="49" charset="0"/>
+                <a:ea typeface="Source Code Pro" panose="020B0509030403020204" pitchFamily="49" charset="0"/>
+              </a:rPr>
+              <a:t> './</a:t>
+            </a:r>
+            <a:r>
+              <a:rPr lang="fr-FR" altLang="fr-FR" dirty="0" err="1">
+                <a:solidFill>
+                  <a:srgbClr val="657B83"/>
+                </a:solidFill>
+                <a:latin typeface="Source Code Pro" panose="020B0509030403020204" pitchFamily="49" charset="0"/>
+                <a:ea typeface="Source Code Pro" panose="020B0509030403020204" pitchFamily="49" charset="0"/>
+              </a:rPr>
+              <a:t>img</a:t>
+            </a:r>
+            <a:r>
+              <a:rPr lang="fr-FR" altLang="fr-FR" dirty="0">
+                <a:solidFill>
+                  <a:srgbClr val="657B83"/>
+                </a:solidFill>
+                <a:latin typeface="Source Code Pro" panose="020B0509030403020204" pitchFamily="49" charset="0"/>
+                <a:ea typeface="Source Code Pro" panose="020B0509030403020204" pitchFamily="49" charset="0"/>
+              </a:rPr>
+              <a:t>/02.BMP'</a:t>
+            </a:r>
+            <a:r>
+              <a:rPr lang="fr-FR" altLang="fr-FR" dirty="0">
+                <a:latin typeface="Source Code Pro" panose="020B0509030403020204" pitchFamily="49" charset="0"/>
+                <a:ea typeface="Source Code Pro" panose="020B0509030403020204" pitchFamily="49" charset="0"/>
+              </a:rPr>
+              <a:t>;</a:t>
+            </a:r>
+            <a:r>
+              <a:rPr lang="fr-FR" altLang="fr-FR" dirty="0">
+                <a:solidFill>
+                  <a:srgbClr val="657B83"/>
+                </a:solidFill>
+                <a:latin typeface="Source Code Pro" panose="020B0509030403020204" pitchFamily="49" charset="0"/>
+                <a:ea typeface="Source Code Pro" panose="020B0509030403020204" pitchFamily="49" charset="0"/>
+              </a:rPr>
+              <a:t> </a:t>
+            </a:r>
+          </a:p>
+          <a:p>
+            <a:pPr marL="47625"/>
+            <a:r>
+              <a:rPr lang="fr-FR" altLang="fr-FR" dirty="0" err="1">
+                <a:latin typeface="Source Code Pro" panose="020B0509030403020204" pitchFamily="49" charset="0"/>
+                <a:ea typeface="Source Code Pro" panose="020B0509030403020204" pitchFamily="49" charset="0"/>
+              </a:rPr>
+              <a:t>target.</a:t>
+            </a:r>
+            <a:r>
+              <a:rPr lang="fr-FR" altLang="fr-FR" dirty="0" err="1">
+                <a:solidFill>
+                  <a:srgbClr val="005CC5"/>
+                </a:solidFill>
+                <a:latin typeface="Source Code Pro" panose="020B0509030403020204"/>
+              </a:rPr>
+              <a:t>appendChild</a:t>
+            </a:r>
+            <a:r>
+              <a:rPr lang="fr-FR" altLang="fr-FR" dirty="0">
+                <a:latin typeface="Source Code Pro" panose="020B0509030403020204" pitchFamily="49" charset="0"/>
+                <a:ea typeface="Source Code Pro" panose="020B0509030403020204" pitchFamily="49" charset="0"/>
+              </a:rPr>
+              <a:t>(</a:t>
+            </a:r>
+            <a:r>
+              <a:rPr lang="fr-FR" altLang="fr-FR" dirty="0" err="1">
+                <a:latin typeface="Source Code Pro" panose="020B0509030403020204" pitchFamily="49" charset="0"/>
+                <a:ea typeface="Source Code Pro" panose="020B0509030403020204" pitchFamily="49" charset="0"/>
+              </a:rPr>
+              <a:t>img</a:t>
+            </a:r>
+            <a:r>
+              <a:rPr lang="fr-FR" altLang="fr-FR" dirty="0">
+                <a:latin typeface="Source Code Pro" panose="020B0509030403020204" pitchFamily="49" charset="0"/>
+                <a:ea typeface="Source Code Pro" panose="020B0509030403020204" pitchFamily="49" charset="0"/>
+              </a:rPr>
+              <a:t>); </a:t>
+            </a:r>
+          </a:p>
+        </p:txBody>
+      </p:sp>
+    </p:spTree>
+    <p:extLst>
+      <p:ext uri="{BB962C8B-B14F-4D97-AF65-F5344CB8AC3E}">
+        <p14:creationId xmlns:p14="http://schemas.microsoft.com/office/powerpoint/2010/main" val="3306125387"/>
+      </p:ext>
+    </p:extLst>
+  </p:cSld>
+  <p:clrMapOvr>
+    <a:masterClrMapping/>
+  </p:clrMapOvr>
+</p:sld>
+</file>
+
+<file path=ppt/slides/slide13.xml><?xml version="1.0" encoding="utf-8"?>
+<p:sld xmlns:a="http://schemas.openxmlformats.org/drawingml/2006/main" xmlns:r="http://schemas.openxmlformats.org/officeDocument/2006/relationships" xmlns:p="http://schemas.openxmlformats.org/presentationml/2006/main">
+  <p:cSld>
+    <p:spTree>
+      <p:nvGrpSpPr>
+        <p:cNvPr id="1" name=""/>
+        <p:cNvGrpSpPr/>
+        <p:nvPr/>
+      </p:nvGrpSpPr>
+      <p:grpSpPr>
+        <a:xfrm>
+          <a:off x="0" y="0"/>
+          <a:ext cx="0" cy="0"/>
+          <a:chOff x="0" y="0"/>
+          <a:chExt cx="0" cy="0"/>
+        </a:xfrm>
+      </p:grpSpPr>
+      <p:sp>
+        <p:nvSpPr>
+          <p:cNvPr id="2" name="Titre 1"/>
+          <p:cNvSpPr>
+            <a:spLocks noGrp="1"/>
+          </p:cNvSpPr>
+          <p:nvPr>
+            <p:ph type="title"/>
+          </p:nvPr>
+        </p:nvSpPr>
+        <p:spPr/>
+        <p:txBody>
+          <a:bodyPr>
+            <a:normAutofit/>
+          </a:bodyPr>
+          <a:lstStyle/>
+          <a:p>
+            <a:r>
+              <a:rPr lang="fr-FR" b="1" dirty="0"/>
               <a:t>DOM Event (1/2)</a:t>
             </a:r>
           </a:p>
@@ -7346,7 +8213,7 @@
             <a:fld id="{DCE37727-CC04-7A46-938D-2CCFF056F773}" type="slidenum">
               <a:rPr lang="fr-FR" smtClean="0"/>
               <a:pPr/>
-              <a:t>12</a:t>
+              <a:t>13</a:t>
             </a:fld>
             <a:endParaRPr lang="fr-FR"/>
           </a:p>
@@ -7718,7 +8585,7 @@
 </p:sld>
 </file>
 
-<file path=ppt/slides/slide13.xml><?xml version="1.0" encoding="utf-8"?>
+<file path=ppt/slides/slide14.xml><?xml version="1.0" encoding="utf-8"?>
 <p:sld xmlns:a="http://schemas.openxmlformats.org/drawingml/2006/main" xmlns:r="http://schemas.openxmlformats.org/officeDocument/2006/relationships" xmlns:p="http://schemas.openxmlformats.org/presentationml/2006/main">
   <p:cSld>
     <p:spTree>
@@ -7848,7 +8715,7 @@
             <a:fld id="{DCE37727-CC04-7A46-938D-2CCFF056F773}" type="slidenum">
               <a:rPr lang="fr-FR" smtClean="0"/>
               <a:pPr/>
-              <a:t>13</a:t>
+              <a:t>14</a:t>
             </a:fld>
             <a:endParaRPr lang="fr-FR"/>
           </a:p>
@@ -8759,7 +9626,7 @@
 </p:sld>
 </file>
 
-<file path=ppt/slides/slide14.xml><?xml version="1.0" encoding="utf-8"?>
+<file path=ppt/slides/slide15.xml><?xml version="1.0" encoding="utf-8"?>
 <p:sld xmlns:a="http://schemas.openxmlformats.org/drawingml/2006/main" xmlns:r="http://schemas.openxmlformats.org/officeDocument/2006/relationships" xmlns:p="http://schemas.openxmlformats.org/presentationml/2006/main">
   <p:cSld>
     <p:spTree>
@@ -8861,7 +9728,7 @@
             <a:fld id="{DCE37727-CC04-7A46-938D-2CCFF056F773}" type="slidenum">
               <a:rPr lang="fr-FR" smtClean="0"/>
               <a:pPr/>
-              <a:t>14</a:t>
+              <a:t>15</a:t>
             </a:fld>
             <a:endParaRPr lang="fr-FR"/>
           </a:p>
@@ -8995,7 +9862,7 @@
 </p:sld>
 </file>
 
-<file path=ppt/slides/slide15.xml><?xml version="1.0" encoding="utf-8"?>
+<file path=ppt/slides/slide16.xml><?xml version="1.0" encoding="utf-8"?>
 <p:sld xmlns:a="http://schemas.openxmlformats.org/drawingml/2006/main" xmlns:r="http://schemas.openxmlformats.org/officeDocument/2006/relationships" xmlns:p="http://schemas.openxmlformats.org/presentationml/2006/main">
   <p:cSld>
     <p:spTree>
@@ -9108,7 +9975,7 @@
             <a:fld id="{DCE37727-CC04-7A46-938D-2CCFF056F773}" type="slidenum">
               <a:rPr lang="fr-FR" smtClean="0"/>
               <a:pPr/>
-              <a:t>15</a:t>
+              <a:t>16</a:t>
             </a:fld>
             <a:endParaRPr lang="fr-FR"/>
           </a:p>
@@ -10006,7 +10873,7 @@
 </p:sld>
 </file>
 
-<file path=ppt/slides/slide16.xml><?xml version="1.0" encoding="utf-8"?>
+<file path=ppt/slides/slide17.xml><?xml version="1.0" encoding="utf-8"?>
 <p:sld xmlns:a="http://schemas.openxmlformats.org/drawingml/2006/main" xmlns:r="http://schemas.openxmlformats.org/officeDocument/2006/relationships" xmlns:p="http://schemas.openxmlformats.org/presentationml/2006/main">
   <p:cSld>
     <p:spTree>
@@ -10117,7 +10984,7 @@
             <a:fld id="{DCE37727-CC04-7A46-938D-2CCFF056F773}" type="slidenum">
               <a:rPr lang="fr-FR" smtClean="0"/>
               <a:pPr/>
-              <a:t>16</a:t>
+              <a:t>17</a:t>
             </a:fld>
             <a:endParaRPr lang="fr-FR"/>
           </a:p>
@@ -12367,7 +13234,7 @@
           <a:p>
             <a:r>
               <a:rPr lang="fr-FR" b="1" dirty="0"/>
-              <a:t>Bases du langage (1/4)</a:t>
+              <a:t>Bases du langage (1/5)</a:t>
             </a:r>
           </a:p>
         </p:txBody>
@@ -12446,7 +13313,7 @@
           <a:p>
             <a:fld id="{BB2FA04C-1355-4CE6-8050-4BD994E23BD5}" type="datetime4">
               <a:rPr lang="fr-FR" smtClean="0"/>
-              <a:t>12 juin 2019</a:t>
+              <a:t>13 juin 2019</a:t>
             </a:fld>
             <a:endParaRPr lang="fr-FR" dirty="0"/>
           </a:p>
@@ -12524,8 +13391,8 @@
         </p:nvSpPr>
         <p:spPr>
           <a:xfrm>
-            <a:off x="1099916" y="2614062"/>
-            <a:ext cx="7003434" cy="2134173"/>
+            <a:off x="749745" y="2614062"/>
+            <a:ext cx="7703777" cy="2134173"/>
           </a:xfrm>
           <a:prstGeom prst="rect">
             <a:avLst/>
@@ -12543,7 +13410,7 @@
         </p:spPr>
         <p:txBody>
           <a:bodyPr vert="horz" lIns="91440" tIns="45720" rIns="91440" bIns="45720" rtlCol="0" anchor="ctr">
-            <a:normAutofit lnSpcReduction="10000"/>
+            <a:normAutofit/>
           </a:bodyPr>
           <a:lstStyle/>
           <a:p>
@@ -12648,7 +13515,7 @@
                 <a:latin typeface="Source Code Pro" panose="020B0509030403020204" pitchFamily="49" charset="0"/>
                 <a:ea typeface="Source Code Pro" panose="020B0509030403020204" pitchFamily="49" charset="0"/>
               </a:rPr>
-              <a:t>'5’</a:t>
+              <a:t>'5'</a:t>
             </a:r>
             <a:r>
               <a:rPr lang="fr-FR" altLang="fr-FR" dirty="0">
@@ -12849,7 +13716,7 @@
           <a:p>
             <a:r>
               <a:rPr lang="fr-FR" b="1" dirty="0"/>
-              <a:t>Bases du langage (2/4)</a:t>
+              <a:t>Bases du langage (2/5)</a:t>
             </a:r>
           </a:p>
         </p:txBody>
@@ -13211,7 +14078,7 @@
           <a:p>
             <a:r>
               <a:rPr lang="fr-FR" b="1" dirty="0"/>
-              <a:t>Bases du langage (3/4)</a:t>
+              <a:t>Bases du langage (3/5)</a:t>
             </a:r>
           </a:p>
         </p:txBody>
@@ -13693,7 +14560,7 @@
           <a:p>
             <a:r>
               <a:rPr lang="fr-FR" b="1" dirty="0"/>
-              <a:t>Bases du langage (4/4)</a:t>
+              <a:t>Bases du langage (4/5)</a:t>
             </a:r>
           </a:p>
         </p:txBody>
@@ -14234,6 +15101,648 @@
       </p:grpSpPr>
       <p:sp>
         <p:nvSpPr>
+          <p:cNvPr id="2" name="Title 1">
+            <a:extLst>
+              <a:ext uri="{FF2B5EF4-FFF2-40B4-BE49-F238E27FC236}">
+                <a16:creationId xmlns:a16="http://schemas.microsoft.com/office/drawing/2014/main" id="{197F391B-D1BC-1E4C-B310-969ADCAC9C86}"/>
+              </a:ext>
+            </a:extLst>
+          </p:cNvPr>
+          <p:cNvSpPr>
+            <a:spLocks noGrp="1"/>
+          </p:cNvSpPr>
+          <p:nvPr>
+            <p:ph type="title"/>
+          </p:nvPr>
+        </p:nvSpPr>
+        <p:spPr/>
+        <p:txBody>
+          <a:bodyPr/>
+          <a:lstStyle/>
+          <a:p>
+            <a:r>
+              <a:rPr lang="fr-FR" b="1" dirty="0"/>
+              <a:t>Bases du langage (5/5)</a:t>
+            </a:r>
+          </a:p>
+        </p:txBody>
+      </p:sp>
+      <p:sp>
+        <p:nvSpPr>
+          <p:cNvPr id="3" name="Content Placeholder 2">
+            <a:extLst>
+              <a:ext uri="{FF2B5EF4-FFF2-40B4-BE49-F238E27FC236}">
+                <a16:creationId xmlns:a16="http://schemas.microsoft.com/office/drawing/2014/main" id="{793FEC66-363B-3545-8E61-92AAFF0AFF62}"/>
+              </a:ext>
+            </a:extLst>
+          </p:cNvPr>
+          <p:cNvSpPr>
+            <a:spLocks noGrp="1"/>
+          </p:cNvSpPr>
+          <p:nvPr>
+            <p:ph idx="1"/>
+          </p:nvPr>
+        </p:nvSpPr>
+        <p:spPr/>
+        <p:txBody>
+          <a:bodyPr/>
+          <a:lstStyle/>
+          <a:p>
+            <a:r>
+              <a:rPr lang="fr-FR" sz="2400" dirty="0"/>
+              <a:t>Langage </a:t>
+            </a:r>
+            <a:r>
+              <a:rPr lang="fr-FR" sz="2400" b="1" dirty="0"/>
+              <a:t>objet </a:t>
+            </a:r>
+            <a:r>
+              <a:rPr lang="fr-FR" dirty="0"/>
+              <a:t>(orientée prototype)</a:t>
+            </a:r>
+            <a:endParaRPr lang="fr-FR" sz="2400" b="1" dirty="0"/>
+          </a:p>
+          <a:p>
+            <a:pPr lvl="1"/>
+            <a:r>
+              <a:rPr lang="fr-FR" sz="2000" dirty="0"/>
+              <a:t>constructeur</a:t>
+            </a:r>
+          </a:p>
+          <a:p>
+            <a:pPr lvl="1"/>
+            <a:r>
+              <a:rPr lang="fr-FR" sz="2000" dirty="0"/>
+              <a:t>instanciation avec </a:t>
+            </a:r>
+            <a:r>
+              <a:rPr lang="fr-FR" sz="2000" b="1" dirty="0">
+                <a:latin typeface="Source Code Pro" panose="020B0509030403020204"/>
+              </a:rPr>
+              <a:t>new</a:t>
+            </a:r>
+            <a:r>
+              <a:rPr lang="fr-FR" sz="2000" dirty="0"/>
+              <a:t> </a:t>
+            </a:r>
+          </a:p>
+          <a:p>
+            <a:pPr lvl="1"/>
+            <a:endParaRPr lang="fr-FR" sz="2000" dirty="0"/>
+          </a:p>
+          <a:p>
+            <a:pPr lvl="1"/>
+            <a:endParaRPr lang="fr-FR" sz="2000" dirty="0"/>
+          </a:p>
+          <a:p>
+            <a:pPr lvl="1"/>
+            <a:endParaRPr lang="fr-FR" sz="2000" dirty="0"/>
+          </a:p>
+        </p:txBody>
+      </p:sp>
+      <p:sp>
+        <p:nvSpPr>
+          <p:cNvPr id="4" name="Date Placeholder 3">
+            <a:extLst>
+              <a:ext uri="{FF2B5EF4-FFF2-40B4-BE49-F238E27FC236}">
+                <a16:creationId xmlns:a16="http://schemas.microsoft.com/office/drawing/2014/main" id="{8C2262F1-3C28-E94C-B574-356F02FF4906}"/>
+              </a:ext>
+            </a:extLst>
+          </p:cNvPr>
+          <p:cNvSpPr>
+            <a:spLocks noGrp="1"/>
+          </p:cNvSpPr>
+          <p:nvPr>
+            <p:ph type="dt" sz="half" idx="10"/>
+          </p:nvPr>
+        </p:nvSpPr>
+        <p:spPr/>
+        <p:txBody>
+          <a:bodyPr/>
+          <a:lstStyle/>
+          <a:p>
+            <a:fld id="{BB2FA04C-1355-4CE6-8050-4BD994E23BD5}" type="datetime4">
+              <a:rPr lang="fr-FR" smtClean="0"/>
+              <a:t>13 juin 2019</a:t>
+            </a:fld>
+            <a:endParaRPr lang="fr-FR" dirty="0"/>
+          </a:p>
+        </p:txBody>
+      </p:sp>
+      <p:sp>
+        <p:nvSpPr>
+          <p:cNvPr id="5" name="Footer Placeholder 4">
+            <a:extLst>
+              <a:ext uri="{FF2B5EF4-FFF2-40B4-BE49-F238E27FC236}">
+                <a16:creationId xmlns:a16="http://schemas.microsoft.com/office/drawing/2014/main" id="{770F343B-DF3F-094C-B705-4F41FD53029B}"/>
+              </a:ext>
+            </a:extLst>
+          </p:cNvPr>
+          <p:cNvSpPr>
+            <a:spLocks noGrp="1"/>
+          </p:cNvSpPr>
+          <p:nvPr>
+            <p:ph type="ftr" sz="quarter" idx="11"/>
+          </p:nvPr>
+        </p:nvSpPr>
+        <p:spPr/>
+        <p:txBody>
+          <a:bodyPr/>
+          <a:lstStyle/>
+          <a:p>
+            <a:r>
+              <a:rPr lang="fr-FR"/>
+              <a:t>DIU NSI</a:t>
+            </a:r>
+          </a:p>
+        </p:txBody>
+      </p:sp>
+      <p:sp>
+        <p:nvSpPr>
+          <p:cNvPr id="6" name="Slide Number Placeholder 5">
+            <a:extLst>
+              <a:ext uri="{FF2B5EF4-FFF2-40B4-BE49-F238E27FC236}">
+                <a16:creationId xmlns:a16="http://schemas.microsoft.com/office/drawing/2014/main" id="{127D60BA-7D2C-1548-8CB9-81CA238BB53C}"/>
+              </a:ext>
+            </a:extLst>
+          </p:cNvPr>
+          <p:cNvSpPr>
+            <a:spLocks noGrp="1"/>
+          </p:cNvSpPr>
+          <p:nvPr>
+            <p:ph type="sldNum" sz="quarter" idx="12"/>
+          </p:nvPr>
+        </p:nvSpPr>
+        <p:spPr/>
+        <p:txBody>
+          <a:bodyPr/>
+          <a:lstStyle/>
+          <a:p>
+            <a:fld id="{DCE37727-CC04-7A46-938D-2CCFF056F773}" type="slidenum">
+              <a:rPr lang="fr-FR" smtClean="0"/>
+              <a:pPr/>
+              <a:t>8</a:t>
+            </a:fld>
+            <a:endParaRPr lang="fr-FR"/>
+          </a:p>
+        </p:txBody>
+      </p:sp>
+      <p:sp>
+        <p:nvSpPr>
+          <p:cNvPr id="8" name="Rectangle 7">
+            <a:extLst>
+              <a:ext uri="{FF2B5EF4-FFF2-40B4-BE49-F238E27FC236}">
+                <a16:creationId xmlns:a16="http://schemas.microsoft.com/office/drawing/2014/main" id="{D45207C1-55BB-DB4B-990B-7E41DAF9E310}"/>
+              </a:ext>
+            </a:extLst>
+          </p:cNvPr>
+          <p:cNvSpPr/>
+          <p:nvPr/>
+        </p:nvSpPr>
+        <p:spPr>
+          <a:xfrm>
+            <a:off x="1532665" y="2963389"/>
+            <a:ext cx="5621470" cy="3256316"/>
+          </a:xfrm>
+          <a:prstGeom prst="rect">
+            <a:avLst/>
+          </a:prstGeom>
+          <a:solidFill>
+            <a:srgbClr val="FEF6E3"/>
+          </a:solidFill>
+          <a:effectLst>
+            <a:outerShdw blurRad="50800" dist="38100" dir="2700000" algn="tl" rotWithShape="0">
+              <a:prstClr val="black">
+                <a:alpha val="40000"/>
+              </a:prstClr>
+            </a:outerShdw>
+          </a:effectLst>
+        </p:spPr>
+        <p:txBody>
+          <a:bodyPr vert="horz" lIns="91440" tIns="45720" rIns="91440" bIns="45720" rtlCol="0" anchor="ctr">
+            <a:normAutofit/>
+          </a:bodyPr>
+          <a:lstStyle/>
+          <a:p>
+            <a:pPr marL="47625"/>
+            <a:r>
+              <a:rPr lang="fr-FR" altLang="fr-FR" dirty="0" err="1">
+                <a:solidFill>
+                  <a:srgbClr val="6F42C1"/>
+                </a:solidFill>
+                <a:latin typeface="Source Code Pro" panose="020B0509030403020204" pitchFamily="49" charset="0"/>
+                <a:ea typeface="Source Code Pro" panose="020B0509030403020204" pitchFamily="49" charset="0"/>
+              </a:rPr>
+              <a:t>function</a:t>
+            </a:r>
+            <a:r>
+              <a:rPr lang="fr-FR" altLang="fr-FR" dirty="0">
+                <a:solidFill>
+                  <a:srgbClr val="00B050"/>
+                </a:solidFill>
+                <a:latin typeface="Source Code Pro" panose="020B0509030403020204"/>
+              </a:rPr>
+              <a:t> Person</a:t>
+            </a:r>
+            <a:r>
+              <a:rPr lang="fr-FR" altLang="fr-FR" dirty="0">
+                <a:latin typeface="Source Code Pro" panose="020B0509030403020204"/>
+              </a:rPr>
+              <a:t>(first, last) { </a:t>
+            </a:r>
+          </a:p>
+          <a:p>
+            <a:pPr marL="47625"/>
+            <a:r>
+              <a:rPr lang="fr-FR" altLang="fr-FR" dirty="0">
+                <a:latin typeface="Source Code Pro" panose="020B0509030403020204"/>
+              </a:rPr>
+              <a:t>	</a:t>
+            </a:r>
+            <a:r>
+              <a:rPr lang="fr-FR" altLang="fr-FR" b="1" dirty="0" err="1">
+                <a:latin typeface="Source Code Pro" panose="020B0509030403020204"/>
+              </a:rPr>
+              <a:t>this</a:t>
+            </a:r>
+            <a:r>
+              <a:rPr lang="fr-FR" altLang="fr-FR" dirty="0" err="1">
+                <a:latin typeface="Source Code Pro" panose="020B0509030403020204"/>
+              </a:rPr>
+              <a:t>.</a:t>
+            </a:r>
+            <a:r>
+              <a:rPr lang="fr-FR" altLang="fr-FR" dirty="0" err="1">
+                <a:solidFill>
+                  <a:srgbClr val="00B0F0"/>
+                </a:solidFill>
+                <a:latin typeface="Source Code Pro" panose="020B0509030403020204"/>
+              </a:rPr>
+              <a:t>first</a:t>
+            </a:r>
+            <a:r>
+              <a:rPr lang="fr-FR" altLang="fr-FR" dirty="0">
+                <a:latin typeface="Source Code Pro" panose="020B0509030403020204"/>
+              </a:rPr>
+              <a:t> = first, </a:t>
+            </a:r>
+          </a:p>
+          <a:p>
+            <a:pPr marL="47625"/>
+            <a:r>
+              <a:rPr lang="fr-FR" altLang="fr-FR" dirty="0">
+                <a:latin typeface="Source Code Pro" panose="020B0509030403020204"/>
+              </a:rPr>
+              <a:t>	</a:t>
+            </a:r>
+            <a:r>
+              <a:rPr lang="fr-FR" altLang="fr-FR" b="1" dirty="0" err="1">
+                <a:latin typeface="Source Code Pro" panose="020B0509030403020204"/>
+              </a:rPr>
+              <a:t>this</a:t>
+            </a:r>
+            <a:r>
+              <a:rPr lang="fr-FR" altLang="fr-FR" dirty="0" err="1">
+                <a:latin typeface="Source Code Pro" panose="020B0509030403020204"/>
+              </a:rPr>
+              <a:t>.</a:t>
+            </a:r>
+            <a:r>
+              <a:rPr lang="fr-FR" altLang="fr-FR" dirty="0" err="1">
+                <a:solidFill>
+                  <a:srgbClr val="00B0F0"/>
+                </a:solidFill>
+                <a:latin typeface="Source Code Pro" panose="020B0509030403020204"/>
+              </a:rPr>
+              <a:t>last</a:t>
+            </a:r>
+            <a:r>
+              <a:rPr lang="fr-FR" altLang="fr-FR" dirty="0">
+                <a:latin typeface="Source Code Pro" panose="020B0509030403020204"/>
+              </a:rPr>
+              <a:t> = last, </a:t>
+            </a:r>
+          </a:p>
+          <a:p>
+            <a:pPr marL="47625"/>
+            <a:r>
+              <a:rPr lang="fr-FR" altLang="fr-FR" dirty="0">
+                <a:latin typeface="Source Code Pro" panose="020B0509030403020204"/>
+              </a:rPr>
+              <a:t>	</a:t>
+            </a:r>
+            <a:r>
+              <a:rPr lang="fr-FR" altLang="fr-FR" b="1" dirty="0" err="1">
+                <a:latin typeface="Source Code Pro" panose="020B0509030403020204"/>
+              </a:rPr>
+              <a:t>this</a:t>
+            </a:r>
+            <a:r>
+              <a:rPr lang="fr-FR" altLang="fr-FR" dirty="0" err="1">
+                <a:latin typeface="Source Code Pro" panose="020B0509030403020204"/>
+              </a:rPr>
+              <a:t>.</a:t>
+            </a:r>
+            <a:r>
+              <a:rPr lang="fr-FR" altLang="fr-FR" dirty="0" err="1">
+                <a:solidFill>
+                  <a:srgbClr val="00B0F0"/>
+                </a:solidFill>
+                <a:latin typeface="Source Code Pro" panose="020B0509030403020204"/>
+              </a:rPr>
+              <a:t>isAlive</a:t>
+            </a:r>
+            <a:r>
+              <a:rPr lang="fr-FR" altLang="fr-FR" dirty="0">
+                <a:latin typeface="Source Code Pro" panose="020B0509030403020204"/>
+              </a:rPr>
+              <a:t> = </a:t>
+            </a:r>
+            <a:r>
+              <a:rPr lang="fr-FR" altLang="fr-FR" dirty="0" err="1">
+                <a:solidFill>
+                  <a:srgbClr val="6F42C1"/>
+                </a:solidFill>
+                <a:latin typeface="Source Code Pro" panose="020B0509030403020204" pitchFamily="49" charset="0"/>
+                <a:ea typeface="Source Code Pro" panose="020B0509030403020204" pitchFamily="49" charset="0"/>
+              </a:rPr>
+              <a:t>undefined</a:t>
+            </a:r>
+            <a:r>
+              <a:rPr lang="fr-FR" altLang="fr-FR" dirty="0">
+                <a:solidFill>
+                  <a:srgbClr val="6F42C1"/>
+                </a:solidFill>
+                <a:latin typeface="Source Code Pro" panose="020B0509030403020204"/>
+                <a:ea typeface="Source Code Pro" panose="020B0509030403020204" pitchFamily="49" charset="0"/>
+              </a:rPr>
+              <a:t>,</a:t>
+            </a:r>
+          </a:p>
+          <a:p>
+            <a:pPr marL="47625"/>
+            <a:r>
+              <a:rPr lang="fr-FR" altLang="fr-FR" dirty="0">
+                <a:latin typeface="Source Code Pro" panose="020B0509030403020204"/>
+              </a:rPr>
+              <a:t>	</a:t>
+            </a:r>
+            <a:r>
+              <a:rPr lang="fr-FR" altLang="fr-FR" b="1" dirty="0" err="1">
+                <a:latin typeface="Source Code Pro" panose="020B0509030403020204"/>
+              </a:rPr>
+              <a:t>this</a:t>
+            </a:r>
+            <a:r>
+              <a:rPr lang="fr-FR" altLang="fr-FR" dirty="0" err="1">
+                <a:latin typeface="Source Code Pro" panose="020B0509030403020204"/>
+              </a:rPr>
+              <a:t>.</a:t>
+            </a:r>
+            <a:r>
+              <a:rPr lang="fr-FR" altLang="fr-FR" dirty="0" err="1">
+                <a:solidFill>
+                  <a:srgbClr val="00B0F0"/>
+                </a:solidFill>
+                <a:latin typeface="Source Code Pro" panose="020B0509030403020204"/>
+              </a:rPr>
+              <a:t>resurrect</a:t>
+            </a:r>
+            <a:r>
+              <a:rPr lang="fr-FR" altLang="fr-FR" dirty="0">
+                <a:latin typeface="Source Code Pro" panose="020B0509030403020204"/>
+              </a:rPr>
+              <a:t> = </a:t>
+            </a:r>
+            <a:r>
+              <a:rPr lang="fr-FR" altLang="fr-FR" dirty="0" err="1">
+                <a:solidFill>
+                  <a:srgbClr val="6F42C1"/>
+                </a:solidFill>
+                <a:latin typeface="Source Code Pro" panose="020B0509030403020204" pitchFamily="49" charset="0"/>
+                <a:ea typeface="Source Code Pro" panose="020B0509030403020204" pitchFamily="49" charset="0"/>
+              </a:rPr>
+              <a:t>function</a:t>
+            </a:r>
+            <a:r>
+              <a:rPr lang="fr-FR" altLang="fr-FR" dirty="0">
+                <a:latin typeface="Source Code Pro" panose="020B0509030403020204"/>
+              </a:rPr>
+              <a:t>() { 				</a:t>
+            </a:r>
+            <a:r>
+              <a:rPr lang="fr-FR" altLang="fr-FR" b="1" dirty="0" err="1">
+                <a:latin typeface="Source Code Pro" panose="020B0509030403020204"/>
+              </a:rPr>
+              <a:t>this</a:t>
+            </a:r>
+            <a:r>
+              <a:rPr lang="fr-FR" altLang="fr-FR" dirty="0" err="1">
+                <a:latin typeface="Source Code Pro" panose="020B0509030403020204"/>
+              </a:rPr>
+              <a:t>.isAlive</a:t>
+            </a:r>
+            <a:r>
+              <a:rPr lang="fr-FR" altLang="fr-FR" dirty="0">
+                <a:latin typeface="Source Code Pro" panose="020B0509030403020204"/>
+              </a:rPr>
+              <a:t> = </a:t>
+            </a:r>
+            <a:r>
+              <a:rPr lang="fr-FR" altLang="fr-FR" dirty="0" err="1">
+                <a:latin typeface="Source Code Pro" panose="020B0509030403020204"/>
+              </a:rPr>
+              <a:t>true</a:t>
+            </a:r>
+            <a:r>
+              <a:rPr lang="fr-FR" altLang="fr-FR" dirty="0">
+                <a:latin typeface="Source Code Pro" panose="020B0509030403020204"/>
+              </a:rPr>
+              <a:t>; </a:t>
+            </a:r>
+          </a:p>
+          <a:p>
+            <a:pPr marL="47625"/>
+            <a:r>
+              <a:rPr lang="fr-FR" altLang="fr-FR" dirty="0">
+                <a:latin typeface="Source Code Pro" panose="020B0509030403020204"/>
+              </a:rPr>
+              <a:t>	} </a:t>
+            </a:r>
+          </a:p>
+          <a:p>
+            <a:pPr marL="47625"/>
+            <a:r>
+              <a:rPr lang="fr-FR" altLang="fr-FR" dirty="0">
+                <a:latin typeface="Source Code Pro" panose="020B0509030403020204"/>
+              </a:rPr>
+              <a:t>} </a:t>
+            </a:r>
+          </a:p>
+          <a:p>
+            <a:pPr marL="47625"/>
+            <a:endParaRPr lang="fr-FR" altLang="fr-FR" dirty="0">
+              <a:latin typeface="Source Code Pro" panose="020B0509030403020204"/>
+            </a:endParaRPr>
+          </a:p>
+          <a:p>
+            <a:pPr marL="47625"/>
+            <a:r>
+              <a:rPr lang="fr-FR" altLang="fr-FR" dirty="0">
+                <a:solidFill>
+                  <a:srgbClr val="00B050"/>
+                </a:solidFill>
+                <a:latin typeface="Source Code Pro" panose="020B0509030403020204"/>
+              </a:rPr>
+              <a:t>let </a:t>
+            </a:r>
+            <a:r>
+              <a:rPr lang="fr-FR" altLang="fr-FR" dirty="0" err="1">
+                <a:latin typeface="Source Code Pro" panose="020B0509030403020204"/>
+              </a:rPr>
+              <a:t>jonSnow</a:t>
+            </a:r>
+            <a:r>
+              <a:rPr lang="fr-FR" altLang="fr-FR" dirty="0">
+                <a:latin typeface="Source Code Pro" panose="020B0509030403020204"/>
+              </a:rPr>
+              <a:t> = </a:t>
+            </a:r>
+            <a:r>
+              <a:rPr lang="fr-FR" altLang="fr-FR" b="1" dirty="0">
+                <a:latin typeface="Source Code Pro" panose="020B0509030403020204"/>
+              </a:rPr>
+              <a:t>new</a:t>
+            </a:r>
+            <a:r>
+              <a:rPr lang="fr-FR" altLang="fr-FR" dirty="0">
+                <a:latin typeface="Source Code Pro" panose="020B0509030403020204"/>
+              </a:rPr>
+              <a:t> </a:t>
+            </a:r>
+            <a:r>
+              <a:rPr lang="fr-FR" altLang="fr-FR" dirty="0">
+                <a:solidFill>
+                  <a:srgbClr val="00B050"/>
+                </a:solidFill>
+                <a:latin typeface="Source Code Pro" panose="020B0509030403020204"/>
+              </a:rPr>
+              <a:t>Person</a:t>
+            </a:r>
+            <a:r>
+              <a:rPr lang="fr-FR" altLang="fr-FR" dirty="0">
+                <a:latin typeface="Source Code Pro" panose="020B0509030403020204" pitchFamily="49" charset="0"/>
+                <a:ea typeface="Source Code Pro" panose="020B0509030403020204" pitchFamily="49" charset="0"/>
+              </a:rPr>
+              <a:t>(</a:t>
+            </a:r>
+            <a:r>
+              <a:rPr lang="fr-FR" altLang="fr-FR" dirty="0">
+                <a:solidFill>
+                  <a:srgbClr val="C00000"/>
+                </a:solidFill>
+                <a:latin typeface="Source Code Pro" panose="020B0509030403020204"/>
+              </a:rPr>
+              <a:t>'</a:t>
+            </a:r>
+            <a:r>
+              <a:rPr lang="fr-FR" altLang="fr-FR" dirty="0" err="1">
+                <a:solidFill>
+                  <a:srgbClr val="C00000"/>
+                </a:solidFill>
+                <a:latin typeface="Source Code Pro" panose="020B0509030403020204"/>
+              </a:rPr>
+              <a:t>Jon'</a:t>
+            </a:r>
+            <a:r>
+              <a:rPr lang="fr-FR" altLang="fr-FR" dirty="0" err="1">
+                <a:latin typeface="Source Code Pro" panose="020B0509030403020204"/>
+              </a:rPr>
+              <a:t>,</a:t>
+            </a:r>
+            <a:r>
+              <a:rPr lang="fr-FR" altLang="fr-FR" dirty="0" err="1">
+                <a:solidFill>
+                  <a:srgbClr val="C00000"/>
+                </a:solidFill>
+                <a:latin typeface="Source Code Pro" panose="020B0509030403020204"/>
+              </a:rPr>
+              <a:t>'Snow</a:t>
+            </a:r>
+            <a:r>
+              <a:rPr lang="fr-FR" altLang="fr-FR" dirty="0">
+                <a:solidFill>
+                  <a:srgbClr val="C00000"/>
+                </a:solidFill>
+                <a:latin typeface="Source Code Pro" panose="020B0509030403020204"/>
+              </a:rPr>
+              <a:t>'</a:t>
+            </a:r>
+            <a:r>
+              <a:rPr lang="fr-FR" altLang="fr-FR" dirty="0">
+                <a:latin typeface="Source Code Pro" panose="020B0509030403020204" pitchFamily="49" charset="0"/>
+                <a:ea typeface="Source Code Pro" panose="020B0509030403020204" pitchFamily="49" charset="0"/>
+              </a:rPr>
+              <a:t>)</a:t>
+            </a:r>
+            <a:r>
+              <a:rPr lang="fr-FR" altLang="fr-FR" dirty="0">
+                <a:latin typeface="Source Code Pro" panose="020B0509030403020204"/>
+              </a:rPr>
+              <a:t>;</a:t>
+            </a:r>
+          </a:p>
+          <a:p>
+            <a:pPr marL="47625"/>
+            <a:r>
+              <a:rPr lang="fr-FR" altLang="fr-FR" dirty="0" err="1">
+                <a:latin typeface="Source Code Pro" panose="020B0509030403020204" pitchFamily="49" charset="0"/>
+                <a:ea typeface="Source Code Pro" panose="020B0509030403020204" pitchFamily="49" charset="0"/>
+              </a:rPr>
+              <a:t>jonSnow.resurrect</a:t>
+            </a:r>
+            <a:r>
+              <a:rPr lang="fr-FR" altLang="fr-FR" dirty="0">
+                <a:latin typeface="Source Code Pro" panose="020B0509030403020204" pitchFamily="49" charset="0"/>
+                <a:ea typeface="Source Code Pro" panose="020B0509030403020204" pitchFamily="49" charset="0"/>
+              </a:rPr>
+              <a:t>();</a:t>
+            </a:r>
+          </a:p>
+        </p:txBody>
+      </p:sp>
+    </p:spTree>
+    <p:extLst>
+      <p:ext uri="{BB962C8B-B14F-4D97-AF65-F5344CB8AC3E}">
+        <p14:creationId xmlns:p14="http://schemas.microsoft.com/office/powerpoint/2010/main" val="4235800663"/>
+      </p:ext>
+    </p:extLst>
+  </p:cSld>
+  <p:clrMapOvr>
+    <a:masterClrMapping/>
+  </p:clrMapOvr>
+</p:sld>
+</file>
+
+<file path=ppt/slides/slide9.xml><?xml version="1.0" encoding="utf-8"?>
+<p:sld xmlns:a="http://schemas.openxmlformats.org/drawingml/2006/main" xmlns:r="http://schemas.openxmlformats.org/officeDocument/2006/relationships" xmlns:p="http://schemas.openxmlformats.org/presentationml/2006/main">
+  <p:cSld>
+    <p:spTree>
+      <p:nvGrpSpPr>
+        <p:cNvPr id="1" name=""/>
+        <p:cNvGrpSpPr/>
+        <p:nvPr/>
+      </p:nvGrpSpPr>
+      <p:grpSpPr>
+        <a:xfrm>
+          <a:off x="0" y="0"/>
+          <a:ext cx="0" cy="0"/>
+          <a:chOff x="0" y="0"/>
+          <a:chExt cx="0" cy="0"/>
+        </a:xfrm>
+      </p:grpSpPr>
+      <p:sp>
+        <p:nvSpPr>
           <p:cNvPr id="2" name="Titre 1"/>
           <p:cNvSpPr>
             <a:spLocks noGrp="1"/>
@@ -14319,7 +15828,7 @@
             <a:fld id="{DCE37727-CC04-7A46-938D-2CCFF056F773}" type="slidenum">
               <a:rPr lang="fr-FR" smtClean="0"/>
               <a:pPr/>
-              <a:t>8</a:t>
+              <a:t>9</a:t>
             </a:fld>
             <a:endParaRPr lang="fr-FR"/>
           </a:p>
@@ -14720,880 +16229,6 @@
   <p:transition spd="slow">
     <p:wipe/>
   </p:transition>
-</p:sld>
-</file>
-
-<file path=ppt/slides/slide9.xml><?xml version="1.0" encoding="utf-8"?>
-<p:sld xmlns:a="http://schemas.openxmlformats.org/drawingml/2006/main" xmlns:r="http://schemas.openxmlformats.org/officeDocument/2006/relationships" xmlns:p="http://schemas.openxmlformats.org/presentationml/2006/main">
-  <p:cSld>
-    <p:spTree>
-      <p:nvGrpSpPr>
-        <p:cNvPr id="1" name=""/>
-        <p:cNvGrpSpPr/>
-        <p:nvPr/>
-      </p:nvGrpSpPr>
-      <p:grpSpPr>
-        <a:xfrm>
-          <a:off x="0" y="0"/>
-          <a:ext cx="0" cy="0"/>
-          <a:chOff x="0" y="0"/>
-          <a:chExt cx="0" cy="0"/>
-        </a:xfrm>
-      </p:grpSpPr>
-      <p:sp>
-        <p:nvSpPr>
-          <p:cNvPr id="10" name="Espace réservé du contenu 2"/>
-          <p:cNvSpPr txBox="1">
-            <a:spLocks/>
-          </p:cNvSpPr>
-          <p:nvPr/>
-        </p:nvSpPr>
-        <p:spPr>
-          <a:xfrm>
-            <a:off x="228600" y="1058026"/>
-            <a:ext cx="8644466" cy="5569596"/>
-          </a:xfrm>
-          <a:prstGeom prst="rect">
-            <a:avLst/>
-          </a:prstGeom>
-        </p:spPr>
-        <p:txBody>
-          <a:bodyPr vert="horz" lIns="91440" tIns="45720" rIns="91440" bIns="45720" rtlCol="0">
-            <a:noAutofit/>
-          </a:bodyPr>
-          <a:lstStyle>
-            <a:lvl1pPr marL="342900" marR="0" indent="-342900" algn="l" defTabSz="457200" rtl="0" eaLnBrk="1" fontAlgn="auto" latinLnBrk="0" hangingPunct="1">
-              <a:lnSpc>
-                <a:spcPct val="100000"/>
-              </a:lnSpc>
-              <a:spcBef>
-                <a:spcPct val="20000"/>
-              </a:spcBef>
-              <a:spcAft>
-                <a:spcPts val="0"/>
-              </a:spcAft>
-              <a:buClr>
-                <a:schemeClr val="accent6"/>
-              </a:buClr>
-              <a:buSzTx/>
-              <a:buFont typeface="Lucida Grande"/>
-              <a:buChar char="➔"/>
-              <a:tabLst/>
-              <a:defRPr sz="2000" kern="1200">
-                <a:solidFill>
-                  <a:schemeClr val="tx1"/>
-                </a:solidFill>
-                <a:latin typeface="+mn-lt"/>
-                <a:ea typeface="+mn-ea"/>
-                <a:cs typeface="+mn-cs"/>
-              </a:defRPr>
-            </a:lvl1pPr>
-            <a:lvl2pPr marL="742950" marR="0" indent="-285750" algn="l" defTabSz="457200" rtl="0" eaLnBrk="1" fontAlgn="auto" latinLnBrk="0" hangingPunct="1">
-              <a:lnSpc>
-                <a:spcPct val="100000"/>
-              </a:lnSpc>
-              <a:spcBef>
-                <a:spcPct val="20000"/>
-              </a:spcBef>
-              <a:spcAft>
-                <a:spcPts val="0"/>
-              </a:spcAft>
-              <a:buClr>
-                <a:srgbClr val="009DE0"/>
-              </a:buClr>
-              <a:buSzTx/>
-              <a:buFont typeface="Arial"/>
-              <a:buChar char="›"/>
-              <a:tabLst/>
-              <a:defRPr sz="2800" kern="1200">
-                <a:solidFill>
-                  <a:schemeClr val="tx1"/>
-                </a:solidFill>
-                <a:latin typeface="+mn-lt"/>
-                <a:ea typeface="+mn-ea"/>
-                <a:cs typeface="+mn-cs"/>
-              </a:defRPr>
-            </a:lvl2pPr>
-            <a:lvl3pPr marL="1143000" marR="0" indent="-228600" algn="l" defTabSz="457200" rtl="0" eaLnBrk="1" fontAlgn="auto" latinLnBrk="0" hangingPunct="1">
-              <a:lnSpc>
-                <a:spcPct val="100000"/>
-              </a:lnSpc>
-              <a:spcBef>
-                <a:spcPct val="20000"/>
-              </a:spcBef>
-              <a:spcAft>
-                <a:spcPts val="0"/>
-              </a:spcAft>
-              <a:buClrTx/>
-              <a:buSzTx/>
-              <a:buFont typeface="Arial"/>
-              <a:buChar char="•"/>
-              <a:tabLst/>
-              <a:defRPr sz="2400" kern="1200">
-                <a:solidFill>
-                  <a:schemeClr val="tx1"/>
-                </a:solidFill>
-                <a:latin typeface="+mn-lt"/>
-                <a:ea typeface="+mn-ea"/>
-                <a:cs typeface="+mn-cs"/>
-              </a:defRPr>
-            </a:lvl3pPr>
-            <a:lvl4pPr marL="1600200" marR="0" indent="-228600" algn="l" defTabSz="457200" rtl="0" eaLnBrk="1" fontAlgn="auto" latinLnBrk="0" hangingPunct="1">
-              <a:lnSpc>
-                <a:spcPct val="100000"/>
-              </a:lnSpc>
-              <a:spcBef>
-                <a:spcPct val="20000"/>
-              </a:spcBef>
-              <a:spcAft>
-                <a:spcPts val="0"/>
-              </a:spcAft>
-              <a:buClrTx/>
-              <a:buSzTx/>
-              <a:buFont typeface="Arial"/>
-              <a:buChar char="–"/>
-              <a:tabLst/>
-              <a:defRPr sz="2000" kern="1200">
-                <a:solidFill>
-                  <a:schemeClr val="tx1"/>
-                </a:solidFill>
-                <a:latin typeface="+mn-lt"/>
-                <a:ea typeface="+mn-ea"/>
-                <a:cs typeface="+mn-cs"/>
-              </a:defRPr>
-            </a:lvl4pPr>
-            <a:lvl5pPr marL="2057400" marR="0" indent="-228600" algn="l" defTabSz="457200" rtl="0" eaLnBrk="1" fontAlgn="auto" latinLnBrk="0" hangingPunct="1">
-              <a:lnSpc>
-                <a:spcPct val="100000"/>
-              </a:lnSpc>
-              <a:spcBef>
-                <a:spcPct val="20000"/>
-              </a:spcBef>
-              <a:spcAft>
-                <a:spcPts val="0"/>
-              </a:spcAft>
-              <a:buClrTx/>
-              <a:buSzTx/>
-              <a:buFont typeface="Arial"/>
-              <a:buChar char="»"/>
-              <a:tabLst/>
-              <a:defRPr sz="2000" kern="1200">
-                <a:solidFill>
-                  <a:schemeClr val="tx1"/>
-                </a:solidFill>
-                <a:latin typeface="+mn-lt"/>
-                <a:ea typeface="+mn-ea"/>
-                <a:cs typeface="+mn-cs"/>
-              </a:defRPr>
-            </a:lvl5pPr>
-            <a:lvl6pPr marL="2514600" indent="-228600" algn="l" defTabSz="457200" rtl="0" eaLnBrk="1" latinLnBrk="0" hangingPunct="1">
-              <a:spcBef>
-                <a:spcPct val="20000"/>
-              </a:spcBef>
-              <a:buFont typeface="Arial"/>
-              <a:buChar char="•"/>
-              <a:defRPr sz="2000" kern="1200">
-                <a:solidFill>
-                  <a:schemeClr val="tx1"/>
-                </a:solidFill>
-                <a:latin typeface="+mn-lt"/>
-                <a:ea typeface="+mn-ea"/>
-                <a:cs typeface="+mn-cs"/>
-              </a:defRPr>
-            </a:lvl6pPr>
-            <a:lvl7pPr marL="2971800" indent="-228600" algn="l" defTabSz="457200" rtl="0" eaLnBrk="1" latinLnBrk="0" hangingPunct="1">
-              <a:spcBef>
-                <a:spcPct val="20000"/>
-              </a:spcBef>
-              <a:buFont typeface="Arial"/>
-              <a:buChar char="•"/>
-              <a:defRPr sz="2000" kern="1200">
-                <a:solidFill>
-                  <a:schemeClr val="tx1"/>
-                </a:solidFill>
-                <a:latin typeface="+mn-lt"/>
-                <a:ea typeface="+mn-ea"/>
-                <a:cs typeface="+mn-cs"/>
-              </a:defRPr>
-            </a:lvl7pPr>
-            <a:lvl8pPr marL="3429000" indent="-228600" algn="l" defTabSz="457200" rtl="0" eaLnBrk="1" latinLnBrk="0" hangingPunct="1">
-              <a:spcBef>
-                <a:spcPct val="20000"/>
-              </a:spcBef>
-              <a:buFont typeface="Arial"/>
-              <a:buChar char="•"/>
-              <a:defRPr sz="2000" kern="1200">
-                <a:solidFill>
-                  <a:schemeClr val="tx1"/>
-                </a:solidFill>
-                <a:latin typeface="+mn-lt"/>
-                <a:ea typeface="+mn-ea"/>
-                <a:cs typeface="+mn-cs"/>
-              </a:defRPr>
-            </a:lvl8pPr>
-            <a:lvl9pPr marL="3886200" indent="-228600" algn="l" defTabSz="457200" rtl="0" eaLnBrk="1" latinLnBrk="0" hangingPunct="1">
-              <a:spcBef>
-                <a:spcPct val="20000"/>
-              </a:spcBef>
-              <a:buFont typeface="Arial"/>
-              <a:buChar char="•"/>
-              <a:defRPr sz="2000" kern="1200">
-                <a:solidFill>
-                  <a:schemeClr val="tx1"/>
-                </a:solidFill>
-                <a:latin typeface="+mn-lt"/>
-                <a:ea typeface="+mn-ea"/>
-                <a:cs typeface="+mn-cs"/>
-              </a:defRPr>
-            </a:lvl9pPr>
-          </a:lstStyle>
-          <a:p>
-            <a:pPr marL="400050" indent="-400050"/>
-            <a:r>
-              <a:rPr lang="fr-FR" sz="2400" dirty="0"/>
-              <a:t>Ajouter le code JavaScript dans la page HTML </a:t>
-            </a:r>
-            <a:br>
-              <a:rPr lang="fr-FR" sz="2400" dirty="0"/>
-            </a:br>
-            <a:r>
-              <a:rPr lang="fr-FR" sz="2400" dirty="0"/>
-              <a:t>à l'intérieur d'une balise </a:t>
-            </a:r>
-            <a:r>
-              <a:rPr lang="fr-FR" sz="2400" dirty="0">
-                <a:solidFill>
-                  <a:srgbClr val="990000"/>
-                </a:solidFill>
-                <a:latin typeface="Source Code Pro" panose="020B0509030403020204" pitchFamily="49" charset="0"/>
-                <a:ea typeface="Source Code Pro" panose="020B0509030403020204" pitchFamily="49" charset="0"/>
-              </a:rPr>
-              <a:t>&lt;script&gt;</a:t>
-            </a:r>
-            <a:r>
-              <a:rPr lang="fr-FR" sz="2400" b="1" dirty="0">
-                <a:solidFill>
-                  <a:srgbClr val="990000"/>
-                </a:solidFill>
-                <a:latin typeface="+mj-lt"/>
-                <a:ea typeface="Source Code Pro" panose="020B0509030403020204" pitchFamily="49" charset="0"/>
-              </a:rPr>
-              <a:t> </a:t>
-            </a:r>
-            <a:r>
-              <a:rPr lang="fr-FR" sz="2400" dirty="0">
-                <a:latin typeface="+mj-lt"/>
-              </a:rPr>
-              <a:t>:</a:t>
-            </a:r>
-          </a:p>
-          <a:p>
-            <a:pPr marL="400050" indent="-400050"/>
-            <a:endParaRPr lang="fr-FR" sz="2400" dirty="0"/>
-          </a:p>
-          <a:p>
-            <a:pPr marL="400050" indent="-400050"/>
-            <a:endParaRPr lang="fr-FR" sz="2400" dirty="0"/>
-          </a:p>
-          <a:p>
-            <a:pPr marL="400050" indent="-400050"/>
-            <a:endParaRPr lang="fr-FR" sz="2400" dirty="0"/>
-          </a:p>
-          <a:p>
-            <a:pPr marL="0" indent="0">
-              <a:buNone/>
-            </a:pPr>
-            <a:br>
-              <a:rPr lang="fr-FR" sz="2400" dirty="0"/>
-            </a:br>
-            <a:endParaRPr lang="fr-FR" sz="2400" dirty="0"/>
-          </a:p>
-        </p:txBody>
-      </p:sp>
-      <p:sp>
-        <p:nvSpPr>
-          <p:cNvPr id="2" name="Titre 1"/>
-          <p:cNvSpPr>
-            <a:spLocks noGrp="1"/>
-          </p:cNvSpPr>
-          <p:nvPr>
-            <p:ph type="title"/>
-          </p:nvPr>
-        </p:nvSpPr>
-        <p:spPr/>
-        <p:txBody>
-          <a:bodyPr>
-            <a:noAutofit/>
-          </a:bodyPr>
-          <a:lstStyle/>
-          <a:p>
-            <a:r>
-              <a:rPr lang="fr-FR" b="1" dirty="0"/>
-              <a:t>HTML et JavaScript (2/3)</a:t>
-            </a:r>
-          </a:p>
-        </p:txBody>
-      </p:sp>
-      <p:sp>
-        <p:nvSpPr>
-          <p:cNvPr id="4" name="Espace réservé de la date 3"/>
-          <p:cNvSpPr>
-            <a:spLocks noGrp="1"/>
-          </p:cNvSpPr>
-          <p:nvPr>
-            <p:ph type="dt" sz="half" idx="10"/>
-          </p:nvPr>
-        </p:nvSpPr>
-        <p:spPr/>
-        <p:txBody>
-          <a:bodyPr/>
-          <a:lstStyle/>
-          <a:p>
-            <a:fld id="{BB2FA04C-1355-4CE6-8050-4BD994E23BD5}" type="datetime4">
-              <a:rPr lang="fr-FR" smtClean="0"/>
-              <a:t>12 juin 2019</a:t>
-            </a:fld>
-            <a:endParaRPr lang="fr-FR" dirty="0"/>
-          </a:p>
-        </p:txBody>
-      </p:sp>
-      <p:sp>
-        <p:nvSpPr>
-          <p:cNvPr id="5" name="Espace réservé du pied de page 4"/>
-          <p:cNvSpPr>
-            <a:spLocks noGrp="1"/>
-          </p:cNvSpPr>
-          <p:nvPr>
-            <p:ph type="ftr" sz="quarter" idx="11"/>
-          </p:nvPr>
-        </p:nvSpPr>
-        <p:spPr/>
-        <p:txBody>
-          <a:bodyPr/>
-          <a:lstStyle/>
-          <a:p>
-            <a:r>
-              <a:rPr lang="fr-FR"/>
-              <a:t>DIU NSI</a:t>
-            </a:r>
-          </a:p>
-        </p:txBody>
-      </p:sp>
-      <p:sp>
-        <p:nvSpPr>
-          <p:cNvPr id="6" name="Espace réservé du numéro de diapositive 5"/>
-          <p:cNvSpPr>
-            <a:spLocks noGrp="1"/>
-          </p:cNvSpPr>
-          <p:nvPr>
-            <p:ph type="sldNum" sz="quarter" idx="12"/>
-          </p:nvPr>
-        </p:nvSpPr>
-        <p:spPr/>
-        <p:txBody>
-          <a:bodyPr/>
-          <a:lstStyle/>
-          <a:p>
-            <a:fld id="{DCE37727-CC04-7A46-938D-2CCFF056F773}" type="slidenum">
-              <a:rPr lang="fr-FR" smtClean="0"/>
-              <a:pPr/>
-              <a:t>9</a:t>
-            </a:fld>
-            <a:endParaRPr lang="fr-FR"/>
-          </a:p>
-        </p:txBody>
-      </p:sp>
-      <p:sp>
-        <p:nvSpPr>
-          <p:cNvPr id="8" name="Rectangle 7">
-            <a:extLst>
-              <a:ext uri="{FF2B5EF4-FFF2-40B4-BE49-F238E27FC236}">
-                <a16:creationId xmlns:a16="http://schemas.microsoft.com/office/drawing/2014/main" id="{99D6AB73-3556-6845-9EF8-9024C2407A0D}"/>
-              </a:ext>
-            </a:extLst>
-          </p:cNvPr>
-          <p:cNvSpPr/>
-          <p:nvPr/>
-        </p:nvSpPr>
-        <p:spPr>
-          <a:xfrm>
-            <a:off x="555710" y="1981138"/>
-            <a:ext cx="8032580" cy="4030702"/>
-          </a:xfrm>
-          <a:prstGeom prst="rect">
-            <a:avLst/>
-          </a:prstGeom>
-          <a:solidFill>
-            <a:srgbClr val="FEF6E3"/>
-          </a:solidFill>
-          <a:effectLst>
-            <a:outerShdw blurRad="50800" dist="38100" dir="2700000" algn="tl" rotWithShape="0">
-              <a:prstClr val="black">
-                <a:alpha val="40000"/>
-              </a:prstClr>
-            </a:outerShdw>
-          </a:effectLst>
-        </p:spPr>
-        <p:txBody>
-          <a:bodyPr vert="horz" lIns="91440" tIns="45720" rIns="91440" bIns="45720" rtlCol="0" anchor="ctr">
-            <a:normAutofit/>
-          </a:bodyPr>
-          <a:lstStyle/>
-          <a:p>
-            <a:pPr marL="47625" indent="0">
-              <a:buFont typeface="Brix Slab Bold" pitchFamily="50" charset="0"/>
-              <a:buNone/>
-            </a:pPr>
-            <a:r>
-              <a:rPr lang="fr-FR" dirty="0">
-                <a:solidFill>
-                  <a:srgbClr val="657B83"/>
-                </a:solidFill>
-                <a:latin typeface="Source Code Pro" panose="020B0509030403020204" pitchFamily="49" charset="0"/>
-                <a:ea typeface="Source Code Pro" panose="020B0509030403020204" pitchFamily="49" charset="0"/>
-              </a:rPr>
-              <a:t>&lt;!DOCTYPE html&gt;</a:t>
-            </a:r>
-          </a:p>
-          <a:p>
-            <a:pPr marL="47625" indent="0">
-              <a:buFont typeface="Brix Slab Bold" pitchFamily="50" charset="0"/>
-              <a:buNone/>
-            </a:pPr>
-            <a:r>
-              <a:rPr lang="fr-FR" dirty="0">
-                <a:solidFill>
-                  <a:srgbClr val="010080"/>
-                </a:solidFill>
-                <a:latin typeface="Source Code Pro" panose="020B0509030403020204" pitchFamily="49" charset="0"/>
-                <a:ea typeface="Source Code Pro" panose="020B0509030403020204" pitchFamily="49" charset="0"/>
-              </a:rPr>
-              <a:t>&lt;html </a:t>
-            </a:r>
-            <a:r>
-              <a:rPr lang="fr-FR" dirty="0" err="1">
-                <a:solidFill>
-                  <a:srgbClr val="008080"/>
-                </a:solidFill>
-                <a:latin typeface="Source Code Pro" panose="020B0509030403020204" pitchFamily="49" charset="0"/>
-                <a:ea typeface="Source Code Pro" panose="020B0509030403020204" pitchFamily="49" charset="0"/>
-              </a:rPr>
-              <a:t>lang</a:t>
-            </a:r>
-            <a:r>
-              <a:rPr lang="fr-FR" dirty="0">
-                <a:solidFill>
-                  <a:srgbClr val="010080"/>
-                </a:solidFill>
-                <a:latin typeface="Source Code Pro" panose="020B0509030403020204" pitchFamily="49" charset="0"/>
-                <a:ea typeface="Source Code Pro" panose="020B0509030403020204" pitchFamily="49" charset="0"/>
-              </a:rPr>
-              <a:t>="</a:t>
-            </a:r>
-            <a:r>
-              <a:rPr lang="fr-FR" dirty="0" err="1">
-                <a:solidFill>
-                  <a:srgbClr val="990000"/>
-                </a:solidFill>
-                <a:latin typeface="Source Code Pro" panose="020B0509030403020204" pitchFamily="49" charset="0"/>
-                <a:ea typeface="Source Code Pro" panose="020B0509030403020204" pitchFamily="49" charset="0"/>
-              </a:rPr>
-              <a:t>fr</a:t>
-            </a:r>
-            <a:r>
-              <a:rPr lang="fr-FR" dirty="0">
-                <a:solidFill>
-                  <a:srgbClr val="010080"/>
-                </a:solidFill>
-                <a:latin typeface="Source Code Pro" panose="020B0509030403020204" pitchFamily="49" charset="0"/>
-                <a:ea typeface="Source Code Pro" panose="020B0509030403020204" pitchFamily="49" charset="0"/>
-              </a:rPr>
-              <a:t>"&gt;</a:t>
-            </a:r>
-          </a:p>
-          <a:p>
-            <a:pPr marL="342900" lvl="1" indent="0">
-              <a:buNone/>
-            </a:pPr>
-            <a:r>
-              <a:rPr lang="fr-FR" dirty="0">
-                <a:solidFill>
-                  <a:srgbClr val="010080"/>
-                </a:solidFill>
-                <a:latin typeface="Source Code Pro" panose="020B0509030403020204" pitchFamily="49" charset="0"/>
-                <a:ea typeface="Source Code Pro" panose="020B0509030403020204" pitchFamily="49" charset="0"/>
-              </a:rPr>
-              <a:t>&lt;</a:t>
-            </a:r>
-            <a:r>
-              <a:rPr lang="fr-FR" dirty="0" err="1">
-                <a:solidFill>
-                  <a:srgbClr val="010080"/>
-                </a:solidFill>
-                <a:latin typeface="Source Code Pro" panose="020B0509030403020204" pitchFamily="49" charset="0"/>
-                <a:ea typeface="Source Code Pro" panose="020B0509030403020204" pitchFamily="49" charset="0"/>
-              </a:rPr>
-              <a:t>head</a:t>
-            </a:r>
-            <a:r>
-              <a:rPr lang="fr-FR" dirty="0">
-                <a:solidFill>
-                  <a:srgbClr val="010080"/>
-                </a:solidFill>
-                <a:latin typeface="Source Code Pro" panose="020B0509030403020204" pitchFamily="49" charset="0"/>
-                <a:ea typeface="Source Code Pro" panose="020B0509030403020204" pitchFamily="49" charset="0"/>
-              </a:rPr>
-              <a:t>&gt; </a:t>
-            </a:r>
-          </a:p>
-          <a:p>
-            <a:pPr marL="742950" lvl="2" indent="0">
-              <a:buNone/>
-            </a:pPr>
-            <a:r>
-              <a:rPr lang="fr-FR" dirty="0">
-                <a:solidFill>
-                  <a:srgbClr val="010080"/>
-                </a:solidFill>
-                <a:latin typeface="Source Code Pro" panose="020B0509030403020204" pitchFamily="49" charset="0"/>
-                <a:ea typeface="Source Code Pro" panose="020B0509030403020204" pitchFamily="49" charset="0"/>
-              </a:rPr>
-              <a:t>&lt;</a:t>
-            </a:r>
-            <a:r>
-              <a:rPr lang="fr-FR" dirty="0" err="1">
-                <a:solidFill>
-                  <a:srgbClr val="010080"/>
-                </a:solidFill>
-                <a:latin typeface="Source Code Pro" panose="020B0509030403020204" pitchFamily="49" charset="0"/>
-                <a:ea typeface="Source Code Pro" panose="020B0509030403020204" pitchFamily="49" charset="0"/>
-              </a:rPr>
-              <a:t>meta</a:t>
-            </a:r>
-            <a:r>
-              <a:rPr lang="fr-FR" dirty="0">
-                <a:solidFill>
-                  <a:srgbClr val="010080"/>
-                </a:solidFill>
-                <a:latin typeface="Source Code Pro" panose="020B0509030403020204" pitchFamily="49" charset="0"/>
-                <a:ea typeface="Source Code Pro" panose="020B0509030403020204" pitchFamily="49" charset="0"/>
-              </a:rPr>
-              <a:t> </a:t>
-            </a:r>
-            <a:r>
-              <a:rPr lang="fr-FR" dirty="0" err="1">
-                <a:solidFill>
-                  <a:srgbClr val="008080"/>
-                </a:solidFill>
-                <a:latin typeface="Source Code Pro" panose="020B0509030403020204" pitchFamily="49" charset="0"/>
-                <a:ea typeface="Source Code Pro" panose="020B0509030403020204" pitchFamily="49" charset="0"/>
-              </a:rPr>
-              <a:t>charset</a:t>
-            </a:r>
-            <a:r>
-              <a:rPr lang="fr-FR" dirty="0">
-                <a:solidFill>
-                  <a:srgbClr val="010080"/>
-                </a:solidFill>
-                <a:latin typeface="Source Code Pro" panose="020B0509030403020204" pitchFamily="49" charset="0"/>
-                <a:ea typeface="Source Code Pro" panose="020B0509030403020204" pitchFamily="49" charset="0"/>
-              </a:rPr>
-              <a:t>="</a:t>
-            </a:r>
-            <a:r>
-              <a:rPr lang="fr-FR" dirty="0">
-                <a:solidFill>
-                  <a:srgbClr val="990000"/>
-                </a:solidFill>
-                <a:latin typeface="Source Code Pro" panose="020B0509030403020204" pitchFamily="49" charset="0"/>
-                <a:ea typeface="Source Code Pro" panose="020B0509030403020204" pitchFamily="49" charset="0"/>
-              </a:rPr>
-              <a:t>utf-8</a:t>
-            </a:r>
-            <a:r>
-              <a:rPr lang="fr-FR" dirty="0">
-                <a:solidFill>
-                  <a:srgbClr val="010080"/>
-                </a:solidFill>
-                <a:latin typeface="Source Code Pro" panose="020B0509030403020204" pitchFamily="49" charset="0"/>
-                <a:ea typeface="Source Code Pro" panose="020B0509030403020204" pitchFamily="49" charset="0"/>
-              </a:rPr>
-              <a:t>" /&gt; </a:t>
-            </a:r>
-          </a:p>
-          <a:p>
-            <a:pPr marL="342900" lvl="1" indent="0">
-              <a:buNone/>
-            </a:pPr>
-            <a:r>
-              <a:rPr lang="fr-FR" dirty="0">
-                <a:solidFill>
-                  <a:srgbClr val="010080"/>
-                </a:solidFill>
-                <a:latin typeface="Source Code Pro" panose="020B0509030403020204" pitchFamily="49" charset="0"/>
-                <a:ea typeface="Source Code Pro" panose="020B0509030403020204" pitchFamily="49" charset="0"/>
-              </a:rPr>
-              <a:t>&lt;/</a:t>
-            </a:r>
-            <a:r>
-              <a:rPr lang="fr-FR" dirty="0" err="1">
-                <a:solidFill>
-                  <a:srgbClr val="010080"/>
-                </a:solidFill>
-                <a:latin typeface="Source Code Pro" panose="020B0509030403020204" pitchFamily="49" charset="0"/>
-                <a:ea typeface="Source Code Pro" panose="020B0509030403020204" pitchFamily="49" charset="0"/>
-              </a:rPr>
-              <a:t>head</a:t>
-            </a:r>
-            <a:r>
-              <a:rPr lang="fr-FR" dirty="0">
-                <a:solidFill>
-                  <a:srgbClr val="010080"/>
-                </a:solidFill>
-                <a:latin typeface="Source Code Pro" panose="020B0509030403020204" pitchFamily="49" charset="0"/>
-                <a:ea typeface="Source Code Pro" panose="020B0509030403020204" pitchFamily="49" charset="0"/>
-              </a:rPr>
-              <a:t>&gt;</a:t>
-            </a:r>
-          </a:p>
-          <a:p>
-            <a:pPr marL="342900" lvl="1" indent="0">
-              <a:buNone/>
-            </a:pPr>
-            <a:r>
-              <a:rPr lang="fr-FR" dirty="0">
-                <a:solidFill>
-                  <a:srgbClr val="010080"/>
-                </a:solidFill>
-                <a:latin typeface="Source Code Pro" panose="020B0509030403020204" pitchFamily="49" charset="0"/>
-                <a:ea typeface="Source Code Pro" panose="020B0509030403020204" pitchFamily="49" charset="0"/>
-              </a:rPr>
-              <a:t>&lt;body&gt;</a:t>
-            </a:r>
-          </a:p>
-          <a:p>
-            <a:pPr marL="760413" lvl="1">
-              <a:spcBef>
-                <a:spcPct val="20000"/>
-              </a:spcBef>
-              <a:buClr>
-                <a:schemeClr val="accent6"/>
-              </a:buClr>
-            </a:pPr>
-            <a:r>
-              <a:rPr lang="fr-FR" altLang="fr-FR" b="1" dirty="0">
-                <a:solidFill>
-                  <a:srgbClr val="010080"/>
-                </a:solidFill>
-                <a:latin typeface="Source Code Pro" panose="020B0509030403020204" pitchFamily="49" charset="0"/>
-                <a:ea typeface="Source Code Pro" panose="020B0509030403020204" pitchFamily="49" charset="0"/>
-              </a:rPr>
-              <a:t>&lt;script&gt;</a:t>
-            </a:r>
-          </a:p>
-          <a:p>
-            <a:pPr marL="962025" lvl="2">
-              <a:spcBef>
-                <a:spcPct val="20000"/>
-              </a:spcBef>
-              <a:buClr>
-                <a:schemeClr val="accent6"/>
-              </a:buClr>
-            </a:pPr>
-            <a:r>
-              <a:rPr lang="fr-FR" altLang="fr-FR" dirty="0" err="1">
-                <a:solidFill>
-                  <a:srgbClr val="010080"/>
-                </a:solidFill>
-                <a:latin typeface="Source Code Pro" panose="020B0509030403020204" pitchFamily="49" charset="0"/>
-                <a:ea typeface="Source Code Pro" panose="020B0509030403020204" pitchFamily="49" charset="0"/>
-              </a:rPr>
-              <a:t>window.addEventListener</a:t>
-            </a:r>
-            <a:r>
-              <a:rPr lang="fr-FR" altLang="fr-FR" dirty="0">
-                <a:solidFill>
-                  <a:srgbClr val="010080"/>
-                </a:solidFill>
-                <a:latin typeface="Source Code Pro" panose="020B0509030403020204" pitchFamily="49" charset="0"/>
-                <a:ea typeface="Source Code Pro" panose="020B0509030403020204" pitchFamily="49" charset="0"/>
-              </a:rPr>
-              <a:t>('</a:t>
-            </a:r>
-            <a:r>
-              <a:rPr lang="fr-FR" altLang="fr-FR" dirty="0" err="1">
-                <a:solidFill>
-                  <a:srgbClr val="010080"/>
-                </a:solidFill>
-                <a:latin typeface="Source Code Pro" panose="020B0509030403020204" pitchFamily="49" charset="0"/>
-                <a:ea typeface="Source Code Pro" panose="020B0509030403020204" pitchFamily="49" charset="0"/>
-              </a:rPr>
-              <a:t>load</a:t>
-            </a:r>
-            <a:r>
-              <a:rPr lang="fr-FR" altLang="fr-FR" dirty="0">
-                <a:solidFill>
-                  <a:srgbClr val="010080"/>
-                </a:solidFill>
-                <a:latin typeface="Source Code Pro" panose="020B0509030403020204" pitchFamily="49" charset="0"/>
-                <a:ea typeface="Source Code Pro" panose="020B0509030403020204" pitchFamily="49" charset="0"/>
-              </a:rPr>
-              <a:t>', </a:t>
-            </a:r>
-            <a:r>
-              <a:rPr lang="fr-FR" altLang="fr-FR" dirty="0" err="1">
-                <a:solidFill>
-                  <a:srgbClr val="00B050"/>
-                </a:solidFill>
-                <a:latin typeface="Source Code Pro" panose="020B0509030403020204"/>
-              </a:rPr>
-              <a:t>function</a:t>
-            </a:r>
-            <a:r>
-              <a:rPr lang="fr-FR" altLang="fr-FR" dirty="0">
-                <a:solidFill>
-                  <a:srgbClr val="010080"/>
-                </a:solidFill>
-                <a:latin typeface="Source Code Pro" panose="020B0509030403020204" pitchFamily="49" charset="0"/>
-                <a:ea typeface="Source Code Pro" panose="020B0509030403020204" pitchFamily="49" charset="0"/>
-              </a:rPr>
-              <a:t> () {     </a:t>
-            </a:r>
-          </a:p>
-          <a:p>
-            <a:pPr marL="962025" lvl="2">
-              <a:spcBef>
-                <a:spcPct val="20000"/>
-              </a:spcBef>
-              <a:buClr>
-                <a:schemeClr val="accent6"/>
-              </a:buClr>
-            </a:pPr>
-            <a:r>
-              <a:rPr lang="fr-FR" altLang="fr-FR" dirty="0" err="1">
-                <a:solidFill>
-                  <a:srgbClr val="6F42C1"/>
-                </a:solidFill>
-                <a:latin typeface="Source Code Pro" panose="020B0509030403020204"/>
-              </a:rPr>
-              <a:t>console</a:t>
-            </a:r>
-            <a:r>
-              <a:rPr lang="fr-FR" altLang="fr-FR" dirty="0" err="1">
-                <a:solidFill>
-                  <a:srgbClr val="010080"/>
-                </a:solidFill>
-                <a:latin typeface="Source Code Pro" panose="020B0509030403020204" pitchFamily="49" charset="0"/>
-                <a:ea typeface="Source Code Pro" panose="020B0509030403020204" pitchFamily="49" charset="0"/>
-              </a:rPr>
-              <a:t>.</a:t>
-            </a:r>
-            <a:r>
-              <a:rPr lang="fr-FR" altLang="fr-FR" dirty="0" err="1">
-                <a:solidFill>
-                  <a:srgbClr val="005CC5"/>
-                </a:solidFill>
-                <a:latin typeface="Source Code Pro" panose="020B0509030403020204"/>
-              </a:rPr>
-              <a:t>log</a:t>
-            </a:r>
-            <a:r>
-              <a:rPr lang="fr-FR" altLang="fr-FR" dirty="0">
-                <a:solidFill>
-                  <a:srgbClr val="010080"/>
-                </a:solidFill>
-                <a:latin typeface="Source Code Pro" panose="020B0509030403020204" pitchFamily="49" charset="0"/>
-                <a:ea typeface="Source Code Pro" panose="020B0509030403020204" pitchFamily="49" charset="0"/>
-              </a:rPr>
-              <a:t>(</a:t>
-            </a:r>
-            <a:r>
-              <a:rPr lang="fr-FR" altLang="fr-FR" dirty="0">
-                <a:solidFill>
-                  <a:srgbClr val="657B83"/>
-                </a:solidFill>
-                <a:latin typeface="Source Code Pro" panose="020B0509030403020204" pitchFamily="49" charset="0"/>
-                <a:ea typeface="Source Code Pro" panose="020B0509030403020204" pitchFamily="49" charset="0"/>
-              </a:rPr>
-              <a:t>'Cette fonction est exécutée une fois la page chargée.'</a:t>
-            </a:r>
-            <a:r>
-              <a:rPr lang="fr-FR" altLang="fr-FR" dirty="0">
-                <a:solidFill>
-                  <a:srgbClr val="010080"/>
-                </a:solidFill>
-                <a:latin typeface="Source Code Pro" panose="020B0509030403020204" pitchFamily="49" charset="0"/>
-                <a:ea typeface="Source Code Pro" panose="020B0509030403020204" pitchFamily="49" charset="0"/>
-              </a:rPr>
-              <a:t>); });  </a:t>
-            </a:r>
-          </a:p>
-          <a:p>
-            <a:pPr marL="760413" lvl="1">
-              <a:spcBef>
-                <a:spcPct val="20000"/>
-              </a:spcBef>
-              <a:buClr>
-                <a:schemeClr val="accent6"/>
-              </a:buClr>
-            </a:pPr>
-            <a:r>
-              <a:rPr lang="fr-FR" altLang="fr-FR" b="1" dirty="0">
-                <a:solidFill>
-                  <a:srgbClr val="010080"/>
-                </a:solidFill>
-                <a:latin typeface="Source Code Pro" panose="020B0509030403020204" pitchFamily="49" charset="0"/>
-                <a:ea typeface="Source Code Pro" panose="020B0509030403020204" pitchFamily="49" charset="0"/>
-              </a:rPr>
-              <a:t>&lt;/script&gt;</a:t>
-            </a:r>
-          </a:p>
-          <a:p>
-            <a:pPr marL="342900" lvl="1" indent="0">
-              <a:buNone/>
-            </a:pPr>
-            <a:r>
-              <a:rPr lang="fr-FR" dirty="0">
-                <a:solidFill>
-                  <a:srgbClr val="010080"/>
-                </a:solidFill>
-                <a:latin typeface="Source Code Pro" panose="020B0509030403020204" pitchFamily="49" charset="0"/>
-              </a:rPr>
-              <a:t>&lt;/body&gt;</a:t>
-            </a:r>
-          </a:p>
-          <a:p>
-            <a:pPr marL="47625" indent="0">
-              <a:buNone/>
-            </a:pPr>
-            <a:r>
-              <a:rPr lang="fr-FR" dirty="0">
-                <a:solidFill>
-                  <a:srgbClr val="010080"/>
-                </a:solidFill>
-                <a:latin typeface="Source Code Pro" panose="020B0509030403020204" pitchFamily="49" charset="0"/>
-              </a:rPr>
-              <a:t>&lt;/html&gt;</a:t>
-            </a:r>
-            <a:endParaRPr lang="en-US" dirty="0">
-              <a:solidFill>
-                <a:srgbClr val="657B83"/>
-              </a:solidFill>
-              <a:latin typeface="Source Code Pro" panose="020B0509030403020204" pitchFamily="49" charset="0"/>
-            </a:endParaRPr>
-          </a:p>
-        </p:txBody>
-      </p:sp>
-    </p:spTree>
-    <p:extLst>
-      <p:ext uri="{BB962C8B-B14F-4D97-AF65-F5344CB8AC3E}">
-        <p14:creationId xmlns:p14="http://schemas.microsoft.com/office/powerpoint/2010/main" val="472601625"/>
-      </p:ext>
-    </p:extLst>
-  </p:cSld>
-  <p:clrMapOvr>
-    <a:masterClrMapping/>
-  </p:clrMapOvr>
 </p:sld>
 </file>
 

--- a/web/4-JS/JavaScript.pptx
+++ b/web/4-JS/JavaScript.pptx
@@ -7498,8 +7498,8 @@
         </p:nvSpPr>
         <p:spPr>
           <a:xfrm>
-            <a:off x="91440" y="1243278"/>
-            <a:ext cx="9052560" cy="4890030"/>
+            <a:off x="228600" y="1051560"/>
+            <a:ext cx="8915400" cy="5090892"/>
           </a:xfrm>
         </p:spPr>
         <p:txBody>
@@ -7668,7 +7668,20 @@
                 <a:latin typeface="+mj-lt"/>
                 <a:ea typeface="Source Code Pro" panose="020B0509030403020204" pitchFamily="49" charset="0"/>
               </a:rPr>
-              <a:t>Utiliser l’API pour le modifier, créer un nouvel élément, changer son style CSS, etc. </a:t>
+              <a:t>Utiliser l’API pour le modifier, créer un nouvel élément, </a:t>
+            </a:r>
+            <a:br>
+              <a:rPr lang="fr-FR" sz="2000" dirty="0">
+                <a:latin typeface="+mj-lt"/>
+                <a:ea typeface="Source Code Pro" panose="020B0509030403020204" pitchFamily="49" charset="0"/>
+              </a:rPr>
+            </a:br>
+            <a:r>
+              <a:rPr lang="fr-FR" sz="2000" dirty="0">
+                <a:latin typeface="+mj-lt"/>
+                <a:ea typeface="Source Code Pro" panose="020B0509030403020204" pitchFamily="49" charset="0"/>
+              </a:rPr>
+              <a:t>changer son style CSS, etc. </a:t>
             </a:r>
           </a:p>
         </p:txBody>
@@ -7756,7 +7769,7 @@
         </p:nvSpPr>
         <p:spPr>
           <a:xfrm>
-            <a:off x="1070283" y="4858043"/>
+            <a:off x="1070283" y="4666019"/>
             <a:ext cx="7003434" cy="1260913"/>
           </a:xfrm>
           <a:prstGeom prst="rect">
@@ -9667,6 +9680,101 @@
       </p:sp>
       <p:sp>
         <p:nvSpPr>
+          <p:cNvPr id="7" name="Espace réservé du contenu 2"/>
+          <p:cNvSpPr>
+            <a:spLocks noGrp="1"/>
+          </p:cNvSpPr>
+          <p:nvPr>
+            <p:ph idx="1"/>
+          </p:nvPr>
+        </p:nvSpPr>
+        <p:spPr/>
+        <p:txBody>
+          <a:bodyPr/>
+          <a:lstStyle/>
+          <a:p>
+            <a:r>
+              <a:rPr lang="fr-FR" sz="2400" dirty="0"/>
+              <a:t>JavaScript est un langage </a:t>
+            </a:r>
+            <a:r>
+              <a:rPr lang="fr-FR" sz="2400" b="1" dirty="0"/>
+              <a:t>fonctionnel</a:t>
+            </a:r>
+            <a:r>
+              <a:rPr lang="fr-FR" sz="2400" dirty="0"/>
+              <a:t>, </a:t>
+            </a:r>
+            <a:r>
+              <a:rPr lang="fr-FR" sz="2400" b="1" dirty="0"/>
+              <a:t>interprété</a:t>
+            </a:r>
+            <a:r>
+              <a:rPr lang="fr-FR" sz="2400" dirty="0"/>
+              <a:t> et </a:t>
+            </a:r>
+            <a:r>
+              <a:rPr lang="fr-FR" sz="2400" b="1" dirty="0"/>
+              <a:t>asynchrone</a:t>
+            </a:r>
+            <a:br>
+              <a:rPr lang="fr-FR" sz="2400" dirty="0"/>
+            </a:br>
+            <a:endParaRPr lang="fr-FR" sz="2400" dirty="0"/>
+          </a:p>
+          <a:p>
+            <a:r>
+              <a:rPr lang="fr-FR" sz="2400" dirty="0"/>
+              <a:t>JavaScript s'exécute sur l’</a:t>
+            </a:r>
+            <a:r>
+              <a:rPr lang="fr-FR" sz="2400" b="1" dirty="0"/>
+              <a:t>arbre d’éléments HTML </a:t>
+            </a:r>
+            <a:br>
+              <a:rPr lang="fr-FR" sz="2400" dirty="0"/>
+            </a:br>
+            <a:r>
+              <a:rPr lang="fr-FR" sz="2400" dirty="0"/>
+              <a:t>(DOM </a:t>
+            </a:r>
+            <a:r>
+              <a:rPr lang="fr-FR" sz="2400" dirty="0" err="1"/>
+              <a:t>tree</a:t>
+            </a:r>
+            <a:r>
+              <a:rPr lang="fr-FR" sz="2400" dirty="0"/>
+              <a:t>) créé par le navigateur</a:t>
+            </a:r>
+          </a:p>
+          <a:p>
+            <a:endParaRPr lang="fr-FR" sz="2400" dirty="0"/>
+          </a:p>
+          <a:p>
+            <a:r>
+              <a:rPr lang="fr-FR" sz="2400" dirty="0"/>
+              <a:t>Permet de </a:t>
+            </a:r>
+            <a:r>
+              <a:rPr lang="fr-FR" sz="2400" b="1" dirty="0"/>
+              <a:t>manipuler dynamiquement </a:t>
+            </a:r>
+            <a:r>
+              <a:rPr lang="fr-FR" sz="2400" dirty="0"/>
+              <a:t>le comportement </a:t>
+            </a:r>
+            <a:br>
+              <a:rPr lang="fr-FR" sz="2400" dirty="0"/>
+            </a:br>
+            <a:r>
+              <a:rPr lang="fr-FR" sz="2400" dirty="0"/>
+              <a:t>des pages web</a:t>
+            </a:r>
+          </a:p>
+        </p:txBody>
+      </p:sp>
+      <p:sp>
+        <p:nvSpPr>
           <p:cNvPr id="4" name="Espace réservé de la date 3"/>
           <p:cNvSpPr>
             <a:spLocks noGrp="1"/>
@@ -9682,6 +9790,7 @@
           <a:p>
             <a:fld id="{BB2FA04C-1355-4CE6-8050-4BD994E23BD5}" type="datetime4">
               <a:rPr lang="fr-FR" smtClean="0"/>
+              <a:pPr/>
               <a:t>12 juin 2019</a:t>
             </a:fld>
             <a:endParaRPr lang="fr-FR" dirty="0"/>
@@ -9731,121 +9840,6 @@
               <a:t>15</a:t>
             </a:fld>
             <a:endParaRPr lang="fr-FR"/>
-          </a:p>
-        </p:txBody>
-      </p:sp>
-      <p:sp>
-        <p:nvSpPr>
-          <p:cNvPr id="7" name="Espace réservé du contenu 2"/>
-          <p:cNvSpPr>
-            <a:spLocks noGrp="1"/>
-          </p:cNvSpPr>
-          <p:nvPr>
-            <p:ph idx="4294967295"/>
-          </p:nvPr>
-        </p:nvSpPr>
-        <p:spPr>
-          <a:xfrm>
-            <a:off x="279400" y="1236134"/>
-            <a:ext cx="8644466" cy="4890030"/>
-          </a:xfrm>
-        </p:spPr>
-        <p:txBody>
-          <a:bodyPr/>
-          <a:lstStyle/>
-          <a:p>
-            <a:pPr marL="400050" indent="-400050"/>
-            <a:r>
-              <a:rPr lang="fr-FR" sz="2400" dirty="0"/>
-              <a:t>JavaScript est un </a:t>
-            </a:r>
-            <a:r>
-              <a:rPr lang="fr-FR" sz="2400" b="1" dirty="0"/>
-              <a:t>langage fonctionnel</a:t>
-            </a:r>
-            <a:r>
-              <a:rPr lang="fr-FR" sz="2400" dirty="0"/>
-              <a:t>,</a:t>
-            </a:r>
-            <a:r>
-              <a:rPr lang="fr-FR" sz="2400" b="1" dirty="0"/>
-              <a:t> interprété</a:t>
-            </a:r>
-            <a:r>
-              <a:rPr lang="fr-FR" sz="2400" dirty="0"/>
-              <a:t> et</a:t>
-            </a:r>
-            <a:r>
-              <a:rPr lang="fr-FR" sz="2400" b="1" dirty="0"/>
-              <a:t> asynchrone</a:t>
-            </a:r>
-            <a:br>
-              <a:rPr lang="fr-FR" sz="2400" dirty="0"/>
-            </a:br>
-            <a:endParaRPr lang="fr-FR" sz="2400" dirty="0"/>
-          </a:p>
-          <a:p>
-            <a:pPr marL="400050" indent="-400050"/>
-            <a:r>
-              <a:rPr lang="fr-FR" sz="2400" dirty="0"/>
-              <a:t>JavaScript s'exécute sur l’</a:t>
-            </a:r>
-            <a:r>
-              <a:rPr lang="fr-FR" sz="2400" b="1" dirty="0"/>
-              <a:t>arbre d’éléments </a:t>
-            </a:r>
-            <a:r>
-              <a:rPr lang="fr-FR" sz="2400" dirty="0"/>
-              <a:t>HTML</a:t>
-            </a:r>
-            <a:r>
-              <a:rPr lang="fr-FR" sz="2400" b="1" dirty="0"/>
-              <a:t> </a:t>
-            </a:r>
-            <a:br>
-              <a:rPr lang="fr-FR" sz="2400" b="1" dirty="0"/>
-            </a:br>
-            <a:r>
-              <a:rPr lang="fr-FR" sz="2400" dirty="0"/>
-              <a:t>(DOM </a:t>
-            </a:r>
-            <a:r>
-              <a:rPr lang="fr-FR" sz="2400" dirty="0" err="1"/>
-              <a:t>tree</a:t>
-            </a:r>
-            <a:r>
-              <a:rPr lang="fr-FR" sz="2400" dirty="0"/>
-              <a:t>) créé par le navigateur</a:t>
-            </a:r>
-          </a:p>
-          <a:p>
-            <a:pPr marL="400050" indent="-400050"/>
-            <a:endParaRPr lang="fr-FR" sz="2400" dirty="0"/>
-          </a:p>
-          <a:p>
-            <a:pPr marL="400050" indent="-400050"/>
-            <a:r>
-              <a:rPr lang="fr-FR" sz="2400" dirty="0"/>
-              <a:t>Permet de manipuler dynamiquement le comportement </a:t>
-            </a:r>
-            <a:br>
-              <a:rPr lang="fr-FR" sz="2400" dirty="0"/>
-            </a:br>
-            <a:r>
-              <a:rPr lang="fr-FR" sz="2400" dirty="0"/>
-              <a:t>des pages web</a:t>
-            </a:r>
-          </a:p>
-          <a:p>
-            <a:pPr marL="400050" indent="-400050"/>
-            <a:endParaRPr lang="fr-FR" sz="2400" dirty="0"/>
-          </a:p>
-          <a:p>
-            <a:pPr marL="400050" indent="-400050"/>
-            <a:endParaRPr lang="fr-FR" sz="2400" dirty="0"/>
-          </a:p>
-          <a:p>
-            <a:endParaRPr lang="fr-FR" dirty="0"/>
           </a:p>
         </p:txBody>
       </p:sp>

--- a/web/4-JS/JavaScript.pptx
+++ b/web/4-JS/JavaScript.pptx
@@ -9531,8 +9531,8 @@
         </p:nvSpPr>
         <p:spPr>
           <a:xfrm>
-            <a:off x="550706" y="2068501"/>
-            <a:ext cx="8101853" cy="2100128"/>
+            <a:off x="496141" y="2086789"/>
+            <a:ext cx="8151717" cy="2100128"/>
           </a:xfrm>
           <a:prstGeom prst="rect">
             <a:avLst/>
@@ -10103,7 +10103,7 @@
                 <a:latin typeface="Source Code Pro" panose="020B0509030403020204" pitchFamily="49" charset="0"/>
                 <a:ea typeface="Source Code Pro" panose="020B0509030403020204" pitchFamily="49" charset="0"/>
               </a:rPr>
-              <a:t>(</a:t>
+              <a:t> = </a:t>
             </a:r>
             <a:r>
               <a:rPr lang="fr-FR" altLang="fr-FR" sz="1600" dirty="0" err="1">
@@ -10123,7 +10123,7 @@
                 <a:latin typeface="Source Code Pro" panose="020B0509030403020204" pitchFamily="49" charset="0"/>
                 <a:ea typeface="Source Code Pro" panose="020B0509030403020204" pitchFamily="49" charset="0"/>
               </a:rPr>
-              <a:t>);</a:t>
+              <a:t>;</a:t>
             </a:r>
             <a:r>
               <a:rPr lang="fr-FR" altLang="fr-FR" sz="1600" dirty="0">
@@ -13644,7 +13644,7 @@
             </a:r>
           </a:p>
           <a:p>
-            <a:pPr marL="800100" lvl="1" indent="-400050">
+            <a:pPr marL="711200" lvl="1" indent="-311150">
               <a:spcBef>
                 <a:spcPts val="480"/>
               </a:spcBef>

--- a/web/4-JS/JavaScript.pptx
+++ b/web/4-JS/JavaScript.pptx
@@ -228,7 +228,7 @@
           <a:p>
             <a:fld id="{5EB47243-285B-2741-8C7D-C88258D9CCFA}" type="datetimeFigureOut">
               <a:rPr lang="fr-FR" smtClean="0"/>
-              <a:t>12/06/2019</a:t>
+              <a:t>07/06/2021</a:t>
             </a:fld>
             <a:endParaRPr lang="fr-FR"/>
           </a:p>
@@ -394,7 +394,7 @@
           <a:p>
             <a:fld id="{7D088D39-B4EA-D24B-B9C3-6A64886EABE2}" type="datetimeFigureOut">
               <a:rPr lang="fr-FR" smtClean="0"/>
-              <a:t>12/06/2019</a:t>
+              <a:t>07/06/2021</a:t>
             </a:fld>
             <a:endParaRPr lang="fr-FR"/>
           </a:p>
@@ -1894,7 +1894,7 @@
           <a:p>
             <a:fld id="{BB2FA04C-1355-4CE6-8050-4BD994E23BD5}" type="datetime4">
               <a:rPr lang="fr-FR" smtClean="0"/>
-              <a:t>12 juin 2019</a:t>
+              <a:t>7 juin 2021</a:t>
             </a:fld>
             <a:endParaRPr lang="fr-FR" dirty="0"/>
           </a:p>
@@ -2384,7 +2384,7 @@
           <a:p>
             <a:fld id="{A81C4219-47FF-4375-968D-EABA4A212953}" type="datetime4">
               <a:rPr lang="fr-FR" smtClean="0"/>
-              <a:t>12 juin 2019</a:t>
+              <a:t>7 juin 2021</a:t>
             </a:fld>
             <a:endParaRPr lang="fr-FR" dirty="0"/>
           </a:p>
@@ -4220,7 +4220,7 @@
           <a:p>
             <a:fld id="{81E3CCF4-D669-4BB6-B0BE-EE495E88AE6B}" type="datetime4">
               <a:rPr lang="fr-FR" smtClean="0"/>
-              <a:t>12 juin 2019</a:t>
+              <a:t>7 juin 2021</a:t>
             </a:fld>
             <a:endParaRPr lang="fr-FR" dirty="0"/>
           </a:p>
@@ -5156,7 +5156,7 @@
           <a:p>
             <a:fld id="{2E52B8B1-858B-4633-AE57-5B6CA9292F2B}" type="datetime4">
               <a:rPr lang="fr-FR" smtClean="0"/>
-              <a:t>12 juin 2019</a:t>
+              <a:t>7 juin 2021</a:t>
             </a:fld>
             <a:endParaRPr lang="fr-FR" dirty="0"/>
           </a:p>
@@ -5777,7 +5777,7 @@
           <a:p>
             <a:fld id="{1AC11C67-BE04-4C5F-B0EE-E01220C9093A}" type="datetime4">
               <a:rPr lang="fr-FR" smtClean="0"/>
-              <a:t>12 juin 2019</a:t>
+              <a:t>7 juin 2021</a:t>
             </a:fld>
             <a:endParaRPr lang="fr-FR" dirty="0"/>
           </a:p>
@@ -6455,7 +6455,11 @@
             <a:pPr marL="400050" indent="-400050"/>
             <a:r>
               <a:rPr lang="fr-FR" sz="2400" dirty="0"/>
-              <a:t>Ajouter le code JavaScript dans la page HTML </a:t>
+              <a:t>Ajouter le code JavaScript </a:t>
+            </a:r>
+            <a:r>
+              <a:rPr lang="fr-FR" sz="2400" b="1" dirty="0"/>
+              <a:t>dans la page HTML </a:t>
             </a:r>
             <a:br>
               <a:rPr lang="fr-FR" sz="2400" dirty="0"/>
@@ -6555,7 +6559,7 @@
           <a:p>
             <a:fld id="{BB2FA04C-1355-4CE6-8050-4BD994E23BD5}" type="datetime4">
               <a:rPr lang="fr-FR" smtClean="0"/>
-              <a:t>12 juin 2019</a:t>
+              <a:t>7 juin 2021</a:t>
             </a:fld>
             <a:endParaRPr lang="fr-FR" dirty="0"/>
           </a:p>
@@ -7329,7 +7333,11 @@
             <a:pPr marL="400050" indent="-400050"/>
             <a:r>
               <a:rPr lang="fr-FR" sz="2400" dirty="0"/>
-              <a:t>Mettre le code JavaScript  dans un fichier externe </a:t>
+              <a:t>Mettre le code JavaScript  dans un </a:t>
+            </a:r>
+            <a:r>
+              <a:rPr lang="fr-FR" sz="2400" b="1" dirty="0"/>
+              <a:t>fichier externe </a:t>
             </a:r>
             <a:r>
               <a:rPr lang="fr-FR" dirty="0"/>
@@ -7407,7 +7415,7 @@
           <a:p>
             <a:fld id="{BB2FA04C-1355-4CE6-8050-4BD994E23BD5}" type="datetime4">
               <a:rPr lang="fr-FR" smtClean="0"/>
-              <a:t>12 juin 2019</a:t>
+              <a:t>7 juin 2021</a:t>
             </a:fld>
             <a:endParaRPr lang="fr-FR" dirty="0"/>
           </a:p>
@@ -8212,7 +8220,7 @@
           <a:p>
             <a:fld id="{BB2FA04C-1355-4CE6-8050-4BD994E23BD5}" type="datetime4">
               <a:rPr lang="fr-FR" smtClean="0"/>
-              <a:t>12 juin 2019</a:t>
+              <a:t>7 juin 2021</a:t>
             </a:fld>
             <a:endParaRPr lang="fr-FR" dirty="0"/>
           </a:p>
@@ -8689,7 +8697,7 @@
           <a:p>
             <a:fld id="{BB2FA04C-1355-4CE6-8050-4BD994E23BD5}" type="datetime4">
               <a:rPr lang="fr-FR" smtClean="0"/>
-              <a:t>12 juin 2019</a:t>
+              <a:t>7 juin 2021</a:t>
             </a:fld>
             <a:endParaRPr lang="fr-FR" dirty="0"/>
           </a:p>
@@ -9191,7 +9199,7 @@
           <a:p>
             <a:fld id="{BB2FA04C-1355-4CE6-8050-4BD994E23BD5}" type="datetime4">
               <a:rPr lang="fr-FR" smtClean="0"/>
-              <a:t>12 juin 2019</a:t>
+              <a:t>7 juin 2021</a:t>
             </a:fld>
             <a:endParaRPr lang="fr-FR" dirty="0"/>
           </a:p>
@@ -10300,7 +10308,7 @@
             <a:fld id="{BB2FA04C-1355-4CE6-8050-4BD994E23BD5}" type="datetime4">
               <a:rPr lang="fr-FR" smtClean="0"/>
               <a:pPr/>
-              <a:t>12 juin 2019</a:t>
+              <a:t>7 juin 2021</a:t>
             </a:fld>
             <a:endParaRPr lang="fr-FR" dirty="0"/>
           </a:p>
@@ -10432,7 +10440,7 @@
           <a:p>
             <a:fld id="{BB2FA04C-1355-4CE6-8050-4BD994E23BD5}" type="datetime4">
               <a:rPr lang="fr-FR" smtClean="0"/>
-              <a:t>12 juin 2019</a:t>
+              <a:t>7 juin 2021</a:t>
             </a:fld>
             <a:endParaRPr lang="fr-FR" dirty="0"/>
           </a:p>
@@ -11441,7 +11449,7 @@
           <a:p>
             <a:fld id="{BB2FA04C-1355-4CE6-8050-4BD994E23BD5}" type="datetime4">
               <a:rPr lang="fr-FR" smtClean="0"/>
-              <a:t>12 juin 2019</a:t>
+              <a:t>7 juin 2021</a:t>
             </a:fld>
             <a:endParaRPr lang="fr-FR" dirty="0"/>
           </a:p>
@@ -13291,7 +13299,7 @@
           <a:p>
             <a:fld id="{1AC11C67-BE04-4C5F-B0EE-E01220C9093A}" type="datetime4">
               <a:rPr lang="fr-FR" smtClean="0"/>
-              <a:t>12 juin 2019</a:t>
+              <a:t>7 juin 2021</a:t>
             </a:fld>
             <a:endParaRPr lang="fr-FR" dirty="0"/>
           </a:p>
@@ -13788,7 +13796,7 @@
             <a:pPr lvl="1"/>
             <a:r>
               <a:rPr lang="fr-FR" sz="2000" dirty="0"/>
-              <a:t>mais changement de type possible à l’exécution</a:t>
+              <a:t>mais conversions de types implicites à l’exécution</a:t>
             </a:r>
           </a:p>
         </p:txBody>
@@ -13816,7 +13824,7 @@
           <a:p>
             <a:fld id="{BB2FA04C-1355-4CE6-8050-4BD994E23BD5}" type="datetime4">
               <a:rPr lang="fr-FR" smtClean="0"/>
-              <a:t>13 juin 2019</a:t>
+              <a:t>7 juin 2021</a:t>
             </a:fld>
             <a:endParaRPr lang="fr-FR" dirty="0"/>
           </a:p>
@@ -14045,7 +14053,7 @@
                 <a:latin typeface="Source Code Pro" panose="020B0509030403020204" pitchFamily="49" charset="0"/>
                 <a:ea typeface="Source Code Pro" panose="020B0509030403020204" pitchFamily="49" charset="0"/>
               </a:rPr>
-              <a:t>b est une chaines de caractères</a:t>
+              <a:t>b est une chaine de caractères</a:t>
             </a:r>
           </a:p>
           <a:p>
@@ -14314,7 +14322,7 @@
           <a:p>
             <a:fld id="{BB2FA04C-1355-4CE6-8050-4BD994E23BD5}" type="datetime4">
               <a:rPr lang="fr-FR" smtClean="0"/>
-              <a:t>12 juin 2019</a:t>
+              <a:t>7 juin 2021</a:t>
             </a:fld>
             <a:endParaRPr lang="fr-FR" dirty="0"/>
           </a:p>
@@ -14641,22 +14649,29 @@
               <a:t>couples  </a:t>
             </a:r>
             <a:r>
+              <a:rPr lang="fr-FR" sz="2000" b="1" dirty="0">
+                <a:solidFill>
+                  <a:srgbClr val="00B0F0"/>
+                </a:solidFill>
+                <a:latin typeface="Source Code Pro" panose="020B0509030403020204"/>
+              </a:rPr>
+              <a:t>nom</a:t>
+            </a:r>
+            <a:r>
               <a:rPr lang="fr-FR" sz="2000" dirty="0">
-                <a:solidFill>
-                  <a:srgbClr val="00B0F0"/>
-                </a:solidFill>
-                <a:latin typeface="Source Code Pro" panose="020B0509030403020204"/>
-              </a:rPr>
-              <a:t>nom</a:t>
-            </a:r>
-            <a:r>
-              <a:rPr lang="fr-FR" sz="2000" dirty="0">
-                <a:latin typeface="Source Code Pro" panose="020B0509030403020204" pitchFamily="49" charset="0"/>
-                <a:ea typeface="Source Code Pro" panose="020B0509030403020204" pitchFamily="49" charset="0"/>
-              </a:rPr>
-              <a:t> : valeur</a:t>
-            </a:r>
-            <a:endParaRPr lang="fr-FR" sz="1800" dirty="0">
+                <a:latin typeface="Source Code Pro" panose="020B0509030403020204" pitchFamily="49" charset="0"/>
+                <a:ea typeface="Source Code Pro" panose="020B0509030403020204" pitchFamily="49" charset="0"/>
+              </a:rPr>
+              <a:t> : </a:t>
+            </a:r>
+            <a:r>
+              <a:rPr lang="fr-FR" sz="2000" b="1" dirty="0">
+                <a:latin typeface="Source Code Pro" panose="020B0509030403020204" pitchFamily="49" charset="0"/>
+                <a:ea typeface="Source Code Pro" panose="020B0509030403020204" pitchFamily="49" charset="0"/>
+              </a:rPr>
+              <a:t>valeur</a:t>
+            </a:r>
+            <a:endParaRPr lang="fr-FR" sz="1800" b="1" dirty="0">
               <a:latin typeface="Source Code Pro" panose="020B0509030403020204" pitchFamily="49" charset="0"/>
               <a:ea typeface="Source Code Pro" panose="020B0509030403020204" pitchFamily="49" charset="0"/>
             </a:endParaRPr>
@@ -14719,7 +14734,7 @@
           <a:p>
             <a:fld id="{BB2FA04C-1355-4CE6-8050-4BD994E23BD5}" type="datetime4">
               <a:rPr lang="fr-FR" smtClean="0"/>
-              <a:t>12 juin 2019</a:t>
+              <a:t>7 juin 2021</a:t>
             </a:fld>
             <a:endParaRPr lang="fr-FR" dirty="0"/>
           </a:p>
@@ -15182,7 +15197,7 @@
           <a:p>
             <a:fld id="{BB2FA04C-1355-4CE6-8050-4BD994E23BD5}" type="datetime4">
               <a:rPr lang="fr-FR" smtClean="0"/>
-              <a:t>12 juin 2019</a:t>
+              <a:t>7 juin 2021</a:t>
             </a:fld>
             <a:endParaRPr lang="fr-FR" dirty="0"/>
           </a:p>
@@ -15726,7 +15741,7 @@
           <a:p>
             <a:fld id="{BB2FA04C-1355-4CE6-8050-4BD994E23BD5}" type="datetime4">
               <a:rPr lang="fr-FR" smtClean="0"/>
-              <a:t>13 juin 2019</a:t>
+              <a:t>7 juin 2021</a:t>
             </a:fld>
             <a:endParaRPr lang="fr-FR" dirty="0"/>
           </a:p>
@@ -16379,7 +16394,7 @@
           <a:p>
             <a:fld id="{BB2FA04C-1355-4CE6-8050-4BD994E23BD5}" type="datetime4">
               <a:rPr lang="fr-FR" smtClean="0"/>
-              <a:t>13 juin 2019</a:t>
+              <a:t>7 juin 2021</a:t>
             </a:fld>
             <a:endParaRPr lang="fr-FR" dirty="0"/>
           </a:p>

--- a/web/4-JS/JavaScript.pptx
+++ b/web/4-JS/JavaScript.pptx
@@ -5,10 +5,10 @@
     <p:sldMasterId id="2147483648" r:id="rId1"/>
   </p:sldMasterIdLst>
   <p:notesMasterIdLst>
-    <p:notesMasterId r:id="rId20"/>
+    <p:notesMasterId r:id="rId21"/>
   </p:notesMasterIdLst>
   <p:handoutMasterIdLst>
-    <p:handoutMasterId r:id="rId21"/>
+    <p:handoutMasterId r:id="rId22"/>
   </p:handoutMasterIdLst>
   <p:sldIdLst>
     <p:sldId id="257" r:id="rId2"/>
@@ -20,15 +20,16 @@
     <p:sldId id="275" r:id="rId8"/>
     <p:sldId id="276" r:id="rId9"/>
     <p:sldId id="277" r:id="rId10"/>
-    <p:sldId id="258" r:id="rId11"/>
-    <p:sldId id="260" r:id="rId12"/>
-    <p:sldId id="267" r:id="rId13"/>
-    <p:sldId id="261" r:id="rId14"/>
-    <p:sldId id="266" r:id="rId15"/>
-    <p:sldId id="271" r:id="rId16"/>
-    <p:sldId id="264" r:id="rId17"/>
-    <p:sldId id="268" r:id="rId18"/>
-    <p:sldId id="269" r:id="rId19"/>
+    <p:sldId id="278" r:id="rId11"/>
+    <p:sldId id="258" r:id="rId12"/>
+    <p:sldId id="260" r:id="rId13"/>
+    <p:sldId id="267" r:id="rId14"/>
+    <p:sldId id="261" r:id="rId15"/>
+    <p:sldId id="266" r:id="rId16"/>
+    <p:sldId id="271" r:id="rId17"/>
+    <p:sldId id="264" r:id="rId18"/>
+    <p:sldId id="268" r:id="rId19"/>
+    <p:sldId id="269" r:id="rId20"/>
   </p:sldIdLst>
   <p:sldSz cx="9144000" cy="6858000" type="screen4x3"/>
   <p:notesSz cx="6858000" cy="9144000"/>
@@ -228,7 +229,7 @@
           <a:p>
             <a:fld id="{5EB47243-285B-2741-8C7D-C88258D9CCFA}" type="datetimeFigureOut">
               <a:rPr lang="fr-FR" smtClean="0"/>
-              <a:t>07/06/2021</a:t>
+              <a:t>17/06/2021</a:t>
             </a:fld>
             <a:endParaRPr lang="fr-FR"/>
           </a:p>
@@ -394,7 +395,7 @@
           <a:p>
             <a:fld id="{7D088D39-B4EA-D24B-B9C3-6A64886EABE2}" type="datetimeFigureOut">
               <a:rPr lang="fr-FR" smtClean="0"/>
-              <a:t>07/06/2021</a:t>
+              <a:t>17/06/2021</a:t>
             </a:fld>
             <a:endParaRPr lang="fr-FR"/>
           </a:p>
@@ -838,7 +839,7 @@
           <a:p>
             <a:fld id="{1C0E2CBA-6097-B848-A7DA-4D7BD6EB303B}" type="slidenum">
               <a:rPr lang="fr-FR" smtClean="0"/>
-              <a:t>10</a:t>
+              <a:t>11</a:t>
             </a:fld>
             <a:endParaRPr lang="fr-FR"/>
           </a:p>
@@ -922,7 +923,7 @@
           <a:p>
             <a:fld id="{1C0E2CBA-6097-B848-A7DA-4D7BD6EB303B}" type="slidenum">
               <a:rPr lang="fr-FR" smtClean="0"/>
-              <a:t>11</a:t>
+              <a:t>12</a:t>
             </a:fld>
             <a:endParaRPr lang="fr-FR"/>
           </a:p>
@@ -1894,7 +1895,7 @@
           <a:p>
             <a:fld id="{BB2FA04C-1355-4CE6-8050-4BD994E23BD5}" type="datetime4">
               <a:rPr lang="fr-FR" smtClean="0"/>
-              <a:t>7 juin 2021</a:t>
+              <a:t>17 juin 2021</a:t>
             </a:fld>
             <a:endParaRPr lang="fr-FR" dirty="0"/>
           </a:p>
@@ -2384,7 +2385,7 @@
           <a:p>
             <a:fld id="{A81C4219-47FF-4375-968D-EABA4A212953}" type="datetime4">
               <a:rPr lang="fr-FR" smtClean="0"/>
-              <a:t>7 juin 2021</a:t>
+              <a:t>17 juin 2021</a:t>
             </a:fld>
             <a:endParaRPr lang="fr-FR" dirty="0"/>
           </a:p>
@@ -4220,7 +4221,7 @@
           <a:p>
             <a:fld id="{81E3CCF4-D669-4BB6-B0BE-EE495E88AE6B}" type="datetime4">
               <a:rPr lang="fr-FR" smtClean="0"/>
-              <a:t>7 juin 2021</a:t>
+              <a:t>17 juin 2021</a:t>
             </a:fld>
             <a:endParaRPr lang="fr-FR" dirty="0"/>
           </a:p>
@@ -5156,7 +5157,7 @@
           <a:p>
             <a:fld id="{2E52B8B1-858B-4633-AE57-5B6CA9292F2B}" type="datetime4">
               <a:rPr lang="fr-FR" smtClean="0"/>
-              <a:t>7 juin 2021</a:t>
+              <a:t>17 juin 2021</a:t>
             </a:fld>
             <a:endParaRPr lang="fr-FR" dirty="0"/>
           </a:p>
@@ -5738,6 +5739,407 @@
       </p:grpSpPr>
       <p:sp>
         <p:nvSpPr>
+          <p:cNvPr id="2" name="Title 1">
+            <a:extLst>
+              <a:ext uri="{FF2B5EF4-FFF2-40B4-BE49-F238E27FC236}">
+                <a16:creationId xmlns:a16="http://schemas.microsoft.com/office/drawing/2014/main" id="{C2EBACA2-A980-444A-86FA-B5C005EB20AE}"/>
+              </a:ext>
+            </a:extLst>
+          </p:cNvPr>
+          <p:cNvSpPr>
+            <a:spLocks noGrp="1"/>
+          </p:cNvSpPr>
+          <p:nvPr>
+            <p:ph type="title"/>
+          </p:nvPr>
+        </p:nvSpPr>
+        <p:spPr/>
+        <p:txBody>
+          <a:bodyPr>
+            <a:normAutofit/>
+          </a:bodyPr>
+          <a:lstStyle/>
+          <a:p>
+            <a:r>
+              <a:rPr lang="fr-FR" dirty="0"/>
+              <a:t>Fonctions de rappel </a:t>
+            </a:r>
+            <a:r>
+              <a:rPr lang="fr-FR" i="1" dirty="0"/>
+              <a:t>(callbacks)</a:t>
+            </a:r>
+          </a:p>
+        </p:txBody>
+      </p:sp>
+      <p:sp>
+        <p:nvSpPr>
+          <p:cNvPr id="3" name="Content Placeholder 2">
+            <a:extLst>
+              <a:ext uri="{FF2B5EF4-FFF2-40B4-BE49-F238E27FC236}">
+                <a16:creationId xmlns:a16="http://schemas.microsoft.com/office/drawing/2014/main" id="{4B95D3B3-1FBC-1743-948A-CDF7F74563FB}"/>
+              </a:ext>
+            </a:extLst>
+          </p:cNvPr>
+          <p:cNvSpPr>
+            <a:spLocks noGrp="1"/>
+          </p:cNvSpPr>
+          <p:nvPr>
+            <p:ph idx="1"/>
+          </p:nvPr>
+        </p:nvSpPr>
+        <p:spPr/>
+        <p:txBody>
+          <a:bodyPr/>
+          <a:lstStyle/>
+          <a:p>
+            <a:r>
+              <a:rPr lang="fr-FR" b="1" dirty="0"/>
+              <a:t>Fonction passée en paramètre d’une autre fonction</a:t>
+            </a:r>
+            <a:endParaRPr lang="fr-FR" dirty="0"/>
+          </a:p>
+          <a:p>
+            <a:r>
+              <a:rPr lang="fr-FR" b="1" dirty="0"/>
+              <a:t>Intérêt</a:t>
+            </a:r>
+            <a:r>
+              <a:rPr lang="fr-FR" dirty="0"/>
+              <a:t> : faire exécuter du code</a:t>
+            </a:r>
+          </a:p>
+          <a:p>
+            <a:pPr lvl="1"/>
+            <a:r>
+              <a:rPr lang="fr-FR" sz="2000" dirty="0"/>
+              <a:t>sans savoir ce qu’il va faire</a:t>
+            </a:r>
+          </a:p>
+          <a:p>
+            <a:pPr lvl="1"/>
+            <a:r>
+              <a:rPr lang="fr-FR" sz="2000" dirty="0"/>
+              <a:t>en suivant une interface de programmation qui définit</a:t>
+            </a:r>
+          </a:p>
+          <a:p>
+            <a:pPr lvl="2"/>
+            <a:r>
+              <a:rPr lang="fr-FR" sz="2000" dirty="0"/>
+              <a:t>le nombre et le type des paramètres en entrée</a:t>
+            </a:r>
+          </a:p>
+          <a:p>
+            <a:pPr lvl="2"/>
+            <a:r>
+              <a:rPr lang="fr-FR" sz="2000" dirty="0"/>
+              <a:t>le type de la valeur en sortie</a:t>
+            </a:r>
+            <a:endParaRPr lang="fr-FR" sz="1800" dirty="0"/>
+          </a:p>
+          <a:p>
+            <a:r>
+              <a:rPr lang="fr-FR" b="1" dirty="0"/>
+              <a:t>Deux syntaxes </a:t>
+            </a:r>
+            <a:r>
+              <a:rPr lang="fr-FR" dirty="0"/>
+              <a:t>en JavaScript</a:t>
+            </a:r>
+          </a:p>
+          <a:p>
+            <a:pPr lvl="1"/>
+            <a:r>
+              <a:rPr lang="fr-FR" sz="2000" dirty="0"/>
+              <a:t>sans paramètre : directement le nom de la fonction</a:t>
+            </a:r>
+          </a:p>
+          <a:p>
+            <a:pPr lvl="1"/>
+            <a:endParaRPr lang="fr-FR" sz="2000" dirty="0"/>
+          </a:p>
+          <a:p>
+            <a:pPr lvl="1"/>
+            <a:endParaRPr lang="fr-FR" sz="2000" dirty="0"/>
+          </a:p>
+          <a:p>
+            <a:pPr lvl="1"/>
+            <a:r>
+              <a:rPr lang="fr-FR" sz="2000" dirty="0"/>
+              <a:t>avec paramètre : encapsulation dans une fonction anonyme</a:t>
+            </a:r>
+          </a:p>
+        </p:txBody>
+      </p:sp>
+      <p:sp>
+        <p:nvSpPr>
+          <p:cNvPr id="4" name="Date Placeholder 3">
+            <a:extLst>
+              <a:ext uri="{FF2B5EF4-FFF2-40B4-BE49-F238E27FC236}">
+                <a16:creationId xmlns:a16="http://schemas.microsoft.com/office/drawing/2014/main" id="{1412ACA3-59FC-3E44-A0C1-3B7E26748C8C}"/>
+              </a:ext>
+            </a:extLst>
+          </p:cNvPr>
+          <p:cNvSpPr>
+            <a:spLocks noGrp="1"/>
+          </p:cNvSpPr>
+          <p:nvPr>
+            <p:ph type="dt" sz="half" idx="10"/>
+          </p:nvPr>
+        </p:nvSpPr>
+        <p:spPr/>
+        <p:txBody>
+          <a:bodyPr/>
+          <a:lstStyle/>
+          <a:p>
+            <a:fld id="{BB2FA04C-1355-4CE6-8050-4BD994E23BD5}" type="datetime4">
+              <a:rPr lang="fr-FR" smtClean="0"/>
+              <a:t>17 juin 2021</a:t>
+            </a:fld>
+            <a:endParaRPr lang="fr-FR" dirty="0"/>
+          </a:p>
+        </p:txBody>
+      </p:sp>
+      <p:sp>
+        <p:nvSpPr>
+          <p:cNvPr id="5" name="Footer Placeholder 4">
+            <a:extLst>
+              <a:ext uri="{FF2B5EF4-FFF2-40B4-BE49-F238E27FC236}">
+                <a16:creationId xmlns:a16="http://schemas.microsoft.com/office/drawing/2014/main" id="{3E1856A6-3D16-0249-AB87-10D56401F1B9}"/>
+              </a:ext>
+            </a:extLst>
+          </p:cNvPr>
+          <p:cNvSpPr>
+            <a:spLocks noGrp="1"/>
+          </p:cNvSpPr>
+          <p:nvPr>
+            <p:ph type="ftr" sz="quarter" idx="11"/>
+          </p:nvPr>
+        </p:nvSpPr>
+        <p:spPr/>
+        <p:txBody>
+          <a:bodyPr/>
+          <a:lstStyle/>
+          <a:p>
+            <a:r>
+              <a:rPr lang="fr-FR"/>
+              <a:t>DIU NSI</a:t>
+            </a:r>
+          </a:p>
+        </p:txBody>
+      </p:sp>
+      <p:sp>
+        <p:nvSpPr>
+          <p:cNvPr id="6" name="Slide Number Placeholder 5">
+            <a:extLst>
+              <a:ext uri="{FF2B5EF4-FFF2-40B4-BE49-F238E27FC236}">
+                <a16:creationId xmlns:a16="http://schemas.microsoft.com/office/drawing/2014/main" id="{4DEC4BE1-DA69-924E-BA99-EC9DFDFC64AB}"/>
+              </a:ext>
+            </a:extLst>
+          </p:cNvPr>
+          <p:cNvSpPr>
+            <a:spLocks noGrp="1"/>
+          </p:cNvSpPr>
+          <p:nvPr>
+            <p:ph type="sldNum" sz="quarter" idx="12"/>
+          </p:nvPr>
+        </p:nvSpPr>
+        <p:spPr/>
+        <p:txBody>
+          <a:bodyPr/>
+          <a:lstStyle/>
+          <a:p>
+            <a:fld id="{DCE37727-CC04-7A46-938D-2CCFF056F773}" type="slidenum">
+              <a:rPr lang="fr-FR" smtClean="0"/>
+              <a:pPr/>
+              <a:t>10</a:t>
+            </a:fld>
+            <a:endParaRPr lang="fr-FR"/>
+          </a:p>
+        </p:txBody>
+      </p:sp>
+      <p:sp>
+        <p:nvSpPr>
+          <p:cNvPr id="7" name="Rectangle 6">
+            <a:extLst>
+              <a:ext uri="{FF2B5EF4-FFF2-40B4-BE49-F238E27FC236}">
+                <a16:creationId xmlns:a16="http://schemas.microsoft.com/office/drawing/2014/main" id="{CBB19B74-D85C-294D-A7D4-845ED1479123}"/>
+              </a:ext>
+            </a:extLst>
+          </p:cNvPr>
+          <p:cNvSpPr/>
+          <p:nvPr/>
+        </p:nvSpPr>
+        <p:spPr>
+          <a:xfrm>
+            <a:off x="1692738" y="5366657"/>
+            <a:ext cx="5758523" cy="759507"/>
+          </a:xfrm>
+          <a:prstGeom prst="rect">
+            <a:avLst/>
+          </a:prstGeom>
+          <a:solidFill>
+            <a:srgbClr val="FEF6E3"/>
+          </a:solidFill>
+          <a:effectLst>
+            <a:outerShdw blurRad="50800" dist="38100" dir="2700000" algn="tl" rotWithShape="0">
+              <a:prstClr val="black">
+                <a:alpha val="40000"/>
+              </a:prstClr>
+            </a:outerShdw>
+          </a:effectLst>
+        </p:spPr>
+        <p:txBody>
+          <a:bodyPr vert="horz" lIns="91440" tIns="45720" rIns="91440" bIns="45720" rtlCol="0" anchor="ctr">
+            <a:noAutofit/>
+          </a:bodyPr>
+          <a:lstStyle/>
+          <a:p>
+            <a:pPr marL="47625">
+              <a:tabLst>
+                <a:tab pos="1236663" algn="l"/>
+              </a:tabLst>
+            </a:pPr>
+            <a:r>
+              <a:rPr lang="fr-FR" altLang="fr-FR" dirty="0" err="1">
+                <a:latin typeface="Source Code Pro" panose="020B0509030403020204"/>
+              </a:rPr>
+              <a:t>fonctionNormale</a:t>
+            </a:r>
+            <a:r>
+              <a:rPr lang="fr-FR" altLang="fr-FR" dirty="0">
+                <a:latin typeface="Source Code Pro" panose="020B0509030403020204"/>
+              </a:rPr>
+              <a:t>(</a:t>
+            </a:r>
+            <a:r>
+              <a:rPr lang="fr-FR" altLang="fr-FR" dirty="0" err="1">
+                <a:solidFill>
+                  <a:srgbClr val="6F42C1"/>
+                </a:solidFill>
+                <a:latin typeface="Source Code Pro" panose="020B0509030403020204" pitchFamily="49" charset="0"/>
+                <a:ea typeface="Source Code Pro" panose="020B0509030403020204" pitchFamily="49" charset="0"/>
+              </a:rPr>
+              <a:t>function</a:t>
+            </a:r>
+            <a:r>
+              <a:rPr lang="fr-FR" altLang="fr-FR" dirty="0">
+                <a:latin typeface="Source Code Pro" panose="020B0509030403020204"/>
+              </a:rPr>
+              <a:t>() { 				</a:t>
+            </a:r>
+            <a:r>
+              <a:rPr lang="fr-FR" altLang="fr-FR" dirty="0" err="1">
+                <a:latin typeface="Source Code Pro" panose="020B0509030403020204"/>
+              </a:rPr>
+              <a:t>fonctionCallback</a:t>
+            </a:r>
+            <a:r>
+              <a:rPr lang="fr-FR" altLang="fr-FR" dirty="0">
+                <a:latin typeface="Source Code Pro" panose="020B0509030403020204"/>
+              </a:rPr>
+              <a:t>(arg1); });</a:t>
+            </a:r>
+          </a:p>
+        </p:txBody>
+      </p:sp>
+      <p:sp>
+        <p:nvSpPr>
+          <p:cNvPr id="8" name="Rectangle 7">
+            <a:extLst>
+              <a:ext uri="{FF2B5EF4-FFF2-40B4-BE49-F238E27FC236}">
+                <a16:creationId xmlns:a16="http://schemas.microsoft.com/office/drawing/2014/main" id="{B6D6EB7E-8982-074C-ADF4-7843404D6ECD}"/>
+              </a:ext>
+            </a:extLst>
+          </p:cNvPr>
+          <p:cNvSpPr/>
+          <p:nvPr/>
+        </p:nvSpPr>
+        <p:spPr>
+          <a:xfrm>
+            <a:off x="1692737" y="4320979"/>
+            <a:ext cx="5758523" cy="490507"/>
+          </a:xfrm>
+          <a:prstGeom prst="rect">
+            <a:avLst/>
+          </a:prstGeom>
+          <a:solidFill>
+            <a:srgbClr val="FEF6E3"/>
+          </a:solidFill>
+          <a:effectLst>
+            <a:outerShdw blurRad="50800" dist="38100" dir="2700000" algn="tl" rotWithShape="0">
+              <a:prstClr val="black">
+                <a:alpha val="40000"/>
+              </a:prstClr>
+            </a:outerShdw>
+          </a:effectLst>
+        </p:spPr>
+        <p:txBody>
+          <a:bodyPr vert="horz" lIns="91440" tIns="45720" rIns="91440" bIns="45720" rtlCol="0" anchor="ctr">
+            <a:noAutofit/>
+          </a:bodyPr>
+          <a:lstStyle/>
+          <a:p>
+            <a:pPr marL="47625"/>
+            <a:r>
+              <a:rPr lang="fr-FR" altLang="fr-FR" dirty="0" err="1">
+                <a:latin typeface="Source Code Pro" panose="020B0509030403020204"/>
+              </a:rPr>
+              <a:t>fonctionNormale</a:t>
+            </a:r>
+            <a:r>
+              <a:rPr lang="fr-FR" altLang="fr-FR" dirty="0">
+                <a:latin typeface="Source Code Pro" panose="020B0509030403020204"/>
+              </a:rPr>
+              <a:t>(</a:t>
+            </a:r>
+            <a:r>
+              <a:rPr lang="fr-FR" altLang="fr-FR" dirty="0" err="1">
+                <a:latin typeface="Source Code Pro" panose="020B0509030403020204"/>
+              </a:rPr>
+              <a:t>fonctionCallback</a:t>
+            </a:r>
+            <a:r>
+              <a:rPr lang="fr-FR" altLang="fr-FR" dirty="0">
+                <a:latin typeface="Source Code Pro" panose="020B0509030403020204"/>
+              </a:rPr>
+              <a:t>);</a:t>
+            </a:r>
+          </a:p>
+        </p:txBody>
+      </p:sp>
+    </p:spTree>
+    <p:extLst>
+      <p:ext uri="{BB962C8B-B14F-4D97-AF65-F5344CB8AC3E}">
+        <p14:creationId xmlns:p14="http://schemas.microsoft.com/office/powerpoint/2010/main" val="4124190956"/>
+      </p:ext>
+    </p:extLst>
+  </p:cSld>
+  <p:clrMapOvr>
+    <a:masterClrMapping/>
+  </p:clrMapOvr>
+</p:sld>
+</file>
+
+<file path=ppt/slides/slide11.xml><?xml version="1.0" encoding="utf-8"?>
+<p:sld xmlns:a="http://schemas.openxmlformats.org/drawingml/2006/main" xmlns:r="http://schemas.openxmlformats.org/officeDocument/2006/relationships" xmlns:p="http://schemas.openxmlformats.org/presentationml/2006/main">
+  <p:cSld>
+    <p:spTree>
+      <p:nvGrpSpPr>
+        <p:cNvPr id="1" name=""/>
+        <p:cNvGrpSpPr/>
+        <p:nvPr/>
+      </p:nvGrpSpPr>
+      <p:grpSpPr>
+        <a:xfrm>
+          <a:off x="0" y="0"/>
+          <a:ext cx="0" cy="0"/>
+          <a:chOff x="0" y="0"/>
+          <a:chExt cx="0" cy="0"/>
+        </a:xfrm>
+      </p:grpSpPr>
+      <p:sp>
+        <p:nvSpPr>
           <p:cNvPr id="2" name="Titre 1"/>
           <p:cNvSpPr>
             <a:spLocks noGrp="1"/>
@@ -5777,7 +6179,7 @@
           <a:p>
             <a:fld id="{1AC11C67-BE04-4C5F-B0EE-E01220C9093A}" type="datetime4">
               <a:rPr lang="fr-FR" smtClean="0"/>
-              <a:t>7 juin 2021</a:t>
+              <a:t>17 juin 2021</a:t>
             </a:fld>
             <a:endParaRPr lang="fr-FR" dirty="0"/>
           </a:p>
@@ -5823,7 +6225,7 @@
             <a:fld id="{DCE37727-CC04-7A46-938D-2CCFF056F773}" type="slidenum">
               <a:rPr lang="fr-FR" smtClean="0"/>
               <a:pPr/>
-              <a:t>10</a:t>
+              <a:t>11</a:t>
             </a:fld>
             <a:endParaRPr lang="fr-FR"/>
           </a:p>
@@ -6227,884 +6629,6 @@
 </p:sld>
 </file>
 
-<file path=ppt/slides/slide11.xml><?xml version="1.0" encoding="utf-8"?>
-<p:sld xmlns:a="http://schemas.openxmlformats.org/drawingml/2006/main" xmlns:r="http://schemas.openxmlformats.org/officeDocument/2006/relationships" xmlns:p="http://schemas.openxmlformats.org/presentationml/2006/main">
-  <p:cSld>
-    <p:spTree>
-      <p:nvGrpSpPr>
-        <p:cNvPr id="1" name=""/>
-        <p:cNvGrpSpPr/>
-        <p:nvPr/>
-      </p:nvGrpSpPr>
-      <p:grpSpPr>
-        <a:xfrm>
-          <a:off x="0" y="0"/>
-          <a:ext cx="0" cy="0"/>
-          <a:chOff x="0" y="0"/>
-          <a:chExt cx="0" cy="0"/>
-        </a:xfrm>
-      </p:grpSpPr>
-      <p:sp>
-        <p:nvSpPr>
-          <p:cNvPr id="10" name="Espace réservé du contenu 2"/>
-          <p:cNvSpPr txBox="1">
-            <a:spLocks/>
-          </p:cNvSpPr>
-          <p:nvPr/>
-        </p:nvSpPr>
-        <p:spPr>
-          <a:xfrm>
-            <a:off x="228600" y="1058026"/>
-            <a:ext cx="8644466" cy="5569596"/>
-          </a:xfrm>
-          <a:prstGeom prst="rect">
-            <a:avLst/>
-          </a:prstGeom>
-        </p:spPr>
-        <p:txBody>
-          <a:bodyPr vert="horz" lIns="91440" tIns="45720" rIns="91440" bIns="45720" rtlCol="0">
-            <a:noAutofit/>
-          </a:bodyPr>
-          <a:lstStyle>
-            <a:lvl1pPr marL="342900" marR="0" indent="-342900" algn="l" defTabSz="457200" rtl="0" eaLnBrk="1" fontAlgn="auto" latinLnBrk="0" hangingPunct="1">
-              <a:lnSpc>
-                <a:spcPct val="100000"/>
-              </a:lnSpc>
-              <a:spcBef>
-                <a:spcPct val="20000"/>
-              </a:spcBef>
-              <a:spcAft>
-                <a:spcPts val="0"/>
-              </a:spcAft>
-              <a:buClr>
-                <a:schemeClr val="accent6"/>
-              </a:buClr>
-              <a:buSzTx/>
-              <a:buFont typeface="Lucida Grande"/>
-              <a:buChar char="➔"/>
-              <a:tabLst/>
-              <a:defRPr sz="2000" kern="1200">
-                <a:solidFill>
-                  <a:schemeClr val="tx1"/>
-                </a:solidFill>
-                <a:latin typeface="+mn-lt"/>
-                <a:ea typeface="+mn-ea"/>
-                <a:cs typeface="+mn-cs"/>
-              </a:defRPr>
-            </a:lvl1pPr>
-            <a:lvl2pPr marL="742950" marR="0" indent="-285750" algn="l" defTabSz="457200" rtl="0" eaLnBrk="1" fontAlgn="auto" latinLnBrk="0" hangingPunct="1">
-              <a:lnSpc>
-                <a:spcPct val="100000"/>
-              </a:lnSpc>
-              <a:spcBef>
-                <a:spcPct val="20000"/>
-              </a:spcBef>
-              <a:spcAft>
-                <a:spcPts val="0"/>
-              </a:spcAft>
-              <a:buClr>
-                <a:srgbClr val="009DE0"/>
-              </a:buClr>
-              <a:buSzTx/>
-              <a:buFont typeface="Arial"/>
-              <a:buChar char="›"/>
-              <a:tabLst/>
-              <a:defRPr sz="2800" kern="1200">
-                <a:solidFill>
-                  <a:schemeClr val="tx1"/>
-                </a:solidFill>
-                <a:latin typeface="+mn-lt"/>
-                <a:ea typeface="+mn-ea"/>
-                <a:cs typeface="+mn-cs"/>
-              </a:defRPr>
-            </a:lvl2pPr>
-            <a:lvl3pPr marL="1143000" marR="0" indent="-228600" algn="l" defTabSz="457200" rtl="0" eaLnBrk="1" fontAlgn="auto" latinLnBrk="0" hangingPunct="1">
-              <a:lnSpc>
-                <a:spcPct val="100000"/>
-              </a:lnSpc>
-              <a:spcBef>
-                <a:spcPct val="20000"/>
-              </a:spcBef>
-              <a:spcAft>
-                <a:spcPts val="0"/>
-              </a:spcAft>
-              <a:buClrTx/>
-              <a:buSzTx/>
-              <a:buFont typeface="Arial"/>
-              <a:buChar char="•"/>
-              <a:tabLst/>
-              <a:defRPr sz="2400" kern="1200">
-                <a:solidFill>
-                  <a:schemeClr val="tx1"/>
-                </a:solidFill>
-                <a:latin typeface="+mn-lt"/>
-                <a:ea typeface="+mn-ea"/>
-                <a:cs typeface="+mn-cs"/>
-              </a:defRPr>
-            </a:lvl3pPr>
-            <a:lvl4pPr marL="1600200" marR="0" indent="-228600" algn="l" defTabSz="457200" rtl="0" eaLnBrk="1" fontAlgn="auto" latinLnBrk="0" hangingPunct="1">
-              <a:lnSpc>
-                <a:spcPct val="100000"/>
-              </a:lnSpc>
-              <a:spcBef>
-                <a:spcPct val="20000"/>
-              </a:spcBef>
-              <a:spcAft>
-                <a:spcPts val="0"/>
-              </a:spcAft>
-              <a:buClrTx/>
-              <a:buSzTx/>
-              <a:buFont typeface="Arial"/>
-              <a:buChar char="–"/>
-              <a:tabLst/>
-              <a:defRPr sz="2000" kern="1200">
-                <a:solidFill>
-                  <a:schemeClr val="tx1"/>
-                </a:solidFill>
-                <a:latin typeface="+mn-lt"/>
-                <a:ea typeface="+mn-ea"/>
-                <a:cs typeface="+mn-cs"/>
-              </a:defRPr>
-            </a:lvl4pPr>
-            <a:lvl5pPr marL="2057400" marR="0" indent="-228600" algn="l" defTabSz="457200" rtl="0" eaLnBrk="1" fontAlgn="auto" latinLnBrk="0" hangingPunct="1">
-              <a:lnSpc>
-                <a:spcPct val="100000"/>
-              </a:lnSpc>
-              <a:spcBef>
-                <a:spcPct val="20000"/>
-              </a:spcBef>
-              <a:spcAft>
-                <a:spcPts val="0"/>
-              </a:spcAft>
-              <a:buClrTx/>
-              <a:buSzTx/>
-              <a:buFont typeface="Arial"/>
-              <a:buChar char="»"/>
-              <a:tabLst/>
-              <a:defRPr sz="2000" kern="1200">
-                <a:solidFill>
-                  <a:schemeClr val="tx1"/>
-                </a:solidFill>
-                <a:latin typeface="+mn-lt"/>
-                <a:ea typeface="+mn-ea"/>
-                <a:cs typeface="+mn-cs"/>
-              </a:defRPr>
-            </a:lvl5pPr>
-            <a:lvl6pPr marL="2514600" indent="-228600" algn="l" defTabSz="457200" rtl="0" eaLnBrk="1" latinLnBrk="0" hangingPunct="1">
-              <a:spcBef>
-                <a:spcPct val="20000"/>
-              </a:spcBef>
-              <a:buFont typeface="Arial"/>
-              <a:buChar char="•"/>
-              <a:defRPr sz="2000" kern="1200">
-                <a:solidFill>
-                  <a:schemeClr val="tx1"/>
-                </a:solidFill>
-                <a:latin typeface="+mn-lt"/>
-                <a:ea typeface="+mn-ea"/>
-                <a:cs typeface="+mn-cs"/>
-              </a:defRPr>
-            </a:lvl6pPr>
-            <a:lvl7pPr marL="2971800" indent="-228600" algn="l" defTabSz="457200" rtl="0" eaLnBrk="1" latinLnBrk="0" hangingPunct="1">
-              <a:spcBef>
-                <a:spcPct val="20000"/>
-              </a:spcBef>
-              <a:buFont typeface="Arial"/>
-              <a:buChar char="•"/>
-              <a:defRPr sz="2000" kern="1200">
-                <a:solidFill>
-                  <a:schemeClr val="tx1"/>
-                </a:solidFill>
-                <a:latin typeface="+mn-lt"/>
-                <a:ea typeface="+mn-ea"/>
-                <a:cs typeface="+mn-cs"/>
-              </a:defRPr>
-            </a:lvl7pPr>
-            <a:lvl8pPr marL="3429000" indent="-228600" algn="l" defTabSz="457200" rtl="0" eaLnBrk="1" latinLnBrk="0" hangingPunct="1">
-              <a:spcBef>
-                <a:spcPct val="20000"/>
-              </a:spcBef>
-              <a:buFont typeface="Arial"/>
-              <a:buChar char="•"/>
-              <a:defRPr sz="2000" kern="1200">
-                <a:solidFill>
-                  <a:schemeClr val="tx1"/>
-                </a:solidFill>
-                <a:latin typeface="+mn-lt"/>
-                <a:ea typeface="+mn-ea"/>
-                <a:cs typeface="+mn-cs"/>
-              </a:defRPr>
-            </a:lvl8pPr>
-            <a:lvl9pPr marL="3886200" indent="-228600" algn="l" defTabSz="457200" rtl="0" eaLnBrk="1" latinLnBrk="0" hangingPunct="1">
-              <a:spcBef>
-                <a:spcPct val="20000"/>
-              </a:spcBef>
-              <a:buFont typeface="Arial"/>
-              <a:buChar char="•"/>
-              <a:defRPr sz="2000" kern="1200">
-                <a:solidFill>
-                  <a:schemeClr val="tx1"/>
-                </a:solidFill>
-                <a:latin typeface="+mn-lt"/>
-                <a:ea typeface="+mn-ea"/>
-                <a:cs typeface="+mn-cs"/>
-              </a:defRPr>
-            </a:lvl9pPr>
-          </a:lstStyle>
-          <a:p>
-            <a:pPr marL="400050" indent="-400050"/>
-            <a:r>
-              <a:rPr lang="fr-FR" sz="2400" dirty="0"/>
-              <a:t>Ajouter le code JavaScript </a:t>
-            </a:r>
-            <a:r>
-              <a:rPr lang="fr-FR" sz="2400" b="1" dirty="0"/>
-              <a:t>dans la page HTML </a:t>
-            </a:r>
-            <a:br>
-              <a:rPr lang="fr-FR" sz="2400" dirty="0"/>
-            </a:br>
-            <a:r>
-              <a:rPr lang="fr-FR" sz="2400" dirty="0"/>
-              <a:t>à l'intérieur d'une balise </a:t>
-            </a:r>
-            <a:r>
-              <a:rPr lang="fr-FR" sz="2400" dirty="0">
-                <a:solidFill>
-                  <a:srgbClr val="990000"/>
-                </a:solidFill>
-                <a:latin typeface="Source Code Pro" panose="020B0509030403020204" pitchFamily="49" charset="0"/>
-                <a:ea typeface="Source Code Pro" panose="020B0509030403020204" pitchFamily="49" charset="0"/>
-              </a:rPr>
-              <a:t>&lt;script&gt;</a:t>
-            </a:r>
-            <a:r>
-              <a:rPr lang="fr-FR" sz="2400" b="1" dirty="0">
-                <a:solidFill>
-                  <a:srgbClr val="990000"/>
-                </a:solidFill>
-                <a:latin typeface="+mj-lt"/>
-                <a:ea typeface="Source Code Pro" panose="020B0509030403020204" pitchFamily="49" charset="0"/>
-              </a:rPr>
-              <a:t> </a:t>
-            </a:r>
-            <a:r>
-              <a:rPr lang="fr-FR" sz="2400" dirty="0">
-                <a:latin typeface="+mj-lt"/>
-              </a:rPr>
-              <a:t>:</a:t>
-            </a:r>
-          </a:p>
-          <a:p>
-            <a:pPr marL="400050" indent="-400050"/>
-            <a:endParaRPr lang="fr-FR" sz="2400" dirty="0"/>
-          </a:p>
-          <a:p>
-            <a:pPr marL="400050" indent="-400050"/>
-            <a:endParaRPr lang="fr-FR" sz="2400" dirty="0"/>
-          </a:p>
-          <a:p>
-            <a:pPr marL="400050" indent="-400050"/>
-            <a:endParaRPr lang="fr-FR" sz="2400" dirty="0"/>
-          </a:p>
-          <a:p>
-            <a:pPr marL="0" indent="0">
-              <a:buNone/>
-            </a:pPr>
-            <a:br>
-              <a:rPr lang="fr-FR" sz="2400" dirty="0"/>
-            </a:br>
-            <a:endParaRPr lang="fr-FR" sz="2400" dirty="0"/>
-          </a:p>
-        </p:txBody>
-      </p:sp>
-      <p:sp>
-        <p:nvSpPr>
-          <p:cNvPr id="2" name="Titre 1"/>
-          <p:cNvSpPr>
-            <a:spLocks noGrp="1"/>
-          </p:cNvSpPr>
-          <p:nvPr>
-            <p:ph type="title"/>
-          </p:nvPr>
-        </p:nvSpPr>
-        <p:spPr/>
-        <p:txBody>
-          <a:bodyPr>
-            <a:noAutofit/>
-          </a:bodyPr>
-          <a:lstStyle/>
-          <a:p>
-            <a:r>
-              <a:rPr lang="fr-FR" b="1" dirty="0"/>
-              <a:t>HTML et JavaScript (2/3)</a:t>
-            </a:r>
-          </a:p>
-        </p:txBody>
-      </p:sp>
-      <p:sp>
-        <p:nvSpPr>
-          <p:cNvPr id="4" name="Espace réservé de la date 3"/>
-          <p:cNvSpPr>
-            <a:spLocks noGrp="1"/>
-          </p:cNvSpPr>
-          <p:nvPr>
-            <p:ph type="dt" sz="half" idx="10"/>
-          </p:nvPr>
-        </p:nvSpPr>
-        <p:spPr/>
-        <p:txBody>
-          <a:bodyPr/>
-          <a:lstStyle/>
-          <a:p>
-            <a:fld id="{BB2FA04C-1355-4CE6-8050-4BD994E23BD5}" type="datetime4">
-              <a:rPr lang="fr-FR" smtClean="0"/>
-              <a:t>7 juin 2021</a:t>
-            </a:fld>
-            <a:endParaRPr lang="fr-FR" dirty="0"/>
-          </a:p>
-        </p:txBody>
-      </p:sp>
-      <p:sp>
-        <p:nvSpPr>
-          <p:cNvPr id="5" name="Espace réservé du pied de page 4"/>
-          <p:cNvSpPr>
-            <a:spLocks noGrp="1"/>
-          </p:cNvSpPr>
-          <p:nvPr>
-            <p:ph type="ftr" sz="quarter" idx="11"/>
-          </p:nvPr>
-        </p:nvSpPr>
-        <p:spPr/>
-        <p:txBody>
-          <a:bodyPr/>
-          <a:lstStyle/>
-          <a:p>
-            <a:r>
-              <a:rPr lang="fr-FR"/>
-              <a:t>DIU NSI</a:t>
-            </a:r>
-          </a:p>
-        </p:txBody>
-      </p:sp>
-      <p:sp>
-        <p:nvSpPr>
-          <p:cNvPr id="6" name="Espace réservé du numéro de diapositive 5"/>
-          <p:cNvSpPr>
-            <a:spLocks noGrp="1"/>
-          </p:cNvSpPr>
-          <p:nvPr>
-            <p:ph type="sldNum" sz="quarter" idx="12"/>
-          </p:nvPr>
-        </p:nvSpPr>
-        <p:spPr/>
-        <p:txBody>
-          <a:bodyPr/>
-          <a:lstStyle/>
-          <a:p>
-            <a:fld id="{DCE37727-CC04-7A46-938D-2CCFF056F773}" type="slidenum">
-              <a:rPr lang="fr-FR" smtClean="0"/>
-              <a:pPr/>
-              <a:t>11</a:t>
-            </a:fld>
-            <a:endParaRPr lang="fr-FR"/>
-          </a:p>
-        </p:txBody>
-      </p:sp>
-      <p:sp>
-        <p:nvSpPr>
-          <p:cNvPr id="8" name="Rectangle 7">
-            <a:extLst>
-              <a:ext uri="{FF2B5EF4-FFF2-40B4-BE49-F238E27FC236}">
-                <a16:creationId xmlns:a16="http://schemas.microsoft.com/office/drawing/2014/main" id="{99D6AB73-3556-6845-9EF8-9024C2407A0D}"/>
-              </a:ext>
-            </a:extLst>
-          </p:cNvPr>
-          <p:cNvSpPr/>
-          <p:nvPr/>
-        </p:nvSpPr>
-        <p:spPr>
-          <a:xfrm>
-            <a:off x="555710" y="1981138"/>
-            <a:ext cx="8032580" cy="4030702"/>
-          </a:xfrm>
-          <a:prstGeom prst="rect">
-            <a:avLst/>
-          </a:prstGeom>
-          <a:solidFill>
-            <a:srgbClr val="FEF6E3"/>
-          </a:solidFill>
-          <a:effectLst>
-            <a:outerShdw blurRad="50800" dist="38100" dir="2700000" algn="tl" rotWithShape="0">
-              <a:prstClr val="black">
-                <a:alpha val="40000"/>
-              </a:prstClr>
-            </a:outerShdw>
-          </a:effectLst>
-        </p:spPr>
-        <p:txBody>
-          <a:bodyPr vert="horz" lIns="91440" tIns="45720" rIns="91440" bIns="45720" rtlCol="0" anchor="ctr">
-            <a:normAutofit/>
-          </a:bodyPr>
-          <a:lstStyle/>
-          <a:p>
-            <a:pPr marL="47625" indent="0">
-              <a:buFont typeface="Brix Slab Bold" pitchFamily="50" charset="0"/>
-              <a:buNone/>
-            </a:pPr>
-            <a:r>
-              <a:rPr lang="fr-FR" dirty="0">
-                <a:solidFill>
-                  <a:srgbClr val="657B83"/>
-                </a:solidFill>
-                <a:latin typeface="Source Code Pro" panose="020B0509030403020204" pitchFamily="49" charset="0"/>
-                <a:ea typeface="Source Code Pro" panose="020B0509030403020204" pitchFamily="49" charset="0"/>
-              </a:rPr>
-              <a:t>&lt;!DOCTYPE html&gt;</a:t>
-            </a:r>
-          </a:p>
-          <a:p>
-            <a:pPr marL="47625" indent="0">
-              <a:buFont typeface="Brix Slab Bold" pitchFamily="50" charset="0"/>
-              <a:buNone/>
-            </a:pPr>
-            <a:r>
-              <a:rPr lang="fr-FR" dirty="0">
-                <a:solidFill>
-                  <a:srgbClr val="010080"/>
-                </a:solidFill>
-                <a:latin typeface="Source Code Pro" panose="020B0509030403020204" pitchFamily="49" charset="0"/>
-                <a:ea typeface="Source Code Pro" panose="020B0509030403020204" pitchFamily="49" charset="0"/>
-              </a:rPr>
-              <a:t>&lt;html </a:t>
-            </a:r>
-            <a:r>
-              <a:rPr lang="fr-FR" dirty="0" err="1">
-                <a:solidFill>
-                  <a:srgbClr val="008080"/>
-                </a:solidFill>
-                <a:latin typeface="Source Code Pro" panose="020B0509030403020204" pitchFamily="49" charset="0"/>
-                <a:ea typeface="Source Code Pro" panose="020B0509030403020204" pitchFamily="49" charset="0"/>
-              </a:rPr>
-              <a:t>lang</a:t>
-            </a:r>
-            <a:r>
-              <a:rPr lang="fr-FR" dirty="0">
-                <a:solidFill>
-                  <a:srgbClr val="010080"/>
-                </a:solidFill>
-                <a:latin typeface="Source Code Pro" panose="020B0509030403020204" pitchFamily="49" charset="0"/>
-                <a:ea typeface="Source Code Pro" panose="020B0509030403020204" pitchFamily="49" charset="0"/>
-              </a:rPr>
-              <a:t>="</a:t>
-            </a:r>
-            <a:r>
-              <a:rPr lang="fr-FR" dirty="0" err="1">
-                <a:solidFill>
-                  <a:srgbClr val="990000"/>
-                </a:solidFill>
-                <a:latin typeface="Source Code Pro" panose="020B0509030403020204" pitchFamily="49" charset="0"/>
-                <a:ea typeface="Source Code Pro" panose="020B0509030403020204" pitchFamily="49" charset="0"/>
-              </a:rPr>
-              <a:t>fr</a:t>
-            </a:r>
-            <a:r>
-              <a:rPr lang="fr-FR" dirty="0">
-                <a:solidFill>
-                  <a:srgbClr val="010080"/>
-                </a:solidFill>
-                <a:latin typeface="Source Code Pro" panose="020B0509030403020204" pitchFamily="49" charset="0"/>
-                <a:ea typeface="Source Code Pro" panose="020B0509030403020204" pitchFamily="49" charset="0"/>
-              </a:rPr>
-              <a:t>"&gt;</a:t>
-            </a:r>
-          </a:p>
-          <a:p>
-            <a:pPr marL="342900" lvl="1" indent="0">
-              <a:buNone/>
-            </a:pPr>
-            <a:r>
-              <a:rPr lang="fr-FR" dirty="0">
-                <a:solidFill>
-                  <a:srgbClr val="010080"/>
-                </a:solidFill>
-                <a:latin typeface="Source Code Pro" panose="020B0509030403020204" pitchFamily="49" charset="0"/>
-                <a:ea typeface="Source Code Pro" panose="020B0509030403020204" pitchFamily="49" charset="0"/>
-              </a:rPr>
-              <a:t>&lt;</a:t>
-            </a:r>
-            <a:r>
-              <a:rPr lang="fr-FR" dirty="0" err="1">
-                <a:solidFill>
-                  <a:srgbClr val="010080"/>
-                </a:solidFill>
-                <a:latin typeface="Source Code Pro" panose="020B0509030403020204" pitchFamily="49" charset="0"/>
-                <a:ea typeface="Source Code Pro" panose="020B0509030403020204" pitchFamily="49" charset="0"/>
-              </a:rPr>
-              <a:t>head</a:t>
-            </a:r>
-            <a:r>
-              <a:rPr lang="fr-FR" dirty="0">
-                <a:solidFill>
-                  <a:srgbClr val="010080"/>
-                </a:solidFill>
-                <a:latin typeface="Source Code Pro" panose="020B0509030403020204" pitchFamily="49" charset="0"/>
-                <a:ea typeface="Source Code Pro" panose="020B0509030403020204" pitchFamily="49" charset="0"/>
-              </a:rPr>
-              <a:t>&gt; </a:t>
-            </a:r>
-          </a:p>
-          <a:p>
-            <a:pPr marL="742950" lvl="2" indent="0">
-              <a:buNone/>
-            </a:pPr>
-            <a:r>
-              <a:rPr lang="fr-FR" dirty="0">
-                <a:solidFill>
-                  <a:srgbClr val="010080"/>
-                </a:solidFill>
-                <a:latin typeface="Source Code Pro" panose="020B0509030403020204" pitchFamily="49" charset="0"/>
-                <a:ea typeface="Source Code Pro" panose="020B0509030403020204" pitchFamily="49" charset="0"/>
-              </a:rPr>
-              <a:t>&lt;</a:t>
-            </a:r>
-            <a:r>
-              <a:rPr lang="fr-FR" dirty="0" err="1">
-                <a:solidFill>
-                  <a:srgbClr val="010080"/>
-                </a:solidFill>
-                <a:latin typeface="Source Code Pro" panose="020B0509030403020204" pitchFamily="49" charset="0"/>
-                <a:ea typeface="Source Code Pro" panose="020B0509030403020204" pitchFamily="49" charset="0"/>
-              </a:rPr>
-              <a:t>meta</a:t>
-            </a:r>
-            <a:r>
-              <a:rPr lang="fr-FR" dirty="0">
-                <a:solidFill>
-                  <a:srgbClr val="010080"/>
-                </a:solidFill>
-                <a:latin typeface="Source Code Pro" panose="020B0509030403020204" pitchFamily="49" charset="0"/>
-                <a:ea typeface="Source Code Pro" panose="020B0509030403020204" pitchFamily="49" charset="0"/>
-              </a:rPr>
-              <a:t> </a:t>
-            </a:r>
-            <a:r>
-              <a:rPr lang="fr-FR" dirty="0" err="1">
-                <a:solidFill>
-                  <a:srgbClr val="008080"/>
-                </a:solidFill>
-                <a:latin typeface="Source Code Pro" panose="020B0509030403020204" pitchFamily="49" charset="0"/>
-                <a:ea typeface="Source Code Pro" panose="020B0509030403020204" pitchFamily="49" charset="0"/>
-              </a:rPr>
-              <a:t>charset</a:t>
-            </a:r>
-            <a:r>
-              <a:rPr lang="fr-FR" dirty="0">
-                <a:solidFill>
-                  <a:srgbClr val="010080"/>
-                </a:solidFill>
-                <a:latin typeface="Source Code Pro" panose="020B0509030403020204" pitchFamily="49" charset="0"/>
-                <a:ea typeface="Source Code Pro" panose="020B0509030403020204" pitchFamily="49" charset="0"/>
-              </a:rPr>
-              <a:t>="</a:t>
-            </a:r>
-            <a:r>
-              <a:rPr lang="fr-FR" dirty="0">
-                <a:solidFill>
-                  <a:srgbClr val="990000"/>
-                </a:solidFill>
-                <a:latin typeface="Source Code Pro" panose="020B0509030403020204" pitchFamily="49" charset="0"/>
-                <a:ea typeface="Source Code Pro" panose="020B0509030403020204" pitchFamily="49" charset="0"/>
-              </a:rPr>
-              <a:t>utf-8</a:t>
-            </a:r>
-            <a:r>
-              <a:rPr lang="fr-FR" dirty="0">
-                <a:solidFill>
-                  <a:srgbClr val="010080"/>
-                </a:solidFill>
-                <a:latin typeface="Source Code Pro" panose="020B0509030403020204" pitchFamily="49" charset="0"/>
-                <a:ea typeface="Source Code Pro" panose="020B0509030403020204" pitchFamily="49" charset="0"/>
-              </a:rPr>
-              <a:t>" /&gt; </a:t>
-            </a:r>
-          </a:p>
-          <a:p>
-            <a:pPr marL="342900" lvl="1" indent="0">
-              <a:buNone/>
-            </a:pPr>
-            <a:r>
-              <a:rPr lang="fr-FR" dirty="0">
-                <a:solidFill>
-                  <a:srgbClr val="010080"/>
-                </a:solidFill>
-                <a:latin typeface="Source Code Pro" panose="020B0509030403020204" pitchFamily="49" charset="0"/>
-                <a:ea typeface="Source Code Pro" panose="020B0509030403020204" pitchFamily="49" charset="0"/>
-              </a:rPr>
-              <a:t>&lt;/</a:t>
-            </a:r>
-            <a:r>
-              <a:rPr lang="fr-FR" dirty="0" err="1">
-                <a:solidFill>
-                  <a:srgbClr val="010080"/>
-                </a:solidFill>
-                <a:latin typeface="Source Code Pro" panose="020B0509030403020204" pitchFamily="49" charset="0"/>
-                <a:ea typeface="Source Code Pro" panose="020B0509030403020204" pitchFamily="49" charset="0"/>
-              </a:rPr>
-              <a:t>head</a:t>
-            </a:r>
-            <a:r>
-              <a:rPr lang="fr-FR" dirty="0">
-                <a:solidFill>
-                  <a:srgbClr val="010080"/>
-                </a:solidFill>
-                <a:latin typeface="Source Code Pro" panose="020B0509030403020204" pitchFamily="49" charset="0"/>
-                <a:ea typeface="Source Code Pro" panose="020B0509030403020204" pitchFamily="49" charset="0"/>
-              </a:rPr>
-              <a:t>&gt;</a:t>
-            </a:r>
-          </a:p>
-          <a:p>
-            <a:pPr marL="342900" lvl="1" indent="0">
-              <a:buNone/>
-            </a:pPr>
-            <a:r>
-              <a:rPr lang="fr-FR" dirty="0">
-                <a:solidFill>
-                  <a:srgbClr val="010080"/>
-                </a:solidFill>
-                <a:latin typeface="Source Code Pro" panose="020B0509030403020204" pitchFamily="49" charset="0"/>
-                <a:ea typeface="Source Code Pro" panose="020B0509030403020204" pitchFamily="49" charset="0"/>
-              </a:rPr>
-              <a:t>&lt;body&gt;</a:t>
-            </a:r>
-          </a:p>
-          <a:p>
-            <a:pPr marL="760413" lvl="1">
-              <a:spcBef>
-                <a:spcPct val="20000"/>
-              </a:spcBef>
-              <a:buClr>
-                <a:schemeClr val="accent6"/>
-              </a:buClr>
-            </a:pPr>
-            <a:r>
-              <a:rPr lang="fr-FR" altLang="fr-FR" b="1" dirty="0">
-                <a:solidFill>
-                  <a:srgbClr val="010080"/>
-                </a:solidFill>
-                <a:latin typeface="Source Code Pro" panose="020B0509030403020204" pitchFamily="49" charset="0"/>
-                <a:ea typeface="Source Code Pro" panose="020B0509030403020204" pitchFamily="49" charset="0"/>
-              </a:rPr>
-              <a:t>&lt;script&gt;</a:t>
-            </a:r>
-          </a:p>
-          <a:p>
-            <a:pPr marL="962025" lvl="2">
-              <a:spcBef>
-                <a:spcPct val="20000"/>
-              </a:spcBef>
-              <a:buClr>
-                <a:schemeClr val="accent6"/>
-              </a:buClr>
-            </a:pPr>
-            <a:r>
-              <a:rPr lang="fr-FR" altLang="fr-FR" dirty="0" err="1">
-                <a:solidFill>
-                  <a:srgbClr val="010080"/>
-                </a:solidFill>
-                <a:latin typeface="Source Code Pro" panose="020B0509030403020204" pitchFamily="49" charset="0"/>
-                <a:ea typeface="Source Code Pro" panose="020B0509030403020204" pitchFamily="49" charset="0"/>
-              </a:rPr>
-              <a:t>window.addEventListener</a:t>
-            </a:r>
-            <a:r>
-              <a:rPr lang="fr-FR" altLang="fr-FR" dirty="0">
-                <a:solidFill>
-                  <a:srgbClr val="010080"/>
-                </a:solidFill>
-                <a:latin typeface="Source Code Pro" panose="020B0509030403020204" pitchFamily="49" charset="0"/>
-                <a:ea typeface="Source Code Pro" panose="020B0509030403020204" pitchFamily="49" charset="0"/>
-              </a:rPr>
-              <a:t>('</a:t>
-            </a:r>
-            <a:r>
-              <a:rPr lang="fr-FR" altLang="fr-FR" dirty="0" err="1">
-                <a:solidFill>
-                  <a:srgbClr val="010080"/>
-                </a:solidFill>
-                <a:latin typeface="Source Code Pro" panose="020B0509030403020204" pitchFamily="49" charset="0"/>
-                <a:ea typeface="Source Code Pro" panose="020B0509030403020204" pitchFamily="49" charset="0"/>
-              </a:rPr>
-              <a:t>load</a:t>
-            </a:r>
-            <a:r>
-              <a:rPr lang="fr-FR" altLang="fr-FR" dirty="0">
-                <a:solidFill>
-                  <a:srgbClr val="010080"/>
-                </a:solidFill>
-                <a:latin typeface="Source Code Pro" panose="020B0509030403020204" pitchFamily="49" charset="0"/>
-                <a:ea typeface="Source Code Pro" panose="020B0509030403020204" pitchFamily="49" charset="0"/>
-              </a:rPr>
-              <a:t>', </a:t>
-            </a:r>
-            <a:r>
-              <a:rPr lang="fr-FR" altLang="fr-FR" dirty="0" err="1">
-                <a:solidFill>
-                  <a:srgbClr val="00B050"/>
-                </a:solidFill>
-                <a:latin typeface="Source Code Pro" panose="020B0509030403020204"/>
-              </a:rPr>
-              <a:t>function</a:t>
-            </a:r>
-            <a:r>
-              <a:rPr lang="fr-FR" altLang="fr-FR" dirty="0">
-                <a:solidFill>
-                  <a:srgbClr val="010080"/>
-                </a:solidFill>
-                <a:latin typeface="Source Code Pro" panose="020B0509030403020204" pitchFamily="49" charset="0"/>
-                <a:ea typeface="Source Code Pro" panose="020B0509030403020204" pitchFamily="49" charset="0"/>
-              </a:rPr>
-              <a:t> () {     </a:t>
-            </a:r>
-          </a:p>
-          <a:p>
-            <a:pPr marL="962025" lvl="2">
-              <a:spcBef>
-                <a:spcPct val="20000"/>
-              </a:spcBef>
-              <a:buClr>
-                <a:schemeClr val="accent6"/>
-              </a:buClr>
-            </a:pPr>
-            <a:r>
-              <a:rPr lang="fr-FR" altLang="fr-FR" dirty="0" err="1">
-                <a:solidFill>
-                  <a:srgbClr val="6F42C1"/>
-                </a:solidFill>
-                <a:latin typeface="Source Code Pro" panose="020B0509030403020204"/>
-              </a:rPr>
-              <a:t>console</a:t>
-            </a:r>
-            <a:r>
-              <a:rPr lang="fr-FR" altLang="fr-FR" dirty="0" err="1">
-                <a:solidFill>
-                  <a:srgbClr val="010080"/>
-                </a:solidFill>
-                <a:latin typeface="Source Code Pro" panose="020B0509030403020204" pitchFamily="49" charset="0"/>
-                <a:ea typeface="Source Code Pro" panose="020B0509030403020204" pitchFamily="49" charset="0"/>
-              </a:rPr>
-              <a:t>.</a:t>
-            </a:r>
-            <a:r>
-              <a:rPr lang="fr-FR" altLang="fr-FR" dirty="0" err="1">
-                <a:solidFill>
-                  <a:srgbClr val="005CC5"/>
-                </a:solidFill>
-                <a:latin typeface="Source Code Pro" panose="020B0509030403020204"/>
-              </a:rPr>
-              <a:t>log</a:t>
-            </a:r>
-            <a:r>
-              <a:rPr lang="fr-FR" altLang="fr-FR" dirty="0">
-                <a:solidFill>
-                  <a:srgbClr val="010080"/>
-                </a:solidFill>
-                <a:latin typeface="Source Code Pro" panose="020B0509030403020204" pitchFamily="49" charset="0"/>
-                <a:ea typeface="Source Code Pro" panose="020B0509030403020204" pitchFamily="49" charset="0"/>
-              </a:rPr>
-              <a:t>(</a:t>
-            </a:r>
-            <a:r>
-              <a:rPr lang="fr-FR" altLang="fr-FR" dirty="0">
-                <a:solidFill>
-                  <a:srgbClr val="657B83"/>
-                </a:solidFill>
-                <a:latin typeface="Source Code Pro" panose="020B0509030403020204" pitchFamily="49" charset="0"/>
-                <a:ea typeface="Source Code Pro" panose="020B0509030403020204" pitchFamily="49" charset="0"/>
-              </a:rPr>
-              <a:t>'Cette fonction est exécutée une fois la page chargée.'</a:t>
-            </a:r>
-            <a:r>
-              <a:rPr lang="fr-FR" altLang="fr-FR" dirty="0">
-                <a:solidFill>
-                  <a:srgbClr val="010080"/>
-                </a:solidFill>
-                <a:latin typeface="Source Code Pro" panose="020B0509030403020204" pitchFamily="49" charset="0"/>
-                <a:ea typeface="Source Code Pro" panose="020B0509030403020204" pitchFamily="49" charset="0"/>
-              </a:rPr>
-              <a:t>); });  </a:t>
-            </a:r>
-          </a:p>
-          <a:p>
-            <a:pPr marL="760413" lvl="1">
-              <a:spcBef>
-                <a:spcPct val="20000"/>
-              </a:spcBef>
-              <a:buClr>
-                <a:schemeClr val="accent6"/>
-              </a:buClr>
-            </a:pPr>
-            <a:r>
-              <a:rPr lang="fr-FR" altLang="fr-FR" b="1" dirty="0">
-                <a:solidFill>
-                  <a:srgbClr val="010080"/>
-                </a:solidFill>
-                <a:latin typeface="Source Code Pro" panose="020B0509030403020204" pitchFamily="49" charset="0"/>
-                <a:ea typeface="Source Code Pro" panose="020B0509030403020204" pitchFamily="49" charset="0"/>
-              </a:rPr>
-              <a:t>&lt;/script&gt;</a:t>
-            </a:r>
-          </a:p>
-          <a:p>
-            <a:pPr marL="342900" lvl="1" indent="0">
-              <a:buNone/>
-            </a:pPr>
-            <a:r>
-              <a:rPr lang="fr-FR" dirty="0">
-                <a:solidFill>
-                  <a:srgbClr val="010080"/>
-                </a:solidFill>
-                <a:latin typeface="Source Code Pro" panose="020B0509030403020204" pitchFamily="49" charset="0"/>
-              </a:rPr>
-              <a:t>&lt;/body&gt;</a:t>
-            </a:r>
-          </a:p>
-          <a:p>
-            <a:pPr marL="47625" indent="0">
-              <a:buNone/>
-            </a:pPr>
-            <a:r>
-              <a:rPr lang="fr-FR" dirty="0">
-                <a:solidFill>
-                  <a:srgbClr val="010080"/>
-                </a:solidFill>
-                <a:latin typeface="Source Code Pro" panose="020B0509030403020204" pitchFamily="49" charset="0"/>
-              </a:rPr>
-              <a:t>&lt;/html&gt;</a:t>
-            </a:r>
-            <a:endParaRPr lang="en-US" dirty="0">
-              <a:solidFill>
-                <a:srgbClr val="657B83"/>
-              </a:solidFill>
-              <a:latin typeface="Source Code Pro" panose="020B0509030403020204" pitchFamily="49" charset="0"/>
-            </a:endParaRPr>
-          </a:p>
-        </p:txBody>
-      </p:sp>
-    </p:spTree>
-    <p:extLst>
-      <p:ext uri="{BB962C8B-B14F-4D97-AF65-F5344CB8AC3E}">
-        <p14:creationId xmlns:p14="http://schemas.microsoft.com/office/powerpoint/2010/main" val="472601625"/>
-      </p:ext>
-    </p:extLst>
-  </p:cSld>
-  <p:clrMapOvr>
-    <a:masterClrMapping/>
-  </p:clrMapOvr>
-</p:sld>
-</file>
-
 <file path=ppt/slides/slide12.xml><?xml version="1.0" encoding="utf-8"?>
 <p:sld xmlns:a="http://schemas.openxmlformats.org/drawingml/2006/main" xmlns:r="http://schemas.openxmlformats.org/officeDocument/2006/relationships" xmlns:p="http://schemas.openxmlformats.org/presentationml/2006/main">
   <p:cSld>
@@ -7333,40 +6857,59 @@
             <a:pPr marL="400050" indent="-400050"/>
             <a:r>
               <a:rPr lang="fr-FR" sz="2400" dirty="0"/>
-              <a:t>Mettre le code JavaScript  dans un </a:t>
+              <a:t>Ajouter le code JavaScript </a:t>
             </a:r>
             <a:r>
               <a:rPr lang="fr-FR" sz="2400" b="1" dirty="0"/>
-              <a:t>fichier externe </a:t>
-            </a:r>
-            <a:r>
-              <a:rPr lang="fr-FR" dirty="0"/>
-              <a:t>(.</a:t>
-            </a:r>
-            <a:r>
-              <a:rPr lang="fr-FR" dirty="0" err="1"/>
-              <a:t>js</a:t>
-            </a:r>
-            <a:r>
-              <a:rPr lang="fr-FR" dirty="0"/>
-              <a:t>) </a:t>
-            </a:r>
-            <a:br>
-              <a:rPr lang="fr-FR" dirty="0"/>
-            </a:br>
+              <a:t>dans la page HTML </a:t>
+            </a:r>
             <a:br>
               <a:rPr lang="fr-FR" sz="2400" dirty="0"/>
             </a:br>
-            <a:br>
+            <a:r>
               <a:rPr lang="fr-FR" sz="2400" dirty="0"/>
-            </a:br>
-            <a:br>
+              <a:t>à l'intérieur d'une balise </a:t>
+            </a:r>
+            <a:r>
+              <a:rPr lang="fr-FR" sz="2400" dirty="0">
+                <a:solidFill>
+                  <a:srgbClr val="990000"/>
+                </a:solidFill>
+                <a:latin typeface="Source Code Pro" panose="020B0509030403020204" pitchFamily="49" charset="0"/>
+                <a:ea typeface="Source Code Pro" panose="020B0509030403020204" pitchFamily="49" charset="0"/>
+              </a:rPr>
+              <a:t>&lt;script&gt;</a:t>
+            </a:r>
+            <a:r>
+              <a:rPr lang="fr-FR" sz="2400" b="1" dirty="0">
+                <a:solidFill>
+                  <a:srgbClr val="990000"/>
+                </a:solidFill>
+                <a:ea typeface="Source Code Pro" panose="020B0509030403020204" pitchFamily="49" charset="0"/>
+              </a:rPr>
+              <a:t> </a:t>
+            </a:r>
+            <a:r>
               <a:rPr lang="fr-FR" sz="2400" dirty="0"/>
-            </a:br>
-            <a:r>
-              <a:rPr lang="fr-FR" sz="2400" dirty="0"/>
-              <a:t>et pointer ce fichier depuis le HTML :</a:t>
-            </a:r>
+              <a:t>:</a:t>
+            </a:r>
+          </a:p>
+          <a:p>
+            <a:pPr marL="400050" indent="-400050"/>
+            <a:endParaRPr lang="fr-FR" sz="2400" dirty="0"/>
+          </a:p>
+          <a:p>
+            <a:pPr marL="400050" indent="-400050"/>
+            <a:endParaRPr lang="fr-FR" sz="2400" dirty="0"/>
+          </a:p>
+          <a:p>
+            <a:pPr marL="400050" indent="-400050"/>
+            <a:endParaRPr lang="fr-FR" sz="2400" dirty="0"/>
+          </a:p>
+          <a:p>
+            <a:pPr marL="0" indent="0">
+              <a:buNone/>
+            </a:pPr>
             <a:br>
               <a:rPr lang="fr-FR" sz="2400" dirty="0"/>
             </a:br>
@@ -7393,7 +6936,7 @@
           <a:p>
             <a:r>
               <a:rPr lang="fr-FR" b="1" dirty="0"/>
-              <a:t>HTML et JavaScript (3/3)</a:t>
+              <a:t>HTML et JavaScript (2/3)</a:t>
             </a:r>
           </a:p>
         </p:txBody>
@@ -7415,7 +6958,7 @@
           <a:p>
             <a:fld id="{BB2FA04C-1355-4CE6-8050-4BD994E23BD5}" type="datetime4">
               <a:rPr lang="fr-FR" smtClean="0"/>
-              <a:t>7 juin 2021</a:t>
+              <a:t>17 juin 2021</a:t>
             </a:fld>
             <a:endParaRPr lang="fr-FR" dirty="0"/>
           </a:p>
@@ -7469,7 +7012,7 @@
       </p:sp>
       <p:sp>
         <p:nvSpPr>
-          <p:cNvPr id="19" name="Rectangle 18">
+          <p:cNvPr id="8" name="Rectangle 7">
             <a:extLst>
               <a:ext uri="{FF2B5EF4-FFF2-40B4-BE49-F238E27FC236}">
                 <a16:creationId xmlns:a16="http://schemas.microsoft.com/office/drawing/2014/main" id="{99D6AB73-3556-6845-9EF8-9024C2407A0D}"/>
@@ -7481,8 +7024,8 @@
         </p:nvSpPr>
         <p:spPr>
           <a:xfrm>
-            <a:off x="901701" y="1617794"/>
-            <a:ext cx="7130005" cy="756916"/>
+            <a:off x="555710" y="1981138"/>
+            <a:ext cx="8032580" cy="4030702"/>
           </a:xfrm>
           <a:prstGeom prst="rect">
             <a:avLst/>
@@ -7504,99 +7047,6 @@
           </a:bodyPr>
           <a:lstStyle/>
           <a:p>
-            <a:pPr marL="47625"/>
-            <a:r>
-              <a:rPr lang="fr-FR" altLang="fr-FR" dirty="0" err="1">
-                <a:solidFill>
-                  <a:srgbClr val="6F42C1"/>
-                </a:solidFill>
-                <a:latin typeface="Source Code Pro" panose="020B0509030403020204"/>
-              </a:rPr>
-              <a:t>console</a:t>
-            </a:r>
-            <a:r>
-              <a:rPr lang="fr-FR" altLang="fr-FR" dirty="0" err="1">
-                <a:solidFill>
-                  <a:srgbClr val="010080"/>
-                </a:solidFill>
-                <a:latin typeface="Source Code Pro" panose="020B0509030403020204" pitchFamily="49" charset="0"/>
-                <a:ea typeface="Source Code Pro" panose="020B0509030403020204" pitchFamily="49" charset="0"/>
-              </a:rPr>
-              <a:t>.</a:t>
-            </a:r>
-            <a:r>
-              <a:rPr lang="fr-FR" altLang="fr-FR" dirty="0" err="1">
-                <a:solidFill>
-                  <a:srgbClr val="005CC5"/>
-                </a:solidFill>
-                <a:latin typeface="Source Code Pro" panose="020B0509030403020204"/>
-              </a:rPr>
-              <a:t>log</a:t>
-            </a:r>
-            <a:r>
-              <a:rPr lang="fr-FR" altLang="fr-FR" dirty="0">
-                <a:latin typeface="Source Code Pro" panose="020B0509030403020204" pitchFamily="49" charset="0"/>
-                <a:ea typeface="Source Code Pro" panose="020B0509030403020204" pitchFamily="49" charset="0"/>
-              </a:rPr>
-              <a:t>(</a:t>
-            </a:r>
-            <a:r>
-              <a:rPr lang="fr-FR" altLang="fr-FR" dirty="0">
-                <a:solidFill>
-                  <a:srgbClr val="657B83"/>
-                </a:solidFill>
-                <a:latin typeface="Source Code Pro" panose="020B0509030403020204" pitchFamily="49" charset="0"/>
-                <a:ea typeface="Source Code Pro" panose="020B0509030403020204" pitchFamily="49" charset="0"/>
-              </a:rPr>
-              <a:t>'Cette fonction est exécutée une fois la page chargée.'</a:t>
-            </a:r>
-            <a:r>
-              <a:rPr lang="fr-FR" altLang="fr-FR" dirty="0">
-                <a:latin typeface="Source Code Pro" panose="020B0509030403020204" pitchFamily="49" charset="0"/>
-                <a:ea typeface="Source Code Pro" panose="020B0509030403020204" pitchFamily="49" charset="0"/>
-              </a:rPr>
-              <a:t>);</a:t>
-            </a:r>
-          </a:p>
-        </p:txBody>
-      </p:sp>
-      <p:sp>
-        <p:nvSpPr>
-          <p:cNvPr id="12" name="Rectangle 11">
-            <a:extLst>
-              <a:ext uri="{FF2B5EF4-FFF2-40B4-BE49-F238E27FC236}">
-                <a16:creationId xmlns:a16="http://schemas.microsoft.com/office/drawing/2014/main" id="{ECED5231-2525-CD45-A28E-5EE4CDC138F5}"/>
-              </a:ext>
-            </a:extLst>
-          </p:cNvPr>
-          <p:cNvSpPr/>
-          <p:nvPr/>
-        </p:nvSpPr>
-        <p:spPr>
-          <a:xfrm>
-            <a:off x="1849826" y="3094629"/>
-            <a:ext cx="6181880" cy="3224284"/>
-          </a:xfrm>
-          <a:prstGeom prst="rect">
-            <a:avLst/>
-          </a:prstGeom>
-          <a:solidFill>
-            <a:srgbClr val="FEF6E3"/>
-          </a:solidFill>
-          <a:effectLst>
-            <a:outerShdw blurRad="50800" dist="38100" dir="2700000" algn="tl" rotWithShape="0">
-              <a:prstClr val="black">
-                <a:alpha val="40000"/>
-              </a:prstClr>
-            </a:outerShdw>
-          </a:effectLst>
-        </p:spPr>
-        <p:txBody>
-          <a:bodyPr vert="horz" lIns="91440" tIns="45720" rIns="91440" bIns="45720" rtlCol="0" anchor="ctr">
-            <a:normAutofit/>
-          </a:bodyPr>
-          <a:lstStyle/>
-          <a:p>
             <a:pPr marL="47625" indent="0">
               <a:buFont typeface="Brix Slab Bold" pitchFamily="50" charset="0"/>
               <a:buNone/>
@@ -7845,18 +7295,155 @@
                 <a:latin typeface="Source Code Pro" panose="020B0509030403020204" pitchFamily="49" charset="0"/>
                 <a:ea typeface="Source Code Pro" panose="020B0509030403020204" pitchFamily="49" charset="0"/>
               </a:rPr>
-              <a:t>&lt;script </a:t>
-            </a:r>
-            <a:r>
-              <a:rPr lang="fr-FR" altLang="fr-FR" b="1" dirty="0" err="1">
-                <a:solidFill>
-                  <a:srgbClr val="008080"/>
-                </a:solidFill>
-                <a:latin typeface="Source Code Pro" panose="020B0509030403020204" pitchFamily="49" charset="0"/>
-                <a:ea typeface="Source Code Pro" panose="020B0509030403020204" pitchFamily="49" charset="0"/>
-              </a:rPr>
-              <a:t>src</a:t>
-            </a:r>
+              <a:t>&lt;script&gt;</a:t>
+            </a:r>
+          </a:p>
+          <a:p>
+            <a:pPr marL="962025" lvl="2">
+              <a:spcBef>
+                <a:spcPct val="20000"/>
+              </a:spcBef>
+              <a:buClr>
+                <a:schemeClr val="accent6"/>
+              </a:buClr>
+            </a:pPr>
+            <a:r>
+              <a:rPr lang="fr-FR" altLang="fr-FR" dirty="0" err="1">
+                <a:solidFill>
+                  <a:srgbClr val="010080"/>
+                </a:solidFill>
+                <a:latin typeface="Source Code Pro" panose="020B0509030403020204" pitchFamily="49" charset="0"/>
+                <a:ea typeface="Source Code Pro" panose="020B0509030403020204" pitchFamily="49" charset="0"/>
+              </a:rPr>
+              <a:t>window.addEventListener</a:t>
+            </a:r>
+            <a:r>
+              <a:rPr lang="fr-FR" altLang="fr-FR" dirty="0">
+                <a:solidFill>
+                  <a:srgbClr val="010080"/>
+                </a:solidFill>
+                <a:latin typeface="Source Code Pro" panose="020B0509030403020204" pitchFamily="49" charset="0"/>
+                <a:ea typeface="Source Code Pro" panose="020B0509030403020204" pitchFamily="49" charset="0"/>
+              </a:rPr>
+              <a:t>('</a:t>
+            </a:r>
+            <a:r>
+              <a:rPr lang="fr-FR" altLang="fr-FR" dirty="0" err="1">
+                <a:solidFill>
+                  <a:srgbClr val="010080"/>
+                </a:solidFill>
+                <a:latin typeface="Source Code Pro" panose="020B0509030403020204" pitchFamily="49" charset="0"/>
+                <a:ea typeface="Source Code Pro" panose="020B0509030403020204" pitchFamily="49" charset="0"/>
+              </a:rPr>
+              <a:t>load</a:t>
+            </a:r>
+            <a:r>
+              <a:rPr lang="fr-FR" altLang="fr-FR" dirty="0">
+                <a:solidFill>
+                  <a:srgbClr val="010080"/>
+                </a:solidFill>
+                <a:latin typeface="Source Code Pro" panose="020B0509030403020204" pitchFamily="49" charset="0"/>
+                <a:ea typeface="Source Code Pro" panose="020B0509030403020204" pitchFamily="49" charset="0"/>
+              </a:rPr>
+              <a:t>', </a:t>
+            </a:r>
+            <a:r>
+              <a:rPr lang="fr-FR" altLang="fr-FR" dirty="0" err="1">
+                <a:solidFill>
+                  <a:srgbClr val="00B050"/>
+                </a:solidFill>
+                <a:latin typeface="Source Code Pro" panose="020B0509030403020204"/>
+              </a:rPr>
+              <a:t>function</a:t>
+            </a:r>
+            <a:r>
+              <a:rPr lang="fr-FR" altLang="fr-FR" dirty="0">
+                <a:solidFill>
+                  <a:srgbClr val="010080"/>
+                </a:solidFill>
+                <a:latin typeface="Source Code Pro" panose="020B0509030403020204" pitchFamily="49" charset="0"/>
+                <a:ea typeface="Source Code Pro" panose="020B0509030403020204" pitchFamily="49" charset="0"/>
+              </a:rPr>
+              <a:t> () {     </a:t>
+            </a:r>
+          </a:p>
+          <a:p>
+            <a:pPr marL="962025" lvl="2">
+              <a:spcBef>
+                <a:spcPct val="20000"/>
+              </a:spcBef>
+              <a:buClr>
+                <a:schemeClr val="accent6"/>
+              </a:buClr>
+            </a:pPr>
+            <a:r>
+              <a:rPr lang="fr-FR" altLang="fr-FR" dirty="0" err="1">
+                <a:solidFill>
+                  <a:srgbClr val="6F42C1"/>
+                </a:solidFill>
+                <a:latin typeface="Source Code Pro" panose="020B0509030403020204"/>
+              </a:rPr>
+              <a:t>console</a:t>
+            </a:r>
+            <a:r>
+              <a:rPr lang="fr-FR" altLang="fr-FR" dirty="0" err="1">
+                <a:solidFill>
+                  <a:srgbClr val="010080"/>
+                </a:solidFill>
+                <a:latin typeface="Source Code Pro" panose="020B0509030403020204" pitchFamily="49" charset="0"/>
+                <a:ea typeface="Source Code Pro" panose="020B0509030403020204" pitchFamily="49" charset="0"/>
+              </a:rPr>
+              <a:t>.</a:t>
+            </a:r>
+            <a:r>
+              <a:rPr lang="fr-FR" altLang="fr-FR" dirty="0" err="1">
+                <a:solidFill>
+                  <a:srgbClr val="005CC5"/>
+                </a:solidFill>
+                <a:latin typeface="Source Code Pro" panose="020B0509030403020204"/>
+              </a:rPr>
+              <a:t>log</a:t>
+            </a:r>
+            <a:r>
+              <a:rPr lang="fr-FR" altLang="fr-FR" dirty="0">
+                <a:solidFill>
+                  <a:srgbClr val="010080"/>
+                </a:solidFill>
+                <a:latin typeface="Source Code Pro" panose="020B0509030403020204" pitchFamily="49" charset="0"/>
+                <a:ea typeface="Source Code Pro" panose="020B0509030403020204" pitchFamily="49" charset="0"/>
+              </a:rPr>
+              <a:t>(</a:t>
+            </a:r>
+            <a:r>
+              <a:rPr lang="fr-FR" altLang="fr-FR" dirty="0">
+                <a:solidFill>
+                  <a:srgbClr val="657B83"/>
+                </a:solidFill>
+                <a:latin typeface="Source Code Pro" panose="020B0509030403020204" pitchFamily="49" charset="0"/>
+                <a:ea typeface="Source Code Pro" panose="020B0509030403020204" pitchFamily="49" charset="0"/>
+              </a:rPr>
+              <a:t>'Cette fonction est exécutée une fois la page chargée.'</a:t>
+            </a:r>
+            <a:r>
+              <a:rPr lang="fr-FR" altLang="fr-FR" dirty="0">
+                <a:solidFill>
+                  <a:srgbClr val="010080"/>
+                </a:solidFill>
+                <a:latin typeface="Source Code Pro" panose="020B0509030403020204" pitchFamily="49" charset="0"/>
+                <a:ea typeface="Source Code Pro" panose="020B0509030403020204" pitchFamily="49" charset="0"/>
+              </a:rPr>
+              <a:t>); });  </a:t>
+            </a:r>
+          </a:p>
+          <a:p>
+            <a:pPr marL="760413" lvl="1">
+              <a:spcBef>
+                <a:spcPct val="20000"/>
+              </a:spcBef>
+              <a:buClr>
+                <a:schemeClr val="accent6"/>
+              </a:buClr>
+            </a:pPr>
             <a:r>
               <a:rPr lang="fr-FR" altLang="fr-FR" b="1" dirty="0">
                 <a:solidFill>
@@ -7865,47 +7452,7 @@
                 <a:latin typeface="Source Code Pro" panose="020B0509030403020204" pitchFamily="49" charset="0"/>
                 <a:ea typeface="Source Code Pro" panose="020B0509030403020204" pitchFamily="49" charset="0"/>
               </a:rPr>
-              <a:t>="</a:t>
-            </a:r>
-            <a:r>
-              <a:rPr lang="fr-FR" altLang="fr-FR" b="1" dirty="0">
-                <a:solidFill>
-                  <a:srgbClr val="990000"/>
-                </a:solidFill>
-                <a:latin typeface="Source Code Pro" panose="020B0509030403020204" pitchFamily="49" charset="0"/>
-                <a:ea typeface="Source Code Pro" panose="020B0509030403020204" pitchFamily="49" charset="0"/>
-              </a:rPr>
-              <a:t>./</a:t>
-            </a:r>
-            <a:r>
-              <a:rPr lang="fr-FR" altLang="fr-FR" b="1" dirty="0" err="1">
-                <a:solidFill>
-                  <a:srgbClr val="990000"/>
-                </a:solidFill>
-                <a:latin typeface="Source Code Pro" panose="020B0509030403020204" pitchFamily="49" charset="0"/>
-                <a:ea typeface="Source Code Pro" panose="020B0509030403020204" pitchFamily="49" charset="0"/>
-              </a:rPr>
-              <a:t>script.js</a:t>
-            </a:r>
-            <a:r>
-              <a:rPr lang="fr-FR" b="1" dirty="0">
-                <a:solidFill>
-                  <a:srgbClr val="010080"/>
-                </a:solidFill>
-                <a:latin typeface="Source Code Pro" panose="020B0509030403020204" pitchFamily="49" charset="0"/>
-                <a:ea typeface="Source Code Pro" panose="020B0509030403020204" pitchFamily="49" charset="0"/>
-              </a:rPr>
-              <a:t>"</a:t>
-            </a:r>
-            <a:r>
-              <a:rPr lang="fr-FR" altLang="fr-FR" b="1" dirty="0">
-                <a:solidFill>
-                  <a:srgbClr val="010080"/>
-                </a:solidFill>
-                <a:latin typeface="Source Code Pro" panose="020B0509030403020204" pitchFamily="49" charset="0"/>
-                <a:ea typeface="Source Code Pro" panose="020B0509030403020204" pitchFamily="49" charset="0"/>
-              </a:rPr>
-              <a:t>&gt;&lt;/script&gt;</a:t>
+              <a:t>&lt;/script&gt;</a:t>
             </a:r>
           </a:p>
           <a:p>
@@ -7947,7 +7494,7 @@
     </p:spTree>
     <p:extLst>
       <p:ext uri="{BB962C8B-B14F-4D97-AF65-F5344CB8AC3E}">
-        <p14:creationId xmlns:p14="http://schemas.microsoft.com/office/powerpoint/2010/main" val="1858990063"/>
+        <p14:creationId xmlns:p14="http://schemas.microsoft.com/office/powerpoint/2010/main" val="472601625"/>
       </p:ext>
     </p:extLst>
   </p:cSld>
@@ -7976,6 +7523,258 @@
       </p:grpSpPr>
       <p:sp>
         <p:nvSpPr>
+          <p:cNvPr id="10" name="Espace réservé du contenu 2"/>
+          <p:cNvSpPr txBox="1">
+            <a:spLocks/>
+          </p:cNvSpPr>
+          <p:nvPr/>
+        </p:nvSpPr>
+        <p:spPr>
+          <a:xfrm>
+            <a:off x="228600" y="1058026"/>
+            <a:ext cx="8644466" cy="5569596"/>
+          </a:xfrm>
+          <a:prstGeom prst="rect">
+            <a:avLst/>
+          </a:prstGeom>
+        </p:spPr>
+        <p:txBody>
+          <a:bodyPr vert="horz" lIns="91440" tIns="45720" rIns="91440" bIns="45720" rtlCol="0">
+            <a:noAutofit/>
+          </a:bodyPr>
+          <a:lstStyle>
+            <a:lvl1pPr marL="342900" marR="0" indent="-342900" algn="l" defTabSz="457200" rtl="0" eaLnBrk="1" fontAlgn="auto" latinLnBrk="0" hangingPunct="1">
+              <a:lnSpc>
+                <a:spcPct val="100000"/>
+              </a:lnSpc>
+              <a:spcBef>
+                <a:spcPct val="20000"/>
+              </a:spcBef>
+              <a:spcAft>
+                <a:spcPts val="0"/>
+              </a:spcAft>
+              <a:buClr>
+                <a:schemeClr val="accent6"/>
+              </a:buClr>
+              <a:buSzTx/>
+              <a:buFont typeface="Lucida Grande"/>
+              <a:buChar char="➔"/>
+              <a:tabLst/>
+              <a:defRPr sz="2000" kern="1200">
+                <a:solidFill>
+                  <a:schemeClr val="tx1"/>
+                </a:solidFill>
+                <a:latin typeface="+mn-lt"/>
+                <a:ea typeface="+mn-ea"/>
+                <a:cs typeface="+mn-cs"/>
+              </a:defRPr>
+            </a:lvl1pPr>
+            <a:lvl2pPr marL="742950" marR="0" indent="-285750" algn="l" defTabSz="457200" rtl="0" eaLnBrk="1" fontAlgn="auto" latinLnBrk="0" hangingPunct="1">
+              <a:lnSpc>
+                <a:spcPct val="100000"/>
+              </a:lnSpc>
+              <a:spcBef>
+                <a:spcPct val="20000"/>
+              </a:spcBef>
+              <a:spcAft>
+                <a:spcPts val="0"/>
+              </a:spcAft>
+              <a:buClr>
+                <a:srgbClr val="009DE0"/>
+              </a:buClr>
+              <a:buSzTx/>
+              <a:buFont typeface="Arial"/>
+              <a:buChar char="›"/>
+              <a:tabLst/>
+              <a:defRPr sz="2800" kern="1200">
+                <a:solidFill>
+                  <a:schemeClr val="tx1"/>
+                </a:solidFill>
+                <a:latin typeface="+mn-lt"/>
+                <a:ea typeface="+mn-ea"/>
+                <a:cs typeface="+mn-cs"/>
+              </a:defRPr>
+            </a:lvl2pPr>
+            <a:lvl3pPr marL="1143000" marR="0" indent="-228600" algn="l" defTabSz="457200" rtl="0" eaLnBrk="1" fontAlgn="auto" latinLnBrk="0" hangingPunct="1">
+              <a:lnSpc>
+                <a:spcPct val="100000"/>
+              </a:lnSpc>
+              <a:spcBef>
+                <a:spcPct val="20000"/>
+              </a:spcBef>
+              <a:spcAft>
+                <a:spcPts val="0"/>
+              </a:spcAft>
+              <a:buClrTx/>
+              <a:buSzTx/>
+              <a:buFont typeface="Arial"/>
+              <a:buChar char="•"/>
+              <a:tabLst/>
+              <a:defRPr sz="2400" kern="1200">
+                <a:solidFill>
+                  <a:schemeClr val="tx1"/>
+                </a:solidFill>
+                <a:latin typeface="+mn-lt"/>
+                <a:ea typeface="+mn-ea"/>
+                <a:cs typeface="+mn-cs"/>
+              </a:defRPr>
+            </a:lvl3pPr>
+            <a:lvl4pPr marL="1600200" marR="0" indent="-228600" algn="l" defTabSz="457200" rtl="0" eaLnBrk="1" fontAlgn="auto" latinLnBrk="0" hangingPunct="1">
+              <a:lnSpc>
+                <a:spcPct val="100000"/>
+              </a:lnSpc>
+              <a:spcBef>
+                <a:spcPct val="20000"/>
+              </a:spcBef>
+              <a:spcAft>
+                <a:spcPts val="0"/>
+              </a:spcAft>
+              <a:buClrTx/>
+              <a:buSzTx/>
+              <a:buFont typeface="Arial"/>
+              <a:buChar char="–"/>
+              <a:tabLst/>
+              <a:defRPr sz="2000" kern="1200">
+                <a:solidFill>
+                  <a:schemeClr val="tx1"/>
+                </a:solidFill>
+                <a:latin typeface="+mn-lt"/>
+                <a:ea typeface="+mn-ea"/>
+                <a:cs typeface="+mn-cs"/>
+              </a:defRPr>
+            </a:lvl4pPr>
+            <a:lvl5pPr marL="2057400" marR="0" indent="-228600" algn="l" defTabSz="457200" rtl="0" eaLnBrk="1" fontAlgn="auto" latinLnBrk="0" hangingPunct="1">
+              <a:lnSpc>
+                <a:spcPct val="100000"/>
+              </a:lnSpc>
+              <a:spcBef>
+                <a:spcPct val="20000"/>
+              </a:spcBef>
+              <a:spcAft>
+                <a:spcPts val="0"/>
+              </a:spcAft>
+              <a:buClrTx/>
+              <a:buSzTx/>
+              <a:buFont typeface="Arial"/>
+              <a:buChar char="»"/>
+              <a:tabLst/>
+              <a:defRPr sz="2000" kern="1200">
+                <a:solidFill>
+                  <a:schemeClr val="tx1"/>
+                </a:solidFill>
+                <a:latin typeface="+mn-lt"/>
+                <a:ea typeface="+mn-ea"/>
+                <a:cs typeface="+mn-cs"/>
+              </a:defRPr>
+            </a:lvl5pPr>
+            <a:lvl6pPr marL="2514600" indent="-228600" algn="l" defTabSz="457200" rtl="0" eaLnBrk="1" latinLnBrk="0" hangingPunct="1">
+              <a:spcBef>
+                <a:spcPct val="20000"/>
+              </a:spcBef>
+              <a:buFont typeface="Arial"/>
+              <a:buChar char="•"/>
+              <a:defRPr sz="2000" kern="1200">
+                <a:solidFill>
+                  <a:schemeClr val="tx1"/>
+                </a:solidFill>
+                <a:latin typeface="+mn-lt"/>
+                <a:ea typeface="+mn-ea"/>
+                <a:cs typeface="+mn-cs"/>
+              </a:defRPr>
+            </a:lvl6pPr>
+            <a:lvl7pPr marL="2971800" indent="-228600" algn="l" defTabSz="457200" rtl="0" eaLnBrk="1" latinLnBrk="0" hangingPunct="1">
+              <a:spcBef>
+                <a:spcPct val="20000"/>
+              </a:spcBef>
+              <a:buFont typeface="Arial"/>
+              <a:buChar char="•"/>
+              <a:defRPr sz="2000" kern="1200">
+                <a:solidFill>
+                  <a:schemeClr val="tx1"/>
+                </a:solidFill>
+                <a:latin typeface="+mn-lt"/>
+                <a:ea typeface="+mn-ea"/>
+                <a:cs typeface="+mn-cs"/>
+              </a:defRPr>
+            </a:lvl7pPr>
+            <a:lvl8pPr marL="3429000" indent="-228600" algn="l" defTabSz="457200" rtl="0" eaLnBrk="1" latinLnBrk="0" hangingPunct="1">
+              <a:spcBef>
+                <a:spcPct val="20000"/>
+              </a:spcBef>
+              <a:buFont typeface="Arial"/>
+              <a:buChar char="•"/>
+              <a:defRPr sz="2000" kern="1200">
+                <a:solidFill>
+                  <a:schemeClr val="tx1"/>
+                </a:solidFill>
+                <a:latin typeface="+mn-lt"/>
+                <a:ea typeface="+mn-ea"/>
+                <a:cs typeface="+mn-cs"/>
+              </a:defRPr>
+            </a:lvl8pPr>
+            <a:lvl9pPr marL="3886200" indent="-228600" algn="l" defTabSz="457200" rtl="0" eaLnBrk="1" latinLnBrk="0" hangingPunct="1">
+              <a:spcBef>
+                <a:spcPct val="20000"/>
+              </a:spcBef>
+              <a:buFont typeface="Arial"/>
+              <a:buChar char="•"/>
+              <a:defRPr sz="2000" kern="1200">
+                <a:solidFill>
+                  <a:schemeClr val="tx1"/>
+                </a:solidFill>
+                <a:latin typeface="+mn-lt"/>
+                <a:ea typeface="+mn-ea"/>
+                <a:cs typeface="+mn-cs"/>
+              </a:defRPr>
+            </a:lvl9pPr>
+          </a:lstStyle>
+          <a:p>
+            <a:pPr marL="400050" indent="-400050"/>
+            <a:r>
+              <a:rPr lang="fr-FR" sz="2400" dirty="0"/>
+              <a:t>Mettre le code JavaScript  dans un </a:t>
+            </a:r>
+            <a:r>
+              <a:rPr lang="fr-FR" sz="2400" b="1" dirty="0"/>
+              <a:t>fichier externe </a:t>
+            </a:r>
+            <a:r>
+              <a:rPr lang="fr-FR" sz="2400" dirty="0"/>
+              <a:t>(.</a:t>
+            </a:r>
+            <a:r>
+              <a:rPr lang="fr-FR" sz="2400" dirty="0" err="1"/>
+              <a:t>js</a:t>
+            </a:r>
+            <a:r>
+              <a:rPr lang="fr-FR" sz="2400" dirty="0"/>
+              <a:t>) </a:t>
+            </a:r>
+            <a:br>
+              <a:rPr lang="fr-FR" dirty="0"/>
+            </a:br>
+            <a:br>
+              <a:rPr lang="fr-FR" sz="2400" dirty="0"/>
+            </a:br>
+            <a:br>
+              <a:rPr lang="fr-FR" sz="2400" dirty="0"/>
+            </a:br>
+            <a:br>
+              <a:rPr lang="fr-FR" sz="2400" dirty="0"/>
+            </a:br>
+            <a:r>
+              <a:rPr lang="fr-FR" sz="2400" dirty="0"/>
+              <a:t>et pointer ce fichier depuis le HTML :</a:t>
+            </a:r>
+            <a:br>
+              <a:rPr lang="fr-FR" sz="2400" dirty="0"/>
+            </a:br>
+            <a:endParaRPr lang="fr-FR" sz="2400" dirty="0"/>
+          </a:p>
+        </p:txBody>
+      </p:sp>
+      <p:sp>
+        <p:nvSpPr>
           <p:cNvPr id="2" name="Titre 1"/>
           <p:cNvSpPr>
             <a:spLocks noGrp="1"/>
@@ -7987,218 +7786,13 @@
         <p:spPr/>
         <p:txBody>
           <a:bodyPr>
-            <a:normAutofit/>
+            <a:noAutofit/>
           </a:bodyPr>
           <a:lstStyle/>
           <a:p>
             <a:r>
               <a:rPr lang="fr-FR" b="1" dirty="0"/>
-              <a:t>DOM </a:t>
-            </a:r>
-            <a:r>
-              <a:rPr lang="fr-FR" b="1" dirty="0" err="1"/>
-              <a:t>Element</a:t>
-            </a:r>
-            <a:endParaRPr lang="fr-FR" b="1" dirty="0"/>
-          </a:p>
-        </p:txBody>
-      </p:sp>
-      <p:sp>
-        <p:nvSpPr>
-          <p:cNvPr id="3" name="Espace réservé du contenu 2"/>
-          <p:cNvSpPr>
-            <a:spLocks noGrp="1"/>
-          </p:cNvSpPr>
-          <p:nvPr>
-            <p:ph idx="1"/>
-          </p:nvPr>
-        </p:nvSpPr>
-        <p:spPr>
-          <a:xfrm>
-            <a:off x="228600" y="1051560"/>
-            <a:ext cx="8915400" cy="5090892"/>
-          </a:xfrm>
-        </p:spPr>
-        <p:txBody>
-          <a:bodyPr/>
-          <a:lstStyle/>
-          <a:p>
-            <a:pPr marL="400050" indent="-400050"/>
-            <a:r>
-              <a:rPr lang="fr-FR" sz="2400" dirty="0"/>
-              <a:t>Les éléments DOM sont des </a:t>
-            </a:r>
-            <a:r>
-              <a:rPr lang="fr-FR" sz="2400" b="1" dirty="0"/>
-              <a:t>objets</a:t>
-            </a:r>
-            <a:r>
-              <a:rPr lang="fr-FR" sz="2400" dirty="0"/>
-              <a:t> JavaScript (</a:t>
-            </a:r>
-            <a:r>
-              <a:rPr lang="fr-FR" sz="2400" dirty="0">
-                <a:hlinkClick r:id="rId2"/>
-              </a:rPr>
-              <a:t>API</a:t>
-            </a:r>
-            <a:r>
-              <a:rPr lang="fr-FR" sz="2400" dirty="0"/>
-              <a:t>)</a:t>
-            </a:r>
-            <a:endParaRPr lang="fr-FR" sz="2400" b="1" dirty="0">
-              <a:latin typeface="Source Code Pro" panose="020B0509030403020204" pitchFamily="49" charset="0"/>
-              <a:ea typeface="Source Code Pro" panose="020B0509030403020204" pitchFamily="49" charset="0"/>
-            </a:endParaRPr>
-          </a:p>
-          <a:p>
-            <a:pPr marL="400050" indent="-400050">
-              <a:spcBef>
-                <a:spcPts val="1200"/>
-              </a:spcBef>
-            </a:pPr>
-            <a:r>
-              <a:rPr lang="fr-FR" sz="2400" dirty="0"/>
-              <a:t>Pour manipuler un élément DOM, il faut :</a:t>
-            </a:r>
-          </a:p>
-          <a:p>
-            <a:pPr marL="758825" lvl="1" indent="-358775">
-              <a:spcBef>
-                <a:spcPts val="1200"/>
-              </a:spcBef>
-              <a:buFont typeface="+mj-lt"/>
-              <a:buAutoNum type="arabicPeriod"/>
-            </a:pPr>
-            <a:r>
-              <a:rPr lang="fr-FR" sz="2000" dirty="0"/>
-              <a:t>Le trouver dans le DOM </a:t>
-            </a:r>
-            <a:r>
-              <a:rPr lang="fr-FR" sz="2000" dirty="0" err="1"/>
-              <a:t>tree</a:t>
-            </a:r>
-            <a:r>
-              <a:rPr lang="fr-FR" sz="2000" dirty="0"/>
-              <a:t> par :</a:t>
-            </a:r>
-            <a:endParaRPr lang="fr-FR" sz="2000" dirty="0">
-              <a:latin typeface="Source Code Pro" panose="020B0509030403020204" pitchFamily="49" charset="0"/>
-              <a:ea typeface="Source Code Pro" panose="020B0509030403020204" pitchFamily="49" charset="0"/>
-            </a:endParaRPr>
-          </a:p>
-          <a:p>
-            <a:pPr lvl="2"/>
-            <a:r>
-              <a:rPr lang="en-US" sz="1800" dirty="0"/>
-              <a:t>id : </a:t>
-            </a:r>
-            <a:r>
-              <a:rPr lang="fr-FR" sz="1800" dirty="0" err="1">
-                <a:solidFill>
-                  <a:srgbClr val="005CC5"/>
-                </a:solidFill>
-                <a:latin typeface="Source Code Pro" panose="020B0509030403020204"/>
-              </a:rPr>
-              <a:t>getElementById</a:t>
-            </a:r>
-            <a:endParaRPr lang="en-US" sz="1800" dirty="0">
-              <a:solidFill>
-                <a:srgbClr val="005CC5"/>
-              </a:solidFill>
-              <a:latin typeface="Source Code Pro" panose="020B0509030403020204"/>
-            </a:endParaRPr>
-          </a:p>
-          <a:p>
-            <a:pPr lvl="2"/>
-            <a:r>
-              <a:rPr lang="fr-FR" sz="1800" dirty="0"/>
-              <a:t>nom de balise : </a:t>
-            </a:r>
-            <a:r>
-              <a:rPr lang="fr-FR" sz="1800" dirty="0" err="1">
-                <a:solidFill>
-                  <a:srgbClr val="005CC5"/>
-                </a:solidFill>
-                <a:latin typeface="Source Code Pro" panose="020B0509030403020204"/>
-              </a:rPr>
-              <a:t>getElementsByName</a:t>
-            </a:r>
-            <a:endParaRPr lang="fr-FR" sz="1800" dirty="0">
-              <a:solidFill>
-                <a:srgbClr val="005CC5"/>
-              </a:solidFill>
-              <a:latin typeface="Source Code Pro" panose="020B0509030403020204"/>
-            </a:endParaRPr>
-          </a:p>
-          <a:p>
-            <a:pPr lvl="2"/>
-            <a:r>
-              <a:rPr lang="fr-FR" sz="1800" dirty="0"/>
-              <a:t>nom de classe : </a:t>
-            </a:r>
-            <a:r>
-              <a:rPr lang="fr-FR" sz="1800" dirty="0" err="1">
-                <a:solidFill>
-                  <a:srgbClr val="005CC5"/>
-                </a:solidFill>
-                <a:latin typeface="Source Code Pro" panose="020B0509030403020204"/>
-              </a:rPr>
-              <a:t>getElementsByClassName</a:t>
-            </a:r>
-            <a:endParaRPr lang="fr-FR" sz="1800" dirty="0">
-              <a:solidFill>
-                <a:srgbClr val="005CC5"/>
-              </a:solidFill>
-              <a:latin typeface="Source Code Pro" panose="020B0509030403020204"/>
-            </a:endParaRPr>
-          </a:p>
-          <a:p>
-            <a:pPr lvl="2"/>
-            <a:r>
-              <a:rPr lang="fr-FR" sz="1800" dirty="0"/>
-              <a:t>sélecteurs CSS : </a:t>
-            </a:r>
-            <a:r>
-              <a:rPr lang="fr-FR" sz="1800" dirty="0" err="1">
-                <a:solidFill>
-                  <a:srgbClr val="005CC5"/>
-                </a:solidFill>
-                <a:latin typeface="Source Code Pro" panose="020B0509030403020204"/>
-              </a:rPr>
-              <a:t>querySelector</a:t>
-            </a:r>
-            <a:endParaRPr lang="fr-FR" sz="1800" dirty="0">
-              <a:solidFill>
-                <a:srgbClr val="005CC5"/>
-              </a:solidFill>
-              <a:latin typeface="Source Code Pro" panose="020B0509030403020204"/>
-            </a:endParaRPr>
-          </a:p>
-          <a:p>
-            <a:pPr marL="758825" lvl="1" indent="-301625">
-              <a:buFont typeface="+mj-lt"/>
-              <a:buAutoNum type="arabicPeriod"/>
-            </a:pPr>
-            <a:r>
-              <a:rPr lang="fr-FR" sz="2000" dirty="0">
-                <a:latin typeface="+mj-lt"/>
-                <a:ea typeface="Source Code Pro" panose="020B0509030403020204" pitchFamily="49" charset="0"/>
-              </a:rPr>
-              <a:t>Utiliser l’API pour le modifier, créer un nouvel élément, </a:t>
-            </a:r>
-            <a:br>
-              <a:rPr lang="fr-FR" sz="2000" dirty="0">
-                <a:latin typeface="+mj-lt"/>
-                <a:ea typeface="Source Code Pro" panose="020B0509030403020204" pitchFamily="49" charset="0"/>
-              </a:rPr>
-            </a:br>
-            <a:r>
-              <a:rPr lang="fr-FR" sz="2000" dirty="0">
-                <a:latin typeface="+mj-lt"/>
-                <a:ea typeface="Source Code Pro" panose="020B0509030403020204" pitchFamily="49" charset="0"/>
-              </a:rPr>
-              <a:t>changer son style CSS, etc. </a:t>
+              <a:t>HTML et JavaScript (3/3)</a:t>
             </a:r>
           </a:p>
         </p:txBody>
@@ -8220,7 +7814,7 @@
           <a:p>
             <a:fld id="{BB2FA04C-1355-4CE6-8050-4BD994E23BD5}" type="datetime4">
               <a:rPr lang="fr-FR" smtClean="0"/>
-              <a:t>7 juin 2021</a:t>
+              <a:t>17 juin 2021</a:t>
             </a:fld>
             <a:endParaRPr lang="fr-FR" dirty="0"/>
           </a:p>
@@ -8274,7 +7868,7 @@
       </p:sp>
       <p:sp>
         <p:nvSpPr>
-          <p:cNvPr id="8" name="Rectangle 7">
+          <p:cNvPr id="19" name="Rectangle 18">
             <a:extLst>
               <a:ext uri="{FF2B5EF4-FFF2-40B4-BE49-F238E27FC236}">
                 <a16:creationId xmlns:a16="http://schemas.microsoft.com/office/drawing/2014/main" id="{99D6AB73-3556-6845-9EF8-9024C2407A0D}"/>
@@ -8286,8 +7880,8 @@
         </p:nvSpPr>
         <p:spPr>
           <a:xfrm>
-            <a:off x="1070283" y="4666019"/>
-            <a:ext cx="7003434" cy="1260913"/>
+            <a:off x="901701" y="1545771"/>
+            <a:ext cx="7130005" cy="925285"/>
           </a:xfrm>
           <a:prstGeom prst="rect">
             <a:avLst/>
@@ -8311,62 +7905,381 @@
           <a:p>
             <a:pPr marL="47625"/>
             <a:r>
+              <a:rPr lang="fr-FR" altLang="fr-FR" dirty="0" err="1">
+                <a:solidFill>
+                  <a:srgbClr val="6F42C1"/>
+                </a:solidFill>
+                <a:latin typeface="Source Code Pro" panose="020B0509030403020204"/>
+              </a:rPr>
+              <a:t>console</a:t>
+            </a:r>
+            <a:r>
+              <a:rPr lang="fr-FR" altLang="fr-FR" dirty="0" err="1">
+                <a:solidFill>
+                  <a:srgbClr val="010080"/>
+                </a:solidFill>
+                <a:latin typeface="Source Code Pro" panose="020B0509030403020204" pitchFamily="49" charset="0"/>
+                <a:ea typeface="Source Code Pro" panose="020B0509030403020204" pitchFamily="49" charset="0"/>
+              </a:rPr>
+              <a:t>.</a:t>
+            </a:r>
+            <a:r>
+              <a:rPr lang="fr-FR" altLang="fr-FR" dirty="0" err="1">
+                <a:solidFill>
+                  <a:srgbClr val="005CC5"/>
+                </a:solidFill>
+                <a:latin typeface="Source Code Pro" panose="020B0509030403020204"/>
+              </a:rPr>
+              <a:t>log</a:t>
+            </a:r>
+            <a:r>
               <a:rPr lang="fr-FR" altLang="fr-FR" dirty="0">
-                <a:solidFill>
-                  <a:srgbClr val="00B050"/>
-                </a:solidFill>
-                <a:latin typeface="Source Code Pro" panose="020B0509030403020204"/>
-              </a:rPr>
-              <a:t>let</a:t>
+                <a:latin typeface="Source Code Pro" panose="020B0509030403020204" pitchFamily="49" charset="0"/>
+                <a:ea typeface="Source Code Pro" panose="020B0509030403020204" pitchFamily="49" charset="0"/>
+              </a:rPr>
+              <a:t>(</a:t>
             </a:r>
             <a:r>
               <a:rPr lang="fr-FR" altLang="fr-FR" dirty="0">
+                <a:solidFill>
+                  <a:srgbClr val="657B83"/>
+                </a:solidFill>
+                <a:latin typeface="Source Code Pro" panose="020B0509030403020204" pitchFamily="49" charset="0"/>
+                <a:ea typeface="Source Code Pro" panose="020B0509030403020204" pitchFamily="49" charset="0"/>
+              </a:rPr>
+              <a:t>'Cette fonction est exécutée une fois la page chargée.'</a:t>
+            </a:r>
+            <a:r>
+              <a:rPr lang="fr-FR" altLang="fr-FR" dirty="0">
+                <a:latin typeface="Source Code Pro" panose="020B0509030403020204" pitchFamily="49" charset="0"/>
+                <a:ea typeface="Source Code Pro" panose="020B0509030403020204" pitchFamily="49" charset="0"/>
+              </a:rPr>
+              <a:t>);</a:t>
+            </a:r>
+          </a:p>
+        </p:txBody>
+      </p:sp>
+      <p:sp>
+        <p:nvSpPr>
+          <p:cNvPr id="12" name="Rectangle 11">
+            <a:extLst>
+              <a:ext uri="{FF2B5EF4-FFF2-40B4-BE49-F238E27FC236}">
+                <a16:creationId xmlns:a16="http://schemas.microsoft.com/office/drawing/2014/main" id="{ECED5231-2525-CD45-A28E-5EE4CDC138F5}"/>
+              </a:ext>
+            </a:extLst>
+          </p:cNvPr>
+          <p:cNvSpPr/>
+          <p:nvPr/>
+        </p:nvSpPr>
+        <p:spPr>
+          <a:xfrm>
+            <a:off x="1849826" y="3166987"/>
+            <a:ext cx="6181880" cy="2759284"/>
+          </a:xfrm>
+          <a:prstGeom prst="rect">
+            <a:avLst/>
+          </a:prstGeom>
+          <a:solidFill>
+            <a:srgbClr val="FEF6E3"/>
+          </a:solidFill>
+          <a:effectLst>
+            <a:outerShdw blurRad="50800" dist="38100" dir="2700000" algn="tl" rotWithShape="0">
+              <a:prstClr val="black">
+                <a:alpha val="40000"/>
+              </a:prstClr>
+            </a:outerShdw>
+          </a:effectLst>
+        </p:spPr>
+        <p:txBody>
+          <a:bodyPr vert="horz" lIns="91440" tIns="45720" rIns="91440" bIns="45720" rtlCol="0" anchor="ctr">
+            <a:normAutofit/>
+          </a:bodyPr>
+          <a:lstStyle/>
+          <a:p>
+            <a:pPr marL="47625" indent="0">
+              <a:buFont typeface="Brix Slab Bold" pitchFamily="50" charset="0"/>
+              <a:buNone/>
+            </a:pPr>
+            <a:r>
+              <a:rPr lang="fr-FR" dirty="0">
+                <a:solidFill>
+                  <a:srgbClr val="657B83"/>
+                </a:solidFill>
+                <a:latin typeface="Source Code Pro" panose="020B0509030403020204" pitchFamily="49" charset="0"/>
+                <a:ea typeface="Source Code Pro" panose="020B0509030403020204" pitchFamily="49" charset="0"/>
+              </a:rPr>
+              <a:t>&lt;!DOCTYPE html&gt;</a:t>
+            </a:r>
+          </a:p>
+          <a:p>
+            <a:pPr marL="47625" indent="0">
+              <a:buFont typeface="Brix Slab Bold" pitchFamily="50" charset="0"/>
+              <a:buNone/>
+            </a:pPr>
+            <a:r>
+              <a:rPr lang="fr-FR" dirty="0">
+                <a:solidFill>
+                  <a:srgbClr val="010080"/>
+                </a:solidFill>
+                <a:latin typeface="Source Code Pro" panose="020B0509030403020204" pitchFamily="49" charset="0"/>
+                <a:ea typeface="Source Code Pro" panose="020B0509030403020204" pitchFamily="49" charset="0"/>
+              </a:rPr>
+              <a:t>&lt;html </a:t>
+            </a:r>
+            <a:r>
+              <a:rPr lang="fr-FR" dirty="0" err="1">
+                <a:solidFill>
+                  <a:srgbClr val="008080"/>
+                </a:solidFill>
+                <a:latin typeface="Source Code Pro" panose="020B0509030403020204" pitchFamily="49" charset="0"/>
+                <a:ea typeface="Source Code Pro" panose="020B0509030403020204" pitchFamily="49" charset="0"/>
+              </a:rPr>
+              <a:t>lang</a:t>
+            </a:r>
+            <a:r>
+              <a:rPr lang="fr-FR" dirty="0">
+                <a:solidFill>
+                  <a:srgbClr val="010080"/>
+                </a:solidFill>
+                <a:latin typeface="Source Code Pro" panose="020B0509030403020204" pitchFamily="49" charset="0"/>
+                <a:ea typeface="Source Code Pro" panose="020B0509030403020204" pitchFamily="49" charset="0"/>
+              </a:rPr>
+              <a:t>="</a:t>
+            </a:r>
+            <a:r>
+              <a:rPr lang="fr-FR" dirty="0" err="1">
+                <a:solidFill>
+                  <a:srgbClr val="990000"/>
+                </a:solidFill>
+                <a:latin typeface="Source Code Pro" panose="020B0509030403020204" pitchFamily="49" charset="0"/>
+                <a:ea typeface="Source Code Pro" panose="020B0509030403020204" pitchFamily="49" charset="0"/>
+              </a:rPr>
+              <a:t>fr</a:t>
+            </a:r>
+            <a:r>
+              <a:rPr lang="fr-FR" dirty="0">
+                <a:solidFill>
+                  <a:srgbClr val="010080"/>
+                </a:solidFill>
+                <a:latin typeface="Source Code Pro" panose="020B0509030403020204" pitchFamily="49" charset="0"/>
+                <a:ea typeface="Source Code Pro" panose="020B0509030403020204" pitchFamily="49" charset="0"/>
+              </a:rPr>
+              <a:t>"&gt;</a:t>
+            </a:r>
+          </a:p>
+          <a:p>
+            <a:pPr marL="342900" lvl="1" indent="0">
+              <a:buNone/>
+            </a:pPr>
+            <a:r>
+              <a:rPr lang="fr-FR" dirty="0">
+                <a:solidFill>
+                  <a:srgbClr val="010080"/>
+                </a:solidFill>
+                <a:latin typeface="Source Code Pro" panose="020B0509030403020204" pitchFamily="49" charset="0"/>
+                <a:ea typeface="Source Code Pro" panose="020B0509030403020204" pitchFamily="49" charset="0"/>
+              </a:rPr>
+              <a:t>&lt;</a:t>
+            </a:r>
+            <a:r>
+              <a:rPr lang="fr-FR" dirty="0" err="1">
+                <a:solidFill>
+                  <a:srgbClr val="010080"/>
+                </a:solidFill>
+                <a:latin typeface="Source Code Pro" panose="020B0509030403020204" pitchFamily="49" charset="0"/>
+                <a:ea typeface="Source Code Pro" panose="020B0509030403020204" pitchFamily="49" charset="0"/>
+              </a:rPr>
+              <a:t>head</a:t>
+            </a:r>
+            <a:r>
+              <a:rPr lang="fr-FR" dirty="0">
+                <a:solidFill>
+                  <a:srgbClr val="010080"/>
+                </a:solidFill>
+                <a:latin typeface="Source Code Pro" panose="020B0509030403020204" pitchFamily="49" charset="0"/>
+                <a:ea typeface="Source Code Pro" panose="020B0509030403020204" pitchFamily="49" charset="0"/>
+              </a:rPr>
+              <a:t>&gt; </a:t>
+            </a:r>
+          </a:p>
+          <a:p>
+            <a:pPr marL="742950" lvl="2" indent="0">
+              <a:buNone/>
+            </a:pPr>
+            <a:r>
+              <a:rPr lang="fr-FR" dirty="0">
+                <a:solidFill>
+                  <a:srgbClr val="010080"/>
+                </a:solidFill>
+                <a:latin typeface="Source Code Pro" panose="020B0509030403020204" pitchFamily="49" charset="0"/>
+                <a:ea typeface="Source Code Pro" panose="020B0509030403020204" pitchFamily="49" charset="0"/>
+              </a:rPr>
+              <a:t>&lt;</a:t>
+            </a:r>
+            <a:r>
+              <a:rPr lang="fr-FR" dirty="0" err="1">
+                <a:solidFill>
+                  <a:srgbClr val="010080"/>
+                </a:solidFill>
+                <a:latin typeface="Source Code Pro" panose="020B0509030403020204" pitchFamily="49" charset="0"/>
+                <a:ea typeface="Source Code Pro" panose="020B0509030403020204" pitchFamily="49" charset="0"/>
+              </a:rPr>
+              <a:t>meta</a:t>
+            </a:r>
+            <a:r>
+              <a:rPr lang="fr-FR" dirty="0">
+                <a:solidFill>
+                  <a:srgbClr val="010080"/>
+                </a:solidFill>
                 <a:latin typeface="Source Code Pro" panose="020B0509030403020204" pitchFamily="49" charset="0"/>
                 <a:ea typeface="Source Code Pro" panose="020B0509030403020204" pitchFamily="49" charset="0"/>
               </a:rPr>
               <a:t> </a:t>
             </a:r>
             <a:r>
-              <a:rPr lang="fr-FR" altLang="fr-FR" dirty="0" err="1">
-                <a:latin typeface="Source Code Pro" panose="020B0509030403020204" pitchFamily="49" charset="0"/>
-                <a:ea typeface="Source Code Pro" panose="020B0509030403020204" pitchFamily="49" charset="0"/>
-              </a:rPr>
-              <a:t>target</a:t>
-            </a:r>
-            <a:r>
-              <a:rPr lang="fr-FR" altLang="fr-FR" dirty="0">
-                <a:latin typeface="Source Code Pro" panose="020B0509030403020204" pitchFamily="49" charset="0"/>
-                <a:ea typeface="Source Code Pro" panose="020B0509030403020204" pitchFamily="49" charset="0"/>
-              </a:rPr>
-              <a:t> = </a:t>
-            </a:r>
-            <a:r>
-              <a:rPr lang="fr-FR" altLang="fr-FR" dirty="0" err="1">
-                <a:latin typeface="Source Code Pro" panose="020B0509030403020204" pitchFamily="49" charset="0"/>
-                <a:ea typeface="Source Code Pro" panose="020B0509030403020204" pitchFamily="49" charset="0"/>
-              </a:rPr>
-              <a:t>document.</a:t>
-            </a:r>
-            <a:r>
-              <a:rPr lang="fr-FR" altLang="fr-FR" dirty="0" err="1">
-                <a:solidFill>
-                  <a:srgbClr val="005CC5"/>
-                </a:solidFill>
-                <a:latin typeface="Source Code Pro" panose="020B0509030403020204"/>
-              </a:rPr>
-              <a:t>getElementById</a:t>
-            </a:r>
-            <a:r>
-              <a:rPr lang="fr-FR" altLang="fr-FR" dirty="0">
-                <a:latin typeface="Source Code Pro" panose="020B0509030403020204" pitchFamily="49" charset="0"/>
-                <a:ea typeface="Source Code Pro" panose="020B0509030403020204" pitchFamily="49" charset="0"/>
-              </a:rPr>
-              <a:t>(</a:t>
-            </a:r>
-            <a:r>
-              <a:rPr lang="fr-FR" altLang="fr-FR" dirty="0">
-                <a:solidFill>
-                  <a:srgbClr val="657B83"/>
+              <a:rPr lang="fr-FR" dirty="0" err="1">
+                <a:solidFill>
+                  <a:srgbClr val="008080"/>
+                </a:solidFill>
+                <a:latin typeface="Source Code Pro" panose="020B0509030403020204" pitchFamily="49" charset="0"/>
+                <a:ea typeface="Source Code Pro" panose="020B0509030403020204" pitchFamily="49" charset="0"/>
+              </a:rPr>
+              <a:t>charset</a:t>
+            </a:r>
+            <a:r>
+              <a:rPr lang="fr-FR" dirty="0">
+                <a:solidFill>
+                  <a:srgbClr val="010080"/>
+                </a:solidFill>
+                <a:latin typeface="Source Code Pro" panose="020B0509030403020204" pitchFamily="49" charset="0"/>
+                <a:ea typeface="Source Code Pro" panose="020B0509030403020204" pitchFamily="49" charset="0"/>
+              </a:rPr>
+              <a:t>="</a:t>
+            </a:r>
+            <a:r>
+              <a:rPr lang="fr-FR" dirty="0">
+                <a:solidFill>
+                  <a:srgbClr val="990000"/>
+                </a:solidFill>
+                <a:latin typeface="Source Code Pro" panose="020B0509030403020204" pitchFamily="49" charset="0"/>
+                <a:ea typeface="Source Code Pro" panose="020B0509030403020204" pitchFamily="49" charset="0"/>
+              </a:rPr>
+              <a:t>utf-8</a:t>
+            </a:r>
+            <a:r>
+              <a:rPr lang="fr-FR" dirty="0">
+                <a:solidFill>
+                  <a:srgbClr val="010080"/>
+                </a:solidFill>
+                <a:latin typeface="Source Code Pro" panose="020B0509030403020204" pitchFamily="49" charset="0"/>
+                <a:ea typeface="Source Code Pro" panose="020B0509030403020204" pitchFamily="49" charset="0"/>
+              </a:rPr>
+              <a:t>"&gt; </a:t>
+            </a:r>
+          </a:p>
+          <a:p>
+            <a:pPr marL="342900" lvl="1" indent="0">
+              <a:buNone/>
+            </a:pPr>
+            <a:r>
+              <a:rPr lang="fr-FR" dirty="0">
+                <a:solidFill>
+                  <a:srgbClr val="010080"/>
+                </a:solidFill>
+                <a:latin typeface="Source Code Pro" panose="020B0509030403020204" pitchFamily="49" charset="0"/>
+                <a:ea typeface="Source Code Pro" panose="020B0509030403020204" pitchFamily="49" charset="0"/>
+              </a:rPr>
+              <a:t>&lt;/</a:t>
+            </a:r>
+            <a:r>
+              <a:rPr lang="fr-FR" dirty="0" err="1">
+                <a:solidFill>
+                  <a:srgbClr val="010080"/>
+                </a:solidFill>
+                <a:latin typeface="Source Code Pro" panose="020B0509030403020204" pitchFamily="49" charset="0"/>
+                <a:ea typeface="Source Code Pro" panose="020B0509030403020204" pitchFamily="49" charset="0"/>
+              </a:rPr>
+              <a:t>head</a:t>
+            </a:r>
+            <a:r>
+              <a:rPr lang="fr-FR" dirty="0">
+                <a:solidFill>
+                  <a:srgbClr val="010080"/>
+                </a:solidFill>
+                <a:latin typeface="Source Code Pro" panose="020B0509030403020204" pitchFamily="49" charset="0"/>
+                <a:ea typeface="Source Code Pro" panose="020B0509030403020204" pitchFamily="49" charset="0"/>
+              </a:rPr>
+              <a:t>&gt;</a:t>
+            </a:r>
+          </a:p>
+          <a:p>
+            <a:pPr marL="342900" lvl="1" indent="0">
+              <a:buNone/>
+            </a:pPr>
+            <a:r>
+              <a:rPr lang="fr-FR" dirty="0">
+                <a:solidFill>
+                  <a:srgbClr val="010080"/>
+                </a:solidFill>
+                <a:latin typeface="Source Code Pro" panose="020B0509030403020204" pitchFamily="49" charset="0"/>
+                <a:ea typeface="Source Code Pro" panose="020B0509030403020204" pitchFamily="49" charset="0"/>
+              </a:rPr>
+              <a:t>&lt;body&gt;</a:t>
+            </a:r>
+          </a:p>
+          <a:p>
+            <a:pPr marL="760413" lvl="1">
+              <a:spcBef>
+                <a:spcPct val="20000"/>
+              </a:spcBef>
+              <a:buClr>
+                <a:schemeClr val="accent6"/>
+              </a:buClr>
+            </a:pPr>
+            <a:r>
+              <a:rPr lang="fr-FR" altLang="fr-FR" b="1" dirty="0">
+                <a:solidFill>
+                  <a:srgbClr val="010080"/>
+                </a:solidFill>
+                <a:latin typeface="Source Code Pro" panose="020B0509030403020204" pitchFamily="49" charset="0"/>
+                <a:ea typeface="Source Code Pro" panose="020B0509030403020204" pitchFamily="49" charset="0"/>
+              </a:rPr>
+              <a:t>&lt;script </a:t>
+            </a:r>
+            <a:r>
+              <a:rPr lang="fr-FR" altLang="fr-FR" b="1" dirty="0" err="1">
+                <a:solidFill>
+                  <a:srgbClr val="008080"/>
+                </a:solidFill>
+                <a:latin typeface="Source Code Pro" panose="020B0509030403020204" pitchFamily="49" charset="0"/>
+                <a:ea typeface="Source Code Pro" panose="020B0509030403020204" pitchFamily="49" charset="0"/>
+              </a:rPr>
+              <a:t>src</a:t>
+            </a:r>
+            <a:r>
+              <a:rPr lang="fr-FR" altLang="fr-FR" b="1" dirty="0">
+                <a:solidFill>
+                  <a:srgbClr val="010080"/>
+                </a:solidFill>
+                <a:latin typeface="Source Code Pro" panose="020B0509030403020204" pitchFamily="49" charset="0"/>
+                <a:ea typeface="Source Code Pro" panose="020B0509030403020204" pitchFamily="49" charset="0"/>
+              </a:rPr>
+              <a:t>="</a:t>
+            </a:r>
+            <a:r>
+              <a:rPr lang="fr-FR" altLang="fr-FR" b="1" dirty="0" err="1">
+                <a:solidFill>
+                  <a:srgbClr val="990000"/>
+                </a:solidFill>
+                <a:latin typeface="Source Code Pro" panose="020B0509030403020204" pitchFamily="49" charset="0"/>
+                <a:ea typeface="Source Code Pro" panose="020B0509030403020204" pitchFamily="49" charset="0"/>
+              </a:rPr>
+              <a:t>script.js</a:t>
+            </a:r>
+            <a:r>
+              <a:rPr lang="fr-FR" b="1" dirty="0">
+                <a:solidFill>
+                  <a:srgbClr val="010080"/>
                 </a:solidFill>
                 <a:latin typeface="Source Code Pro" panose="020B0509030403020204" pitchFamily="49" charset="0"/>
                 <a:ea typeface="Source Code Pro" panose="020B0509030403020204" pitchFamily="49" charset="0"/>
@@ -8374,236 +8287,136 @@
               <a:t>"</a:t>
             </a:r>
             <a:r>
-              <a:rPr lang="fr-FR" altLang="fr-FR" dirty="0" err="1">
-                <a:solidFill>
-                  <a:srgbClr val="657B83"/>
-                </a:solidFill>
-                <a:latin typeface="Source Code Pro" panose="020B0509030403020204" pitchFamily="49" charset="0"/>
-                <a:ea typeface="Source Code Pro" panose="020B0509030403020204" pitchFamily="49" charset="0"/>
-              </a:rPr>
-              <a:t>monId</a:t>
-            </a:r>
-            <a:r>
-              <a:rPr lang="fr-FR" altLang="fr-FR" dirty="0">
-                <a:solidFill>
-                  <a:srgbClr val="657B83"/>
-                </a:solidFill>
-                <a:latin typeface="Source Code Pro" panose="020B0509030403020204" pitchFamily="49" charset="0"/>
-                <a:ea typeface="Source Code Pro" panose="020B0509030403020204" pitchFamily="49" charset="0"/>
-              </a:rPr>
-              <a:t>"</a:t>
-            </a:r>
-            <a:r>
-              <a:rPr lang="fr-FR" altLang="fr-FR" dirty="0">
-                <a:latin typeface="Source Code Pro" panose="020B0509030403020204" pitchFamily="49" charset="0"/>
-                <a:ea typeface="Source Code Pro" panose="020B0509030403020204" pitchFamily="49" charset="0"/>
-              </a:rPr>
-              <a:t>); </a:t>
-            </a:r>
-          </a:p>
-          <a:p>
-            <a:pPr marL="47625"/>
-            <a:r>
-              <a:rPr lang="fr-FR" altLang="fr-FR" dirty="0">
-                <a:solidFill>
-                  <a:srgbClr val="00B050"/>
-                </a:solidFill>
-                <a:latin typeface="Source Code Pro" panose="020B0509030403020204"/>
-              </a:rPr>
-              <a:t>let</a:t>
-            </a:r>
-            <a:r>
-              <a:rPr lang="fr-FR" altLang="fr-FR" dirty="0">
-                <a:latin typeface="Source Code Pro" panose="020B0509030403020204" pitchFamily="49" charset="0"/>
-                <a:ea typeface="Source Code Pro" panose="020B0509030403020204" pitchFamily="49" charset="0"/>
-              </a:rPr>
-              <a:t> </a:t>
-            </a:r>
-            <a:r>
-              <a:rPr lang="fr-FR" altLang="fr-FR" dirty="0" err="1">
-                <a:latin typeface="Source Code Pro" panose="020B0509030403020204" pitchFamily="49" charset="0"/>
-                <a:ea typeface="Source Code Pro" panose="020B0509030403020204" pitchFamily="49" charset="0"/>
-              </a:rPr>
-              <a:t>img</a:t>
-            </a:r>
-            <a:r>
-              <a:rPr lang="fr-FR" altLang="fr-FR" dirty="0">
-                <a:latin typeface="Source Code Pro" panose="020B0509030403020204" pitchFamily="49" charset="0"/>
-                <a:ea typeface="Source Code Pro" panose="020B0509030403020204" pitchFamily="49" charset="0"/>
-              </a:rPr>
-              <a:t> = </a:t>
-            </a:r>
-            <a:r>
-              <a:rPr lang="fr-FR" altLang="fr-FR" dirty="0" err="1">
-                <a:latin typeface="Source Code Pro" panose="020B0509030403020204" pitchFamily="49" charset="0"/>
-                <a:ea typeface="Source Code Pro" panose="020B0509030403020204" pitchFamily="49" charset="0"/>
-              </a:rPr>
-              <a:t>document.</a:t>
-            </a:r>
-            <a:r>
-              <a:rPr lang="fr-FR" altLang="fr-FR" dirty="0" err="1">
-                <a:solidFill>
-                  <a:srgbClr val="005CC5"/>
-                </a:solidFill>
-                <a:latin typeface="Source Code Pro" panose="020B0509030403020204"/>
-              </a:rPr>
-              <a:t>createElement</a:t>
-            </a:r>
-            <a:r>
-              <a:rPr lang="fr-FR" altLang="fr-FR" dirty="0">
-                <a:latin typeface="Source Code Pro" panose="020B0509030403020204" pitchFamily="49" charset="0"/>
-                <a:ea typeface="Source Code Pro" panose="020B0509030403020204" pitchFamily="49" charset="0"/>
-              </a:rPr>
-              <a:t>(</a:t>
-            </a:r>
-            <a:r>
-              <a:rPr lang="fr-FR" altLang="fr-FR" dirty="0">
-                <a:solidFill>
-                  <a:srgbClr val="657B83"/>
-                </a:solidFill>
-                <a:latin typeface="Source Code Pro" panose="020B0509030403020204" pitchFamily="49" charset="0"/>
-                <a:ea typeface="Source Code Pro" panose="020B0509030403020204" pitchFamily="49" charset="0"/>
-              </a:rPr>
-              <a:t>'</a:t>
-            </a:r>
-            <a:r>
-              <a:rPr lang="fr-FR" altLang="fr-FR" dirty="0" err="1">
-                <a:solidFill>
-                  <a:srgbClr val="657B83"/>
-                </a:solidFill>
-                <a:latin typeface="Source Code Pro" panose="020B0509030403020204" pitchFamily="49" charset="0"/>
-                <a:ea typeface="Source Code Pro" panose="020B0509030403020204" pitchFamily="49" charset="0"/>
-              </a:rPr>
-              <a:t>img</a:t>
-            </a:r>
-            <a:r>
-              <a:rPr lang="fr-FR" altLang="fr-FR" dirty="0">
-                <a:solidFill>
-                  <a:srgbClr val="657B83"/>
-                </a:solidFill>
-                <a:latin typeface="Source Code Pro" panose="020B0509030403020204" pitchFamily="49" charset="0"/>
-                <a:ea typeface="Source Code Pro" panose="020B0509030403020204" pitchFamily="49" charset="0"/>
-              </a:rPr>
-              <a:t>'</a:t>
-            </a:r>
-            <a:r>
-              <a:rPr lang="fr-FR" altLang="fr-FR" dirty="0">
-                <a:latin typeface="Source Code Pro" panose="020B0509030403020204" pitchFamily="49" charset="0"/>
-                <a:ea typeface="Source Code Pro" panose="020B0509030403020204" pitchFamily="49" charset="0"/>
-              </a:rPr>
-              <a:t>); </a:t>
-            </a:r>
-          </a:p>
-          <a:p>
-            <a:pPr marL="47625"/>
-            <a:r>
-              <a:rPr lang="fr-FR" altLang="fr-FR" dirty="0" err="1">
-                <a:latin typeface="Source Code Pro" panose="020B0509030403020204" pitchFamily="49" charset="0"/>
-                <a:ea typeface="Source Code Pro" panose="020B0509030403020204" pitchFamily="49" charset="0"/>
-              </a:rPr>
-              <a:t>img.src</a:t>
-            </a:r>
-            <a:r>
-              <a:rPr lang="fr-FR" altLang="fr-FR" dirty="0">
-                <a:latin typeface="Source Code Pro" panose="020B0509030403020204" pitchFamily="49" charset="0"/>
-                <a:ea typeface="Source Code Pro" panose="020B0509030403020204" pitchFamily="49" charset="0"/>
-              </a:rPr>
-              <a:t> =</a:t>
-            </a:r>
-            <a:r>
-              <a:rPr lang="fr-FR" altLang="fr-FR" dirty="0">
-                <a:solidFill>
-                  <a:srgbClr val="657B83"/>
-                </a:solidFill>
-                <a:latin typeface="Source Code Pro" panose="020B0509030403020204" pitchFamily="49" charset="0"/>
-                <a:ea typeface="Source Code Pro" panose="020B0509030403020204" pitchFamily="49" charset="0"/>
-              </a:rPr>
-              <a:t> './</a:t>
-            </a:r>
-            <a:r>
-              <a:rPr lang="fr-FR" altLang="fr-FR" dirty="0" err="1">
-                <a:solidFill>
-                  <a:srgbClr val="657B83"/>
-                </a:solidFill>
-                <a:latin typeface="Source Code Pro" panose="020B0509030403020204" pitchFamily="49" charset="0"/>
-                <a:ea typeface="Source Code Pro" panose="020B0509030403020204" pitchFamily="49" charset="0"/>
-              </a:rPr>
-              <a:t>img</a:t>
-            </a:r>
-            <a:r>
-              <a:rPr lang="fr-FR" altLang="fr-FR" dirty="0">
-                <a:solidFill>
-                  <a:srgbClr val="657B83"/>
-                </a:solidFill>
-                <a:latin typeface="Source Code Pro" panose="020B0509030403020204" pitchFamily="49" charset="0"/>
-                <a:ea typeface="Source Code Pro" panose="020B0509030403020204" pitchFamily="49" charset="0"/>
-              </a:rPr>
-              <a:t>/02.BMP'</a:t>
-            </a:r>
-            <a:r>
-              <a:rPr lang="fr-FR" altLang="fr-FR" dirty="0">
-                <a:latin typeface="Source Code Pro" panose="020B0509030403020204" pitchFamily="49" charset="0"/>
-                <a:ea typeface="Source Code Pro" panose="020B0509030403020204" pitchFamily="49" charset="0"/>
-              </a:rPr>
-              <a:t>;</a:t>
-            </a:r>
-            <a:r>
-              <a:rPr lang="fr-FR" altLang="fr-FR" dirty="0">
-                <a:solidFill>
-                  <a:srgbClr val="657B83"/>
-                </a:solidFill>
-                <a:latin typeface="Source Code Pro" panose="020B0509030403020204" pitchFamily="49" charset="0"/>
-                <a:ea typeface="Source Code Pro" panose="020B0509030403020204" pitchFamily="49" charset="0"/>
-              </a:rPr>
-              <a:t> </a:t>
-            </a:r>
-          </a:p>
-          <a:p>
-            <a:pPr marL="47625"/>
-            <a:r>
-              <a:rPr lang="fr-FR" altLang="fr-FR" dirty="0" err="1">
-                <a:latin typeface="Source Code Pro" panose="020B0509030403020204" pitchFamily="49" charset="0"/>
-                <a:ea typeface="Source Code Pro" panose="020B0509030403020204" pitchFamily="49" charset="0"/>
-              </a:rPr>
-              <a:t>target.</a:t>
-            </a:r>
-            <a:r>
-              <a:rPr lang="fr-FR" altLang="fr-FR" dirty="0" err="1">
-                <a:solidFill>
-                  <a:srgbClr val="005CC5"/>
-                </a:solidFill>
-                <a:latin typeface="Source Code Pro" panose="020B0509030403020204"/>
-              </a:rPr>
-              <a:t>appendChild</a:t>
-            </a:r>
-            <a:r>
-              <a:rPr lang="fr-FR" altLang="fr-FR" dirty="0">
-                <a:latin typeface="Source Code Pro" panose="020B0509030403020204" pitchFamily="49" charset="0"/>
-                <a:ea typeface="Source Code Pro" panose="020B0509030403020204" pitchFamily="49" charset="0"/>
-              </a:rPr>
-              <a:t>(</a:t>
-            </a:r>
-            <a:r>
-              <a:rPr lang="fr-FR" altLang="fr-FR" dirty="0" err="1">
-                <a:latin typeface="Source Code Pro" panose="020B0509030403020204" pitchFamily="49" charset="0"/>
-                <a:ea typeface="Source Code Pro" panose="020B0509030403020204" pitchFamily="49" charset="0"/>
-              </a:rPr>
-              <a:t>img</a:t>
-            </a:r>
-            <a:r>
-              <a:rPr lang="fr-FR" altLang="fr-FR" dirty="0">
-                <a:latin typeface="Source Code Pro" panose="020B0509030403020204" pitchFamily="49" charset="0"/>
-                <a:ea typeface="Source Code Pro" panose="020B0509030403020204" pitchFamily="49" charset="0"/>
-              </a:rPr>
-              <a:t>); </a:t>
-            </a:r>
+              <a:rPr lang="fr-FR" altLang="fr-FR" b="1" dirty="0">
+                <a:solidFill>
+                  <a:srgbClr val="010080"/>
+                </a:solidFill>
+                <a:latin typeface="Source Code Pro" panose="020B0509030403020204" pitchFamily="49" charset="0"/>
+                <a:ea typeface="Source Code Pro" panose="020B0509030403020204" pitchFamily="49" charset="0"/>
+              </a:rPr>
+              <a:t>&gt;&lt;/script&gt;</a:t>
+            </a:r>
+          </a:p>
+          <a:p>
+            <a:pPr marL="342900" lvl="1" indent="0">
+              <a:buNone/>
+            </a:pPr>
+            <a:r>
+              <a:rPr lang="fr-FR" dirty="0">
+                <a:solidFill>
+                  <a:srgbClr val="010080"/>
+                </a:solidFill>
+                <a:latin typeface="Source Code Pro" panose="020B0509030403020204" pitchFamily="49" charset="0"/>
+              </a:rPr>
+              <a:t>&lt;/body&gt;</a:t>
+            </a:r>
+          </a:p>
+          <a:p>
+            <a:pPr marL="47625" indent="0">
+              <a:buNone/>
+            </a:pPr>
+            <a:r>
+              <a:rPr lang="fr-FR" dirty="0">
+                <a:solidFill>
+                  <a:srgbClr val="010080"/>
+                </a:solidFill>
+                <a:latin typeface="Source Code Pro" panose="020B0509030403020204" pitchFamily="49" charset="0"/>
+              </a:rPr>
+              <a:t>&lt;/html&gt;</a:t>
+            </a:r>
+            <a:endParaRPr lang="en-US" dirty="0">
+              <a:solidFill>
+                <a:srgbClr val="657B83"/>
+              </a:solidFill>
+              <a:latin typeface="Source Code Pro" panose="020B0509030403020204" pitchFamily="49" charset="0"/>
+            </a:endParaRPr>
+          </a:p>
+        </p:txBody>
+      </p:sp>
+      <p:sp>
+        <p:nvSpPr>
+          <p:cNvPr id="9" name="ZoneTexte 9">
+            <a:extLst>
+              <a:ext uri="{FF2B5EF4-FFF2-40B4-BE49-F238E27FC236}">
+                <a16:creationId xmlns:a16="http://schemas.microsoft.com/office/drawing/2014/main" id="{4BCD5116-6CF5-CD40-84C2-B135A5AE3EBC}"/>
+              </a:ext>
+            </a:extLst>
+          </p:cNvPr>
+          <p:cNvSpPr txBox="1"/>
+          <p:nvPr/>
+        </p:nvSpPr>
+        <p:spPr>
+          <a:xfrm>
+            <a:off x="6365865" y="5533629"/>
+            <a:ext cx="1665841" cy="338554"/>
+          </a:xfrm>
+          <a:prstGeom prst="rect">
+            <a:avLst/>
+          </a:prstGeom>
+          <a:noFill/>
+        </p:spPr>
+        <p:txBody>
+          <a:bodyPr wrap="none" rtlCol="0">
+            <a:spAutoFit/>
+          </a:bodyPr>
+          <a:lstStyle/>
+          <a:p>
+            <a:pPr algn="r"/>
+            <a:r>
+              <a:rPr lang="fr-FR" sz="1600" dirty="0" err="1">
+                <a:latin typeface="Source Code Pro" panose="020B0509030403020204" pitchFamily="49" charset="0"/>
+                <a:ea typeface="Source Code Pro" panose="020B0509030403020204" pitchFamily="49" charset="0"/>
+              </a:rPr>
+              <a:t>exemple.html</a:t>
+            </a:r>
+            <a:endParaRPr lang="fr-FR" sz="1600" dirty="0"/>
+          </a:p>
+        </p:txBody>
+      </p:sp>
+      <p:sp>
+        <p:nvSpPr>
+          <p:cNvPr id="11" name="ZoneTexte 9">
+            <a:extLst>
+              <a:ext uri="{FF2B5EF4-FFF2-40B4-BE49-F238E27FC236}">
+                <a16:creationId xmlns:a16="http://schemas.microsoft.com/office/drawing/2014/main" id="{5B6F3BA9-13ED-8A43-8EE0-7CDF295671A6}"/>
+              </a:ext>
+            </a:extLst>
+          </p:cNvPr>
+          <p:cNvSpPr txBox="1"/>
+          <p:nvPr/>
+        </p:nvSpPr>
+        <p:spPr>
+          <a:xfrm>
+            <a:off x="6736159" y="2117580"/>
+            <a:ext cx="1295547" cy="338554"/>
+          </a:xfrm>
+          <a:prstGeom prst="rect">
+            <a:avLst/>
+          </a:prstGeom>
+          <a:noFill/>
+        </p:spPr>
+        <p:txBody>
+          <a:bodyPr wrap="none" rtlCol="0">
+            <a:spAutoFit/>
+          </a:bodyPr>
+          <a:lstStyle/>
+          <a:p>
+            <a:pPr algn="r"/>
+            <a:r>
+              <a:rPr lang="fr-FR" sz="1600" dirty="0" err="1">
+                <a:latin typeface="Source Code Pro" panose="020B0509030403020204" pitchFamily="49" charset="0"/>
+                <a:ea typeface="Source Code Pro" panose="020B0509030403020204" pitchFamily="49" charset="0"/>
+              </a:rPr>
+              <a:t>script.js</a:t>
+            </a:r>
+            <a:endParaRPr lang="fr-FR" sz="1600" dirty="0"/>
           </a:p>
         </p:txBody>
       </p:sp>
     </p:spTree>
     <p:extLst>
       <p:ext uri="{BB962C8B-B14F-4D97-AF65-F5344CB8AC3E}">
-        <p14:creationId xmlns:p14="http://schemas.microsoft.com/office/powerpoint/2010/main" val="3306125387"/>
+        <p14:creationId xmlns:p14="http://schemas.microsoft.com/office/powerpoint/2010/main" val="1858990063"/>
       </p:ext>
     </p:extLst>
   </p:cSld>
@@ -8649,6 +8462,665 @@
           <a:p>
             <a:r>
               <a:rPr lang="fr-FR" b="1" dirty="0"/>
+              <a:t>DOM </a:t>
+            </a:r>
+            <a:r>
+              <a:rPr lang="fr-FR" b="1" dirty="0" err="1"/>
+              <a:t>Element</a:t>
+            </a:r>
+            <a:endParaRPr lang="fr-FR" b="1" dirty="0"/>
+          </a:p>
+        </p:txBody>
+      </p:sp>
+      <p:sp>
+        <p:nvSpPr>
+          <p:cNvPr id="3" name="Espace réservé du contenu 2"/>
+          <p:cNvSpPr>
+            <a:spLocks noGrp="1"/>
+          </p:cNvSpPr>
+          <p:nvPr>
+            <p:ph idx="1"/>
+          </p:nvPr>
+        </p:nvSpPr>
+        <p:spPr>
+          <a:xfrm>
+            <a:off x="228600" y="1051560"/>
+            <a:ext cx="8915400" cy="5090892"/>
+          </a:xfrm>
+        </p:spPr>
+        <p:txBody>
+          <a:bodyPr/>
+          <a:lstStyle/>
+          <a:p>
+            <a:pPr marL="400050" indent="-400050"/>
+            <a:r>
+              <a:rPr lang="fr-FR" sz="2400" dirty="0"/>
+              <a:t>Les éléments DOM sont des </a:t>
+            </a:r>
+            <a:r>
+              <a:rPr lang="fr-FR" sz="2400" b="1" dirty="0"/>
+              <a:t>objets</a:t>
+            </a:r>
+            <a:r>
+              <a:rPr lang="fr-FR" sz="2400" dirty="0"/>
+              <a:t> JavaScript (</a:t>
+            </a:r>
+            <a:r>
+              <a:rPr lang="fr-FR" sz="2400" dirty="0">
+                <a:hlinkClick r:id="rId2"/>
+              </a:rPr>
+              <a:t>API</a:t>
+            </a:r>
+            <a:r>
+              <a:rPr lang="fr-FR" sz="2400" dirty="0"/>
+              <a:t>)</a:t>
+            </a:r>
+            <a:endParaRPr lang="fr-FR" sz="2400" b="1" dirty="0">
+              <a:latin typeface="Source Code Pro" panose="020B0509030403020204" pitchFamily="49" charset="0"/>
+              <a:ea typeface="Source Code Pro" panose="020B0509030403020204" pitchFamily="49" charset="0"/>
+            </a:endParaRPr>
+          </a:p>
+          <a:p>
+            <a:pPr marL="400050" indent="-400050">
+              <a:spcBef>
+                <a:spcPts val="1200"/>
+              </a:spcBef>
+            </a:pPr>
+            <a:r>
+              <a:rPr lang="fr-FR" sz="2400" dirty="0"/>
+              <a:t>Pour manipuler un élément DOM, il faut :</a:t>
+            </a:r>
+          </a:p>
+          <a:p>
+            <a:pPr marL="758825" lvl="1" indent="-358775">
+              <a:spcBef>
+                <a:spcPts val="1200"/>
+              </a:spcBef>
+              <a:buFont typeface="+mj-lt"/>
+              <a:buAutoNum type="arabicPeriod"/>
+            </a:pPr>
+            <a:r>
+              <a:rPr lang="fr-FR" sz="2000" dirty="0"/>
+              <a:t>Le trouver dans le DOM-</a:t>
+            </a:r>
+            <a:r>
+              <a:rPr lang="fr-FR" sz="2000" dirty="0" err="1"/>
+              <a:t>tree</a:t>
+            </a:r>
+            <a:r>
+              <a:rPr lang="fr-FR" sz="2000" dirty="0"/>
+              <a:t> par :</a:t>
+            </a:r>
+            <a:endParaRPr lang="fr-FR" sz="2000" dirty="0">
+              <a:latin typeface="Source Code Pro" panose="020B0509030403020204" pitchFamily="49" charset="0"/>
+              <a:ea typeface="Source Code Pro" panose="020B0509030403020204" pitchFamily="49" charset="0"/>
+            </a:endParaRPr>
+          </a:p>
+          <a:p>
+            <a:pPr lvl="2"/>
+            <a:r>
+              <a:rPr lang="en-US" sz="1800" dirty="0"/>
+              <a:t>id : </a:t>
+            </a:r>
+            <a:r>
+              <a:rPr lang="fr-FR" sz="1800" dirty="0" err="1">
+                <a:solidFill>
+                  <a:srgbClr val="005CC5"/>
+                </a:solidFill>
+                <a:latin typeface="Source Code Pro" panose="020B0509030403020204"/>
+              </a:rPr>
+              <a:t>getElementById</a:t>
+            </a:r>
+            <a:endParaRPr lang="en-US" sz="1800" dirty="0">
+              <a:solidFill>
+                <a:srgbClr val="005CC5"/>
+              </a:solidFill>
+              <a:latin typeface="Source Code Pro" panose="020B0509030403020204"/>
+            </a:endParaRPr>
+          </a:p>
+          <a:p>
+            <a:pPr lvl="2"/>
+            <a:r>
+              <a:rPr lang="fr-FR" sz="1800" dirty="0"/>
+              <a:t>nom de balise : </a:t>
+            </a:r>
+            <a:r>
+              <a:rPr lang="fr-FR" sz="1800" dirty="0" err="1">
+                <a:solidFill>
+                  <a:srgbClr val="005CC5"/>
+                </a:solidFill>
+                <a:latin typeface="Source Code Pro" panose="020B0509030403020204"/>
+              </a:rPr>
+              <a:t>getElementsByName</a:t>
+            </a:r>
+            <a:endParaRPr lang="fr-FR" sz="1800" dirty="0">
+              <a:solidFill>
+                <a:srgbClr val="005CC5"/>
+              </a:solidFill>
+              <a:latin typeface="Source Code Pro" panose="020B0509030403020204"/>
+            </a:endParaRPr>
+          </a:p>
+          <a:p>
+            <a:pPr lvl="2"/>
+            <a:r>
+              <a:rPr lang="fr-FR" sz="1800" dirty="0"/>
+              <a:t>nom de classe : </a:t>
+            </a:r>
+            <a:r>
+              <a:rPr lang="fr-FR" sz="1800" dirty="0" err="1">
+                <a:solidFill>
+                  <a:srgbClr val="005CC5"/>
+                </a:solidFill>
+                <a:latin typeface="Source Code Pro" panose="020B0509030403020204"/>
+              </a:rPr>
+              <a:t>getElementsByClassName</a:t>
+            </a:r>
+            <a:endParaRPr lang="fr-FR" sz="1800" dirty="0">
+              <a:solidFill>
+                <a:srgbClr val="005CC5"/>
+              </a:solidFill>
+              <a:latin typeface="Source Code Pro" panose="020B0509030403020204"/>
+            </a:endParaRPr>
+          </a:p>
+          <a:p>
+            <a:pPr lvl="2"/>
+            <a:r>
+              <a:rPr lang="fr-FR" sz="1800" dirty="0"/>
+              <a:t>sélecteurs CSS : </a:t>
+            </a:r>
+            <a:r>
+              <a:rPr lang="fr-FR" sz="1800" dirty="0" err="1">
+                <a:solidFill>
+                  <a:srgbClr val="005CC5"/>
+                </a:solidFill>
+                <a:latin typeface="Source Code Pro" panose="020B0509030403020204"/>
+              </a:rPr>
+              <a:t>querySelector</a:t>
+            </a:r>
+            <a:endParaRPr lang="fr-FR" sz="1800" dirty="0">
+              <a:solidFill>
+                <a:srgbClr val="005CC5"/>
+              </a:solidFill>
+              <a:latin typeface="Source Code Pro" panose="020B0509030403020204"/>
+            </a:endParaRPr>
+          </a:p>
+          <a:p>
+            <a:pPr marL="758825" lvl="1" indent="-301625">
+              <a:spcBef>
+                <a:spcPts val="1080"/>
+              </a:spcBef>
+              <a:buFont typeface="+mj-lt"/>
+              <a:buAutoNum type="arabicPeriod"/>
+            </a:pPr>
+            <a:r>
+              <a:rPr lang="fr-FR" sz="2000" dirty="0">
+                <a:latin typeface="+mj-lt"/>
+                <a:ea typeface="Source Code Pro" panose="020B0509030403020204" pitchFamily="49" charset="0"/>
+              </a:rPr>
+              <a:t>Utiliser l’API pour le modifier, créer un nouvel élément, </a:t>
+            </a:r>
+            <a:br>
+              <a:rPr lang="fr-FR" sz="2000" dirty="0">
+                <a:latin typeface="+mj-lt"/>
+                <a:ea typeface="Source Code Pro" panose="020B0509030403020204" pitchFamily="49" charset="0"/>
+              </a:rPr>
+            </a:br>
+            <a:r>
+              <a:rPr lang="fr-FR" sz="2000" dirty="0">
+                <a:latin typeface="+mj-lt"/>
+                <a:ea typeface="Source Code Pro" panose="020B0509030403020204" pitchFamily="49" charset="0"/>
+              </a:rPr>
+              <a:t>changer son style CSS, etc. </a:t>
+            </a:r>
+          </a:p>
+        </p:txBody>
+      </p:sp>
+      <p:sp>
+        <p:nvSpPr>
+          <p:cNvPr id="4" name="Espace réservé de la date 3"/>
+          <p:cNvSpPr>
+            <a:spLocks noGrp="1"/>
+          </p:cNvSpPr>
+          <p:nvPr>
+            <p:ph type="dt" sz="half" idx="10"/>
+          </p:nvPr>
+        </p:nvSpPr>
+        <p:spPr/>
+        <p:txBody>
+          <a:bodyPr/>
+          <a:lstStyle/>
+          <a:p>
+            <a:fld id="{BB2FA04C-1355-4CE6-8050-4BD994E23BD5}" type="datetime4">
+              <a:rPr lang="fr-FR" smtClean="0"/>
+              <a:t>17 juin 2021</a:t>
+            </a:fld>
+            <a:endParaRPr lang="fr-FR" dirty="0"/>
+          </a:p>
+        </p:txBody>
+      </p:sp>
+      <p:sp>
+        <p:nvSpPr>
+          <p:cNvPr id="5" name="Espace réservé du pied de page 4"/>
+          <p:cNvSpPr>
+            <a:spLocks noGrp="1"/>
+          </p:cNvSpPr>
+          <p:nvPr>
+            <p:ph type="ftr" sz="quarter" idx="11"/>
+          </p:nvPr>
+        </p:nvSpPr>
+        <p:spPr/>
+        <p:txBody>
+          <a:bodyPr/>
+          <a:lstStyle/>
+          <a:p>
+            <a:r>
+              <a:rPr lang="fr-FR"/>
+              <a:t>DIU NSI</a:t>
+            </a:r>
+          </a:p>
+        </p:txBody>
+      </p:sp>
+      <p:sp>
+        <p:nvSpPr>
+          <p:cNvPr id="6" name="Espace réservé du numéro de diapositive 5"/>
+          <p:cNvSpPr>
+            <a:spLocks noGrp="1"/>
+          </p:cNvSpPr>
+          <p:nvPr>
+            <p:ph type="sldNum" sz="quarter" idx="12"/>
+          </p:nvPr>
+        </p:nvSpPr>
+        <p:spPr/>
+        <p:txBody>
+          <a:bodyPr/>
+          <a:lstStyle/>
+          <a:p>
+            <a:fld id="{DCE37727-CC04-7A46-938D-2CCFF056F773}" type="slidenum">
+              <a:rPr lang="fr-FR" smtClean="0"/>
+              <a:pPr/>
+              <a:t>14</a:t>
+            </a:fld>
+            <a:endParaRPr lang="fr-FR"/>
+          </a:p>
+        </p:txBody>
+      </p:sp>
+      <p:sp>
+        <p:nvSpPr>
+          <p:cNvPr id="8" name="Rectangle 7">
+            <a:extLst>
+              <a:ext uri="{FF2B5EF4-FFF2-40B4-BE49-F238E27FC236}">
+                <a16:creationId xmlns:a16="http://schemas.microsoft.com/office/drawing/2014/main" id="{99D6AB73-3556-6845-9EF8-9024C2407A0D}"/>
+              </a:ext>
+            </a:extLst>
+          </p:cNvPr>
+          <p:cNvSpPr/>
+          <p:nvPr/>
+        </p:nvSpPr>
+        <p:spPr>
+          <a:xfrm>
+            <a:off x="1070283" y="4666019"/>
+            <a:ext cx="7003434" cy="1260913"/>
+          </a:xfrm>
+          <a:prstGeom prst="rect">
+            <a:avLst/>
+          </a:prstGeom>
+          <a:solidFill>
+            <a:srgbClr val="FEF6E3"/>
+          </a:solidFill>
+          <a:effectLst>
+            <a:outerShdw blurRad="50800" dist="38100" dir="2700000" algn="tl" rotWithShape="0">
+              <a:prstClr val="black">
+                <a:alpha val="40000"/>
+              </a:prstClr>
+            </a:outerShdw>
+          </a:effectLst>
+        </p:spPr>
+        <p:txBody>
+          <a:bodyPr vert="horz" lIns="91440" tIns="45720" rIns="91440" bIns="45720" rtlCol="0" anchor="ctr">
+            <a:normAutofit/>
+          </a:bodyPr>
+          <a:lstStyle/>
+          <a:p>
+            <a:pPr marL="47625"/>
+            <a:r>
+              <a:rPr lang="fr-FR" altLang="fr-FR" dirty="0">
+                <a:solidFill>
+                  <a:srgbClr val="00B050"/>
+                </a:solidFill>
+                <a:latin typeface="Source Code Pro" panose="020B0509030403020204"/>
+              </a:rPr>
+              <a:t>let</a:t>
+            </a:r>
+            <a:r>
+              <a:rPr lang="fr-FR" altLang="fr-FR" dirty="0">
+                <a:latin typeface="Source Code Pro" panose="020B0509030403020204" pitchFamily="49" charset="0"/>
+                <a:ea typeface="Source Code Pro" panose="020B0509030403020204" pitchFamily="49" charset="0"/>
+              </a:rPr>
+              <a:t> </a:t>
+            </a:r>
+            <a:r>
+              <a:rPr lang="fr-FR" altLang="fr-FR" dirty="0" err="1">
+                <a:latin typeface="Source Code Pro" panose="020B0509030403020204" pitchFamily="49" charset="0"/>
+                <a:ea typeface="Source Code Pro" panose="020B0509030403020204" pitchFamily="49" charset="0"/>
+              </a:rPr>
+              <a:t>target</a:t>
+            </a:r>
+            <a:r>
+              <a:rPr lang="fr-FR" altLang="fr-FR" dirty="0">
+                <a:latin typeface="Source Code Pro" panose="020B0509030403020204" pitchFamily="49" charset="0"/>
+                <a:ea typeface="Source Code Pro" panose="020B0509030403020204" pitchFamily="49" charset="0"/>
+              </a:rPr>
+              <a:t> = </a:t>
+            </a:r>
+            <a:r>
+              <a:rPr lang="fr-FR" altLang="fr-FR" dirty="0" err="1">
+                <a:latin typeface="Source Code Pro" panose="020B0509030403020204" pitchFamily="49" charset="0"/>
+                <a:ea typeface="Source Code Pro" panose="020B0509030403020204" pitchFamily="49" charset="0"/>
+              </a:rPr>
+              <a:t>document.</a:t>
+            </a:r>
+            <a:r>
+              <a:rPr lang="fr-FR" altLang="fr-FR" dirty="0" err="1">
+                <a:solidFill>
+                  <a:srgbClr val="005CC5"/>
+                </a:solidFill>
+                <a:latin typeface="Source Code Pro" panose="020B0509030403020204"/>
+              </a:rPr>
+              <a:t>getElementById</a:t>
+            </a:r>
+            <a:r>
+              <a:rPr lang="fr-FR" altLang="fr-FR" dirty="0">
+                <a:latin typeface="Source Code Pro" panose="020B0509030403020204" pitchFamily="49" charset="0"/>
+                <a:ea typeface="Source Code Pro" panose="020B0509030403020204" pitchFamily="49" charset="0"/>
+              </a:rPr>
+              <a:t>(</a:t>
+            </a:r>
+            <a:r>
+              <a:rPr lang="fr-FR" altLang="fr-FR" dirty="0">
+                <a:solidFill>
+                  <a:srgbClr val="657B83"/>
+                </a:solidFill>
+                <a:latin typeface="Source Code Pro" panose="020B0509030403020204" pitchFamily="49" charset="0"/>
+                <a:ea typeface="Source Code Pro" panose="020B0509030403020204" pitchFamily="49" charset="0"/>
+              </a:rPr>
+              <a:t>"</a:t>
+            </a:r>
+            <a:r>
+              <a:rPr lang="fr-FR" altLang="fr-FR" dirty="0" err="1">
+                <a:solidFill>
+                  <a:srgbClr val="657B83"/>
+                </a:solidFill>
+                <a:latin typeface="Source Code Pro" panose="020B0509030403020204" pitchFamily="49" charset="0"/>
+                <a:ea typeface="Source Code Pro" panose="020B0509030403020204" pitchFamily="49" charset="0"/>
+              </a:rPr>
+              <a:t>monId</a:t>
+            </a:r>
+            <a:r>
+              <a:rPr lang="fr-FR" altLang="fr-FR" dirty="0">
+                <a:solidFill>
+                  <a:srgbClr val="657B83"/>
+                </a:solidFill>
+                <a:latin typeface="Source Code Pro" panose="020B0509030403020204" pitchFamily="49" charset="0"/>
+                <a:ea typeface="Source Code Pro" panose="020B0509030403020204" pitchFamily="49" charset="0"/>
+              </a:rPr>
+              <a:t>"</a:t>
+            </a:r>
+            <a:r>
+              <a:rPr lang="fr-FR" altLang="fr-FR" dirty="0">
+                <a:latin typeface="Source Code Pro" panose="020B0509030403020204" pitchFamily="49" charset="0"/>
+                <a:ea typeface="Source Code Pro" panose="020B0509030403020204" pitchFamily="49" charset="0"/>
+              </a:rPr>
+              <a:t>); </a:t>
+            </a:r>
+          </a:p>
+          <a:p>
+            <a:pPr marL="47625"/>
+            <a:r>
+              <a:rPr lang="fr-FR" altLang="fr-FR" dirty="0">
+                <a:solidFill>
+                  <a:srgbClr val="00B050"/>
+                </a:solidFill>
+                <a:latin typeface="Source Code Pro" panose="020B0509030403020204"/>
+              </a:rPr>
+              <a:t>let</a:t>
+            </a:r>
+            <a:r>
+              <a:rPr lang="fr-FR" altLang="fr-FR" dirty="0">
+                <a:latin typeface="Source Code Pro" panose="020B0509030403020204" pitchFamily="49" charset="0"/>
+                <a:ea typeface="Source Code Pro" panose="020B0509030403020204" pitchFamily="49" charset="0"/>
+              </a:rPr>
+              <a:t> </a:t>
+            </a:r>
+            <a:r>
+              <a:rPr lang="fr-FR" altLang="fr-FR" dirty="0" err="1">
+                <a:latin typeface="Source Code Pro" panose="020B0509030403020204" pitchFamily="49" charset="0"/>
+                <a:ea typeface="Source Code Pro" panose="020B0509030403020204" pitchFamily="49" charset="0"/>
+              </a:rPr>
+              <a:t>img</a:t>
+            </a:r>
+            <a:r>
+              <a:rPr lang="fr-FR" altLang="fr-FR" dirty="0">
+                <a:latin typeface="Source Code Pro" panose="020B0509030403020204" pitchFamily="49" charset="0"/>
+                <a:ea typeface="Source Code Pro" panose="020B0509030403020204" pitchFamily="49" charset="0"/>
+              </a:rPr>
+              <a:t> = </a:t>
+            </a:r>
+            <a:r>
+              <a:rPr lang="fr-FR" altLang="fr-FR" dirty="0" err="1">
+                <a:latin typeface="Source Code Pro" panose="020B0509030403020204" pitchFamily="49" charset="0"/>
+                <a:ea typeface="Source Code Pro" panose="020B0509030403020204" pitchFamily="49" charset="0"/>
+              </a:rPr>
+              <a:t>document.</a:t>
+            </a:r>
+            <a:r>
+              <a:rPr lang="fr-FR" altLang="fr-FR" dirty="0" err="1">
+                <a:solidFill>
+                  <a:srgbClr val="005CC5"/>
+                </a:solidFill>
+                <a:latin typeface="Source Code Pro" panose="020B0509030403020204"/>
+              </a:rPr>
+              <a:t>createElement</a:t>
+            </a:r>
+            <a:r>
+              <a:rPr lang="fr-FR" altLang="fr-FR" dirty="0">
+                <a:latin typeface="Source Code Pro" panose="020B0509030403020204" pitchFamily="49" charset="0"/>
+                <a:ea typeface="Source Code Pro" panose="020B0509030403020204" pitchFamily="49" charset="0"/>
+              </a:rPr>
+              <a:t>(</a:t>
+            </a:r>
+            <a:r>
+              <a:rPr lang="fr-FR" altLang="fr-FR" dirty="0">
+                <a:solidFill>
+                  <a:srgbClr val="657B83"/>
+                </a:solidFill>
+                <a:latin typeface="Source Code Pro" panose="020B0509030403020204" pitchFamily="49" charset="0"/>
+                <a:ea typeface="Source Code Pro" panose="020B0509030403020204" pitchFamily="49" charset="0"/>
+              </a:rPr>
+              <a:t>'</a:t>
+            </a:r>
+            <a:r>
+              <a:rPr lang="fr-FR" altLang="fr-FR" dirty="0" err="1">
+                <a:solidFill>
+                  <a:srgbClr val="657B83"/>
+                </a:solidFill>
+                <a:latin typeface="Source Code Pro" panose="020B0509030403020204" pitchFamily="49" charset="0"/>
+                <a:ea typeface="Source Code Pro" panose="020B0509030403020204" pitchFamily="49" charset="0"/>
+              </a:rPr>
+              <a:t>img</a:t>
+            </a:r>
+            <a:r>
+              <a:rPr lang="fr-FR" altLang="fr-FR" dirty="0">
+                <a:solidFill>
+                  <a:srgbClr val="657B83"/>
+                </a:solidFill>
+                <a:latin typeface="Source Code Pro" panose="020B0509030403020204" pitchFamily="49" charset="0"/>
+                <a:ea typeface="Source Code Pro" panose="020B0509030403020204" pitchFamily="49" charset="0"/>
+              </a:rPr>
+              <a:t>'</a:t>
+            </a:r>
+            <a:r>
+              <a:rPr lang="fr-FR" altLang="fr-FR" dirty="0">
+                <a:latin typeface="Source Code Pro" panose="020B0509030403020204" pitchFamily="49" charset="0"/>
+                <a:ea typeface="Source Code Pro" panose="020B0509030403020204" pitchFamily="49" charset="0"/>
+              </a:rPr>
+              <a:t>); </a:t>
+            </a:r>
+          </a:p>
+          <a:p>
+            <a:pPr marL="47625"/>
+            <a:r>
+              <a:rPr lang="fr-FR" altLang="fr-FR" dirty="0" err="1">
+                <a:latin typeface="Source Code Pro" panose="020B0509030403020204" pitchFamily="49" charset="0"/>
+                <a:ea typeface="Source Code Pro" panose="020B0509030403020204" pitchFamily="49" charset="0"/>
+              </a:rPr>
+              <a:t>img.src</a:t>
+            </a:r>
+            <a:r>
+              <a:rPr lang="fr-FR" altLang="fr-FR" dirty="0">
+                <a:latin typeface="Source Code Pro" panose="020B0509030403020204" pitchFamily="49" charset="0"/>
+                <a:ea typeface="Source Code Pro" panose="020B0509030403020204" pitchFamily="49" charset="0"/>
+              </a:rPr>
+              <a:t> =</a:t>
+            </a:r>
+            <a:r>
+              <a:rPr lang="fr-FR" altLang="fr-FR" dirty="0">
+                <a:solidFill>
+                  <a:srgbClr val="657B83"/>
+                </a:solidFill>
+                <a:latin typeface="Source Code Pro" panose="020B0509030403020204" pitchFamily="49" charset="0"/>
+                <a:ea typeface="Source Code Pro" panose="020B0509030403020204" pitchFamily="49" charset="0"/>
+              </a:rPr>
+              <a:t> './</a:t>
+            </a:r>
+            <a:r>
+              <a:rPr lang="fr-FR" altLang="fr-FR" dirty="0" err="1">
+                <a:solidFill>
+                  <a:srgbClr val="657B83"/>
+                </a:solidFill>
+                <a:latin typeface="Source Code Pro" panose="020B0509030403020204" pitchFamily="49" charset="0"/>
+                <a:ea typeface="Source Code Pro" panose="020B0509030403020204" pitchFamily="49" charset="0"/>
+              </a:rPr>
+              <a:t>img</a:t>
+            </a:r>
+            <a:r>
+              <a:rPr lang="fr-FR" altLang="fr-FR" dirty="0">
+                <a:solidFill>
+                  <a:srgbClr val="657B83"/>
+                </a:solidFill>
+                <a:latin typeface="Source Code Pro" panose="020B0509030403020204" pitchFamily="49" charset="0"/>
+                <a:ea typeface="Source Code Pro" panose="020B0509030403020204" pitchFamily="49" charset="0"/>
+              </a:rPr>
+              <a:t>/02.BMP'</a:t>
+            </a:r>
+            <a:r>
+              <a:rPr lang="fr-FR" altLang="fr-FR" dirty="0">
+                <a:latin typeface="Source Code Pro" panose="020B0509030403020204" pitchFamily="49" charset="0"/>
+                <a:ea typeface="Source Code Pro" panose="020B0509030403020204" pitchFamily="49" charset="0"/>
+              </a:rPr>
+              <a:t>;</a:t>
+            </a:r>
+            <a:r>
+              <a:rPr lang="fr-FR" altLang="fr-FR" dirty="0">
+                <a:solidFill>
+                  <a:srgbClr val="657B83"/>
+                </a:solidFill>
+                <a:latin typeface="Source Code Pro" panose="020B0509030403020204" pitchFamily="49" charset="0"/>
+                <a:ea typeface="Source Code Pro" panose="020B0509030403020204" pitchFamily="49" charset="0"/>
+              </a:rPr>
+              <a:t> </a:t>
+            </a:r>
+          </a:p>
+          <a:p>
+            <a:pPr marL="47625"/>
+            <a:r>
+              <a:rPr lang="fr-FR" altLang="fr-FR" dirty="0" err="1">
+                <a:latin typeface="Source Code Pro" panose="020B0509030403020204" pitchFamily="49" charset="0"/>
+                <a:ea typeface="Source Code Pro" panose="020B0509030403020204" pitchFamily="49" charset="0"/>
+              </a:rPr>
+              <a:t>target.</a:t>
+            </a:r>
+            <a:r>
+              <a:rPr lang="fr-FR" altLang="fr-FR" dirty="0" err="1">
+                <a:solidFill>
+                  <a:srgbClr val="005CC5"/>
+                </a:solidFill>
+                <a:latin typeface="Source Code Pro" panose="020B0509030403020204"/>
+              </a:rPr>
+              <a:t>appendChild</a:t>
+            </a:r>
+            <a:r>
+              <a:rPr lang="fr-FR" altLang="fr-FR" dirty="0">
+                <a:latin typeface="Source Code Pro" panose="020B0509030403020204" pitchFamily="49" charset="0"/>
+                <a:ea typeface="Source Code Pro" panose="020B0509030403020204" pitchFamily="49" charset="0"/>
+              </a:rPr>
+              <a:t>(</a:t>
+            </a:r>
+            <a:r>
+              <a:rPr lang="fr-FR" altLang="fr-FR" dirty="0" err="1">
+                <a:latin typeface="Source Code Pro" panose="020B0509030403020204" pitchFamily="49" charset="0"/>
+                <a:ea typeface="Source Code Pro" panose="020B0509030403020204" pitchFamily="49" charset="0"/>
+              </a:rPr>
+              <a:t>img</a:t>
+            </a:r>
+            <a:r>
+              <a:rPr lang="fr-FR" altLang="fr-FR" dirty="0">
+                <a:latin typeface="Source Code Pro" panose="020B0509030403020204" pitchFamily="49" charset="0"/>
+                <a:ea typeface="Source Code Pro" panose="020B0509030403020204" pitchFamily="49" charset="0"/>
+              </a:rPr>
+              <a:t>); </a:t>
+            </a:r>
+          </a:p>
+        </p:txBody>
+      </p:sp>
+    </p:spTree>
+    <p:extLst>
+      <p:ext uri="{BB962C8B-B14F-4D97-AF65-F5344CB8AC3E}">
+        <p14:creationId xmlns:p14="http://schemas.microsoft.com/office/powerpoint/2010/main" val="3306125387"/>
+      </p:ext>
+    </p:extLst>
+  </p:cSld>
+  <p:clrMapOvr>
+    <a:masterClrMapping/>
+  </p:clrMapOvr>
+</p:sld>
+</file>
+
+<file path=ppt/slides/slide15.xml><?xml version="1.0" encoding="utf-8"?>
+<p:sld xmlns:a="http://schemas.openxmlformats.org/drawingml/2006/main" xmlns:r="http://schemas.openxmlformats.org/officeDocument/2006/relationships" xmlns:p="http://schemas.openxmlformats.org/presentationml/2006/main">
+  <p:cSld>
+    <p:spTree>
+      <p:nvGrpSpPr>
+        <p:cNvPr id="1" name=""/>
+        <p:cNvGrpSpPr/>
+        <p:nvPr/>
+      </p:nvGrpSpPr>
+      <p:grpSpPr>
+        <a:xfrm>
+          <a:off x="0" y="0"/>
+          <a:ext cx="0" cy="0"/>
+          <a:chOff x="0" y="0"/>
+          <a:chExt cx="0" cy="0"/>
+        </a:xfrm>
+      </p:grpSpPr>
+      <p:sp>
+        <p:nvSpPr>
+          <p:cNvPr id="2" name="Titre 1"/>
+          <p:cNvSpPr>
+            <a:spLocks noGrp="1"/>
+          </p:cNvSpPr>
+          <p:nvPr>
+            <p:ph type="title"/>
+          </p:nvPr>
+        </p:nvSpPr>
+        <p:spPr/>
+        <p:txBody>
+          <a:bodyPr>
+            <a:normAutofit/>
+          </a:bodyPr>
+          <a:lstStyle/>
+          <a:p>
+            <a:r>
+              <a:rPr lang="fr-FR" b="1" dirty="0"/>
               <a:t>DOM Event (1/2)</a:t>
             </a:r>
           </a:p>
@@ -8697,7 +9169,7 @@
           <a:p>
             <a:fld id="{BB2FA04C-1355-4CE6-8050-4BD994E23BD5}" type="datetime4">
               <a:rPr lang="fr-FR" smtClean="0"/>
-              <a:t>7 juin 2021</a:t>
+              <a:t>17 juin 2021</a:t>
             </a:fld>
             <a:endParaRPr lang="fr-FR" dirty="0"/>
           </a:p>
@@ -8743,7 +9215,7 @@
             <a:fld id="{DCE37727-CC04-7A46-938D-2CCFF056F773}" type="slidenum">
               <a:rPr lang="fr-FR" smtClean="0"/>
               <a:pPr/>
-              <a:t>14</a:t>
+              <a:t>15</a:t>
             </a:fld>
             <a:endParaRPr lang="fr-FR"/>
           </a:p>
@@ -8964,7 +9436,21 @@
             </a:r>
             <a:r>
               <a:rPr lang="fr-FR" sz="2400" dirty="0"/>
-              <a:t> (DOM Event) émis lorsqu’un élément DOM subit des interactions</a:t>
+              <a:t> (</a:t>
+            </a:r>
+            <a:r>
+              <a:rPr lang="fr-FR" sz="2400" dirty="0">
+                <a:solidFill>
+                  <a:srgbClr val="990000"/>
+                </a:solidFill>
+                <a:latin typeface="Source Code Pro" panose="020B0509030403020204" pitchFamily="49" charset="0"/>
+                <a:ea typeface="Source Code Pro" panose="020B0509030403020204" pitchFamily="49" charset="0"/>
+              </a:rPr>
+              <a:t>DOM Event</a:t>
+            </a:r>
+            <a:r>
+              <a:rPr lang="fr-FR" sz="2400" dirty="0"/>
+              <a:t>) émis lorsqu’un élément DOM subit des interactions</a:t>
             </a:r>
           </a:p>
           <a:p>
@@ -9115,7 +9601,7 @@
 </p:sld>
 </file>
 
-<file path=ppt/slides/slide15.xml><?xml version="1.0" encoding="utf-8"?>
+<file path=ppt/slides/slide16.xml><?xml version="1.0" encoding="utf-8"?>
 <p:sld xmlns:a="http://schemas.openxmlformats.org/drawingml/2006/main" xmlns:r="http://schemas.openxmlformats.org/officeDocument/2006/relationships" xmlns:p="http://schemas.openxmlformats.org/presentationml/2006/main">
   <p:cSld>
     <p:spTree>
@@ -9199,7 +9685,7 @@
           <a:p>
             <a:fld id="{BB2FA04C-1355-4CE6-8050-4BD994E23BD5}" type="datetime4">
               <a:rPr lang="fr-FR" smtClean="0"/>
-              <a:t>7 juin 2021</a:t>
+              <a:t>17 juin 2021</a:t>
             </a:fld>
             <a:endParaRPr lang="fr-FR" dirty="0"/>
           </a:p>
@@ -9245,7 +9731,7 @@
             <a:fld id="{DCE37727-CC04-7A46-938D-2CCFF056F773}" type="slidenum">
               <a:rPr lang="fr-FR" smtClean="0"/>
               <a:pPr/>
-              <a:t>15</a:t>
+              <a:t>16</a:t>
             </a:fld>
             <a:endParaRPr lang="fr-FR"/>
           </a:p>
@@ -9466,7 +9952,7 @@
             </a:r>
             <a:r>
               <a:rPr lang="fr-FR" sz="2400" b="1" dirty="0"/>
-              <a:t>fonctions de traitements</a:t>
+              <a:t>fonctions de rappel</a:t>
             </a:r>
             <a:r>
               <a:rPr lang="fr-FR" sz="2400" dirty="0"/>
@@ -9509,18 +9995,26 @@
             <a:pPr marL="400050" indent="-400050"/>
             <a:r>
               <a:rPr lang="fr-FR" sz="2400" i="1" dirty="0"/>
-              <a:t>Callbacks</a:t>
+              <a:t>Callbacks </a:t>
             </a:r>
             <a:r>
               <a:rPr lang="fr-FR" sz="2400" dirty="0"/>
-              <a:t> exécutées lorsque l’événement associé est émis</a:t>
+              <a:t>exécutés lorsque l’événement associé est émis</a:t>
             </a:r>
             <a:br>
               <a:rPr lang="fr-FR" sz="2400" dirty="0"/>
             </a:br>
             <a:r>
               <a:rPr lang="fr-FR" sz="2400" dirty="0"/>
-              <a:t>(exécution asynchrone)</a:t>
+              <a:t>(</a:t>
+            </a:r>
+            <a:r>
+              <a:rPr lang="fr-FR" sz="2400" b="1" dirty="0"/>
+              <a:t>exécution asynchrone</a:t>
+            </a:r>
+            <a:r>
+              <a:rPr lang="fr-FR" sz="2400" dirty="0"/>
+              <a:t>)</a:t>
             </a:r>
           </a:p>
         </p:txBody>
@@ -9539,8 +10033,8 @@
         </p:nvSpPr>
         <p:spPr>
           <a:xfrm>
-            <a:off x="496141" y="2086789"/>
-            <a:ext cx="8151717" cy="2100128"/>
+            <a:off x="457201" y="2086789"/>
+            <a:ext cx="8229600" cy="2100128"/>
           </a:xfrm>
           <a:prstGeom prst="rect">
             <a:avLst/>
@@ -9562,7 +10056,7 @@
           </a:bodyPr>
           <a:lstStyle/>
           <a:p>
-            <a:pPr lvl="0" defTabSz="914400" eaLnBrk="0" fontAlgn="base" hangingPunct="0">
+            <a:pPr marL="46800" lvl="0" defTabSz="914400" eaLnBrk="0" fontAlgn="base" hangingPunct="0">
               <a:spcBef>
                 <a:spcPct val="0"/>
               </a:spcBef>
@@ -9609,7 +10103,7 @@
             </a:r>
           </a:p>
           <a:p>
-            <a:pPr lvl="0" defTabSz="914400" eaLnBrk="0" fontAlgn="base" hangingPunct="0">
+            <a:pPr marL="46800" lvl="0" defTabSz="914400" eaLnBrk="0" fontAlgn="base" hangingPunct="0">
               <a:spcBef>
                 <a:spcPct val="0"/>
               </a:spcBef>
@@ -9768,7 +10262,7 @@
             </a:r>
           </a:p>
           <a:p>
-            <a:pPr lvl="0" defTabSz="914400" eaLnBrk="0" fontAlgn="base" hangingPunct="0">
+            <a:pPr marL="46800" lvl="0" defTabSz="914400" eaLnBrk="0" fontAlgn="base" hangingPunct="0">
               <a:spcBef>
                 <a:spcPct val="0"/>
               </a:spcBef>
@@ -9868,7 +10362,7 @@
             </a:r>
           </a:p>
           <a:p>
-            <a:pPr lvl="0" defTabSz="914400" eaLnBrk="0" fontAlgn="base" hangingPunct="0">
+            <a:pPr marL="46800" lvl="0" defTabSz="914400" eaLnBrk="0" fontAlgn="base" hangingPunct="0">
               <a:spcBef>
                 <a:spcPct val="0"/>
               </a:spcBef>
@@ -9988,7 +10482,7 @@
             </a:r>
           </a:p>
           <a:p>
-            <a:pPr lvl="0" defTabSz="914400" eaLnBrk="0" fontAlgn="base" hangingPunct="0">
+            <a:pPr marL="46800" lvl="0" defTabSz="914400" eaLnBrk="0" fontAlgn="base" hangingPunct="0">
               <a:spcBef>
                 <a:spcPct val="0"/>
               </a:spcBef>
@@ -10008,7 +10502,7 @@
             </a:r>
           </a:p>
           <a:p>
-            <a:pPr lvl="0" defTabSz="914400" eaLnBrk="0" fontAlgn="base" hangingPunct="0">
+            <a:pPr marL="46800" lvl="0" defTabSz="914400" eaLnBrk="0" fontAlgn="base" hangingPunct="0">
               <a:spcBef>
                 <a:spcPct val="0"/>
               </a:spcBef>
@@ -10025,7 +10519,7 @@
             </a:endParaRPr>
           </a:p>
           <a:p>
-            <a:pPr lvl="0" defTabSz="914400" eaLnBrk="0" fontAlgn="base" hangingPunct="0">
+            <a:pPr marL="46800" lvl="0" defTabSz="914400" eaLnBrk="0" fontAlgn="base" hangingPunct="0">
               <a:spcBef>
                 <a:spcPct val="0"/>
               </a:spcBef>
@@ -10147,223 +10641,6 @@
     <p:extLst>
       <p:ext uri="{BB962C8B-B14F-4D97-AF65-F5344CB8AC3E}">
         <p14:creationId xmlns:p14="http://schemas.microsoft.com/office/powerpoint/2010/main" val="2805195890"/>
-      </p:ext>
-    </p:extLst>
-  </p:cSld>
-  <p:clrMapOvr>
-    <a:masterClrMapping/>
-  </p:clrMapOvr>
-</p:sld>
-</file>
-
-<file path=ppt/slides/slide16.xml><?xml version="1.0" encoding="utf-8"?>
-<p:sld xmlns:a="http://schemas.openxmlformats.org/drawingml/2006/main" xmlns:r="http://schemas.openxmlformats.org/officeDocument/2006/relationships" xmlns:p="http://schemas.openxmlformats.org/presentationml/2006/main">
-  <p:cSld>
-    <p:spTree>
-      <p:nvGrpSpPr>
-        <p:cNvPr id="1" name=""/>
-        <p:cNvGrpSpPr/>
-        <p:nvPr/>
-      </p:nvGrpSpPr>
-      <p:grpSpPr>
-        <a:xfrm>
-          <a:off x="0" y="0"/>
-          <a:ext cx="0" cy="0"/>
-          <a:chOff x="0" y="0"/>
-          <a:chExt cx="0" cy="0"/>
-        </a:xfrm>
-      </p:grpSpPr>
-      <p:sp>
-        <p:nvSpPr>
-          <p:cNvPr id="2" name="Titre 1"/>
-          <p:cNvSpPr>
-            <a:spLocks noGrp="1"/>
-          </p:cNvSpPr>
-          <p:nvPr>
-            <p:ph type="title"/>
-          </p:nvPr>
-        </p:nvSpPr>
-        <p:spPr/>
-        <p:txBody>
-          <a:bodyPr/>
-          <a:lstStyle/>
-          <a:p>
-            <a:r>
-              <a:rPr lang="fr-FR" b="1" dirty="0"/>
-              <a:t>Résumé</a:t>
-            </a:r>
-          </a:p>
-        </p:txBody>
-      </p:sp>
-      <p:sp>
-        <p:nvSpPr>
-          <p:cNvPr id="7" name="Espace réservé du contenu 2"/>
-          <p:cNvSpPr>
-            <a:spLocks noGrp="1"/>
-          </p:cNvSpPr>
-          <p:nvPr>
-            <p:ph idx="1"/>
-          </p:nvPr>
-        </p:nvSpPr>
-        <p:spPr/>
-        <p:txBody>
-          <a:bodyPr/>
-          <a:lstStyle/>
-          <a:p>
-            <a:r>
-              <a:rPr lang="fr-FR" sz="2400" dirty="0"/>
-              <a:t>JavaScript est un langage </a:t>
-            </a:r>
-            <a:r>
-              <a:rPr lang="fr-FR" sz="2400" b="1" dirty="0"/>
-              <a:t>fonctionnel</a:t>
-            </a:r>
-            <a:r>
-              <a:rPr lang="fr-FR" sz="2400" dirty="0"/>
-              <a:t>, </a:t>
-            </a:r>
-            <a:r>
-              <a:rPr lang="fr-FR" sz="2400" b="1" dirty="0"/>
-              <a:t>interprété</a:t>
-            </a:r>
-            <a:r>
-              <a:rPr lang="fr-FR" sz="2400" dirty="0"/>
-              <a:t> et </a:t>
-            </a:r>
-            <a:r>
-              <a:rPr lang="fr-FR" sz="2400" b="1" dirty="0"/>
-              <a:t>asynchrone</a:t>
-            </a:r>
-            <a:br>
-              <a:rPr lang="fr-FR" sz="2400" dirty="0"/>
-            </a:br>
-            <a:endParaRPr lang="fr-FR" sz="2400" dirty="0"/>
-          </a:p>
-          <a:p>
-            <a:r>
-              <a:rPr lang="fr-FR" sz="2400" dirty="0"/>
-              <a:t>JavaScript s'exécute sur l’</a:t>
-            </a:r>
-            <a:r>
-              <a:rPr lang="fr-FR" sz="2400" b="1" dirty="0"/>
-              <a:t>arbre d’éléments HTML </a:t>
-            </a:r>
-            <a:br>
-              <a:rPr lang="fr-FR" sz="2400" dirty="0"/>
-            </a:br>
-            <a:r>
-              <a:rPr lang="fr-FR" sz="2400" dirty="0"/>
-              <a:t>(DOM </a:t>
-            </a:r>
-            <a:r>
-              <a:rPr lang="fr-FR" sz="2400" dirty="0" err="1"/>
-              <a:t>tree</a:t>
-            </a:r>
-            <a:r>
-              <a:rPr lang="fr-FR" sz="2400" dirty="0"/>
-              <a:t>) créé par le navigateur</a:t>
-            </a:r>
-          </a:p>
-          <a:p>
-            <a:endParaRPr lang="fr-FR" sz="2400" dirty="0"/>
-          </a:p>
-          <a:p>
-            <a:r>
-              <a:rPr lang="fr-FR" sz="2400" dirty="0"/>
-              <a:t>Permet de </a:t>
-            </a:r>
-            <a:r>
-              <a:rPr lang="fr-FR" sz="2400" b="1" dirty="0"/>
-              <a:t>manipuler dynamiquement </a:t>
-            </a:r>
-            <a:r>
-              <a:rPr lang="fr-FR" sz="2400" dirty="0"/>
-              <a:t>le comportement </a:t>
-            </a:r>
-            <a:br>
-              <a:rPr lang="fr-FR" sz="2400" dirty="0"/>
-            </a:br>
-            <a:r>
-              <a:rPr lang="fr-FR" sz="2400" dirty="0"/>
-              <a:t>des pages web</a:t>
-            </a:r>
-          </a:p>
-        </p:txBody>
-      </p:sp>
-      <p:sp>
-        <p:nvSpPr>
-          <p:cNvPr id="4" name="Espace réservé de la date 3"/>
-          <p:cNvSpPr>
-            <a:spLocks noGrp="1"/>
-          </p:cNvSpPr>
-          <p:nvPr>
-            <p:ph type="dt" sz="half" idx="10"/>
-          </p:nvPr>
-        </p:nvSpPr>
-        <p:spPr/>
-        <p:txBody>
-          <a:bodyPr/>
-          <a:lstStyle/>
-          <a:p>
-            <a:fld id="{BB2FA04C-1355-4CE6-8050-4BD994E23BD5}" type="datetime4">
-              <a:rPr lang="fr-FR" smtClean="0"/>
-              <a:pPr/>
-              <a:t>7 juin 2021</a:t>
-            </a:fld>
-            <a:endParaRPr lang="fr-FR" dirty="0"/>
-          </a:p>
-        </p:txBody>
-      </p:sp>
-      <p:sp>
-        <p:nvSpPr>
-          <p:cNvPr id="5" name="Espace réservé du pied de page 4"/>
-          <p:cNvSpPr>
-            <a:spLocks noGrp="1"/>
-          </p:cNvSpPr>
-          <p:nvPr>
-            <p:ph type="ftr" sz="quarter" idx="11"/>
-          </p:nvPr>
-        </p:nvSpPr>
-        <p:spPr/>
-        <p:txBody>
-          <a:bodyPr/>
-          <a:lstStyle/>
-          <a:p>
-            <a:r>
-              <a:rPr lang="fr-FR"/>
-              <a:t>DIU NSI</a:t>
-            </a:r>
-          </a:p>
-        </p:txBody>
-      </p:sp>
-      <p:sp>
-        <p:nvSpPr>
-          <p:cNvPr id="6" name="Espace réservé du numéro de diapositive 5"/>
-          <p:cNvSpPr>
-            <a:spLocks noGrp="1"/>
-          </p:cNvSpPr>
-          <p:nvPr>
-            <p:ph type="sldNum" sz="quarter" idx="12"/>
-          </p:nvPr>
-        </p:nvSpPr>
-        <p:spPr/>
-        <p:txBody>
-          <a:bodyPr/>
-          <a:lstStyle/>
-          <a:p>
-            <a:fld id="{DCE37727-CC04-7A46-938D-2CCFF056F773}" type="slidenum">
-              <a:rPr lang="fr-FR" smtClean="0"/>
-              <a:pPr/>
-              <a:t>16</a:t>
-            </a:fld>
-            <a:endParaRPr lang="fr-FR"/>
-          </a:p>
-        </p:txBody>
-      </p:sp>
-    </p:spTree>
-    <p:extLst>
-      <p:ext uri="{BB962C8B-B14F-4D97-AF65-F5344CB8AC3E}">
-        <p14:creationId xmlns:p14="http://schemas.microsoft.com/office/powerpoint/2010/main" val="892018545"/>
       </p:ext>
     </p:extLst>
   </p:cSld>
@@ -10402,24 +10679,108 @@
         </p:nvSpPr>
         <p:spPr/>
         <p:txBody>
-          <a:bodyPr>
-            <a:normAutofit/>
-          </a:bodyPr>
+          <a:bodyPr/>
           <a:lstStyle/>
           <a:p>
             <a:r>
               <a:rPr lang="fr-FR" b="1" dirty="0"/>
-              <a:t>Exemple : Glisser-Déposer (</a:t>
-            </a:r>
-            <a:r>
-              <a:rPr lang="fr-FR" b="1" i="1" dirty="0"/>
-              <a:t>Drag and Drop</a:t>
-            </a:r>
-            <a:r>
-              <a:rPr lang="fr-FR" b="1" dirty="0"/>
-              <a:t>) (1/2)</a:t>
-            </a:r>
-            <a:endParaRPr lang="en-US" b="1" dirty="0"/>
+              <a:t>Résumé</a:t>
+            </a:r>
+          </a:p>
+        </p:txBody>
+      </p:sp>
+      <p:sp>
+        <p:nvSpPr>
+          <p:cNvPr id="7" name="Espace réservé du contenu 2"/>
+          <p:cNvSpPr>
+            <a:spLocks noGrp="1"/>
+          </p:cNvSpPr>
+          <p:nvPr>
+            <p:ph idx="1"/>
+          </p:nvPr>
+        </p:nvSpPr>
+        <p:spPr/>
+        <p:txBody>
+          <a:bodyPr/>
+          <a:lstStyle/>
+          <a:p>
+            <a:r>
+              <a:rPr lang="fr-FR" sz="2400" dirty="0"/>
+              <a:t>JavaScript est un langage </a:t>
+            </a:r>
+            <a:r>
+              <a:rPr lang="fr-FR" sz="2400" b="1" dirty="0"/>
+              <a:t>fonctionnel</a:t>
+            </a:r>
+            <a:r>
+              <a:rPr lang="fr-FR" sz="2400" dirty="0"/>
+              <a:t>, </a:t>
+            </a:r>
+            <a:r>
+              <a:rPr lang="fr-FR" sz="2400" b="1" dirty="0"/>
+              <a:t>interprété</a:t>
+            </a:r>
+            <a:r>
+              <a:rPr lang="fr-FR" sz="2400" dirty="0"/>
+              <a:t> et </a:t>
+            </a:r>
+            <a:r>
+              <a:rPr lang="fr-FR" sz="2400" b="1" dirty="0"/>
+              <a:t>asynchrone</a:t>
+            </a:r>
+            <a:br>
+              <a:rPr lang="fr-FR" sz="2400" dirty="0"/>
+            </a:br>
+            <a:endParaRPr lang="fr-FR" sz="2400" dirty="0"/>
+          </a:p>
+          <a:p>
+            <a:r>
+              <a:rPr lang="fr-FR" sz="2400" dirty="0"/>
+              <a:t>JavaScript s'exécute sur l’</a:t>
+            </a:r>
+            <a:r>
+              <a:rPr lang="fr-FR" sz="2400" b="1" dirty="0"/>
+              <a:t>arbre d’éléments HTML </a:t>
+            </a:r>
+            <a:br>
+              <a:rPr lang="fr-FR" sz="2400" dirty="0"/>
+            </a:br>
+            <a:r>
+              <a:rPr lang="fr-FR" sz="2400" dirty="0"/>
+              <a:t>(DOM </a:t>
+            </a:r>
+            <a:r>
+              <a:rPr lang="fr-FR" sz="2400" dirty="0" err="1"/>
+              <a:t>tree</a:t>
+            </a:r>
+            <a:r>
+              <a:rPr lang="fr-FR" sz="2400" dirty="0"/>
+              <a:t>) créé par le navigateur</a:t>
+            </a:r>
+          </a:p>
+          <a:p>
+            <a:endParaRPr lang="fr-FR" sz="2400" dirty="0"/>
+          </a:p>
+          <a:p>
+            <a:r>
+              <a:rPr lang="fr-FR" sz="2400" dirty="0"/>
+              <a:t>Permet de </a:t>
+            </a:r>
+            <a:r>
+              <a:rPr lang="fr-FR" sz="2400" b="1" dirty="0"/>
+              <a:t>manipuler dynamiquement </a:t>
+            </a:r>
+            <a:r>
+              <a:rPr lang="fr-FR" sz="2400" dirty="0"/>
+              <a:t>le comportement </a:t>
+            </a:r>
+            <a:br>
+              <a:rPr lang="fr-FR" sz="2400" dirty="0"/>
+            </a:br>
+            <a:r>
+              <a:rPr lang="fr-FR" sz="2400" dirty="0"/>
+              <a:t>des pages web</a:t>
+            </a:r>
           </a:p>
         </p:txBody>
       </p:sp>
@@ -10440,7 +10801,8 @@
           <a:p>
             <a:fld id="{BB2FA04C-1355-4CE6-8050-4BD994E23BD5}" type="datetime4">
               <a:rPr lang="fr-FR" smtClean="0"/>
-              <a:t>7 juin 2021</a:t>
+              <a:pPr/>
+              <a:t>17 juin 2021</a:t>
             </a:fld>
             <a:endParaRPr lang="fr-FR" dirty="0"/>
           </a:p>
@@ -10487,6 +10849,138 @@
               <a:rPr lang="fr-FR" smtClean="0"/>
               <a:pPr/>
               <a:t>17</a:t>
+            </a:fld>
+            <a:endParaRPr lang="fr-FR"/>
+          </a:p>
+        </p:txBody>
+      </p:sp>
+    </p:spTree>
+    <p:extLst>
+      <p:ext uri="{BB962C8B-B14F-4D97-AF65-F5344CB8AC3E}">
+        <p14:creationId xmlns:p14="http://schemas.microsoft.com/office/powerpoint/2010/main" val="892018545"/>
+      </p:ext>
+    </p:extLst>
+  </p:cSld>
+  <p:clrMapOvr>
+    <a:masterClrMapping/>
+  </p:clrMapOvr>
+</p:sld>
+</file>
+
+<file path=ppt/slides/slide18.xml><?xml version="1.0" encoding="utf-8"?>
+<p:sld xmlns:a="http://schemas.openxmlformats.org/drawingml/2006/main" xmlns:r="http://schemas.openxmlformats.org/officeDocument/2006/relationships" xmlns:p="http://schemas.openxmlformats.org/presentationml/2006/main">
+  <p:cSld>
+    <p:spTree>
+      <p:nvGrpSpPr>
+        <p:cNvPr id="1" name=""/>
+        <p:cNvGrpSpPr/>
+        <p:nvPr/>
+      </p:nvGrpSpPr>
+      <p:grpSpPr>
+        <a:xfrm>
+          <a:off x="0" y="0"/>
+          <a:ext cx="0" cy="0"/>
+          <a:chOff x="0" y="0"/>
+          <a:chExt cx="0" cy="0"/>
+        </a:xfrm>
+      </p:grpSpPr>
+      <p:sp>
+        <p:nvSpPr>
+          <p:cNvPr id="2" name="Titre 1"/>
+          <p:cNvSpPr>
+            <a:spLocks noGrp="1"/>
+          </p:cNvSpPr>
+          <p:nvPr>
+            <p:ph type="title"/>
+          </p:nvPr>
+        </p:nvSpPr>
+        <p:spPr/>
+        <p:txBody>
+          <a:bodyPr>
+            <a:normAutofit/>
+          </a:bodyPr>
+          <a:lstStyle/>
+          <a:p>
+            <a:r>
+              <a:rPr lang="fr-FR" b="1" dirty="0"/>
+              <a:t>Exemple : Glisser-Déposer (</a:t>
+            </a:r>
+            <a:r>
+              <a:rPr lang="fr-FR" b="1" i="1" dirty="0"/>
+              <a:t>Drag and Drop</a:t>
+            </a:r>
+            <a:r>
+              <a:rPr lang="fr-FR" b="1" dirty="0"/>
+              <a:t>) (1/2)</a:t>
+            </a:r>
+            <a:endParaRPr lang="en-US" b="1" dirty="0"/>
+          </a:p>
+        </p:txBody>
+      </p:sp>
+      <p:sp>
+        <p:nvSpPr>
+          <p:cNvPr id="4" name="Espace réservé de la date 3"/>
+          <p:cNvSpPr>
+            <a:spLocks noGrp="1"/>
+          </p:cNvSpPr>
+          <p:nvPr>
+            <p:ph type="dt" sz="half" idx="10"/>
+          </p:nvPr>
+        </p:nvSpPr>
+        <p:spPr/>
+        <p:txBody>
+          <a:bodyPr/>
+          <a:lstStyle/>
+          <a:p>
+            <a:fld id="{BB2FA04C-1355-4CE6-8050-4BD994E23BD5}" type="datetime4">
+              <a:rPr lang="fr-FR" smtClean="0"/>
+              <a:t>17 juin 2021</a:t>
+            </a:fld>
+            <a:endParaRPr lang="fr-FR" dirty="0"/>
+          </a:p>
+        </p:txBody>
+      </p:sp>
+      <p:sp>
+        <p:nvSpPr>
+          <p:cNvPr id="5" name="Espace réservé du pied de page 4"/>
+          <p:cNvSpPr>
+            <a:spLocks noGrp="1"/>
+          </p:cNvSpPr>
+          <p:nvPr>
+            <p:ph type="ftr" sz="quarter" idx="11"/>
+          </p:nvPr>
+        </p:nvSpPr>
+        <p:spPr/>
+        <p:txBody>
+          <a:bodyPr/>
+          <a:lstStyle/>
+          <a:p>
+            <a:r>
+              <a:rPr lang="fr-FR"/>
+              <a:t>DIU NSI</a:t>
+            </a:r>
+          </a:p>
+        </p:txBody>
+      </p:sp>
+      <p:sp>
+        <p:nvSpPr>
+          <p:cNvPr id="6" name="Espace réservé du numéro de diapositive 5"/>
+          <p:cNvSpPr>
+            <a:spLocks noGrp="1"/>
+          </p:cNvSpPr>
+          <p:nvPr>
+            <p:ph type="sldNum" sz="quarter" idx="12"/>
+          </p:nvPr>
+        </p:nvSpPr>
+        <p:spPr/>
+        <p:txBody>
+          <a:bodyPr/>
+          <a:lstStyle/>
+          <a:p>
+            <a:fld id="{DCE37727-CC04-7A46-938D-2CCFF056F773}" type="slidenum">
+              <a:rPr lang="fr-FR" smtClean="0"/>
+              <a:pPr/>
+              <a:t>18</a:t>
             </a:fld>
             <a:endParaRPr lang="fr-FR"/>
           </a:p>
@@ -10940,7 +11434,7 @@
                   <a:srgbClr val="24292E"/>
                 </a:solidFill>
               </a:rPr>
-              <a:t>émis lorsque l'élément déplacé est déposé sur u</a:t>
+              <a:t>émis lorsque l'élément déplacé est déposé sur</a:t>
             </a:r>
             <a:br>
               <a:rPr lang="fr-FR" altLang="fr-FR" sz="2000" dirty="0">
@@ -11384,7 +11878,7 @@
 </p:sld>
 </file>
 
-<file path=ppt/slides/slide18.xml><?xml version="1.0" encoding="utf-8"?>
+<file path=ppt/slides/slide19.xml><?xml version="1.0" encoding="utf-8"?>
 <p:sld xmlns:a="http://schemas.openxmlformats.org/drawingml/2006/main" xmlns:r="http://schemas.openxmlformats.org/officeDocument/2006/relationships" xmlns:p="http://schemas.openxmlformats.org/presentationml/2006/main">
   <p:cSld>
     <p:spTree>
@@ -11449,7 +11943,7 @@
           <a:p>
             <a:fld id="{BB2FA04C-1355-4CE6-8050-4BD994E23BD5}" type="datetime4">
               <a:rPr lang="fr-FR" smtClean="0"/>
-              <a:t>7 juin 2021</a:t>
+              <a:t>17 juin 2021</a:t>
             </a:fld>
             <a:endParaRPr lang="fr-FR" dirty="0"/>
           </a:p>
@@ -11495,7 +11989,7 @@
             <a:fld id="{DCE37727-CC04-7A46-938D-2CCFF056F773}" type="slidenum">
               <a:rPr lang="fr-FR" smtClean="0"/>
               <a:pPr/>
-              <a:t>18</a:t>
+              <a:t>19</a:t>
             </a:fld>
             <a:endParaRPr lang="fr-FR"/>
           </a:p>
@@ -13222,7 +13716,7 @@
           <a:p>
             <a:r>
               <a:rPr lang="fr-FR" dirty="0"/>
-              <a:t>Bloc 1</a:t>
+              <a:t>Bloc 1 - Web</a:t>
             </a:r>
           </a:p>
         </p:txBody>
@@ -13299,7 +13793,7 @@
           <a:p>
             <a:fld id="{1AC11C67-BE04-4C5F-B0EE-E01220C9093A}" type="datetime4">
               <a:rPr lang="fr-FR" smtClean="0"/>
-              <a:t>7 juin 2021</a:t>
+              <a:t>17 juin 2021</a:t>
             </a:fld>
             <a:endParaRPr lang="fr-FR" dirty="0"/>
           </a:p>
@@ -13361,8 +13855,8 @@
         </p:nvSpPr>
         <p:spPr>
           <a:xfrm>
-            <a:off x="228600" y="1288404"/>
-            <a:ext cx="8644466" cy="4890030"/>
+            <a:off x="228600" y="1288403"/>
+            <a:ext cx="8644466" cy="5166825"/>
           </a:xfrm>
           <a:prstGeom prst="rect">
             <a:avLst/>
@@ -13615,21 +14109,28 @@
             <a:pPr lvl="1"/>
             <a:r>
               <a:rPr lang="fr-FR" sz="2000" dirty="0"/>
-              <a:t>Ajouter, changer et retirer tous les éléments et les attributs HTML.</a:t>
+              <a:t>ajouter, changer et retirer tous les éléments et les attributs HTML</a:t>
             </a:r>
           </a:p>
           <a:p>
             <a:pPr lvl="1"/>
             <a:r>
               <a:rPr lang="fr-FR" sz="2000" dirty="0"/>
-              <a:t>Ajouter, changer et retirer tous les styles CSS. </a:t>
+              <a:t>ajouter, changer et retirer tous les styles CSS</a:t>
             </a:r>
           </a:p>
           <a:p>
             <a:pPr lvl="1"/>
             <a:r>
               <a:rPr lang="fr-FR" sz="2000" dirty="0"/>
-              <a:t>Ajouter, changer, retirer et réagir aux événements HTML.</a:t>
+              <a:t>ajouter, changer, retirer et réagir aux événements HTML</a:t>
+            </a:r>
+          </a:p>
+          <a:p>
+            <a:pPr lvl="1"/>
+            <a:r>
+              <a:rPr lang="fr-FR" sz="2000" dirty="0"/>
+              <a:t>communiquer de façon asynchrone avec le serveur</a:t>
             </a:r>
           </a:p>
           <a:p>
@@ -13766,7 +14267,12 @@
             <p:ph idx="1"/>
           </p:nvPr>
         </p:nvSpPr>
-        <p:spPr/>
+        <p:spPr>
+          <a:xfrm>
+            <a:off x="279400" y="1236133"/>
+            <a:ext cx="8644466" cy="5132009"/>
+          </a:xfrm>
+        </p:spPr>
         <p:txBody>
           <a:bodyPr/>
           <a:lstStyle/>
@@ -13797,6 +14303,47 @@
             <a:r>
               <a:rPr lang="fr-FR" sz="2000" dirty="0"/>
               <a:t>mais conversions de types implicites à l’exécution</a:t>
+            </a:r>
+          </a:p>
+          <a:p>
+            <a:pPr lvl="1"/>
+            <a:endParaRPr lang="fr-FR" sz="2000" dirty="0"/>
+          </a:p>
+          <a:p>
+            <a:pPr lvl="1"/>
+            <a:endParaRPr lang="fr-FR" sz="2000" dirty="0"/>
+          </a:p>
+          <a:p>
+            <a:pPr lvl="1"/>
+            <a:endParaRPr lang="fr-FR" sz="2000" dirty="0"/>
+          </a:p>
+          <a:p>
+            <a:pPr lvl="1"/>
+            <a:endParaRPr lang="fr-FR" sz="2000" dirty="0"/>
+          </a:p>
+          <a:p>
+            <a:pPr lvl="1"/>
+            <a:endParaRPr lang="fr-FR" sz="2000" dirty="0"/>
+          </a:p>
+          <a:p>
+            <a:pPr lvl="1"/>
+            <a:endParaRPr lang="fr-FR" sz="2000" dirty="0"/>
+          </a:p>
+          <a:p>
+            <a:pPr lvl="1"/>
+            <a:endParaRPr lang="fr-FR" sz="2000" dirty="0"/>
+          </a:p>
+          <a:p>
+            <a:r>
+              <a:rPr lang="fr-FR" sz="2400" b="1" dirty="0"/>
+              <a:t>Flexible &amp; permissif</a:t>
+            </a:r>
+          </a:p>
+          <a:p>
+            <a:pPr lvl="1"/>
+            <a:r>
+              <a:rPr lang="fr-FR" sz="2000" dirty="0"/>
+              <a:t>très peu d’erreurs à l’exécution</a:t>
             </a:r>
           </a:p>
         </p:txBody>
@@ -13824,7 +14371,7 @@
           <a:p>
             <a:fld id="{BB2FA04C-1355-4CE6-8050-4BD994E23BD5}" type="datetime4">
               <a:rPr lang="fr-FR" smtClean="0"/>
-              <a:t>7 juin 2021</a:t>
+              <a:t>17 juin 2021</a:t>
             </a:fld>
             <a:endParaRPr lang="fr-FR" dirty="0"/>
           </a:p>
@@ -14266,7 +14813,7 @@
             <a:pPr lvl="1"/>
             <a:r>
               <a:rPr lang="fr-FR" sz="2000" dirty="0"/>
-              <a:t>les fonctions structurent le code</a:t>
+              <a:t>les fonctions structurent le code (« citoyens de première classe »)</a:t>
             </a:r>
           </a:p>
           <a:p>
@@ -14287,7 +14834,15 @@
             <a:pPr lvl="1"/>
             <a:r>
               <a:rPr lang="fr-FR" sz="2000" dirty="0"/>
-              <a:t>mais pas fonctionnel pur : </a:t>
+              <a:t>mais pas fonctionnel </a:t>
+            </a:r>
+            <a:r>
+              <a:rPr lang="fr-FR" sz="2000" b="1" dirty="0"/>
+              <a:t>pur</a:t>
+            </a:r>
+            <a:r>
+              <a:rPr lang="fr-FR" sz="2000" dirty="0"/>
+              <a:t> : </a:t>
             </a:r>
             <a:br>
               <a:rPr lang="fr-FR" sz="2000" dirty="0"/>
@@ -14322,7 +14877,7 @@
           <a:p>
             <a:fld id="{BB2FA04C-1355-4CE6-8050-4BD994E23BD5}" type="datetime4">
               <a:rPr lang="fr-FR" smtClean="0"/>
-              <a:t>7 juin 2021</a:t>
+              <a:t>17 juin 2021</a:t>
             </a:fld>
             <a:endParaRPr lang="fr-FR" dirty="0"/>
           </a:p>
@@ -14401,7 +14956,7 @@
         <p:spPr>
           <a:xfrm>
             <a:off x="3133268" y="3613208"/>
-            <a:ext cx="2420263" cy="2134173"/>
+            <a:ext cx="2233389" cy="2134173"/>
           </a:xfrm>
           <a:prstGeom prst="rect">
             <a:avLst/>
@@ -14734,7 +15289,7 @@
           <a:p>
             <a:fld id="{BB2FA04C-1355-4CE6-8050-4BD994E23BD5}" type="datetime4">
               <a:rPr lang="fr-FR" smtClean="0"/>
-              <a:t>7 juin 2021</a:t>
+              <a:t>17 juin 2021</a:t>
             </a:fld>
             <a:endParaRPr lang="fr-FR" dirty="0"/>
           </a:p>
@@ -15197,7 +15752,7 @@
           <a:p>
             <a:fld id="{BB2FA04C-1355-4CE6-8050-4BD994E23BD5}" type="datetime4">
               <a:rPr lang="fr-FR" smtClean="0"/>
-              <a:t>7 juin 2021</a:t>
+              <a:t>17 juin 2021</a:t>
             </a:fld>
             <a:endParaRPr lang="fr-FR" dirty="0"/>
           </a:p>
@@ -15275,7 +15830,7 @@
         </p:nvSpPr>
         <p:spPr>
           <a:xfrm>
-            <a:off x="1836195" y="2972533"/>
+            <a:off x="1836195" y="2983419"/>
             <a:ext cx="5014410" cy="3256316"/>
           </a:xfrm>
           <a:prstGeom prst="rect">
@@ -15502,7 +16057,11 @@
             </a:r>
             <a:r>
               <a:rPr lang="fr-FR" altLang="fr-FR" dirty="0" err="1">
-                <a:latin typeface="Source Code Pro" panose="020B0509030403020204"/>
+                <a:solidFill>
+                  <a:srgbClr val="6F42C1"/>
+                </a:solidFill>
+                <a:latin typeface="Source Code Pro" panose="020B0509030403020204" pitchFamily="49" charset="0"/>
+                <a:ea typeface="Source Code Pro" panose="020B0509030403020204" pitchFamily="49" charset="0"/>
               </a:rPr>
               <a:t>true</a:t>
             </a:r>
@@ -15741,7 +16300,7 @@
           <a:p>
             <a:fld id="{BB2FA04C-1355-4CE6-8050-4BD994E23BD5}" type="datetime4">
               <a:rPr lang="fr-FR" smtClean="0"/>
-              <a:t>7 juin 2021</a:t>
+              <a:t>17 juin 2021</a:t>
             </a:fld>
             <a:endParaRPr lang="fr-FR" dirty="0"/>
           </a:p>
@@ -16068,7 +16627,11 @@
             </a:r>
             <a:r>
               <a:rPr lang="fr-FR" altLang="fr-FR" dirty="0" err="1">
-                <a:latin typeface="Source Code Pro" panose="020B0509030403020204"/>
+                <a:solidFill>
+                  <a:srgbClr val="6F42C1"/>
+                </a:solidFill>
+                <a:latin typeface="Source Code Pro" panose="020B0509030403020204" pitchFamily="49" charset="0"/>
+                <a:ea typeface="Source Code Pro" panose="020B0509030403020204" pitchFamily="49" charset="0"/>
               </a:rPr>
               <a:t>true</a:t>
             </a:r>
@@ -16394,7 +16957,7 @@
           <a:p>
             <a:fld id="{BB2FA04C-1355-4CE6-8050-4BD994E23BD5}" type="datetime4">
               <a:rPr lang="fr-FR" smtClean="0"/>
-              <a:t>7 juin 2021</a:t>
+              <a:t>17 juin 2021</a:t>
             </a:fld>
             <a:endParaRPr lang="fr-FR" dirty="0"/>
           </a:p>
@@ -16662,9 +17225,19 @@
             </a:r>
             <a:r>
               <a:rPr lang="fr-FR" altLang="fr-FR" dirty="0" err="1">
+                <a:solidFill>
+                  <a:srgbClr val="6F42C1"/>
+                </a:solidFill>
+                <a:latin typeface="Source Code Pro" panose="020B0509030403020204" pitchFamily="49" charset="0"/>
+                <a:ea typeface="Source Code Pro" panose="020B0509030403020204" pitchFamily="49" charset="0"/>
+              </a:rPr>
+              <a:t>JSON</a:t>
+            </a:r>
+            <a:r>
+              <a:rPr lang="fr-FR" altLang="fr-FR" dirty="0" err="1">
                 <a:latin typeface="Source Code Pro" panose="020B0509030403020204"/>
               </a:rPr>
-              <a:t>JSON.parse</a:t>
+              <a:t>.parse</a:t>
             </a:r>
             <a:r>
               <a:rPr lang="fr-FR" altLang="fr-FR" dirty="0">
@@ -16701,9 +17274,19 @@
             </a:r>
             <a:r>
               <a:rPr lang="fr-FR" altLang="fr-FR" dirty="0" err="1">
+                <a:solidFill>
+                  <a:srgbClr val="6F42C1"/>
+                </a:solidFill>
+                <a:latin typeface="Source Code Pro" panose="020B0509030403020204" pitchFamily="49" charset="0"/>
+                <a:ea typeface="Source Code Pro" panose="020B0509030403020204" pitchFamily="49" charset="0"/>
+              </a:rPr>
+              <a:t>JSON</a:t>
+            </a:r>
+            <a:r>
+              <a:rPr lang="fr-FR" altLang="fr-FR" dirty="0" err="1">
                 <a:latin typeface="Source Code Pro" panose="020B0509030403020204"/>
               </a:rPr>
-              <a:t>JSON.stringify</a:t>
+              <a:t>.stringify</a:t>
             </a:r>
             <a:r>
               <a:rPr lang="fr-FR" altLang="fr-FR" dirty="0">
